--- a/reports/dEEGtal interview presentation - Jeroen Buil.pptx
+++ b/reports/dEEGtal interview presentation - Jeroen Buil.pptx
@@ -7,7 +7,11 @@
   <p:sldIdLst>
     <p:sldId id="256" r:id="rId2"/>
     <p:sldId id="257" r:id="rId3"/>
-    <p:sldId id="258" r:id="rId4"/>
+    <p:sldId id="261" r:id="rId4"/>
+    <p:sldId id="262" r:id="rId5"/>
+    <p:sldId id="258" r:id="rId6"/>
+    <p:sldId id="259" r:id="rId7"/>
+    <p:sldId id="260" r:id="rId8"/>
   </p:sldIdLst>
   <p:sldSz cx="12192000" cy="6858000"/>
   <p:notesSz cx="6858000" cy="9144000"/>
@@ -3576,7 +3580,7 @@
         </p:blipFill>
         <p:spPr>
           <a:xfrm>
-            <a:off x="7543800" y="-341313"/>
+            <a:off x="7726680" y="-784225"/>
             <a:ext cx="1771650" cy="5219700"/>
           </a:xfrm>
           <a:prstGeom prst="rect">
@@ -3649,6 +3653,277 @@
           <p:cNvPr id="2" name="Title 1">
             <a:extLst>
               <a:ext uri="{FF2B5EF4-FFF2-40B4-BE49-F238E27FC236}">
+                <a16:creationId xmlns:a16="http://schemas.microsoft.com/office/drawing/2014/main" id="{9E47D4DF-9025-ADC9-ECC6-30396FC49029}"/>
+              </a:ext>
+            </a:extLst>
+          </p:cNvPr>
+          <p:cNvSpPr>
+            <a:spLocks noGrp="1"/>
+          </p:cNvSpPr>
+          <p:nvPr>
+            <p:ph type="title"/>
+          </p:nvPr>
+        </p:nvSpPr>
+        <p:spPr/>
+        <p:txBody>
+          <a:bodyPr/>
+          <a:lstStyle/>
+          <a:p>
+            <a:r>
+              <a:rPr lang="en-GB" dirty="0"/>
+              <a:t>Stats</a:t>
+            </a:r>
+          </a:p>
+        </p:txBody>
+      </p:sp>
+      <p:sp>
+        <p:nvSpPr>
+          <p:cNvPr id="3" name="Content Placeholder 2">
+            <a:extLst>
+              <a:ext uri="{FF2B5EF4-FFF2-40B4-BE49-F238E27FC236}">
+                <a16:creationId xmlns:a16="http://schemas.microsoft.com/office/drawing/2014/main" id="{CE844975-1B5A-AF80-B86A-3FC01ED6E02E}"/>
+              </a:ext>
+            </a:extLst>
+          </p:cNvPr>
+          <p:cNvSpPr>
+            <a:spLocks noGrp="1"/>
+          </p:cNvSpPr>
+          <p:nvPr>
+            <p:ph idx="1"/>
+          </p:nvPr>
+        </p:nvSpPr>
+        <p:spPr/>
+        <p:txBody>
+          <a:bodyPr/>
+          <a:lstStyle/>
+          <a:p>
+            <a:r>
+              <a:rPr lang="en-GB" dirty="0"/>
+              <a:t>Recording time: ~20-25min</a:t>
+            </a:r>
+          </a:p>
+        </p:txBody>
+      </p:sp>
+    </p:spTree>
+    <p:extLst>
+      <p:ext uri="{BB962C8B-B14F-4D97-AF65-F5344CB8AC3E}">
+        <p14:creationId xmlns:p14="http://schemas.microsoft.com/office/powerpoint/2010/main" val="3291433691"/>
+      </p:ext>
+    </p:extLst>
+  </p:cSld>
+  <p:clrMapOvr>
+    <a:masterClrMapping/>
+  </p:clrMapOvr>
+</p:sld>
+</file>
+
+<file path=ppt/slides/slide4.xml><?xml version="1.0" encoding="utf-8"?>
+<p:sld xmlns:a="http://schemas.openxmlformats.org/drawingml/2006/main" xmlns:r="http://schemas.openxmlformats.org/officeDocument/2006/relationships" xmlns:p="http://schemas.openxmlformats.org/presentationml/2006/main">
+  <p:cSld>
+    <p:spTree>
+      <p:nvGrpSpPr>
+        <p:cNvPr id="1" name=""/>
+        <p:cNvGrpSpPr/>
+        <p:nvPr/>
+      </p:nvGrpSpPr>
+      <p:grpSpPr>
+        <a:xfrm>
+          <a:off x="0" y="0"/>
+          <a:ext cx="0" cy="0"/>
+          <a:chOff x="0" y="0"/>
+          <a:chExt cx="0" cy="0"/>
+        </a:xfrm>
+      </p:grpSpPr>
+      <p:sp>
+        <p:nvSpPr>
+          <p:cNvPr id="2" name="Title 1">
+            <a:extLst>
+              <a:ext uri="{FF2B5EF4-FFF2-40B4-BE49-F238E27FC236}">
+                <a16:creationId xmlns:a16="http://schemas.microsoft.com/office/drawing/2014/main" id="{A71391C0-3AE9-7DD8-2529-34DCB9C5C7F5}"/>
+              </a:ext>
+            </a:extLst>
+          </p:cNvPr>
+          <p:cNvSpPr>
+            <a:spLocks noGrp="1"/>
+          </p:cNvSpPr>
+          <p:nvPr>
+            <p:ph type="title"/>
+          </p:nvPr>
+        </p:nvSpPr>
+        <p:spPr/>
+        <p:txBody>
+          <a:bodyPr/>
+          <a:lstStyle/>
+          <a:p>
+            <a:r>
+              <a:rPr lang="en-US" b="1" dirty="0"/>
+              <a:t>Artifacts in EEG Signals and Preprocessing</a:t>
+            </a:r>
+            <a:br>
+              <a:rPr lang="en-US" b="1" dirty="0"/>
+            </a:br>
+            <a:endParaRPr lang="en-GB" dirty="0"/>
+          </a:p>
+        </p:txBody>
+      </p:sp>
+      <p:sp>
+        <p:nvSpPr>
+          <p:cNvPr id="3" name="Content Placeholder 2">
+            <a:extLst>
+              <a:ext uri="{FF2B5EF4-FFF2-40B4-BE49-F238E27FC236}">
+                <a16:creationId xmlns:a16="http://schemas.microsoft.com/office/drawing/2014/main" id="{7350770B-CC70-8725-A6CF-020B3668AEB4}"/>
+              </a:ext>
+            </a:extLst>
+          </p:cNvPr>
+          <p:cNvSpPr>
+            <a:spLocks noGrp="1"/>
+          </p:cNvSpPr>
+          <p:nvPr>
+            <p:ph idx="1"/>
+          </p:nvPr>
+        </p:nvSpPr>
+        <p:spPr/>
+        <p:txBody>
+          <a:bodyPr>
+            <a:normAutofit fontScale="70000" lnSpcReduction="20000"/>
+          </a:bodyPr>
+          <a:lstStyle/>
+          <a:p>
+            <a:r>
+              <a:rPr lang="en-US" dirty="0"/>
+              <a:t>The preprocessing step facilitates the removal of low-quality data without altering the clean data. This process also fragments the continuous raw signals without changing the data [</a:t>
+            </a:r>
+            <a:r>
+              <a:rPr lang="en-US" dirty="0">
+                <a:hlinkClick r:id="rId2"/>
+              </a:rPr>
+              <a:t>45</a:t>
+            </a:r>
+            <a:r>
+              <a:rPr lang="en-US" dirty="0"/>
+              <a:t>]. Artifact removal is an essential preprocessing step in the analysis of EEG signals, because the recordings usually include a significant number of extrinsic artifacts associated with environmental noise and experimental error, as well as intrinsic biological artifacts associated with body function (e.g., eye blinking, movement, respiration, and heartbeat) [</a:t>
+            </a:r>
+            <a:r>
+              <a:rPr lang="en-US" dirty="0">
+                <a:hlinkClick r:id="rId3"/>
+              </a:rPr>
+              <a:t>46</a:t>
+            </a:r>
+            <a:r>
+              <a:rPr lang="en-US" dirty="0"/>
+              <a:t>]. Various simple methods can be used to eliminate non-biological artifacts from EEG signals. Because environmental artifacts do not have the same frequency as the EEG signals of interest, they can be eliminated through application of a band filter [</a:t>
+            </a:r>
+            <a:r>
+              <a:rPr lang="en-US" dirty="0">
+                <a:hlinkClick r:id="rId3"/>
+              </a:rPr>
+              <a:t>46</a:t>
+            </a:r>
+            <a:r>
+              <a:rPr lang="en-US" dirty="0"/>
+              <a:t>]. Alternatively, standard operating procedures provide proper operational guidance for the data acquisition step and decreasing experimental artifacts [</a:t>
+            </a:r>
+            <a:r>
+              <a:rPr lang="en-US" dirty="0">
+                <a:hlinkClick r:id="rId4"/>
+              </a:rPr>
+              <a:t>47</a:t>
+            </a:r>
+            <a:r>
+              <a:rPr lang="en-US" dirty="0"/>
+              <a:t>]. However, the main types of biological noise include ocular artifacts, muscle artifacts, cardiac artifacts, and instrument artifacts, which require the use of filtering and/or computational methods to be removed from EEG data. More in-depth descriptions of these types of artifacts can be found in references [</a:t>
+            </a:r>
+            <a:r>
+              <a:rPr lang="en-US" dirty="0">
+                <a:hlinkClick r:id="rId3"/>
+              </a:rPr>
+              <a:t>46</a:t>
+            </a:r>
+            <a:r>
+              <a:rPr lang="en-US" dirty="0"/>
+              <a:t>,</a:t>
+            </a:r>
+            <a:r>
+              <a:rPr lang="en-US" dirty="0">
+                <a:hlinkClick r:id="rId5"/>
+              </a:rPr>
+              <a:t>48</a:t>
+            </a:r>
+            <a:r>
+              <a:rPr lang="en-US" dirty="0"/>
+              <a:t>]. According to the literature, extensive research has been conducted in the past decades [</a:t>
+            </a:r>
+            <a:r>
+              <a:rPr lang="en-US" dirty="0">
+                <a:hlinkClick r:id="rId3"/>
+              </a:rPr>
+              <a:t>46</a:t>
+            </a:r>
+            <a:r>
+              <a:rPr lang="en-US" dirty="0"/>
+              <a:t>,</a:t>
+            </a:r>
+            <a:r>
+              <a:rPr lang="en-US" dirty="0">
+                <a:hlinkClick r:id="rId6"/>
+              </a:rPr>
+              <a:t>49</a:t>
+            </a:r>
+            <a:r>
+              <a:rPr lang="en-US" dirty="0"/>
+              <a:t>] to identify and define efficient methods for both automatic and manual artifact removal.</a:t>
+            </a:r>
+          </a:p>
+          <a:p>
+            <a:endParaRPr lang="en-US" dirty="0"/>
+          </a:p>
+          <a:p>
+            <a:r>
+              <a:rPr lang="en-US"/>
+              <a:t>https://pmc.ncbi.nlm.nih.gov/articles/PMC8615531/</a:t>
+            </a:r>
+            <a:endParaRPr lang="en-US" dirty="0"/>
+          </a:p>
+          <a:p>
+            <a:endParaRPr lang="en-GB" dirty="0"/>
+          </a:p>
+        </p:txBody>
+      </p:sp>
+    </p:spTree>
+    <p:extLst>
+      <p:ext uri="{BB962C8B-B14F-4D97-AF65-F5344CB8AC3E}">
+        <p14:creationId xmlns:p14="http://schemas.microsoft.com/office/powerpoint/2010/main" val="1307683328"/>
+      </p:ext>
+    </p:extLst>
+  </p:cSld>
+  <p:clrMapOvr>
+    <a:masterClrMapping/>
+  </p:clrMapOvr>
+</p:sld>
+</file>
+
+<file path=ppt/slides/slide5.xml><?xml version="1.0" encoding="utf-8"?>
+<p:sld xmlns:a="http://schemas.openxmlformats.org/drawingml/2006/main" xmlns:r="http://schemas.openxmlformats.org/officeDocument/2006/relationships" xmlns:p="http://schemas.openxmlformats.org/presentationml/2006/main">
+  <p:cSld>
+    <p:spTree>
+      <p:nvGrpSpPr>
+        <p:cNvPr id="1" name=""/>
+        <p:cNvGrpSpPr/>
+        <p:nvPr/>
+      </p:nvGrpSpPr>
+      <p:grpSpPr>
+        <a:xfrm>
+          <a:off x="0" y="0"/>
+          <a:ext cx="0" cy="0"/>
+          <a:chOff x="0" y="0"/>
+          <a:chExt cx="0" cy="0"/>
+        </a:xfrm>
+      </p:grpSpPr>
+      <p:sp>
+        <p:nvSpPr>
+          <p:cNvPr id="2" name="Title 1">
+            <a:extLst>
+              <a:ext uri="{FF2B5EF4-FFF2-40B4-BE49-F238E27FC236}">
                 <a16:creationId xmlns:a16="http://schemas.microsoft.com/office/drawing/2014/main" id="{0A224CA4-B7D4-54FB-EE06-146BD69495AB}"/>
               </a:ext>
             </a:extLst>
@@ -3788,6 +4063,626 @@
     <p:extLst>
       <p:ext uri="{BB962C8B-B14F-4D97-AF65-F5344CB8AC3E}">
         <p14:creationId xmlns:p14="http://schemas.microsoft.com/office/powerpoint/2010/main" val="455723385"/>
+      </p:ext>
+    </p:extLst>
+  </p:cSld>
+  <p:clrMapOvr>
+    <a:masterClrMapping/>
+  </p:clrMapOvr>
+</p:sld>
+</file>
+
+<file path=ppt/slides/slide6.xml><?xml version="1.0" encoding="utf-8"?>
+<p:sld xmlns:a="http://schemas.openxmlformats.org/drawingml/2006/main" xmlns:r="http://schemas.openxmlformats.org/officeDocument/2006/relationships" xmlns:p="http://schemas.openxmlformats.org/presentationml/2006/main">
+  <p:cSld>
+    <p:spTree>
+      <p:nvGrpSpPr>
+        <p:cNvPr id="1" name=""/>
+        <p:cNvGrpSpPr/>
+        <p:nvPr/>
+      </p:nvGrpSpPr>
+      <p:grpSpPr>
+        <a:xfrm>
+          <a:off x="0" y="0"/>
+          <a:ext cx="0" cy="0"/>
+          <a:chOff x="0" y="0"/>
+          <a:chExt cx="0" cy="0"/>
+        </a:xfrm>
+      </p:grpSpPr>
+      <p:sp>
+        <p:nvSpPr>
+          <p:cNvPr id="2" name="Title 1">
+            <a:extLst>
+              <a:ext uri="{FF2B5EF4-FFF2-40B4-BE49-F238E27FC236}">
+                <a16:creationId xmlns:a16="http://schemas.microsoft.com/office/drawing/2014/main" id="{FD5C7A68-805B-BC74-03A7-5654AFA67854}"/>
+              </a:ext>
+            </a:extLst>
+          </p:cNvPr>
+          <p:cNvSpPr>
+            <a:spLocks noGrp="1"/>
+          </p:cNvSpPr>
+          <p:nvPr>
+            <p:ph type="title"/>
+          </p:nvPr>
+        </p:nvSpPr>
+        <p:spPr>
+          <a:xfrm>
+            <a:off x="838200" y="550433"/>
+            <a:ext cx="9045563" cy="1140255"/>
+          </a:xfrm>
+        </p:spPr>
+        <p:txBody>
+          <a:bodyPr/>
+          <a:lstStyle/>
+          <a:p>
+            <a:endParaRPr lang="en-GB" dirty="0"/>
+          </a:p>
+        </p:txBody>
+      </p:sp>
+      <p:pic>
+        <p:nvPicPr>
+          <p:cNvPr id="5" name="Content Placeholder 4" descr="A graph of a graph showing a curve&#10;&#10;Description automatically generated">
+            <a:extLst>
+              <a:ext uri="{FF2B5EF4-FFF2-40B4-BE49-F238E27FC236}">
+                <a16:creationId xmlns:a16="http://schemas.microsoft.com/office/drawing/2014/main" id="{7D031BD2-5DD6-4F1F-F581-E0E3D5008A85}"/>
+              </a:ext>
+            </a:extLst>
+          </p:cNvPr>
+          <p:cNvPicPr>
+            <a:picLocks noGrp="1" noChangeAspect="1"/>
+          </p:cNvPicPr>
+          <p:nvPr>
+            <p:ph idx="1"/>
+          </p:nvPr>
+        </p:nvPicPr>
+        <p:blipFill>
+          <a:blip r:embed="rId2">
+            <a:extLst>
+              <a:ext uri="{28A0092B-C50C-407E-A947-70E740481C1C}">
+                <a14:useLocalDpi xmlns:a14="http://schemas.microsoft.com/office/drawing/2010/main" val="0"/>
+              </a:ext>
+            </a:extLst>
+          </a:blip>
+          <a:stretch>
+            <a:fillRect/>
+          </a:stretch>
+        </p:blipFill>
+        <p:spPr>
+          <a:xfrm>
+            <a:off x="528819" y="97372"/>
+            <a:ext cx="3748891" cy="1338625"/>
+          </a:xfrm>
+        </p:spPr>
+      </p:pic>
+      <p:pic>
+        <p:nvPicPr>
+          <p:cNvPr id="7" name="Picture 6" descr="A graph of a number of lines&#10;&#10;Description automatically generated with medium confidence">
+            <a:extLst>
+              <a:ext uri="{FF2B5EF4-FFF2-40B4-BE49-F238E27FC236}">
+                <a16:creationId xmlns:a16="http://schemas.microsoft.com/office/drawing/2014/main" id="{A6E9E56F-323A-FF67-A0B4-7C9296E9E05D}"/>
+              </a:ext>
+            </a:extLst>
+          </p:cNvPr>
+          <p:cNvPicPr>
+            <a:picLocks noChangeAspect="1"/>
+          </p:cNvPicPr>
+          <p:nvPr/>
+        </p:nvPicPr>
+        <p:blipFill>
+          <a:blip r:embed="rId3">
+            <a:extLst>
+              <a:ext uri="{28A0092B-C50C-407E-A947-70E740481C1C}">
+                <a14:useLocalDpi xmlns:a14="http://schemas.microsoft.com/office/drawing/2010/main" val="0"/>
+              </a:ext>
+            </a:extLst>
+          </a:blip>
+          <a:stretch>
+            <a:fillRect/>
+          </a:stretch>
+        </p:blipFill>
+        <p:spPr>
+          <a:xfrm>
+            <a:off x="528820" y="1576207"/>
+            <a:ext cx="3827548" cy="1366711"/>
+          </a:xfrm>
+          <a:prstGeom prst="rect">
+            <a:avLst/>
+          </a:prstGeom>
+        </p:spPr>
+      </p:pic>
+      <p:pic>
+        <p:nvPicPr>
+          <p:cNvPr id="9" name="Picture 8" descr="A graph of a graph showing a number of waves&#10;&#10;Description automatically generated with medium confidence">
+            <a:extLst>
+              <a:ext uri="{FF2B5EF4-FFF2-40B4-BE49-F238E27FC236}">
+                <a16:creationId xmlns:a16="http://schemas.microsoft.com/office/drawing/2014/main" id="{4B0C54DE-EA89-4898-3ACC-8A4B57878F70}"/>
+              </a:ext>
+            </a:extLst>
+          </p:cNvPr>
+          <p:cNvPicPr>
+            <a:picLocks noChangeAspect="1"/>
+          </p:cNvPicPr>
+          <p:nvPr/>
+        </p:nvPicPr>
+        <p:blipFill>
+          <a:blip r:embed="rId4">
+            <a:extLst>
+              <a:ext uri="{28A0092B-C50C-407E-A947-70E740481C1C}">
+                <a14:useLocalDpi xmlns:a14="http://schemas.microsoft.com/office/drawing/2010/main" val="0"/>
+              </a:ext>
+            </a:extLst>
+          </a:blip>
+          <a:stretch>
+            <a:fillRect/>
+          </a:stretch>
+        </p:blipFill>
+        <p:spPr>
+          <a:xfrm>
+            <a:off x="528820" y="3050478"/>
+            <a:ext cx="3827548" cy="1366711"/>
+          </a:xfrm>
+          <a:prstGeom prst="rect">
+            <a:avLst/>
+          </a:prstGeom>
+        </p:spPr>
+      </p:pic>
+      <p:pic>
+        <p:nvPicPr>
+          <p:cNvPr id="11" name="Picture 10" descr="A graph of a waveform&#10;&#10;Description automatically generated">
+            <a:extLst>
+              <a:ext uri="{FF2B5EF4-FFF2-40B4-BE49-F238E27FC236}">
+                <a16:creationId xmlns:a16="http://schemas.microsoft.com/office/drawing/2014/main" id="{B6157AF6-ADD1-8DA6-AE68-A733E6853872}"/>
+              </a:ext>
+            </a:extLst>
+          </p:cNvPr>
+          <p:cNvPicPr>
+            <a:picLocks noChangeAspect="1"/>
+          </p:cNvPicPr>
+          <p:nvPr/>
+        </p:nvPicPr>
+        <p:blipFill>
+          <a:blip r:embed="rId5">
+            <a:extLst>
+              <a:ext uri="{28A0092B-C50C-407E-A947-70E740481C1C}">
+                <a14:useLocalDpi xmlns:a14="http://schemas.microsoft.com/office/drawing/2010/main" val="0"/>
+              </a:ext>
+            </a:extLst>
+          </a:blip>
+          <a:stretch>
+            <a:fillRect/>
+          </a:stretch>
+        </p:blipFill>
+        <p:spPr>
+          <a:xfrm>
+            <a:off x="493009" y="4519069"/>
+            <a:ext cx="3889155" cy="1388709"/>
+          </a:xfrm>
+          <a:prstGeom prst="rect">
+            <a:avLst/>
+          </a:prstGeom>
+        </p:spPr>
+      </p:pic>
+      <p:pic>
+        <p:nvPicPr>
+          <p:cNvPr id="13" name="Picture 12" descr="A graph of a graph showing a number of lines&#10;&#10;Description automatically generated with medium confidence">
+            <a:extLst>
+              <a:ext uri="{FF2B5EF4-FFF2-40B4-BE49-F238E27FC236}">
+                <a16:creationId xmlns:a16="http://schemas.microsoft.com/office/drawing/2014/main" id="{B37EE1D9-8AB5-F373-869F-804E94E0B850}"/>
+              </a:ext>
+            </a:extLst>
+          </p:cNvPr>
+          <p:cNvPicPr>
+            <a:picLocks noChangeAspect="1"/>
+          </p:cNvPicPr>
+          <p:nvPr/>
+        </p:nvPicPr>
+        <p:blipFill>
+          <a:blip r:embed="rId6">
+            <a:extLst>
+              <a:ext uri="{28A0092B-C50C-407E-A947-70E740481C1C}">
+                <a14:useLocalDpi xmlns:a14="http://schemas.microsoft.com/office/drawing/2010/main" val="0"/>
+              </a:ext>
+            </a:extLst>
+          </a:blip>
+          <a:stretch>
+            <a:fillRect/>
+          </a:stretch>
+        </p:blipFill>
+        <p:spPr>
+          <a:xfrm>
+            <a:off x="564629" y="5989764"/>
+            <a:ext cx="3827548" cy="1366711"/>
+          </a:xfrm>
+          <a:prstGeom prst="rect">
+            <a:avLst/>
+          </a:prstGeom>
+        </p:spPr>
+      </p:pic>
+      <p:pic>
+        <p:nvPicPr>
+          <p:cNvPr id="37" name="Picture 36" descr="A graph of a wave&#10;&#10;Description automatically generated">
+            <a:extLst>
+              <a:ext uri="{FF2B5EF4-FFF2-40B4-BE49-F238E27FC236}">
+                <a16:creationId xmlns:a16="http://schemas.microsoft.com/office/drawing/2014/main" id="{79CA0905-11F8-E7F0-EA1A-AABCA4333823}"/>
+              </a:ext>
+            </a:extLst>
+          </p:cNvPr>
+          <p:cNvPicPr>
+            <a:picLocks noChangeAspect="1"/>
+          </p:cNvPicPr>
+          <p:nvPr/>
+        </p:nvPicPr>
+        <p:blipFill>
+          <a:blip r:embed="rId7">
+            <a:extLst>
+              <a:ext uri="{28A0092B-C50C-407E-A947-70E740481C1C}">
+                <a14:useLocalDpi xmlns:a14="http://schemas.microsoft.com/office/drawing/2010/main" val="0"/>
+              </a:ext>
+            </a:extLst>
+          </a:blip>
+          <a:stretch>
+            <a:fillRect/>
+          </a:stretch>
+        </p:blipFill>
+        <p:spPr>
+          <a:xfrm>
+            <a:off x="6655859" y="5617877"/>
+            <a:ext cx="3850200" cy="1374799"/>
+          </a:xfrm>
+          <a:prstGeom prst="rect">
+            <a:avLst/>
+          </a:prstGeom>
+        </p:spPr>
+      </p:pic>
+      <p:pic>
+        <p:nvPicPr>
+          <p:cNvPr id="38" name="Picture 37" descr="A graph of a graph showing a number of numbers&#10;&#10;Description automatically generated with medium confidence">
+            <a:extLst>
+              <a:ext uri="{FF2B5EF4-FFF2-40B4-BE49-F238E27FC236}">
+                <a16:creationId xmlns:a16="http://schemas.microsoft.com/office/drawing/2014/main" id="{419C0126-73D8-4A5D-DFE1-39EE80BD9BD4}"/>
+              </a:ext>
+            </a:extLst>
+          </p:cNvPr>
+          <p:cNvPicPr>
+            <a:picLocks noChangeAspect="1"/>
+          </p:cNvPicPr>
+          <p:nvPr/>
+        </p:nvPicPr>
+        <p:blipFill>
+          <a:blip r:embed="rId8">
+            <a:extLst>
+              <a:ext uri="{28A0092B-C50C-407E-A947-70E740481C1C}">
+                <a14:useLocalDpi xmlns:a14="http://schemas.microsoft.com/office/drawing/2010/main" val="0"/>
+              </a:ext>
+            </a:extLst>
+          </a:blip>
+          <a:stretch>
+            <a:fillRect/>
+          </a:stretch>
+        </p:blipFill>
+        <p:spPr>
+          <a:xfrm>
+            <a:off x="6762986" y="242858"/>
+            <a:ext cx="3850200" cy="1374799"/>
+          </a:xfrm>
+          <a:prstGeom prst="rect">
+            <a:avLst/>
+          </a:prstGeom>
+        </p:spPr>
+      </p:pic>
+      <p:pic>
+        <p:nvPicPr>
+          <p:cNvPr id="39" name="Picture 38" descr="A graph of a graph showing a number of different types of data&#10;&#10;Description automatically generated with medium confidence">
+            <a:extLst>
+              <a:ext uri="{FF2B5EF4-FFF2-40B4-BE49-F238E27FC236}">
+                <a16:creationId xmlns:a16="http://schemas.microsoft.com/office/drawing/2014/main" id="{AAE4E40E-3FF0-D82D-4B00-32F53CC8AA81}"/>
+              </a:ext>
+            </a:extLst>
+          </p:cNvPr>
+          <p:cNvPicPr>
+            <a:picLocks noChangeAspect="1"/>
+          </p:cNvPicPr>
+          <p:nvPr/>
+        </p:nvPicPr>
+        <p:blipFill>
+          <a:blip r:embed="rId9">
+            <a:extLst>
+              <a:ext uri="{28A0092B-C50C-407E-A947-70E740481C1C}">
+                <a14:useLocalDpi xmlns:a14="http://schemas.microsoft.com/office/drawing/2010/main" val="0"/>
+              </a:ext>
+            </a:extLst>
+          </a:blip>
+          <a:stretch>
+            <a:fillRect/>
+          </a:stretch>
+        </p:blipFill>
+        <p:spPr>
+          <a:xfrm>
+            <a:off x="6620050" y="1624952"/>
+            <a:ext cx="3850200" cy="1374799"/>
+          </a:xfrm>
+          <a:prstGeom prst="rect">
+            <a:avLst/>
+          </a:prstGeom>
+        </p:spPr>
+      </p:pic>
+      <p:pic>
+        <p:nvPicPr>
+          <p:cNvPr id="40" name="Picture 39" descr="A graph of a graph showing a number of waves&#10;&#10;Description automatically generated with medium confidence">
+            <a:extLst>
+              <a:ext uri="{FF2B5EF4-FFF2-40B4-BE49-F238E27FC236}">
+                <a16:creationId xmlns:a16="http://schemas.microsoft.com/office/drawing/2014/main" id="{2BAAA85F-0315-01BD-9F2C-CFA895196CC6}"/>
+              </a:ext>
+            </a:extLst>
+          </p:cNvPr>
+          <p:cNvPicPr>
+            <a:picLocks noChangeAspect="1"/>
+          </p:cNvPicPr>
+          <p:nvPr/>
+        </p:nvPicPr>
+        <p:blipFill>
+          <a:blip r:embed="rId10">
+            <a:extLst>
+              <a:ext uri="{28A0092B-C50C-407E-A947-70E740481C1C}">
+                <a14:useLocalDpi xmlns:a14="http://schemas.microsoft.com/office/drawing/2010/main" val="0"/>
+              </a:ext>
+            </a:extLst>
+          </a:blip>
+          <a:stretch>
+            <a:fillRect/>
+          </a:stretch>
+        </p:blipFill>
+        <p:spPr>
+          <a:xfrm>
+            <a:off x="6620050" y="2999751"/>
+            <a:ext cx="3850200" cy="1374799"/>
+          </a:xfrm>
+          <a:prstGeom prst="rect">
+            <a:avLst/>
+          </a:prstGeom>
+        </p:spPr>
+      </p:pic>
+      <p:pic>
+        <p:nvPicPr>
+          <p:cNvPr id="41" name="Picture 40" descr="A graph of a graph showing a number of different types of data&#10;&#10;Description automatically generated with medium confidence">
+            <a:extLst>
+              <a:ext uri="{FF2B5EF4-FFF2-40B4-BE49-F238E27FC236}">
+                <a16:creationId xmlns:a16="http://schemas.microsoft.com/office/drawing/2014/main" id="{3732A502-8F56-7C1E-52DC-D291B996C5BE}"/>
+              </a:ext>
+            </a:extLst>
+          </p:cNvPr>
+          <p:cNvPicPr>
+            <a:picLocks noChangeAspect="1"/>
+          </p:cNvPicPr>
+          <p:nvPr/>
+        </p:nvPicPr>
+        <p:blipFill>
+          <a:blip r:embed="rId11">
+            <a:extLst>
+              <a:ext uri="{28A0092B-C50C-407E-A947-70E740481C1C}">
+                <a14:useLocalDpi xmlns:a14="http://schemas.microsoft.com/office/drawing/2010/main" val="0"/>
+              </a:ext>
+            </a:extLst>
+          </a:blip>
+          <a:stretch>
+            <a:fillRect/>
+          </a:stretch>
+        </p:blipFill>
+        <p:spPr>
+          <a:xfrm>
+            <a:off x="6620050" y="4308814"/>
+            <a:ext cx="3850200" cy="1374799"/>
+          </a:xfrm>
+          <a:prstGeom prst="rect">
+            <a:avLst/>
+          </a:prstGeom>
+        </p:spPr>
+      </p:pic>
+    </p:spTree>
+    <p:extLst>
+      <p:ext uri="{BB962C8B-B14F-4D97-AF65-F5344CB8AC3E}">
+        <p14:creationId xmlns:p14="http://schemas.microsoft.com/office/powerpoint/2010/main" val="105852869"/>
+      </p:ext>
+    </p:extLst>
+  </p:cSld>
+  <p:clrMapOvr>
+    <a:masterClrMapping/>
+  </p:clrMapOvr>
+</p:sld>
+</file>
+
+<file path=ppt/slides/slide7.xml><?xml version="1.0" encoding="utf-8"?>
+<p:sld xmlns:a="http://schemas.openxmlformats.org/drawingml/2006/main" xmlns:r="http://schemas.openxmlformats.org/officeDocument/2006/relationships" xmlns:p="http://schemas.openxmlformats.org/presentationml/2006/main">
+  <p:cSld>
+    <p:spTree>
+      <p:nvGrpSpPr>
+        <p:cNvPr id="1" name=""/>
+        <p:cNvGrpSpPr/>
+        <p:nvPr/>
+      </p:nvGrpSpPr>
+      <p:grpSpPr>
+        <a:xfrm>
+          <a:off x="0" y="0"/>
+          <a:ext cx="0" cy="0"/>
+          <a:chOff x="0" y="0"/>
+          <a:chExt cx="0" cy="0"/>
+        </a:xfrm>
+      </p:grpSpPr>
+      <p:sp>
+        <p:nvSpPr>
+          <p:cNvPr id="2" name="Title 1">
+            <a:extLst>
+              <a:ext uri="{FF2B5EF4-FFF2-40B4-BE49-F238E27FC236}">
+                <a16:creationId xmlns:a16="http://schemas.microsoft.com/office/drawing/2014/main" id="{F89BE69D-A4D5-039B-59C0-A15D534E0076}"/>
+              </a:ext>
+            </a:extLst>
+          </p:cNvPr>
+          <p:cNvSpPr>
+            <a:spLocks noGrp="1"/>
+          </p:cNvSpPr>
+          <p:nvPr>
+            <p:ph type="title"/>
+          </p:nvPr>
+        </p:nvSpPr>
+        <p:spPr/>
+        <p:txBody>
+          <a:bodyPr/>
+          <a:lstStyle/>
+          <a:p>
+            <a:r>
+              <a:rPr lang="en-GB" dirty="0"/>
+              <a:t>Crop </a:t>
+            </a:r>
+          </a:p>
+        </p:txBody>
+      </p:sp>
+      <p:pic>
+        <p:nvPicPr>
+          <p:cNvPr id="5" name="Content Placeholder 4" descr="A screen shot of a graph&#10;&#10;Description automatically generated">
+            <a:extLst>
+              <a:ext uri="{FF2B5EF4-FFF2-40B4-BE49-F238E27FC236}">
+                <a16:creationId xmlns:a16="http://schemas.microsoft.com/office/drawing/2014/main" id="{2C23DFE7-F4C6-05E7-E383-2DD2038EB040}"/>
+              </a:ext>
+            </a:extLst>
+          </p:cNvPr>
+          <p:cNvPicPr>
+            <a:picLocks noGrp="1" noChangeAspect="1"/>
+          </p:cNvPicPr>
+          <p:nvPr>
+            <p:ph idx="1"/>
+          </p:nvPr>
+        </p:nvPicPr>
+        <p:blipFill>
+          <a:blip r:embed="rId2">
+            <a:extLst>
+              <a:ext uri="{28A0092B-C50C-407E-A947-70E740481C1C}">
+                <a14:useLocalDpi xmlns:a14="http://schemas.microsoft.com/office/drawing/2010/main" val="0"/>
+              </a:ext>
+            </a:extLst>
+          </a:blip>
+          <a:stretch>
+            <a:fillRect/>
+          </a:stretch>
+        </p:blipFill>
+        <p:spPr>
+          <a:xfrm>
+            <a:off x="2891751" y="3553767"/>
+            <a:ext cx="3336963" cy="3227087"/>
+          </a:xfrm>
+        </p:spPr>
+      </p:pic>
+      <p:pic>
+        <p:nvPicPr>
+          <p:cNvPr id="7" name="Picture 6" descr="A screen shot of a graph&#10;&#10;Description automatically generated">
+            <a:extLst>
+              <a:ext uri="{FF2B5EF4-FFF2-40B4-BE49-F238E27FC236}">
+                <a16:creationId xmlns:a16="http://schemas.microsoft.com/office/drawing/2014/main" id="{44AB0A13-D092-A193-322D-E15F6D5FA586}"/>
+              </a:ext>
+            </a:extLst>
+          </p:cNvPr>
+          <p:cNvPicPr>
+            <a:picLocks noChangeAspect="1"/>
+          </p:cNvPicPr>
+          <p:nvPr/>
+        </p:nvPicPr>
+        <p:blipFill>
+          <a:blip r:embed="rId3">
+            <a:extLst>
+              <a:ext uri="{28A0092B-C50C-407E-A947-70E740481C1C}">
+                <a14:useLocalDpi xmlns:a14="http://schemas.microsoft.com/office/drawing/2010/main" val="0"/>
+              </a:ext>
+            </a:extLst>
+          </a:blip>
+          <a:stretch>
+            <a:fillRect/>
+          </a:stretch>
+        </p:blipFill>
+        <p:spPr>
+          <a:xfrm>
+            <a:off x="228530" y="2023419"/>
+            <a:ext cx="3336962" cy="3227086"/>
+          </a:xfrm>
+          <a:prstGeom prst="rect">
+            <a:avLst/>
+          </a:prstGeom>
+        </p:spPr>
+      </p:pic>
+      <p:pic>
+        <p:nvPicPr>
+          <p:cNvPr id="9" name="Picture 8" descr="A screen shot of a graph&#10;&#10;Description automatically generated">
+            <a:extLst>
+              <a:ext uri="{FF2B5EF4-FFF2-40B4-BE49-F238E27FC236}">
+                <a16:creationId xmlns:a16="http://schemas.microsoft.com/office/drawing/2014/main" id="{AD1D0F15-2A20-A847-9B08-8F43C84A5403}"/>
+              </a:ext>
+            </a:extLst>
+          </p:cNvPr>
+          <p:cNvPicPr>
+            <a:picLocks noChangeAspect="1"/>
+          </p:cNvPicPr>
+          <p:nvPr/>
+        </p:nvPicPr>
+        <p:blipFill>
+          <a:blip r:embed="rId4">
+            <a:extLst>
+              <a:ext uri="{28A0092B-C50C-407E-A947-70E740481C1C}">
+                <a14:useLocalDpi xmlns:a14="http://schemas.microsoft.com/office/drawing/2010/main" val="0"/>
+              </a:ext>
+            </a:extLst>
+          </a:blip>
+          <a:stretch>
+            <a:fillRect/>
+          </a:stretch>
+        </p:blipFill>
+        <p:spPr>
+          <a:xfrm>
+            <a:off x="5982284" y="1420110"/>
+            <a:ext cx="3724487" cy="3601851"/>
+          </a:xfrm>
+          <a:prstGeom prst="rect">
+            <a:avLst/>
+          </a:prstGeom>
+        </p:spPr>
+      </p:pic>
+      <p:pic>
+        <p:nvPicPr>
+          <p:cNvPr id="11" name="Picture 10" descr="A screenshot of a computer&#10;&#10;Description automatically generated">
+            <a:extLst>
+              <a:ext uri="{FF2B5EF4-FFF2-40B4-BE49-F238E27FC236}">
+                <a16:creationId xmlns:a16="http://schemas.microsoft.com/office/drawing/2014/main" id="{38A915D1-858D-AAB8-BAA2-158FBDE65C32}"/>
+              </a:ext>
+            </a:extLst>
+          </p:cNvPr>
+          <p:cNvPicPr>
+            <a:picLocks noChangeAspect="1"/>
+          </p:cNvPicPr>
+          <p:nvPr/>
+        </p:nvPicPr>
+        <p:blipFill>
+          <a:blip r:embed="rId5">
+            <a:extLst>
+              <a:ext uri="{28A0092B-C50C-407E-A947-70E740481C1C}">
+                <a14:useLocalDpi xmlns:a14="http://schemas.microsoft.com/office/drawing/2010/main" val="0"/>
+              </a:ext>
+            </a:extLst>
+          </a:blip>
+          <a:stretch>
+            <a:fillRect/>
+          </a:stretch>
+        </p:blipFill>
+        <p:spPr>
+          <a:xfrm>
+            <a:off x="7844528" y="3008129"/>
+            <a:ext cx="3980951" cy="3849871"/>
+          </a:xfrm>
+          <a:prstGeom prst="rect">
+            <a:avLst/>
+          </a:prstGeom>
+        </p:spPr>
+      </p:pic>
+    </p:spTree>
+    <p:extLst>
+      <p:ext uri="{BB962C8B-B14F-4D97-AF65-F5344CB8AC3E}">
+        <p14:creationId xmlns:p14="http://schemas.microsoft.com/office/powerpoint/2010/main" val="3394353986"/>
       </p:ext>
     </p:extLst>
   </p:cSld>

--- a/reports/dEEGtal interview presentation - Jeroen Buil.pptx
+++ b/reports/dEEGtal interview presentation - Jeroen Buil.pptx
@@ -110,6 +110,11 @@
       </a:defRPr>
     </a:lvl9pPr>
   </p:defaultTextStyle>
+  <p:extLst>
+    <p:ext uri="{EFAFB233-063F-42B5-8137-9DF3F51BA10A}">
+      <p15:sldGuideLst xmlns:p15="http://schemas.microsoft.com/office/powerpoint/2012/main"/>
+    </p:ext>
+  </p:extLst>
 </p:presentation>
 </file>
 
@@ -3580,7 +3585,7 @@
         </p:blipFill>
         <p:spPr>
           <a:xfrm>
-            <a:off x="7726680" y="-784225"/>
+            <a:off x="7726680" y="-316706"/>
             <a:ext cx="1771650" cy="5219700"/>
           </a:xfrm>
           <a:prstGeom prst="rect">
@@ -3610,7 +3615,7 @@
         </p:blipFill>
         <p:spPr>
           <a:xfrm>
-            <a:off x="9410065" y="-401003"/>
+            <a:off x="9570402" y="-316706"/>
             <a:ext cx="2085975" cy="6162675"/>
           </a:xfrm>
           <a:prstGeom prst="rect">
@@ -4531,7 +4536,7 @@
           <a:p>
             <a:r>
               <a:rPr lang="en-GB" dirty="0"/>
-              <a:t>Crop </a:t>
+              <a:t>Crop start + end of recording (5min-20min) </a:t>
             </a:r>
           </a:p>
         </p:txBody>

--- a/reports/dEEGtal interview presentation - Jeroen Buil.pptx
+++ b/reports/dEEGtal interview presentation - Jeroen Buil.pptx
@@ -6,12 +6,16 @@
   </p:sldMasterIdLst>
   <p:sldIdLst>
     <p:sldId id="256" r:id="rId2"/>
-    <p:sldId id="257" r:id="rId3"/>
-    <p:sldId id="261" r:id="rId4"/>
-    <p:sldId id="262" r:id="rId5"/>
-    <p:sldId id="258" r:id="rId6"/>
-    <p:sldId id="259" r:id="rId7"/>
-    <p:sldId id="260" r:id="rId8"/>
+    <p:sldId id="265" r:id="rId3"/>
+    <p:sldId id="257" r:id="rId4"/>
+    <p:sldId id="261" r:id="rId5"/>
+    <p:sldId id="263" r:id="rId6"/>
+    <p:sldId id="264" r:id="rId7"/>
+    <p:sldId id="262" r:id="rId8"/>
+    <p:sldId id="258" r:id="rId9"/>
+    <p:sldId id="259" r:id="rId10"/>
+    <p:sldId id="260" r:id="rId11"/>
+    <p:sldId id="266" r:id="rId12"/>
   </p:sldIdLst>
   <p:sldSz cx="12192000" cy="6858000"/>
   <p:notesSz cx="6858000" cy="9144000"/>
@@ -267,7 +271,7 @@
           <a:p>
             <a:fld id="{9C02005A-E747-4717-87FA-A0566728574C}" type="datetimeFigureOut">
               <a:rPr lang="en-GB" smtClean="0"/>
-              <a:t>22/10/2024</a:t>
+              <a:t>23/10/2024</a:t>
             </a:fld>
             <a:endParaRPr lang="en-GB"/>
           </a:p>
@@ -467,7 +471,7 @@
           <a:p>
             <a:fld id="{9C02005A-E747-4717-87FA-A0566728574C}" type="datetimeFigureOut">
               <a:rPr lang="en-GB" smtClean="0"/>
-              <a:t>22/10/2024</a:t>
+              <a:t>23/10/2024</a:t>
             </a:fld>
             <a:endParaRPr lang="en-GB"/>
           </a:p>
@@ -677,7 +681,7 @@
           <a:p>
             <a:fld id="{9C02005A-E747-4717-87FA-A0566728574C}" type="datetimeFigureOut">
               <a:rPr lang="en-GB" smtClean="0"/>
-              <a:t>22/10/2024</a:t>
+              <a:t>23/10/2024</a:t>
             </a:fld>
             <a:endParaRPr lang="en-GB"/>
           </a:p>
@@ -877,7 +881,7 @@
           <a:p>
             <a:fld id="{9C02005A-E747-4717-87FA-A0566728574C}" type="datetimeFigureOut">
               <a:rPr lang="en-GB" smtClean="0"/>
-              <a:t>22/10/2024</a:t>
+              <a:t>23/10/2024</a:t>
             </a:fld>
             <a:endParaRPr lang="en-GB"/>
           </a:p>
@@ -1153,7 +1157,7 @@
           <a:p>
             <a:fld id="{9C02005A-E747-4717-87FA-A0566728574C}" type="datetimeFigureOut">
               <a:rPr lang="en-GB" smtClean="0"/>
-              <a:t>22/10/2024</a:t>
+              <a:t>23/10/2024</a:t>
             </a:fld>
             <a:endParaRPr lang="en-GB"/>
           </a:p>
@@ -1421,7 +1425,7 @@
           <a:p>
             <a:fld id="{9C02005A-E747-4717-87FA-A0566728574C}" type="datetimeFigureOut">
               <a:rPr lang="en-GB" smtClean="0"/>
-              <a:t>22/10/2024</a:t>
+              <a:t>23/10/2024</a:t>
             </a:fld>
             <a:endParaRPr lang="en-GB"/>
           </a:p>
@@ -1836,7 +1840,7 @@
           <a:p>
             <a:fld id="{9C02005A-E747-4717-87FA-A0566728574C}" type="datetimeFigureOut">
               <a:rPr lang="en-GB" smtClean="0"/>
-              <a:t>22/10/2024</a:t>
+              <a:t>23/10/2024</a:t>
             </a:fld>
             <a:endParaRPr lang="en-GB"/>
           </a:p>
@@ -1978,7 +1982,7 @@
           <a:p>
             <a:fld id="{9C02005A-E747-4717-87FA-A0566728574C}" type="datetimeFigureOut">
               <a:rPr lang="en-GB" smtClean="0"/>
-              <a:t>22/10/2024</a:t>
+              <a:t>23/10/2024</a:t>
             </a:fld>
             <a:endParaRPr lang="en-GB"/>
           </a:p>
@@ -2091,7 +2095,7 @@
           <a:p>
             <a:fld id="{9C02005A-E747-4717-87FA-A0566728574C}" type="datetimeFigureOut">
               <a:rPr lang="en-GB" smtClean="0"/>
-              <a:t>22/10/2024</a:t>
+              <a:t>23/10/2024</a:t>
             </a:fld>
             <a:endParaRPr lang="en-GB"/>
           </a:p>
@@ -2404,7 +2408,7 @@
           <a:p>
             <a:fld id="{9C02005A-E747-4717-87FA-A0566728574C}" type="datetimeFigureOut">
               <a:rPr lang="en-GB" smtClean="0"/>
-              <a:t>22/10/2024</a:t>
+              <a:t>23/10/2024</a:t>
             </a:fld>
             <a:endParaRPr lang="en-GB"/>
           </a:p>
@@ -2693,7 +2697,7 @@
           <a:p>
             <a:fld id="{9C02005A-E747-4717-87FA-A0566728574C}" type="datetimeFigureOut">
               <a:rPr lang="en-GB" smtClean="0"/>
-              <a:t>22/10/2024</a:t>
+              <a:t>23/10/2024</a:t>
             </a:fld>
             <a:endParaRPr lang="en-GB"/>
           </a:p>
@@ -2936,7 +2940,7 @@
           <a:p>
             <a:fld id="{9C02005A-E747-4717-87FA-A0566728574C}" type="datetimeFigureOut">
               <a:rPr lang="en-GB" smtClean="0"/>
-              <a:t>22/10/2024</a:t>
+              <a:t>23/10/2024</a:t>
             </a:fld>
             <a:endParaRPr lang="en-GB"/>
           </a:p>
@@ -3416,6 +3420,323 @@
 </p:sld>
 </file>
 
+<file path=ppt/slides/slide10.xml><?xml version="1.0" encoding="utf-8"?>
+<p:sld xmlns:a="http://schemas.openxmlformats.org/drawingml/2006/main" xmlns:r="http://schemas.openxmlformats.org/officeDocument/2006/relationships" xmlns:p="http://schemas.openxmlformats.org/presentationml/2006/main">
+  <p:cSld>
+    <p:spTree>
+      <p:nvGrpSpPr>
+        <p:cNvPr id="1" name=""/>
+        <p:cNvGrpSpPr/>
+        <p:nvPr/>
+      </p:nvGrpSpPr>
+      <p:grpSpPr>
+        <a:xfrm>
+          <a:off x="0" y="0"/>
+          <a:ext cx="0" cy="0"/>
+          <a:chOff x="0" y="0"/>
+          <a:chExt cx="0" cy="0"/>
+        </a:xfrm>
+      </p:grpSpPr>
+      <p:sp>
+        <p:nvSpPr>
+          <p:cNvPr id="2" name="Title 1">
+            <a:extLst>
+              <a:ext uri="{FF2B5EF4-FFF2-40B4-BE49-F238E27FC236}">
+                <a16:creationId xmlns:a16="http://schemas.microsoft.com/office/drawing/2014/main" id="{F89BE69D-A4D5-039B-59C0-A15D534E0076}"/>
+              </a:ext>
+            </a:extLst>
+          </p:cNvPr>
+          <p:cNvSpPr>
+            <a:spLocks noGrp="1"/>
+          </p:cNvSpPr>
+          <p:nvPr>
+            <p:ph type="title"/>
+          </p:nvPr>
+        </p:nvSpPr>
+        <p:spPr/>
+        <p:txBody>
+          <a:bodyPr/>
+          <a:lstStyle/>
+          <a:p>
+            <a:r>
+              <a:rPr lang="en-GB" dirty="0"/>
+              <a:t>Crop start + end of recording (5min-20min) </a:t>
+            </a:r>
+          </a:p>
+        </p:txBody>
+      </p:sp>
+      <p:pic>
+        <p:nvPicPr>
+          <p:cNvPr id="5" name="Content Placeholder 4" descr="A screen shot of a graph&#10;&#10;Description automatically generated">
+            <a:extLst>
+              <a:ext uri="{FF2B5EF4-FFF2-40B4-BE49-F238E27FC236}">
+                <a16:creationId xmlns:a16="http://schemas.microsoft.com/office/drawing/2014/main" id="{2C23DFE7-F4C6-05E7-E383-2DD2038EB040}"/>
+              </a:ext>
+            </a:extLst>
+          </p:cNvPr>
+          <p:cNvPicPr>
+            <a:picLocks noGrp="1" noChangeAspect="1"/>
+          </p:cNvPicPr>
+          <p:nvPr>
+            <p:ph idx="1"/>
+          </p:nvPr>
+        </p:nvPicPr>
+        <p:blipFill>
+          <a:blip r:embed="rId2">
+            <a:extLst>
+              <a:ext uri="{28A0092B-C50C-407E-A947-70E740481C1C}">
+                <a14:useLocalDpi xmlns:a14="http://schemas.microsoft.com/office/drawing/2010/main" val="0"/>
+              </a:ext>
+            </a:extLst>
+          </a:blip>
+          <a:stretch>
+            <a:fillRect/>
+          </a:stretch>
+        </p:blipFill>
+        <p:spPr>
+          <a:xfrm>
+            <a:off x="2891751" y="3553767"/>
+            <a:ext cx="3336963" cy="3227087"/>
+          </a:xfrm>
+        </p:spPr>
+      </p:pic>
+      <p:pic>
+        <p:nvPicPr>
+          <p:cNvPr id="7" name="Picture 6" descr="A screen shot of a graph&#10;&#10;Description automatically generated">
+            <a:extLst>
+              <a:ext uri="{FF2B5EF4-FFF2-40B4-BE49-F238E27FC236}">
+                <a16:creationId xmlns:a16="http://schemas.microsoft.com/office/drawing/2014/main" id="{44AB0A13-D092-A193-322D-E15F6D5FA586}"/>
+              </a:ext>
+            </a:extLst>
+          </p:cNvPr>
+          <p:cNvPicPr>
+            <a:picLocks noChangeAspect="1"/>
+          </p:cNvPicPr>
+          <p:nvPr/>
+        </p:nvPicPr>
+        <p:blipFill>
+          <a:blip r:embed="rId3">
+            <a:extLst>
+              <a:ext uri="{28A0092B-C50C-407E-A947-70E740481C1C}">
+                <a14:useLocalDpi xmlns:a14="http://schemas.microsoft.com/office/drawing/2010/main" val="0"/>
+              </a:ext>
+            </a:extLst>
+          </a:blip>
+          <a:stretch>
+            <a:fillRect/>
+          </a:stretch>
+        </p:blipFill>
+        <p:spPr>
+          <a:xfrm>
+            <a:off x="228530" y="2023419"/>
+            <a:ext cx="3336962" cy="3227086"/>
+          </a:xfrm>
+          <a:prstGeom prst="rect">
+            <a:avLst/>
+          </a:prstGeom>
+        </p:spPr>
+      </p:pic>
+      <p:pic>
+        <p:nvPicPr>
+          <p:cNvPr id="9" name="Picture 8" descr="A screen shot of a graph&#10;&#10;Description automatically generated">
+            <a:extLst>
+              <a:ext uri="{FF2B5EF4-FFF2-40B4-BE49-F238E27FC236}">
+                <a16:creationId xmlns:a16="http://schemas.microsoft.com/office/drawing/2014/main" id="{AD1D0F15-2A20-A847-9B08-8F43C84A5403}"/>
+              </a:ext>
+            </a:extLst>
+          </p:cNvPr>
+          <p:cNvPicPr>
+            <a:picLocks noChangeAspect="1"/>
+          </p:cNvPicPr>
+          <p:nvPr/>
+        </p:nvPicPr>
+        <p:blipFill>
+          <a:blip r:embed="rId4">
+            <a:extLst>
+              <a:ext uri="{28A0092B-C50C-407E-A947-70E740481C1C}">
+                <a14:useLocalDpi xmlns:a14="http://schemas.microsoft.com/office/drawing/2010/main" val="0"/>
+              </a:ext>
+            </a:extLst>
+          </a:blip>
+          <a:stretch>
+            <a:fillRect/>
+          </a:stretch>
+        </p:blipFill>
+        <p:spPr>
+          <a:xfrm>
+            <a:off x="5982284" y="1420110"/>
+            <a:ext cx="3724487" cy="3601851"/>
+          </a:xfrm>
+          <a:prstGeom prst="rect">
+            <a:avLst/>
+          </a:prstGeom>
+        </p:spPr>
+      </p:pic>
+      <p:pic>
+        <p:nvPicPr>
+          <p:cNvPr id="11" name="Picture 10" descr="A screenshot of a computer&#10;&#10;Description automatically generated">
+            <a:extLst>
+              <a:ext uri="{FF2B5EF4-FFF2-40B4-BE49-F238E27FC236}">
+                <a16:creationId xmlns:a16="http://schemas.microsoft.com/office/drawing/2014/main" id="{38A915D1-858D-AAB8-BAA2-158FBDE65C32}"/>
+              </a:ext>
+            </a:extLst>
+          </p:cNvPr>
+          <p:cNvPicPr>
+            <a:picLocks noChangeAspect="1"/>
+          </p:cNvPicPr>
+          <p:nvPr/>
+        </p:nvPicPr>
+        <p:blipFill>
+          <a:blip r:embed="rId5">
+            <a:extLst>
+              <a:ext uri="{28A0092B-C50C-407E-A947-70E740481C1C}">
+                <a14:useLocalDpi xmlns:a14="http://schemas.microsoft.com/office/drawing/2010/main" val="0"/>
+              </a:ext>
+            </a:extLst>
+          </a:blip>
+          <a:stretch>
+            <a:fillRect/>
+          </a:stretch>
+        </p:blipFill>
+        <p:spPr>
+          <a:xfrm>
+            <a:off x="7844528" y="3008129"/>
+            <a:ext cx="3980951" cy="3849871"/>
+          </a:xfrm>
+          <a:prstGeom prst="rect">
+            <a:avLst/>
+          </a:prstGeom>
+        </p:spPr>
+      </p:pic>
+    </p:spTree>
+    <p:extLst>
+      <p:ext uri="{BB962C8B-B14F-4D97-AF65-F5344CB8AC3E}">
+        <p14:creationId xmlns:p14="http://schemas.microsoft.com/office/powerpoint/2010/main" val="3394353986"/>
+      </p:ext>
+    </p:extLst>
+  </p:cSld>
+  <p:clrMapOvr>
+    <a:masterClrMapping/>
+  </p:clrMapOvr>
+</p:sld>
+</file>
+
+<file path=ppt/slides/slide11.xml><?xml version="1.0" encoding="utf-8"?>
+<p:sld xmlns:a="http://schemas.openxmlformats.org/drawingml/2006/main" xmlns:r="http://schemas.openxmlformats.org/officeDocument/2006/relationships" xmlns:p="http://schemas.openxmlformats.org/presentationml/2006/main">
+  <p:cSld>
+    <p:spTree>
+      <p:nvGrpSpPr>
+        <p:cNvPr id="1" name=""/>
+        <p:cNvGrpSpPr/>
+        <p:nvPr/>
+      </p:nvGrpSpPr>
+      <p:grpSpPr>
+        <a:xfrm>
+          <a:off x="0" y="0"/>
+          <a:ext cx="0" cy="0"/>
+          <a:chOff x="0" y="0"/>
+          <a:chExt cx="0" cy="0"/>
+        </a:xfrm>
+      </p:grpSpPr>
+      <p:sp>
+        <p:nvSpPr>
+          <p:cNvPr id="2" name="Title 1">
+            <a:extLst>
+              <a:ext uri="{FF2B5EF4-FFF2-40B4-BE49-F238E27FC236}">
+                <a16:creationId xmlns:a16="http://schemas.microsoft.com/office/drawing/2014/main" id="{D6AA6658-01EC-238A-F162-35AF88FC64A8}"/>
+              </a:ext>
+            </a:extLst>
+          </p:cNvPr>
+          <p:cNvSpPr>
+            <a:spLocks noGrp="1"/>
+          </p:cNvSpPr>
+          <p:nvPr>
+            <p:ph type="title"/>
+          </p:nvPr>
+        </p:nvSpPr>
+        <p:spPr/>
+        <p:txBody>
+          <a:bodyPr/>
+          <a:lstStyle/>
+          <a:p>
+            <a:r>
+              <a:rPr lang="en-GB" dirty="0"/>
+              <a:t>Decoding</a:t>
+            </a:r>
+          </a:p>
+        </p:txBody>
+      </p:sp>
+      <p:sp>
+        <p:nvSpPr>
+          <p:cNvPr id="3" name="Content Placeholder 2">
+            <a:extLst>
+              <a:ext uri="{FF2B5EF4-FFF2-40B4-BE49-F238E27FC236}">
+                <a16:creationId xmlns:a16="http://schemas.microsoft.com/office/drawing/2014/main" id="{560D0F02-B4AE-B1AA-315F-B3F2223E7B64}"/>
+              </a:ext>
+            </a:extLst>
+          </p:cNvPr>
+          <p:cNvSpPr>
+            <a:spLocks noGrp="1"/>
+          </p:cNvSpPr>
+          <p:nvPr>
+            <p:ph idx="1"/>
+          </p:nvPr>
+        </p:nvSpPr>
+        <p:spPr/>
+        <p:txBody>
+          <a:bodyPr/>
+          <a:lstStyle/>
+          <a:p>
+            <a:r>
+              <a:rPr lang="en-GB" dirty="0"/>
+              <a:t>Unsupervised</a:t>
+            </a:r>
+          </a:p>
+          <a:p>
+            <a:pPr lvl="1"/>
+            <a:r>
+              <a:rPr lang="en-GB" dirty="0"/>
+              <a:t>+ fast, no pre knowledge, unbiased</a:t>
+            </a:r>
+          </a:p>
+          <a:p>
+            <a:pPr lvl="1"/>
+            <a:r>
+              <a:rPr lang="en-GB" dirty="0"/>
+              <a:t>- less info to train</a:t>
+            </a:r>
+          </a:p>
+          <a:p>
+            <a:r>
+              <a:rPr lang="en-GB" dirty="0"/>
+              <a:t>Supervised</a:t>
+            </a:r>
+          </a:p>
+          <a:p>
+            <a:pPr lvl="1"/>
+            <a:r>
+              <a:rPr lang="en-GB" dirty="0"/>
+              <a:t>+</a:t>
+            </a:r>
+          </a:p>
+          <a:p>
+            <a:endParaRPr lang="en-GB" dirty="0"/>
+          </a:p>
+        </p:txBody>
+      </p:sp>
+    </p:spTree>
+    <p:extLst>
+      <p:ext uri="{BB962C8B-B14F-4D97-AF65-F5344CB8AC3E}">
+        <p14:creationId xmlns:p14="http://schemas.microsoft.com/office/powerpoint/2010/main" val="3208508906"/>
+      </p:ext>
+    </p:extLst>
+  </p:cSld>
+  <p:clrMapOvr>
+    <a:masterClrMapping/>
+  </p:clrMapOvr>
+</p:sld>
+</file>
+
 <file path=ppt/slides/slide2.xml><?xml version="1.0" encoding="utf-8"?>
 <p:sld xmlns:a="http://schemas.openxmlformats.org/drawingml/2006/main" xmlns:r="http://schemas.openxmlformats.org/officeDocument/2006/relationships" xmlns:p="http://schemas.openxmlformats.org/presentationml/2006/main">
   <p:cSld>
@@ -3438,7 +3759,7 @@
           <p:cNvPr id="2" name="Title 1">
             <a:extLst>
               <a:ext uri="{FF2B5EF4-FFF2-40B4-BE49-F238E27FC236}">
-                <a16:creationId xmlns:a16="http://schemas.microsoft.com/office/drawing/2014/main" id="{B1C6A977-2520-C092-E0B8-6C1A617E6F15}"/>
+                <a16:creationId xmlns:a16="http://schemas.microsoft.com/office/drawing/2014/main" id="{42CAB9CF-68C6-C82C-4144-B60783FE8C1A}"/>
               </a:ext>
             </a:extLst>
           </p:cNvPr>
@@ -3456,7 +3777,7 @@
           <a:p>
             <a:r>
               <a:rPr lang="en-GB" dirty="0"/>
-              <a:t>Data recorded equally?</a:t>
+              <a:t>Assignment + Deliverables</a:t>
             </a:r>
           </a:p>
         </p:txBody>
@@ -3466,7 +3787,7 @@
           <p:cNvPr id="3" name="Content Placeholder 2">
             <a:extLst>
               <a:ext uri="{FF2B5EF4-FFF2-40B4-BE49-F238E27FC236}">
-                <a16:creationId xmlns:a16="http://schemas.microsoft.com/office/drawing/2014/main" id="{F489207B-4C8A-3888-E14F-DEF5CC60B1B7}"/>
+                <a16:creationId xmlns:a16="http://schemas.microsoft.com/office/drawing/2014/main" id="{E186AABB-F026-942D-2158-CED7DD4A6803}"/>
               </a:ext>
             </a:extLst>
           </p:cNvPr>
@@ -3484,31 +3805,17 @@
           <a:p>
             <a:r>
               <a:rPr lang="en-GB" dirty="0"/>
-              <a:t>No! nr of channels differs between subjects</a:t>
-            </a:r>
-          </a:p>
-          <a:p>
-            <a:r>
-              <a:rPr lang="en-GB" dirty="0"/>
-              <a:t>Sampling </a:t>
-            </a:r>
-            <a:r>
-              <a:rPr lang="en-GB" dirty="0" err="1"/>
-              <a:t>freq</a:t>
-            </a:r>
-            <a:r>
-              <a:rPr lang="en-GB" dirty="0"/>
-              <a:t> + filtering = equal</a:t>
+              <a:t>https://github.com/JeroenBuil/deegtal_coding_task</a:t>
             </a:r>
           </a:p>
         </p:txBody>
       </p:sp>
       <p:pic>
         <p:nvPicPr>
-          <p:cNvPr id="7" name="Picture 6">
-            <a:extLst>
-              <a:ext uri="{FF2B5EF4-FFF2-40B4-BE49-F238E27FC236}">
-                <a16:creationId xmlns:a16="http://schemas.microsoft.com/office/drawing/2014/main" id="{8127D851-D147-5FB3-B5A0-815AD30F5D49}"/>
+          <p:cNvPr id="5" name="Picture 4">
+            <a:extLst>
+              <a:ext uri="{FF2B5EF4-FFF2-40B4-BE49-F238E27FC236}">
+                <a16:creationId xmlns:a16="http://schemas.microsoft.com/office/drawing/2014/main" id="{1257D97C-5159-407C-947F-00F85F186E5A}"/>
               </a:ext>
             </a:extLst>
           </p:cNvPr>
@@ -3525,7 +3832,156 @@
         </p:blipFill>
         <p:spPr>
           <a:xfrm>
-            <a:off x="124777" y="2930207"/>
+            <a:off x="3121152" y="2515394"/>
+            <a:ext cx="8839200" cy="2971800"/>
+          </a:xfrm>
+          <a:prstGeom prst="rect">
+            <a:avLst/>
+          </a:prstGeom>
+        </p:spPr>
+      </p:pic>
+    </p:spTree>
+    <p:extLst>
+      <p:ext uri="{BB962C8B-B14F-4D97-AF65-F5344CB8AC3E}">
+        <p14:creationId xmlns:p14="http://schemas.microsoft.com/office/powerpoint/2010/main" val="2418940111"/>
+      </p:ext>
+    </p:extLst>
+  </p:cSld>
+  <p:clrMapOvr>
+    <a:masterClrMapping/>
+  </p:clrMapOvr>
+</p:sld>
+</file>
+
+<file path=ppt/slides/slide3.xml><?xml version="1.0" encoding="utf-8"?>
+<p:sld xmlns:a="http://schemas.openxmlformats.org/drawingml/2006/main" xmlns:r="http://schemas.openxmlformats.org/officeDocument/2006/relationships" xmlns:p="http://schemas.openxmlformats.org/presentationml/2006/main">
+  <p:cSld>
+    <p:spTree>
+      <p:nvGrpSpPr>
+        <p:cNvPr id="1" name=""/>
+        <p:cNvGrpSpPr/>
+        <p:nvPr/>
+      </p:nvGrpSpPr>
+      <p:grpSpPr>
+        <a:xfrm>
+          <a:off x="0" y="0"/>
+          <a:ext cx="0" cy="0"/>
+          <a:chOff x="0" y="0"/>
+          <a:chExt cx="0" cy="0"/>
+        </a:xfrm>
+      </p:grpSpPr>
+      <p:sp>
+        <p:nvSpPr>
+          <p:cNvPr id="2" name="Title 1">
+            <a:extLst>
+              <a:ext uri="{FF2B5EF4-FFF2-40B4-BE49-F238E27FC236}">
+                <a16:creationId xmlns:a16="http://schemas.microsoft.com/office/drawing/2014/main" id="{B1C6A977-2520-C092-E0B8-6C1A617E6F15}"/>
+              </a:ext>
+            </a:extLst>
+          </p:cNvPr>
+          <p:cNvSpPr>
+            <a:spLocks noGrp="1"/>
+          </p:cNvSpPr>
+          <p:nvPr>
+            <p:ph type="title"/>
+          </p:nvPr>
+        </p:nvSpPr>
+        <p:spPr/>
+        <p:txBody>
+          <a:bodyPr/>
+          <a:lstStyle/>
+          <a:p>
+            <a:r>
+              <a:rPr lang="en-GB" dirty="0"/>
+              <a:t>Data recorded equally?</a:t>
+            </a:r>
+          </a:p>
+        </p:txBody>
+      </p:sp>
+      <p:sp>
+        <p:nvSpPr>
+          <p:cNvPr id="3" name="Content Placeholder 2">
+            <a:extLst>
+              <a:ext uri="{FF2B5EF4-FFF2-40B4-BE49-F238E27FC236}">
+                <a16:creationId xmlns:a16="http://schemas.microsoft.com/office/drawing/2014/main" id="{F489207B-4C8A-3888-E14F-DEF5CC60B1B7}"/>
+              </a:ext>
+            </a:extLst>
+          </p:cNvPr>
+          <p:cNvSpPr>
+            <a:spLocks noGrp="1"/>
+          </p:cNvSpPr>
+          <p:nvPr>
+            <p:ph idx="1"/>
+          </p:nvPr>
+        </p:nvSpPr>
+        <p:spPr>
+          <a:xfrm>
+            <a:off x="838200" y="1253331"/>
+            <a:ext cx="10515600" cy="4351338"/>
+          </a:xfrm>
+        </p:spPr>
+        <p:txBody>
+          <a:bodyPr/>
+          <a:lstStyle/>
+          <a:p>
+            <a:r>
+              <a:rPr lang="en-GB" dirty="0"/>
+              <a:t>No! </a:t>
+            </a:r>
+          </a:p>
+          <a:p>
+            <a:pPr lvl="1"/>
+            <a:r>
+              <a:rPr lang="en-GB" dirty="0"/>
+              <a:t>nr of channels differs between subjects</a:t>
+            </a:r>
+          </a:p>
+          <a:p>
+            <a:pPr lvl="1"/>
+            <a:r>
+              <a:rPr lang="en-GB" dirty="0"/>
+              <a:t>Stimuli is different</a:t>
+            </a:r>
+          </a:p>
+          <a:p>
+            <a:r>
+              <a:rPr lang="en-GB" dirty="0"/>
+              <a:t>Sampling </a:t>
+            </a:r>
+            <a:r>
+              <a:rPr lang="en-GB" dirty="0" err="1"/>
+              <a:t>freq</a:t>
+            </a:r>
+            <a:r>
+              <a:rPr lang="en-GB" dirty="0"/>
+              <a:t> + filtering = equal</a:t>
+            </a:r>
+          </a:p>
+        </p:txBody>
+      </p:sp>
+      <p:pic>
+        <p:nvPicPr>
+          <p:cNvPr id="7" name="Picture 6">
+            <a:extLst>
+              <a:ext uri="{FF2B5EF4-FFF2-40B4-BE49-F238E27FC236}">
+                <a16:creationId xmlns:a16="http://schemas.microsoft.com/office/drawing/2014/main" id="{8127D851-D147-5FB3-B5A0-815AD30F5D49}"/>
+              </a:ext>
+            </a:extLst>
+          </p:cNvPr>
+          <p:cNvPicPr>
+            <a:picLocks noChangeAspect="1"/>
+          </p:cNvPicPr>
+          <p:nvPr/>
+        </p:nvPicPr>
+        <p:blipFill>
+          <a:blip r:embed="rId2"/>
+          <a:stretch>
+            <a:fillRect/>
+          </a:stretch>
+        </p:blipFill>
+        <p:spPr>
+          <a:xfrm>
+            <a:off x="50482" y="3332957"/>
             <a:ext cx="7038975" cy="3686175"/>
           </a:xfrm>
           <a:prstGeom prst="rect">
@@ -3555,7 +4011,7 @@
         </p:blipFill>
         <p:spPr>
           <a:xfrm>
-            <a:off x="5330825" y="2895600"/>
+            <a:off x="5513705" y="3377407"/>
             <a:ext cx="6962775" cy="3752850"/>
           </a:xfrm>
           <a:prstGeom prst="rect">
@@ -3636,92 +4092,6 @@
 </p:sld>
 </file>
 
-<file path=ppt/slides/slide3.xml><?xml version="1.0" encoding="utf-8"?>
-<p:sld xmlns:a="http://schemas.openxmlformats.org/drawingml/2006/main" xmlns:r="http://schemas.openxmlformats.org/officeDocument/2006/relationships" xmlns:p="http://schemas.openxmlformats.org/presentationml/2006/main">
-  <p:cSld>
-    <p:spTree>
-      <p:nvGrpSpPr>
-        <p:cNvPr id="1" name=""/>
-        <p:cNvGrpSpPr/>
-        <p:nvPr/>
-      </p:nvGrpSpPr>
-      <p:grpSpPr>
-        <a:xfrm>
-          <a:off x="0" y="0"/>
-          <a:ext cx="0" cy="0"/>
-          <a:chOff x="0" y="0"/>
-          <a:chExt cx="0" cy="0"/>
-        </a:xfrm>
-      </p:grpSpPr>
-      <p:sp>
-        <p:nvSpPr>
-          <p:cNvPr id="2" name="Title 1">
-            <a:extLst>
-              <a:ext uri="{FF2B5EF4-FFF2-40B4-BE49-F238E27FC236}">
-                <a16:creationId xmlns:a16="http://schemas.microsoft.com/office/drawing/2014/main" id="{9E47D4DF-9025-ADC9-ECC6-30396FC49029}"/>
-              </a:ext>
-            </a:extLst>
-          </p:cNvPr>
-          <p:cNvSpPr>
-            <a:spLocks noGrp="1"/>
-          </p:cNvSpPr>
-          <p:nvPr>
-            <p:ph type="title"/>
-          </p:nvPr>
-        </p:nvSpPr>
-        <p:spPr/>
-        <p:txBody>
-          <a:bodyPr/>
-          <a:lstStyle/>
-          <a:p>
-            <a:r>
-              <a:rPr lang="en-GB" dirty="0"/>
-              <a:t>Stats</a:t>
-            </a:r>
-          </a:p>
-        </p:txBody>
-      </p:sp>
-      <p:sp>
-        <p:nvSpPr>
-          <p:cNvPr id="3" name="Content Placeholder 2">
-            <a:extLst>
-              <a:ext uri="{FF2B5EF4-FFF2-40B4-BE49-F238E27FC236}">
-                <a16:creationId xmlns:a16="http://schemas.microsoft.com/office/drawing/2014/main" id="{CE844975-1B5A-AF80-B86A-3FC01ED6E02E}"/>
-              </a:ext>
-            </a:extLst>
-          </p:cNvPr>
-          <p:cNvSpPr>
-            <a:spLocks noGrp="1"/>
-          </p:cNvSpPr>
-          <p:nvPr>
-            <p:ph idx="1"/>
-          </p:nvPr>
-        </p:nvSpPr>
-        <p:spPr/>
-        <p:txBody>
-          <a:bodyPr/>
-          <a:lstStyle/>
-          <a:p>
-            <a:r>
-              <a:rPr lang="en-GB" dirty="0"/>
-              <a:t>Recording time: ~20-25min</a:t>
-            </a:r>
-          </a:p>
-        </p:txBody>
-      </p:sp>
-    </p:spTree>
-    <p:extLst>
-      <p:ext uri="{BB962C8B-B14F-4D97-AF65-F5344CB8AC3E}">
-        <p14:creationId xmlns:p14="http://schemas.microsoft.com/office/powerpoint/2010/main" val="3291433691"/>
-      </p:ext>
-    </p:extLst>
-  </p:cSld>
-  <p:clrMapOvr>
-    <a:masterClrMapping/>
-  </p:clrMapOvr>
-</p:sld>
-</file>
-
 <file path=ppt/slides/slide4.xml><?xml version="1.0" encoding="utf-8"?>
 <p:sld xmlns:a="http://schemas.openxmlformats.org/drawingml/2006/main" xmlns:r="http://schemas.openxmlformats.org/officeDocument/2006/relationships" xmlns:p="http://schemas.openxmlformats.org/presentationml/2006/main">
   <p:cSld>
@@ -3744,6 +4114,2462 @@
           <p:cNvPr id="2" name="Title 1">
             <a:extLst>
               <a:ext uri="{FF2B5EF4-FFF2-40B4-BE49-F238E27FC236}">
+                <a16:creationId xmlns:a16="http://schemas.microsoft.com/office/drawing/2014/main" id="{9E47D4DF-9025-ADC9-ECC6-30396FC49029}"/>
+              </a:ext>
+            </a:extLst>
+          </p:cNvPr>
+          <p:cNvSpPr>
+            <a:spLocks noGrp="1"/>
+          </p:cNvSpPr>
+          <p:nvPr>
+            <p:ph type="title"/>
+          </p:nvPr>
+        </p:nvSpPr>
+        <p:spPr/>
+        <p:txBody>
+          <a:bodyPr/>
+          <a:lstStyle/>
+          <a:p>
+            <a:r>
+              <a:rPr lang="en-GB" dirty="0"/>
+              <a:t>Stats</a:t>
+            </a:r>
+          </a:p>
+        </p:txBody>
+      </p:sp>
+      <p:sp>
+        <p:nvSpPr>
+          <p:cNvPr id="3" name="Content Placeholder 2">
+            <a:extLst>
+              <a:ext uri="{FF2B5EF4-FFF2-40B4-BE49-F238E27FC236}">
+                <a16:creationId xmlns:a16="http://schemas.microsoft.com/office/drawing/2014/main" id="{CE844975-1B5A-AF80-B86A-3FC01ED6E02E}"/>
+              </a:ext>
+            </a:extLst>
+          </p:cNvPr>
+          <p:cNvSpPr>
+            <a:spLocks noGrp="1"/>
+          </p:cNvSpPr>
+          <p:nvPr>
+            <p:ph idx="1"/>
+          </p:nvPr>
+        </p:nvSpPr>
+        <p:spPr/>
+        <p:txBody>
+          <a:bodyPr/>
+          <a:lstStyle/>
+          <a:p>
+            <a:r>
+              <a:rPr lang="en-GB" dirty="0"/>
+              <a:t>Recording time: ~20-25min</a:t>
+            </a:r>
+          </a:p>
+          <a:p>
+            <a:endParaRPr lang="en-GB" dirty="0"/>
+          </a:p>
+        </p:txBody>
+      </p:sp>
+      <p:graphicFrame>
+        <p:nvGraphicFramePr>
+          <p:cNvPr id="4" name="Table 3">
+            <a:extLst>
+              <a:ext uri="{FF2B5EF4-FFF2-40B4-BE49-F238E27FC236}">
+                <a16:creationId xmlns:a16="http://schemas.microsoft.com/office/drawing/2014/main" id="{AD3FA004-B429-8F5E-0D2D-03F94EAD22DD}"/>
+              </a:ext>
+            </a:extLst>
+          </p:cNvPr>
+          <p:cNvGraphicFramePr>
+            <a:graphicFrameLocks noGrp="1"/>
+          </p:cNvGraphicFramePr>
+          <p:nvPr>
+            <p:extLst>
+              <p:ext uri="{D42A27DB-BD31-4B8C-83A1-F6EECF244321}">
+                <p14:modId xmlns:p14="http://schemas.microsoft.com/office/powerpoint/2010/main" val="2088806149"/>
+              </p:ext>
+            </p:extLst>
+          </p:nvPr>
+        </p:nvGraphicFramePr>
+        <p:xfrm>
+          <a:off x="7397496" y="190500"/>
+          <a:ext cx="3370752" cy="6477000"/>
+        </p:xfrm>
+        <a:graphic>
+          <a:graphicData uri="http://schemas.openxmlformats.org/drawingml/2006/table">
+            <a:tbl>
+              <a:tblPr firstRow="1" lastCol="1">
+                <a:tableStyleId>{3B4B98B0-60AC-42C2-AFA5-B58CD77FA1E5}</a:tableStyleId>
+              </a:tblPr>
+              <a:tblGrid>
+                <a:gridCol w="594360">
+                  <a:extLst>
+                    <a:ext uri="{9D8B030D-6E8A-4147-A177-3AD203B41FA5}">
+                      <a16:colId xmlns:a16="http://schemas.microsoft.com/office/drawing/2014/main" val="111408566"/>
+                    </a:ext>
+                  </a:extLst>
+                </a:gridCol>
+                <a:gridCol w="841248">
+                  <a:extLst>
+                    <a:ext uri="{9D8B030D-6E8A-4147-A177-3AD203B41FA5}">
+                      <a16:colId xmlns:a16="http://schemas.microsoft.com/office/drawing/2014/main" val="3783979508"/>
+                    </a:ext>
+                  </a:extLst>
+                </a:gridCol>
+                <a:gridCol w="988563">
+                  <a:extLst>
+                    <a:ext uri="{9D8B030D-6E8A-4147-A177-3AD203B41FA5}">
+                      <a16:colId xmlns:a16="http://schemas.microsoft.com/office/drawing/2014/main" val="1715166266"/>
+                    </a:ext>
+                  </a:extLst>
+                </a:gridCol>
+                <a:gridCol w="946581">
+                  <a:extLst>
+                    <a:ext uri="{9D8B030D-6E8A-4147-A177-3AD203B41FA5}">
+                      <a16:colId xmlns:a16="http://schemas.microsoft.com/office/drawing/2014/main" val="815064266"/>
+                    </a:ext>
+                  </a:extLst>
+                </a:gridCol>
+              </a:tblGrid>
+              <a:tr h="154578">
+                <a:tc>
+                  <a:txBody>
+                    <a:bodyPr/>
+                    <a:lstStyle/>
+                    <a:p>
+                      <a:pPr algn="r" fontAlgn="ctr"/>
+                      <a:r>
+                        <a:rPr lang="en-GB" sz="1200" dirty="0">
+                          <a:effectLst/>
+                        </a:rPr>
+                        <a:t>Group</a:t>
+                      </a:r>
+                    </a:p>
+                  </a:txBody>
+                  <a:tcPr marL="76200" marR="76200" marT="38100" marB="38100" anchor="ctr"/>
+                </a:tc>
+                <a:tc>
+                  <a:txBody>
+                    <a:bodyPr/>
+                    <a:lstStyle/>
+                    <a:p>
+                      <a:pPr algn="r" fontAlgn="ctr"/>
+                      <a:r>
+                        <a:rPr lang="en-GB" sz="1200" dirty="0">
+                          <a:effectLst/>
+                        </a:rPr>
+                        <a:t>Recording</a:t>
+                      </a:r>
+                    </a:p>
+                  </a:txBody>
+                  <a:tcPr marL="76200" marR="76200" marT="38100" marB="38100" anchor="ctr"/>
+                </a:tc>
+                <a:tc>
+                  <a:txBody>
+                    <a:bodyPr/>
+                    <a:lstStyle/>
+                    <a:p>
+                      <a:pPr algn="r" fontAlgn="ctr"/>
+                      <a:r>
+                        <a:rPr lang="en-GB" sz="1200" dirty="0">
+                          <a:effectLst/>
+                        </a:rPr>
+                        <a:t>Channel</a:t>
+                      </a:r>
+                    </a:p>
+                  </a:txBody>
+                  <a:tcPr marL="76200" marR="76200" marT="38100" marB="38100" anchor="ctr"/>
+                </a:tc>
+                <a:tc>
+                  <a:txBody>
+                    <a:bodyPr/>
+                    <a:lstStyle/>
+                    <a:p>
+                      <a:pPr algn="r" fontAlgn="ctr"/>
+                      <a:r>
+                        <a:rPr lang="en-GB" sz="1200" dirty="0">
+                          <a:effectLst/>
+                        </a:rPr>
+                        <a:t>Mean</a:t>
+                      </a:r>
+                    </a:p>
+                  </a:txBody>
+                  <a:tcPr marL="76200" marR="76200" marT="38100" marB="38100" anchor="ctr"/>
+                </a:tc>
+                <a:extLst>
+                  <a:ext uri="{0D108BD9-81ED-4DB2-BD59-A6C34878D82A}">
+                    <a16:rowId xmlns:a16="http://schemas.microsoft.com/office/drawing/2014/main" val="2595477897"/>
+                  </a:ext>
+                </a:extLst>
+              </a:tr>
+              <a:tr h="154578">
+                <a:tc>
+                  <a:txBody>
+                    <a:bodyPr/>
+                    <a:lstStyle/>
+                    <a:p>
+                      <a:r>
+                        <a:rPr lang="en-GB" sz="1200" dirty="0">
+                          <a:effectLst/>
+                        </a:rPr>
+                        <a:t>1</a:t>
+                      </a:r>
+                    </a:p>
+                  </a:txBody>
+                  <a:tcPr marL="76200" marR="76200" marT="38100" marB="38100" anchor="ctr">
+                    <a:solidFill>
+                      <a:schemeClr val="bg2"/>
+                    </a:solidFill>
+                  </a:tcPr>
+                </a:tc>
+                <a:tc>
+                  <a:txBody>
+                    <a:bodyPr/>
+                    <a:lstStyle/>
+                    <a:p>
+                      <a:r>
+                        <a:rPr lang="en-GB" sz="1200">
+                          <a:effectLst/>
+                        </a:rPr>
+                        <a:t>1</a:t>
+                      </a:r>
+                    </a:p>
+                  </a:txBody>
+                  <a:tcPr marL="76200" marR="76200" marT="38100" marB="38100" anchor="ctr">
+                    <a:solidFill>
+                      <a:schemeClr val="bg2"/>
+                    </a:solidFill>
+                  </a:tcPr>
+                </a:tc>
+                <a:tc>
+                  <a:txBody>
+                    <a:bodyPr/>
+                    <a:lstStyle/>
+                    <a:p>
+                      <a:r>
+                        <a:rPr lang="en-GB" sz="1200">
+                          <a:effectLst/>
+                        </a:rPr>
+                        <a:t>BURSTS</a:t>
+                      </a:r>
+                    </a:p>
+                  </a:txBody>
+                  <a:tcPr marL="76200" marR="76200" marT="38100" marB="38100" anchor="ctr">
+                    <a:solidFill>
+                      <a:schemeClr val="bg2"/>
+                    </a:solidFill>
+                  </a:tcPr>
+                </a:tc>
+                <a:tc>
+                  <a:txBody>
+                    <a:bodyPr/>
+                    <a:lstStyle/>
+                    <a:p>
+                      <a:r>
+                        <a:rPr lang="en-GB" sz="1200">
+                          <a:effectLst/>
+                        </a:rPr>
+                        <a:t>0.339228</a:t>
+                      </a:r>
+                    </a:p>
+                  </a:txBody>
+                  <a:tcPr marL="76200" marR="76200" marT="38100" marB="38100" anchor="ctr">
+                    <a:solidFill>
+                      <a:schemeClr val="bg2"/>
+                    </a:solidFill>
+                  </a:tcPr>
+                </a:tc>
+                <a:extLst>
+                  <a:ext uri="{0D108BD9-81ED-4DB2-BD59-A6C34878D82A}">
+                    <a16:rowId xmlns:a16="http://schemas.microsoft.com/office/drawing/2014/main" val="2793756374"/>
+                  </a:ext>
+                </a:extLst>
+              </a:tr>
+              <a:tr h="154578">
+                <a:tc>
+                  <a:txBody>
+                    <a:bodyPr/>
+                    <a:lstStyle/>
+                    <a:p>
+                      <a:r>
+                        <a:rPr lang="en-GB" sz="1200">
+                          <a:effectLst/>
+                        </a:rPr>
+                        <a:t>1</a:t>
+                      </a:r>
+                    </a:p>
+                  </a:txBody>
+                  <a:tcPr marL="76200" marR="76200" marT="38100" marB="38100" anchor="ctr">
+                    <a:solidFill>
+                      <a:schemeClr val="bg2"/>
+                    </a:solidFill>
+                  </a:tcPr>
+                </a:tc>
+                <a:tc>
+                  <a:txBody>
+                    <a:bodyPr/>
+                    <a:lstStyle/>
+                    <a:p>
+                      <a:r>
+                        <a:rPr lang="en-GB" sz="1200" dirty="0">
+                          <a:effectLst/>
+                        </a:rPr>
+                        <a:t>2</a:t>
+                      </a:r>
+                    </a:p>
+                  </a:txBody>
+                  <a:tcPr marL="76200" marR="76200" marT="38100" marB="38100" anchor="ctr">
+                    <a:solidFill>
+                      <a:schemeClr val="bg2"/>
+                    </a:solidFill>
+                  </a:tcPr>
+                </a:tc>
+                <a:tc>
+                  <a:txBody>
+                    <a:bodyPr/>
+                    <a:lstStyle/>
+                    <a:p>
+                      <a:r>
+                        <a:rPr lang="en-GB" sz="1200">
+                          <a:effectLst/>
+                        </a:rPr>
+                        <a:t>BURSTS</a:t>
+                      </a:r>
+                    </a:p>
+                  </a:txBody>
+                  <a:tcPr marL="76200" marR="76200" marT="38100" marB="38100" anchor="ctr">
+                    <a:solidFill>
+                      <a:schemeClr val="bg2"/>
+                    </a:solidFill>
+                  </a:tcPr>
+                </a:tc>
+                <a:tc>
+                  <a:txBody>
+                    <a:bodyPr/>
+                    <a:lstStyle/>
+                    <a:p>
+                      <a:r>
+                        <a:rPr lang="en-GB" sz="1200">
+                          <a:effectLst/>
+                        </a:rPr>
+                        <a:t>0.0</a:t>
+                      </a:r>
+                    </a:p>
+                  </a:txBody>
+                  <a:tcPr marL="76200" marR="76200" marT="38100" marB="38100" anchor="ctr">
+                    <a:solidFill>
+                      <a:schemeClr val="bg2"/>
+                    </a:solidFill>
+                  </a:tcPr>
+                </a:tc>
+                <a:extLst>
+                  <a:ext uri="{0D108BD9-81ED-4DB2-BD59-A6C34878D82A}">
+                    <a16:rowId xmlns:a16="http://schemas.microsoft.com/office/drawing/2014/main" val="1817001553"/>
+                  </a:ext>
+                </a:extLst>
+              </a:tr>
+              <a:tr h="154578">
+                <a:tc>
+                  <a:txBody>
+                    <a:bodyPr/>
+                    <a:lstStyle/>
+                    <a:p>
+                      <a:r>
+                        <a:rPr lang="en-GB" sz="1200">
+                          <a:effectLst/>
+                        </a:rPr>
+                        <a:t>1</a:t>
+                      </a:r>
+                    </a:p>
+                  </a:txBody>
+                  <a:tcPr marL="76200" marR="76200" marT="38100" marB="38100" anchor="ctr">
+                    <a:solidFill>
+                      <a:schemeClr val="bg2"/>
+                    </a:solidFill>
+                  </a:tcPr>
+                </a:tc>
+                <a:tc>
+                  <a:txBody>
+                    <a:bodyPr/>
+                    <a:lstStyle/>
+                    <a:p>
+                      <a:r>
+                        <a:rPr lang="en-GB" sz="1200">
+                          <a:effectLst/>
+                        </a:rPr>
+                        <a:t>3</a:t>
+                      </a:r>
+                    </a:p>
+                  </a:txBody>
+                  <a:tcPr marL="76200" marR="76200" marT="38100" marB="38100" anchor="ctr">
+                    <a:solidFill>
+                      <a:schemeClr val="bg2"/>
+                    </a:solidFill>
+                  </a:tcPr>
+                </a:tc>
+                <a:tc>
+                  <a:txBody>
+                    <a:bodyPr/>
+                    <a:lstStyle/>
+                    <a:p>
+                      <a:r>
+                        <a:rPr lang="en-GB" sz="1200" dirty="0">
+                          <a:effectLst/>
+                        </a:rPr>
+                        <a:t>BURSTS</a:t>
+                      </a:r>
+                    </a:p>
+                  </a:txBody>
+                  <a:tcPr marL="76200" marR="76200" marT="38100" marB="38100" anchor="ctr">
+                    <a:solidFill>
+                      <a:schemeClr val="bg2"/>
+                    </a:solidFill>
+                  </a:tcPr>
+                </a:tc>
+                <a:tc>
+                  <a:txBody>
+                    <a:bodyPr/>
+                    <a:lstStyle/>
+                    <a:p>
+                      <a:r>
+                        <a:rPr lang="en-GB" sz="1200" dirty="0">
+                          <a:effectLst/>
+                        </a:rPr>
+                        <a:t>0.0</a:t>
+                      </a:r>
+                    </a:p>
+                  </a:txBody>
+                  <a:tcPr marL="76200" marR="76200" marT="38100" marB="38100" anchor="ctr">
+                    <a:solidFill>
+                      <a:schemeClr val="bg2"/>
+                    </a:solidFill>
+                  </a:tcPr>
+                </a:tc>
+                <a:extLst>
+                  <a:ext uri="{0D108BD9-81ED-4DB2-BD59-A6C34878D82A}">
+                    <a16:rowId xmlns:a16="http://schemas.microsoft.com/office/drawing/2014/main" val="202285892"/>
+                  </a:ext>
+                </a:extLst>
+              </a:tr>
+              <a:tr h="154578">
+                <a:tc>
+                  <a:txBody>
+                    <a:bodyPr/>
+                    <a:lstStyle/>
+                    <a:p>
+                      <a:r>
+                        <a:rPr lang="en-GB" sz="1200">
+                          <a:effectLst/>
+                        </a:rPr>
+                        <a:t>1</a:t>
+                      </a:r>
+                    </a:p>
+                  </a:txBody>
+                  <a:tcPr marL="76200" marR="76200" marT="38100" marB="38100" anchor="ctr">
+                    <a:solidFill>
+                      <a:schemeClr val="bg2"/>
+                    </a:solidFill>
+                  </a:tcPr>
+                </a:tc>
+                <a:tc>
+                  <a:txBody>
+                    <a:bodyPr/>
+                    <a:lstStyle/>
+                    <a:p>
+                      <a:r>
+                        <a:rPr lang="en-GB" sz="1200" dirty="0">
+                          <a:effectLst/>
+                        </a:rPr>
+                        <a:t>4</a:t>
+                      </a:r>
+                    </a:p>
+                  </a:txBody>
+                  <a:tcPr marL="76200" marR="76200" marT="38100" marB="38100" anchor="ctr">
+                    <a:solidFill>
+                      <a:schemeClr val="bg2"/>
+                    </a:solidFill>
+                  </a:tcPr>
+                </a:tc>
+                <a:tc>
+                  <a:txBody>
+                    <a:bodyPr/>
+                    <a:lstStyle/>
+                    <a:p>
+                      <a:r>
+                        <a:rPr lang="en-GB" sz="1200">
+                          <a:effectLst/>
+                        </a:rPr>
+                        <a:t>BURSTS</a:t>
+                      </a:r>
+                    </a:p>
+                  </a:txBody>
+                  <a:tcPr marL="76200" marR="76200" marT="38100" marB="38100" anchor="ctr">
+                    <a:solidFill>
+                      <a:schemeClr val="bg2"/>
+                    </a:solidFill>
+                  </a:tcPr>
+                </a:tc>
+                <a:tc>
+                  <a:txBody>
+                    <a:bodyPr/>
+                    <a:lstStyle/>
+                    <a:p>
+                      <a:r>
+                        <a:rPr lang="en-GB" sz="1200" dirty="0">
+                          <a:effectLst/>
+                        </a:rPr>
+                        <a:t>0.392392</a:t>
+                      </a:r>
+                    </a:p>
+                  </a:txBody>
+                  <a:tcPr marL="76200" marR="76200" marT="38100" marB="38100" anchor="ctr">
+                    <a:solidFill>
+                      <a:schemeClr val="bg2"/>
+                    </a:solidFill>
+                  </a:tcPr>
+                </a:tc>
+                <a:extLst>
+                  <a:ext uri="{0D108BD9-81ED-4DB2-BD59-A6C34878D82A}">
+                    <a16:rowId xmlns:a16="http://schemas.microsoft.com/office/drawing/2014/main" val="3019397469"/>
+                  </a:ext>
+                </a:extLst>
+              </a:tr>
+              <a:tr h="154578">
+                <a:tc>
+                  <a:txBody>
+                    <a:bodyPr/>
+                    <a:lstStyle/>
+                    <a:p>
+                      <a:r>
+                        <a:rPr lang="en-GB" sz="1200">
+                          <a:effectLst/>
+                        </a:rPr>
+                        <a:t>2</a:t>
+                      </a:r>
+                    </a:p>
+                  </a:txBody>
+                  <a:tcPr marL="76200" marR="76200" marT="38100" marB="38100" anchor="ctr"/>
+                </a:tc>
+                <a:tc>
+                  <a:txBody>
+                    <a:bodyPr/>
+                    <a:lstStyle/>
+                    <a:p>
+                      <a:r>
+                        <a:rPr lang="en-GB" sz="1200">
+                          <a:effectLst/>
+                        </a:rPr>
+                        <a:t>1</a:t>
+                      </a:r>
+                    </a:p>
+                  </a:txBody>
+                  <a:tcPr marL="76200" marR="76200" marT="38100" marB="38100" anchor="ctr"/>
+                </a:tc>
+                <a:tc>
+                  <a:txBody>
+                    <a:bodyPr/>
+                    <a:lstStyle/>
+                    <a:p>
+                      <a:r>
+                        <a:rPr lang="en-GB" sz="1200">
+                          <a:effectLst/>
+                        </a:rPr>
+                        <a:t>BURSTS</a:t>
+                      </a:r>
+                    </a:p>
+                  </a:txBody>
+                  <a:tcPr marL="76200" marR="76200" marT="38100" marB="38100" anchor="ctr"/>
+                </a:tc>
+                <a:tc>
+                  <a:txBody>
+                    <a:bodyPr/>
+                    <a:lstStyle/>
+                    <a:p>
+                      <a:r>
+                        <a:rPr lang="en-GB" sz="1200" dirty="0">
+                          <a:effectLst/>
+                        </a:rPr>
+                        <a:t>0.237873</a:t>
+                      </a:r>
+                    </a:p>
+                  </a:txBody>
+                  <a:tcPr marL="76200" marR="76200" marT="38100" marB="38100" anchor="ctr"/>
+                </a:tc>
+                <a:extLst>
+                  <a:ext uri="{0D108BD9-81ED-4DB2-BD59-A6C34878D82A}">
+                    <a16:rowId xmlns:a16="http://schemas.microsoft.com/office/drawing/2014/main" val="2453038063"/>
+                  </a:ext>
+                </a:extLst>
+              </a:tr>
+              <a:tr h="154578">
+                <a:tc>
+                  <a:txBody>
+                    <a:bodyPr/>
+                    <a:lstStyle/>
+                    <a:p>
+                      <a:r>
+                        <a:rPr lang="en-GB" sz="1200">
+                          <a:effectLst/>
+                        </a:rPr>
+                        <a:t>2</a:t>
+                      </a:r>
+                    </a:p>
+                  </a:txBody>
+                  <a:tcPr marL="76200" marR="76200" marT="38100" marB="38100" anchor="ctr"/>
+                </a:tc>
+                <a:tc>
+                  <a:txBody>
+                    <a:bodyPr/>
+                    <a:lstStyle/>
+                    <a:p>
+                      <a:r>
+                        <a:rPr lang="en-GB" sz="1200">
+                          <a:effectLst/>
+                        </a:rPr>
+                        <a:t>2</a:t>
+                      </a:r>
+                    </a:p>
+                  </a:txBody>
+                  <a:tcPr marL="76200" marR="76200" marT="38100" marB="38100" anchor="ctr"/>
+                </a:tc>
+                <a:tc>
+                  <a:txBody>
+                    <a:bodyPr/>
+                    <a:lstStyle/>
+                    <a:p>
+                      <a:r>
+                        <a:rPr lang="en-GB" sz="1200" dirty="0">
+                          <a:effectLst/>
+                        </a:rPr>
+                        <a:t>BURSTS</a:t>
+                      </a:r>
+                    </a:p>
+                  </a:txBody>
+                  <a:tcPr marL="76200" marR="76200" marT="38100" marB="38100" anchor="ctr"/>
+                </a:tc>
+                <a:tc>
+                  <a:txBody>
+                    <a:bodyPr/>
+                    <a:lstStyle/>
+                    <a:p>
+                      <a:r>
+                        <a:rPr lang="en-GB" sz="1200">
+                          <a:effectLst/>
+                        </a:rPr>
+                        <a:t>0.0</a:t>
+                      </a:r>
+                    </a:p>
+                  </a:txBody>
+                  <a:tcPr marL="76200" marR="76200" marT="38100" marB="38100" anchor="ctr"/>
+                </a:tc>
+                <a:extLst>
+                  <a:ext uri="{0D108BD9-81ED-4DB2-BD59-A6C34878D82A}">
+                    <a16:rowId xmlns:a16="http://schemas.microsoft.com/office/drawing/2014/main" val="2395400633"/>
+                  </a:ext>
+                </a:extLst>
+              </a:tr>
+              <a:tr h="154578">
+                <a:tc>
+                  <a:txBody>
+                    <a:bodyPr/>
+                    <a:lstStyle/>
+                    <a:p>
+                      <a:r>
+                        <a:rPr lang="en-GB" sz="1200">
+                          <a:effectLst/>
+                        </a:rPr>
+                        <a:t>2</a:t>
+                      </a:r>
+                    </a:p>
+                  </a:txBody>
+                  <a:tcPr marL="76200" marR="76200" marT="38100" marB="38100" anchor="ctr"/>
+                </a:tc>
+                <a:tc>
+                  <a:txBody>
+                    <a:bodyPr/>
+                    <a:lstStyle/>
+                    <a:p>
+                      <a:r>
+                        <a:rPr lang="en-GB" sz="1200">
+                          <a:effectLst/>
+                        </a:rPr>
+                        <a:t>3</a:t>
+                      </a:r>
+                    </a:p>
+                  </a:txBody>
+                  <a:tcPr marL="76200" marR="76200" marT="38100" marB="38100" anchor="ctr"/>
+                </a:tc>
+                <a:tc>
+                  <a:txBody>
+                    <a:bodyPr/>
+                    <a:lstStyle/>
+                    <a:p>
+                      <a:r>
+                        <a:rPr lang="en-GB" sz="1200">
+                          <a:effectLst/>
+                        </a:rPr>
+                        <a:t>BURSTS</a:t>
+                      </a:r>
+                    </a:p>
+                  </a:txBody>
+                  <a:tcPr marL="76200" marR="76200" marT="38100" marB="38100" anchor="ctr"/>
+                </a:tc>
+                <a:tc>
+                  <a:txBody>
+                    <a:bodyPr/>
+                    <a:lstStyle/>
+                    <a:p>
+                      <a:r>
+                        <a:rPr lang="en-GB" sz="1200">
+                          <a:effectLst/>
+                        </a:rPr>
+                        <a:t>0.0</a:t>
+                      </a:r>
+                    </a:p>
+                  </a:txBody>
+                  <a:tcPr marL="76200" marR="76200" marT="38100" marB="38100" anchor="ctr"/>
+                </a:tc>
+                <a:extLst>
+                  <a:ext uri="{0D108BD9-81ED-4DB2-BD59-A6C34878D82A}">
+                    <a16:rowId xmlns:a16="http://schemas.microsoft.com/office/drawing/2014/main" val="278446480"/>
+                  </a:ext>
+                </a:extLst>
+              </a:tr>
+              <a:tr h="154578">
+                <a:tc>
+                  <a:txBody>
+                    <a:bodyPr/>
+                    <a:lstStyle/>
+                    <a:p>
+                      <a:r>
+                        <a:rPr lang="en-GB" sz="1200">
+                          <a:effectLst/>
+                        </a:rPr>
+                        <a:t>2</a:t>
+                      </a:r>
+                    </a:p>
+                  </a:txBody>
+                  <a:tcPr marL="76200" marR="76200" marT="38100" marB="38100" anchor="ctr">
+                    <a:lnB w="12700" cap="flat" cmpd="sng" algn="ctr">
+                      <a:solidFill>
+                        <a:schemeClr val="tx1"/>
+                      </a:solidFill>
+                      <a:prstDash val="solid"/>
+                      <a:round/>
+                      <a:headEnd type="none" w="med" len="med"/>
+                      <a:tailEnd type="none" w="med" len="med"/>
+                    </a:lnB>
+                  </a:tcPr>
+                </a:tc>
+                <a:tc>
+                  <a:txBody>
+                    <a:bodyPr/>
+                    <a:lstStyle/>
+                    <a:p>
+                      <a:r>
+                        <a:rPr lang="en-GB" sz="1200">
+                          <a:effectLst/>
+                        </a:rPr>
+                        <a:t>4</a:t>
+                      </a:r>
+                    </a:p>
+                  </a:txBody>
+                  <a:tcPr marL="76200" marR="76200" marT="38100" marB="38100" anchor="ctr">
+                    <a:lnB w="12700" cap="flat" cmpd="sng" algn="ctr">
+                      <a:solidFill>
+                        <a:schemeClr val="tx1"/>
+                      </a:solidFill>
+                      <a:prstDash val="solid"/>
+                      <a:round/>
+                      <a:headEnd type="none" w="med" len="med"/>
+                      <a:tailEnd type="none" w="med" len="med"/>
+                    </a:lnB>
+                  </a:tcPr>
+                </a:tc>
+                <a:tc>
+                  <a:txBody>
+                    <a:bodyPr/>
+                    <a:lstStyle/>
+                    <a:p>
+                      <a:r>
+                        <a:rPr lang="en-GB" sz="1200">
+                          <a:effectLst/>
+                        </a:rPr>
+                        <a:t>BURSTS</a:t>
+                      </a:r>
+                    </a:p>
+                  </a:txBody>
+                  <a:tcPr marL="76200" marR="76200" marT="38100" marB="38100" anchor="ctr">
+                    <a:lnB w="12700" cap="flat" cmpd="sng" algn="ctr">
+                      <a:solidFill>
+                        <a:schemeClr val="tx1"/>
+                      </a:solidFill>
+                      <a:prstDash val="solid"/>
+                      <a:round/>
+                      <a:headEnd type="none" w="med" len="med"/>
+                      <a:tailEnd type="none" w="med" len="med"/>
+                    </a:lnB>
+                  </a:tcPr>
+                </a:tc>
+                <a:tc>
+                  <a:txBody>
+                    <a:bodyPr/>
+                    <a:lstStyle/>
+                    <a:p>
+                      <a:r>
+                        <a:rPr lang="en-GB" sz="1200" dirty="0">
+                          <a:effectLst/>
+                        </a:rPr>
+                        <a:t>0.0</a:t>
+                      </a:r>
+                    </a:p>
+                  </a:txBody>
+                  <a:tcPr marL="76200" marR="76200" marT="38100" marB="38100" anchor="ctr">
+                    <a:lnB w="12700" cap="flat" cmpd="sng" algn="ctr">
+                      <a:solidFill>
+                        <a:schemeClr val="tx1"/>
+                      </a:solidFill>
+                      <a:prstDash val="solid"/>
+                      <a:round/>
+                      <a:headEnd type="none" w="med" len="med"/>
+                      <a:tailEnd type="none" w="med" len="med"/>
+                    </a:lnB>
+                  </a:tcPr>
+                </a:tc>
+                <a:extLst>
+                  <a:ext uri="{0D108BD9-81ED-4DB2-BD59-A6C34878D82A}">
+                    <a16:rowId xmlns:a16="http://schemas.microsoft.com/office/drawing/2014/main" val="2995144103"/>
+                  </a:ext>
+                </a:extLst>
+              </a:tr>
+              <a:tr h="154578">
+                <a:tc>
+                  <a:txBody>
+                    <a:bodyPr/>
+                    <a:lstStyle/>
+                    <a:p>
+                      <a:r>
+                        <a:rPr lang="en-GB" sz="1200" dirty="0">
+                          <a:effectLst/>
+                        </a:rPr>
+                        <a:t>1</a:t>
+                      </a:r>
+                    </a:p>
+                  </a:txBody>
+                  <a:tcPr marL="76200" marR="76200" marT="38100" marB="38100" anchor="ctr">
+                    <a:lnT w="12700" cap="flat" cmpd="sng" algn="ctr">
+                      <a:solidFill>
+                        <a:schemeClr val="tx1"/>
+                      </a:solidFill>
+                      <a:prstDash val="solid"/>
+                      <a:round/>
+                      <a:headEnd type="none" w="med" len="med"/>
+                      <a:tailEnd type="none" w="med" len="med"/>
+                    </a:lnT>
+                    <a:solidFill>
+                      <a:schemeClr val="bg2"/>
+                    </a:solidFill>
+                  </a:tcPr>
+                </a:tc>
+                <a:tc>
+                  <a:txBody>
+                    <a:bodyPr/>
+                    <a:lstStyle/>
+                    <a:p>
+                      <a:r>
+                        <a:rPr lang="en-GB" sz="1200" dirty="0">
+                          <a:effectLst/>
+                        </a:rPr>
+                        <a:t>1</a:t>
+                      </a:r>
+                    </a:p>
+                  </a:txBody>
+                  <a:tcPr marL="76200" marR="76200" marT="38100" marB="38100" anchor="ctr">
+                    <a:lnT w="12700" cap="flat" cmpd="sng" algn="ctr">
+                      <a:solidFill>
+                        <a:schemeClr val="tx1"/>
+                      </a:solidFill>
+                      <a:prstDash val="solid"/>
+                      <a:round/>
+                      <a:headEnd type="none" w="med" len="med"/>
+                      <a:tailEnd type="none" w="med" len="med"/>
+                    </a:lnT>
+                    <a:solidFill>
+                      <a:schemeClr val="bg2"/>
+                    </a:solidFill>
+                  </a:tcPr>
+                </a:tc>
+                <a:tc>
+                  <a:txBody>
+                    <a:bodyPr/>
+                    <a:lstStyle/>
+                    <a:p>
+                      <a:r>
+                        <a:rPr lang="en-GB" sz="1200">
+                          <a:effectLst/>
+                        </a:rPr>
+                        <a:t>IBI</a:t>
+                      </a:r>
+                    </a:p>
+                  </a:txBody>
+                  <a:tcPr marL="76200" marR="76200" marT="38100" marB="38100" anchor="ctr">
+                    <a:lnT w="12700" cap="flat" cmpd="sng" algn="ctr">
+                      <a:solidFill>
+                        <a:schemeClr val="tx1"/>
+                      </a:solidFill>
+                      <a:prstDash val="solid"/>
+                      <a:round/>
+                      <a:headEnd type="none" w="med" len="med"/>
+                      <a:tailEnd type="none" w="med" len="med"/>
+                    </a:lnT>
+                    <a:solidFill>
+                      <a:schemeClr val="bg2"/>
+                    </a:solidFill>
+                  </a:tcPr>
+                </a:tc>
+                <a:tc>
+                  <a:txBody>
+                    <a:bodyPr/>
+                    <a:lstStyle/>
+                    <a:p>
+                      <a:r>
+                        <a:rPr lang="en-GB" sz="1200">
+                          <a:effectLst/>
+                        </a:rPr>
+                        <a:t>22.108351</a:t>
+                      </a:r>
+                    </a:p>
+                  </a:txBody>
+                  <a:tcPr marL="76200" marR="76200" marT="38100" marB="38100" anchor="ctr">
+                    <a:lnT w="12700" cap="flat" cmpd="sng" algn="ctr">
+                      <a:solidFill>
+                        <a:schemeClr val="tx1"/>
+                      </a:solidFill>
+                      <a:prstDash val="solid"/>
+                      <a:round/>
+                      <a:headEnd type="none" w="med" len="med"/>
+                      <a:tailEnd type="none" w="med" len="med"/>
+                    </a:lnT>
+                    <a:solidFill>
+                      <a:schemeClr val="bg2"/>
+                    </a:solidFill>
+                  </a:tcPr>
+                </a:tc>
+                <a:extLst>
+                  <a:ext uri="{0D108BD9-81ED-4DB2-BD59-A6C34878D82A}">
+                    <a16:rowId xmlns:a16="http://schemas.microsoft.com/office/drawing/2014/main" val="33628614"/>
+                  </a:ext>
+                </a:extLst>
+              </a:tr>
+              <a:tr h="154578">
+                <a:tc>
+                  <a:txBody>
+                    <a:bodyPr/>
+                    <a:lstStyle/>
+                    <a:p>
+                      <a:r>
+                        <a:rPr lang="en-GB" sz="1200">
+                          <a:effectLst/>
+                        </a:rPr>
+                        <a:t>1</a:t>
+                      </a:r>
+                    </a:p>
+                  </a:txBody>
+                  <a:tcPr marL="76200" marR="76200" marT="38100" marB="38100" anchor="ctr">
+                    <a:solidFill>
+                      <a:schemeClr val="bg2"/>
+                    </a:solidFill>
+                  </a:tcPr>
+                </a:tc>
+                <a:tc>
+                  <a:txBody>
+                    <a:bodyPr/>
+                    <a:lstStyle/>
+                    <a:p>
+                      <a:r>
+                        <a:rPr lang="en-GB" sz="1200" dirty="0">
+                          <a:effectLst/>
+                        </a:rPr>
+                        <a:t>2</a:t>
+                      </a:r>
+                    </a:p>
+                  </a:txBody>
+                  <a:tcPr marL="76200" marR="76200" marT="38100" marB="38100" anchor="ctr">
+                    <a:solidFill>
+                      <a:schemeClr val="bg2"/>
+                    </a:solidFill>
+                  </a:tcPr>
+                </a:tc>
+                <a:tc>
+                  <a:txBody>
+                    <a:bodyPr/>
+                    <a:lstStyle/>
+                    <a:p>
+                      <a:r>
+                        <a:rPr lang="en-GB" sz="1200">
+                          <a:effectLst/>
+                        </a:rPr>
+                        <a:t>IBI</a:t>
+                      </a:r>
+                    </a:p>
+                  </a:txBody>
+                  <a:tcPr marL="76200" marR="76200" marT="38100" marB="38100" anchor="ctr">
+                    <a:solidFill>
+                      <a:schemeClr val="bg2"/>
+                    </a:solidFill>
+                  </a:tcPr>
+                </a:tc>
+                <a:tc>
+                  <a:txBody>
+                    <a:bodyPr/>
+                    <a:lstStyle/>
+                    <a:p>
+                      <a:r>
+                        <a:rPr lang="en-GB" sz="1200">
+                          <a:effectLst/>
+                        </a:rPr>
+                        <a:t>0.0</a:t>
+                      </a:r>
+                    </a:p>
+                  </a:txBody>
+                  <a:tcPr marL="76200" marR="76200" marT="38100" marB="38100" anchor="ctr">
+                    <a:solidFill>
+                      <a:schemeClr val="bg2"/>
+                    </a:solidFill>
+                  </a:tcPr>
+                </a:tc>
+                <a:extLst>
+                  <a:ext uri="{0D108BD9-81ED-4DB2-BD59-A6C34878D82A}">
+                    <a16:rowId xmlns:a16="http://schemas.microsoft.com/office/drawing/2014/main" val="1280402641"/>
+                  </a:ext>
+                </a:extLst>
+              </a:tr>
+              <a:tr h="154578">
+                <a:tc>
+                  <a:txBody>
+                    <a:bodyPr/>
+                    <a:lstStyle/>
+                    <a:p>
+                      <a:r>
+                        <a:rPr lang="en-GB" sz="1200">
+                          <a:effectLst/>
+                        </a:rPr>
+                        <a:t>1</a:t>
+                      </a:r>
+                    </a:p>
+                  </a:txBody>
+                  <a:tcPr marL="76200" marR="76200" marT="38100" marB="38100" anchor="ctr">
+                    <a:solidFill>
+                      <a:schemeClr val="bg2"/>
+                    </a:solidFill>
+                  </a:tcPr>
+                </a:tc>
+                <a:tc>
+                  <a:txBody>
+                    <a:bodyPr/>
+                    <a:lstStyle/>
+                    <a:p>
+                      <a:r>
+                        <a:rPr lang="en-GB" sz="1200">
+                          <a:effectLst/>
+                        </a:rPr>
+                        <a:t>3</a:t>
+                      </a:r>
+                    </a:p>
+                  </a:txBody>
+                  <a:tcPr marL="76200" marR="76200" marT="38100" marB="38100" anchor="ctr">
+                    <a:solidFill>
+                      <a:schemeClr val="bg2"/>
+                    </a:solidFill>
+                  </a:tcPr>
+                </a:tc>
+                <a:tc>
+                  <a:txBody>
+                    <a:bodyPr/>
+                    <a:lstStyle/>
+                    <a:p>
+                      <a:r>
+                        <a:rPr lang="en-GB" sz="1200" dirty="0">
+                          <a:effectLst/>
+                        </a:rPr>
+                        <a:t>IBI</a:t>
+                      </a:r>
+                    </a:p>
+                  </a:txBody>
+                  <a:tcPr marL="76200" marR="76200" marT="38100" marB="38100" anchor="ctr">
+                    <a:solidFill>
+                      <a:schemeClr val="bg2"/>
+                    </a:solidFill>
+                  </a:tcPr>
+                </a:tc>
+                <a:tc>
+                  <a:txBody>
+                    <a:bodyPr/>
+                    <a:lstStyle/>
+                    <a:p>
+                      <a:r>
+                        <a:rPr lang="en-GB" sz="1200">
+                          <a:effectLst/>
+                        </a:rPr>
+                        <a:t>0.0</a:t>
+                      </a:r>
+                    </a:p>
+                  </a:txBody>
+                  <a:tcPr marL="76200" marR="76200" marT="38100" marB="38100" anchor="ctr">
+                    <a:solidFill>
+                      <a:schemeClr val="bg2"/>
+                    </a:solidFill>
+                  </a:tcPr>
+                </a:tc>
+                <a:extLst>
+                  <a:ext uri="{0D108BD9-81ED-4DB2-BD59-A6C34878D82A}">
+                    <a16:rowId xmlns:a16="http://schemas.microsoft.com/office/drawing/2014/main" val="2983268447"/>
+                  </a:ext>
+                </a:extLst>
+              </a:tr>
+              <a:tr h="154578">
+                <a:tc>
+                  <a:txBody>
+                    <a:bodyPr/>
+                    <a:lstStyle/>
+                    <a:p>
+                      <a:r>
+                        <a:rPr lang="en-GB" sz="1200">
+                          <a:effectLst/>
+                        </a:rPr>
+                        <a:t>1</a:t>
+                      </a:r>
+                    </a:p>
+                  </a:txBody>
+                  <a:tcPr marL="76200" marR="76200" marT="38100" marB="38100" anchor="ctr">
+                    <a:solidFill>
+                      <a:schemeClr val="bg2"/>
+                    </a:solidFill>
+                  </a:tcPr>
+                </a:tc>
+                <a:tc>
+                  <a:txBody>
+                    <a:bodyPr/>
+                    <a:lstStyle/>
+                    <a:p>
+                      <a:r>
+                        <a:rPr lang="en-GB" sz="1200">
+                          <a:effectLst/>
+                        </a:rPr>
+                        <a:t>4</a:t>
+                      </a:r>
+                    </a:p>
+                  </a:txBody>
+                  <a:tcPr marL="76200" marR="76200" marT="38100" marB="38100" anchor="ctr">
+                    <a:solidFill>
+                      <a:schemeClr val="bg2"/>
+                    </a:solidFill>
+                  </a:tcPr>
+                </a:tc>
+                <a:tc>
+                  <a:txBody>
+                    <a:bodyPr/>
+                    <a:lstStyle/>
+                    <a:p>
+                      <a:r>
+                        <a:rPr lang="en-GB" sz="1200" dirty="0">
+                          <a:effectLst/>
+                        </a:rPr>
+                        <a:t>IBI</a:t>
+                      </a:r>
+                    </a:p>
+                  </a:txBody>
+                  <a:tcPr marL="76200" marR="76200" marT="38100" marB="38100" anchor="ctr">
+                    <a:solidFill>
+                      <a:schemeClr val="bg2"/>
+                    </a:solidFill>
+                  </a:tcPr>
+                </a:tc>
+                <a:tc>
+                  <a:txBody>
+                    <a:bodyPr/>
+                    <a:lstStyle/>
+                    <a:p>
+                      <a:r>
+                        <a:rPr lang="en-GB" sz="1200" dirty="0">
+                          <a:effectLst/>
+                        </a:rPr>
+                        <a:t>10.253176</a:t>
+                      </a:r>
+                    </a:p>
+                  </a:txBody>
+                  <a:tcPr marL="76200" marR="76200" marT="38100" marB="38100" anchor="ctr">
+                    <a:solidFill>
+                      <a:schemeClr val="bg2"/>
+                    </a:solidFill>
+                  </a:tcPr>
+                </a:tc>
+                <a:extLst>
+                  <a:ext uri="{0D108BD9-81ED-4DB2-BD59-A6C34878D82A}">
+                    <a16:rowId xmlns:a16="http://schemas.microsoft.com/office/drawing/2014/main" val="1635432972"/>
+                  </a:ext>
+                </a:extLst>
+              </a:tr>
+              <a:tr h="154578">
+                <a:tc>
+                  <a:txBody>
+                    <a:bodyPr/>
+                    <a:lstStyle/>
+                    <a:p>
+                      <a:r>
+                        <a:rPr lang="en-GB" sz="1200">
+                          <a:effectLst/>
+                        </a:rPr>
+                        <a:t>2</a:t>
+                      </a:r>
+                    </a:p>
+                  </a:txBody>
+                  <a:tcPr marL="76200" marR="76200" marT="38100" marB="38100" anchor="ctr"/>
+                </a:tc>
+                <a:tc>
+                  <a:txBody>
+                    <a:bodyPr/>
+                    <a:lstStyle/>
+                    <a:p>
+                      <a:r>
+                        <a:rPr lang="en-GB" sz="1200">
+                          <a:effectLst/>
+                        </a:rPr>
+                        <a:t>1</a:t>
+                      </a:r>
+                    </a:p>
+                  </a:txBody>
+                  <a:tcPr marL="76200" marR="76200" marT="38100" marB="38100" anchor="ctr"/>
+                </a:tc>
+                <a:tc>
+                  <a:txBody>
+                    <a:bodyPr/>
+                    <a:lstStyle/>
+                    <a:p>
+                      <a:r>
+                        <a:rPr lang="en-GB" sz="1200">
+                          <a:effectLst/>
+                        </a:rPr>
+                        <a:t>IBI</a:t>
+                      </a:r>
+                    </a:p>
+                  </a:txBody>
+                  <a:tcPr marL="76200" marR="76200" marT="38100" marB="38100" anchor="ctr"/>
+                </a:tc>
+                <a:tc>
+                  <a:txBody>
+                    <a:bodyPr/>
+                    <a:lstStyle/>
+                    <a:p>
+                      <a:r>
+                        <a:rPr lang="en-GB" sz="1200" dirty="0">
+                          <a:effectLst/>
+                        </a:rPr>
+                        <a:t>1.674255</a:t>
+                      </a:r>
+                    </a:p>
+                  </a:txBody>
+                  <a:tcPr marL="76200" marR="76200" marT="38100" marB="38100" anchor="ctr"/>
+                </a:tc>
+                <a:extLst>
+                  <a:ext uri="{0D108BD9-81ED-4DB2-BD59-A6C34878D82A}">
+                    <a16:rowId xmlns:a16="http://schemas.microsoft.com/office/drawing/2014/main" val="118346155"/>
+                  </a:ext>
+                </a:extLst>
+              </a:tr>
+              <a:tr h="154578">
+                <a:tc>
+                  <a:txBody>
+                    <a:bodyPr/>
+                    <a:lstStyle/>
+                    <a:p>
+                      <a:r>
+                        <a:rPr lang="en-GB" sz="1200">
+                          <a:effectLst/>
+                        </a:rPr>
+                        <a:t>2</a:t>
+                      </a:r>
+                    </a:p>
+                  </a:txBody>
+                  <a:tcPr marL="76200" marR="76200" marT="38100" marB="38100" anchor="ctr"/>
+                </a:tc>
+                <a:tc>
+                  <a:txBody>
+                    <a:bodyPr/>
+                    <a:lstStyle/>
+                    <a:p>
+                      <a:r>
+                        <a:rPr lang="en-GB" sz="1200">
+                          <a:effectLst/>
+                        </a:rPr>
+                        <a:t>2</a:t>
+                      </a:r>
+                    </a:p>
+                  </a:txBody>
+                  <a:tcPr marL="76200" marR="76200" marT="38100" marB="38100" anchor="ctr"/>
+                </a:tc>
+                <a:tc>
+                  <a:txBody>
+                    <a:bodyPr/>
+                    <a:lstStyle/>
+                    <a:p>
+                      <a:r>
+                        <a:rPr lang="en-GB" sz="1200">
+                          <a:effectLst/>
+                        </a:rPr>
+                        <a:t>IBI</a:t>
+                      </a:r>
+                    </a:p>
+                  </a:txBody>
+                  <a:tcPr marL="76200" marR="76200" marT="38100" marB="38100" anchor="ctr"/>
+                </a:tc>
+                <a:tc>
+                  <a:txBody>
+                    <a:bodyPr/>
+                    <a:lstStyle/>
+                    <a:p>
+                      <a:r>
+                        <a:rPr lang="en-GB" sz="1200">
+                          <a:effectLst/>
+                        </a:rPr>
+                        <a:t>0.0</a:t>
+                      </a:r>
+                    </a:p>
+                  </a:txBody>
+                  <a:tcPr marL="76200" marR="76200" marT="38100" marB="38100" anchor="ctr"/>
+                </a:tc>
+                <a:extLst>
+                  <a:ext uri="{0D108BD9-81ED-4DB2-BD59-A6C34878D82A}">
+                    <a16:rowId xmlns:a16="http://schemas.microsoft.com/office/drawing/2014/main" val="3432465217"/>
+                  </a:ext>
+                </a:extLst>
+              </a:tr>
+              <a:tr h="154578">
+                <a:tc>
+                  <a:txBody>
+                    <a:bodyPr/>
+                    <a:lstStyle/>
+                    <a:p>
+                      <a:r>
+                        <a:rPr lang="en-GB" sz="1200">
+                          <a:effectLst/>
+                        </a:rPr>
+                        <a:t>2</a:t>
+                      </a:r>
+                    </a:p>
+                  </a:txBody>
+                  <a:tcPr marL="76200" marR="76200" marT="38100" marB="38100" anchor="ctr"/>
+                </a:tc>
+                <a:tc>
+                  <a:txBody>
+                    <a:bodyPr/>
+                    <a:lstStyle/>
+                    <a:p>
+                      <a:r>
+                        <a:rPr lang="en-GB" sz="1200">
+                          <a:effectLst/>
+                        </a:rPr>
+                        <a:t>3</a:t>
+                      </a:r>
+                    </a:p>
+                  </a:txBody>
+                  <a:tcPr marL="76200" marR="76200" marT="38100" marB="38100" anchor="ctr"/>
+                </a:tc>
+                <a:tc>
+                  <a:txBody>
+                    <a:bodyPr/>
+                    <a:lstStyle/>
+                    <a:p>
+                      <a:r>
+                        <a:rPr lang="en-GB" sz="1200">
+                          <a:effectLst/>
+                        </a:rPr>
+                        <a:t>IBI</a:t>
+                      </a:r>
+                    </a:p>
+                  </a:txBody>
+                  <a:tcPr marL="76200" marR="76200" marT="38100" marB="38100" anchor="ctr"/>
+                </a:tc>
+                <a:tc>
+                  <a:txBody>
+                    <a:bodyPr/>
+                    <a:lstStyle/>
+                    <a:p>
+                      <a:r>
+                        <a:rPr lang="en-GB" sz="1200">
+                          <a:effectLst/>
+                        </a:rPr>
+                        <a:t>0.0</a:t>
+                      </a:r>
+                    </a:p>
+                  </a:txBody>
+                  <a:tcPr marL="76200" marR="76200" marT="38100" marB="38100" anchor="ctr"/>
+                </a:tc>
+                <a:extLst>
+                  <a:ext uri="{0D108BD9-81ED-4DB2-BD59-A6C34878D82A}">
+                    <a16:rowId xmlns:a16="http://schemas.microsoft.com/office/drawing/2014/main" val="2446123427"/>
+                  </a:ext>
+                </a:extLst>
+              </a:tr>
+              <a:tr h="154578">
+                <a:tc>
+                  <a:txBody>
+                    <a:bodyPr/>
+                    <a:lstStyle/>
+                    <a:p>
+                      <a:r>
+                        <a:rPr lang="en-GB" sz="1200">
+                          <a:effectLst/>
+                        </a:rPr>
+                        <a:t>2</a:t>
+                      </a:r>
+                    </a:p>
+                  </a:txBody>
+                  <a:tcPr marL="76200" marR="76200" marT="38100" marB="38100" anchor="ctr">
+                    <a:lnB w="12700" cap="flat" cmpd="sng" algn="ctr">
+                      <a:solidFill>
+                        <a:schemeClr val="tx1"/>
+                      </a:solidFill>
+                      <a:prstDash val="solid"/>
+                      <a:round/>
+                      <a:headEnd type="none" w="med" len="med"/>
+                      <a:tailEnd type="none" w="med" len="med"/>
+                    </a:lnB>
+                  </a:tcPr>
+                </a:tc>
+                <a:tc>
+                  <a:txBody>
+                    <a:bodyPr/>
+                    <a:lstStyle/>
+                    <a:p>
+                      <a:r>
+                        <a:rPr lang="en-GB" sz="1200">
+                          <a:effectLst/>
+                        </a:rPr>
+                        <a:t>4</a:t>
+                      </a:r>
+                    </a:p>
+                  </a:txBody>
+                  <a:tcPr marL="76200" marR="76200" marT="38100" marB="38100" anchor="ctr">
+                    <a:lnB w="12700" cap="flat" cmpd="sng" algn="ctr">
+                      <a:solidFill>
+                        <a:schemeClr val="tx1"/>
+                      </a:solidFill>
+                      <a:prstDash val="solid"/>
+                      <a:round/>
+                      <a:headEnd type="none" w="med" len="med"/>
+                      <a:tailEnd type="none" w="med" len="med"/>
+                    </a:lnB>
+                  </a:tcPr>
+                </a:tc>
+                <a:tc>
+                  <a:txBody>
+                    <a:bodyPr/>
+                    <a:lstStyle/>
+                    <a:p>
+                      <a:r>
+                        <a:rPr lang="en-GB" sz="1200">
+                          <a:effectLst/>
+                        </a:rPr>
+                        <a:t>IBI</a:t>
+                      </a:r>
+                    </a:p>
+                  </a:txBody>
+                  <a:tcPr marL="76200" marR="76200" marT="38100" marB="38100" anchor="ctr">
+                    <a:lnB w="12700" cap="flat" cmpd="sng" algn="ctr">
+                      <a:solidFill>
+                        <a:schemeClr val="tx1"/>
+                      </a:solidFill>
+                      <a:prstDash val="solid"/>
+                      <a:round/>
+                      <a:headEnd type="none" w="med" len="med"/>
+                      <a:tailEnd type="none" w="med" len="med"/>
+                    </a:lnB>
+                  </a:tcPr>
+                </a:tc>
+                <a:tc>
+                  <a:txBody>
+                    <a:bodyPr/>
+                    <a:lstStyle/>
+                    <a:p>
+                      <a:r>
+                        <a:rPr lang="en-GB" sz="1200" dirty="0">
+                          <a:effectLst/>
+                        </a:rPr>
+                        <a:t>0.0</a:t>
+                      </a:r>
+                    </a:p>
+                  </a:txBody>
+                  <a:tcPr marL="76200" marR="76200" marT="38100" marB="38100" anchor="ctr">
+                    <a:lnB w="12700" cap="flat" cmpd="sng" algn="ctr">
+                      <a:solidFill>
+                        <a:schemeClr val="tx1"/>
+                      </a:solidFill>
+                      <a:prstDash val="solid"/>
+                      <a:round/>
+                      <a:headEnd type="none" w="med" len="med"/>
+                      <a:tailEnd type="none" w="med" len="med"/>
+                    </a:lnB>
+                  </a:tcPr>
+                </a:tc>
+                <a:extLst>
+                  <a:ext uri="{0D108BD9-81ED-4DB2-BD59-A6C34878D82A}">
+                    <a16:rowId xmlns:a16="http://schemas.microsoft.com/office/drawing/2014/main" val="2331126314"/>
+                  </a:ext>
+                </a:extLst>
+              </a:tr>
+              <a:tr h="199143">
+                <a:tc>
+                  <a:txBody>
+                    <a:bodyPr/>
+                    <a:lstStyle/>
+                    <a:p>
+                      <a:r>
+                        <a:rPr lang="en-GB" sz="1200" dirty="0">
+                          <a:effectLst/>
+                        </a:rPr>
+                        <a:t>1</a:t>
+                      </a:r>
+                    </a:p>
+                  </a:txBody>
+                  <a:tcPr marL="76200" marR="76200" marT="38100" marB="38100" anchor="ctr">
+                    <a:lnT w="12700" cap="flat" cmpd="sng" algn="ctr">
+                      <a:solidFill>
+                        <a:schemeClr val="tx1"/>
+                      </a:solidFill>
+                      <a:prstDash val="solid"/>
+                      <a:round/>
+                      <a:headEnd type="none" w="med" len="med"/>
+                      <a:tailEnd type="none" w="med" len="med"/>
+                    </a:lnT>
+                    <a:solidFill>
+                      <a:schemeClr val="bg2"/>
+                    </a:solidFill>
+                  </a:tcPr>
+                </a:tc>
+                <a:tc>
+                  <a:txBody>
+                    <a:bodyPr/>
+                    <a:lstStyle/>
+                    <a:p>
+                      <a:r>
+                        <a:rPr lang="en-GB" sz="1200" dirty="0">
+                          <a:effectLst/>
+                        </a:rPr>
+                        <a:t>1</a:t>
+                      </a:r>
+                    </a:p>
+                  </a:txBody>
+                  <a:tcPr marL="76200" marR="76200" marT="38100" marB="38100" anchor="ctr">
+                    <a:lnT w="12700" cap="flat" cmpd="sng" algn="ctr">
+                      <a:solidFill>
+                        <a:schemeClr val="tx1"/>
+                      </a:solidFill>
+                      <a:prstDash val="solid"/>
+                      <a:round/>
+                      <a:headEnd type="none" w="med" len="med"/>
+                      <a:tailEnd type="none" w="med" len="med"/>
+                    </a:lnT>
+                    <a:solidFill>
+                      <a:schemeClr val="bg2"/>
+                    </a:solidFill>
+                  </a:tcPr>
+                </a:tc>
+                <a:tc>
+                  <a:txBody>
+                    <a:bodyPr/>
+                    <a:lstStyle/>
+                    <a:p>
+                      <a:r>
+                        <a:rPr lang="en-GB" sz="1200">
+                          <a:effectLst/>
+                        </a:rPr>
+                        <a:t>PHOTIC-REF</a:t>
+                      </a:r>
+                    </a:p>
+                  </a:txBody>
+                  <a:tcPr marL="76200" marR="76200" marT="38100" marB="38100" anchor="ctr">
+                    <a:lnT w="12700" cap="flat" cmpd="sng" algn="ctr">
+                      <a:solidFill>
+                        <a:schemeClr val="tx1"/>
+                      </a:solidFill>
+                      <a:prstDash val="solid"/>
+                      <a:round/>
+                      <a:headEnd type="none" w="med" len="med"/>
+                      <a:tailEnd type="none" w="med" len="med"/>
+                    </a:lnT>
+                    <a:solidFill>
+                      <a:schemeClr val="bg2"/>
+                    </a:solidFill>
+                  </a:tcPr>
+                </a:tc>
+                <a:tc>
+                  <a:txBody>
+                    <a:bodyPr/>
+                    <a:lstStyle/>
+                    <a:p>
+                      <a:r>
+                        <a:rPr lang="en-GB" sz="1200">
+                          <a:effectLst/>
+                        </a:rPr>
+                        <a:t>0.000003</a:t>
+                      </a:r>
+                    </a:p>
+                  </a:txBody>
+                  <a:tcPr marL="76200" marR="76200" marT="38100" marB="38100" anchor="ctr">
+                    <a:lnT w="12700" cap="flat" cmpd="sng" algn="ctr">
+                      <a:solidFill>
+                        <a:schemeClr val="tx1"/>
+                      </a:solidFill>
+                      <a:prstDash val="solid"/>
+                      <a:round/>
+                      <a:headEnd type="none" w="med" len="med"/>
+                      <a:tailEnd type="none" w="med" len="med"/>
+                    </a:lnT>
+                    <a:solidFill>
+                      <a:schemeClr val="bg2"/>
+                    </a:solidFill>
+                  </a:tcPr>
+                </a:tc>
+                <a:extLst>
+                  <a:ext uri="{0D108BD9-81ED-4DB2-BD59-A6C34878D82A}">
+                    <a16:rowId xmlns:a16="http://schemas.microsoft.com/office/drawing/2014/main" val="1167548050"/>
+                  </a:ext>
+                </a:extLst>
+              </a:tr>
+              <a:tr h="199143">
+                <a:tc>
+                  <a:txBody>
+                    <a:bodyPr/>
+                    <a:lstStyle/>
+                    <a:p>
+                      <a:r>
+                        <a:rPr lang="en-GB" sz="1200" dirty="0">
+                          <a:effectLst/>
+                        </a:rPr>
+                        <a:t>1</a:t>
+                      </a:r>
+                    </a:p>
+                  </a:txBody>
+                  <a:tcPr marL="76200" marR="76200" marT="38100" marB="38100" anchor="ctr">
+                    <a:solidFill>
+                      <a:schemeClr val="bg2"/>
+                    </a:solidFill>
+                  </a:tcPr>
+                </a:tc>
+                <a:tc>
+                  <a:txBody>
+                    <a:bodyPr/>
+                    <a:lstStyle/>
+                    <a:p>
+                      <a:r>
+                        <a:rPr lang="en-GB" sz="1200" dirty="0">
+                          <a:effectLst/>
+                        </a:rPr>
+                        <a:t>2</a:t>
+                      </a:r>
+                    </a:p>
+                  </a:txBody>
+                  <a:tcPr marL="76200" marR="76200" marT="38100" marB="38100" anchor="ctr">
+                    <a:solidFill>
+                      <a:schemeClr val="bg2"/>
+                    </a:solidFill>
+                  </a:tcPr>
+                </a:tc>
+                <a:tc>
+                  <a:txBody>
+                    <a:bodyPr/>
+                    <a:lstStyle/>
+                    <a:p>
+                      <a:r>
+                        <a:rPr lang="en-GB" sz="1200" dirty="0">
+                          <a:effectLst/>
+                        </a:rPr>
+                        <a:t>PHOTIC-REF</a:t>
+                      </a:r>
+                    </a:p>
+                  </a:txBody>
+                  <a:tcPr marL="76200" marR="76200" marT="38100" marB="38100" anchor="ctr">
+                    <a:solidFill>
+                      <a:schemeClr val="bg2"/>
+                    </a:solidFill>
+                  </a:tcPr>
+                </a:tc>
+                <a:tc>
+                  <a:txBody>
+                    <a:bodyPr/>
+                    <a:lstStyle/>
+                    <a:p>
+                      <a:r>
+                        <a:rPr lang="en-GB" sz="1200">
+                          <a:effectLst/>
+                        </a:rPr>
+                        <a:t>0.000002</a:t>
+                      </a:r>
+                    </a:p>
+                  </a:txBody>
+                  <a:tcPr marL="76200" marR="76200" marT="38100" marB="38100" anchor="ctr">
+                    <a:solidFill>
+                      <a:schemeClr val="bg2"/>
+                    </a:solidFill>
+                  </a:tcPr>
+                </a:tc>
+                <a:extLst>
+                  <a:ext uri="{0D108BD9-81ED-4DB2-BD59-A6C34878D82A}">
+                    <a16:rowId xmlns:a16="http://schemas.microsoft.com/office/drawing/2014/main" val="2257857313"/>
+                  </a:ext>
+                </a:extLst>
+              </a:tr>
+              <a:tr h="199143">
+                <a:tc>
+                  <a:txBody>
+                    <a:bodyPr/>
+                    <a:lstStyle/>
+                    <a:p>
+                      <a:r>
+                        <a:rPr lang="en-GB" sz="1200">
+                          <a:effectLst/>
+                        </a:rPr>
+                        <a:t>1</a:t>
+                      </a:r>
+                    </a:p>
+                  </a:txBody>
+                  <a:tcPr marL="76200" marR="76200" marT="38100" marB="38100" anchor="ctr">
+                    <a:solidFill>
+                      <a:schemeClr val="bg2"/>
+                    </a:solidFill>
+                  </a:tcPr>
+                </a:tc>
+                <a:tc>
+                  <a:txBody>
+                    <a:bodyPr/>
+                    <a:lstStyle/>
+                    <a:p>
+                      <a:r>
+                        <a:rPr lang="en-GB" sz="1200">
+                          <a:effectLst/>
+                        </a:rPr>
+                        <a:t>3</a:t>
+                      </a:r>
+                    </a:p>
+                  </a:txBody>
+                  <a:tcPr marL="76200" marR="76200" marT="38100" marB="38100" anchor="ctr">
+                    <a:solidFill>
+                      <a:schemeClr val="bg2"/>
+                    </a:solidFill>
+                  </a:tcPr>
+                </a:tc>
+                <a:tc>
+                  <a:txBody>
+                    <a:bodyPr/>
+                    <a:lstStyle/>
+                    <a:p>
+                      <a:r>
+                        <a:rPr lang="en-GB" sz="1200" dirty="0">
+                          <a:effectLst/>
+                        </a:rPr>
+                        <a:t>PHOTIC-REF</a:t>
+                      </a:r>
+                    </a:p>
+                  </a:txBody>
+                  <a:tcPr marL="76200" marR="76200" marT="38100" marB="38100" anchor="ctr">
+                    <a:solidFill>
+                      <a:schemeClr val="bg2"/>
+                    </a:solidFill>
+                  </a:tcPr>
+                </a:tc>
+                <a:tc>
+                  <a:txBody>
+                    <a:bodyPr/>
+                    <a:lstStyle/>
+                    <a:p>
+                      <a:r>
+                        <a:rPr lang="en-GB" sz="1200" dirty="0">
+                          <a:effectLst/>
+                        </a:rPr>
+                        <a:t>0.0</a:t>
+                      </a:r>
+                    </a:p>
+                  </a:txBody>
+                  <a:tcPr marL="76200" marR="76200" marT="38100" marB="38100" anchor="ctr">
+                    <a:solidFill>
+                      <a:schemeClr val="bg2"/>
+                    </a:solidFill>
+                  </a:tcPr>
+                </a:tc>
+                <a:extLst>
+                  <a:ext uri="{0D108BD9-81ED-4DB2-BD59-A6C34878D82A}">
+                    <a16:rowId xmlns:a16="http://schemas.microsoft.com/office/drawing/2014/main" val="128136624"/>
+                  </a:ext>
+                </a:extLst>
+              </a:tr>
+              <a:tr h="199143">
+                <a:tc>
+                  <a:txBody>
+                    <a:bodyPr/>
+                    <a:lstStyle/>
+                    <a:p>
+                      <a:r>
+                        <a:rPr lang="en-GB" sz="1200">
+                          <a:effectLst/>
+                        </a:rPr>
+                        <a:t>1</a:t>
+                      </a:r>
+                    </a:p>
+                  </a:txBody>
+                  <a:tcPr marL="76200" marR="76200" marT="38100" marB="38100" anchor="ctr">
+                    <a:solidFill>
+                      <a:schemeClr val="bg2"/>
+                    </a:solidFill>
+                  </a:tcPr>
+                </a:tc>
+                <a:tc>
+                  <a:txBody>
+                    <a:bodyPr/>
+                    <a:lstStyle/>
+                    <a:p>
+                      <a:r>
+                        <a:rPr lang="en-GB" sz="1200">
+                          <a:effectLst/>
+                        </a:rPr>
+                        <a:t>4</a:t>
+                      </a:r>
+                    </a:p>
+                  </a:txBody>
+                  <a:tcPr marL="76200" marR="76200" marT="38100" marB="38100" anchor="ctr">
+                    <a:solidFill>
+                      <a:schemeClr val="bg2"/>
+                    </a:solidFill>
+                  </a:tcPr>
+                </a:tc>
+                <a:tc>
+                  <a:txBody>
+                    <a:bodyPr/>
+                    <a:lstStyle/>
+                    <a:p>
+                      <a:r>
+                        <a:rPr lang="en-GB" sz="1200" dirty="0">
+                          <a:effectLst/>
+                        </a:rPr>
+                        <a:t>PHOTIC-REF</a:t>
+                      </a:r>
+                    </a:p>
+                  </a:txBody>
+                  <a:tcPr marL="76200" marR="76200" marT="38100" marB="38100" anchor="ctr">
+                    <a:solidFill>
+                      <a:schemeClr val="bg2"/>
+                    </a:solidFill>
+                  </a:tcPr>
+                </a:tc>
+                <a:tc>
+                  <a:txBody>
+                    <a:bodyPr/>
+                    <a:lstStyle/>
+                    <a:p>
+                      <a:r>
+                        <a:rPr lang="en-GB" sz="1200" dirty="0">
+                          <a:effectLst/>
+                        </a:rPr>
+                        <a:t>0.000004</a:t>
+                      </a:r>
+                    </a:p>
+                  </a:txBody>
+                  <a:tcPr marL="76200" marR="76200" marT="38100" marB="38100" anchor="ctr">
+                    <a:solidFill>
+                      <a:schemeClr val="bg2"/>
+                    </a:solidFill>
+                  </a:tcPr>
+                </a:tc>
+                <a:extLst>
+                  <a:ext uri="{0D108BD9-81ED-4DB2-BD59-A6C34878D82A}">
+                    <a16:rowId xmlns:a16="http://schemas.microsoft.com/office/drawing/2014/main" val="57376096"/>
+                  </a:ext>
+                </a:extLst>
+              </a:tr>
+              <a:tr h="199143">
+                <a:tc>
+                  <a:txBody>
+                    <a:bodyPr/>
+                    <a:lstStyle/>
+                    <a:p>
+                      <a:r>
+                        <a:rPr lang="en-GB" sz="1200">
+                          <a:effectLst/>
+                        </a:rPr>
+                        <a:t>2</a:t>
+                      </a:r>
+                    </a:p>
+                  </a:txBody>
+                  <a:tcPr marL="76200" marR="76200" marT="38100" marB="38100" anchor="ctr"/>
+                </a:tc>
+                <a:tc>
+                  <a:txBody>
+                    <a:bodyPr/>
+                    <a:lstStyle/>
+                    <a:p>
+                      <a:r>
+                        <a:rPr lang="en-GB" sz="1200">
+                          <a:effectLst/>
+                        </a:rPr>
+                        <a:t>1</a:t>
+                      </a:r>
+                    </a:p>
+                  </a:txBody>
+                  <a:tcPr marL="76200" marR="76200" marT="38100" marB="38100" anchor="ctr"/>
+                </a:tc>
+                <a:tc>
+                  <a:txBody>
+                    <a:bodyPr/>
+                    <a:lstStyle/>
+                    <a:p>
+                      <a:r>
+                        <a:rPr lang="en-GB" sz="1200" dirty="0">
+                          <a:effectLst/>
+                        </a:rPr>
+                        <a:t>PHOTIC-REF</a:t>
+                      </a:r>
+                    </a:p>
+                  </a:txBody>
+                  <a:tcPr marL="76200" marR="76200" marT="38100" marB="38100" anchor="ctr"/>
+                </a:tc>
+                <a:tc>
+                  <a:txBody>
+                    <a:bodyPr/>
+                    <a:lstStyle/>
+                    <a:p>
+                      <a:r>
+                        <a:rPr lang="en-GB" sz="1200" dirty="0">
+                          <a:effectLst/>
+                        </a:rPr>
+                        <a:t>0.000003</a:t>
+                      </a:r>
+                    </a:p>
+                  </a:txBody>
+                  <a:tcPr marL="76200" marR="76200" marT="38100" marB="38100" anchor="ctr"/>
+                </a:tc>
+                <a:extLst>
+                  <a:ext uri="{0D108BD9-81ED-4DB2-BD59-A6C34878D82A}">
+                    <a16:rowId xmlns:a16="http://schemas.microsoft.com/office/drawing/2014/main" val="1876731788"/>
+                  </a:ext>
+                </a:extLst>
+              </a:tr>
+              <a:tr h="199143">
+                <a:tc>
+                  <a:txBody>
+                    <a:bodyPr/>
+                    <a:lstStyle/>
+                    <a:p>
+                      <a:r>
+                        <a:rPr lang="en-GB" sz="1200">
+                          <a:effectLst/>
+                        </a:rPr>
+                        <a:t>2</a:t>
+                      </a:r>
+                    </a:p>
+                  </a:txBody>
+                  <a:tcPr marL="76200" marR="76200" marT="38100" marB="38100" anchor="ctr"/>
+                </a:tc>
+                <a:tc>
+                  <a:txBody>
+                    <a:bodyPr/>
+                    <a:lstStyle/>
+                    <a:p>
+                      <a:r>
+                        <a:rPr lang="en-GB" sz="1200">
+                          <a:effectLst/>
+                        </a:rPr>
+                        <a:t>2</a:t>
+                      </a:r>
+                    </a:p>
+                  </a:txBody>
+                  <a:tcPr marL="76200" marR="76200" marT="38100" marB="38100" anchor="ctr"/>
+                </a:tc>
+                <a:tc>
+                  <a:txBody>
+                    <a:bodyPr/>
+                    <a:lstStyle/>
+                    <a:p>
+                      <a:r>
+                        <a:rPr lang="en-GB" sz="1200">
+                          <a:effectLst/>
+                        </a:rPr>
+                        <a:t>PHOTIC-REF</a:t>
+                      </a:r>
+                    </a:p>
+                  </a:txBody>
+                  <a:tcPr marL="76200" marR="76200" marT="38100" marB="38100" anchor="ctr"/>
+                </a:tc>
+                <a:tc>
+                  <a:txBody>
+                    <a:bodyPr/>
+                    <a:lstStyle/>
+                    <a:p>
+                      <a:r>
+                        <a:rPr lang="en-GB" sz="1200" dirty="0">
+                          <a:effectLst/>
+                        </a:rPr>
+                        <a:t>0.0</a:t>
+                      </a:r>
+                    </a:p>
+                  </a:txBody>
+                  <a:tcPr marL="76200" marR="76200" marT="38100" marB="38100" anchor="ctr"/>
+                </a:tc>
+                <a:extLst>
+                  <a:ext uri="{0D108BD9-81ED-4DB2-BD59-A6C34878D82A}">
+                    <a16:rowId xmlns:a16="http://schemas.microsoft.com/office/drawing/2014/main" val="1419056787"/>
+                  </a:ext>
+                </a:extLst>
+              </a:tr>
+              <a:tr h="199143">
+                <a:tc>
+                  <a:txBody>
+                    <a:bodyPr/>
+                    <a:lstStyle/>
+                    <a:p>
+                      <a:r>
+                        <a:rPr lang="en-GB" sz="1200">
+                          <a:effectLst/>
+                        </a:rPr>
+                        <a:t>2</a:t>
+                      </a:r>
+                    </a:p>
+                  </a:txBody>
+                  <a:tcPr marL="76200" marR="76200" marT="38100" marB="38100" anchor="ctr"/>
+                </a:tc>
+                <a:tc>
+                  <a:txBody>
+                    <a:bodyPr/>
+                    <a:lstStyle/>
+                    <a:p>
+                      <a:r>
+                        <a:rPr lang="en-GB" sz="1200">
+                          <a:effectLst/>
+                        </a:rPr>
+                        <a:t>3</a:t>
+                      </a:r>
+                    </a:p>
+                  </a:txBody>
+                  <a:tcPr marL="76200" marR="76200" marT="38100" marB="38100" anchor="ctr"/>
+                </a:tc>
+                <a:tc>
+                  <a:txBody>
+                    <a:bodyPr/>
+                    <a:lstStyle/>
+                    <a:p>
+                      <a:r>
+                        <a:rPr lang="en-GB" sz="1200">
+                          <a:effectLst/>
+                        </a:rPr>
+                        <a:t>PHOTIC-REF</a:t>
+                      </a:r>
+                    </a:p>
+                  </a:txBody>
+                  <a:tcPr marL="76200" marR="76200" marT="38100" marB="38100" anchor="ctr"/>
+                </a:tc>
+                <a:tc>
+                  <a:txBody>
+                    <a:bodyPr/>
+                    <a:lstStyle/>
+                    <a:p>
+                      <a:r>
+                        <a:rPr lang="en-GB" sz="1200" dirty="0">
+                          <a:effectLst/>
+                        </a:rPr>
+                        <a:t>0.0</a:t>
+                      </a:r>
+                    </a:p>
+                  </a:txBody>
+                  <a:tcPr marL="76200" marR="76200" marT="38100" marB="38100" anchor="ctr"/>
+                </a:tc>
+                <a:extLst>
+                  <a:ext uri="{0D108BD9-81ED-4DB2-BD59-A6C34878D82A}">
+                    <a16:rowId xmlns:a16="http://schemas.microsoft.com/office/drawing/2014/main" val="2659290613"/>
+                  </a:ext>
+                </a:extLst>
+              </a:tr>
+              <a:tr h="199143">
+                <a:tc>
+                  <a:txBody>
+                    <a:bodyPr/>
+                    <a:lstStyle/>
+                    <a:p>
+                      <a:r>
+                        <a:rPr lang="en-GB" sz="1200" dirty="0">
+                          <a:effectLst/>
+                        </a:rPr>
+                        <a:t>2</a:t>
+                      </a:r>
+                    </a:p>
+                  </a:txBody>
+                  <a:tcPr marL="76200" marR="76200" marT="38100" marB="38100" anchor="ctr"/>
+                </a:tc>
+                <a:tc>
+                  <a:txBody>
+                    <a:bodyPr/>
+                    <a:lstStyle/>
+                    <a:p>
+                      <a:r>
+                        <a:rPr lang="en-GB" sz="1200">
+                          <a:effectLst/>
+                        </a:rPr>
+                        <a:t>4</a:t>
+                      </a:r>
+                    </a:p>
+                  </a:txBody>
+                  <a:tcPr marL="76200" marR="76200" marT="38100" marB="38100" anchor="ctr"/>
+                </a:tc>
+                <a:tc>
+                  <a:txBody>
+                    <a:bodyPr/>
+                    <a:lstStyle/>
+                    <a:p>
+                      <a:r>
+                        <a:rPr lang="en-GB" sz="1200">
+                          <a:effectLst/>
+                        </a:rPr>
+                        <a:t>PHOTIC-REF</a:t>
+                      </a:r>
+                    </a:p>
+                  </a:txBody>
+                  <a:tcPr marL="76200" marR="76200" marT="38100" marB="38100" anchor="ctr"/>
+                </a:tc>
+                <a:tc>
+                  <a:txBody>
+                    <a:bodyPr/>
+                    <a:lstStyle/>
+                    <a:p>
+                      <a:r>
+                        <a:rPr lang="en-GB" sz="1200" dirty="0">
+                          <a:effectLst/>
+                        </a:rPr>
+                        <a:t>0.0</a:t>
+                      </a:r>
+                    </a:p>
+                  </a:txBody>
+                  <a:tcPr marL="76200" marR="76200" marT="38100" marB="38100" anchor="ctr"/>
+                </a:tc>
+                <a:extLst>
+                  <a:ext uri="{0D108BD9-81ED-4DB2-BD59-A6C34878D82A}">
+                    <a16:rowId xmlns:a16="http://schemas.microsoft.com/office/drawing/2014/main" val="1646393061"/>
+                  </a:ext>
+                </a:extLst>
+              </a:tr>
+            </a:tbl>
+          </a:graphicData>
+        </a:graphic>
+      </p:graphicFrame>
+    </p:spTree>
+    <p:extLst>
+      <p:ext uri="{BB962C8B-B14F-4D97-AF65-F5344CB8AC3E}">
+        <p14:creationId xmlns:p14="http://schemas.microsoft.com/office/powerpoint/2010/main" val="3291433691"/>
+      </p:ext>
+    </p:extLst>
+  </p:cSld>
+  <p:clrMapOvr>
+    <a:masterClrMapping/>
+  </p:clrMapOvr>
+</p:sld>
+</file>
+
+<file path=ppt/slides/slide5.xml><?xml version="1.0" encoding="utf-8"?>
+<p:sld xmlns:a="http://schemas.openxmlformats.org/drawingml/2006/main" xmlns:r="http://schemas.openxmlformats.org/officeDocument/2006/relationships" xmlns:p="http://schemas.openxmlformats.org/presentationml/2006/main">
+  <p:cSld>
+    <p:spTree>
+      <p:nvGrpSpPr>
+        <p:cNvPr id="1" name=""/>
+        <p:cNvGrpSpPr/>
+        <p:nvPr/>
+      </p:nvGrpSpPr>
+      <p:grpSpPr>
+        <a:xfrm>
+          <a:off x="0" y="0"/>
+          <a:ext cx="0" cy="0"/>
+          <a:chOff x="0" y="0"/>
+          <a:chExt cx="0" cy="0"/>
+        </a:xfrm>
+      </p:grpSpPr>
+      <p:sp>
+        <p:nvSpPr>
+          <p:cNvPr id="2" name="Title 1">
+            <a:extLst>
+              <a:ext uri="{FF2B5EF4-FFF2-40B4-BE49-F238E27FC236}">
+                <a16:creationId xmlns:a16="http://schemas.microsoft.com/office/drawing/2014/main" id="{FBC2C443-6C50-E1B5-A808-DC7EC685123E}"/>
+              </a:ext>
+            </a:extLst>
+          </p:cNvPr>
+          <p:cNvSpPr>
+            <a:spLocks noGrp="1"/>
+          </p:cNvSpPr>
+          <p:nvPr>
+            <p:ph type="title"/>
+          </p:nvPr>
+        </p:nvSpPr>
+        <p:spPr/>
+        <p:txBody>
+          <a:bodyPr/>
+          <a:lstStyle/>
+          <a:p>
+            <a:r>
+              <a:rPr lang="en-GB" dirty="0" err="1"/>
+              <a:t>Intermittend</a:t>
+            </a:r>
+            <a:r>
+              <a:rPr lang="en-GB" dirty="0"/>
+              <a:t> Photic Stimulation</a:t>
+            </a:r>
+          </a:p>
+        </p:txBody>
+      </p:sp>
+      <p:sp>
+        <p:nvSpPr>
+          <p:cNvPr id="3" name="Content Placeholder 2">
+            <a:extLst>
+              <a:ext uri="{FF2B5EF4-FFF2-40B4-BE49-F238E27FC236}">
+                <a16:creationId xmlns:a16="http://schemas.microsoft.com/office/drawing/2014/main" id="{236A5669-9DFD-F709-26D6-1E2D63E8D8BA}"/>
+              </a:ext>
+            </a:extLst>
+          </p:cNvPr>
+          <p:cNvSpPr>
+            <a:spLocks noGrp="1"/>
+          </p:cNvSpPr>
+          <p:nvPr>
+            <p:ph idx="1"/>
+          </p:nvPr>
+        </p:nvSpPr>
+        <p:spPr/>
+        <p:txBody>
+          <a:bodyPr/>
+          <a:lstStyle/>
+          <a:p>
+            <a:r>
+              <a:rPr lang="en-GB" dirty="0"/>
+              <a:t>Pulse train</a:t>
+            </a:r>
+          </a:p>
+          <a:p>
+            <a:endParaRPr lang="en-GB" dirty="0"/>
+          </a:p>
+          <a:p>
+            <a:r>
+              <a:rPr lang="en-GB" dirty="0"/>
+              <a:t>Different response epileptic vs non</a:t>
+            </a:r>
+          </a:p>
+        </p:txBody>
+      </p:sp>
+      <p:pic>
+        <p:nvPicPr>
+          <p:cNvPr id="5" name="Picture 4">
+            <a:extLst>
+              <a:ext uri="{FF2B5EF4-FFF2-40B4-BE49-F238E27FC236}">
+                <a16:creationId xmlns:a16="http://schemas.microsoft.com/office/drawing/2014/main" id="{1DFD1997-0479-A4BA-A1DD-DB2731F94142}"/>
+              </a:ext>
+            </a:extLst>
+          </p:cNvPr>
+          <p:cNvPicPr>
+            <a:picLocks noChangeAspect="1"/>
+          </p:cNvPicPr>
+          <p:nvPr/>
+        </p:nvPicPr>
+        <p:blipFill rotWithShape="1">
+          <a:blip r:embed="rId2"/>
+          <a:srcRect b="6704"/>
+          <a:stretch/>
+        </p:blipFill>
+        <p:spPr>
+          <a:xfrm>
+            <a:off x="6675629" y="1690688"/>
+            <a:ext cx="5259957" cy="3241675"/>
+          </a:xfrm>
+          <a:prstGeom prst="rect">
+            <a:avLst/>
+          </a:prstGeom>
+        </p:spPr>
+      </p:pic>
+      <p:pic>
+        <p:nvPicPr>
+          <p:cNvPr id="7" name="Picture 6" descr="A warning sign with white text&#10;&#10;Description automatically generated">
+            <a:extLst>
+              <a:ext uri="{FF2B5EF4-FFF2-40B4-BE49-F238E27FC236}">
+                <a16:creationId xmlns:a16="http://schemas.microsoft.com/office/drawing/2014/main" id="{44E0F90E-1152-9A34-85A4-EBC6F11C6D0E}"/>
+              </a:ext>
+            </a:extLst>
+          </p:cNvPr>
+          <p:cNvPicPr>
+            <a:picLocks noChangeAspect="1"/>
+          </p:cNvPicPr>
+          <p:nvPr/>
+        </p:nvPicPr>
+        <p:blipFill>
+          <a:blip r:embed="rId3">
+            <a:extLst>
+              <a:ext uri="{28A0092B-C50C-407E-A947-70E740481C1C}">
+                <a14:useLocalDpi xmlns:a14="http://schemas.microsoft.com/office/drawing/2010/main" val="0"/>
+              </a:ext>
+            </a:extLst>
+          </a:blip>
+          <a:stretch>
+            <a:fillRect/>
+          </a:stretch>
+        </p:blipFill>
+        <p:spPr>
+          <a:xfrm>
+            <a:off x="5676229" y="4699318"/>
+            <a:ext cx="3188546" cy="1793557"/>
+          </a:xfrm>
+          <a:prstGeom prst="rect">
+            <a:avLst/>
+          </a:prstGeom>
+        </p:spPr>
+      </p:pic>
+    </p:spTree>
+    <p:extLst>
+      <p:ext uri="{BB962C8B-B14F-4D97-AF65-F5344CB8AC3E}">
+        <p14:creationId xmlns:p14="http://schemas.microsoft.com/office/powerpoint/2010/main" val="2863258680"/>
+      </p:ext>
+    </p:extLst>
+  </p:cSld>
+  <p:clrMapOvr>
+    <a:masterClrMapping/>
+  </p:clrMapOvr>
+</p:sld>
+</file>
+
+<file path=ppt/slides/slide6.xml><?xml version="1.0" encoding="utf-8"?>
+<p:sld xmlns:a="http://schemas.openxmlformats.org/drawingml/2006/main" xmlns:r="http://schemas.openxmlformats.org/officeDocument/2006/relationships" xmlns:p="http://schemas.openxmlformats.org/presentationml/2006/main">
+  <p:cSld>
+    <p:spTree>
+      <p:nvGrpSpPr>
+        <p:cNvPr id="1" name=""/>
+        <p:cNvGrpSpPr/>
+        <p:nvPr/>
+      </p:nvGrpSpPr>
+      <p:grpSpPr>
+        <a:xfrm>
+          <a:off x="0" y="0"/>
+          <a:ext cx="0" cy="0"/>
+          <a:chOff x="0" y="0"/>
+          <a:chExt cx="0" cy="0"/>
+        </a:xfrm>
+      </p:grpSpPr>
+      <p:sp>
+        <p:nvSpPr>
+          <p:cNvPr id="2" name="Title 1">
+            <a:extLst>
+              <a:ext uri="{FF2B5EF4-FFF2-40B4-BE49-F238E27FC236}">
+                <a16:creationId xmlns:a16="http://schemas.microsoft.com/office/drawing/2014/main" id="{7F0F13F4-55D0-3648-2FB4-7EF646CA91ED}"/>
+              </a:ext>
+            </a:extLst>
+          </p:cNvPr>
+          <p:cNvSpPr>
+            <a:spLocks noGrp="1"/>
+          </p:cNvSpPr>
+          <p:nvPr>
+            <p:ph type="title"/>
+          </p:nvPr>
+        </p:nvSpPr>
+        <p:spPr/>
+        <p:txBody>
+          <a:bodyPr/>
+          <a:lstStyle/>
+          <a:p>
+            <a:r>
+              <a:rPr lang="en-GB" dirty="0"/>
+              <a:t>Data conclusion</a:t>
+            </a:r>
+          </a:p>
+        </p:txBody>
+      </p:sp>
+      <p:sp>
+        <p:nvSpPr>
+          <p:cNvPr id="3" name="Content Placeholder 2">
+            <a:extLst>
+              <a:ext uri="{FF2B5EF4-FFF2-40B4-BE49-F238E27FC236}">
+                <a16:creationId xmlns:a16="http://schemas.microsoft.com/office/drawing/2014/main" id="{0B41CB12-B324-B8B7-A95B-BD67C46DCE37}"/>
+              </a:ext>
+            </a:extLst>
+          </p:cNvPr>
+          <p:cNvSpPr>
+            <a:spLocks noGrp="1"/>
+          </p:cNvSpPr>
+          <p:nvPr>
+            <p:ph idx="1"/>
+          </p:nvPr>
+        </p:nvSpPr>
+        <p:spPr/>
+        <p:txBody>
+          <a:bodyPr/>
+          <a:lstStyle/>
+          <a:p>
+            <a:r>
+              <a:rPr lang="en-GB" dirty="0"/>
+              <a:t>Source information + Meta data crucial for proper data analysis</a:t>
+            </a:r>
+          </a:p>
+          <a:p>
+            <a:pPr lvl="1"/>
+            <a:r>
+              <a:rPr lang="en-GB" dirty="0"/>
+              <a:t>Don’t know what I am looking at</a:t>
+            </a:r>
+          </a:p>
+          <a:p>
+            <a:pPr lvl="1"/>
+            <a:r>
+              <a:rPr lang="en-GB" dirty="0"/>
+              <a:t>Unnecessary long puzzling</a:t>
+            </a:r>
+          </a:p>
+          <a:p>
+            <a:pPr lvl="1"/>
+            <a:r>
+              <a:rPr lang="en-GB" dirty="0"/>
+              <a:t>Risk of false comparison between groups</a:t>
+            </a:r>
+          </a:p>
+          <a:p>
+            <a:endParaRPr lang="en-GB" dirty="0"/>
+          </a:p>
+          <a:p>
+            <a:r>
+              <a:rPr lang="en-GB" u="sng" dirty="0"/>
+              <a:t>No Source + Metadata == No (usable) Data</a:t>
+            </a:r>
+          </a:p>
+        </p:txBody>
+      </p:sp>
+    </p:spTree>
+    <p:extLst>
+      <p:ext uri="{BB962C8B-B14F-4D97-AF65-F5344CB8AC3E}">
+        <p14:creationId xmlns:p14="http://schemas.microsoft.com/office/powerpoint/2010/main" val="4221687467"/>
+      </p:ext>
+    </p:extLst>
+  </p:cSld>
+  <p:clrMapOvr>
+    <a:masterClrMapping/>
+  </p:clrMapOvr>
+</p:sld>
+</file>
+
+<file path=ppt/slides/slide7.xml><?xml version="1.0" encoding="utf-8"?>
+<p:sld xmlns:a="http://schemas.openxmlformats.org/drawingml/2006/main" xmlns:r="http://schemas.openxmlformats.org/officeDocument/2006/relationships" xmlns:p="http://schemas.openxmlformats.org/presentationml/2006/main">
+  <p:cSld>
+    <p:spTree>
+      <p:nvGrpSpPr>
+        <p:cNvPr id="1" name=""/>
+        <p:cNvGrpSpPr/>
+        <p:nvPr/>
+      </p:nvGrpSpPr>
+      <p:grpSpPr>
+        <a:xfrm>
+          <a:off x="0" y="0"/>
+          <a:ext cx="0" cy="0"/>
+          <a:chOff x="0" y="0"/>
+          <a:chExt cx="0" cy="0"/>
+        </a:xfrm>
+      </p:grpSpPr>
+      <p:sp>
+        <p:nvSpPr>
+          <p:cNvPr id="2" name="Title 1">
+            <a:extLst>
+              <a:ext uri="{FF2B5EF4-FFF2-40B4-BE49-F238E27FC236}">
                 <a16:creationId xmlns:a16="http://schemas.microsoft.com/office/drawing/2014/main" id="{A71391C0-3AE9-7DD8-2529-34DCB9C5C7F5}"/>
               </a:ext>
             </a:extLst>
@@ -3787,113 +6613,412 @@
             <p:ph idx="1"/>
           </p:nvPr>
         </p:nvSpPr>
-        <p:spPr/>
+        <p:spPr>
+          <a:xfrm>
+            <a:off x="838200" y="1426464"/>
+            <a:ext cx="10515600" cy="4983480"/>
+          </a:xfrm>
+        </p:spPr>
         <p:txBody>
           <a:bodyPr>
-            <a:normAutofit fontScale="70000" lnSpcReduction="20000"/>
+            <a:normAutofit/>
           </a:bodyPr>
           <a:lstStyle/>
           <a:p>
             <a:r>
               <a:rPr lang="en-US" dirty="0"/>
-              <a:t>The preprocessing step facilitates the removal of low-quality data without altering the clean data. This process also fragments the continuous raw signals without changing the data [</a:t>
-            </a:r>
-            <a:r>
-              <a:rPr lang="en-US" dirty="0">
-                <a:hlinkClick r:id="rId2"/>
-              </a:rPr>
-              <a:t>45</a:t>
-            </a:r>
+              <a:t>Non-biological Environment </a:t>
+            </a:r>
+          </a:p>
+          <a:p>
+            <a:pPr lvl="1"/>
             <a:r>
               <a:rPr lang="en-US" dirty="0"/>
-              <a:t>]. Artifact removal is an essential preprocessing step in the analysis of EEG signals, because the recordings usually include a significant number of extrinsic artifacts associated with environmental noise and experimental error, as well as intrinsic biological artifacts associated with body function (e.g., eye blinking, movement, respiration, and heartbeat) [</a:t>
-            </a:r>
-            <a:r>
-              <a:rPr lang="en-US" dirty="0">
-                <a:hlinkClick r:id="rId3"/>
-              </a:rPr>
-              <a:t>46</a:t>
-            </a:r>
+              <a:t>Powerline noise, traffic</a:t>
+            </a:r>
+          </a:p>
+          <a:p>
+            <a:pPr lvl="2"/>
             <a:r>
               <a:rPr lang="en-US" dirty="0"/>
-              <a:t>]. Various simple methods can be used to eliminate non-biological artifacts from EEG signals. Because environmental artifacts do not have the same frequency as the EEG signals of interest, they can be eliminated through application of a band filter [</a:t>
-            </a:r>
-            <a:r>
-              <a:rPr lang="en-US" dirty="0">
-                <a:hlinkClick r:id="rId3"/>
-              </a:rPr>
-              <a:t>46</a:t>
+              <a:t>=&gt; bandpass + </a:t>
+            </a:r>
+            <a:r>
+              <a:rPr lang="en-US" dirty="0" err="1"/>
+              <a:t>bandstop</a:t>
             </a:r>
             <a:r>
               <a:rPr lang="en-US" dirty="0"/>
-              <a:t>]. Alternatively, standard operating procedures provide proper operational guidance for the data acquisition step and decreasing experimental artifacts [</a:t>
-            </a:r>
-            <a:r>
-              <a:rPr lang="en-US" dirty="0">
-                <a:hlinkClick r:id="rId4"/>
-              </a:rPr>
-              <a:t>47</a:t>
-            </a:r>
+              <a:t> filtering</a:t>
+            </a:r>
+          </a:p>
+          <a:p>
             <a:r>
               <a:rPr lang="en-US" dirty="0"/>
-              <a:t>]. However, the main types of biological noise include ocular artifacts, muscle artifacts, cardiac artifacts, and instrument artifacts, which require the use of filtering and/or computational methods to be removed from EEG data. More in-depth descriptions of these types of artifacts can be found in references [</a:t>
-            </a:r>
-            <a:r>
-              <a:rPr lang="en-US" dirty="0">
-                <a:hlinkClick r:id="rId3"/>
-              </a:rPr>
-              <a:t>46</a:t>
-            </a:r>
+              <a:t>Biological</a:t>
+            </a:r>
+          </a:p>
+          <a:p>
+            <a:pPr lvl="1"/>
             <a:r>
               <a:rPr lang="en-US" dirty="0"/>
-              <a:t>,</a:t>
-            </a:r>
-            <a:r>
-              <a:rPr lang="en-US" dirty="0">
-                <a:hlinkClick r:id="rId5"/>
-              </a:rPr>
-              <a:t>48</a:t>
-            </a:r>
+              <a:t>eye blinking, movement, respiration, and heartbeat</a:t>
+            </a:r>
+          </a:p>
+          <a:p>
+            <a:pPr lvl="2"/>
             <a:r>
               <a:rPr lang="en-US" dirty="0"/>
-              <a:t>]. According to the literature, extensive research has been conducted in the past decades [</a:t>
-            </a:r>
-            <a:r>
-              <a:rPr lang="en-US" dirty="0">
-                <a:hlinkClick r:id="rId3"/>
-              </a:rPr>
-              <a:t>46</a:t>
+              <a:t>Often same </a:t>
+            </a:r>
+            <a:r>
+              <a:rPr lang="en-US" dirty="0" err="1"/>
+              <a:t>freq</a:t>
             </a:r>
             <a:r>
               <a:rPr lang="en-US" dirty="0"/>
-              <a:t>,</a:t>
-            </a:r>
-            <a:r>
-              <a:rPr lang="en-US" dirty="0">
-                <a:hlinkClick r:id="rId6"/>
-              </a:rPr>
-              <a:t>49</a:t>
-            </a:r>
-            <a:r>
-              <a:rPr lang="en-US" dirty="0"/>
-              <a:t>] to identify and define efficient methods for both automatic and manual artifact removal.</a:t>
+              <a:t> range =&gt; grounding, linear regression methods</a:t>
             </a:r>
           </a:p>
           <a:p>
             <a:endParaRPr lang="en-US" dirty="0"/>
           </a:p>
           <a:p>
-            <a:r>
-              <a:rPr lang="en-US"/>
-              <a:t>https://pmc.ncbi.nlm.nih.gov/articles/PMC8615531/</a:t>
-            </a:r>
-            <a:endParaRPr lang="en-US" dirty="0"/>
-          </a:p>
-          <a:p>
+            <a:endParaRPr lang="en-US" sz="1800" dirty="0"/>
+          </a:p>
+          <a:p>
+            <a:endParaRPr lang="en-US" sz="1800" dirty="0"/>
+          </a:p>
+          <a:p>
+            <a:pPr marL="0" indent="0">
+              <a:buNone/>
+            </a:pPr>
+            <a:endParaRPr lang="en-US" sz="1800" dirty="0"/>
+          </a:p>
+          <a:p>
+            <a:pPr marL="0" indent="0">
+              <a:buNone/>
+            </a:pPr>
             <a:endParaRPr lang="en-GB" dirty="0"/>
           </a:p>
         </p:txBody>
       </p:sp>
+      <p:grpSp>
+        <p:nvGrpSpPr>
+          <p:cNvPr id="7" name="Group 6">
+            <a:extLst>
+              <a:ext uri="{FF2B5EF4-FFF2-40B4-BE49-F238E27FC236}">
+                <a16:creationId xmlns:a16="http://schemas.microsoft.com/office/drawing/2014/main" id="{6472A41B-CBB0-94B6-4D9B-B1AB93ECC5DF}"/>
+              </a:ext>
+            </a:extLst>
+          </p:cNvPr>
+          <p:cNvGrpSpPr/>
+          <p:nvPr/>
+        </p:nvGrpSpPr>
+        <p:grpSpPr>
+          <a:xfrm>
+            <a:off x="7059014" y="1027906"/>
+            <a:ext cx="4407226" cy="3002784"/>
+            <a:chOff x="6778387" y="0"/>
+            <a:chExt cx="4407226" cy="3002784"/>
+          </a:xfrm>
+        </p:grpSpPr>
+        <p:pic>
+          <p:nvPicPr>
+            <p:cNvPr id="5" name="Picture 4" descr="A graph with blue lines and green lines&#10;&#10;Description automatically generated">
+              <a:extLst>
+                <a:ext uri="{FF2B5EF4-FFF2-40B4-BE49-F238E27FC236}">
+                  <a16:creationId xmlns:a16="http://schemas.microsoft.com/office/drawing/2014/main" id="{130C3B8E-B6D8-4766-279F-8411E281E98B}"/>
+                </a:ext>
+              </a:extLst>
+            </p:cNvPr>
+            <p:cNvPicPr>
+              <a:picLocks noChangeAspect="1"/>
+            </p:cNvPicPr>
+            <p:nvPr/>
+          </p:nvPicPr>
+          <p:blipFill>
+            <a:blip r:embed="rId2">
+              <a:extLst>
+                <a:ext uri="{28A0092B-C50C-407E-A947-70E740481C1C}">
+                  <a14:useLocalDpi xmlns:a14="http://schemas.microsoft.com/office/drawing/2010/main" val="0"/>
+                </a:ext>
+              </a:extLst>
+            </a:blip>
+            <a:stretch>
+              <a:fillRect/>
+            </a:stretch>
+          </p:blipFill>
+          <p:spPr>
+            <a:xfrm>
+              <a:off x="6778387" y="0"/>
+              <a:ext cx="4407226" cy="2737042"/>
+            </a:xfrm>
+            <a:prstGeom prst="rect">
+              <a:avLst/>
+            </a:prstGeom>
+          </p:spPr>
+        </p:pic>
+        <p:sp>
+          <p:nvSpPr>
+            <p:cNvPr id="6" name="TextBox 5">
+              <a:extLst>
+                <a:ext uri="{FF2B5EF4-FFF2-40B4-BE49-F238E27FC236}">
+                  <a16:creationId xmlns:a16="http://schemas.microsoft.com/office/drawing/2014/main" id="{31700BA6-CF89-565A-2F0A-B9887456B48C}"/>
+                </a:ext>
+              </a:extLst>
+            </p:cNvPr>
+            <p:cNvSpPr txBox="1"/>
+            <p:nvPr/>
+          </p:nvSpPr>
+          <p:spPr>
+            <a:xfrm>
+              <a:off x="7671816" y="2741174"/>
+              <a:ext cx="3324949" cy="261610"/>
+            </a:xfrm>
+            <a:prstGeom prst="rect">
+              <a:avLst/>
+            </a:prstGeom>
+            <a:noFill/>
+          </p:spPr>
+          <p:txBody>
+            <a:bodyPr wrap="none" rtlCol="0">
+              <a:spAutoFit/>
+            </a:bodyPr>
+            <a:lstStyle/>
+            <a:p>
+              <a:r>
+                <a:rPr lang="en-GB" sz="1100" dirty="0"/>
+                <a:t>https://otc-cta.gc.ca/eng/railway_noise_measurement</a:t>
+              </a:r>
+            </a:p>
+          </p:txBody>
+        </p:sp>
+      </p:grpSp>
+      <p:grpSp>
+        <p:nvGrpSpPr>
+          <p:cNvPr id="14" name="Group 13">
+            <a:extLst>
+              <a:ext uri="{FF2B5EF4-FFF2-40B4-BE49-F238E27FC236}">
+                <a16:creationId xmlns:a16="http://schemas.microsoft.com/office/drawing/2014/main" id="{616F617A-EE6A-043C-FC5A-CAFB0826E3D8}"/>
+              </a:ext>
+            </a:extLst>
+          </p:cNvPr>
+          <p:cNvGrpSpPr/>
+          <p:nvPr/>
+        </p:nvGrpSpPr>
+        <p:grpSpPr>
+          <a:xfrm>
+            <a:off x="1403374" y="4172638"/>
+            <a:ext cx="4413006" cy="2428367"/>
+            <a:chOff x="1385086" y="4064508"/>
+            <a:chExt cx="4413006" cy="2428367"/>
+          </a:xfrm>
+        </p:grpSpPr>
+        <p:pic>
+          <p:nvPicPr>
+            <p:cNvPr id="12" name="Picture 11" descr="A graph of ecg and ecg&#10;&#10;Description automatically generated">
+              <a:extLst>
+                <a:ext uri="{FF2B5EF4-FFF2-40B4-BE49-F238E27FC236}">
+                  <a16:creationId xmlns:a16="http://schemas.microsoft.com/office/drawing/2014/main" id="{21746E25-AB8E-3823-7C60-68C626D957A4}"/>
+                </a:ext>
+              </a:extLst>
+            </p:cNvPr>
+            <p:cNvPicPr>
+              <a:picLocks noChangeAspect="1"/>
+            </p:cNvPicPr>
+            <p:nvPr/>
+          </p:nvPicPr>
+          <p:blipFill>
+            <a:blip r:embed="rId3">
+              <a:extLst>
+                <a:ext uri="{28A0092B-C50C-407E-A947-70E740481C1C}">
+                  <a14:useLocalDpi xmlns:a14="http://schemas.microsoft.com/office/drawing/2010/main" val="0"/>
+                </a:ext>
+              </a:extLst>
+            </a:blip>
+            <a:stretch>
+              <a:fillRect/>
+            </a:stretch>
+          </p:blipFill>
+          <p:spPr>
+            <a:xfrm>
+              <a:off x="1385086" y="4064508"/>
+              <a:ext cx="4413006" cy="2149602"/>
+            </a:xfrm>
+            <a:prstGeom prst="rect">
+              <a:avLst/>
+            </a:prstGeom>
+          </p:spPr>
+        </p:pic>
+        <p:sp>
+          <p:nvSpPr>
+            <p:cNvPr id="13" name="TextBox 12">
+              <a:extLst>
+                <a:ext uri="{FF2B5EF4-FFF2-40B4-BE49-F238E27FC236}">
+                  <a16:creationId xmlns:a16="http://schemas.microsoft.com/office/drawing/2014/main" id="{F60C1B52-A4B6-B018-0CFB-5C2E41F5995C}"/>
+                </a:ext>
+              </a:extLst>
+            </p:cNvPr>
+            <p:cNvSpPr txBox="1"/>
+            <p:nvPr/>
+          </p:nvSpPr>
+          <p:spPr>
+            <a:xfrm>
+              <a:off x="1628428" y="6077377"/>
+              <a:ext cx="4169664" cy="415498"/>
+            </a:xfrm>
+            <a:prstGeom prst="rect">
+              <a:avLst/>
+            </a:prstGeom>
+            <a:noFill/>
+          </p:spPr>
+          <p:txBody>
+            <a:bodyPr wrap="square" rtlCol="0">
+              <a:spAutoFit/>
+            </a:bodyPr>
+            <a:lstStyle/>
+            <a:p>
+              <a:r>
+                <a:rPr lang="en-US" sz="700" dirty="0"/>
+                <a:t>A Survey on Artifacts Detection Techniques for Electro-Encephalography (EEG) Signals - Scientific Figure on ResearchGate. Available from: https://www.researchgate.net/figure/a-EEG-Signals-with-Artifacts-Caused-by-b-ECG-Signals-and-C-EMG-Signals-25_fig3_281887837 [accessed 23 Oct 2024]</a:t>
+              </a:r>
+              <a:endParaRPr lang="en-GB" sz="700" dirty="0"/>
+            </a:p>
+          </p:txBody>
+        </p:sp>
+      </p:grpSp>
+      <p:sp>
+        <p:nvSpPr>
+          <p:cNvPr id="15" name="TextBox 14">
+            <a:extLst>
+              <a:ext uri="{FF2B5EF4-FFF2-40B4-BE49-F238E27FC236}">
+                <a16:creationId xmlns:a16="http://schemas.microsoft.com/office/drawing/2014/main" id="{EE1F7B1D-E7BA-23E7-287A-D891069234AF}"/>
+              </a:ext>
+            </a:extLst>
+          </p:cNvPr>
+          <p:cNvSpPr txBox="1"/>
+          <p:nvPr/>
+        </p:nvSpPr>
+        <p:spPr>
+          <a:xfrm>
+            <a:off x="7055848" y="0"/>
+            <a:ext cx="5118137" cy="646331"/>
+          </a:xfrm>
+          <a:prstGeom prst="rect">
+            <a:avLst/>
+          </a:prstGeom>
+          <a:noFill/>
+        </p:spPr>
+        <p:txBody>
+          <a:bodyPr wrap="square" rtlCol="0">
+            <a:spAutoFit/>
+          </a:bodyPr>
+          <a:lstStyle/>
+          <a:p>
+            <a:r>
+              <a:rPr lang="en-US" sz="1800" dirty="0"/>
+              <a:t>https://pmc.ncbi.nlm.nih.gov/articles/PMC861531/</a:t>
+            </a:r>
+          </a:p>
+          <a:p>
+            <a:endParaRPr lang="en-GB" dirty="0"/>
+          </a:p>
+        </p:txBody>
+      </p:sp>
+      <p:grpSp>
+        <p:nvGrpSpPr>
+          <p:cNvPr id="17" name="Group 16">
+            <a:extLst>
+              <a:ext uri="{FF2B5EF4-FFF2-40B4-BE49-F238E27FC236}">
+                <a16:creationId xmlns:a16="http://schemas.microsoft.com/office/drawing/2014/main" id="{62B30A00-C60D-CCB4-5792-E6B671ABC139}"/>
+              </a:ext>
+            </a:extLst>
+          </p:cNvPr>
+          <p:cNvGrpSpPr/>
+          <p:nvPr/>
+        </p:nvGrpSpPr>
+        <p:grpSpPr>
+          <a:xfrm>
+            <a:off x="6198674" y="4030690"/>
+            <a:ext cx="4242020" cy="2848613"/>
+            <a:chOff x="6198674" y="4030690"/>
+            <a:chExt cx="4242020" cy="2848613"/>
+          </a:xfrm>
+        </p:grpSpPr>
+        <p:pic>
+          <p:nvPicPr>
+            <p:cNvPr id="10" name="Picture 9" descr="A diagram of a brain activity&#10;&#10;Description automatically generated">
+              <a:extLst>
+                <a:ext uri="{FF2B5EF4-FFF2-40B4-BE49-F238E27FC236}">
+                  <a16:creationId xmlns:a16="http://schemas.microsoft.com/office/drawing/2014/main" id="{D8D80D5F-4355-EAC2-0C79-74B1CAF9FFF2}"/>
+                </a:ext>
+              </a:extLst>
+            </p:cNvPr>
+            <p:cNvPicPr>
+              <a:picLocks noChangeAspect="1"/>
+            </p:cNvPicPr>
+            <p:nvPr/>
+          </p:nvPicPr>
+          <p:blipFill>
+            <a:blip r:embed="rId4">
+              <a:extLst>
+                <a:ext uri="{28A0092B-C50C-407E-A947-70E740481C1C}">
+                  <a14:useLocalDpi xmlns:a14="http://schemas.microsoft.com/office/drawing/2010/main" val="0"/>
+                </a:ext>
+              </a:extLst>
+            </a:blip>
+            <a:stretch>
+              <a:fillRect/>
+            </a:stretch>
+          </p:blipFill>
+          <p:spPr>
+            <a:xfrm>
+              <a:off x="6198674" y="4030690"/>
+              <a:ext cx="3934173" cy="2712265"/>
+            </a:xfrm>
+            <a:prstGeom prst="rect">
+              <a:avLst/>
+            </a:prstGeom>
+          </p:spPr>
+        </p:pic>
+        <p:sp>
+          <p:nvSpPr>
+            <p:cNvPr id="16" name="TextBox 15">
+              <a:extLst>
+                <a:ext uri="{FF2B5EF4-FFF2-40B4-BE49-F238E27FC236}">
+                  <a16:creationId xmlns:a16="http://schemas.microsoft.com/office/drawing/2014/main" id="{73D34BE1-767B-21D0-F48F-8C11653663E5}"/>
+                </a:ext>
+              </a:extLst>
+            </p:cNvPr>
+            <p:cNvSpPr txBox="1"/>
+            <p:nvPr/>
+          </p:nvSpPr>
+          <p:spPr>
+            <a:xfrm>
+              <a:off x="6478294" y="6463805"/>
+              <a:ext cx="3962400" cy="415498"/>
+            </a:xfrm>
+            <a:prstGeom prst="rect">
+              <a:avLst/>
+            </a:prstGeom>
+            <a:noFill/>
+          </p:spPr>
+          <p:txBody>
+            <a:bodyPr wrap="square" rtlCol="0">
+              <a:spAutoFit/>
+            </a:bodyPr>
+            <a:lstStyle/>
+            <a:p>
+              <a:r>
+                <a:rPr lang="en-US" sz="700" dirty="0"/>
+                <a:t>Eye Blink Artifact Detection With Novel Optimized Multi-Dimensional Electroencephalogram Features - Scientific Figure on ResearchGate. Available from: https://www.researchgate.net/figure/Frontal-epileptiform-discharges-and-eye-blink-from-CHZU-database_fig1_353475354 [accessed 23 Oct 2024]</a:t>
+              </a:r>
+              <a:endParaRPr lang="en-GB" sz="700" dirty="0"/>
+            </a:p>
+          </p:txBody>
+        </p:sp>
+      </p:grpSp>
     </p:spTree>
     <p:extLst>
       <p:ext uri="{BB962C8B-B14F-4D97-AF65-F5344CB8AC3E}">
@@ -3907,7 +7032,7 @@
 </p:sld>
 </file>
 
-<file path=ppt/slides/slide5.xml><?xml version="1.0" encoding="utf-8"?>
+<file path=ppt/slides/slide8.xml><?xml version="1.0" encoding="utf-8"?>
 <p:sld xmlns:a="http://schemas.openxmlformats.org/drawingml/2006/main" xmlns:r="http://schemas.openxmlformats.org/officeDocument/2006/relationships" xmlns:p="http://schemas.openxmlformats.org/presentationml/2006/main">
   <p:cSld>
     <p:spTree>
@@ -4077,7 +7202,7 @@
 </p:sld>
 </file>
 
-<file path=ppt/slides/slide6.xml><?xml version="1.0" encoding="utf-8"?>
+<file path=ppt/slides/slide9.xml><?xml version="1.0" encoding="utf-8"?>
 <p:sld xmlns:a="http://schemas.openxmlformats.org/drawingml/2006/main" xmlns:r="http://schemas.openxmlformats.org/officeDocument/2006/relationships" xmlns:p="http://schemas.openxmlformats.org/presentationml/2006/main">
   <p:cSld>
     <p:spTree>
@@ -4487,207 +7612,6 @@
     <p:extLst>
       <p:ext uri="{BB962C8B-B14F-4D97-AF65-F5344CB8AC3E}">
         <p14:creationId xmlns:p14="http://schemas.microsoft.com/office/powerpoint/2010/main" val="105852869"/>
-      </p:ext>
-    </p:extLst>
-  </p:cSld>
-  <p:clrMapOvr>
-    <a:masterClrMapping/>
-  </p:clrMapOvr>
-</p:sld>
-</file>
-
-<file path=ppt/slides/slide7.xml><?xml version="1.0" encoding="utf-8"?>
-<p:sld xmlns:a="http://schemas.openxmlformats.org/drawingml/2006/main" xmlns:r="http://schemas.openxmlformats.org/officeDocument/2006/relationships" xmlns:p="http://schemas.openxmlformats.org/presentationml/2006/main">
-  <p:cSld>
-    <p:spTree>
-      <p:nvGrpSpPr>
-        <p:cNvPr id="1" name=""/>
-        <p:cNvGrpSpPr/>
-        <p:nvPr/>
-      </p:nvGrpSpPr>
-      <p:grpSpPr>
-        <a:xfrm>
-          <a:off x="0" y="0"/>
-          <a:ext cx="0" cy="0"/>
-          <a:chOff x="0" y="0"/>
-          <a:chExt cx="0" cy="0"/>
-        </a:xfrm>
-      </p:grpSpPr>
-      <p:sp>
-        <p:nvSpPr>
-          <p:cNvPr id="2" name="Title 1">
-            <a:extLst>
-              <a:ext uri="{FF2B5EF4-FFF2-40B4-BE49-F238E27FC236}">
-                <a16:creationId xmlns:a16="http://schemas.microsoft.com/office/drawing/2014/main" id="{F89BE69D-A4D5-039B-59C0-A15D534E0076}"/>
-              </a:ext>
-            </a:extLst>
-          </p:cNvPr>
-          <p:cNvSpPr>
-            <a:spLocks noGrp="1"/>
-          </p:cNvSpPr>
-          <p:nvPr>
-            <p:ph type="title"/>
-          </p:nvPr>
-        </p:nvSpPr>
-        <p:spPr/>
-        <p:txBody>
-          <a:bodyPr/>
-          <a:lstStyle/>
-          <a:p>
-            <a:r>
-              <a:rPr lang="en-GB" dirty="0"/>
-              <a:t>Crop start + end of recording (5min-20min) </a:t>
-            </a:r>
-          </a:p>
-        </p:txBody>
-      </p:sp>
-      <p:pic>
-        <p:nvPicPr>
-          <p:cNvPr id="5" name="Content Placeholder 4" descr="A screen shot of a graph&#10;&#10;Description automatically generated">
-            <a:extLst>
-              <a:ext uri="{FF2B5EF4-FFF2-40B4-BE49-F238E27FC236}">
-                <a16:creationId xmlns:a16="http://schemas.microsoft.com/office/drawing/2014/main" id="{2C23DFE7-F4C6-05E7-E383-2DD2038EB040}"/>
-              </a:ext>
-            </a:extLst>
-          </p:cNvPr>
-          <p:cNvPicPr>
-            <a:picLocks noGrp="1" noChangeAspect="1"/>
-          </p:cNvPicPr>
-          <p:nvPr>
-            <p:ph idx="1"/>
-          </p:nvPr>
-        </p:nvPicPr>
-        <p:blipFill>
-          <a:blip r:embed="rId2">
-            <a:extLst>
-              <a:ext uri="{28A0092B-C50C-407E-A947-70E740481C1C}">
-                <a14:useLocalDpi xmlns:a14="http://schemas.microsoft.com/office/drawing/2010/main" val="0"/>
-              </a:ext>
-            </a:extLst>
-          </a:blip>
-          <a:stretch>
-            <a:fillRect/>
-          </a:stretch>
-        </p:blipFill>
-        <p:spPr>
-          <a:xfrm>
-            <a:off x="2891751" y="3553767"/>
-            <a:ext cx="3336963" cy="3227087"/>
-          </a:xfrm>
-        </p:spPr>
-      </p:pic>
-      <p:pic>
-        <p:nvPicPr>
-          <p:cNvPr id="7" name="Picture 6" descr="A screen shot of a graph&#10;&#10;Description automatically generated">
-            <a:extLst>
-              <a:ext uri="{FF2B5EF4-FFF2-40B4-BE49-F238E27FC236}">
-                <a16:creationId xmlns:a16="http://schemas.microsoft.com/office/drawing/2014/main" id="{44AB0A13-D092-A193-322D-E15F6D5FA586}"/>
-              </a:ext>
-            </a:extLst>
-          </p:cNvPr>
-          <p:cNvPicPr>
-            <a:picLocks noChangeAspect="1"/>
-          </p:cNvPicPr>
-          <p:nvPr/>
-        </p:nvPicPr>
-        <p:blipFill>
-          <a:blip r:embed="rId3">
-            <a:extLst>
-              <a:ext uri="{28A0092B-C50C-407E-A947-70E740481C1C}">
-                <a14:useLocalDpi xmlns:a14="http://schemas.microsoft.com/office/drawing/2010/main" val="0"/>
-              </a:ext>
-            </a:extLst>
-          </a:blip>
-          <a:stretch>
-            <a:fillRect/>
-          </a:stretch>
-        </p:blipFill>
-        <p:spPr>
-          <a:xfrm>
-            <a:off x="228530" y="2023419"/>
-            <a:ext cx="3336962" cy="3227086"/>
-          </a:xfrm>
-          <a:prstGeom prst="rect">
-            <a:avLst/>
-          </a:prstGeom>
-        </p:spPr>
-      </p:pic>
-      <p:pic>
-        <p:nvPicPr>
-          <p:cNvPr id="9" name="Picture 8" descr="A screen shot of a graph&#10;&#10;Description automatically generated">
-            <a:extLst>
-              <a:ext uri="{FF2B5EF4-FFF2-40B4-BE49-F238E27FC236}">
-                <a16:creationId xmlns:a16="http://schemas.microsoft.com/office/drawing/2014/main" id="{AD1D0F15-2A20-A847-9B08-8F43C84A5403}"/>
-              </a:ext>
-            </a:extLst>
-          </p:cNvPr>
-          <p:cNvPicPr>
-            <a:picLocks noChangeAspect="1"/>
-          </p:cNvPicPr>
-          <p:nvPr/>
-        </p:nvPicPr>
-        <p:blipFill>
-          <a:blip r:embed="rId4">
-            <a:extLst>
-              <a:ext uri="{28A0092B-C50C-407E-A947-70E740481C1C}">
-                <a14:useLocalDpi xmlns:a14="http://schemas.microsoft.com/office/drawing/2010/main" val="0"/>
-              </a:ext>
-            </a:extLst>
-          </a:blip>
-          <a:stretch>
-            <a:fillRect/>
-          </a:stretch>
-        </p:blipFill>
-        <p:spPr>
-          <a:xfrm>
-            <a:off x="5982284" y="1420110"/>
-            <a:ext cx="3724487" cy="3601851"/>
-          </a:xfrm>
-          <a:prstGeom prst="rect">
-            <a:avLst/>
-          </a:prstGeom>
-        </p:spPr>
-      </p:pic>
-      <p:pic>
-        <p:nvPicPr>
-          <p:cNvPr id="11" name="Picture 10" descr="A screenshot of a computer&#10;&#10;Description automatically generated">
-            <a:extLst>
-              <a:ext uri="{FF2B5EF4-FFF2-40B4-BE49-F238E27FC236}">
-                <a16:creationId xmlns:a16="http://schemas.microsoft.com/office/drawing/2014/main" id="{38A915D1-858D-AAB8-BAA2-158FBDE65C32}"/>
-              </a:ext>
-            </a:extLst>
-          </p:cNvPr>
-          <p:cNvPicPr>
-            <a:picLocks noChangeAspect="1"/>
-          </p:cNvPicPr>
-          <p:nvPr/>
-        </p:nvPicPr>
-        <p:blipFill>
-          <a:blip r:embed="rId5">
-            <a:extLst>
-              <a:ext uri="{28A0092B-C50C-407E-A947-70E740481C1C}">
-                <a14:useLocalDpi xmlns:a14="http://schemas.microsoft.com/office/drawing/2010/main" val="0"/>
-              </a:ext>
-            </a:extLst>
-          </a:blip>
-          <a:stretch>
-            <a:fillRect/>
-          </a:stretch>
-        </p:blipFill>
-        <p:spPr>
-          <a:xfrm>
-            <a:off x="7844528" y="3008129"/>
-            <a:ext cx="3980951" cy="3849871"/>
-          </a:xfrm>
-          <a:prstGeom prst="rect">
-            <a:avLst/>
-          </a:prstGeom>
-        </p:spPr>
-      </p:pic>
-    </p:spTree>
-    <p:extLst>
-      <p:ext uri="{BB962C8B-B14F-4D97-AF65-F5344CB8AC3E}">
-        <p14:creationId xmlns:p14="http://schemas.microsoft.com/office/powerpoint/2010/main" val="3394353986"/>
       </p:ext>
     </p:extLst>
   </p:cSld>

--- a/reports/dEEGtal interview presentation - Jeroen Buil.pptx
+++ b/reports/dEEGtal interview presentation - Jeroen Buil.pptx
@@ -9,13 +9,15 @@
     <p:sldId id="265" r:id="rId3"/>
     <p:sldId id="257" r:id="rId4"/>
     <p:sldId id="261" r:id="rId5"/>
-    <p:sldId id="263" r:id="rId6"/>
-    <p:sldId id="264" r:id="rId7"/>
-    <p:sldId id="262" r:id="rId8"/>
-    <p:sldId id="258" r:id="rId9"/>
-    <p:sldId id="259" r:id="rId10"/>
-    <p:sldId id="260" r:id="rId11"/>
-    <p:sldId id="266" r:id="rId12"/>
+    <p:sldId id="268" r:id="rId6"/>
+    <p:sldId id="263" r:id="rId7"/>
+    <p:sldId id="264" r:id="rId8"/>
+    <p:sldId id="262" r:id="rId9"/>
+    <p:sldId id="258" r:id="rId10"/>
+    <p:sldId id="259" r:id="rId11"/>
+    <p:sldId id="260" r:id="rId12"/>
+    <p:sldId id="266" r:id="rId13"/>
+    <p:sldId id="267" r:id="rId14"/>
   </p:sldIdLst>
   <p:sldSz cx="12192000" cy="6858000"/>
   <p:notesSz cx="6858000" cy="9144000"/>
@@ -3442,6 +3444,425 @@
           <p:cNvPr id="2" name="Title 1">
             <a:extLst>
               <a:ext uri="{FF2B5EF4-FFF2-40B4-BE49-F238E27FC236}">
+                <a16:creationId xmlns:a16="http://schemas.microsoft.com/office/drawing/2014/main" id="{FD5C7A68-805B-BC74-03A7-5654AFA67854}"/>
+              </a:ext>
+            </a:extLst>
+          </p:cNvPr>
+          <p:cNvSpPr>
+            <a:spLocks noGrp="1"/>
+          </p:cNvSpPr>
+          <p:nvPr>
+            <p:ph type="title"/>
+          </p:nvPr>
+        </p:nvSpPr>
+        <p:spPr>
+          <a:xfrm>
+            <a:off x="838200" y="550433"/>
+            <a:ext cx="9045563" cy="1140255"/>
+          </a:xfrm>
+        </p:spPr>
+        <p:txBody>
+          <a:bodyPr/>
+          <a:lstStyle/>
+          <a:p>
+            <a:endParaRPr lang="en-GB" dirty="0"/>
+          </a:p>
+        </p:txBody>
+      </p:sp>
+      <p:pic>
+        <p:nvPicPr>
+          <p:cNvPr id="5" name="Content Placeholder 4" descr="A graph of a graph showing a curve&#10;&#10;Description automatically generated">
+            <a:extLst>
+              <a:ext uri="{FF2B5EF4-FFF2-40B4-BE49-F238E27FC236}">
+                <a16:creationId xmlns:a16="http://schemas.microsoft.com/office/drawing/2014/main" id="{7D031BD2-5DD6-4F1F-F581-E0E3D5008A85}"/>
+              </a:ext>
+            </a:extLst>
+          </p:cNvPr>
+          <p:cNvPicPr>
+            <a:picLocks noGrp="1" noChangeAspect="1"/>
+          </p:cNvPicPr>
+          <p:nvPr>
+            <p:ph idx="1"/>
+          </p:nvPr>
+        </p:nvPicPr>
+        <p:blipFill>
+          <a:blip r:embed="rId2">
+            <a:extLst>
+              <a:ext uri="{28A0092B-C50C-407E-A947-70E740481C1C}">
+                <a14:useLocalDpi xmlns:a14="http://schemas.microsoft.com/office/drawing/2010/main" val="0"/>
+              </a:ext>
+            </a:extLst>
+          </a:blip>
+          <a:stretch>
+            <a:fillRect/>
+          </a:stretch>
+        </p:blipFill>
+        <p:spPr>
+          <a:xfrm>
+            <a:off x="528819" y="97372"/>
+            <a:ext cx="3748891" cy="1338625"/>
+          </a:xfrm>
+        </p:spPr>
+      </p:pic>
+      <p:pic>
+        <p:nvPicPr>
+          <p:cNvPr id="7" name="Picture 6" descr="A graph of a number of lines&#10;&#10;Description automatically generated with medium confidence">
+            <a:extLst>
+              <a:ext uri="{FF2B5EF4-FFF2-40B4-BE49-F238E27FC236}">
+                <a16:creationId xmlns:a16="http://schemas.microsoft.com/office/drawing/2014/main" id="{A6E9E56F-323A-FF67-A0B4-7C9296E9E05D}"/>
+              </a:ext>
+            </a:extLst>
+          </p:cNvPr>
+          <p:cNvPicPr>
+            <a:picLocks noChangeAspect="1"/>
+          </p:cNvPicPr>
+          <p:nvPr/>
+        </p:nvPicPr>
+        <p:blipFill>
+          <a:blip r:embed="rId3">
+            <a:extLst>
+              <a:ext uri="{28A0092B-C50C-407E-A947-70E740481C1C}">
+                <a14:useLocalDpi xmlns:a14="http://schemas.microsoft.com/office/drawing/2010/main" val="0"/>
+              </a:ext>
+            </a:extLst>
+          </a:blip>
+          <a:stretch>
+            <a:fillRect/>
+          </a:stretch>
+        </p:blipFill>
+        <p:spPr>
+          <a:xfrm>
+            <a:off x="528820" y="1576207"/>
+            <a:ext cx="3827548" cy="1366711"/>
+          </a:xfrm>
+          <a:prstGeom prst="rect">
+            <a:avLst/>
+          </a:prstGeom>
+        </p:spPr>
+      </p:pic>
+      <p:pic>
+        <p:nvPicPr>
+          <p:cNvPr id="9" name="Picture 8" descr="A graph of a graph showing a number of waves&#10;&#10;Description automatically generated with medium confidence">
+            <a:extLst>
+              <a:ext uri="{FF2B5EF4-FFF2-40B4-BE49-F238E27FC236}">
+                <a16:creationId xmlns:a16="http://schemas.microsoft.com/office/drawing/2014/main" id="{4B0C54DE-EA89-4898-3ACC-8A4B57878F70}"/>
+              </a:ext>
+            </a:extLst>
+          </p:cNvPr>
+          <p:cNvPicPr>
+            <a:picLocks noChangeAspect="1"/>
+          </p:cNvPicPr>
+          <p:nvPr/>
+        </p:nvPicPr>
+        <p:blipFill>
+          <a:blip r:embed="rId4">
+            <a:extLst>
+              <a:ext uri="{28A0092B-C50C-407E-A947-70E740481C1C}">
+                <a14:useLocalDpi xmlns:a14="http://schemas.microsoft.com/office/drawing/2010/main" val="0"/>
+              </a:ext>
+            </a:extLst>
+          </a:blip>
+          <a:stretch>
+            <a:fillRect/>
+          </a:stretch>
+        </p:blipFill>
+        <p:spPr>
+          <a:xfrm>
+            <a:off x="528820" y="3050478"/>
+            <a:ext cx="3827548" cy="1366711"/>
+          </a:xfrm>
+          <a:prstGeom prst="rect">
+            <a:avLst/>
+          </a:prstGeom>
+        </p:spPr>
+      </p:pic>
+      <p:pic>
+        <p:nvPicPr>
+          <p:cNvPr id="11" name="Picture 10" descr="A graph of a waveform&#10;&#10;Description automatically generated">
+            <a:extLst>
+              <a:ext uri="{FF2B5EF4-FFF2-40B4-BE49-F238E27FC236}">
+                <a16:creationId xmlns:a16="http://schemas.microsoft.com/office/drawing/2014/main" id="{B6157AF6-ADD1-8DA6-AE68-A733E6853872}"/>
+              </a:ext>
+            </a:extLst>
+          </p:cNvPr>
+          <p:cNvPicPr>
+            <a:picLocks noChangeAspect="1"/>
+          </p:cNvPicPr>
+          <p:nvPr/>
+        </p:nvPicPr>
+        <p:blipFill>
+          <a:blip r:embed="rId5">
+            <a:extLst>
+              <a:ext uri="{28A0092B-C50C-407E-A947-70E740481C1C}">
+                <a14:useLocalDpi xmlns:a14="http://schemas.microsoft.com/office/drawing/2010/main" val="0"/>
+              </a:ext>
+            </a:extLst>
+          </a:blip>
+          <a:stretch>
+            <a:fillRect/>
+          </a:stretch>
+        </p:blipFill>
+        <p:spPr>
+          <a:xfrm>
+            <a:off x="493009" y="4519069"/>
+            <a:ext cx="3889155" cy="1388709"/>
+          </a:xfrm>
+          <a:prstGeom prst="rect">
+            <a:avLst/>
+          </a:prstGeom>
+        </p:spPr>
+      </p:pic>
+      <p:pic>
+        <p:nvPicPr>
+          <p:cNvPr id="13" name="Picture 12" descr="A graph of a graph showing a number of lines&#10;&#10;Description automatically generated with medium confidence">
+            <a:extLst>
+              <a:ext uri="{FF2B5EF4-FFF2-40B4-BE49-F238E27FC236}">
+                <a16:creationId xmlns:a16="http://schemas.microsoft.com/office/drawing/2014/main" id="{B37EE1D9-8AB5-F373-869F-804E94E0B850}"/>
+              </a:ext>
+            </a:extLst>
+          </p:cNvPr>
+          <p:cNvPicPr>
+            <a:picLocks noChangeAspect="1"/>
+          </p:cNvPicPr>
+          <p:nvPr/>
+        </p:nvPicPr>
+        <p:blipFill>
+          <a:blip r:embed="rId6">
+            <a:extLst>
+              <a:ext uri="{28A0092B-C50C-407E-A947-70E740481C1C}">
+                <a14:useLocalDpi xmlns:a14="http://schemas.microsoft.com/office/drawing/2010/main" val="0"/>
+              </a:ext>
+            </a:extLst>
+          </a:blip>
+          <a:stretch>
+            <a:fillRect/>
+          </a:stretch>
+        </p:blipFill>
+        <p:spPr>
+          <a:xfrm>
+            <a:off x="564629" y="5989764"/>
+            <a:ext cx="3827548" cy="1366711"/>
+          </a:xfrm>
+          <a:prstGeom prst="rect">
+            <a:avLst/>
+          </a:prstGeom>
+        </p:spPr>
+      </p:pic>
+      <p:pic>
+        <p:nvPicPr>
+          <p:cNvPr id="37" name="Picture 36" descr="A graph of a wave&#10;&#10;Description automatically generated">
+            <a:extLst>
+              <a:ext uri="{FF2B5EF4-FFF2-40B4-BE49-F238E27FC236}">
+                <a16:creationId xmlns:a16="http://schemas.microsoft.com/office/drawing/2014/main" id="{79CA0905-11F8-E7F0-EA1A-AABCA4333823}"/>
+              </a:ext>
+            </a:extLst>
+          </p:cNvPr>
+          <p:cNvPicPr>
+            <a:picLocks noChangeAspect="1"/>
+          </p:cNvPicPr>
+          <p:nvPr/>
+        </p:nvPicPr>
+        <p:blipFill>
+          <a:blip r:embed="rId7">
+            <a:extLst>
+              <a:ext uri="{28A0092B-C50C-407E-A947-70E740481C1C}">
+                <a14:useLocalDpi xmlns:a14="http://schemas.microsoft.com/office/drawing/2010/main" val="0"/>
+              </a:ext>
+            </a:extLst>
+          </a:blip>
+          <a:stretch>
+            <a:fillRect/>
+          </a:stretch>
+        </p:blipFill>
+        <p:spPr>
+          <a:xfrm>
+            <a:off x="6655859" y="5617877"/>
+            <a:ext cx="3850200" cy="1374799"/>
+          </a:xfrm>
+          <a:prstGeom prst="rect">
+            <a:avLst/>
+          </a:prstGeom>
+        </p:spPr>
+      </p:pic>
+      <p:pic>
+        <p:nvPicPr>
+          <p:cNvPr id="38" name="Picture 37" descr="A graph of a graph showing a number of numbers&#10;&#10;Description automatically generated with medium confidence">
+            <a:extLst>
+              <a:ext uri="{FF2B5EF4-FFF2-40B4-BE49-F238E27FC236}">
+                <a16:creationId xmlns:a16="http://schemas.microsoft.com/office/drawing/2014/main" id="{419C0126-73D8-4A5D-DFE1-39EE80BD9BD4}"/>
+              </a:ext>
+            </a:extLst>
+          </p:cNvPr>
+          <p:cNvPicPr>
+            <a:picLocks noChangeAspect="1"/>
+          </p:cNvPicPr>
+          <p:nvPr/>
+        </p:nvPicPr>
+        <p:blipFill>
+          <a:blip r:embed="rId8">
+            <a:extLst>
+              <a:ext uri="{28A0092B-C50C-407E-A947-70E740481C1C}">
+                <a14:useLocalDpi xmlns:a14="http://schemas.microsoft.com/office/drawing/2010/main" val="0"/>
+              </a:ext>
+            </a:extLst>
+          </a:blip>
+          <a:stretch>
+            <a:fillRect/>
+          </a:stretch>
+        </p:blipFill>
+        <p:spPr>
+          <a:xfrm>
+            <a:off x="6762986" y="242858"/>
+            <a:ext cx="3850200" cy="1374799"/>
+          </a:xfrm>
+          <a:prstGeom prst="rect">
+            <a:avLst/>
+          </a:prstGeom>
+        </p:spPr>
+      </p:pic>
+      <p:pic>
+        <p:nvPicPr>
+          <p:cNvPr id="39" name="Picture 38" descr="A graph of a graph showing a number of different types of data&#10;&#10;Description automatically generated with medium confidence">
+            <a:extLst>
+              <a:ext uri="{FF2B5EF4-FFF2-40B4-BE49-F238E27FC236}">
+                <a16:creationId xmlns:a16="http://schemas.microsoft.com/office/drawing/2014/main" id="{AAE4E40E-3FF0-D82D-4B00-32F53CC8AA81}"/>
+              </a:ext>
+            </a:extLst>
+          </p:cNvPr>
+          <p:cNvPicPr>
+            <a:picLocks noChangeAspect="1"/>
+          </p:cNvPicPr>
+          <p:nvPr/>
+        </p:nvPicPr>
+        <p:blipFill>
+          <a:blip r:embed="rId9">
+            <a:extLst>
+              <a:ext uri="{28A0092B-C50C-407E-A947-70E740481C1C}">
+                <a14:useLocalDpi xmlns:a14="http://schemas.microsoft.com/office/drawing/2010/main" val="0"/>
+              </a:ext>
+            </a:extLst>
+          </a:blip>
+          <a:stretch>
+            <a:fillRect/>
+          </a:stretch>
+        </p:blipFill>
+        <p:spPr>
+          <a:xfrm>
+            <a:off x="6620050" y="1624952"/>
+            <a:ext cx="3850200" cy="1374799"/>
+          </a:xfrm>
+          <a:prstGeom prst="rect">
+            <a:avLst/>
+          </a:prstGeom>
+        </p:spPr>
+      </p:pic>
+      <p:pic>
+        <p:nvPicPr>
+          <p:cNvPr id="40" name="Picture 39" descr="A graph of a graph showing a number of waves&#10;&#10;Description automatically generated with medium confidence">
+            <a:extLst>
+              <a:ext uri="{FF2B5EF4-FFF2-40B4-BE49-F238E27FC236}">
+                <a16:creationId xmlns:a16="http://schemas.microsoft.com/office/drawing/2014/main" id="{2BAAA85F-0315-01BD-9F2C-CFA895196CC6}"/>
+              </a:ext>
+            </a:extLst>
+          </p:cNvPr>
+          <p:cNvPicPr>
+            <a:picLocks noChangeAspect="1"/>
+          </p:cNvPicPr>
+          <p:nvPr/>
+        </p:nvPicPr>
+        <p:blipFill>
+          <a:blip r:embed="rId10">
+            <a:extLst>
+              <a:ext uri="{28A0092B-C50C-407E-A947-70E740481C1C}">
+                <a14:useLocalDpi xmlns:a14="http://schemas.microsoft.com/office/drawing/2010/main" val="0"/>
+              </a:ext>
+            </a:extLst>
+          </a:blip>
+          <a:stretch>
+            <a:fillRect/>
+          </a:stretch>
+        </p:blipFill>
+        <p:spPr>
+          <a:xfrm>
+            <a:off x="6620050" y="2999751"/>
+            <a:ext cx="3850200" cy="1374799"/>
+          </a:xfrm>
+          <a:prstGeom prst="rect">
+            <a:avLst/>
+          </a:prstGeom>
+        </p:spPr>
+      </p:pic>
+      <p:pic>
+        <p:nvPicPr>
+          <p:cNvPr id="41" name="Picture 40" descr="A graph of a graph showing a number of different types of data&#10;&#10;Description automatically generated with medium confidence">
+            <a:extLst>
+              <a:ext uri="{FF2B5EF4-FFF2-40B4-BE49-F238E27FC236}">
+                <a16:creationId xmlns:a16="http://schemas.microsoft.com/office/drawing/2014/main" id="{3732A502-8F56-7C1E-52DC-D291B996C5BE}"/>
+              </a:ext>
+            </a:extLst>
+          </p:cNvPr>
+          <p:cNvPicPr>
+            <a:picLocks noChangeAspect="1"/>
+          </p:cNvPicPr>
+          <p:nvPr/>
+        </p:nvPicPr>
+        <p:blipFill>
+          <a:blip r:embed="rId11">
+            <a:extLst>
+              <a:ext uri="{28A0092B-C50C-407E-A947-70E740481C1C}">
+                <a14:useLocalDpi xmlns:a14="http://schemas.microsoft.com/office/drawing/2010/main" val="0"/>
+              </a:ext>
+            </a:extLst>
+          </a:blip>
+          <a:stretch>
+            <a:fillRect/>
+          </a:stretch>
+        </p:blipFill>
+        <p:spPr>
+          <a:xfrm>
+            <a:off x="6620050" y="4308814"/>
+            <a:ext cx="3850200" cy="1374799"/>
+          </a:xfrm>
+          <a:prstGeom prst="rect">
+            <a:avLst/>
+          </a:prstGeom>
+        </p:spPr>
+      </p:pic>
+    </p:spTree>
+    <p:extLst>
+      <p:ext uri="{BB962C8B-B14F-4D97-AF65-F5344CB8AC3E}">
+        <p14:creationId xmlns:p14="http://schemas.microsoft.com/office/powerpoint/2010/main" val="105852869"/>
+      </p:ext>
+    </p:extLst>
+  </p:cSld>
+  <p:clrMapOvr>
+    <a:masterClrMapping/>
+  </p:clrMapOvr>
+</p:sld>
+</file>
+
+<file path=ppt/slides/slide11.xml><?xml version="1.0" encoding="utf-8"?>
+<p:sld xmlns:a="http://schemas.openxmlformats.org/drawingml/2006/main" xmlns:r="http://schemas.openxmlformats.org/officeDocument/2006/relationships" xmlns:p="http://schemas.openxmlformats.org/presentationml/2006/main">
+  <p:cSld>
+    <p:spTree>
+      <p:nvGrpSpPr>
+        <p:cNvPr id="1" name=""/>
+        <p:cNvGrpSpPr/>
+        <p:nvPr/>
+      </p:nvGrpSpPr>
+      <p:grpSpPr>
+        <a:xfrm>
+          <a:off x="0" y="0"/>
+          <a:ext cx="0" cy="0"/>
+          <a:chOff x="0" y="0"/>
+          <a:chExt cx="0" cy="0"/>
+        </a:xfrm>
+      </p:grpSpPr>
+      <p:sp>
+        <p:nvSpPr>
+          <p:cNvPr id="2" name="Title 1">
+            <a:extLst>
+              <a:ext uri="{FF2B5EF4-FFF2-40B4-BE49-F238E27FC236}">
                 <a16:creationId xmlns:a16="http://schemas.microsoft.com/office/drawing/2014/main" id="{F89BE69D-A4D5-039B-59C0-A15D534E0076}"/>
               </a:ext>
             </a:extLst>
@@ -3621,7 +4042,7 @@
 </p:sld>
 </file>
 
-<file path=ppt/slides/slide11.xml><?xml version="1.0" encoding="utf-8"?>
+<file path=ppt/slides/slide12.xml><?xml version="1.0" encoding="utf-8"?>
 <p:sld xmlns:a="http://schemas.openxmlformats.org/drawingml/2006/main" xmlns:r="http://schemas.openxmlformats.org/officeDocument/2006/relationships" xmlns:p="http://schemas.openxmlformats.org/presentationml/2006/main">
   <p:cSld>
     <p:spTree>
@@ -3728,6 +4149,123 @@
     <p:extLst>
       <p:ext uri="{BB962C8B-B14F-4D97-AF65-F5344CB8AC3E}">
         <p14:creationId xmlns:p14="http://schemas.microsoft.com/office/powerpoint/2010/main" val="3208508906"/>
+      </p:ext>
+    </p:extLst>
+  </p:cSld>
+  <p:clrMapOvr>
+    <a:masterClrMapping/>
+  </p:clrMapOvr>
+</p:sld>
+</file>
+
+<file path=ppt/slides/slide13.xml><?xml version="1.0" encoding="utf-8"?>
+<p:sld xmlns:a="http://schemas.openxmlformats.org/drawingml/2006/main" xmlns:r="http://schemas.openxmlformats.org/officeDocument/2006/relationships" xmlns:p="http://schemas.openxmlformats.org/presentationml/2006/main">
+  <p:cSld>
+    <p:spTree>
+      <p:nvGrpSpPr>
+        <p:cNvPr id="1" name=""/>
+        <p:cNvGrpSpPr/>
+        <p:nvPr/>
+      </p:nvGrpSpPr>
+      <p:grpSpPr>
+        <a:xfrm>
+          <a:off x="0" y="0"/>
+          <a:ext cx="0" cy="0"/>
+          <a:chOff x="0" y="0"/>
+          <a:chExt cx="0" cy="0"/>
+        </a:xfrm>
+      </p:grpSpPr>
+      <p:sp>
+        <p:nvSpPr>
+          <p:cNvPr id="2" name="Title 1">
+            <a:extLst>
+              <a:ext uri="{FF2B5EF4-FFF2-40B4-BE49-F238E27FC236}">
+                <a16:creationId xmlns:a16="http://schemas.microsoft.com/office/drawing/2014/main" id="{F2568E46-9149-EEA8-51CF-4BCC0E23C3A2}"/>
+              </a:ext>
+            </a:extLst>
+          </p:cNvPr>
+          <p:cNvSpPr>
+            <a:spLocks noGrp="1"/>
+          </p:cNvSpPr>
+          <p:nvPr>
+            <p:ph type="title"/>
+          </p:nvPr>
+        </p:nvSpPr>
+        <p:spPr/>
+        <p:txBody>
+          <a:bodyPr/>
+          <a:lstStyle/>
+          <a:p>
+            <a:endParaRPr lang="en-GB" dirty="0"/>
+          </a:p>
+        </p:txBody>
+      </p:sp>
+      <p:sp>
+        <p:nvSpPr>
+          <p:cNvPr id="3" name="Content Placeholder 2">
+            <a:extLst>
+              <a:ext uri="{FF2B5EF4-FFF2-40B4-BE49-F238E27FC236}">
+                <a16:creationId xmlns:a16="http://schemas.microsoft.com/office/drawing/2014/main" id="{CD934F8F-78AA-563B-9701-F7530A227FA6}"/>
+              </a:ext>
+            </a:extLst>
+          </p:cNvPr>
+          <p:cNvSpPr>
+            <a:spLocks noGrp="1"/>
+          </p:cNvSpPr>
+          <p:nvPr>
+            <p:ph idx="1"/>
+          </p:nvPr>
+        </p:nvSpPr>
+        <p:spPr/>
+        <p:txBody>
+          <a:bodyPr/>
+          <a:lstStyle/>
+          <a:p>
+            <a:r>
+              <a:rPr lang="en-GB" dirty="0"/>
+              <a:t>Ideal case:</a:t>
+            </a:r>
+          </a:p>
+          <a:p>
+            <a:pPr lvl="1"/>
+            <a:r>
+              <a:rPr lang="en-GB" dirty="0"/>
+              <a:t>Events that subjects are in same mental state + same (lack of) ext. triggers</a:t>
+            </a:r>
+          </a:p>
+          <a:p>
+            <a:pPr lvl="1"/>
+            <a:endParaRPr lang="en-GB" dirty="0"/>
+          </a:p>
+          <a:p>
+            <a:r>
+              <a:rPr lang="en-GB" dirty="0"/>
+              <a:t>EEG waves: 0,5-100Hz =&gt; Nyquist </a:t>
+            </a:r>
+            <a:r>
+              <a:rPr lang="en-GB" dirty="0" err="1"/>
+              <a:t>freq</a:t>
+            </a:r>
+            <a:r>
+              <a:rPr lang="en-GB" dirty="0"/>
+              <a:t> =&gt; window of at least 4s</a:t>
+            </a:r>
+          </a:p>
+          <a:p>
+            <a:endParaRPr lang="en-GB" dirty="0"/>
+          </a:p>
+          <a:p>
+            <a:r>
+              <a:rPr lang="en-GB" dirty="0"/>
+              <a:t>Calc spectral density plot (spectrogram) =&gt; feature space</a:t>
+            </a:r>
+          </a:p>
+        </p:txBody>
+      </p:sp>
+    </p:spTree>
+    <p:extLst>
+      <p:ext uri="{BB962C8B-B14F-4D97-AF65-F5344CB8AC3E}">
+        <p14:creationId xmlns:p14="http://schemas.microsoft.com/office/powerpoint/2010/main" val="100171256"/>
       </p:ext>
     </p:extLst>
   </p:cSld>
@@ -6290,6 +6828,93 @@
           <p:cNvPr id="2" name="Title 1">
             <a:extLst>
               <a:ext uri="{FF2B5EF4-FFF2-40B4-BE49-F238E27FC236}">
+                <a16:creationId xmlns:a16="http://schemas.microsoft.com/office/drawing/2014/main" id="{1CFBD9DB-14C6-32F0-A8F6-789E2A36B5C5}"/>
+              </a:ext>
+            </a:extLst>
+          </p:cNvPr>
+          <p:cNvSpPr>
+            <a:spLocks noGrp="1"/>
+          </p:cNvSpPr>
+          <p:nvPr>
+            <p:ph type="title"/>
+          </p:nvPr>
+        </p:nvSpPr>
+        <p:spPr/>
+        <p:txBody>
+          <a:bodyPr/>
+          <a:lstStyle/>
+          <a:p>
+            <a:r>
+              <a:rPr lang="en-GB" dirty="0"/>
+              <a:t>Fix </a:t>
+            </a:r>
+            <a:r>
+              <a:rPr lang="en-GB"/>
+              <a:t>channel names</a:t>
+            </a:r>
+          </a:p>
+        </p:txBody>
+      </p:sp>
+      <p:sp>
+        <p:nvSpPr>
+          <p:cNvPr id="3" name="Content Placeholder 2">
+            <a:extLst>
+              <a:ext uri="{FF2B5EF4-FFF2-40B4-BE49-F238E27FC236}">
+                <a16:creationId xmlns:a16="http://schemas.microsoft.com/office/drawing/2014/main" id="{F3B6AF3C-5D56-2FFD-0306-1499AF960257}"/>
+              </a:ext>
+            </a:extLst>
+          </p:cNvPr>
+          <p:cNvSpPr>
+            <a:spLocks noGrp="1"/>
+          </p:cNvSpPr>
+          <p:nvPr>
+            <p:ph idx="1"/>
+          </p:nvPr>
+        </p:nvSpPr>
+        <p:spPr/>
+        <p:txBody>
+          <a:bodyPr/>
+          <a:lstStyle/>
+          <a:p>
+            <a:endParaRPr lang="en-GB"/>
+          </a:p>
+        </p:txBody>
+      </p:sp>
+    </p:spTree>
+    <p:extLst>
+      <p:ext uri="{BB962C8B-B14F-4D97-AF65-F5344CB8AC3E}">
+        <p14:creationId xmlns:p14="http://schemas.microsoft.com/office/powerpoint/2010/main" val="3815293092"/>
+      </p:ext>
+    </p:extLst>
+  </p:cSld>
+  <p:clrMapOvr>
+    <a:masterClrMapping/>
+  </p:clrMapOvr>
+</p:sld>
+</file>
+
+<file path=ppt/slides/slide6.xml><?xml version="1.0" encoding="utf-8"?>
+<p:sld xmlns:a="http://schemas.openxmlformats.org/drawingml/2006/main" xmlns:r="http://schemas.openxmlformats.org/officeDocument/2006/relationships" xmlns:p="http://schemas.openxmlformats.org/presentationml/2006/main">
+  <p:cSld>
+    <p:spTree>
+      <p:nvGrpSpPr>
+        <p:cNvPr id="1" name=""/>
+        <p:cNvGrpSpPr/>
+        <p:nvPr/>
+      </p:nvGrpSpPr>
+      <p:grpSpPr>
+        <a:xfrm>
+          <a:off x="0" y="0"/>
+          <a:ext cx="0" cy="0"/>
+          <a:chOff x="0" y="0"/>
+          <a:chExt cx="0" cy="0"/>
+        </a:xfrm>
+      </p:grpSpPr>
+      <p:sp>
+        <p:nvSpPr>
+          <p:cNvPr id="2" name="Title 1">
+            <a:extLst>
+              <a:ext uri="{FF2B5EF4-FFF2-40B4-BE49-F238E27FC236}">
                 <a16:creationId xmlns:a16="http://schemas.microsoft.com/office/drawing/2014/main" id="{FBC2C443-6C50-E1B5-A808-DC7EC685123E}"/>
               </a:ext>
             </a:extLst>
@@ -6432,7 +7057,7 @@
 </p:sld>
 </file>
 
-<file path=ppt/slides/slide6.xml><?xml version="1.0" encoding="utf-8"?>
+<file path=ppt/slides/slide7.xml><?xml version="1.0" encoding="utf-8"?>
 <p:sld xmlns:a="http://schemas.openxmlformats.org/drawingml/2006/main" xmlns:r="http://schemas.openxmlformats.org/officeDocument/2006/relationships" xmlns:p="http://schemas.openxmlformats.org/presentationml/2006/main">
   <p:cSld>
     <p:spTree>
@@ -6548,7 +7173,7 @@
 </p:sld>
 </file>
 
-<file path=ppt/slides/slide7.xml><?xml version="1.0" encoding="utf-8"?>
+<file path=ppt/slides/slide8.xml><?xml version="1.0" encoding="utf-8"?>
 <p:sld xmlns:a="http://schemas.openxmlformats.org/drawingml/2006/main" xmlns:r="http://schemas.openxmlformats.org/officeDocument/2006/relationships" xmlns:p="http://schemas.openxmlformats.org/presentationml/2006/main">
   <p:cSld>
     <p:spTree>
@@ -7032,7 +7657,7 @@
 </p:sld>
 </file>
 
-<file path=ppt/slides/slide8.xml><?xml version="1.0" encoding="utf-8"?>
+<file path=ppt/slides/slide9.xml><?xml version="1.0" encoding="utf-8"?>
 <p:sld xmlns:a="http://schemas.openxmlformats.org/drawingml/2006/main" xmlns:r="http://schemas.openxmlformats.org/officeDocument/2006/relationships" xmlns:p="http://schemas.openxmlformats.org/presentationml/2006/main">
   <p:cSld>
     <p:spTree>
@@ -7193,425 +7818,6 @@
     <p:extLst>
       <p:ext uri="{BB962C8B-B14F-4D97-AF65-F5344CB8AC3E}">
         <p14:creationId xmlns:p14="http://schemas.microsoft.com/office/powerpoint/2010/main" val="455723385"/>
-      </p:ext>
-    </p:extLst>
-  </p:cSld>
-  <p:clrMapOvr>
-    <a:masterClrMapping/>
-  </p:clrMapOvr>
-</p:sld>
-</file>
-
-<file path=ppt/slides/slide9.xml><?xml version="1.0" encoding="utf-8"?>
-<p:sld xmlns:a="http://schemas.openxmlformats.org/drawingml/2006/main" xmlns:r="http://schemas.openxmlformats.org/officeDocument/2006/relationships" xmlns:p="http://schemas.openxmlformats.org/presentationml/2006/main">
-  <p:cSld>
-    <p:spTree>
-      <p:nvGrpSpPr>
-        <p:cNvPr id="1" name=""/>
-        <p:cNvGrpSpPr/>
-        <p:nvPr/>
-      </p:nvGrpSpPr>
-      <p:grpSpPr>
-        <a:xfrm>
-          <a:off x="0" y="0"/>
-          <a:ext cx="0" cy="0"/>
-          <a:chOff x="0" y="0"/>
-          <a:chExt cx="0" cy="0"/>
-        </a:xfrm>
-      </p:grpSpPr>
-      <p:sp>
-        <p:nvSpPr>
-          <p:cNvPr id="2" name="Title 1">
-            <a:extLst>
-              <a:ext uri="{FF2B5EF4-FFF2-40B4-BE49-F238E27FC236}">
-                <a16:creationId xmlns:a16="http://schemas.microsoft.com/office/drawing/2014/main" id="{FD5C7A68-805B-BC74-03A7-5654AFA67854}"/>
-              </a:ext>
-            </a:extLst>
-          </p:cNvPr>
-          <p:cNvSpPr>
-            <a:spLocks noGrp="1"/>
-          </p:cNvSpPr>
-          <p:nvPr>
-            <p:ph type="title"/>
-          </p:nvPr>
-        </p:nvSpPr>
-        <p:spPr>
-          <a:xfrm>
-            <a:off x="838200" y="550433"/>
-            <a:ext cx="9045563" cy="1140255"/>
-          </a:xfrm>
-        </p:spPr>
-        <p:txBody>
-          <a:bodyPr/>
-          <a:lstStyle/>
-          <a:p>
-            <a:endParaRPr lang="en-GB" dirty="0"/>
-          </a:p>
-        </p:txBody>
-      </p:sp>
-      <p:pic>
-        <p:nvPicPr>
-          <p:cNvPr id="5" name="Content Placeholder 4" descr="A graph of a graph showing a curve&#10;&#10;Description automatically generated">
-            <a:extLst>
-              <a:ext uri="{FF2B5EF4-FFF2-40B4-BE49-F238E27FC236}">
-                <a16:creationId xmlns:a16="http://schemas.microsoft.com/office/drawing/2014/main" id="{7D031BD2-5DD6-4F1F-F581-E0E3D5008A85}"/>
-              </a:ext>
-            </a:extLst>
-          </p:cNvPr>
-          <p:cNvPicPr>
-            <a:picLocks noGrp="1" noChangeAspect="1"/>
-          </p:cNvPicPr>
-          <p:nvPr>
-            <p:ph idx="1"/>
-          </p:nvPr>
-        </p:nvPicPr>
-        <p:blipFill>
-          <a:blip r:embed="rId2">
-            <a:extLst>
-              <a:ext uri="{28A0092B-C50C-407E-A947-70E740481C1C}">
-                <a14:useLocalDpi xmlns:a14="http://schemas.microsoft.com/office/drawing/2010/main" val="0"/>
-              </a:ext>
-            </a:extLst>
-          </a:blip>
-          <a:stretch>
-            <a:fillRect/>
-          </a:stretch>
-        </p:blipFill>
-        <p:spPr>
-          <a:xfrm>
-            <a:off x="528819" y="97372"/>
-            <a:ext cx="3748891" cy="1338625"/>
-          </a:xfrm>
-        </p:spPr>
-      </p:pic>
-      <p:pic>
-        <p:nvPicPr>
-          <p:cNvPr id="7" name="Picture 6" descr="A graph of a number of lines&#10;&#10;Description automatically generated with medium confidence">
-            <a:extLst>
-              <a:ext uri="{FF2B5EF4-FFF2-40B4-BE49-F238E27FC236}">
-                <a16:creationId xmlns:a16="http://schemas.microsoft.com/office/drawing/2014/main" id="{A6E9E56F-323A-FF67-A0B4-7C9296E9E05D}"/>
-              </a:ext>
-            </a:extLst>
-          </p:cNvPr>
-          <p:cNvPicPr>
-            <a:picLocks noChangeAspect="1"/>
-          </p:cNvPicPr>
-          <p:nvPr/>
-        </p:nvPicPr>
-        <p:blipFill>
-          <a:blip r:embed="rId3">
-            <a:extLst>
-              <a:ext uri="{28A0092B-C50C-407E-A947-70E740481C1C}">
-                <a14:useLocalDpi xmlns:a14="http://schemas.microsoft.com/office/drawing/2010/main" val="0"/>
-              </a:ext>
-            </a:extLst>
-          </a:blip>
-          <a:stretch>
-            <a:fillRect/>
-          </a:stretch>
-        </p:blipFill>
-        <p:spPr>
-          <a:xfrm>
-            <a:off x="528820" y="1576207"/>
-            <a:ext cx="3827548" cy="1366711"/>
-          </a:xfrm>
-          <a:prstGeom prst="rect">
-            <a:avLst/>
-          </a:prstGeom>
-        </p:spPr>
-      </p:pic>
-      <p:pic>
-        <p:nvPicPr>
-          <p:cNvPr id="9" name="Picture 8" descr="A graph of a graph showing a number of waves&#10;&#10;Description automatically generated with medium confidence">
-            <a:extLst>
-              <a:ext uri="{FF2B5EF4-FFF2-40B4-BE49-F238E27FC236}">
-                <a16:creationId xmlns:a16="http://schemas.microsoft.com/office/drawing/2014/main" id="{4B0C54DE-EA89-4898-3ACC-8A4B57878F70}"/>
-              </a:ext>
-            </a:extLst>
-          </p:cNvPr>
-          <p:cNvPicPr>
-            <a:picLocks noChangeAspect="1"/>
-          </p:cNvPicPr>
-          <p:nvPr/>
-        </p:nvPicPr>
-        <p:blipFill>
-          <a:blip r:embed="rId4">
-            <a:extLst>
-              <a:ext uri="{28A0092B-C50C-407E-A947-70E740481C1C}">
-                <a14:useLocalDpi xmlns:a14="http://schemas.microsoft.com/office/drawing/2010/main" val="0"/>
-              </a:ext>
-            </a:extLst>
-          </a:blip>
-          <a:stretch>
-            <a:fillRect/>
-          </a:stretch>
-        </p:blipFill>
-        <p:spPr>
-          <a:xfrm>
-            <a:off x="528820" y="3050478"/>
-            <a:ext cx="3827548" cy="1366711"/>
-          </a:xfrm>
-          <a:prstGeom prst="rect">
-            <a:avLst/>
-          </a:prstGeom>
-        </p:spPr>
-      </p:pic>
-      <p:pic>
-        <p:nvPicPr>
-          <p:cNvPr id="11" name="Picture 10" descr="A graph of a waveform&#10;&#10;Description automatically generated">
-            <a:extLst>
-              <a:ext uri="{FF2B5EF4-FFF2-40B4-BE49-F238E27FC236}">
-                <a16:creationId xmlns:a16="http://schemas.microsoft.com/office/drawing/2014/main" id="{B6157AF6-ADD1-8DA6-AE68-A733E6853872}"/>
-              </a:ext>
-            </a:extLst>
-          </p:cNvPr>
-          <p:cNvPicPr>
-            <a:picLocks noChangeAspect="1"/>
-          </p:cNvPicPr>
-          <p:nvPr/>
-        </p:nvPicPr>
-        <p:blipFill>
-          <a:blip r:embed="rId5">
-            <a:extLst>
-              <a:ext uri="{28A0092B-C50C-407E-A947-70E740481C1C}">
-                <a14:useLocalDpi xmlns:a14="http://schemas.microsoft.com/office/drawing/2010/main" val="0"/>
-              </a:ext>
-            </a:extLst>
-          </a:blip>
-          <a:stretch>
-            <a:fillRect/>
-          </a:stretch>
-        </p:blipFill>
-        <p:spPr>
-          <a:xfrm>
-            <a:off x="493009" y="4519069"/>
-            <a:ext cx="3889155" cy="1388709"/>
-          </a:xfrm>
-          <a:prstGeom prst="rect">
-            <a:avLst/>
-          </a:prstGeom>
-        </p:spPr>
-      </p:pic>
-      <p:pic>
-        <p:nvPicPr>
-          <p:cNvPr id="13" name="Picture 12" descr="A graph of a graph showing a number of lines&#10;&#10;Description automatically generated with medium confidence">
-            <a:extLst>
-              <a:ext uri="{FF2B5EF4-FFF2-40B4-BE49-F238E27FC236}">
-                <a16:creationId xmlns:a16="http://schemas.microsoft.com/office/drawing/2014/main" id="{B37EE1D9-8AB5-F373-869F-804E94E0B850}"/>
-              </a:ext>
-            </a:extLst>
-          </p:cNvPr>
-          <p:cNvPicPr>
-            <a:picLocks noChangeAspect="1"/>
-          </p:cNvPicPr>
-          <p:nvPr/>
-        </p:nvPicPr>
-        <p:blipFill>
-          <a:blip r:embed="rId6">
-            <a:extLst>
-              <a:ext uri="{28A0092B-C50C-407E-A947-70E740481C1C}">
-                <a14:useLocalDpi xmlns:a14="http://schemas.microsoft.com/office/drawing/2010/main" val="0"/>
-              </a:ext>
-            </a:extLst>
-          </a:blip>
-          <a:stretch>
-            <a:fillRect/>
-          </a:stretch>
-        </p:blipFill>
-        <p:spPr>
-          <a:xfrm>
-            <a:off x="564629" y="5989764"/>
-            <a:ext cx="3827548" cy="1366711"/>
-          </a:xfrm>
-          <a:prstGeom prst="rect">
-            <a:avLst/>
-          </a:prstGeom>
-        </p:spPr>
-      </p:pic>
-      <p:pic>
-        <p:nvPicPr>
-          <p:cNvPr id="37" name="Picture 36" descr="A graph of a wave&#10;&#10;Description automatically generated">
-            <a:extLst>
-              <a:ext uri="{FF2B5EF4-FFF2-40B4-BE49-F238E27FC236}">
-                <a16:creationId xmlns:a16="http://schemas.microsoft.com/office/drawing/2014/main" id="{79CA0905-11F8-E7F0-EA1A-AABCA4333823}"/>
-              </a:ext>
-            </a:extLst>
-          </p:cNvPr>
-          <p:cNvPicPr>
-            <a:picLocks noChangeAspect="1"/>
-          </p:cNvPicPr>
-          <p:nvPr/>
-        </p:nvPicPr>
-        <p:blipFill>
-          <a:blip r:embed="rId7">
-            <a:extLst>
-              <a:ext uri="{28A0092B-C50C-407E-A947-70E740481C1C}">
-                <a14:useLocalDpi xmlns:a14="http://schemas.microsoft.com/office/drawing/2010/main" val="0"/>
-              </a:ext>
-            </a:extLst>
-          </a:blip>
-          <a:stretch>
-            <a:fillRect/>
-          </a:stretch>
-        </p:blipFill>
-        <p:spPr>
-          <a:xfrm>
-            <a:off x="6655859" y="5617877"/>
-            <a:ext cx="3850200" cy="1374799"/>
-          </a:xfrm>
-          <a:prstGeom prst="rect">
-            <a:avLst/>
-          </a:prstGeom>
-        </p:spPr>
-      </p:pic>
-      <p:pic>
-        <p:nvPicPr>
-          <p:cNvPr id="38" name="Picture 37" descr="A graph of a graph showing a number of numbers&#10;&#10;Description automatically generated with medium confidence">
-            <a:extLst>
-              <a:ext uri="{FF2B5EF4-FFF2-40B4-BE49-F238E27FC236}">
-                <a16:creationId xmlns:a16="http://schemas.microsoft.com/office/drawing/2014/main" id="{419C0126-73D8-4A5D-DFE1-39EE80BD9BD4}"/>
-              </a:ext>
-            </a:extLst>
-          </p:cNvPr>
-          <p:cNvPicPr>
-            <a:picLocks noChangeAspect="1"/>
-          </p:cNvPicPr>
-          <p:nvPr/>
-        </p:nvPicPr>
-        <p:blipFill>
-          <a:blip r:embed="rId8">
-            <a:extLst>
-              <a:ext uri="{28A0092B-C50C-407E-A947-70E740481C1C}">
-                <a14:useLocalDpi xmlns:a14="http://schemas.microsoft.com/office/drawing/2010/main" val="0"/>
-              </a:ext>
-            </a:extLst>
-          </a:blip>
-          <a:stretch>
-            <a:fillRect/>
-          </a:stretch>
-        </p:blipFill>
-        <p:spPr>
-          <a:xfrm>
-            <a:off x="6762986" y="242858"/>
-            <a:ext cx="3850200" cy="1374799"/>
-          </a:xfrm>
-          <a:prstGeom prst="rect">
-            <a:avLst/>
-          </a:prstGeom>
-        </p:spPr>
-      </p:pic>
-      <p:pic>
-        <p:nvPicPr>
-          <p:cNvPr id="39" name="Picture 38" descr="A graph of a graph showing a number of different types of data&#10;&#10;Description automatically generated with medium confidence">
-            <a:extLst>
-              <a:ext uri="{FF2B5EF4-FFF2-40B4-BE49-F238E27FC236}">
-                <a16:creationId xmlns:a16="http://schemas.microsoft.com/office/drawing/2014/main" id="{AAE4E40E-3FF0-D82D-4B00-32F53CC8AA81}"/>
-              </a:ext>
-            </a:extLst>
-          </p:cNvPr>
-          <p:cNvPicPr>
-            <a:picLocks noChangeAspect="1"/>
-          </p:cNvPicPr>
-          <p:nvPr/>
-        </p:nvPicPr>
-        <p:blipFill>
-          <a:blip r:embed="rId9">
-            <a:extLst>
-              <a:ext uri="{28A0092B-C50C-407E-A947-70E740481C1C}">
-                <a14:useLocalDpi xmlns:a14="http://schemas.microsoft.com/office/drawing/2010/main" val="0"/>
-              </a:ext>
-            </a:extLst>
-          </a:blip>
-          <a:stretch>
-            <a:fillRect/>
-          </a:stretch>
-        </p:blipFill>
-        <p:spPr>
-          <a:xfrm>
-            <a:off x="6620050" y="1624952"/>
-            <a:ext cx="3850200" cy="1374799"/>
-          </a:xfrm>
-          <a:prstGeom prst="rect">
-            <a:avLst/>
-          </a:prstGeom>
-        </p:spPr>
-      </p:pic>
-      <p:pic>
-        <p:nvPicPr>
-          <p:cNvPr id="40" name="Picture 39" descr="A graph of a graph showing a number of waves&#10;&#10;Description automatically generated with medium confidence">
-            <a:extLst>
-              <a:ext uri="{FF2B5EF4-FFF2-40B4-BE49-F238E27FC236}">
-                <a16:creationId xmlns:a16="http://schemas.microsoft.com/office/drawing/2014/main" id="{2BAAA85F-0315-01BD-9F2C-CFA895196CC6}"/>
-              </a:ext>
-            </a:extLst>
-          </p:cNvPr>
-          <p:cNvPicPr>
-            <a:picLocks noChangeAspect="1"/>
-          </p:cNvPicPr>
-          <p:nvPr/>
-        </p:nvPicPr>
-        <p:blipFill>
-          <a:blip r:embed="rId10">
-            <a:extLst>
-              <a:ext uri="{28A0092B-C50C-407E-A947-70E740481C1C}">
-                <a14:useLocalDpi xmlns:a14="http://schemas.microsoft.com/office/drawing/2010/main" val="0"/>
-              </a:ext>
-            </a:extLst>
-          </a:blip>
-          <a:stretch>
-            <a:fillRect/>
-          </a:stretch>
-        </p:blipFill>
-        <p:spPr>
-          <a:xfrm>
-            <a:off x="6620050" y="2999751"/>
-            <a:ext cx="3850200" cy="1374799"/>
-          </a:xfrm>
-          <a:prstGeom prst="rect">
-            <a:avLst/>
-          </a:prstGeom>
-        </p:spPr>
-      </p:pic>
-      <p:pic>
-        <p:nvPicPr>
-          <p:cNvPr id="41" name="Picture 40" descr="A graph of a graph showing a number of different types of data&#10;&#10;Description automatically generated with medium confidence">
-            <a:extLst>
-              <a:ext uri="{FF2B5EF4-FFF2-40B4-BE49-F238E27FC236}">
-                <a16:creationId xmlns:a16="http://schemas.microsoft.com/office/drawing/2014/main" id="{3732A502-8F56-7C1E-52DC-D291B996C5BE}"/>
-              </a:ext>
-            </a:extLst>
-          </p:cNvPr>
-          <p:cNvPicPr>
-            <a:picLocks noChangeAspect="1"/>
-          </p:cNvPicPr>
-          <p:nvPr/>
-        </p:nvPicPr>
-        <p:blipFill>
-          <a:blip r:embed="rId11">
-            <a:extLst>
-              <a:ext uri="{28A0092B-C50C-407E-A947-70E740481C1C}">
-                <a14:useLocalDpi xmlns:a14="http://schemas.microsoft.com/office/drawing/2010/main" val="0"/>
-              </a:ext>
-            </a:extLst>
-          </a:blip>
-          <a:stretch>
-            <a:fillRect/>
-          </a:stretch>
-        </p:blipFill>
-        <p:spPr>
-          <a:xfrm>
-            <a:off x="6620050" y="4308814"/>
-            <a:ext cx="3850200" cy="1374799"/>
-          </a:xfrm>
-          <a:prstGeom prst="rect">
-            <a:avLst/>
-          </a:prstGeom>
-        </p:spPr>
-      </p:pic>
-    </p:spTree>
-    <p:extLst>
-      <p:ext uri="{BB962C8B-B14F-4D97-AF65-F5344CB8AC3E}">
-        <p14:creationId xmlns:p14="http://schemas.microsoft.com/office/powerpoint/2010/main" val="105852869"/>
       </p:ext>
     </p:extLst>
   </p:cSld>

--- a/reports/dEEGtal interview presentation - Jeroen Buil.pptx
+++ b/reports/dEEGtal interview presentation - Jeroen Buil.pptx
@@ -7,17 +7,31 @@
   <p:sldIdLst>
     <p:sldId id="256" r:id="rId2"/>
     <p:sldId id="265" r:id="rId3"/>
-    <p:sldId id="257" r:id="rId4"/>
-    <p:sldId id="261" r:id="rId5"/>
-    <p:sldId id="268" r:id="rId6"/>
-    <p:sldId id="263" r:id="rId7"/>
-    <p:sldId id="264" r:id="rId8"/>
-    <p:sldId id="262" r:id="rId9"/>
-    <p:sldId id="258" r:id="rId10"/>
-    <p:sldId id="259" r:id="rId11"/>
-    <p:sldId id="260" r:id="rId12"/>
-    <p:sldId id="266" r:id="rId13"/>
-    <p:sldId id="267" r:id="rId14"/>
+    <p:sldId id="275" r:id="rId4"/>
+    <p:sldId id="271" r:id="rId5"/>
+    <p:sldId id="272" r:id="rId6"/>
+    <p:sldId id="277" r:id="rId7"/>
+    <p:sldId id="268" r:id="rId8"/>
+    <p:sldId id="288" r:id="rId9"/>
+    <p:sldId id="286" r:id="rId10"/>
+    <p:sldId id="262" r:id="rId11"/>
+    <p:sldId id="287" r:id="rId12"/>
+    <p:sldId id="264" r:id="rId13"/>
+    <p:sldId id="274" r:id="rId14"/>
+    <p:sldId id="263" r:id="rId15"/>
+    <p:sldId id="276" r:id="rId16"/>
+    <p:sldId id="279" r:id="rId17"/>
+    <p:sldId id="280" r:id="rId18"/>
+    <p:sldId id="278" r:id="rId19"/>
+    <p:sldId id="266" r:id="rId20"/>
+    <p:sldId id="282" r:id="rId21"/>
+    <p:sldId id="281" r:id="rId22"/>
+    <p:sldId id="270" r:id="rId23"/>
+    <p:sldId id="269" r:id="rId24"/>
+    <p:sldId id="283" r:id="rId25"/>
+    <p:sldId id="284" r:id="rId26"/>
+    <p:sldId id="267" r:id="rId27"/>
+    <p:sldId id="285" r:id="rId28"/>
   </p:sldIdLst>
   <p:sldSz cx="12192000" cy="6858000"/>
   <p:notesSz cx="6858000" cy="9144000"/>
@@ -273,7 +287,7 @@
           <a:p>
             <a:fld id="{9C02005A-E747-4717-87FA-A0566728574C}" type="datetimeFigureOut">
               <a:rPr lang="en-GB" smtClean="0"/>
-              <a:t>23/10/2024</a:t>
+              <a:t>25/10/2024</a:t>
             </a:fld>
             <a:endParaRPr lang="en-GB"/>
           </a:p>
@@ -473,7 +487,7 @@
           <a:p>
             <a:fld id="{9C02005A-E747-4717-87FA-A0566728574C}" type="datetimeFigureOut">
               <a:rPr lang="en-GB" smtClean="0"/>
-              <a:t>23/10/2024</a:t>
+              <a:t>25/10/2024</a:t>
             </a:fld>
             <a:endParaRPr lang="en-GB"/>
           </a:p>
@@ -683,7 +697,7 @@
           <a:p>
             <a:fld id="{9C02005A-E747-4717-87FA-A0566728574C}" type="datetimeFigureOut">
               <a:rPr lang="en-GB" smtClean="0"/>
-              <a:t>23/10/2024</a:t>
+              <a:t>25/10/2024</a:t>
             </a:fld>
             <a:endParaRPr lang="en-GB"/>
           </a:p>
@@ -883,7 +897,7 @@
           <a:p>
             <a:fld id="{9C02005A-E747-4717-87FA-A0566728574C}" type="datetimeFigureOut">
               <a:rPr lang="en-GB" smtClean="0"/>
-              <a:t>23/10/2024</a:t>
+              <a:t>25/10/2024</a:t>
             </a:fld>
             <a:endParaRPr lang="en-GB"/>
           </a:p>
@@ -1159,7 +1173,7 @@
           <a:p>
             <a:fld id="{9C02005A-E747-4717-87FA-A0566728574C}" type="datetimeFigureOut">
               <a:rPr lang="en-GB" smtClean="0"/>
-              <a:t>23/10/2024</a:t>
+              <a:t>25/10/2024</a:t>
             </a:fld>
             <a:endParaRPr lang="en-GB"/>
           </a:p>
@@ -1427,7 +1441,7 @@
           <a:p>
             <a:fld id="{9C02005A-E747-4717-87FA-A0566728574C}" type="datetimeFigureOut">
               <a:rPr lang="en-GB" smtClean="0"/>
-              <a:t>23/10/2024</a:t>
+              <a:t>25/10/2024</a:t>
             </a:fld>
             <a:endParaRPr lang="en-GB"/>
           </a:p>
@@ -1842,7 +1856,7 @@
           <a:p>
             <a:fld id="{9C02005A-E747-4717-87FA-A0566728574C}" type="datetimeFigureOut">
               <a:rPr lang="en-GB" smtClean="0"/>
-              <a:t>23/10/2024</a:t>
+              <a:t>25/10/2024</a:t>
             </a:fld>
             <a:endParaRPr lang="en-GB"/>
           </a:p>
@@ -1984,7 +1998,7 @@
           <a:p>
             <a:fld id="{9C02005A-E747-4717-87FA-A0566728574C}" type="datetimeFigureOut">
               <a:rPr lang="en-GB" smtClean="0"/>
-              <a:t>23/10/2024</a:t>
+              <a:t>25/10/2024</a:t>
             </a:fld>
             <a:endParaRPr lang="en-GB"/>
           </a:p>
@@ -2097,7 +2111,7 @@
           <a:p>
             <a:fld id="{9C02005A-E747-4717-87FA-A0566728574C}" type="datetimeFigureOut">
               <a:rPr lang="en-GB" smtClean="0"/>
-              <a:t>23/10/2024</a:t>
+              <a:t>25/10/2024</a:t>
             </a:fld>
             <a:endParaRPr lang="en-GB"/>
           </a:p>
@@ -2410,7 +2424,7 @@
           <a:p>
             <a:fld id="{9C02005A-E747-4717-87FA-A0566728574C}" type="datetimeFigureOut">
               <a:rPr lang="en-GB" smtClean="0"/>
-              <a:t>23/10/2024</a:t>
+              <a:t>25/10/2024</a:t>
             </a:fld>
             <a:endParaRPr lang="en-GB"/>
           </a:p>
@@ -2699,7 +2713,7 @@
           <a:p>
             <a:fld id="{9C02005A-E747-4717-87FA-A0566728574C}" type="datetimeFigureOut">
               <a:rPr lang="en-GB" smtClean="0"/>
-              <a:t>23/10/2024</a:t>
+              <a:t>25/10/2024</a:t>
             </a:fld>
             <a:endParaRPr lang="en-GB"/>
           </a:p>
@@ -2942,7 +2956,7 @@
           <a:p>
             <a:fld id="{9C02005A-E747-4717-87FA-A0566728574C}" type="datetimeFigureOut">
               <a:rPr lang="en-GB" smtClean="0"/>
-              <a:t>23/10/2024</a:t>
+              <a:t>25/10/2024</a:t>
             </a:fld>
             <a:endParaRPr lang="en-GB"/>
           </a:p>
@@ -3444,7 +3458,7 @@
           <p:cNvPr id="2" name="Title 1">
             <a:extLst>
               <a:ext uri="{FF2B5EF4-FFF2-40B4-BE49-F238E27FC236}">
-                <a16:creationId xmlns:a16="http://schemas.microsoft.com/office/drawing/2014/main" id="{FD5C7A68-805B-BC74-03A7-5654AFA67854}"/>
+                <a16:creationId xmlns:a16="http://schemas.microsoft.com/office/drawing/2014/main" id="{A71391C0-3AE9-7DD8-2529-34DCB9C5C7F5}"/>
               </a:ext>
             </a:extLst>
           </p:cNvPr>
@@ -3455,383 +3469,489 @@
             <p:ph type="title"/>
           </p:nvPr>
         </p:nvSpPr>
+        <p:spPr/>
+        <p:txBody>
+          <a:bodyPr/>
+          <a:lstStyle/>
+          <a:p>
+            <a:r>
+              <a:rPr lang="en-US" dirty="0"/>
+              <a:t>Artifacts in EEG Signals and Preprocessing</a:t>
+            </a:r>
+            <a:endParaRPr lang="en-GB" dirty="0"/>
+          </a:p>
+        </p:txBody>
+      </p:sp>
+      <p:sp>
+        <p:nvSpPr>
+          <p:cNvPr id="4" name="Text Placeholder 3">
+            <a:extLst>
+              <a:ext uri="{FF2B5EF4-FFF2-40B4-BE49-F238E27FC236}">
+                <a16:creationId xmlns:a16="http://schemas.microsoft.com/office/drawing/2014/main" id="{5611C7C8-596E-06F1-2F40-76E9C999A101}"/>
+              </a:ext>
+            </a:extLst>
+          </p:cNvPr>
+          <p:cNvSpPr>
+            <a:spLocks noGrp="1"/>
+          </p:cNvSpPr>
+          <p:nvPr>
+            <p:ph type="body" idx="1"/>
+          </p:nvPr>
+        </p:nvSpPr>
+        <p:spPr/>
+        <p:txBody>
+          <a:bodyPr/>
+          <a:lstStyle/>
+          <a:p>
+            <a:r>
+              <a:rPr lang="en-US" sz="2400" dirty="0"/>
+              <a:t>Non-biological/Environment </a:t>
+            </a:r>
+          </a:p>
+        </p:txBody>
+      </p:sp>
+      <p:sp>
+        <p:nvSpPr>
+          <p:cNvPr id="11" name="Content Placeholder 10">
+            <a:extLst>
+              <a:ext uri="{FF2B5EF4-FFF2-40B4-BE49-F238E27FC236}">
+                <a16:creationId xmlns:a16="http://schemas.microsoft.com/office/drawing/2014/main" id="{2D70BE5B-AA9C-130A-88B7-DC7F6DC14CC1}"/>
+              </a:ext>
+            </a:extLst>
+          </p:cNvPr>
+          <p:cNvSpPr>
+            <a:spLocks noGrp="1"/>
+          </p:cNvSpPr>
+          <p:nvPr>
+            <p:ph sz="half" idx="2"/>
+          </p:nvPr>
+        </p:nvSpPr>
+        <p:spPr/>
+        <p:txBody>
+          <a:bodyPr>
+            <a:normAutofit/>
+          </a:bodyPr>
+          <a:lstStyle/>
+          <a:p>
+            <a:r>
+              <a:rPr lang="en-GB" sz="2000" dirty="0"/>
+              <a:t>Powerline noise, traffic</a:t>
+            </a:r>
+          </a:p>
+          <a:p>
+            <a:r>
+              <a:rPr lang="en-GB" sz="2000" dirty="0"/>
+              <a:t>=&gt; bandpass + </a:t>
+            </a:r>
+            <a:r>
+              <a:rPr lang="en-GB" sz="2000" dirty="0" err="1"/>
+              <a:t>bandstop</a:t>
+            </a:r>
+            <a:r>
+              <a:rPr lang="en-GB" sz="2000" dirty="0"/>
+              <a:t> filtering</a:t>
+            </a:r>
+          </a:p>
+        </p:txBody>
+      </p:sp>
+      <p:sp>
+        <p:nvSpPr>
+          <p:cNvPr id="8" name="Text Placeholder 7">
+            <a:extLst>
+              <a:ext uri="{FF2B5EF4-FFF2-40B4-BE49-F238E27FC236}">
+                <a16:creationId xmlns:a16="http://schemas.microsoft.com/office/drawing/2014/main" id="{0673BDFD-07DE-8B16-B4A7-7AAA0837DB17}"/>
+              </a:ext>
+            </a:extLst>
+          </p:cNvPr>
+          <p:cNvSpPr>
+            <a:spLocks noGrp="1"/>
+          </p:cNvSpPr>
+          <p:nvPr>
+            <p:ph type="body" sz="quarter" idx="3"/>
+          </p:nvPr>
+        </p:nvSpPr>
+        <p:spPr/>
+        <p:txBody>
+          <a:bodyPr/>
+          <a:lstStyle/>
+          <a:p>
+            <a:r>
+              <a:rPr lang="en-US" sz="2400" dirty="0"/>
+              <a:t>Biological</a:t>
+            </a:r>
+          </a:p>
+        </p:txBody>
+      </p:sp>
+      <p:sp>
+        <p:nvSpPr>
+          <p:cNvPr id="9" name="Content Placeholder 8">
+            <a:extLst>
+              <a:ext uri="{FF2B5EF4-FFF2-40B4-BE49-F238E27FC236}">
+                <a16:creationId xmlns:a16="http://schemas.microsoft.com/office/drawing/2014/main" id="{16E7BAFF-433E-C05B-427E-67004BD0FA06}"/>
+              </a:ext>
+            </a:extLst>
+          </p:cNvPr>
+          <p:cNvSpPr>
+            <a:spLocks noGrp="1"/>
+          </p:cNvSpPr>
+          <p:nvPr>
+            <p:ph sz="quarter" idx="4"/>
+          </p:nvPr>
+        </p:nvSpPr>
         <p:spPr>
           <a:xfrm>
-            <a:off x="838200" y="550433"/>
-            <a:ext cx="9045563" cy="1140255"/>
+            <a:off x="6194427" y="2505075"/>
+            <a:ext cx="5183188" cy="3684588"/>
           </a:xfrm>
         </p:spPr>
         <p:txBody>
-          <a:bodyPr/>
+          <a:bodyPr>
+            <a:normAutofit/>
+          </a:bodyPr>
           <a:lstStyle/>
           <a:p>
-            <a:endParaRPr lang="en-GB" dirty="0"/>
-          </a:p>
-        </p:txBody>
-      </p:sp>
-      <p:pic>
-        <p:nvPicPr>
-          <p:cNvPr id="5" name="Content Placeholder 4" descr="A graph of a graph showing a curve&#10;&#10;Description automatically generated">
-            <a:extLst>
-              <a:ext uri="{FF2B5EF4-FFF2-40B4-BE49-F238E27FC236}">
-                <a16:creationId xmlns:a16="http://schemas.microsoft.com/office/drawing/2014/main" id="{7D031BD2-5DD6-4F1F-F581-E0E3D5008A85}"/>
-              </a:ext>
-            </a:extLst>
-          </p:cNvPr>
-          <p:cNvPicPr>
-            <a:picLocks noGrp="1" noChangeAspect="1"/>
-          </p:cNvPicPr>
-          <p:nvPr>
-            <p:ph idx="1"/>
-          </p:nvPr>
-        </p:nvPicPr>
-        <p:blipFill>
-          <a:blip r:embed="rId2">
-            <a:extLst>
-              <a:ext uri="{28A0092B-C50C-407E-A947-70E740481C1C}">
-                <a14:useLocalDpi xmlns:a14="http://schemas.microsoft.com/office/drawing/2010/main" val="0"/>
-              </a:ext>
-            </a:extLst>
-          </a:blip>
-          <a:stretch>
-            <a:fillRect/>
-          </a:stretch>
-        </p:blipFill>
+            <a:r>
+              <a:rPr lang="en-US" sz="2000" dirty="0"/>
+              <a:t>eye blinking, movement, respiration, and heartbeat</a:t>
+            </a:r>
+          </a:p>
+          <a:p>
+            <a:r>
+              <a:rPr lang="en-US" sz="2000" dirty="0"/>
+              <a:t>Often same </a:t>
+            </a:r>
+            <a:r>
+              <a:rPr lang="en-US" sz="2000" dirty="0" err="1"/>
+              <a:t>freq</a:t>
+            </a:r>
+            <a:r>
+              <a:rPr lang="en-US" sz="2000" dirty="0"/>
+              <a:t> range =&gt; grounding, linear regression methods</a:t>
+            </a:r>
+          </a:p>
+          <a:p>
+            <a:endParaRPr lang="en-GB" sz="2000" dirty="0"/>
+          </a:p>
+        </p:txBody>
+      </p:sp>
+      <p:grpSp>
+        <p:nvGrpSpPr>
+          <p:cNvPr id="7" name="Group 6">
+            <a:extLst>
+              <a:ext uri="{FF2B5EF4-FFF2-40B4-BE49-F238E27FC236}">
+                <a16:creationId xmlns:a16="http://schemas.microsoft.com/office/drawing/2014/main" id="{6472A41B-CBB0-94B6-4D9B-B1AB93ECC5DF}"/>
+              </a:ext>
+            </a:extLst>
+          </p:cNvPr>
+          <p:cNvGrpSpPr/>
+          <p:nvPr/>
+        </p:nvGrpSpPr>
+        <p:grpSpPr>
+          <a:xfrm>
+            <a:off x="589429" y="3566576"/>
+            <a:ext cx="4012716" cy="2700720"/>
+            <a:chOff x="6919376" y="36543"/>
+            <a:chExt cx="4407226" cy="2966241"/>
+          </a:xfrm>
+        </p:grpSpPr>
+        <p:pic>
+          <p:nvPicPr>
+            <p:cNvPr id="5" name="Picture 4" descr="A graph with blue lines and green lines&#10;&#10;Description automatically generated">
+              <a:extLst>
+                <a:ext uri="{FF2B5EF4-FFF2-40B4-BE49-F238E27FC236}">
+                  <a16:creationId xmlns:a16="http://schemas.microsoft.com/office/drawing/2014/main" id="{130C3B8E-B6D8-4766-279F-8411E281E98B}"/>
+                </a:ext>
+              </a:extLst>
+            </p:cNvPr>
+            <p:cNvPicPr>
+              <a:picLocks noChangeAspect="1"/>
+            </p:cNvPicPr>
+            <p:nvPr/>
+          </p:nvPicPr>
+          <p:blipFill>
+            <a:blip r:embed="rId2">
+              <a:extLst>
+                <a:ext uri="{28A0092B-C50C-407E-A947-70E740481C1C}">
+                  <a14:useLocalDpi xmlns:a14="http://schemas.microsoft.com/office/drawing/2010/main" val="0"/>
+                </a:ext>
+              </a:extLst>
+            </a:blip>
+            <a:stretch>
+              <a:fillRect/>
+            </a:stretch>
+          </p:blipFill>
+          <p:spPr>
+            <a:xfrm>
+              <a:off x="6919376" y="36543"/>
+              <a:ext cx="4407226" cy="2737042"/>
+            </a:xfrm>
+            <a:prstGeom prst="rect">
+              <a:avLst/>
+            </a:prstGeom>
+          </p:spPr>
+        </p:pic>
+        <p:sp>
+          <p:nvSpPr>
+            <p:cNvPr id="6" name="TextBox 5">
+              <a:extLst>
+                <a:ext uri="{FF2B5EF4-FFF2-40B4-BE49-F238E27FC236}">
+                  <a16:creationId xmlns:a16="http://schemas.microsoft.com/office/drawing/2014/main" id="{31700BA6-CF89-565A-2F0A-B9887456B48C}"/>
+                </a:ext>
+              </a:extLst>
+            </p:cNvPr>
+            <p:cNvSpPr txBox="1"/>
+            <p:nvPr/>
+          </p:nvSpPr>
+          <p:spPr>
+            <a:xfrm>
+              <a:off x="7671816" y="2741174"/>
+              <a:ext cx="3324949" cy="261610"/>
+            </a:xfrm>
+            <a:prstGeom prst="rect">
+              <a:avLst/>
+            </a:prstGeom>
+            <a:noFill/>
+          </p:spPr>
+          <p:txBody>
+            <a:bodyPr wrap="none" rtlCol="0">
+              <a:spAutoFit/>
+            </a:bodyPr>
+            <a:lstStyle/>
+            <a:p>
+              <a:r>
+                <a:rPr lang="en-GB" sz="1100" dirty="0"/>
+                <a:t>https://otc-cta.gc.ca/eng/railway_noise_measurement</a:t>
+              </a:r>
+            </a:p>
+          </p:txBody>
+        </p:sp>
+      </p:grpSp>
+      <p:grpSp>
+        <p:nvGrpSpPr>
+          <p:cNvPr id="14" name="Group 13">
+            <a:extLst>
+              <a:ext uri="{FF2B5EF4-FFF2-40B4-BE49-F238E27FC236}">
+                <a16:creationId xmlns:a16="http://schemas.microsoft.com/office/drawing/2014/main" id="{616F617A-EE6A-043C-FC5A-CAFB0826E3D8}"/>
+              </a:ext>
+            </a:extLst>
+          </p:cNvPr>
+          <p:cNvGrpSpPr/>
+          <p:nvPr/>
+        </p:nvGrpSpPr>
+        <p:grpSpPr>
+          <a:xfrm>
+            <a:off x="5114484" y="4179139"/>
+            <a:ext cx="3233443" cy="2225321"/>
+            <a:chOff x="-690250" y="3707822"/>
+            <a:chExt cx="3233443" cy="2225321"/>
+          </a:xfrm>
+        </p:grpSpPr>
+        <p:pic>
+          <p:nvPicPr>
+            <p:cNvPr id="12" name="Picture 11" descr="A graph of ecg and ecg&#10;&#10;Description automatically generated">
+              <a:extLst>
+                <a:ext uri="{FF2B5EF4-FFF2-40B4-BE49-F238E27FC236}">
+                  <a16:creationId xmlns:a16="http://schemas.microsoft.com/office/drawing/2014/main" id="{21746E25-AB8E-3823-7C60-68C626D957A4}"/>
+                </a:ext>
+              </a:extLst>
+            </p:cNvPr>
+            <p:cNvPicPr>
+              <a:picLocks noChangeAspect="1"/>
+            </p:cNvPicPr>
+            <p:nvPr/>
+          </p:nvPicPr>
+          <p:blipFill rotWithShape="1">
+            <a:blip r:embed="rId3">
+              <a:extLst>
+                <a:ext uri="{28A0092B-C50C-407E-A947-70E740481C1C}">
+                  <a14:useLocalDpi xmlns:a14="http://schemas.microsoft.com/office/drawing/2010/main" val="0"/>
+                </a:ext>
+              </a:extLst>
+            </a:blip>
+            <a:srcRect l="1958" t="2617" r="36591" b="34853"/>
+            <a:stretch/>
+          </p:blipFill>
+          <p:spPr>
+            <a:xfrm>
+              <a:off x="-690250" y="3707822"/>
+              <a:ext cx="3147270" cy="1559983"/>
+            </a:xfrm>
+            <a:prstGeom prst="rect">
+              <a:avLst/>
+            </a:prstGeom>
+          </p:spPr>
+        </p:pic>
+        <p:sp>
+          <p:nvSpPr>
+            <p:cNvPr id="13" name="TextBox 12">
+              <a:extLst>
+                <a:ext uri="{FF2B5EF4-FFF2-40B4-BE49-F238E27FC236}">
+                  <a16:creationId xmlns:a16="http://schemas.microsoft.com/office/drawing/2014/main" id="{F60C1B52-A4B6-B018-0CFB-5C2E41F5995C}"/>
+                </a:ext>
+              </a:extLst>
+            </p:cNvPr>
+            <p:cNvSpPr txBox="1"/>
+            <p:nvPr/>
+          </p:nvSpPr>
+          <p:spPr>
+            <a:xfrm>
+              <a:off x="-266555" y="5302201"/>
+              <a:ext cx="2809748" cy="630942"/>
+            </a:xfrm>
+            <a:prstGeom prst="rect">
+              <a:avLst/>
+            </a:prstGeom>
+            <a:noFill/>
+          </p:spPr>
+          <p:txBody>
+            <a:bodyPr wrap="square" rtlCol="0">
+              <a:spAutoFit/>
+            </a:bodyPr>
+            <a:lstStyle/>
+            <a:p>
+              <a:r>
+                <a:rPr lang="en-US" sz="700" dirty="0"/>
+                <a:t>A Survey on Artifacts Detection Techniques for Electro-Encephalography (EEG) Signals - Scientific Figure on ResearchGate. Available from: https://www.researchgate.net/figure/a-EEG-Signals-with-Artifacts-Caused-by-b-ECG-Signals-and-C-EMG-Signals-25_fig3_281887837 [accessed 23 Oct 2024]</a:t>
+              </a:r>
+              <a:endParaRPr lang="en-GB" sz="700" dirty="0"/>
+            </a:p>
+          </p:txBody>
+        </p:sp>
+      </p:grpSp>
+      <p:sp>
+        <p:nvSpPr>
+          <p:cNvPr id="15" name="TextBox 14">
+            <a:extLst>
+              <a:ext uri="{FF2B5EF4-FFF2-40B4-BE49-F238E27FC236}">
+                <a16:creationId xmlns:a16="http://schemas.microsoft.com/office/drawing/2014/main" id="{EE1F7B1D-E7BA-23E7-287A-D891069234AF}"/>
+              </a:ext>
+            </a:extLst>
+          </p:cNvPr>
+          <p:cNvSpPr txBox="1"/>
+          <p:nvPr/>
+        </p:nvSpPr>
         <p:spPr>
           <a:xfrm>
-            <a:off x="528819" y="97372"/>
-            <a:ext cx="3748891" cy="1338625"/>
-          </a:xfrm>
-        </p:spPr>
-      </p:pic>
-      <p:pic>
-        <p:nvPicPr>
-          <p:cNvPr id="7" name="Picture 6" descr="A graph of a number of lines&#10;&#10;Description automatically generated with medium confidence">
-            <a:extLst>
-              <a:ext uri="{FF2B5EF4-FFF2-40B4-BE49-F238E27FC236}">
-                <a16:creationId xmlns:a16="http://schemas.microsoft.com/office/drawing/2014/main" id="{A6E9E56F-323A-FF67-A0B4-7C9296E9E05D}"/>
-              </a:ext>
-            </a:extLst>
-          </p:cNvPr>
-          <p:cNvPicPr>
-            <a:picLocks noChangeAspect="1"/>
-          </p:cNvPicPr>
-          <p:nvPr/>
-        </p:nvPicPr>
-        <p:blipFill>
-          <a:blip r:embed="rId3">
-            <a:extLst>
-              <a:ext uri="{28A0092B-C50C-407E-A947-70E740481C1C}">
-                <a14:useLocalDpi xmlns:a14="http://schemas.microsoft.com/office/drawing/2010/main" val="0"/>
-              </a:ext>
-            </a:extLst>
-          </a:blip>
-          <a:stretch>
-            <a:fillRect/>
-          </a:stretch>
-        </p:blipFill>
-        <p:spPr>
-          <a:xfrm>
-            <a:off x="528820" y="1576207"/>
-            <a:ext cx="3827548" cy="1366711"/>
+            <a:off x="192743" y="6619258"/>
+            <a:ext cx="2907946" cy="338554"/>
           </a:xfrm>
           <a:prstGeom prst="rect">
             <a:avLst/>
           </a:prstGeom>
+          <a:noFill/>
         </p:spPr>
-      </p:pic>
-      <p:pic>
-        <p:nvPicPr>
-          <p:cNvPr id="9" name="Picture 8" descr="A graph of a graph showing a number of waves&#10;&#10;Description automatically generated with medium confidence">
-            <a:extLst>
-              <a:ext uri="{FF2B5EF4-FFF2-40B4-BE49-F238E27FC236}">
-                <a16:creationId xmlns:a16="http://schemas.microsoft.com/office/drawing/2014/main" id="{4B0C54DE-EA89-4898-3ACC-8A4B57878F70}"/>
-              </a:ext>
-            </a:extLst>
-          </p:cNvPr>
-          <p:cNvPicPr>
-            <a:picLocks noChangeAspect="1"/>
-          </p:cNvPicPr>
+        <p:txBody>
+          <a:bodyPr wrap="square" rtlCol="0">
+            <a:spAutoFit/>
+          </a:bodyPr>
+          <a:lstStyle/>
+          <a:p>
+            <a:r>
+              <a:rPr lang="en-US" sz="800" dirty="0"/>
+              <a:t>https://pmc.ncbi.nlm.nih.gov/articles/PMC861531/</a:t>
+            </a:r>
+          </a:p>
+          <a:p>
+            <a:endParaRPr lang="en-GB" sz="800" dirty="0"/>
+          </a:p>
+        </p:txBody>
+      </p:sp>
+      <p:grpSp>
+        <p:nvGrpSpPr>
+          <p:cNvPr id="17" name="Group 16">
+            <a:extLst>
+              <a:ext uri="{FF2B5EF4-FFF2-40B4-BE49-F238E27FC236}">
+                <a16:creationId xmlns:a16="http://schemas.microsoft.com/office/drawing/2014/main" id="{62B30A00-C60D-CCB4-5792-E6B671ABC139}"/>
+              </a:ext>
+            </a:extLst>
+          </p:cNvPr>
+          <p:cNvGrpSpPr/>
           <p:nvPr/>
-        </p:nvPicPr>
-        <p:blipFill>
-          <a:blip r:embed="rId4">
-            <a:extLst>
-              <a:ext uri="{28A0092B-C50C-407E-A947-70E740481C1C}">
-                <a14:useLocalDpi xmlns:a14="http://schemas.microsoft.com/office/drawing/2010/main" val="0"/>
-              </a:ext>
-            </a:extLst>
-          </a:blip>
-          <a:stretch>
-            <a:fillRect/>
-          </a:stretch>
-        </p:blipFill>
-        <p:spPr>
+        </p:nvGrpSpPr>
+        <p:grpSpPr>
           <a:xfrm>
-            <a:off x="528820" y="3050478"/>
-            <a:ext cx="3827548" cy="1366711"/>
+            <a:off x="8495396" y="4005073"/>
+            <a:ext cx="3222459" cy="2487803"/>
+            <a:chOff x="6478293" y="3942405"/>
+            <a:chExt cx="3962401" cy="2936898"/>
           </a:xfrm>
-          <a:prstGeom prst="rect">
-            <a:avLst/>
-          </a:prstGeom>
-        </p:spPr>
-      </p:pic>
-      <p:pic>
-        <p:nvPicPr>
-          <p:cNvPr id="11" name="Picture 10" descr="A graph of a waveform&#10;&#10;Description automatically generated">
-            <a:extLst>
-              <a:ext uri="{FF2B5EF4-FFF2-40B4-BE49-F238E27FC236}">
-                <a16:creationId xmlns:a16="http://schemas.microsoft.com/office/drawing/2014/main" id="{B6157AF6-ADD1-8DA6-AE68-A733E6853872}"/>
-              </a:ext>
-            </a:extLst>
-          </p:cNvPr>
-          <p:cNvPicPr>
-            <a:picLocks noChangeAspect="1"/>
-          </p:cNvPicPr>
-          <p:nvPr/>
-        </p:nvPicPr>
-        <p:blipFill>
-          <a:blip r:embed="rId5">
-            <a:extLst>
-              <a:ext uri="{28A0092B-C50C-407E-A947-70E740481C1C}">
-                <a14:useLocalDpi xmlns:a14="http://schemas.microsoft.com/office/drawing/2010/main" val="0"/>
-              </a:ext>
-            </a:extLst>
-          </a:blip>
-          <a:stretch>
-            <a:fillRect/>
-          </a:stretch>
-        </p:blipFill>
-        <p:spPr>
-          <a:xfrm>
-            <a:off x="493009" y="4519069"/>
-            <a:ext cx="3889155" cy="1388709"/>
-          </a:xfrm>
-          <a:prstGeom prst="rect">
-            <a:avLst/>
-          </a:prstGeom>
-        </p:spPr>
-      </p:pic>
-      <p:pic>
-        <p:nvPicPr>
-          <p:cNvPr id="13" name="Picture 12" descr="A graph of a graph showing a number of lines&#10;&#10;Description automatically generated with medium confidence">
-            <a:extLst>
-              <a:ext uri="{FF2B5EF4-FFF2-40B4-BE49-F238E27FC236}">
-                <a16:creationId xmlns:a16="http://schemas.microsoft.com/office/drawing/2014/main" id="{B37EE1D9-8AB5-F373-869F-804E94E0B850}"/>
-              </a:ext>
-            </a:extLst>
-          </p:cNvPr>
-          <p:cNvPicPr>
-            <a:picLocks noChangeAspect="1"/>
-          </p:cNvPicPr>
-          <p:nvPr/>
-        </p:nvPicPr>
-        <p:blipFill>
-          <a:blip r:embed="rId6">
-            <a:extLst>
-              <a:ext uri="{28A0092B-C50C-407E-A947-70E740481C1C}">
-                <a14:useLocalDpi xmlns:a14="http://schemas.microsoft.com/office/drawing/2010/main" val="0"/>
-              </a:ext>
-            </a:extLst>
-          </a:blip>
-          <a:stretch>
-            <a:fillRect/>
-          </a:stretch>
-        </p:blipFill>
-        <p:spPr>
-          <a:xfrm>
-            <a:off x="564629" y="5989764"/>
-            <a:ext cx="3827548" cy="1366711"/>
-          </a:xfrm>
-          <a:prstGeom prst="rect">
-            <a:avLst/>
-          </a:prstGeom>
-        </p:spPr>
-      </p:pic>
-      <p:pic>
-        <p:nvPicPr>
-          <p:cNvPr id="37" name="Picture 36" descr="A graph of a wave&#10;&#10;Description automatically generated">
-            <a:extLst>
-              <a:ext uri="{FF2B5EF4-FFF2-40B4-BE49-F238E27FC236}">
-                <a16:creationId xmlns:a16="http://schemas.microsoft.com/office/drawing/2014/main" id="{79CA0905-11F8-E7F0-EA1A-AABCA4333823}"/>
-              </a:ext>
-            </a:extLst>
-          </p:cNvPr>
-          <p:cNvPicPr>
-            <a:picLocks noChangeAspect="1"/>
-          </p:cNvPicPr>
-          <p:nvPr/>
-        </p:nvPicPr>
-        <p:blipFill>
-          <a:blip r:embed="rId7">
-            <a:extLst>
-              <a:ext uri="{28A0092B-C50C-407E-A947-70E740481C1C}">
-                <a14:useLocalDpi xmlns:a14="http://schemas.microsoft.com/office/drawing/2010/main" val="0"/>
-              </a:ext>
-            </a:extLst>
-          </a:blip>
-          <a:stretch>
-            <a:fillRect/>
-          </a:stretch>
-        </p:blipFill>
-        <p:spPr>
-          <a:xfrm>
-            <a:off x="6655859" y="5617877"/>
-            <a:ext cx="3850200" cy="1374799"/>
-          </a:xfrm>
-          <a:prstGeom prst="rect">
-            <a:avLst/>
-          </a:prstGeom>
-        </p:spPr>
-      </p:pic>
-      <p:pic>
-        <p:nvPicPr>
-          <p:cNvPr id="38" name="Picture 37" descr="A graph of a graph showing a number of numbers&#10;&#10;Description automatically generated with medium confidence">
-            <a:extLst>
-              <a:ext uri="{FF2B5EF4-FFF2-40B4-BE49-F238E27FC236}">
-                <a16:creationId xmlns:a16="http://schemas.microsoft.com/office/drawing/2014/main" id="{419C0126-73D8-4A5D-DFE1-39EE80BD9BD4}"/>
-              </a:ext>
-            </a:extLst>
-          </p:cNvPr>
-          <p:cNvPicPr>
-            <a:picLocks noChangeAspect="1"/>
-          </p:cNvPicPr>
-          <p:nvPr/>
-        </p:nvPicPr>
-        <p:blipFill>
-          <a:blip r:embed="rId8">
-            <a:extLst>
-              <a:ext uri="{28A0092B-C50C-407E-A947-70E740481C1C}">
-                <a14:useLocalDpi xmlns:a14="http://schemas.microsoft.com/office/drawing/2010/main" val="0"/>
-              </a:ext>
-            </a:extLst>
-          </a:blip>
-          <a:stretch>
-            <a:fillRect/>
-          </a:stretch>
-        </p:blipFill>
-        <p:spPr>
-          <a:xfrm>
-            <a:off x="6762986" y="242858"/>
-            <a:ext cx="3850200" cy="1374799"/>
-          </a:xfrm>
-          <a:prstGeom prst="rect">
-            <a:avLst/>
-          </a:prstGeom>
-        </p:spPr>
-      </p:pic>
-      <p:pic>
-        <p:nvPicPr>
-          <p:cNvPr id="39" name="Picture 38" descr="A graph of a graph showing a number of different types of data&#10;&#10;Description automatically generated with medium confidence">
-            <a:extLst>
-              <a:ext uri="{FF2B5EF4-FFF2-40B4-BE49-F238E27FC236}">
-                <a16:creationId xmlns:a16="http://schemas.microsoft.com/office/drawing/2014/main" id="{AAE4E40E-3FF0-D82D-4B00-32F53CC8AA81}"/>
-              </a:ext>
-            </a:extLst>
-          </p:cNvPr>
-          <p:cNvPicPr>
-            <a:picLocks noChangeAspect="1"/>
-          </p:cNvPicPr>
-          <p:nvPr/>
-        </p:nvPicPr>
-        <p:blipFill>
-          <a:blip r:embed="rId9">
-            <a:extLst>
-              <a:ext uri="{28A0092B-C50C-407E-A947-70E740481C1C}">
-                <a14:useLocalDpi xmlns:a14="http://schemas.microsoft.com/office/drawing/2010/main" val="0"/>
-              </a:ext>
-            </a:extLst>
-          </a:blip>
-          <a:stretch>
-            <a:fillRect/>
-          </a:stretch>
-        </p:blipFill>
-        <p:spPr>
-          <a:xfrm>
-            <a:off x="6620050" y="1624952"/>
-            <a:ext cx="3850200" cy="1374799"/>
-          </a:xfrm>
-          <a:prstGeom prst="rect">
-            <a:avLst/>
-          </a:prstGeom>
-        </p:spPr>
-      </p:pic>
-      <p:pic>
-        <p:nvPicPr>
-          <p:cNvPr id="40" name="Picture 39" descr="A graph of a graph showing a number of waves&#10;&#10;Description automatically generated with medium confidence">
-            <a:extLst>
-              <a:ext uri="{FF2B5EF4-FFF2-40B4-BE49-F238E27FC236}">
-                <a16:creationId xmlns:a16="http://schemas.microsoft.com/office/drawing/2014/main" id="{2BAAA85F-0315-01BD-9F2C-CFA895196CC6}"/>
-              </a:ext>
-            </a:extLst>
-          </p:cNvPr>
-          <p:cNvPicPr>
-            <a:picLocks noChangeAspect="1"/>
-          </p:cNvPicPr>
-          <p:nvPr/>
-        </p:nvPicPr>
-        <p:blipFill>
-          <a:blip r:embed="rId10">
-            <a:extLst>
-              <a:ext uri="{28A0092B-C50C-407E-A947-70E740481C1C}">
-                <a14:useLocalDpi xmlns:a14="http://schemas.microsoft.com/office/drawing/2010/main" val="0"/>
-              </a:ext>
-            </a:extLst>
-          </a:blip>
-          <a:stretch>
-            <a:fillRect/>
-          </a:stretch>
-        </p:blipFill>
-        <p:spPr>
-          <a:xfrm>
-            <a:off x="6620050" y="2999751"/>
-            <a:ext cx="3850200" cy="1374799"/>
-          </a:xfrm>
-          <a:prstGeom prst="rect">
-            <a:avLst/>
-          </a:prstGeom>
-        </p:spPr>
-      </p:pic>
-      <p:pic>
-        <p:nvPicPr>
-          <p:cNvPr id="41" name="Picture 40" descr="A graph of a graph showing a number of different types of data&#10;&#10;Description automatically generated with medium confidence">
-            <a:extLst>
-              <a:ext uri="{FF2B5EF4-FFF2-40B4-BE49-F238E27FC236}">
-                <a16:creationId xmlns:a16="http://schemas.microsoft.com/office/drawing/2014/main" id="{3732A502-8F56-7C1E-52DC-D291B996C5BE}"/>
-              </a:ext>
-            </a:extLst>
-          </p:cNvPr>
-          <p:cNvPicPr>
-            <a:picLocks noChangeAspect="1"/>
-          </p:cNvPicPr>
-          <p:nvPr/>
-        </p:nvPicPr>
-        <p:blipFill>
-          <a:blip r:embed="rId11">
-            <a:extLst>
-              <a:ext uri="{28A0092B-C50C-407E-A947-70E740481C1C}">
-                <a14:useLocalDpi xmlns:a14="http://schemas.microsoft.com/office/drawing/2010/main" val="0"/>
-              </a:ext>
-            </a:extLst>
-          </a:blip>
-          <a:stretch>
-            <a:fillRect/>
-          </a:stretch>
-        </p:blipFill>
-        <p:spPr>
-          <a:xfrm>
-            <a:off x="6620050" y="4308814"/>
-            <a:ext cx="3850200" cy="1374799"/>
-          </a:xfrm>
-          <a:prstGeom prst="rect">
-            <a:avLst/>
-          </a:prstGeom>
-        </p:spPr>
-      </p:pic>
+        </p:grpSpPr>
+        <p:pic>
+          <p:nvPicPr>
+            <p:cNvPr id="10" name="Picture 9" descr="A diagram of a brain activity&#10;&#10;Description automatically generated">
+              <a:extLst>
+                <a:ext uri="{FF2B5EF4-FFF2-40B4-BE49-F238E27FC236}">
+                  <a16:creationId xmlns:a16="http://schemas.microsoft.com/office/drawing/2014/main" id="{D8D80D5F-4355-EAC2-0C79-74B1CAF9FFF2}"/>
+                </a:ext>
+              </a:extLst>
+            </p:cNvPr>
+            <p:cNvPicPr>
+              <a:picLocks noChangeAspect="1"/>
+            </p:cNvPicPr>
+            <p:nvPr/>
+          </p:nvPicPr>
+          <p:blipFill rotWithShape="1">
+            <a:blip r:embed="rId4">
+              <a:extLst>
+                <a:ext uri="{28A0092B-C50C-407E-A947-70E740481C1C}">
+                  <a14:useLocalDpi xmlns:a14="http://schemas.microsoft.com/office/drawing/2010/main" val="0"/>
+                </a:ext>
+              </a:extLst>
+            </a:blip>
+            <a:srcRect l="9360" t="8208" r="4034" b="6221"/>
+            <a:stretch/>
+          </p:blipFill>
+          <p:spPr>
+            <a:xfrm>
+              <a:off x="6478293" y="3942405"/>
+              <a:ext cx="3786088" cy="2578949"/>
+            </a:xfrm>
+            <a:prstGeom prst="rect">
+              <a:avLst/>
+            </a:prstGeom>
+          </p:spPr>
+        </p:pic>
+        <p:sp>
+          <p:nvSpPr>
+            <p:cNvPr id="16" name="TextBox 15">
+              <a:extLst>
+                <a:ext uri="{FF2B5EF4-FFF2-40B4-BE49-F238E27FC236}">
+                  <a16:creationId xmlns:a16="http://schemas.microsoft.com/office/drawing/2014/main" id="{73D34BE1-767B-21D0-F48F-8C11653663E5}"/>
+                </a:ext>
+              </a:extLst>
+            </p:cNvPr>
+            <p:cNvSpPr txBox="1"/>
+            <p:nvPr/>
+          </p:nvSpPr>
+          <p:spPr>
+            <a:xfrm>
+              <a:off x="6478294" y="6463805"/>
+              <a:ext cx="3962400" cy="415498"/>
+            </a:xfrm>
+            <a:prstGeom prst="rect">
+              <a:avLst/>
+            </a:prstGeom>
+            <a:noFill/>
+          </p:spPr>
+          <p:txBody>
+            <a:bodyPr wrap="square" rtlCol="0">
+              <a:spAutoFit/>
+            </a:bodyPr>
+            <a:lstStyle/>
+            <a:p>
+              <a:r>
+                <a:rPr lang="en-US" sz="700" dirty="0"/>
+                <a:t>Eye Blink Artifact Detection With Novel Optimized Multi-Dimensional Electroencephalogram Features - Scientific Figure on ResearchGate. Available from: https://www.researchgate.net/figure/Frontal-epileptiform-discharges-and-eye-blink-from-CHZU-database_fig1_353475354 [accessed 23 Oct 2024]</a:t>
+              </a:r>
+              <a:endParaRPr lang="en-GB" sz="700" dirty="0"/>
+            </a:p>
+          </p:txBody>
+        </p:sp>
+      </p:grpSp>
     </p:spTree>
     <p:extLst>
       <p:ext uri="{BB962C8B-B14F-4D97-AF65-F5344CB8AC3E}">
-        <p14:creationId xmlns:p14="http://schemas.microsoft.com/office/powerpoint/2010/main" val="105852869"/>
+        <p14:creationId xmlns:p14="http://schemas.microsoft.com/office/powerpoint/2010/main" val="1307683328"/>
       </p:ext>
     </p:extLst>
   </p:cSld>
@@ -3863,7 +3983,7 @@
           <p:cNvPr id="2" name="Title 1">
             <a:extLst>
               <a:ext uri="{FF2B5EF4-FFF2-40B4-BE49-F238E27FC236}">
-                <a16:creationId xmlns:a16="http://schemas.microsoft.com/office/drawing/2014/main" id="{F89BE69D-A4D5-039B-59C0-A15D534E0076}"/>
+                <a16:creationId xmlns:a16="http://schemas.microsoft.com/office/drawing/2014/main" id="{4C591B32-0E4D-DC76-5437-BF80A3182C12}"/>
               </a:ext>
             </a:extLst>
           </p:cNvPr>
@@ -3881,26 +4001,97 @@
           <a:p>
             <a:r>
               <a:rPr lang="en-GB" dirty="0"/>
-              <a:t>Crop start + end of recording (5min-20min) </a:t>
-            </a:r>
-          </a:p>
-        </p:txBody>
-      </p:sp>
-      <p:pic>
-        <p:nvPicPr>
-          <p:cNvPr id="5" name="Content Placeholder 4" descr="A screen shot of a graph&#10;&#10;Description automatically generated">
-            <a:extLst>
-              <a:ext uri="{FF2B5EF4-FFF2-40B4-BE49-F238E27FC236}">
-                <a16:creationId xmlns:a16="http://schemas.microsoft.com/office/drawing/2014/main" id="{2C23DFE7-F4C6-05E7-E383-2DD2038EB040}"/>
-              </a:ext>
-            </a:extLst>
-          </p:cNvPr>
-          <p:cNvPicPr>
-            <a:picLocks noGrp="1" noChangeAspect="1"/>
-          </p:cNvPicPr>
+              <a:t>Filtering</a:t>
+            </a:r>
+          </a:p>
+        </p:txBody>
+      </p:sp>
+      <p:sp>
+        <p:nvSpPr>
+          <p:cNvPr id="3" name="Content Placeholder 2">
+            <a:extLst>
+              <a:ext uri="{FF2B5EF4-FFF2-40B4-BE49-F238E27FC236}">
+                <a16:creationId xmlns:a16="http://schemas.microsoft.com/office/drawing/2014/main" id="{E792D97A-7426-C0B7-70C9-E91B25BBC093}"/>
+              </a:ext>
+            </a:extLst>
+          </p:cNvPr>
+          <p:cNvSpPr>
+            <a:spLocks noGrp="1"/>
+          </p:cNvSpPr>
           <p:nvPr>
             <p:ph idx="1"/>
           </p:nvPr>
+        </p:nvSpPr>
+        <p:spPr/>
+        <p:txBody>
+          <a:bodyPr/>
+          <a:lstStyle/>
+          <a:p>
+            <a:pPr marL="0" indent="0">
+              <a:buNone/>
+            </a:pPr>
+            <a:r>
+              <a:rPr lang="en-GB" dirty="0"/>
+              <a:t>Done:</a:t>
+            </a:r>
+          </a:p>
+          <a:p>
+            <a:r>
+              <a:rPr lang="en-GB" dirty="0"/>
+              <a:t>Bandpass: 0,5-100 Hz</a:t>
+            </a:r>
+          </a:p>
+          <a:p>
+            <a:r>
+              <a:rPr lang="en-GB" dirty="0"/>
+              <a:t>Notch: 60 Hz</a:t>
+            </a:r>
+          </a:p>
+          <a:p>
+            <a:r>
+              <a:rPr lang="en-GB" dirty="0"/>
+              <a:t>Crop start + end of recording</a:t>
+            </a:r>
+          </a:p>
+          <a:p>
+            <a:endParaRPr lang="en-GB" dirty="0"/>
+          </a:p>
+          <a:p>
+            <a:pPr marL="0" indent="0">
+              <a:buNone/>
+            </a:pPr>
+            <a:r>
+              <a:rPr lang="en-GB" dirty="0"/>
+              <a:t>Note done (but should be!)</a:t>
+            </a:r>
+          </a:p>
+          <a:p>
+            <a:r>
+              <a:rPr lang="en-GB" dirty="0"/>
+              <a:t>Remove EOG artefacts</a:t>
+            </a:r>
+          </a:p>
+          <a:p>
+            <a:r>
+              <a:rPr lang="en-GB" dirty="0"/>
+              <a:t>Remove ECG artefacts</a:t>
+            </a:r>
+          </a:p>
+        </p:txBody>
+      </p:sp>
+      <p:pic>
+        <p:nvPicPr>
+          <p:cNvPr id="11" name="Picture 10" descr="A screenshot of a computer&#10;&#10;Description automatically generated">
+            <a:extLst>
+              <a:ext uri="{FF2B5EF4-FFF2-40B4-BE49-F238E27FC236}">
+                <a16:creationId xmlns:a16="http://schemas.microsoft.com/office/drawing/2014/main" id="{38A915D1-858D-AAB8-BAA2-158FBDE65C32}"/>
+              </a:ext>
+            </a:extLst>
+          </p:cNvPr>
+          <p:cNvPicPr>
+            <a:picLocks noChangeAspect="1"/>
+          </p:cNvPicPr>
+          <p:nvPr/>
         </p:nvPicPr>
         <p:blipFill>
           <a:blip r:embed="rId2">
@@ -3916,113 +4107,8 @@
         </p:blipFill>
         <p:spPr>
           <a:xfrm>
-            <a:off x="2891751" y="3553767"/>
-            <a:ext cx="3336963" cy="3227087"/>
-          </a:xfrm>
-        </p:spPr>
-      </p:pic>
-      <p:pic>
-        <p:nvPicPr>
-          <p:cNvPr id="7" name="Picture 6" descr="A screen shot of a graph&#10;&#10;Description automatically generated">
-            <a:extLst>
-              <a:ext uri="{FF2B5EF4-FFF2-40B4-BE49-F238E27FC236}">
-                <a16:creationId xmlns:a16="http://schemas.microsoft.com/office/drawing/2014/main" id="{44AB0A13-D092-A193-322D-E15F6D5FA586}"/>
-              </a:ext>
-            </a:extLst>
-          </p:cNvPr>
-          <p:cNvPicPr>
-            <a:picLocks noChangeAspect="1"/>
-          </p:cNvPicPr>
-          <p:nvPr/>
-        </p:nvPicPr>
-        <p:blipFill>
-          <a:blip r:embed="rId3">
-            <a:extLst>
-              <a:ext uri="{28A0092B-C50C-407E-A947-70E740481C1C}">
-                <a14:useLocalDpi xmlns:a14="http://schemas.microsoft.com/office/drawing/2010/main" val="0"/>
-              </a:ext>
-            </a:extLst>
-          </a:blip>
-          <a:stretch>
-            <a:fillRect/>
-          </a:stretch>
-        </p:blipFill>
-        <p:spPr>
-          <a:xfrm>
-            <a:off x="228530" y="2023419"/>
-            <a:ext cx="3336962" cy="3227086"/>
-          </a:xfrm>
-          <a:prstGeom prst="rect">
-            <a:avLst/>
-          </a:prstGeom>
-        </p:spPr>
-      </p:pic>
-      <p:pic>
-        <p:nvPicPr>
-          <p:cNvPr id="9" name="Picture 8" descr="A screen shot of a graph&#10;&#10;Description automatically generated">
-            <a:extLst>
-              <a:ext uri="{FF2B5EF4-FFF2-40B4-BE49-F238E27FC236}">
-                <a16:creationId xmlns:a16="http://schemas.microsoft.com/office/drawing/2014/main" id="{AD1D0F15-2A20-A847-9B08-8F43C84A5403}"/>
-              </a:ext>
-            </a:extLst>
-          </p:cNvPr>
-          <p:cNvPicPr>
-            <a:picLocks noChangeAspect="1"/>
-          </p:cNvPicPr>
-          <p:nvPr/>
-        </p:nvPicPr>
-        <p:blipFill>
-          <a:blip r:embed="rId4">
-            <a:extLst>
-              <a:ext uri="{28A0092B-C50C-407E-A947-70E740481C1C}">
-                <a14:useLocalDpi xmlns:a14="http://schemas.microsoft.com/office/drawing/2010/main" val="0"/>
-              </a:ext>
-            </a:extLst>
-          </a:blip>
-          <a:stretch>
-            <a:fillRect/>
-          </a:stretch>
-        </p:blipFill>
-        <p:spPr>
-          <a:xfrm>
-            <a:off x="5982284" y="1420110"/>
-            <a:ext cx="3724487" cy="3601851"/>
-          </a:xfrm>
-          <a:prstGeom prst="rect">
-            <a:avLst/>
-          </a:prstGeom>
-        </p:spPr>
-      </p:pic>
-      <p:pic>
-        <p:nvPicPr>
-          <p:cNvPr id="11" name="Picture 10" descr="A screenshot of a computer&#10;&#10;Description automatically generated">
-            <a:extLst>
-              <a:ext uri="{FF2B5EF4-FFF2-40B4-BE49-F238E27FC236}">
-                <a16:creationId xmlns:a16="http://schemas.microsoft.com/office/drawing/2014/main" id="{38A915D1-858D-AAB8-BAA2-158FBDE65C32}"/>
-              </a:ext>
-            </a:extLst>
-          </p:cNvPr>
-          <p:cNvPicPr>
-            <a:picLocks noChangeAspect="1"/>
-          </p:cNvPicPr>
-          <p:nvPr/>
-        </p:nvPicPr>
-        <p:blipFill>
-          <a:blip r:embed="rId5">
-            <a:extLst>
-              <a:ext uri="{28A0092B-C50C-407E-A947-70E740481C1C}">
-                <a14:useLocalDpi xmlns:a14="http://schemas.microsoft.com/office/drawing/2010/main" val="0"/>
-              </a:ext>
-            </a:extLst>
-          </a:blip>
-          <a:stretch>
-            <a:fillRect/>
-          </a:stretch>
-        </p:blipFill>
-        <p:spPr>
-          <a:xfrm>
-            <a:off x="7844528" y="3008129"/>
-            <a:ext cx="3980951" cy="3849871"/>
+            <a:off x="6895584" y="2324898"/>
+            <a:ext cx="2431296" cy="2351242"/>
           </a:xfrm>
           <a:prstGeom prst="rect">
             <a:avLst/>
@@ -4032,7 +4118,7 @@
     </p:spTree>
     <p:extLst>
       <p:ext uri="{BB962C8B-B14F-4D97-AF65-F5344CB8AC3E}">
-        <p14:creationId xmlns:p14="http://schemas.microsoft.com/office/powerpoint/2010/main" val="3394353986"/>
+        <p14:creationId xmlns:p14="http://schemas.microsoft.com/office/powerpoint/2010/main" val="1865859398"/>
       </p:ext>
     </p:extLst>
   </p:cSld>
@@ -4064,7 +4150,7 @@
           <p:cNvPr id="2" name="Title 1">
             <a:extLst>
               <a:ext uri="{FF2B5EF4-FFF2-40B4-BE49-F238E27FC236}">
-                <a16:creationId xmlns:a16="http://schemas.microsoft.com/office/drawing/2014/main" id="{D6AA6658-01EC-238A-F162-35AF88FC64A8}"/>
+                <a16:creationId xmlns:a16="http://schemas.microsoft.com/office/drawing/2014/main" id="{7F0F13F4-55D0-3648-2FB4-7EF646CA91ED}"/>
               </a:ext>
             </a:extLst>
           </p:cNvPr>
@@ -4082,7 +4168,7 @@
           <a:p>
             <a:r>
               <a:rPr lang="en-GB" dirty="0"/>
-              <a:t>Decoding</a:t>
+              <a:t>EDA conclusion</a:t>
             </a:r>
           </a:p>
         </p:txBody>
@@ -4092,7 +4178,7 @@
           <p:cNvPr id="3" name="Content Placeholder 2">
             <a:extLst>
               <a:ext uri="{FF2B5EF4-FFF2-40B4-BE49-F238E27FC236}">
-                <a16:creationId xmlns:a16="http://schemas.microsoft.com/office/drawing/2014/main" id="{560D0F02-B4AE-B1AA-315F-B3F2223E7B64}"/>
+                <a16:creationId xmlns:a16="http://schemas.microsoft.com/office/drawing/2014/main" id="{0B41CB12-B324-B8B7-A95B-BD67C46DCE37}"/>
               </a:ext>
             </a:extLst>
           </p:cNvPr>
@@ -4105,50 +4191,72 @@
         </p:nvSpPr>
         <p:spPr/>
         <p:txBody>
-          <a:bodyPr/>
+          <a:bodyPr>
+            <a:normAutofit/>
+          </a:bodyPr>
           <a:lstStyle/>
           <a:p>
             <a:r>
               <a:rPr lang="en-GB" dirty="0"/>
-              <a:t>Unsupervised</a:t>
+              <a:t>Crucial info is missing: Source information + Meta data</a:t>
             </a:r>
           </a:p>
           <a:p>
             <a:pPr lvl="1"/>
             <a:r>
               <a:rPr lang="en-GB" dirty="0"/>
-              <a:t>+ fast, no pre knowledge, unbiased</a:t>
+              <a:t>What is separating the groups? =&gt; can steer analysis + feature engineering</a:t>
             </a:r>
           </a:p>
           <a:p>
             <a:pPr lvl="1"/>
             <a:r>
               <a:rPr lang="en-GB" dirty="0"/>
-              <a:t>- less info to train</a:t>
-            </a:r>
-          </a:p>
-          <a:p>
+              <a:t>Where/how/by whom is recorded?</a:t>
+            </a:r>
+          </a:p>
+          <a:p>
+            <a:pPr marL="0" indent="0">
+              <a:buNone/>
+            </a:pPr>
+            <a:endParaRPr lang="en-GB" dirty="0"/>
+          </a:p>
+          <a:p>
+            <a:pPr marL="0" indent="0">
+              <a:buNone/>
+            </a:pPr>
             <a:r>
               <a:rPr lang="en-GB" dirty="0"/>
-              <a:t>Supervised</a:t>
-            </a:r>
-          </a:p>
-          <a:p>
-            <a:pPr lvl="1"/>
+              <a:t>Consequence:</a:t>
+            </a:r>
+          </a:p>
+          <a:p>
             <a:r>
               <a:rPr lang="en-GB" dirty="0"/>
-              <a:t>+</a:t>
+              <a:t>Unnecessary long puzzling</a:t>
+            </a:r>
+          </a:p>
+          <a:p>
+            <a:r>
+              <a:rPr lang="en-GB" dirty="0"/>
+              <a:t>Risk of false comparison/assumptions between groups</a:t>
             </a:r>
           </a:p>
           <a:p>
             <a:endParaRPr lang="en-GB" dirty="0"/>
+          </a:p>
+          <a:p>
+            <a:r>
+              <a:rPr lang="en-GB" u="sng" dirty="0"/>
+              <a:t>No Source + Metadata == No (usable) Data</a:t>
+            </a:r>
           </a:p>
         </p:txBody>
       </p:sp>
     </p:spTree>
     <p:extLst>
       <p:ext uri="{BB962C8B-B14F-4D97-AF65-F5344CB8AC3E}">
-        <p14:creationId xmlns:p14="http://schemas.microsoft.com/office/powerpoint/2010/main" val="3208508906"/>
+        <p14:creationId xmlns:p14="http://schemas.microsoft.com/office/powerpoint/2010/main" val="4221687467"/>
       </p:ext>
     </p:extLst>
   </p:cSld>
@@ -4180,7 +4288,7 @@
           <p:cNvPr id="2" name="Title 1">
             <a:extLst>
               <a:ext uri="{FF2B5EF4-FFF2-40B4-BE49-F238E27FC236}">
-                <a16:creationId xmlns:a16="http://schemas.microsoft.com/office/drawing/2014/main" id="{F2568E46-9149-EEA8-51CF-4BCC0E23C3A2}"/>
+                <a16:creationId xmlns:a16="http://schemas.microsoft.com/office/drawing/2014/main" id="{70EDACA0-0066-EAB4-109C-6387AC9DDD37}"/>
               </a:ext>
             </a:extLst>
           </p:cNvPr>
@@ -4196,16 +4304,19 @@
           <a:bodyPr/>
           <a:lstStyle/>
           <a:p>
-            <a:endParaRPr lang="en-GB" dirty="0"/>
-          </a:p>
-        </p:txBody>
-      </p:sp>
-      <p:sp>
-        <p:nvSpPr>
-          <p:cNvPr id="3" name="Content Placeholder 2">
-            <a:extLst>
-              <a:ext uri="{FF2B5EF4-FFF2-40B4-BE49-F238E27FC236}">
-                <a16:creationId xmlns:a16="http://schemas.microsoft.com/office/drawing/2014/main" id="{CD934F8F-78AA-563B-9701-F7530A227FA6}"/>
+            <a:r>
+              <a:rPr lang="en-GB" dirty="0"/>
+              <a:t>Feature Engineering</a:t>
+            </a:r>
+          </a:p>
+        </p:txBody>
+      </p:sp>
+      <p:sp>
+        <p:nvSpPr>
+          <p:cNvPr id="3" name="Text Placeholder 2">
+            <a:extLst>
+              <a:ext uri="{FF2B5EF4-FFF2-40B4-BE49-F238E27FC236}">
+                <a16:creationId xmlns:a16="http://schemas.microsoft.com/office/drawing/2014/main" id="{2F019681-513C-90BA-D479-BEB22008BAD8}"/>
               </a:ext>
             </a:extLst>
           </p:cNvPr>
@@ -4213,7 +4324,7 @@
             <a:spLocks noGrp="1"/>
           </p:cNvSpPr>
           <p:nvPr>
-            <p:ph idx="1"/>
+            <p:ph type="body" idx="1"/>
           </p:nvPr>
         </p:nvSpPr>
         <p:spPr/>
@@ -4221,51 +4332,14 @@
           <a:bodyPr/>
           <a:lstStyle/>
           <a:p>
-            <a:r>
-              <a:rPr lang="en-GB" dirty="0"/>
-              <a:t>Ideal case:</a:t>
-            </a:r>
-          </a:p>
-          <a:p>
-            <a:pPr lvl="1"/>
-            <a:r>
-              <a:rPr lang="en-GB" dirty="0"/>
-              <a:t>Events that subjects are in same mental state + same (lack of) ext. triggers</a:t>
-            </a:r>
-          </a:p>
-          <a:p>
-            <a:pPr lvl="1"/>
-            <a:endParaRPr lang="en-GB" dirty="0"/>
-          </a:p>
-          <a:p>
-            <a:r>
-              <a:rPr lang="en-GB" dirty="0"/>
-              <a:t>EEG waves: 0,5-100Hz =&gt; Nyquist </a:t>
-            </a:r>
-            <a:r>
-              <a:rPr lang="en-GB" dirty="0" err="1"/>
-              <a:t>freq</a:t>
-            </a:r>
-            <a:r>
-              <a:rPr lang="en-GB" dirty="0"/>
-              <a:t> =&gt; window of at least 4s</a:t>
-            </a:r>
-          </a:p>
-          <a:p>
-            <a:endParaRPr lang="en-GB" dirty="0"/>
-          </a:p>
-          <a:p>
-            <a:r>
-              <a:rPr lang="en-GB" dirty="0"/>
-              <a:t>Calc spectral density plot (spectrogram) =&gt; feature space</a:t>
-            </a:r>
+            <a:endParaRPr lang="en-GB"/>
           </a:p>
         </p:txBody>
       </p:sp>
     </p:spTree>
     <p:extLst>
       <p:ext uri="{BB962C8B-B14F-4D97-AF65-F5344CB8AC3E}">
-        <p14:creationId xmlns:p14="http://schemas.microsoft.com/office/powerpoint/2010/main" val="100171256"/>
+        <p14:creationId xmlns:p14="http://schemas.microsoft.com/office/powerpoint/2010/main" val="3796918527"/>
       </p:ext>
     </p:extLst>
   </p:cSld>
@@ -4275,7 +4349,7 @@
 </p:sld>
 </file>
 
-<file path=ppt/slides/slide2.xml><?xml version="1.0" encoding="utf-8"?>
+<file path=ppt/slides/slide14.xml><?xml version="1.0" encoding="utf-8"?>
 <p:sld xmlns:a="http://schemas.openxmlformats.org/drawingml/2006/main" xmlns:r="http://schemas.openxmlformats.org/officeDocument/2006/relationships" xmlns:p="http://schemas.openxmlformats.org/presentationml/2006/main">
   <p:cSld>
     <p:spTree>
@@ -4297,7 +4371,7 @@
           <p:cNvPr id="2" name="Title 1">
             <a:extLst>
               <a:ext uri="{FF2B5EF4-FFF2-40B4-BE49-F238E27FC236}">
-                <a16:creationId xmlns:a16="http://schemas.microsoft.com/office/drawing/2014/main" id="{42CAB9CF-68C6-C82C-4144-B60783FE8C1A}"/>
+                <a16:creationId xmlns:a16="http://schemas.microsoft.com/office/drawing/2014/main" id="{FBC2C443-6C50-E1B5-A808-DC7EC685123E}"/>
               </a:ext>
             </a:extLst>
           </p:cNvPr>
@@ -4314,8 +4388,12 @@
           <a:lstStyle/>
           <a:p>
             <a:r>
+              <a:rPr lang="en-GB" dirty="0" err="1"/>
+              <a:t>Intermittend</a:t>
+            </a:r>
+            <a:r>
               <a:rPr lang="en-GB" dirty="0"/>
-              <a:t>Assignment + Deliverables</a:t>
+              <a:t> Photic Stimulation</a:t>
             </a:r>
           </a:p>
         </p:txBody>
@@ -4325,7 +4403,7 @@
           <p:cNvPr id="3" name="Content Placeholder 2">
             <a:extLst>
               <a:ext uri="{FF2B5EF4-FFF2-40B4-BE49-F238E27FC236}">
-                <a16:creationId xmlns:a16="http://schemas.microsoft.com/office/drawing/2014/main" id="{E186AABB-F026-942D-2158-CED7DD4A6803}"/>
+                <a16:creationId xmlns:a16="http://schemas.microsoft.com/office/drawing/2014/main" id="{236A5669-9DFD-F709-26D6-1E2D63E8D8BA}"/>
               </a:ext>
             </a:extLst>
           </p:cNvPr>
@@ -4343,7 +4421,14 @@
           <a:p>
             <a:r>
               <a:rPr lang="en-GB" dirty="0"/>
-              <a:t>https://github.com/JeroenBuil/deegtal_coding_task</a:t>
+              <a:t>Pulse train found in some recordings</a:t>
+            </a:r>
+          </a:p>
+          <a:p>
+            <a:pPr lvl="1"/>
+            <a:r>
+              <a:rPr lang="en-GB" dirty="0"/>
+              <a:t>Unfortunately not all channels</a:t>
             </a:r>
           </a:p>
         </p:txBody>
@@ -4353,7 +4438,36 @@
           <p:cNvPr id="5" name="Picture 4">
             <a:extLst>
               <a:ext uri="{FF2B5EF4-FFF2-40B4-BE49-F238E27FC236}">
-                <a16:creationId xmlns:a16="http://schemas.microsoft.com/office/drawing/2014/main" id="{1257D97C-5159-407C-947F-00F85F186E5A}"/>
+                <a16:creationId xmlns:a16="http://schemas.microsoft.com/office/drawing/2014/main" id="{1DFD1997-0479-A4BA-A1DD-DB2731F94142}"/>
+              </a:ext>
+            </a:extLst>
+          </p:cNvPr>
+          <p:cNvPicPr>
+            <a:picLocks noChangeAspect="1"/>
+          </p:cNvPicPr>
+          <p:nvPr/>
+        </p:nvPicPr>
+        <p:blipFill rotWithShape="1">
+          <a:blip r:embed="rId2"/>
+          <a:srcRect b="6704"/>
+          <a:stretch/>
+        </p:blipFill>
+        <p:spPr>
+          <a:xfrm>
+            <a:off x="6965443" y="1825625"/>
+            <a:ext cx="4678171" cy="2883124"/>
+          </a:xfrm>
+          <a:prstGeom prst="rect">
+            <a:avLst/>
+          </a:prstGeom>
+        </p:spPr>
+      </p:pic>
+      <p:pic>
+        <p:nvPicPr>
+          <p:cNvPr id="7" name="Picture 6" descr="A warning sign with white text&#10;&#10;Description automatically generated">
+            <a:extLst>
+              <a:ext uri="{FF2B5EF4-FFF2-40B4-BE49-F238E27FC236}">
+                <a16:creationId xmlns:a16="http://schemas.microsoft.com/office/drawing/2014/main" id="{44E0F90E-1152-9A34-85A4-EBC6F11C6D0E}"/>
               </a:ext>
             </a:extLst>
           </p:cNvPr>
@@ -4363,15 +4477,21 @@
           <p:nvPr/>
         </p:nvPicPr>
         <p:blipFill>
-          <a:blip r:embed="rId2"/>
+          <a:blip r:embed="rId3">
+            <a:extLst>
+              <a:ext uri="{28A0092B-C50C-407E-A947-70E740481C1C}">
+                <a14:useLocalDpi xmlns:a14="http://schemas.microsoft.com/office/drawing/2010/main" val="0"/>
+              </a:ext>
+            </a:extLst>
+          </a:blip>
           <a:stretch>
             <a:fillRect/>
           </a:stretch>
         </p:blipFill>
         <p:spPr>
           <a:xfrm>
-            <a:off x="3121152" y="2515394"/>
-            <a:ext cx="8839200" cy="2971800"/>
+            <a:off x="2681228" y="4001294"/>
+            <a:ext cx="3414772" cy="1920809"/>
           </a:xfrm>
           <a:prstGeom prst="rect">
             <a:avLst/>
@@ -4381,7 +4501,7 @@
     </p:spTree>
     <p:extLst>
       <p:ext uri="{BB962C8B-B14F-4D97-AF65-F5344CB8AC3E}">
-        <p14:creationId xmlns:p14="http://schemas.microsoft.com/office/powerpoint/2010/main" val="2418940111"/>
+        <p14:creationId xmlns:p14="http://schemas.microsoft.com/office/powerpoint/2010/main" val="2863258680"/>
       </p:ext>
     </p:extLst>
   </p:cSld>
@@ -4391,7 +4511,7 @@
 </p:sld>
 </file>
 
-<file path=ppt/slides/slide3.xml><?xml version="1.0" encoding="utf-8"?>
+<file path=ppt/slides/slide15.xml><?xml version="1.0" encoding="utf-8"?>
 <p:sld xmlns:a="http://schemas.openxmlformats.org/drawingml/2006/main" xmlns:r="http://schemas.openxmlformats.org/officeDocument/2006/relationships" xmlns:p="http://schemas.openxmlformats.org/presentationml/2006/main">
   <p:cSld>
     <p:spTree>
@@ -4413,7 +4533,7 @@
           <p:cNvPr id="2" name="Title 1">
             <a:extLst>
               <a:ext uri="{FF2B5EF4-FFF2-40B4-BE49-F238E27FC236}">
-                <a16:creationId xmlns:a16="http://schemas.microsoft.com/office/drawing/2014/main" id="{B1C6A977-2520-C092-E0B8-6C1A617E6F15}"/>
+                <a16:creationId xmlns:a16="http://schemas.microsoft.com/office/drawing/2014/main" id="{EAA38D8C-11D9-C1F7-46AC-D8A6E87E34EE}"/>
               </a:ext>
             </a:extLst>
           </p:cNvPr>
@@ -4431,7 +4551,7 @@
           <a:p>
             <a:r>
               <a:rPr lang="en-GB" dirty="0"/>
-              <a:t>Data recorded equally?</a:t>
+              <a:t>No consistent stim found</a:t>
             </a:r>
           </a:p>
         </p:txBody>
@@ -4441,7 +4561,7 @@
           <p:cNvPr id="3" name="Content Placeholder 2">
             <a:extLst>
               <a:ext uri="{FF2B5EF4-FFF2-40B4-BE49-F238E27FC236}">
-                <a16:creationId xmlns:a16="http://schemas.microsoft.com/office/drawing/2014/main" id="{F489207B-4C8A-3888-E14F-DEF5CC60B1B7}"/>
+                <a16:creationId xmlns:a16="http://schemas.microsoft.com/office/drawing/2014/main" id="{016869AF-07FD-7942-B8F8-6E3810FB4BB4}"/>
               </a:ext>
             </a:extLst>
           </p:cNvPr>
@@ -4452,257 +4572,21 @@
             <p:ph idx="1"/>
           </p:nvPr>
         </p:nvSpPr>
-        <p:spPr>
-          <a:xfrm>
-            <a:off x="838200" y="1253331"/>
-            <a:ext cx="10515600" cy="4351338"/>
-          </a:xfrm>
-        </p:spPr>
+        <p:spPr/>
         <p:txBody>
           <a:bodyPr/>
           <a:lstStyle/>
           <a:p>
             <a:r>
               <a:rPr lang="en-GB" dirty="0"/>
-              <a:t>No! </a:t>
-            </a:r>
-          </a:p>
-          <a:p>
-            <a:pPr lvl="1"/>
+              <a:t>Don’t know what is done</a:t>
+            </a:r>
+          </a:p>
+          <a:p>
             <a:r>
               <a:rPr lang="en-GB" dirty="0"/>
-              <a:t>nr of channels differs between subjects</a:t>
-            </a:r>
-          </a:p>
-          <a:p>
-            <a:pPr lvl="1"/>
-            <a:r>
-              <a:rPr lang="en-GB" dirty="0"/>
-              <a:t>Stimuli is different</a:t>
-            </a:r>
-          </a:p>
-          <a:p>
-            <a:r>
-              <a:rPr lang="en-GB" dirty="0"/>
-              <a:t>Sampling </a:t>
-            </a:r>
-            <a:r>
-              <a:rPr lang="en-GB" dirty="0" err="1"/>
-              <a:t>freq</a:t>
-            </a:r>
-            <a:r>
-              <a:rPr lang="en-GB" dirty="0"/>
-              <a:t> + filtering = equal</a:t>
-            </a:r>
-          </a:p>
-        </p:txBody>
-      </p:sp>
-      <p:pic>
-        <p:nvPicPr>
-          <p:cNvPr id="7" name="Picture 6">
-            <a:extLst>
-              <a:ext uri="{FF2B5EF4-FFF2-40B4-BE49-F238E27FC236}">
-                <a16:creationId xmlns:a16="http://schemas.microsoft.com/office/drawing/2014/main" id="{8127D851-D147-5FB3-B5A0-815AD30F5D49}"/>
-              </a:ext>
-            </a:extLst>
-          </p:cNvPr>
-          <p:cNvPicPr>
-            <a:picLocks noChangeAspect="1"/>
-          </p:cNvPicPr>
-          <p:nvPr/>
-        </p:nvPicPr>
-        <p:blipFill>
-          <a:blip r:embed="rId2"/>
-          <a:stretch>
-            <a:fillRect/>
-          </a:stretch>
-        </p:blipFill>
-        <p:spPr>
-          <a:xfrm>
-            <a:off x="50482" y="3332957"/>
-            <a:ext cx="7038975" cy="3686175"/>
-          </a:xfrm>
-          <a:prstGeom prst="rect">
-            <a:avLst/>
-          </a:prstGeom>
-        </p:spPr>
-      </p:pic>
-      <p:pic>
-        <p:nvPicPr>
-          <p:cNvPr id="5" name="Picture 4">
-            <a:extLst>
-              <a:ext uri="{FF2B5EF4-FFF2-40B4-BE49-F238E27FC236}">
-                <a16:creationId xmlns:a16="http://schemas.microsoft.com/office/drawing/2014/main" id="{07FF71FB-B497-1B6B-03CF-F7B7FC678FB8}"/>
-              </a:ext>
-            </a:extLst>
-          </p:cNvPr>
-          <p:cNvPicPr>
-            <a:picLocks noChangeAspect="1"/>
-          </p:cNvPicPr>
-          <p:nvPr/>
-        </p:nvPicPr>
-        <p:blipFill>
-          <a:blip r:embed="rId3"/>
-          <a:stretch>
-            <a:fillRect/>
-          </a:stretch>
-        </p:blipFill>
-        <p:spPr>
-          <a:xfrm>
-            <a:off x="5513705" y="3377407"/>
-            <a:ext cx="6962775" cy="3752850"/>
-          </a:xfrm>
-          <a:prstGeom prst="rect">
-            <a:avLst/>
-          </a:prstGeom>
-        </p:spPr>
-      </p:pic>
-      <p:pic>
-        <p:nvPicPr>
-          <p:cNvPr id="10" name="Picture 9">
-            <a:extLst>
-              <a:ext uri="{FF2B5EF4-FFF2-40B4-BE49-F238E27FC236}">
-                <a16:creationId xmlns:a16="http://schemas.microsoft.com/office/drawing/2014/main" id="{1B23FFD4-175D-784F-9AF7-8E62ED6F99EA}"/>
-              </a:ext>
-            </a:extLst>
-          </p:cNvPr>
-          <p:cNvPicPr>
-            <a:picLocks noChangeAspect="1"/>
-          </p:cNvPicPr>
-          <p:nvPr/>
-        </p:nvPicPr>
-        <p:blipFill>
-          <a:blip r:embed="rId4"/>
-          <a:stretch>
-            <a:fillRect/>
-          </a:stretch>
-        </p:blipFill>
-        <p:spPr>
-          <a:xfrm>
-            <a:off x="7726680" y="-316706"/>
-            <a:ext cx="1771650" cy="5219700"/>
-          </a:xfrm>
-          <a:prstGeom prst="rect">
-            <a:avLst/>
-          </a:prstGeom>
-        </p:spPr>
-      </p:pic>
-      <p:pic>
-        <p:nvPicPr>
-          <p:cNvPr id="12" name="Picture 11">
-            <a:extLst>
-              <a:ext uri="{FF2B5EF4-FFF2-40B4-BE49-F238E27FC236}">
-                <a16:creationId xmlns:a16="http://schemas.microsoft.com/office/drawing/2014/main" id="{8E7A5427-7A73-0ED6-8380-BC93D3ABA503}"/>
-              </a:ext>
-            </a:extLst>
-          </p:cNvPr>
-          <p:cNvPicPr>
-            <a:picLocks noChangeAspect="1"/>
-          </p:cNvPicPr>
-          <p:nvPr/>
-        </p:nvPicPr>
-        <p:blipFill>
-          <a:blip r:embed="rId5"/>
-          <a:stretch>
-            <a:fillRect/>
-          </a:stretch>
-        </p:blipFill>
-        <p:spPr>
-          <a:xfrm>
-            <a:off x="9570402" y="-316706"/>
-            <a:ext cx="2085975" cy="6162675"/>
-          </a:xfrm>
-          <a:prstGeom prst="rect">
-            <a:avLst/>
-          </a:prstGeom>
-        </p:spPr>
-      </p:pic>
-    </p:spTree>
-    <p:extLst>
-      <p:ext uri="{BB962C8B-B14F-4D97-AF65-F5344CB8AC3E}">
-        <p14:creationId xmlns:p14="http://schemas.microsoft.com/office/powerpoint/2010/main" val="1983818628"/>
-      </p:ext>
-    </p:extLst>
-  </p:cSld>
-  <p:clrMapOvr>
-    <a:masterClrMapping/>
-  </p:clrMapOvr>
-</p:sld>
-</file>
-
-<file path=ppt/slides/slide4.xml><?xml version="1.0" encoding="utf-8"?>
-<p:sld xmlns:a="http://schemas.openxmlformats.org/drawingml/2006/main" xmlns:r="http://schemas.openxmlformats.org/officeDocument/2006/relationships" xmlns:p="http://schemas.openxmlformats.org/presentationml/2006/main">
-  <p:cSld>
-    <p:spTree>
-      <p:nvGrpSpPr>
-        <p:cNvPr id="1" name=""/>
-        <p:cNvGrpSpPr/>
-        <p:nvPr/>
-      </p:nvGrpSpPr>
-      <p:grpSpPr>
-        <a:xfrm>
-          <a:off x="0" y="0"/>
-          <a:ext cx="0" cy="0"/>
-          <a:chOff x="0" y="0"/>
-          <a:chExt cx="0" cy="0"/>
-        </a:xfrm>
-      </p:grpSpPr>
-      <p:sp>
-        <p:nvSpPr>
-          <p:cNvPr id="2" name="Title 1">
-            <a:extLst>
-              <a:ext uri="{FF2B5EF4-FFF2-40B4-BE49-F238E27FC236}">
-                <a16:creationId xmlns:a16="http://schemas.microsoft.com/office/drawing/2014/main" id="{9E47D4DF-9025-ADC9-ECC6-30396FC49029}"/>
-              </a:ext>
-            </a:extLst>
-          </p:cNvPr>
-          <p:cNvSpPr>
-            <a:spLocks noGrp="1"/>
-          </p:cNvSpPr>
-          <p:nvPr>
-            <p:ph type="title"/>
-          </p:nvPr>
-        </p:nvSpPr>
-        <p:spPr/>
-        <p:txBody>
-          <a:bodyPr/>
-          <a:lstStyle/>
-          <a:p>
-            <a:r>
-              <a:rPr lang="en-GB" dirty="0"/>
-              <a:t>Stats</a:t>
-            </a:r>
-          </a:p>
-        </p:txBody>
-      </p:sp>
-      <p:sp>
-        <p:nvSpPr>
-          <p:cNvPr id="3" name="Content Placeholder 2">
-            <a:extLst>
-              <a:ext uri="{FF2B5EF4-FFF2-40B4-BE49-F238E27FC236}">
-                <a16:creationId xmlns:a16="http://schemas.microsoft.com/office/drawing/2014/main" id="{CE844975-1B5A-AF80-B86A-3FC01ED6E02E}"/>
-              </a:ext>
-            </a:extLst>
-          </p:cNvPr>
-          <p:cNvSpPr>
-            <a:spLocks noGrp="1"/>
-          </p:cNvSpPr>
-          <p:nvPr>
-            <p:ph idx="1"/>
-          </p:nvPr>
-        </p:nvSpPr>
-        <p:spPr/>
-        <p:txBody>
-          <a:bodyPr/>
-          <a:lstStyle/>
-          <a:p>
-            <a:r>
-              <a:rPr lang="en-GB" dirty="0"/>
-              <a:t>Recording time: ~20-25min</a:t>
-            </a:r>
-          </a:p>
-          <a:p>
-            <a:endParaRPr lang="en-GB" dirty="0"/>
+              <a:t>If these recordings are comparable</a:t>
+            </a:r>
           </a:p>
         </p:txBody>
       </p:sp>
@@ -4721,7 +4605,7 @@
           <p:nvPr>
             <p:extLst>
               <p:ext uri="{D42A27DB-BD31-4B8C-83A1-F6EECF244321}">
-                <p14:modId xmlns:p14="http://schemas.microsoft.com/office/powerpoint/2010/main" val="2088806149"/>
+                <p14:modId xmlns:p14="http://schemas.microsoft.com/office/powerpoint/2010/main" val="1829108915"/>
               </p:ext>
             </p:extLst>
           </p:nvPr>
@@ -5191,7 +5075,7 @@
                     <a:lstStyle/>
                     <a:p>
                       <a:r>
-                        <a:rPr lang="en-GB" sz="1200">
+                        <a:rPr lang="en-GB" sz="1200" dirty="0">
                           <a:effectLst/>
                         </a:rPr>
                         <a:t>1</a:t>
@@ -5243,7 +5127,7 @@
                     <a:lstStyle/>
                     <a:p>
                       <a:r>
-                        <a:rPr lang="en-GB" sz="1200">
+                        <a:rPr lang="en-GB" sz="1200" dirty="0">
                           <a:effectLst/>
                         </a:rPr>
                         <a:t>2</a:t>
@@ -5258,7 +5142,7 @@
                     <a:lstStyle/>
                     <a:p>
                       <a:r>
-                        <a:rPr lang="en-GB" sz="1200">
+                        <a:rPr lang="en-GB" sz="1200" dirty="0">
                           <a:effectLst/>
                         </a:rPr>
                         <a:t>2</a:t>
@@ -6796,7 +6680,3282 @@
     </p:spTree>
     <p:extLst>
       <p:ext uri="{BB962C8B-B14F-4D97-AF65-F5344CB8AC3E}">
-        <p14:creationId xmlns:p14="http://schemas.microsoft.com/office/powerpoint/2010/main" val="3291433691"/>
+        <p14:creationId xmlns:p14="http://schemas.microsoft.com/office/powerpoint/2010/main" val="2130593312"/>
+      </p:ext>
+    </p:extLst>
+  </p:cSld>
+  <p:clrMapOvr>
+    <a:masterClrMapping/>
+  </p:clrMapOvr>
+</p:sld>
+</file>
+
+<file path=ppt/slides/slide16.xml><?xml version="1.0" encoding="utf-8"?>
+<p:sld xmlns:a="http://schemas.openxmlformats.org/drawingml/2006/main" xmlns:r="http://schemas.openxmlformats.org/officeDocument/2006/relationships" xmlns:p="http://schemas.openxmlformats.org/presentationml/2006/main">
+  <p:cSld>
+    <p:spTree>
+      <p:nvGrpSpPr>
+        <p:cNvPr id="1" name=""/>
+        <p:cNvGrpSpPr/>
+        <p:nvPr/>
+      </p:nvGrpSpPr>
+      <p:grpSpPr>
+        <a:xfrm>
+          <a:off x="0" y="0"/>
+          <a:ext cx="0" cy="0"/>
+          <a:chOff x="0" y="0"/>
+          <a:chExt cx="0" cy="0"/>
+        </a:xfrm>
+      </p:grpSpPr>
+      <p:sp>
+        <p:nvSpPr>
+          <p:cNvPr id="2" name="Title 1">
+            <a:extLst>
+              <a:ext uri="{FF2B5EF4-FFF2-40B4-BE49-F238E27FC236}">
+                <a16:creationId xmlns:a16="http://schemas.microsoft.com/office/drawing/2014/main" id="{30A4763E-B127-FF1E-4188-8A50201C2293}"/>
+              </a:ext>
+            </a:extLst>
+          </p:cNvPr>
+          <p:cNvSpPr>
+            <a:spLocks noGrp="1"/>
+          </p:cNvSpPr>
+          <p:nvPr>
+            <p:ph type="title"/>
+          </p:nvPr>
+        </p:nvSpPr>
+        <p:spPr/>
+        <p:txBody>
+          <a:bodyPr/>
+          <a:lstStyle/>
+          <a:p>
+            <a:r>
+              <a:rPr lang="en-GB" dirty="0" err="1"/>
+              <a:t>Spectogram</a:t>
+            </a:r>
+            <a:r>
+              <a:rPr lang="en-GB" dirty="0"/>
+              <a:t> (time-</a:t>
+            </a:r>
+            <a:r>
+              <a:rPr lang="en-GB" dirty="0" err="1"/>
+              <a:t>freq</a:t>
+            </a:r>
+            <a:r>
+              <a:rPr lang="en-GB" dirty="0"/>
+              <a:t> analysis)</a:t>
+            </a:r>
+          </a:p>
+        </p:txBody>
+      </p:sp>
+      <p:sp>
+        <p:nvSpPr>
+          <p:cNvPr id="3" name="Content Placeholder 2">
+            <a:extLst>
+              <a:ext uri="{FF2B5EF4-FFF2-40B4-BE49-F238E27FC236}">
+                <a16:creationId xmlns:a16="http://schemas.microsoft.com/office/drawing/2014/main" id="{DDC6794B-2BB3-30DB-E98B-491136572BBE}"/>
+              </a:ext>
+            </a:extLst>
+          </p:cNvPr>
+          <p:cNvSpPr>
+            <a:spLocks noGrp="1"/>
+          </p:cNvSpPr>
+          <p:nvPr>
+            <p:ph idx="1"/>
+          </p:nvPr>
+        </p:nvSpPr>
+        <p:spPr>
+          <a:xfrm>
+            <a:off x="6574536" y="1825625"/>
+            <a:ext cx="5272024" cy="4351338"/>
+          </a:xfrm>
+        </p:spPr>
+        <p:txBody>
+          <a:bodyPr/>
+          <a:lstStyle/>
+          <a:p>
+            <a:r>
+              <a:rPr lang="en-GB" dirty="0"/>
+              <a:t>Many windows = many samples!</a:t>
+            </a:r>
+          </a:p>
+          <a:p>
+            <a:r>
+              <a:rPr lang="en-GB" dirty="0"/>
+              <a:t>(not as good as more subjects)</a:t>
+            </a:r>
+          </a:p>
+        </p:txBody>
+      </p:sp>
+      <p:pic>
+        <p:nvPicPr>
+          <p:cNvPr id="5" name="Picture 4">
+            <a:extLst>
+              <a:ext uri="{FF2B5EF4-FFF2-40B4-BE49-F238E27FC236}">
+                <a16:creationId xmlns:a16="http://schemas.microsoft.com/office/drawing/2014/main" id="{C7448442-D46E-4C4F-6850-039EDC5099F0}"/>
+              </a:ext>
+            </a:extLst>
+          </p:cNvPr>
+          <p:cNvPicPr>
+            <a:picLocks noChangeAspect="1"/>
+          </p:cNvPicPr>
+          <p:nvPr/>
+        </p:nvPicPr>
+        <p:blipFill>
+          <a:blip r:embed="rId2"/>
+          <a:stretch>
+            <a:fillRect/>
+          </a:stretch>
+        </p:blipFill>
+        <p:spPr>
+          <a:xfrm>
+            <a:off x="923543" y="1825624"/>
+            <a:ext cx="4827933" cy="3701415"/>
+          </a:xfrm>
+          <a:prstGeom prst="rect">
+            <a:avLst/>
+          </a:prstGeom>
+        </p:spPr>
+      </p:pic>
+    </p:spTree>
+    <p:extLst>
+      <p:ext uri="{BB962C8B-B14F-4D97-AF65-F5344CB8AC3E}">
+        <p14:creationId xmlns:p14="http://schemas.microsoft.com/office/powerpoint/2010/main" val="2180751290"/>
+      </p:ext>
+    </p:extLst>
+  </p:cSld>
+  <p:clrMapOvr>
+    <a:masterClrMapping/>
+  </p:clrMapOvr>
+</p:sld>
+</file>
+
+<file path=ppt/slides/slide17.xml><?xml version="1.0" encoding="utf-8"?>
+<p:sld xmlns:a="http://schemas.openxmlformats.org/drawingml/2006/main" xmlns:r="http://schemas.openxmlformats.org/officeDocument/2006/relationships" xmlns:p="http://schemas.openxmlformats.org/presentationml/2006/main">
+  <p:cSld>
+    <p:spTree>
+      <p:nvGrpSpPr>
+        <p:cNvPr id="1" name=""/>
+        <p:cNvGrpSpPr/>
+        <p:nvPr/>
+      </p:nvGrpSpPr>
+      <p:grpSpPr>
+        <a:xfrm>
+          <a:off x="0" y="0"/>
+          <a:ext cx="0" cy="0"/>
+          <a:chOff x="0" y="0"/>
+          <a:chExt cx="0" cy="0"/>
+        </a:xfrm>
+      </p:grpSpPr>
+      <p:sp>
+        <p:nvSpPr>
+          <p:cNvPr id="2" name="Title 1">
+            <a:extLst>
+              <a:ext uri="{FF2B5EF4-FFF2-40B4-BE49-F238E27FC236}">
+                <a16:creationId xmlns:a16="http://schemas.microsoft.com/office/drawing/2014/main" id="{C23BABE6-B522-A9C4-6766-98F15B8CBEE9}"/>
+              </a:ext>
+            </a:extLst>
+          </p:cNvPr>
+          <p:cNvSpPr>
+            <a:spLocks noGrp="1"/>
+          </p:cNvSpPr>
+          <p:nvPr>
+            <p:ph type="title"/>
+          </p:nvPr>
+        </p:nvSpPr>
+        <p:spPr/>
+        <p:txBody>
+          <a:bodyPr/>
+          <a:lstStyle/>
+          <a:p>
+            <a:r>
+              <a:rPr lang="en-GB" dirty="0"/>
+              <a:t>Where to take window?</a:t>
+            </a:r>
+          </a:p>
+        </p:txBody>
+      </p:sp>
+      <p:sp>
+        <p:nvSpPr>
+          <p:cNvPr id="3" name="Content Placeholder 2">
+            <a:extLst>
+              <a:ext uri="{FF2B5EF4-FFF2-40B4-BE49-F238E27FC236}">
+                <a16:creationId xmlns:a16="http://schemas.microsoft.com/office/drawing/2014/main" id="{DA7019F4-8C77-B129-10DF-745DD1EC487C}"/>
+              </a:ext>
+            </a:extLst>
+          </p:cNvPr>
+          <p:cNvSpPr>
+            <a:spLocks noGrp="1"/>
+          </p:cNvSpPr>
+          <p:nvPr>
+            <p:ph idx="1"/>
+          </p:nvPr>
+        </p:nvSpPr>
+        <p:spPr/>
+        <p:txBody>
+          <a:bodyPr>
+            <a:normAutofit fontScale="92500" lnSpcReduction="20000"/>
+          </a:bodyPr>
+          <a:lstStyle/>
+          <a:p>
+            <a:r>
+              <a:rPr lang="en-GB" dirty="0"/>
+              <a:t>Ideally: </a:t>
+            </a:r>
+          </a:p>
+          <a:p>
+            <a:pPr lvl="1"/>
+            <a:r>
+              <a:rPr lang="en-GB" dirty="0"/>
+              <a:t>Events that subjects are in same mental state </a:t>
+            </a:r>
+          </a:p>
+          <a:p>
+            <a:pPr lvl="1"/>
+            <a:r>
+              <a:rPr lang="en-GB" dirty="0"/>
+              <a:t>Same (lack of) ext. triggers / all in resting</a:t>
+            </a:r>
+          </a:p>
+          <a:p>
+            <a:pPr lvl="1"/>
+            <a:r>
+              <a:rPr lang="en-GB" dirty="0"/>
+              <a:t>HOWEVER: No epochs/annotation/description </a:t>
+            </a:r>
+          </a:p>
+          <a:p>
+            <a:endParaRPr lang="en-GB" dirty="0"/>
+          </a:p>
+          <a:p>
+            <a:r>
+              <a:rPr lang="en-GB" b="1" dirty="0"/>
+              <a:t>Assumption</a:t>
+            </a:r>
+            <a:r>
+              <a:rPr lang="en-GB" dirty="0"/>
+              <a:t>: all subjects same mental state + physical state + same procedure</a:t>
+            </a:r>
+          </a:p>
+          <a:p>
+            <a:endParaRPr lang="en-GB" dirty="0"/>
+          </a:p>
+          <a:p>
+            <a:r>
+              <a:rPr lang="en-GB" dirty="0"/>
+              <a:t>This is clearly not the case, but limited time =&gt; cutting corners</a:t>
+            </a:r>
+          </a:p>
+          <a:p>
+            <a:endParaRPr lang="en-GB" dirty="0"/>
+          </a:p>
+          <a:p>
+            <a:r>
+              <a:rPr lang="en-GB" dirty="0"/>
+              <a:t>10s windows + 5 sec overlap </a:t>
+            </a:r>
+          </a:p>
+          <a:p>
+            <a:pPr lvl="1"/>
+            <a:r>
+              <a:rPr lang="en-GB" dirty="0" err="1"/>
+              <a:t>Nyquest</a:t>
+            </a:r>
+            <a:r>
+              <a:rPr lang="en-GB" dirty="0"/>
+              <a:t>: 0.5-100 Hz =&gt; &gt;= 4 sec window</a:t>
+            </a:r>
+          </a:p>
+        </p:txBody>
+      </p:sp>
+    </p:spTree>
+    <p:extLst>
+      <p:ext uri="{BB962C8B-B14F-4D97-AF65-F5344CB8AC3E}">
+        <p14:creationId xmlns:p14="http://schemas.microsoft.com/office/powerpoint/2010/main" val="1357444774"/>
+      </p:ext>
+    </p:extLst>
+  </p:cSld>
+  <p:clrMapOvr>
+    <a:masterClrMapping/>
+  </p:clrMapOvr>
+</p:sld>
+</file>
+
+<file path=ppt/slides/slide18.xml><?xml version="1.0" encoding="utf-8"?>
+<p:sld xmlns:a="http://schemas.openxmlformats.org/drawingml/2006/main" xmlns:r="http://schemas.openxmlformats.org/officeDocument/2006/relationships" xmlns:p="http://schemas.openxmlformats.org/presentationml/2006/main">
+  <p:cSld>
+    <p:spTree>
+      <p:nvGrpSpPr>
+        <p:cNvPr id="1" name=""/>
+        <p:cNvGrpSpPr/>
+        <p:nvPr/>
+      </p:nvGrpSpPr>
+      <p:grpSpPr>
+        <a:xfrm>
+          <a:off x="0" y="0"/>
+          <a:ext cx="0" cy="0"/>
+          <a:chOff x="0" y="0"/>
+          <a:chExt cx="0" cy="0"/>
+        </a:xfrm>
+      </p:grpSpPr>
+      <p:sp>
+        <p:nvSpPr>
+          <p:cNvPr id="2" name="Title 1">
+            <a:extLst>
+              <a:ext uri="{FF2B5EF4-FFF2-40B4-BE49-F238E27FC236}">
+                <a16:creationId xmlns:a16="http://schemas.microsoft.com/office/drawing/2014/main" id="{B29A2698-5AD5-8764-3EC0-6761F889A24F}"/>
+              </a:ext>
+            </a:extLst>
+          </p:cNvPr>
+          <p:cNvSpPr>
+            <a:spLocks noGrp="1"/>
+          </p:cNvSpPr>
+          <p:nvPr>
+            <p:ph type="title"/>
+          </p:nvPr>
+        </p:nvSpPr>
+        <p:spPr/>
+        <p:txBody>
+          <a:bodyPr/>
+          <a:lstStyle/>
+          <a:p>
+            <a:r>
+              <a:rPr lang="en-GB" dirty="0"/>
+              <a:t>Build model + Model Evaluation + Explainability</a:t>
+            </a:r>
+          </a:p>
+        </p:txBody>
+      </p:sp>
+      <p:sp>
+        <p:nvSpPr>
+          <p:cNvPr id="3" name="Text Placeholder 2">
+            <a:extLst>
+              <a:ext uri="{FF2B5EF4-FFF2-40B4-BE49-F238E27FC236}">
+                <a16:creationId xmlns:a16="http://schemas.microsoft.com/office/drawing/2014/main" id="{D9E2AE85-8F51-0FFA-230A-3010F378FC7D}"/>
+              </a:ext>
+            </a:extLst>
+          </p:cNvPr>
+          <p:cNvSpPr>
+            <a:spLocks noGrp="1"/>
+          </p:cNvSpPr>
+          <p:nvPr>
+            <p:ph type="body" idx="1"/>
+          </p:nvPr>
+        </p:nvSpPr>
+        <p:spPr/>
+        <p:txBody>
+          <a:bodyPr/>
+          <a:lstStyle/>
+          <a:p>
+            <a:endParaRPr lang="en-GB"/>
+          </a:p>
+        </p:txBody>
+      </p:sp>
+    </p:spTree>
+    <p:extLst>
+      <p:ext uri="{BB962C8B-B14F-4D97-AF65-F5344CB8AC3E}">
+        <p14:creationId xmlns:p14="http://schemas.microsoft.com/office/powerpoint/2010/main" val="1956860041"/>
+      </p:ext>
+    </p:extLst>
+  </p:cSld>
+  <p:clrMapOvr>
+    <a:masterClrMapping/>
+  </p:clrMapOvr>
+</p:sld>
+</file>
+
+<file path=ppt/slides/slide19.xml><?xml version="1.0" encoding="utf-8"?>
+<p:sld xmlns:a="http://schemas.openxmlformats.org/drawingml/2006/main" xmlns:r="http://schemas.openxmlformats.org/officeDocument/2006/relationships" xmlns:p="http://schemas.openxmlformats.org/presentationml/2006/main">
+  <p:cSld>
+    <p:spTree>
+      <p:nvGrpSpPr>
+        <p:cNvPr id="1" name=""/>
+        <p:cNvGrpSpPr/>
+        <p:nvPr/>
+      </p:nvGrpSpPr>
+      <p:grpSpPr>
+        <a:xfrm>
+          <a:off x="0" y="0"/>
+          <a:ext cx="0" cy="0"/>
+          <a:chOff x="0" y="0"/>
+          <a:chExt cx="0" cy="0"/>
+        </a:xfrm>
+      </p:grpSpPr>
+      <p:sp>
+        <p:nvSpPr>
+          <p:cNvPr id="2" name="Title 1">
+            <a:extLst>
+              <a:ext uri="{FF2B5EF4-FFF2-40B4-BE49-F238E27FC236}">
+                <a16:creationId xmlns:a16="http://schemas.microsoft.com/office/drawing/2014/main" id="{D6AA6658-01EC-238A-F162-35AF88FC64A8}"/>
+              </a:ext>
+            </a:extLst>
+          </p:cNvPr>
+          <p:cNvSpPr>
+            <a:spLocks noGrp="1"/>
+          </p:cNvSpPr>
+          <p:nvPr>
+            <p:ph type="title"/>
+          </p:nvPr>
+        </p:nvSpPr>
+        <p:spPr/>
+        <p:txBody>
+          <a:bodyPr/>
+          <a:lstStyle/>
+          <a:p>
+            <a:r>
+              <a:rPr lang="en-GB" dirty="0"/>
+              <a:t>ML Models</a:t>
+            </a:r>
+          </a:p>
+        </p:txBody>
+      </p:sp>
+      <p:sp>
+        <p:nvSpPr>
+          <p:cNvPr id="3" name="Content Placeholder 2">
+            <a:extLst>
+              <a:ext uri="{FF2B5EF4-FFF2-40B4-BE49-F238E27FC236}">
+                <a16:creationId xmlns:a16="http://schemas.microsoft.com/office/drawing/2014/main" id="{560D0F02-B4AE-B1AA-315F-B3F2223E7B64}"/>
+              </a:ext>
+            </a:extLst>
+          </p:cNvPr>
+          <p:cNvSpPr>
+            <a:spLocks noGrp="1"/>
+          </p:cNvSpPr>
+          <p:nvPr>
+            <p:ph idx="1"/>
+          </p:nvPr>
+        </p:nvSpPr>
+        <p:spPr/>
+        <p:txBody>
+          <a:bodyPr/>
+          <a:lstStyle/>
+          <a:p>
+            <a:r>
+              <a:rPr lang="en-GB" dirty="0"/>
+              <a:t>Unsupervised</a:t>
+            </a:r>
+          </a:p>
+          <a:p>
+            <a:pPr lvl="1"/>
+            <a:r>
+              <a:rPr lang="en-GB" dirty="0"/>
+              <a:t>+ fast, no pre knowledge, unbiased</a:t>
+            </a:r>
+          </a:p>
+          <a:p>
+            <a:pPr lvl="1"/>
+            <a:r>
+              <a:rPr lang="en-GB" dirty="0"/>
+              <a:t>- less info to train</a:t>
+            </a:r>
+          </a:p>
+          <a:p>
+            <a:pPr lvl="1"/>
+            <a:endParaRPr lang="en-GB" dirty="0"/>
+          </a:p>
+          <a:p>
+            <a:endParaRPr lang="en-GB" dirty="0"/>
+          </a:p>
+          <a:p>
+            <a:r>
+              <a:rPr lang="en-GB" dirty="0"/>
+              <a:t>Supervised</a:t>
+            </a:r>
+          </a:p>
+          <a:p>
+            <a:pPr lvl="1"/>
+            <a:r>
+              <a:rPr lang="en-GB" dirty="0"/>
+              <a:t>+ use class info to your advantage</a:t>
+            </a:r>
+          </a:p>
+          <a:p>
+            <a:pPr lvl="1"/>
+            <a:endParaRPr lang="en-GB" dirty="0"/>
+          </a:p>
+          <a:p>
+            <a:endParaRPr lang="en-GB" dirty="0"/>
+          </a:p>
+          <a:p>
+            <a:pPr lvl="1"/>
+            <a:endParaRPr lang="en-GB" dirty="0"/>
+          </a:p>
+          <a:p>
+            <a:endParaRPr lang="en-GB" dirty="0"/>
+          </a:p>
+        </p:txBody>
+      </p:sp>
+      <p:sp>
+        <p:nvSpPr>
+          <p:cNvPr id="4" name="Arrow: Right 3">
+            <a:extLst>
+              <a:ext uri="{FF2B5EF4-FFF2-40B4-BE49-F238E27FC236}">
+                <a16:creationId xmlns:a16="http://schemas.microsoft.com/office/drawing/2014/main" id="{57188DEF-2F4D-C1E4-0EB4-BB86A02D3CA4}"/>
+              </a:ext>
+            </a:extLst>
+          </p:cNvPr>
+          <p:cNvSpPr/>
+          <p:nvPr/>
+        </p:nvSpPr>
+        <p:spPr>
+          <a:xfrm>
+            <a:off x="6510528" y="2423160"/>
+            <a:ext cx="786384" cy="557784"/>
+          </a:xfrm>
+          <a:prstGeom prst="rightArrow">
+            <a:avLst/>
+          </a:prstGeom>
+        </p:spPr>
+        <p:style>
+          <a:lnRef idx="2">
+            <a:schemeClr val="accent1">
+              <a:shade val="15000"/>
+            </a:schemeClr>
+          </a:lnRef>
+          <a:fillRef idx="1">
+            <a:schemeClr val="accent1"/>
+          </a:fillRef>
+          <a:effectRef idx="0">
+            <a:schemeClr val="accent1"/>
+          </a:effectRef>
+          <a:fontRef idx="minor">
+            <a:schemeClr val="lt1"/>
+          </a:fontRef>
+        </p:style>
+        <p:txBody>
+          <a:bodyPr rtlCol="0" anchor="ctr"/>
+          <a:lstStyle/>
+          <a:p>
+            <a:pPr algn="ctr"/>
+            <a:endParaRPr lang="en-GB"/>
+          </a:p>
+        </p:txBody>
+      </p:sp>
+      <p:sp>
+        <p:nvSpPr>
+          <p:cNvPr id="5" name="Arrow: Right 4">
+            <a:extLst>
+              <a:ext uri="{FF2B5EF4-FFF2-40B4-BE49-F238E27FC236}">
+                <a16:creationId xmlns:a16="http://schemas.microsoft.com/office/drawing/2014/main" id="{9A0DB99A-51D0-A3B7-2EED-F6DA180F8D10}"/>
+              </a:ext>
+            </a:extLst>
+          </p:cNvPr>
+          <p:cNvSpPr/>
+          <p:nvPr/>
+        </p:nvSpPr>
+        <p:spPr>
+          <a:xfrm>
+            <a:off x="6510528" y="4255788"/>
+            <a:ext cx="786384" cy="557784"/>
+          </a:xfrm>
+          <a:prstGeom prst="rightArrow">
+            <a:avLst/>
+          </a:prstGeom>
+        </p:spPr>
+        <p:style>
+          <a:lnRef idx="2">
+            <a:schemeClr val="accent1">
+              <a:shade val="15000"/>
+            </a:schemeClr>
+          </a:lnRef>
+          <a:fillRef idx="1">
+            <a:schemeClr val="accent1"/>
+          </a:fillRef>
+          <a:effectRef idx="0">
+            <a:schemeClr val="accent1"/>
+          </a:effectRef>
+          <a:fontRef idx="minor">
+            <a:schemeClr val="lt1"/>
+          </a:fontRef>
+        </p:style>
+        <p:txBody>
+          <a:bodyPr rtlCol="0" anchor="ctr"/>
+          <a:lstStyle/>
+          <a:p>
+            <a:pPr algn="ctr"/>
+            <a:endParaRPr lang="en-GB"/>
+          </a:p>
+        </p:txBody>
+      </p:sp>
+      <p:sp>
+        <p:nvSpPr>
+          <p:cNvPr id="6" name="TextBox 5">
+            <a:extLst>
+              <a:ext uri="{FF2B5EF4-FFF2-40B4-BE49-F238E27FC236}">
+                <a16:creationId xmlns:a16="http://schemas.microsoft.com/office/drawing/2014/main" id="{C74C63E1-5780-3665-A094-18D8A3005D7D}"/>
+              </a:ext>
+            </a:extLst>
+          </p:cNvPr>
+          <p:cNvSpPr txBox="1"/>
+          <p:nvPr/>
+        </p:nvSpPr>
+        <p:spPr>
+          <a:xfrm>
+            <a:off x="7519416" y="2378886"/>
+            <a:ext cx="1418895" cy="741680"/>
+          </a:xfrm>
+          <a:prstGeom prst="roundRect">
+            <a:avLst/>
+          </a:prstGeom>
+        </p:spPr>
+        <p:style>
+          <a:lnRef idx="2">
+            <a:schemeClr val="accent5"/>
+          </a:lnRef>
+          <a:fillRef idx="1">
+            <a:schemeClr val="lt1"/>
+          </a:fillRef>
+          <a:effectRef idx="0">
+            <a:schemeClr val="accent5"/>
+          </a:effectRef>
+          <a:fontRef idx="minor">
+            <a:schemeClr val="dk1"/>
+          </a:fontRef>
+        </p:style>
+        <p:txBody>
+          <a:bodyPr wrap="square" rtlCol="0">
+            <a:spAutoFit/>
+          </a:bodyPr>
+          <a:lstStyle/>
+          <a:p>
+            <a:pPr marL="285750" indent="-285750">
+              <a:buFont typeface="Arial" panose="020B0604020202020204" pitchFamily="34" charset="0"/>
+              <a:buChar char="•"/>
+            </a:pPr>
+            <a:r>
+              <a:rPr lang="en-GB" dirty="0"/>
+              <a:t>PCA</a:t>
+            </a:r>
+          </a:p>
+          <a:p>
+            <a:pPr marL="285750" indent="-285750">
+              <a:buFont typeface="Arial" panose="020B0604020202020204" pitchFamily="34" charset="0"/>
+              <a:buChar char="•"/>
+            </a:pPr>
+            <a:r>
+              <a:rPr lang="en-GB" dirty="0" err="1"/>
+              <a:t>tSNE</a:t>
+            </a:r>
+            <a:endParaRPr lang="en-GB" dirty="0"/>
+          </a:p>
+        </p:txBody>
+      </p:sp>
+      <p:sp>
+        <p:nvSpPr>
+          <p:cNvPr id="9" name="Arrow: Right 8">
+            <a:extLst>
+              <a:ext uri="{FF2B5EF4-FFF2-40B4-BE49-F238E27FC236}">
+                <a16:creationId xmlns:a16="http://schemas.microsoft.com/office/drawing/2014/main" id="{330691FF-2C87-3366-F47F-DF633AED3A86}"/>
+              </a:ext>
+            </a:extLst>
+          </p:cNvPr>
+          <p:cNvSpPr/>
+          <p:nvPr/>
+        </p:nvSpPr>
+        <p:spPr>
+          <a:xfrm>
+            <a:off x="9262872" y="2423160"/>
+            <a:ext cx="786384" cy="557784"/>
+          </a:xfrm>
+          <a:prstGeom prst="rightArrow">
+            <a:avLst/>
+          </a:prstGeom>
+        </p:spPr>
+        <p:style>
+          <a:lnRef idx="2">
+            <a:schemeClr val="accent1">
+              <a:shade val="15000"/>
+            </a:schemeClr>
+          </a:lnRef>
+          <a:fillRef idx="1">
+            <a:schemeClr val="accent1"/>
+          </a:fillRef>
+          <a:effectRef idx="0">
+            <a:schemeClr val="accent1"/>
+          </a:effectRef>
+          <a:fontRef idx="minor">
+            <a:schemeClr val="lt1"/>
+          </a:fontRef>
+        </p:style>
+        <p:txBody>
+          <a:bodyPr rtlCol="0" anchor="ctr"/>
+          <a:lstStyle/>
+          <a:p>
+            <a:pPr algn="ctr"/>
+            <a:endParaRPr lang="en-GB"/>
+          </a:p>
+        </p:txBody>
+      </p:sp>
+      <p:sp>
+        <p:nvSpPr>
+          <p:cNvPr id="11" name="TextBox 10">
+            <a:extLst>
+              <a:ext uri="{FF2B5EF4-FFF2-40B4-BE49-F238E27FC236}">
+                <a16:creationId xmlns:a16="http://schemas.microsoft.com/office/drawing/2014/main" id="{6C0BB9F8-6324-AE04-2724-A866B9AF8BEF}"/>
+              </a:ext>
+            </a:extLst>
+          </p:cNvPr>
+          <p:cNvSpPr txBox="1"/>
+          <p:nvPr/>
+        </p:nvSpPr>
+        <p:spPr>
+          <a:xfrm>
+            <a:off x="7584109" y="4143083"/>
+            <a:ext cx="1418895" cy="783193"/>
+          </a:xfrm>
+          <a:prstGeom prst="roundRect">
+            <a:avLst/>
+          </a:prstGeom>
+        </p:spPr>
+        <p:style>
+          <a:lnRef idx="2">
+            <a:schemeClr val="accent1"/>
+          </a:lnRef>
+          <a:fillRef idx="1">
+            <a:schemeClr val="lt1"/>
+          </a:fillRef>
+          <a:effectRef idx="0">
+            <a:schemeClr val="accent1"/>
+          </a:effectRef>
+          <a:fontRef idx="minor">
+            <a:schemeClr val="dk1"/>
+          </a:fontRef>
+        </p:style>
+        <p:txBody>
+          <a:bodyPr wrap="none" rtlCol="0">
+            <a:spAutoFit/>
+          </a:bodyPr>
+          <a:lstStyle/>
+          <a:p>
+            <a:pPr marL="285750" indent="-285750">
+              <a:buFont typeface="Arial" panose="020B0604020202020204" pitchFamily="34" charset="0"/>
+              <a:buChar char="•"/>
+            </a:pPr>
+            <a:r>
+              <a:rPr lang="en-GB" sz="2000" dirty="0" err="1"/>
+              <a:t>XGBoost</a:t>
+            </a:r>
+            <a:endParaRPr lang="en-GB" sz="2000" dirty="0"/>
+          </a:p>
+          <a:p>
+            <a:pPr marL="285750" indent="-285750">
+              <a:buFont typeface="Arial" panose="020B0604020202020204" pitchFamily="34" charset="0"/>
+              <a:buChar char="•"/>
+            </a:pPr>
+            <a:r>
+              <a:rPr lang="en-GB" sz="2000" dirty="0"/>
+              <a:t>CNN?</a:t>
+            </a:r>
+          </a:p>
+        </p:txBody>
+      </p:sp>
+      <p:grpSp>
+        <p:nvGrpSpPr>
+          <p:cNvPr id="15" name="Group 14">
+            <a:extLst>
+              <a:ext uri="{FF2B5EF4-FFF2-40B4-BE49-F238E27FC236}">
+                <a16:creationId xmlns:a16="http://schemas.microsoft.com/office/drawing/2014/main" id="{42EE1119-5257-2B71-6857-E875D9647C2D}"/>
+              </a:ext>
+            </a:extLst>
+          </p:cNvPr>
+          <p:cNvGrpSpPr/>
+          <p:nvPr/>
+        </p:nvGrpSpPr>
+        <p:grpSpPr>
+          <a:xfrm>
+            <a:off x="721360" y="3708400"/>
+            <a:ext cx="5374640" cy="1852692"/>
+            <a:chOff x="721360" y="3708400"/>
+            <a:chExt cx="5374640" cy="1852692"/>
+          </a:xfrm>
+        </p:grpSpPr>
+        <p:sp>
+          <p:nvSpPr>
+            <p:cNvPr id="7" name="Rectangle: Rounded Corners 6">
+              <a:extLst>
+                <a:ext uri="{FF2B5EF4-FFF2-40B4-BE49-F238E27FC236}">
+                  <a16:creationId xmlns:a16="http://schemas.microsoft.com/office/drawing/2014/main" id="{01C6637A-2243-02B1-D39D-792E2C7EDCD9}"/>
+                </a:ext>
+              </a:extLst>
+            </p:cNvPr>
+            <p:cNvSpPr/>
+            <p:nvPr/>
+          </p:nvSpPr>
+          <p:spPr>
+            <a:xfrm>
+              <a:off x="721360" y="3708400"/>
+              <a:ext cx="5374640" cy="1483360"/>
+            </a:xfrm>
+            <a:prstGeom prst="roundRect">
+              <a:avLst/>
+            </a:prstGeom>
+            <a:noFill/>
+            <a:ln w="28575"/>
+          </p:spPr>
+          <p:style>
+            <a:lnRef idx="2">
+              <a:schemeClr val="accent6"/>
+            </a:lnRef>
+            <a:fillRef idx="1">
+              <a:schemeClr val="lt1"/>
+            </a:fillRef>
+            <a:effectRef idx="0">
+              <a:schemeClr val="accent6"/>
+            </a:effectRef>
+            <a:fontRef idx="minor">
+              <a:schemeClr val="dk1"/>
+            </a:fontRef>
+          </p:style>
+          <p:txBody>
+            <a:bodyPr rtlCol="0" anchor="ctr"/>
+            <a:lstStyle/>
+            <a:p>
+              <a:pPr algn="ctr"/>
+              <a:endParaRPr lang="en-GB"/>
+            </a:p>
+          </p:txBody>
+        </p:sp>
+        <p:sp>
+          <p:nvSpPr>
+            <p:cNvPr id="8" name="TextBox 7">
+              <a:extLst>
+                <a:ext uri="{FF2B5EF4-FFF2-40B4-BE49-F238E27FC236}">
+                  <a16:creationId xmlns:a16="http://schemas.microsoft.com/office/drawing/2014/main" id="{52B0D9B1-6137-2FAB-2807-0E81E65DF743}"/>
+                </a:ext>
+              </a:extLst>
+            </p:cNvPr>
+            <p:cNvSpPr txBox="1"/>
+            <p:nvPr/>
+          </p:nvSpPr>
+          <p:spPr>
+            <a:xfrm>
+              <a:off x="2784439" y="5191760"/>
+              <a:ext cx="1085938" cy="369332"/>
+            </a:xfrm>
+            <a:prstGeom prst="rect">
+              <a:avLst/>
+            </a:prstGeom>
+            <a:noFill/>
+          </p:spPr>
+          <p:txBody>
+            <a:bodyPr wrap="none" rtlCol="0">
+              <a:spAutoFit/>
+            </a:bodyPr>
+            <a:lstStyle/>
+            <a:p>
+              <a:r>
+                <a:rPr lang="en-GB" b="1" dirty="0">
+                  <a:solidFill>
+                    <a:schemeClr val="accent6">
+                      <a:lumMod val="75000"/>
+                    </a:schemeClr>
+                  </a:solidFill>
+                </a:rPr>
+                <a:t>Preferred</a:t>
+              </a:r>
+            </a:p>
+          </p:txBody>
+        </p:sp>
+      </p:grpSp>
+      <p:grpSp>
+        <p:nvGrpSpPr>
+          <p:cNvPr id="14" name="Group 13">
+            <a:extLst>
+              <a:ext uri="{FF2B5EF4-FFF2-40B4-BE49-F238E27FC236}">
+                <a16:creationId xmlns:a16="http://schemas.microsoft.com/office/drawing/2014/main" id="{B1C33B2E-9113-96FA-6E0F-63A0628BE612}"/>
+              </a:ext>
+            </a:extLst>
+          </p:cNvPr>
+          <p:cNvGrpSpPr/>
+          <p:nvPr/>
+        </p:nvGrpSpPr>
+        <p:grpSpPr>
+          <a:xfrm>
+            <a:off x="754837" y="1637206"/>
+            <a:ext cx="5374640" cy="1852692"/>
+            <a:chOff x="754837" y="1637206"/>
+            <a:chExt cx="5374640" cy="1852692"/>
+          </a:xfrm>
+        </p:grpSpPr>
+        <p:sp>
+          <p:nvSpPr>
+            <p:cNvPr id="12" name="Rectangle: Rounded Corners 11">
+              <a:extLst>
+                <a:ext uri="{FF2B5EF4-FFF2-40B4-BE49-F238E27FC236}">
+                  <a16:creationId xmlns:a16="http://schemas.microsoft.com/office/drawing/2014/main" id="{11D1D7C7-D542-DBDC-1364-D62D0EE66BD7}"/>
+                </a:ext>
+              </a:extLst>
+            </p:cNvPr>
+            <p:cNvSpPr/>
+            <p:nvPr/>
+          </p:nvSpPr>
+          <p:spPr>
+            <a:xfrm>
+              <a:off x="754837" y="1637206"/>
+              <a:ext cx="5374640" cy="1483360"/>
+            </a:xfrm>
+            <a:prstGeom prst="roundRect">
+              <a:avLst/>
+            </a:prstGeom>
+            <a:noFill/>
+            <a:ln w="28575">
+              <a:solidFill>
+                <a:schemeClr val="accent4">
+                  <a:lumMod val="75000"/>
+                </a:schemeClr>
+              </a:solidFill>
+            </a:ln>
+          </p:spPr>
+          <p:style>
+            <a:lnRef idx="2">
+              <a:schemeClr val="accent6"/>
+            </a:lnRef>
+            <a:fillRef idx="1">
+              <a:schemeClr val="lt1"/>
+            </a:fillRef>
+            <a:effectRef idx="0">
+              <a:schemeClr val="accent6"/>
+            </a:effectRef>
+            <a:fontRef idx="minor">
+              <a:schemeClr val="dk1"/>
+            </a:fontRef>
+          </p:style>
+          <p:txBody>
+            <a:bodyPr rtlCol="0" anchor="ctr"/>
+            <a:lstStyle/>
+            <a:p>
+              <a:pPr algn="ctr"/>
+              <a:endParaRPr lang="en-GB"/>
+            </a:p>
+          </p:txBody>
+        </p:sp>
+        <p:sp>
+          <p:nvSpPr>
+            <p:cNvPr id="13" name="TextBox 12">
+              <a:extLst>
+                <a:ext uri="{FF2B5EF4-FFF2-40B4-BE49-F238E27FC236}">
+                  <a16:creationId xmlns:a16="http://schemas.microsoft.com/office/drawing/2014/main" id="{B2C24613-49C5-5493-3BEC-84DCA9AD376B}"/>
+                </a:ext>
+              </a:extLst>
+            </p:cNvPr>
+            <p:cNvSpPr txBox="1"/>
+            <p:nvPr/>
+          </p:nvSpPr>
+          <p:spPr>
+            <a:xfrm>
+              <a:off x="2330089" y="3120566"/>
+              <a:ext cx="2224135" cy="369332"/>
+            </a:xfrm>
+            <a:prstGeom prst="rect">
+              <a:avLst/>
+            </a:prstGeom>
+            <a:noFill/>
+          </p:spPr>
+          <p:txBody>
+            <a:bodyPr wrap="none" rtlCol="0">
+              <a:spAutoFit/>
+            </a:bodyPr>
+            <a:lstStyle/>
+            <a:p>
+              <a:r>
+                <a:rPr lang="en-GB" b="1" dirty="0">
+                  <a:solidFill>
+                    <a:schemeClr val="accent4">
+                      <a:lumMod val="75000"/>
+                    </a:schemeClr>
+                  </a:solidFill>
+                </a:rPr>
+                <a:t>Further exploration!?</a:t>
+              </a:r>
+            </a:p>
+          </p:txBody>
+        </p:sp>
+      </p:grpSp>
+      <p:sp>
+        <p:nvSpPr>
+          <p:cNvPr id="16" name="TextBox 15">
+            <a:extLst>
+              <a:ext uri="{FF2B5EF4-FFF2-40B4-BE49-F238E27FC236}">
+                <a16:creationId xmlns:a16="http://schemas.microsoft.com/office/drawing/2014/main" id="{004453C8-222D-5DE3-B7C9-478D851B8AC1}"/>
+              </a:ext>
+            </a:extLst>
+          </p:cNvPr>
+          <p:cNvSpPr txBox="1"/>
+          <p:nvPr/>
+        </p:nvSpPr>
+        <p:spPr>
+          <a:xfrm>
+            <a:off x="10259466" y="2497740"/>
+            <a:ext cx="1600302" cy="408623"/>
+          </a:xfrm>
+          <a:prstGeom prst="roundRect">
+            <a:avLst/>
+          </a:prstGeom>
+        </p:spPr>
+        <p:style>
+          <a:lnRef idx="2">
+            <a:schemeClr val="accent5"/>
+          </a:lnRef>
+          <a:fillRef idx="1">
+            <a:schemeClr val="lt1"/>
+          </a:fillRef>
+          <a:effectRef idx="0">
+            <a:schemeClr val="accent5"/>
+          </a:effectRef>
+          <a:fontRef idx="minor">
+            <a:schemeClr val="dk1"/>
+          </a:fontRef>
+        </p:style>
+        <p:txBody>
+          <a:bodyPr wrap="square" rtlCol="0">
+            <a:spAutoFit/>
+          </a:bodyPr>
+          <a:lstStyle/>
+          <a:p>
+            <a:pPr marL="285750" indent="-285750">
+              <a:buFont typeface="Arial" panose="020B0604020202020204" pitchFamily="34" charset="0"/>
+              <a:buChar char="•"/>
+            </a:pPr>
+            <a:r>
+              <a:rPr lang="en-GB" dirty="0"/>
+              <a:t>Clustering</a:t>
+            </a:r>
+          </a:p>
+        </p:txBody>
+      </p:sp>
+    </p:spTree>
+    <p:extLst>
+      <p:ext uri="{BB962C8B-B14F-4D97-AF65-F5344CB8AC3E}">
+        <p14:creationId xmlns:p14="http://schemas.microsoft.com/office/powerpoint/2010/main" val="3208508906"/>
+      </p:ext>
+    </p:extLst>
+  </p:cSld>
+  <p:clrMapOvr>
+    <a:masterClrMapping/>
+  </p:clrMapOvr>
+</p:sld>
+</file>
+
+<file path=ppt/slides/slide2.xml><?xml version="1.0" encoding="utf-8"?>
+<p:sld xmlns:a="http://schemas.openxmlformats.org/drawingml/2006/main" xmlns:r="http://schemas.openxmlformats.org/officeDocument/2006/relationships" xmlns:p="http://schemas.openxmlformats.org/presentationml/2006/main">
+  <p:cSld>
+    <p:spTree>
+      <p:nvGrpSpPr>
+        <p:cNvPr id="1" name=""/>
+        <p:cNvGrpSpPr/>
+        <p:nvPr/>
+      </p:nvGrpSpPr>
+      <p:grpSpPr>
+        <a:xfrm>
+          <a:off x="0" y="0"/>
+          <a:ext cx="0" cy="0"/>
+          <a:chOff x="0" y="0"/>
+          <a:chExt cx="0" cy="0"/>
+        </a:xfrm>
+      </p:grpSpPr>
+      <p:sp>
+        <p:nvSpPr>
+          <p:cNvPr id="2" name="Title 1">
+            <a:extLst>
+              <a:ext uri="{FF2B5EF4-FFF2-40B4-BE49-F238E27FC236}">
+                <a16:creationId xmlns:a16="http://schemas.microsoft.com/office/drawing/2014/main" id="{42CAB9CF-68C6-C82C-4144-B60783FE8C1A}"/>
+              </a:ext>
+            </a:extLst>
+          </p:cNvPr>
+          <p:cNvSpPr>
+            <a:spLocks noGrp="1"/>
+          </p:cNvSpPr>
+          <p:nvPr>
+            <p:ph type="title"/>
+          </p:nvPr>
+        </p:nvSpPr>
+        <p:spPr/>
+        <p:txBody>
+          <a:bodyPr/>
+          <a:lstStyle/>
+          <a:p>
+            <a:r>
+              <a:rPr lang="en-GB" dirty="0"/>
+              <a:t>Assignment + Deliverables</a:t>
+            </a:r>
+          </a:p>
+        </p:txBody>
+      </p:sp>
+      <p:sp>
+        <p:nvSpPr>
+          <p:cNvPr id="3" name="Content Placeholder 2">
+            <a:extLst>
+              <a:ext uri="{FF2B5EF4-FFF2-40B4-BE49-F238E27FC236}">
+                <a16:creationId xmlns:a16="http://schemas.microsoft.com/office/drawing/2014/main" id="{E186AABB-F026-942D-2158-CED7DD4A6803}"/>
+              </a:ext>
+            </a:extLst>
+          </p:cNvPr>
+          <p:cNvSpPr>
+            <a:spLocks noGrp="1"/>
+          </p:cNvSpPr>
+          <p:nvPr>
+            <p:ph idx="1"/>
+          </p:nvPr>
+        </p:nvSpPr>
+        <p:spPr/>
+        <p:txBody>
+          <a:bodyPr/>
+          <a:lstStyle/>
+          <a:p>
+            <a:pPr marL="514350" indent="-514350">
+              <a:buFont typeface="+mj-lt"/>
+              <a:buAutoNum type="arabicPeriod"/>
+            </a:pPr>
+            <a:r>
+              <a:rPr lang="en-GB" dirty="0"/>
+              <a:t>Exploratory Data Analysis</a:t>
+            </a:r>
+          </a:p>
+          <a:p>
+            <a:pPr marL="514350" indent="-514350">
+              <a:buFont typeface="+mj-lt"/>
+              <a:buAutoNum type="arabicPeriod"/>
+            </a:pPr>
+            <a:r>
+              <a:rPr lang="en-GB" dirty="0"/>
+              <a:t>Feature Engineering</a:t>
+            </a:r>
+          </a:p>
+          <a:p>
+            <a:pPr marL="514350" indent="-514350">
+              <a:buFont typeface="+mj-lt"/>
+              <a:buAutoNum type="arabicPeriod"/>
+            </a:pPr>
+            <a:r>
+              <a:rPr lang="en-GB" dirty="0"/>
+              <a:t>Build Model</a:t>
+            </a:r>
+          </a:p>
+          <a:p>
+            <a:pPr marL="514350" indent="-514350">
+              <a:buFont typeface="+mj-lt"/>
+              <a:buAutoNum type="arabicPeriod"/>
+            </a:pPr>
+            <a:r>
+              <a:rPr lang="en-GB" dirty="0"/>
+              <a:t>Hyperparameter Tuning</a:t>
+            </a:r>
+          </a:p>
+          <a:p>
+            <a:pPr marL="514350" indent="-514350">
+              <a:buFont typeface="+mj-lt"/>
+              <a:buAutoNum type="arabicPeriod"/>
+            </a:pPr>
+            <a:r>
+              <a:rPr lang="en-GB" dirty="0"/>
+              <a:t>Model Evaluation</a:t>
+            </a:r>
+          </a:p>
+          <a:p>
+            <a:pPr marL="514350" indent="-514350">
+              <a:buFont typeface="+mj-lt"/>
+              <a:buAutoNum type="arabicPeriod"/>
+            </a:pPr>
+            <a:r>
+              <a:rPr lang="en-GB" dirty="0"/>
+              <a:t>Explainability</a:t>
+            </a:r>
+          </a:p>
+        </p:txBody>
+      </p:sp>
+      <p:pic>
+        <p:nvPicPr>
+          <p:cNvPr id="8" name="Picture 7">
+            <a:extLst>
+              <a:ext uri="{FF2B5EF4-FFF2-40B4-BE49-F238E27FC236}">
+                <a16:creationId xmlns:a16="http://schemas.microsoft.com/office/drawing/2014/main" id="{1C77FDF4-C966-A92D-3ACD-09F38EFDD90C}"/>
+              </a:ext>
+            </a:extLst>
+          </p:cNvPr>
+          <p:cNvPicPr>
+            <a:picLocks noChangeAspect="1"/>
+          </p:cNvPicPr>
+          <p:nvPr/>
+        </p:nvPicPr>
+        <p:blipFill>
+          <a:blip r:embed="rId2"/>
+          <a:stretch>
+            <a:fillRect/>
+          </a:stretch>
+        </p:blipFill>
+        <p:spPr>
+          <a:xfrm>
+            <a:off x="5842635" y="2054542"/>
+            <a:ext cx="5962650" cy="1590675"/>
+          </a:xfrm>
+          <a:prstGeom prst="rect">
+            <a:avLst/>
+          </a:prstGeom>
+        </p:spPr>
+      </p:pic>
+    </p:spTree>
+    <p:extLst>
+      <p:ext uri="{BB962C8B-B14F-4D97-AF65-F5344CB8AC3E}">
+        <p14:creationId xmlns:p14="http://schemas.microsoft.com/office/powerpoint/2010/main" val="2418940111"/>
+      </p:ext>
+    </p:extLst>
+  </p:cSld>
+  <p:clrMapOvr>
+    <a:masterClrMapping/>
+  </p:clrMapOvr>
+</p:sld>
+</file>
+
+<file path=ppt/slides/slide20.xml><?xml version="1.0" encoding="utf-8"?>
+<p:sld xmlns:a="http://schemas.openxmlformats.org/drawingml/2006/main" xmlns:r="http://schemas.openxmlformats.org/officeDocument/2006/relationships" xmlns:p="http://schemas.openxmlformats.org/presentationml/2006/main">
+  <p:cSld>
+    <p:spTree>
+      <p:nvGrpSpPr>
+        <p:cNvPr id="1" name=""/>
+        <p:cNvGrpSpPr/>
+        <p:nvPr/>
+      </p:nvGrpSpPr>
+      <p:grpSpPr>
+        <a:xfrm>
+          <a:off x="0" y="0"/>
+          <a:ext cx="0" cy="0"/>
+          <a:chOff x="0" y="0"/>
+          <a:chExt cx="0" cy="0"/>
+        </a:xfrm>
+      </p:grpSpPr>
+      <p:sp>
+        <p:nvSpPr>
+          <p:cNvPr id="2" name="Title 1">
+            <a:extLst>
+              <a:ext uri="{FF2B5EF4-FFF2-40B4-BE49-F238E27FC236}">
+                <a16:creationId xmlns:a16="http://schemas.microsoft.com/office/drawing/2014/main" id="{3971CD4B-B0B4-F657-5D82-75973D36921C}"/>
+              </a:ext>
+            </a:extLst>
+          </p:cNvPr>
+          <p:cNvSpPr>
+            <a:spLocks noGrp="1"/>
+          </p:cNvSpPr>
+          <p:nvPr>
+            <p:ph type="title"/>
+          </p:nvPr>
+        </p:nvSpPr>
+        <p:spPr/>
+        <p:txBody>
+          <a:bodyPr/>
+          <a:lstStyle/>
+          <a:p>
+            <a:r>
+              <a:rPr lang="en-GB" dirty="0"/>
+              <a:t>Unsupervised</a:t>
+            </a:r>
+          </a:p>
+        </p:txBody>
+      </p:sp>
+      <p:sp>
+        <p:nvSpPr>
+          <p:cNvPr id="3" name="Content Placeholder 2">
+            <a:extLst>
+              <a:ext uri="{FF2B5EF4-FFF2-40B4-BE49-F238E27FC236}">
+                <a16:creationId xmlns:a16="http://schemas.microsoft.com/office/drawing/2014/main" id="{7DCD5789-5C4B-5228-CF2C-299879FD1947}"/>
+              </a:ext>
+            </a:extLst>
+          </p:cNvPr>
+          <p:cNvSpPr>
+            <a:spLocks noGrp="1"/>
+          </p:cNvSpPr>
+          <p:nvPr>
+            <p:ph idx="1"/>
+          </p:nvPr>
+        </p:nvSpPr>
+        <p:spPr/>
+        <p:txBody>
+          <a:bodyPr/>
+          <a:lstStyle/>
+          <a:p>
+            <a:r>
+              <a:rPr lang="en-GB" dirty="0"/>
+              <a:t>I like it: can help give indication of what happens in data</a:t>
+            </a:r>
+          </a:p>
+          <a:p>
+            <a:endParaRPr lang="en-GB" dirty="0"/>
+          </a:p>
+          <a:p>
+            <a:r>
+              <a:rPr lang="en-GB" dirty="0"/>
+              <a:t>PCA =&gt; linear technique</a:t>
+            </a:r>
+          </a:p>
+        </p:txBody>
+      </p:sp>
+    </p:spTree>
+    <p:extLst>
+      <p:ext uri="{BB962C8B-B14F-4D97-AF65-F5344CB8AC3E}">
+        <p14:creationId xmlns:p14="http://schemas.microsoft.com/office/powerpoint/2010/main" val="1442405895"/>
+      </p:ext>
+    </p:extLst>
+  </p:cSld>
+  <p:clrMapOvr>
+    <a:masterClrMapping/>
+  </p:clrMapOvr>
+</p:sld>
+</file>
+
+<file path=ppt/slides/slide21.xml><?xml version="1.0" encoding="utf-8"?>
+<p:sld xmlns:a="http://schemas.openxmlformats.org/drawingml/2006/main" xmlns:r="http://schemas.openxmlformats.org/officeDocument/2006/relationships" xmlns:p="http://schemas.openxmlformats.org/presentationml/2006/main">
+  <p:cSld>
+    <p:spTree>
+      <p:nvGrpSpPr>
+        <p:cNvPr id="1" name=""/>
+        <p:cNvGrpSpPr/>
+        <p:nvPr/>
+      </p:nvGrpSpPr>
+      <p:grpSpPr>
+        <a:xfrm>
+          <a:off x="0" y="0"/>
+          <a:ext cx="0" cy="0"/>
+          <a:chOff x="0" y="0"/>
+          <a:chExt cx="0" cy="0"/>
+        </a:xfrm>
+      </p:grpSpPr>
+      <p:sp>
+        <p:nvSpPr>
+          <p:cNvPr id="2" name="Title 1">
+            <a:extLst>
+              <a:ext uri="{FF2B5EF4-FFF2-40B4-BE49-F238E27FC236}">
+                <a16:creationId xmlns:a16="http://schemas.microsoft.com/office/drawing/2014/main" id="{70147F0D-A683-C98D-CE4E-CCF9DF4F3925}"/>
+              </a:ext>
+            </a:extLst>
+          </p:cNvPr>
+          <p:cNvSpPr>
+            <a:spLocks noGrp="1"/>
+          </p:cNvSpPr>
+          <p:nvPr>
+            <p:ph type="title"/>
+          </p:nvPr>
+        </p:nvSpPr>
+        <p:spPr/>
+        <p:txBody>
+          <a:bodyPr/>
+          <a:lstStyle/>
+          <a:p>
+            <a:r>
+              <a:rPr lang="en-GB" dirty="0" err="1"/>
+              <a:t>XGBoost</a:t>
+            </a:r>
+            <a:endParaRPr lang="en-GB" dirty="0"/>
+          </a:p>
+        </p:txBody>
+      </p:sp>
+      <p:sp>
+        <p:nvSpPr>
+          <p:cNvPr id="3" name="Content Placeholder 2">
+            <a:extLst>
+              <a:ext uri="{FF2B5EF4-FFF2-40B4-BE49-F238E27FC236}">
+                <a16:creationId xmlns:a16="http://schemas.microsoft.com/office/drawing/2014/main" id="{FB383055-E497-C2B5-F61A-2329690F4270}"/>
+              </a:ext>
+            </a:extLst>
+          </p:cNvPr>
+          <p:cNvSpPr>
+            <a:spLocks noGrp="1"/>
+          </p:cNvSpPr>
+          <p:nvPr>
+            <p:ph idx="1"/>
+          </p:nvPr>
+        </p:nvSpPr>
+        <p:spPr/>
+        <p:txBody>
+          <a:bodyPr/>
+          <a:lstStyle/>
+          <a:p>
+            <a:r>
+              <a:rPr lang="en-GB" dirty="0"/>
+              <a:t>Gradient boosted decision tree</a:t>
+            </a:r>
+          </a:p>
+          <a:p>
+            <a:endParaRPr lang="en-GB" dirty="0"/>
+          </a:p>
+          <a:p>
+            <a:endParaRPr lang="en-GB" dirty="0"/>
+          </a:p>
+          <a:p>
+            <a:r>
+              <a:rPr lang="en-GB" dirty="0"/>
+              <a:t>When in doubt =&gt; Use </a:t>
+            </a:r>
+            <a:r>
+              <a:rPr lang="en-GB" dirty="0" err="1"/>
+              <a:t>XGBoost</a:t>
+            </a:r>
+            <a:r>
+              <a:rPr lang="en-GB" dirty="0"/>
+              <a:t>!</a:t>
+            </a:r>
+          </a:p>
+          <a:p>
+            <a:endParaRPr lang="en-GB" dirty="0"/>
+          </a:p>
+          <a:p>
+            <a:pPr lvl="1"/>
+            <a:r>
+              <a:rPr lang="en-GB" dirty="0"/>
+              <a:t>+ Not sensitive to scaling</a:t>
+            </a:r>
+          </a:p>
+          <a:p>
+            <a:pPr lvl="1"/>
+            <a:r>
+              <a:rPr lang="en-GB" dirty="0"/>
+              <a:t>+ High performance</a:t>
+            </a:r>
+          </a:p>
+          <a:p>
+            <a:pPr lvl="1"/>
+            <a:r>
+              <a:rPr lang="en-GB" dirty="0"/>
+              <a:t>+ Easy feature importance tools</a:t>
+            </a:r>
+          </a:p>
+          <a:p>
+            <a:endParaRPr lang="en-GB" dirty="0"/>
+          </a:p>
+        </p:txBody>
+      </p:sp>
+    </p:spTree>
+    <p:extLst>
+      <p:ext uri="{BB962C8B-B14F-4D97-AF65-F5344CB8AC3E}">
+        <p14:creationId xmlns:p14="http://schemas.microsoft.com/office/powerpoint/2010/main" val="1508128421"/>
+      </p:ext>
+    </p:extLst>
+  </p:cSld>
+  <p:clrMapOvr>
+    <a:masterClrMapping/>
+  </p:clrMapOvr>
+</p:sld>
+</file>
+
+<file path=ppt/slides/slide22.xml><?xml version="1.0" encoding="utf-8"?>
+<p:sld xmlns:a="http://schemas.openxmlformats.org/drawingml/2006/main" xmlns:r="http://schemas.openxmlformats.org/officeDocument/2006/relationships" xmlns:p="http://schemas.openxmlformats.org/presentationml/2006/main">
+  <p:cSld>
+    <p:spTree>
+      <p:nvGrpSpPr>
+        <p:cNvPr id="1" name=""/>
+        <p:cNvGrpSpPr/>
+        <p:nvPr/>
+      </p:nvGrpSpPr>
+      <p:grpSpPr>
+        <a:xfrm>
+          <a:off x="0" y="0"/>
+          <a:ext cx="0" cy="0"/>
+          <a:chOff x="0" y="0"/>
+          <a:chExt cx="0" cy="0"/>
+        </a:xfrm>
+      </p:grpSpPr>
+      <p:sp>
+        <p:nvSpPr>
+          <p:cNvPr id="2" name="Title 1">
+            <a:extLst>
+              <a:ext uri="{FF2B5EF4-FFF2-40B4-BE49-F238E27FC236}">
+                <a16:creationId xmlns:a16="http://schemas.microsoft.com/office/drawing/2014/main" id="{B939C9AD-5D40-FCD1-BD03-0F9789725849}"/>
+              </a:ext>
+            </a:extLst>
+          </p:cNvPr>
+          <p:cNvSpPr>
+            <a:spLocks noGrp="1"/>
+          </p:cNvSpPr>
+          <p:nvPr>
+            <p:ph type="title"/>
+          </p:nvPr>
+        </p:nvSpPr>
+        <p:spPr/>
+        <p:txBody>
+          <a:bodyPr/>
+          <a:lstStyle/>
+          <a:p>
+            <a:r>
+              <a:rPr lang="en-GB" dirty="0"/>
+              <a:t>How does it do?</a:t>
+            </a:r>
+          </a:p>
+        </p:txBody>
+      </p:sp>
+      <p:pic>
+        <p:nvPicPr>
+          <p:cNvPr id="9" name="Content Placeholder 8">
+            <a:extLst>
+              <a:ext uri="{FF2B5EF4-FFF2-40B4-BE49-F238E27FC236}">
+                <a16:creationId xmlns:a16="http://schemas.microsoft.com/office/drawing/2014/main" id="{4A5F046E-B199-CAA5-CCB1-D71B6C0FA04D}"/>
+              </a:ext>
+            </a:extLst>
+          </p:cNvPr>
+          <p:cNvPicPr>
+            <a:picLocks noGrp="1" noChangeAspect="1"/>
+          </p:cNvPicPr>
+          <p:nvPr>
+            <p:ph idx="1"/>
+          </p:nvPr>
+        </p:nvPicPr>
+        <p:blipFill>
+          <a:blip r:embed="rId2"/>
+          <a:stretch>
+            <a:fillRect/>
+          </a:stretch>
+        </p:blipFill>
+        <p:spPr>
+          <a:xfrm>
+            <a:off x="6980237" y="1800860"/>
+            <a:ext cx="3819525" cy="3581400"/>
+          </a:xfrm>
+        </p:spPr>
+      </p:pic>
+      <p:pic>
+        <p:nvPicPr>
+          <p:cNvPr id="7" name="Picture 6">
+            <a:extLst>
+              <a:ext uri="{FF2B5EF4-FFF2-40B4-BE49-F238E27FC236}">
+                <a16:creationId xmlns:a16="http://schemas.microsoft.com/office/drawing/2014/main" id="{E6C8316A-B626-3DC9-EA1E-4EF58DCB2B87}"/>
+              </a:ext>
+            </a:extLst>
+          </p:cNvPr>
+          <p:cNvPicPr>
+            <a:picLocks noChangeAspect="1"/>
+          </p:cNvPicPr>
+          <p:nvPr/>
+        </p:nvPicPr>
+        <p:blipFill>
+          <a:blip r:embed="rId3"/>
+          <a:stretch>
+            <a:fillRect/>
+          </a:stretch>
+        </p:blipFill>
+        <p:spPr>
+          <a:xfrm>
+            <a:off x="1501775" y="1800860"/>
+            <a:ext cx="4210050" cy="3886200"/>
+          </a:xfrm>
+          <a:prstGeom prst="rect">
+            <a:avLst/>
+          </a:prstGeom>
+        </p:spPr>
+      </p:pic>
+      <p:sp>
+        <p:nvSpPr>
+          <p:cNvPr id="10" name="TextBox 9">
+            <a:extLst>
+              <a:ext uri="{FF2B5EF4-FFF2-40B4-BE49-F238E27FC236}">
+                <a16:creationId xmlns:a16="http://schemas.microsoft.com/office/drawing/2014/main" id="{98627FE2-7541-D079-97C6-555E6034E284}"/>
+              </a:ext>
+            </a:extLst>
+          </p:cNvPr>
+          <p:cNvSpPr txBox="1"/>
+          <p:nvPr/>
+        </p:nvSpPr>
+        <p:spPr>
+          <a:xfrm>
+            <a:off x="7123175" y="5687060"/>
+            <a:ext cx="3819525" cy="369332"/>
+          </a:xfrm>
+          <a:prstGeom prst="rect">
+            <a:avLst/>
+          </a:prstGeom>
+          <a:noFill/>
+        </p:spPr>
+        <p:txBody>
+          <a:bodyPr wrap="square" rtlCol="0">
+            <a:spAutoFit/>
+          </a:bodyPr>
+          <a:lstStyle/>
+          <a:p>
+            <a:r>
+              <a:rPr lang="en-GB" dirty="0"/>
+              <a:t>Needs translation to back to </a:t>
+            </a:r>
+            <a:r>
+              <a:rPr lang="en-GB" dirty="0" err="1"/>
+              <a:t>freq</a:t>
+            </a:r>
+            <a:r>
+              <a:rPr lang="en-GB" dirty="0"/>
+              <a:t> + bin </a:t>
+            </a:r>
+          </a:p>
+        </p:txBody>
+      </p:sp>
+    </p:spTree>
+    <p:extLst>
+      <p:ext uri="{BB962C8B-B14F-4D97-AF65-F5344CB8AC3E}">
+        <p14:creationId xmlns:p14="http://schemas.microsoft.com/office/powerpoint/2010/main" val="767908575"/>
+      </p:ext>
+    </p:extLst>
+  </p:cSld>
+  <p:clrMapOvr>
+    <a:masterClrMapping/>
+  </p:clrMapOvr>
+</p:sld>
+</file>
+
+<file path=ppt/slides/slide23.xml><?xml version="1.0" encoding="utf-8"?>
+<p:sld xmlns:a="http://schemas.openxmlformats.org/drawingml/2006/main" xmlns:r="http://schemas.openxmlformats.org/officeDocument/2006/relationships" xmlns:p="http://schemas.openxmlformats.org/presentationml/2006/main">
+  <p:cSld>
+    <p:spTree>
+      <p:nvGrpSpPr>
+        <p:cNvPr id="1" name=""/>
+        <p:cNvGrpSpPr/>
+        <p:nvPr/>
+      </p:nvGrpSpPr>
+      <p:grpSpPr>
+        <a:xfrm>
+          <a:off x="0" y="0"/>
+          <a:ext cx="0" cy="0"/>
+          <a:chOff x="0" y="0"/>
+          <a:chExt cx="0" cy="0"/>
+        </a:xfrm>
+      </p:grpSpPr>
+      <p:sp>
+        <p:nvSpPr>
+          <p:cNvPr id="2" name="Title 1">
+            <a:extLst>
+              <a:ext uri="{FF2B5EF4-FFF2-40B4-BE49-F238E27FC236}">
+                <a16:creationId xmlns:a16="http://schemas.microsoft.com/office/drawing/2014/main" id="{2A7C6E17-8422-45AF-8EF9-901F7968ED8E}"/>
+              </a:ext>
+            </a:extLst>
+          </p:cNvPr>
+          <p:cNvSpPr>
+            <a:spLocks noGrp="1"/>
+          </p:cNvSpPr>
+          <p:nvPr>
+            <p:ph type="title"/>
+          </p:nvPr>
+        </p:nvSpPr>
+        <p:spPr/>
+        <p:txBody>
+          <a:bodyPr/>
+          <a:lstStyle/>
+          <a:p>
+            <a:endParaRPr lang="en-GB" dirty="0"/>
+          </a:p>
+        </p:txBody>
+      </p:sp>
+      <p:sp>
+        <p:nvSpPr>
+          <p:cNvPr id="3" name="Content Placeholder 2">
+            <a:extLst>
+              <a:ext uri="{FF2B5EF4-FFF2-40B4-BE49-F238E27FC236}">
+                <a16:creationId xmlns:a16="http://schemas.microsoft.com/office/drawing/2014/main" id="{6E934A46-52E3-4FA7-E3EB-75A3352EC662}"/>
+              </a:ext>
+            </a:extLst>
+          </p:cNvPr>
+          <p:cNvSpPr>
+            <a:spLocks noGrp="1"/>
+          </p:cNvSpPr>
+          <p:nvPr>
+            <p:ph idx="1"/>
+          </p:nvPr>
+        </p:nvSpPr>
+        <p:spPr/>
+        <p:txBody>
+          <a:bodyPr/>
+          <a:lstStyle/>
+          <a:p>
+            <a:endParaRPr lang="en-GB" dirty="0"/>
+          </a:p>
+        </p:txBody>
+      </p:sp>
+      <p:pic>
+        <p:nvPicPr>
+          <p:cNvPr id="9" name="Picture 8" descr="A screenshot of a computer&#10;&#10;Description automatically generated">
+            <a:extLst>
+              <a:ext uri="{FF2B5EF4-FFF2-40B4-BE49-F238E27FC236}">
+                <a16:creationId xmlns:a16="http://schemas.microsoft.com/office/drawing/2014/main" id="{B6BB7602-D30D-529B-55B8-5B9C5C07B0FA}"/>
+              </a:ext>
+            </a:extLst>
+          </p:cNvPr>
+          <p:cNvPicPr>
+            <a:picLocks noChangeAspect="1"/>
+          </p:cNvPicPr>
+          <p:nvPr/>
+        </p:nvPicPr>
+        <p:blipFill>
+          <a:blip r:embed="rId2">
+            <a:extLst>
+              <a:ext uri="{28A0092B-C50C-407E-A947-70E740481C1C}">
+                <a14:useLocalDpi xmlns:a14="http://schemas.microsoft.com/office/drawing/2010/main" val="0"/>
+              </a:ext>
+            </a:extLst>
+          </a:blip>
+          <a:stretch>
+            <a:fillRect/>
+          </a:stretch>
+        </p:blipFill>
+        <p:spPr>
+          <a:xfrm>
+            <a:off x="4470399" y="2103958"/>
+            <a:ext cx="6688985" cy="4632122"/>
+          </a:xfrm>
+          <a:prstGeom prst="rect">
+            <a:avLst/>
+          </a:prstGeom>
+        </p:spPr>
+      </p:pic>
+    </p:spTree>
+    <p:extLst>
+      <p:ext uri="{BB962C8B-B14F-4D97-AF65-F5344CB8AC3E}">
+        <p14:creationId xmlns:p14="http://schemas.microsoft.com/office/powerpoint/2010/main" val="590011962"/>
+      </p:ext>
+    </p:extLst>
+  </p:cSld>
+  <p:clrMapOvr>
+    <a:masterClrMapping/>
+  </p:clrMapOvr>
+</p:sld>
+</file>
+
+<file path=ppt/slides/slide24.xml><?xml version="1.0" encoding="utf-8"?>
+<p:sld xmlns:a="http://schemas.openxmlformats.org/drawingml/2006/main" xmlns:r="http://schemas.openxmlformats.org/officeDocument/2006/relationships" xmlns:p="http://schemas.openxmlformats.org/presentationml/2006/main">
+  <p:cSld>
+    <p:spTree>
+      <p:nvGrpSpPr>
+        <p:cNvPr id="1" name=""/>
+        <p:cNvGrpSpPr/>
+        <p:nvPr/>
+      </p:nvGrpSpPr>
+      <p:grpSpPr>
+        <a:xfrm>
+          <a:off x="0" y="0"/>
+          <a:ext cx="0" cy="0"/>
+          <a:chOff x="0" y="0"/>
+          <a:chExt cx="0" cy="0"/>
+        </a:xfrm>
+      </p:grpSpPr>
+      <p:sp>
+        <p:nvSpPr>
+          <p:cNvPr id="2" name="Title 1">
+            <a:extLst>
+              <a:ext uri="{FF2B5EF4-FFF2-40B4-BE49-F238E27FC236}">
+                <a16:creationId xmlns:a16="http://schemas.microsoft.com/office/drawing/2014/main" id="{47A4501E-5F16-FBCD-9B1E-2F5A0CE41D57}"/>
+              </a:ext>
+            </a:extLst>
+          </p:cNvPr>
+          <p:cNvSpPr>
+            <a:spLocks noGrp="1"/>
+          </p:cNvSpPr>
+          <p:nvPr>
+            <p:ph type="title"/>
+          </p:nvPr>
+        </p:nvSpPr>
+        <p:spPr/>
+        <p:txBody>
+          <a:bodyPr/>
+          <a:lstStyle/>
+          <a:p>
+            <a:r>
+              <a:rPr lang="en-GB" dirty="0"/>
+              <a:t>Hyperparameter tuning</a:t>
+            </a:r>
+          </a:p>
+        </p:txBody>
+      </p:sp>
+      <p:sp>
+        <p:nvSpPr>
+          <p:cNvPr id="3" name="Text Placeholder 2">
+            <a:extLst>
+              <a:ext uri="{FF2B5EF4-FFF2-40B4-BE49-F238E27FC236}">
+                <a16:creationId xmlns:a16="http://schemas.microsoft.com/office/drawing/2014/main" id="{B4F6EC1F-54FF-E9D2-3C8A-9A494DC2C8D2}"/>
+              </a:ext>
+            </a:extLst>
+          </p:cNvPr>
+          <p:cNvSpPr>
+            <a:spLocks noGrp="1"/>
+          </p:cNvSpPr>
+          <p:nvPr>
+            <p:ph type="body" idx="1"/>
+          </p:nvPr>
+        </p:nvSpPr>
+        <p:spPr/>
+        <p:txBody>
+          <a:bodyPr/>
+          <a:lstStyle/>
+          <a:p>
+            <a:endParaRPr lang="en-GB"/>
+          </a:p>
+        </p:txBody>
+      </p:sp>
+    </p:spTree>
+    <p:extLst>
+      <p:ext uri="{BB962C8B-B14F-4D97-AF65-F5344CB8AC3E}">
+        <p14:creationId xmlns:p14="http://schemas.microsoft.com/office/powerpoint/2010/main" val="3976801953"/>
+      </p:ext>
+    </p:extLst>
+  </p:cSld>
+  <p:clrMapOvr>
+    <a:masterClrMapping/>
+  </p:clrMapOvr>
+</p:sld>
+</file>
+
+<file path=ppt/slides/slide25.xml><?xml version="1.0" encoding="utf-8"?>
+<p:sld xmlns:a="http://schemas.openxmlformats.org/drawingml/2006/main" xmlns:r="http://schemas.openxmlformats.org/officeDocument/2006/relationships" xmlns:p="http://schemas.openxmlformats.org/presentationml/2006/main">
+  <p:cSld>
+    <p:spTree>
+      <p:nvGrpSpPr>
+        <p:cNvPr id="1" name=""/>
+        <p:cNvGrpSpPr/>
+        <p:nvPr/>
+      </p:nvGrpSpPr>
+      <p:grpSpPr>
+        <a:xfrm>
+          <a:off x="0" y="0"/>
+          <a:ext cx="0" cy="0"/>
+          <a:chOff x="0" y="0"/>
+          <a:chExt cx="0" cy="0"/>
+        </a:xfrm>
+      </p:grpSpPr>
+      <p:sp>
+        <p:nvSpPr>
+          <p:cNvPr id="4" name="Title 3">
+            <a:extLst>
+              <a:ext uri="{FF2B5EF4-FFF2-40B4-BE49-F238E27FC236}">
+                <a16:creationId xmlns:a16="http://schemas.microsoft.com/office/drawing/2014/main" id="{F1FDE157-BD5A-CE93-CC57-3803388AC6EC}"/>
+              </a:ext>
+            </a:extLst>
+          </p:cNvPr>
+          <p:cNvSpPr>
+            <a:spLocks noGrp="1"/>
+          </p:cNvSpPr>
+          <p:nvPr>
+            <p:ph type="title"/>
+          </p:nvPr>
+        </p:nvSpPr>
+        <p:spPr/>
+        <p:txBody>
+          <a:bodyPr/>
+          <a:lstStyle/>
+          <a:p>
+            <a:r>
+              <a:rPr lang="en-GB" dirty="0"/>
+              <a:t>Stuff that affects performance</a:t>
+            </a:r>
+          </a:p>
+        </p:txBody>
+      </p:sp>
+      <p:sp>
+        <p:nvSpPr>
+          <p:cNvPr id="5" name="Content Placeholder 4">
+            <a:extLst>
+              <a:ext uri="{FF2B5EF4-FFF2-40B4-BE49-F238E27FC236}">
+                <a16:creationId xmlns:a16="http://schemas.microsoft.com/office/drawing/2014/main" id="{6728A368-CAD2-7A35-F615-FDF35DCC286A}"/>
+              </a:ext>
+            </a:extLst>
+          </p:cNvPr>
+          <p:cNvSpPr>
+            <a:spLocks noGrp="1"/>
+          </p:cNvSpPr>
+          <p:nvPr>
+            <p:ph idx="1"/>
+          </p:nvPr>
+        </p:nvSpPr>
+        <p:spPr/>
+        <p:txBody>
+          <a:bodyPr>
+            <a:normAutofit fontScale="62500" lnSpcReduction="20000"/>
+          </a:bodyPr>
+          <a:lstStyle/>
+          <a:p>
+            <a:r>
+              <a:rPr lang="en-GB" dirty="0"/>
+              <a:t>Filtering</a:t>
+            </a:r>
+          </a:p>
+          <a:p>
+            <a:r>
+              <a:rPr lang="en-GB" dirty="0"/>
+              <a:t>Window length</a:t>
+            </a:r>
+          </a:p>
+          <a:p>
+            <a:r>
+              <a:rPr lang="en-GB" dirty="0"/>
+              <a:t>Nr of windows</a:t>
+            </a:r>
+          </a:p>
+          <a:p>
+            <a:r>
+              <a:rPr lang="en-GB" dirty="0" err="1"/>
+              <a:t>Spectogram</a:t>
+            </a:r>
+            <a:r>
+              <a:rPr lang="en-GB" dirty="0"/>
+              <a:t>:</a:t>
+            </a:r>
+          </a:p>
+          <a:p>
+            <a:pPr lvl="1"/>
+            <a:r>
+              <a:rPr lang="en-GB" dirty="0"/>
+              <a:t>Resolution</a:t>
+            </a:r>
+          </a:p>
+          <a:p>
+            <a:pPr lvl="1"/>
+            <a:r>
+              <a:rPr lang="en-GB" dirty="0"/>
+              <a:t>Freq Range</a:t>
+            </a:r>
+          </a:p>
+          <a:p>
+            <a:r>
+              <a:rPr lang="en-GB" dirty="0" err="1"/>
+              <a:t>XGBoost</a:t>
+            </a:r>
+            <a:r>
+              <a:rPr lang="en-GB" dirty="0"/>
+              <a:t>:</a:t>
+            </a:r>
+          </a:p>
+          <a:p>
+            <a:pPr lvl="1"/>
+            <a:r>
+              <a:rPr lang="en-GB" dirty="0"/>
+              <a:t>Depth</a:t>
+            </a:r>
+          </a:p>
+          <a:p>
+            <a:pPr lvl="1"/>
+            <a:r>
+              <a:rPr lang="en-GB" dirty="0"/>
+              <a:t>N-times</a:t>
+            </a:r>
+          </a:p>
+          <a:p>
+            <a:pPr lvl="1"/>
+            <a:r>
+              <a:rPr lang="en-GB" dirty="0" err="1"/>
+              <a:t>CrossValidation</a:t>
+            </a:r>
+            <a:endParaRPr lang="en-GB" dirty="0"/>
+          </a:p>
+          <a:p>
+            <a:r>
+              <a:rPr lang="en-GB" dirty="0"/>
+              <a:t>NN:</a:t>
+            </a:r>
+          </a:p>
+          <a:p>
+            <a:pPr lvl="1"/>
+            <a:r>
+              <a:rPr lang="en-GB" dirty="0"/>
+              <a:t>Layers</a:t>
+            </a:r>
+          </a:p>
+          <a:p>
+            <a:pPr lvl="1"/>
+            <a:r>
+              <a:rPr lang="en-GB" dirty="0"/>
+              <a:t>Nodes</a:t>
+            </a:r>
+          </a:p>
+          <a:p>
+            <a:pPr lvl="1"/>
+            <a:r>
+              <a:rPr lang="en-GB" dirty="0"/>
+              <a:t>Training</a:t>
+            </a:r>
+          </a:p>
+          <a:p>
+            <a:pPr lvl="1"/>
+            <a:r>
+              <a:rPr lang="en-GB" dirty="0"/>
+              <a:t>Loss function</a:t>
+            </a:r>
+          </a:p>
+          <a:p>
+            <a:pPr lvl="1"/>
+            <a:r>
+              <a:rPr lang="en-GB" dirty="0"/>
+              <a:t>Training rate</a:t>
+            </a:r>
+          </a:p>
+          <a:p>
+            <a:pPr lvl="1"/>
+            <a:r>
+              <a:rPr lang="en-GB" dirty="0"/>
+              <a:t>…</a:t>
+            </a:r>
+          </a:p>
+        </p:txBody>
+      </p:sp>
+    </p:spTree>
+    <p:extLst>
+      <p:ext uri="{BB962C8B-B14F-4D97-AF65-F5344CB8AC3E}">
+        <p14:creationId xmlns:p14="http://schemas.microsoft.com/office/powerpoint/2010/main" val="1789169240"/>
+      </p:ext>
+    </p:extLst>
+  </p:cSld>
+  <p:clrMapOvr>
+    <a:masterClrMapping/>
+  </p:clrMapOvr>
+</p:sld>
+</file>
+
+<file path=ppt/slides/slide26.xml><?xml version="1.0" encoding="utf-8"?>
+<p:sld xmlns:a="http://schemas.openxmlformats.org/drawingml/2006/main" xmlns:r="http://schemas.openxmlformats.org/officeDocument/2006/relationships" xmlns:p="http://schemas.openxmlformats.org/presentationml/2006/main">
+  <p:cSld>
+    <p:spTree>
+      <p:nvGrpSpPr>
+        <p:cNvPr id="1" name=""/>
+        <p:cNvGrpSpPr/>
+        <p:nvPr/>
+      </p:nvGrpSpPr>
+      <p:grpSpPr>
+        <a:xfrm>
+          <a:off x="0" y="0"/>
+          <a:ext cx="0" cy="0"/>
+          <a:chOff x="0" y="0"/>
+          <a:chExt cx="0" cy="0"/>
+        </a:xfrm>
+      </p:grpSpPr>
+      <p:sp>
+        <p:nvSpPr>
+          <p:cNvPr id="4" name="Title 3">
+            <a:extLst>
+              <a:ext uri="{FF2B5EF4-FFF2-40B4-BE49-F238E27FC236}">
+                <a16:creationId xmlns:a16="http://schemas.microsoft.com/office/drawing/2014/main" id="{87B8CEC8-E73C-05CA-E8AA-82D63FEBF7A3}"/>
+              </a:ext>
+            </a:extLst>
+          </p:cNvPr>
+          <p:cNvSpPr>
+            <a:spLocks noGrp="1"/>
+          </p:cNvSpPr>
+          <p:nvPr>
+            <p:ph type="title"/>
+          </p:nvPr>
+        </p:nvSpPr>
+        <p:spPr/>
+        <p:txBody>
+          <a:bodyPr/>
+          <a:lstStyle/>
+          <a:p>
+            <a:r>
+              <a:rPr lang="en-GB" dirty="0"/>
+              <a:t>Conclusions</a:t>
+            </a:r>
+          </a:p>
+        </p:txBody>
+      </p:sp>
+      <p:sp>
+        <p:nvSpPr>
+          <p:cNvPr id="3" name="Content Placeholder 2">
+            <a:extLst>
+              <a:ext uri="{FF2B5EF4-FFF2-40B4-BE49-F238E27FC236}">
+                <a16:creationId xmlns:a16="http://schemas.microsoft.com/office/drawing/2014/main" id="{CD934F8F-78AA-563B-9701-F7530A227FA6}"/>
+              </a:ext>
+            </a:extLst>
+          </p:cNvPr>
+          <p:cNvSpPr>
+            <a:spLocks noGrp="1"/>
+          </p:cNvSpPr>
+          <p:nvPr>
+            <p:ph type="body" idx="1"/>
+          </p:nvPr>
+        </p:nvSpPr>
+        <p:spPr/>
+        <p:txBody>
+          <a:bodyPr>
+            <a:normAutofit/>
+          </a:bodyPr>
+          <a:lstStyle/>
+          <a:p>
+            <a:endParaRPr lang="en-GB" dirty="0"/>
+          </a:p>
+        </p:txBody>
+      </p:sp>
+    </p:spTree>
+    <p:extLst>
+      <p:ext uri="{BB962C8B-B14F-4D97-AF65-F5344CB8AC3E}">
+        <p14:creationId xmlns:p14="http://schemas.microsoft.com/office/powerpoint/2010/main" val="100171256"/>
+      </p:ext>
+    </p:extLst>
+  </p:cSld>
+  <p:clrMapOvr>
+    <a:masterClrMapping/>
+  </p:clrMapOvr>
+</p:sld>
+</file>
+
+<file path=ppt/slides/slide27.xml><?xml version="1.0" encoding="utf-8"?>
+<p:sld xmlns:a="http://schemas.openxmlformats.org/drawingml/2006/main" xmlns:r="http://schemas.openxmlformats.org/officeDocument/2006/relationships" xmlns:p="http://schemas.openxmlformats.org/presentationml/2006/main">
+  <p:cSld>
+    <p:spTree>
+      <p:nvGrpSpPr>
+        <p:cNvPr id="1" name=""/>
+        <p:cNvGrpSpPr/>
+        <p:nvPr/>
+      </p:nvGrpSpPr>
+      <p:grpSpPr>
+        <a:xfrm>
+          <a:off x="0" y="0"/>
+          <a:ext cx="0" cy="0"/>
+          <a:chOff x="0" y="0"/>
+          <a:chExt cx="0" cy="0"/>
+        </a:xfrm>
+      </p:grpSpPr>
+      <p:sp>
+        <p:nvSpPr>
+          <p:cNvPr id="2" name="Title 1">
+            <a:extLst>
+              <a:ext uri="{FF2B5EF4-FFF2-40B4-BE49-F238E27FC236}">
+                <a16:creationId xmlns:a16="http://schemas.microsoft.com/office/drawing/2014/main" id="{A387ADE2-5DCE-908C-6F6E-53991A4DC9B6}"/>
+              </a:ext>
+            </a:extLst>
+          </p:cNvPr>
+          <p:cNvSpPr>
+            <a:spLocks noGrp="1"/>
+          </p:cNvSpPr>
+          <p:nvPr>
+            <p:ph type="title"/>
+          </p:nvPr>
+        </p:nvSpPr>
+        <p:spPr/>
+        <p:txBody>
+          <a:bodyPr/>
+          <a:lstStyle/>
+          <a:p>
+            <a:r>
+              <a:rPr lang="en-GB" dirty="0"/>
+              <a:t>Conclusions</a:t>
+            </a:r>
+          </a:p>
+        </p:txBody>
+      </p:sp>
+      <p:sp>
+        <p:nvSpPr>
+          <p:cNvPr id="3" name="Content Placeholder 2">
+            <a:extLst>
+              <a:ext uri="{FF2B5EF4-FFF2-40B4-BE49-F238E27FC236}">
+                <a16:creationId xmlns:a16="http://schemas.microsoft.com/office/drawing/2014/main" id="{E429667C-2662-29D9-1386-FB7C5D6A20E8}"/>
+              </a:ext>
+            </a:extLst>
+          </p:cNvPr>
+          <p:cNvSpPr>
+            <a:spLocks noGrp="1"/>
+          </p:cNvSpPr>
+          <p:nvPr>
+            <p:ph idx="1"/>
+          </p:nvPr>
+        </p:nvSpPr>
+        <p:spPr/>
+        <p:txBody>
+          <a:bodyPr/>
+          <a:lstStyle/>
+          <a:p>
+            <a:r>
+              <a:rPr lang="en-GB" dirty="0"/>
+              <a:t>Data info crucial for design</a:t>
+            </a:r>
+          </a:p>
+          <a:p>
+            <a:r>
+              <a:rPr lang="en-GB" dirty="0"/>
+              <a:t>Design is crucial for data choice</a:t>
+            </a:r>
+          </a:p>
+          <a:p>
+            <a:endParaRPr lang="en-GB" dirty="0"/>
+          </a:p>
+          <a:p>
+            <a:r>
+              <a:rPr lang="en-GB" dirty="0"/>
+              <a:t>NN lend themselves good for images</a:t>
+            </a:r>
+          </a:p>
+          <a:p>
+            <a:r>
+              <a:rPr lang="en-GB" dirty="0"/>
+              <a:t>Training more challenging</a:t>
+            </a:r>
+          </a:p>
+          <a:p>
+            <a:r>
+              <a:rPr lang="en-GB" dirty="0"/>
+              <a:t>Explainability more challenging =&gt; heat map could help </a:t>
+            </a:r>
+            <a:r>
+              <a:rPr lang="en-GB"/>
+              <a:t>identify patterns</a:t>
+            </a:r>
+            <a:endParaRPr lang="en-GB" dirty="0"/>
+          </a:p>
+        </p:txBody>
+      </p:sp>
+    </p:spTree>
+    <p:extLst>
+      <p:ext uri="{BB962C8B-B14F-4D97-AF65-F5344CB8AC3E}">
+        <p14:creationId xmlns:p14="http://schemas.microsoft.com/office/powerpoint/2010/main" val="3185058267"/>
+      </p:ext>
+    </p:extLst>
+  </p:cSld>
+  <p:clrMapOvr>
+    <a:masterClrMapping/>
+  </p:clrMapOvr>
+</p:sld>
+</file>
+
+<file path=ppt/slides/slide3.xml><?xml version="1.0" encoding="utf-8"?>
+<p:sld xmlns:a="http://schemas.openxmlformats.org/drawingml/2006/main" xmlns:r="http://schemas.openxmlformats.org/officeDocument/2006/relationships" xmlns:p="http://schemas.openxmlformats.org/presentationml/2006/main">
+  <p:cSld>
+    <p:spTree>
+      <p:nvGrpSpPr>
+        <p:cNvPr id="1" name=""/>
+        <p:cNvGrpSpPr/>
+        <p:nvPr/>
+      </p:nvGrpSpPr>
+      <p:grpSpPr>
+        <a:xfrm>
+          <a:off x="0" y="0"/>
+          <a:ext cx="0" cy="0"/>
+          <a:chOff x="0" y="0"/>
+          <a:chExt cx="0" cy="0"/>
+        </a:xfrm>
+      </p:grpSpPr>
+      <p:sp>
+        <p:nvSpPr>
+          <p:cNvPr id="2" name="Title 1">
+            <a:extLst>
+              <a:ext uri="{FF2B5EF4-FFF2-40B4-BE49-F238E27FC236}">
+                <a16:creationId xmlns:a16="http://schemas.microsoft.com/office/drawing/2014/main" id="{4501616F-6084-10C4-0290-487EF33AFE28}"/>
+              </a:ext>
+            </a:extLst>
+          </p:cNvPr>
+          <p:cNvSpPr>
+            <a:spLocks noGrp="1"/>
+          </p:cNvSpPr>
+          <p:nvPr>
+            <p:ph type="title"/>
+          </p:nvPr>
+        </p:nvSpPr>
+        <p:spPr/>
+        <p:txBody>
+          <a:bodyPr/>
+          <a:lstStyle/>
+          <a:p>
+            <a:r>
+              <a:rPr lang="en-GB" dirty="0"/>
+              <a:t>Time allocation – 80/20 rule</a:t>
+            </a:r>
+          </a:p>
+        </p:txBody>
+      </p:sp>
+      <p:sp>
+        <p:nvSpPr>
+          <p:cNvPr id="3" name="Content Placeholder 2">
+            <a:extLst>
+              <a:ext uri="{FF2B5EF4-FFF2-40B4-BE49-F238E27FC236}">
+                <a16:creationId xmlns:a16="http://schemas.microsoft.com/office/drawing/2014/main" id="{6FCA331A-D667-84C5-7B4D-4DE18D6E9330}"/>
+              </a:ext>
+            </a:extLst>
+          </p:cNvPr>
+          <p:cNvSpPr>
+            <a:spLocks noGrp="1"/>
+          </p:cNvSpPr>
+          <p:nvPr>
+            <p:ph idx="1"/>
+          </p:nvPr>
+        </p:nvSpPr>
+        <p:spPr>
+          <a:xfrm>
+            <a:off x="6373369" y="2301486"/>
+            <a:ext cx="5190744" cy="4351338"/>
+          </a:xfrm>
+        </p:spPr>
+        <p:txBody>
+          <a:bodyPr>
+            <a:normAutofit/>
+          </a:bodyPr>
+          <a:lstStyle/>
+          <a:p>
+            <a:r>
+              <a:rPr lang="en-GB" dirty="0"/>
+              <a:t>Effort spend:</a:t>
+            </a:r>
+          </a:p>
+          <a:p>
+            <a:pPr lvl="1"/>
+            <a:r>
+              <a:rPr lang="en-GB" dirty="0"/>
+              <a:t>~2 days</a:t>
+            </a:r>
+          </a:p>
+          <a:p>
+            <a:pPr lvl="1"/>
+            <a:r>
+              <a:rPr lang="en-GB" dirty="0"/>
+              <a:t>Not all steps done (to the needed extend)</a:t>
+            </a:r>
+          </a:p>
+          <a:p>
+            <a:endParaRPr lang="en-GB" dirty="0"/>
+          </a:p>
+          <a:p>
+            <a:r>
+              <a:rPr lang="en-GB" dirty="0"/>
+              <a:t>Aim: </a:t>
+            </a:r>
+          </a:p>
+          <a:p>
+            <a:pPr lvl="1"/>
+            <a:r>
+              <a:rPr lang="en-GB" dirty="0"/>
+              <a:t>Give idea on how I approach</a:t>
+            </a:r>
+          </a:p>
+          <a:p>
+            <a:pPr lvl="1"/>
+            <a:r>
+              <a:rPr lang="en-GB" dirty="0"/>
+              <a:t>Questions that came up along the way</a:t>
+            </a:r>
+          </a:p>
+        </p:txBody>
+      </p:sp>
+      <p:grpSp>
+        <p:nvGrpSpPr>
+          <p:cNvPr id="7" name="Group 6">
+            <a:extLst>
+              <a:ext uri="{FF2B5EF4-FFF2-40B4-BE49-F238E27FC236}">
+                <a16:creationId xmlns:a16="http://schemas.microsoft.com/office/drawing/2014/main" id="{223EFA90-8ECC-E6E8-9459-1099994AD0F7}"/>
+              </a:ext>
+            </a:extLst>
+          </p:cNvPr>
+          <p:cNvGrpSpPr/>
+          <p:nvPr/>
+        </p:nvGrpSpPr>
+        <p:grpSpPr>
+          <a:xfrm>
+            <a:off x="443159" y="1690688"/>
+            <a:ext cx="5839454" cy="3933189"/>
+            <a:chOff x="443159" y="1464858"/>
+            <a:chExt cx="5839454" cy="3933189"/>
+          </a:xfrm>
+        </p:grpSpPr>
+        <p:pic>
+          <p:nvPicPr>
+            <p:cNvPr id="5" name="Picture 4" descr="A pie chart with numbers and text&#10;&#10;Description automatically generated">
+              <a:extLst>
+                <a:ext uri="{FF2B5EF4-FFF2-40B4-BE49-F238E27FC236}">
+                  <a16:creationId xmlns:a16="http://schemas.microsoft.com/office/drawing/2014/main" id="{5638B23E-9E08-FC62-62FE-1B12E096AE4E}"/>
+                </a:ext>
+              </a:extLst>
+            </p:cNvPr>
+            <p:cNvPicPr>
+              <a:picLocks noChangeAspect="1"/>
+            </p:cNvPicPr>
+            <p:nvPr/>
+          </p:nvPicPr>
+          <p:blipFill rotWithShape="1">
+            <a:blip r:embed="rId2">
+              <a:extLst>
+                <a:ext uri="{28A0092B-C50C-407E-A947-70E740481C1C}">
+                  <a14:useLocalDpi xmlns:a14="http://schemas.microsoft.com/office/drawing/2010/main" val="0"/>
+                </a:ext>
+              </a:extLst>
+            </a:blip>
+            <a:srcRect l="2246" r="4029" b="6031"/>
+            <a:stretch/>
+          </p:blipFill>
+          <p:spPr>
+            <a:xfrm>
+              <a:off x="443159" y="1464858"/>
+              <a:ext cx="5839454" cy="3471524"/>
+            </a:xfrm>
+            <a:prstGeom prst="rect">
+              <a:avLst/>
+            </a:prstGeom>
+          </p:spPr>
+        </p:pic>
+        <p:sp>
+          <p:nvSpPr>
+            <p:cNvPr id="6" name="TextBox 5">
+              <a:extLst>
+                <a:ext uri="{FF2B5EF4-FFF2-40B4-BE49-F238E27FC236}">
+                  <a16:creationId xmlns:a16="http://schemas.microsoft.com/office/drawing/2014/main" id="{A57457AB-8114-C81C-CDB6-A3917E53D03B}"/>
+                </a:ext>
+              </a:extLst>
+            </p:cNvPr>
+            <p:cNvSpPr txBox="1"/>
+            <p:nvPr/>
+          </p:nvSpPr>
+          <p:spPr>
+            <a:xfrm>
+              <a:off x="1053053" y="4936382"/>
+              <a:ext cx="4349372" cy="461665"/>
+            </a:xfrm>
+            <a:prstGeom prst="rect">
+              <a:avLst/>
+            </a:prstGeom>
+            <a:noFill/>
+          </p:spPr>
+          <p:txBody>
+            <a:bodyPr wrap="square" rtlCol="0">
+              <a:spAutoFit/>
+            </a:bodyPr>
+            <a:lstStyle/>
+            <a:p>
+              <a:r>
+                <a:rPr lang="en-US" sz="800" dirty="0"/>
+                <a:t>"Playing the whole game": A data collection and analysis exercise with Google Calendar - Scientific Figure on ResearchGate. Available from: https://www.researchgate.net/figure/The-80-20-rule-of-data-wrangling_fig2_339550606 [accessed 25 Oct 2024]</a:t>
+              </a:r>
+              <a:endParaRPr lang="en-GB" sz="800" dirty="0"/>
+            </a:p>
+          </p:txBody>
+        </p:sp>
+      </p:grpSp>
+    </p:spTree>
+    <p:extLst>
+      <p:ext uri="{BB962C8B-B14F-4D97-AF65-F5344CB8AC3E}">
+        <p14:creationId xmlns:p14="http://schemas.microsoft.com/office/powerpoint/2010/main" val="2476733449"/>
+      </p:ext>
+    </p:extLst>
+  </p:cSld>
+  <p:clrMapOvr>
+    <a:masterClrMapping/>
+  </p:clrMapOvr>
+</p:sld>
+</file>
+
+<file path=ppt/slides/slide4.xml><?xml version="1.0" encoding="utf-8"?>
+<p:sld xmlns:a="http://schemas.openxmlformats.org/drawingml/2006/main" xmlns:r="http://schemas.openxmlformats.org/officeDocument/2006/relationships" xmlns:p="http://schemas.openxmlformats.org/presentationml/2006/main">
+  <p:cSld>
+    <p:spTree>
+      <p:nvGrpSpPr>
+        <p:cNvPr id="1" name=""/>
+        <p:cNvGrpSpPr/>
+        <p:nvPr/>
+      </p:nvGrpSpPr>
+      <p:grpSpPr>
+        <a:xfrm>
+          <a:off x="0" y="0"/>
+          <a:ext cx="0" cy="0"/>
+          <a:chOff x="0" y="0"/>
+          <a:chExt cx="0" cy="0"/>
+        </a:xfrm>
+      </p:grpSpPr>
+      <p:sp>
+        <p:nvSpPr>
+          <p:cNvPr id="2" name="Title 1">
+            <a:extLst>
+              <a:ext uri="{FF2B5EF4-FFF2-40B4-BE49-F238E27FC236}">
+                <a16:creationId xmlns:a16="http://schemas.microsoft.com/office/drawing/2014/main" id="{4BE18E1D-F639-DFB9-2832-ED67065D803E}"/>
+              </a:ext>
+            </a:extLst>
+          </p:cNvPr>
+          <p:cNvSpPr>
+            <a:spLocks noGrp="1"/>
+          </p:cNvSpPr>
+          <p:nvPr>
+            <p:ph type="title"/>
+          </p:nvPr>
+        </p:nvSpPr>
+        <p:spPr/>
+        <p:txBody>
+          <a:bodyPr/>
+          <a:lstStyle/>
+          <a:p>
+            <a:r>
+              <a:rPr lang="en-GB" dirty="0"/>
+              <a:t>Git Repository</a:t>
+            </a:r>
+          </a:p>
+        </p:txBody>
+      </p:sp>
+      <p:sp>
+        <p:nvSpPr>
+          <p:cNvPr id="3" name="Content Placeholder 2">
+            <a:extLst>
+              <a:ext uri="{FF2B5EF4-FFF2-40B4-BE49-F238E27FC236}">
+                <a16:creationId xmlns:a16="http://schemas.microsoft.com/office/drawing/2014/main" id="{2FC2F601-01DC-0B29-0634-D390033D9AC8}"/>
+              </a:ext>
+            </a:extLst>
+          </p:cNvPr>
+          <p:cNvSpPr>
+            <a:spLocks noGrp="1"/>
+          </p:cNvSpPr>
+          <p:nvPr>
+            <p:ph idx="1"/>
+          </p:nvPr>
+        </p:nvSpPr>
+        <p:spPr>
+          <a:xfrm>
+            <a:off x="7489310" y="1749798"/>
+            <a:ext cx="3060442" cy="1458751"/>
+          </a:xfrm>
+        </p:spPr>
+        <p:txBody>
+          <a:bodyPr/>
+          <a:lstStyle/>
+          <a:p>
+            <a:r>
+              <a:rPr lang="en-GB" sz="1600" dirty="0">
+                <a:hlinkClick r:id="rId2"/>
+              </a:rPr>
+              <a:t>https://github.com/JeroenBuil/deegtal_coding_task</a:t>
+            </a:r>
+            <a:endParaRPr lang="en-GB" sz="1600" dirty="0"/>
+          </a:p>
+          <a:p>
+            <a:endParaRPr lang="en-GB" dirty="0"/>
+          </a:p>
+          <a:p>
+            <a:endParaRPr lang="en-GB" dirty="0"/>
+          </a:p>
+          <a:p>
+            <a:endParaRPr lang="en-GB" dirty="0"/>
+          </a:p>
+          <a:p>
+            <a:pPr marL="0" indent="0">
+              <a:buNone/>
+            </a:pPr>
+            <a:endParaRPr lang="en-GB" dirty="0"/>
+          </a:p>
+        </p:txBody>
+      </p:sp>
+      <p:pic>
+        <p:nvPicPr>
+          <p:cNvPr id="5" name="Picture 4">
+            <a:extLst>
+              <a:ext uri="{FF2B5EF4-FFF2-40B4-BE49-F238E27FC236}">
+                <a16:creationId xmlns:a16="http://schemas.microsoft.com/office/drawing/2014/main" id="{1257D97C-5159-407C-947F-00F85F186E5A}"/>
+              </a:ext>
+            </a:extLst>
+          </p:cNvPr>
+          <p:cNvPicPr>
+            <a:picLocks noChangeAspect="1"/>
+          </p:cNvPicPr>
+          <p:nvPr/>
+        </p:nvPicPr>
+        <p:blipFill>
+          <a:blip r:embed="rId3"/>
+          <a:stretch>
+            <a:fillRect/>
+          </a:stretch>
+        </p:blipFill>
+        <p:spPr>
+          <a:xfrm>
+            <a:off x="1399423" y="1616756"/>
+            <a:ext cx="6089887" cy="2047462"/>
+          </a:xfrm>
+          <a:prstGeom prst="rect">
+            <a:avLst/>
+          </a:prstGeom>
+        </p:spPr>
+      </p:pic>
+      <p:sp>
+        <p:nvSpPr>
+          <p:cNvPr id="4" name="Content Placeholder 2">
+            <a:extLst>
+              <a:ext uri="{FF2B5EF4-FFF2-40B4-BE49-F238E27FC236}">
+                <a16:creationId xmlns:a16="http://schemas.microsoft.com/office/drawing/2014/main" id="{EFBDD6A1-C74B-1483-B9D9-81A803D16614}"/>
+              </a:ext>
+            </a:extLst>
+          </p:cNvPr>
+          <p:cNvSpPr txBox="1">
+            <a:spLocks/>
+          </p:cNvSpPr>
+          <p:nvPr/>
+        </p:nvSpPr>
+        <p:spPr>
+          <a:xfrm>
+            <a:off x="1399423" y="4229749"/>
+            <a:ext cx="2906593" cy="1558212"/>
+          </a:xfrm>
+          <a:prstGeom prst="rect">
+            <a:avLst/>
+          </a:prstGeom>
+        </p:spPr>
+        <p:txBody>
+          <a:bodyPr vert="horz" lIns="91440" tIns="45720" rIns="91440" bIns="45720" rtlCol="0">
+            <a:normAutofit fontScale="92500" lnSpcReduction="10000"/>
+          </a:bodyPr>
+          <a:lstStyle>
+            <a:lvl1pPr marL="228600" indent="-228600" algn="l" defTabSz="914400" rtl="0" eaLnBrk="1" latinLnBrk="0" hangingPunct="1">
+              <a:lnSpc>
+                <a:spcPct val="90000"/>
+              </a:lnSpc>
+              <a:spcBef>
+                <a:spcPts val="1000"/>
+              </a:spcBef>
+              <a:buFont typeface="Arial" panose="020B0604020202020204" pitchFamily="34" charset="0"/>
+              <a:buChar char="•"/>
+              <a:defRPr sz="2800" kern="1200">
+                <a:solidFill>
+                  <a:schemeClr val="tx1"/>
+                </a:solidFill>
+                <a:latin typeface="+mn-lt"/>
+                <a:ea typeface="+mn-ea"/>
+                <a:cs typeface="+mn-cs"/>
+              </a:defRPr>
+            </a:lvl1pPr>
+            <a:lvl2pPr marL="685800" indent="-228600" algn="l" defTabSz="914400" rtl="0" eaLnBrk="1" latinLnBrk="0" hangingPunct="1">
+              <a:lnSpc>
+                <a:spcPct val="90000"/>
+              </a:lnSpc>
+              <a:spcBef>
+                <a:spcPts val="500"/>
+              </a:spcBef>
+              <a:buFont typeface="Arial" panose="020B0604020202020204" pitchFamily="34" charset="0"/>
+              <a:buChar char="•"/>
+              <a:defRPr sz="2400" kern="1200">
+                <a:solidFill>
+                  <a:schemeClr val="tx1"/>
+                </a:solidFill>
+                <a:latin typeface="+mn-lt"/>
+                <a:ea typeface="+mn-ea"/>
+                <a:cs typeface="+mn-cs"/>
+              </a:defRPr>
+            </a:lvl2pPr>
+            <a:lvl3pPr marL="1143000" indent="-228600" algn="l" defTabSz="914400" rtl="0" eaLnBrk="1" latinLnBrk="0" hangingPunct="1">
+              <a:lnSpc>
+                <a:spcPct val="90000"/>
+              </a:lnSpc>
+              <a:spcBef>
+                <a:spcPts val="500"/>
+              </a:spcBef>
+              <a:buFont typeface="Arial" panose="020B0604020202020204" pitchFamily="34" charset="0"/>
+              <a:buChar char="•"/>
+              <a:defRPr sz="2000" kern="1200">
+                <a:solidFill>
+                  <a:schemeClr val="tx1"/>
+                </a:solidFill>
+                <a:latin typeface="+mn-lt"/>
+                <a:ea typeface="+mn-ea"/>
+                <a:cs typeface="+mn-cs"/>
+              </a:defRPr>
+            </a:lvl3pPr>
+            <a:lvl4pPr marL="1600200" indent="-228600" algn="l" defTabSz="914400" rtl="0" eaLnBrk="1" latinLnBrk="0" hangingPunct="1">
+              <a:lnSpc>
+                <a:spcPct val="90000"/>
+              </a:lnSpc>
+              <a:spcBef>
+                <a:spcPts val="500"/>
+              </a:spcBef>
+              <a:buFont typeface="Arial" panose="020B0604020202020204" pitchFamily="34" charset="0"/>
+              <a:buChar char="•"/>
+              <a:defRPr sz="1800" kern="1200">
+                <a:solidFill>
+                  <a:schemeClr val="tx1"/>
+                </a:solidFill>
+                <a:latin typeface="+mn-lt"/>
+                <a:ea typeface="+mn-ea"/>
+                <a:cs typeface="+mn-cs"/>
+              </a:defRPr>
+            </a:lvl4pPr>
+            <a:lvl5pPr marL="2057400" indent="-228600" algn="l" defTabSz="914400" rtl="0" eaLnBrk="1" latinLnBrk="0" hangingPunct="1">
+              <a:lnSpc>
+                <a:spcPct val="90000"/>
+              </a:lnSpc>
+              <a:spcBef>
+                <a:spcPts val="500"/>
+              </a:spcBef>
+              <a:buFont typeface="Arial" panose="020B0604020202020204" pitchFamily="34" charset="0"/>
+              <a:buChar char="•"/>
+              <a:defRPr sz="1800" kern="1200">
+                <a:solidFill>
+                  <a:schemeClr val="tx1"/>
+                </a:solidFill>
+                <a:latin typeface="+mn-lt"/>
+                <a:ea typeface="+mn-ea"/>
+                <a:cs typeface="+mn-cs"/>
+              </a:defRPr>
+            </a:lvl5pPr>
+            <a:lvl6pPr marL="2514600" indent="-228600" algn="l" defTabSz="914400" rtl="0" eaLnBrk="1" latinLnBrk="0" hangingPunct="1">
+              <a:lnSpc>
+                <a:spcPct val="90000"/>
+              </a:lnSpc>
+              <a:spcBef>
+                <a:spcPts val="500"/>
+              </a:spcBef>
+              <a:buFont typeface="Arial" panose="020B0604020202020204" pitchFamily="34" charset="0"/>
+              <a:buChar char="•"/>
+              <a:defRPr sz="1800" kern="1200">
+                <a:solidFill>
+                  <a:schemeClr val="tx1"/>
+                </a:solidFill>
+                <a:latin typeface="+mn-lt"/>
+                <a:ea typeface="+mn-ea"/>
+                <a:cs typeface="+mn-cs"/>
+              </a:defRPr>
+            </a:lvl6pPr>
+            <a:lvl7pPr marL="2971800" indent="-228600" algn="l" defTabSz="914400" rtl="0" eaLnBrk="1" latinLnBrk="0" hangingPunct="1">
+              <a:lnSpc>
+                <a:spcPct val="90000"/>
+              </a:lnSpc>
+              <a:spcBef>
+                <a:spcPts val="500"/>
+              </a:spcBef>
+              <a:buFont typeface="Arial" panose="020B0604020202020204" pitchFamily="34" charset="0"/>
+              <a:buChar char="•"/>
+              <a:defRPr sz="1800" kern="1200">
+                <a:solidFill>
+                  <a:schemeClr val="tx1"/>
+                </a:solidFill>
+                <a:latin typeface="+mn-lt"/>
+                <a:ea typeface="+mn-ea"/>
+                <a:cs typeface="+mn-cs"/>
+              </a:defRPr>
+            </a:lvl7pPr>
+            <a:lvl8pPr marL="3429000" indent="-228600" algn="l" defTabSz="914400" rtl="0" eaLnBrk="1" latinLnBrk="0" hangingPunct="1">
+              <a:lnSpc>
+                <a:spcPct val="90000"/>
+              </a:lnSpc>
+              <a:spcBef>
+                <a:spcPts val="500"/>
+              </a:spcBef>
+              <a:buFont typeface="Arial" panose="020B0604020202020204" pitchFamily="34" charset="0"/>
+              <a:buChar char="•"/>
+              <a:defRPr sz="1800" kern="1200">
+                <a:solidFill>
+                  <a:schemeClr val="tx1"/>
+                </a:solidFill>
+                <a:latin typeface="+mn-lt"/>
+                <a:ea typeface="+mn-ea"/>
+                <a:cs typeface="+mn-cs"/>
+              </a:defRPr>
+            </a:lvl8pPr>
+            <a:lvl9pPr marL="3886200" indent="-228600" algn="l" defTabSz="914400" rtl="0" eaLnBrk="1" latinLnBrk="0" hangingPunct="1">
+              <a:lnSpc>
+                <a:spcPct val="90000"/>
+              </a:lnSpc>
+              <a:spcBef>
+                <a:spcPts val="500"/>
+              </a:spcBef>
+              <a:buFont typeface="Arial" panose="020B0604020202020204" pitchFamily="34" charset="0"/>
+              <a:buChar char="•"/>
+              <a:defRPr sz="1800" kern="1200">
+                <a:solidFill>
+                  <a:schemeClr val="tx1"/>
+                </a:solidFill>
+                <a:latin typeface="+mn-lt"/>
+                <a:ea typeface="+mn-ea"/>
+                <a:cs typeface="+mn-cs"/>
+              </a:defRPr>
+            </a:lvl9pPr>
+          </a:lstStyle>
+          <a:p>
+            <a:pPr marL="0" indent="0">
+              <a:buNone/>
+            </a:pPr>
+            <a:r>
+              <a:rPr lang="en-GB" u="sng" dirty="0"/>
+              <a:t>For this project</a:t>
+            </a:r>
+          </a:p>
+          <a:p>
+            <a:r>
+              <a:rPr lang="en-GB" dirty="0"/>
+              <a:t>Stack:</a:t>
+            </a:r>
+          </a:p>
+          <a:p>
+            <a:pPr lvl="1"/>
+            <a:r>
+              <a:rPr lang="en-GB" dirty="0"/>
+              <a:t>Python</a:t>
+            </a:r>
+          </a:p>
+          <a:p>
+            <a:pPr lvl="1"/>
+            <a:r>
+              <a:rPr lang="en-GB" dirty="0"/>
+              <a:t>VSC</a:t>
+            </a:r>
+          </a:p>
+        </p:txBody>
+      </p:sp>
+      <p:sp>
+        <p:nvSpPr>
+          <p:cNvPr id="6" name="Content Placeholder 2">
+            <a:extLst>
+              <a:ext uri="{FF2B5EF4-FFF2-40B4-BE49-F238E27FC236}">
+                <a16:creationId xmlns:a16="http://schemas.microsoft.com/office/drawing/2014/main" id="{2E8BA57A-0EDC-C162-D85C-D8F8FEE641CC}"/>
+              </a:ext>
+            </a:extLst>
+          </p:cNvPr>
+          <p:cNvSpPr txBox="1">
+            <a:spLocks/>
+          </p:cNvSpPr>
+          <p:nvPr/>
+        </p:nvSpPr>
+        <p:spPr>
+          <a:xfrm>
+            <a:off x="3644797" y="4714939"/>
+            <a:ext cx="3652103" cy="1777936"/>
+          </a:xfrm>
+          <a:prstGeom prst="rect">
+            <a:avLst/>
+          </a:prstGeom>
+        </p:spPr>
+        <p:txBody>
+          <a:bodyPr vert="horz" lIns="91440" tIns="45720" rIns="91440" bIns="45720" rtlCol="0">
+            <a:normAutofit fontScale="92500" lnSpcReduction="10000"/>
+          </a:bodyPr>
+          <a:lstStyle>
+            <a:lvl1pPr marL="228600" indent="-228600" algn="l" defTabSz="914400" rtl="0" eaLnBrk="1" latinLnBrk="0" hangingPunct="1">
+              <a:lnSpc>
+                <a:spcPct val="90000"/>
+              </a:lnSpc>
+              <a:spcBef>
+                <a:spcPts val="1000"/>
+              </a:spcBef>
+              <a:buFont typeface="Arial" panose="020B0604020202020204" pitchFamily="34" charset="0"/>
+              <a:buChar char="•"/>
+              <a:defRPr sz="2800" kern="1200">
+                <a:solidFill>
+                  <a:schemeClr val="tx1"/>
+                </a:solidFill>
+                <a:latin typeface="+mn-lt"/>
+                <a:ea typeface="+mn-ea"/>
+                <a:cs typeface="+mn-cs"/>
+              </a:defRPr>
+            </a:lvl1pPr>
+            <a:lvl2pPr marL="685800" indent="-228600" algn="l" defTabSz="914400" rtl="0" eaLnBrk="1" latinLnBrk="0" hangingPunct="1">
+              <a:lnSpc>
+                <a:spcPct val="90000"/>
+              </a:lnSpc>
+              <a:spcBef>
+                <a:spcPts val="500"/>
+              </a:spcBef>
+              <a:buFont typeface="Arial" panose="020B0604020202020204" pitchFamily="34" charset="0"/>
+              <a:buChar char="•"/>
+              <a:defRPr sz="2400" kern="1200">
+                <a:solidFill>
+                  <a:schemeClr val="tx1"/>
+                </a:solidFill>
+                <a:latin typeface="+mn-lt"/>
+                <a:ea typeface="+mn-ea"/>
+                <a:cs typeface="+mn-cs"/>
+              </a:defRPr>
+            </a:lvl2pPr>
+            <a:lvl3pPr marL="1143000" indent="-228600" algn="l" defTabSz="914400" rtl="0" eaLnBrk="1" latinLnBrk="0" hangingPunct="1">
+              <a:lnSpc>
+                <a:spcPct val="90000"/>
+              </a:lnSpc>
+              <a:spcBef>
+                <a:spcPts val="500"/>
+              </a:spcBef>
+              <a:buFont typeface="Arial" panose="020B0604020202020204" pitchFamily="34" charset="0"/>
+              <a:buChar char="•"/>
+              <a:defRPr sz="2000" kern="1200">
+                <a:solidFill>
+                  <a:schemeClr val="tx1"/>
+                </a:solidFill>
+                <a:latin typeface="+mn-lt"/>
+                <a:ea typeface="+mn-ea"/>
+                <a:cs typeface="+mn-cs"/>
+              </a:defRPr>
+            </a:lvl3pPr>
+            <a:lvl4pPr marL="1600200" indent="-228600" algn="l" defTabSz="914400" rtl="0" eaLnBrk="1" latinLnBrk="0" hangingPunct="1">
+              <a:lnSpc>
+                <a:spcPct val="90000"/>
+              </a:lnSpc>
+              <a:spcBef>
+                <a:spcPts val="500"/>
+              </a:spcBef>
+              <a:buFont typeface="Arial" panose="020B0604020202020204" pitchFamily="34" charset="0"/>
+              <a:buChar char="•"/>
+              <a:defRPr sz="1800" kern="1200">
+                <a:solidFill>
+                  <a:schemeClr val="tx1"/>
+                </a:solidFill>
+                <a:latin typeface="+mn-lt"/>
+                <a:ea typeface="+mn-ea"/>
+                <a:cs typeface="+mn-cs"/>
+              </a:defRPr>
+            </a:lvl4pPr>
+            <a:lvl5pPr marL="2057400" indent="-228600" algn="l" defTabSz="914400" rtl="0" eaLnBrk="1" latinLnBrk="0" hangingPunct="1">
+              <a:lnSpc>
+                <a:spcPct val="90000"/>
+              </a:lnSpc>
+              <a:spcBef>
+                <a:spcPts val="500"/>
+              </a:spcBef>
+              <a:buFont typeface="Arial" panose="020B0604020202020204" pitchFamily="34" charset="0"/>
+              <a:buChar char="•"/>
+              <a:defRPr sz="1800" kern="1200">
+                <a:solidFill>
+                  <a:schemeClr val="tx1"/>
+                </a:solidFill>
+                <a:latin typeface="+mn-lt"/>
+                <a:ea typeface="+mn-ea"/>
+                <a:cs typeface="+mn-cs"/>
+              </a:defRPr>
+            </a:lvl5pPr>
+            <a:lvl6pPr marL="2514600" indent="-228600" algn="l" defTabSz="914400" rtl="0" eaLnBrk="1" latinLnBrk="0" hangingPunct="1">
+              <a:lnSpc>
+                <a:spcPct val="90000"/>
+              </a:lnSpc>
+              <a:spcBef>
+                <a:spcPts val="500"/>
+              </a:spcBef>
+              <a:buFont typeface="Arial" panose="020B0604020202020204" pitchFamily="34" charset="0"/>
+              <a:buChar char="•"/>
+              <a:defRPr sz="1800" kern="1200">
+                <a:solidFill>
+                  <a:schemeClr val="tx1"/>
+                </a:solidFill>
+                <a:latin typeface="+mn-lt"/>
+                <a:ea typeface="+mn-ea"/>
+                <a:cs typeface="+mn-cs"/>
+              </a:defRPr>
+            </a:lvl6pPr>
+            <a:lvl7pPr marL="2971800" indent="-228600" algn="l" defTabSz="914400" rtl="0" eaLnBrk="1" latinLnBrk="0" hangingPunct="1">
+              <a:lnSpc>
+                <a:spcPct val="90000"/>
+              </a:lnSpc>
+              <a:spcBef>
+                <a:spcPts val="500"/>
+              </a:spcBef>
+              <a:buFont typeface="Arial" panose="020B0604020202020204" pitchFamily="34" charset="0"/>
+              <a:buChar char="•"/>
+              <a:defRPr sz="1800" kern="1200">
+                <a:solidFill>
+                  <a:schemeClr val="tx1"/>
+                </a:solidFill>
+                <a:latin typeface="+mn-lt"/>
+                <a:ea typeface="+mn-ea"/>
+                <a:cs typeface="+mn-cs"/>
+              </a:defRPr>
+            </a:lvl7pPr>
+            <a:lvl8pPr marL="3429000" indent="-228600" algn="l" defTabSz="914400" rtl="0" eaLnBrk="1" latinLnBrk="0" hangingPunct="1">
+              <a:lnSpc>
+                <a:spcPct val="90000"/>
+              </a:lnSpc>
+              <a:spcBef>
+                <a:spcPts val="500"/>
+              </a:spcBef>
+              <a:buFont typeface="Arial" panose="020B0604020202020204" pitchFamily="34" charset="0"/>
+              <a:buChar char="•"/>
+              <a:defRPr sz="1800" kern="1200">
+                <a:solidFill>
+                  <a:schemeClr val="tx1"/>
+                </a:solidFill>
+                <a:latin typeface="+mn-lt"/>
+                <a:ea typeface="+mn-ea"/>
+                <a:cs typeface="+mn-cs"/>
+              </a:defRPr>
+            </a:lvl8pPr>
+            <a:lvl9pPr marL="3886200" indent="-228600" algn="l" defTabSz="914400" rtl="0" eaLnBrk="1" latinLnBrk="0" hangingPunct="1">
+              <a:lnSpc>
+                <a:spcPct val="90000"/>
+              </a:lnSpc>
+              <a:spcBef>
+                <a:spcPts val="500"/>
+              </a:spcBef>
+              <a:buFont typeface="Arial" panose="020B0604020202020204" pitchFamily="34" charset="0"/>
+              <a:buChar char="•"/>
+              <a:defRPr sz="1800" kern="1200">
+                <a:solidFill>
+                  <a:schemeClr val="tx1"/>
+                </a:solidFill>
+                <a:latin typeface="+mn-lt"/>
+                <a:ea typeface="+mn-ea"/>
+                <a:cs typeface="+mn-cs"/>
+              </a:defRPr>
+            </a:lvl9pPr>
+          </a:lstStyle>
+          <a:p>
+            <a:r>
+              <a:rPr lang="en-GB" dirty="0"/>
+              <a:t>Packages:</a:t>
+            </a:r>
+          </a:p>
+          <a:p>
+            <a:pPr lvl="1"/>
+            <a:r>
+              <a:rPr lang="en-GB" dirty="0"/>
+              <a:t>MNE</a:t>
+            </a:r>
+          </a:p>
+          <a:p>
+            <a:pPr lvl="1"/>
+            <a:r>
+              <a:rPr lang="en-GB" dirty="0" err="1"/>
+              <a:t>SKLearn</a:t>
+            </a:r>
+            <a:endParaRPr lang="en-GB" dirty="0"/>
+          </a:p>
+          <a:p>
+            <a:pPr lvl="1"/>
+            <a:r>
+              <a:rPr lang="en-GB" dirty="0"/>
+              <a:t>Matplotlib</a:t>
+            </a:r>
+          </a:p>
+          <a:p>
+            <a:pPr lvl="1"/>
+            <a:r>
+              <a:rPr lang="en-GB" dirty="0"/>
+              <a:t>DIY</a:t>
+            </a:r>
+          </a:p>
+          <a:p>
+            <a:endParaRPr lang="en-GB" dirty="0"/>
+          </a:p>
+        </p:txBody>
+      </p:sp>
+      <p:sp>
+        <p:nvSpPr>
+          <p:cNvPr id="7" name="Content Placeholder 2">
+            <a:extLst>
+              <a:ext uri="{FF2B5EF4-FFF2-40B4-BE49-F238E27FC236}">
+                <a16:creationId xmlns:a16="http://schemas.microsoft.com/office/drawing/2014/main" id="{956E975E-8D26-D907-6FCC-9778A745826D}"/>
+              </a:ext>
+            </a:extLst>
+          </p:cNvPr>
+          <p:cNvSpPr txBox="1">
+            <a:spLocks/>
+          </p:cNvSpPr>
+          <p:nvPr/>
+        </p:nvSpPr>
+        <p:spPr>
+          <a:xfrm>
+            <a:off x="6848414" y="4229749"/>
+            <a:ext cx="4505386" cy="1777936"/>
+          </a:xfrm>
+          <a:prstGeom prst="rect">
+            <a:avLst/>
+          </a:prstGeom>
+        </p:spPr>
+        <p:txBody>
+          <a:bodyPr vert="horz" lIns="91440" tIns="45720" rIns="91440" bIns="45720" numCol="2" rtlCol="0">
+            <a:normAutofit/>
+          </a:bodyPr>
+          <a:lstStyle>
+            <a:lvl1pPr marL="228600" indent="-228600" algn="l" defTabSz="914400" rtl="0" eaLnBrk="1" latinLnBrk="0" hangingPunct="1">
+              <a:lnSpc>
+                <a:spcPct val="90000"/>
+              </a:lnSpc>
+              <a:spcBef>
+                <a:spcPts val="1000"/>
+              </a:spcBef>
+              <a:buFont typeface="Arial" panose="020B0604020202020204" pitchFamily="34" charset="0"/>
+              <a:buChar char="•"/>
+              <a:defRPr sz="2800" kern="1200">
+                <a:solidFill>
+                  <a:schemeClr val="tx1"/>
+                </a:solidFill>
+                <a:latin typeface="+mn-lt"/>
+                <a:ea typeface="+mn-ea"/>
+                <a:cs typeface="+mn-cs"/>
+              </a:defRPr>
+            </a:lvl1pPr>
+            <a:lvl2pPr marL="685800" indent="-228600" algn="l" defTabSz="914400" rtl="0" eaLnBrk="1" latinLnBrk="0" hangingPunct="1">
+              <a:lnSpc>
+                <a:spcPct val="90000"/>
+              </a:lnSpc>
+              <a:spcBef>
+                <a:spcPts val="500"/>
+              </a:spcBef>
+              <a:buFont typeface="Arial" panose="020B0604020202020204" pitchFamily="34" charset="0"/>
+              <a:buChar char="•"/>
+              <a:defRPr sz="2400" kern="1200">
+                <a:solidFill>
+                  <a:schemeClr val="tx1"/>
+                </a:solidFill>
+                <a:latin typeface="+mn-lt"/>
+                <a:ea typeface="+mn-ea"/>
+                <a:cs typeface="+mn-cs"/>
+              </a:defRPr>
+            </a:lvl2pPr>
+            <a:lvl3pPr marL="1143000" indent="-228600" algn="l" defTabSz="914400" rtl="0" eaLnBrk="1" latinLnBrk="0" hangingPunct="1">
+              <a:lnSpc>
+                <a:spcPct val="90000"/>
+              </a:lnSpc>
+              <a:spcBef>
+                <a:spcPts val="500"/>
+              </a:spcBef>
+              <a:buFont typeface="Arial" panose="020B0604020202020204" pitchFamily="34" charset="0"/>
+              <a:buChar char="•"/>
+              <a:defRPr sz="2000" kern="1200">
+                <a:solidFill>
+                  <a:schemeClr val="tx1"/>
+                </a:solidFill>
+                <a:latin typeface="+mn-lt"/>
+                <a:ea typeface="+mn-ea"/>
+                <a:cs typeface="+mn-cs"/>
+              </a:defRPr>
+            </a:lvl3pPr>
+            <a:lvl4pPr marL="1600200" indent="-228600" algn="l" defTabSz="914400" rtl="0" eaLnBrk="1" latinLnBrk="0" hangingPunct="1">
+              <a:lnSpc>
+                <a:spcPct val="90000"/>
+              </a:lnSpc>
+              <a:spcBef>
+                <a:spcPts val="500"/>
+              </a:spcBef>
+              <a:buFont typeface="Arial" panose="020B0604020202020204" pitchFamily="34" charset="0"/>
+              <a:buChar char="•"/>
+              <a:defRPr sz="1800" kern="1200">
+                <a:solidFill>
+                  <a:schemeClr val="tx1"/>
+                </a:solidFill>
+                <a:latin typeface="+mn-lt"/>
+                <a:ea typeface="+mn-ea"/>
+                <a:cs typeface="+mn-cs"/>
+              </a:defRPr>
+            </a:lvl4pPr>
+            <a:lvl5pPr marL="2057400" indent="-228600" algn="l" defTabSz="914400" rtl="0" eaLnBrk="1" latinLnBrk="0" hangingPunct="1">
+              <a:lnSpc>
+                <a:spcPct val="90000"/>
+              </a:lnSpc>
+              <a:spcBef>
+                <a:spcPts val="500"/>
+              </a:spcBef>
+              <a:buFont typeface="Arial" panose="020B0604020202020204" pitchFamily="34" charset="0"/>
+              <a:buChar char="•"/>
+              <a:defRPr sz="1800" kern="1200">
+                <a:solidFill>
+                  <a:schemeClr val="tx1"/>
+                </a:solidFill>
+                <a:latin typeface="+mn-lt"/>
+                <a:ea typeface="+mn-ea"/>
+                <a:cs typeface="+mn-cs"/>
+              </a:defRPr>
+            </a:lvl5pPr>
+            <a:lvl6pPr marL="2514600" indent="-228600" algn="l" defTabSz="914400" rtl="0" eaLnBrk="1" latinLnBrk="0" hangingPunct="1">
+              <a:lnSpc>
+                <a:spcPct val="90000"/>
+              </a:lnSpc>
+              <a:spcBef>
+                <a:spcPts val="500"/>
+              </a:spcBef>
+              <a:buFont typeface="Arial" panose="020B0604020202020204" pitchFamily="34" charset="0"/>
+              <a:buChar char="•"/>
+              <a:defRPr sz="1800" kern="1200">
+                <a:solidFill>
+                  <a:schemeClr val="tx1"/>
+                </a:solidFill>
+                <a:latin typeface="+mn-lt"/>
+                <a:ea typeface="+mn-ea"/>
+                <a:cs typeface="+mn-cs"/>
+              </a:defRPr>
+            </a:lvl6pPr>
+            <a:lvl7pPr marL="2971800" indent="-228600" algn="l" defTabSz="914400" rtl="0" eaLnBrk="1" latinLnBrk="0" hangingPunct="1">
+              <a:lnSpc>
+                <a:spcPct val="90000"/>
+              </a:lnSpc>
+              <a:spcBef>
+                <a:spcPts val="500"/>
+              </a:spcBef>
+              <a:buFont typeface="Arial" panose="020B0604020202020204" pitchFamily="34" charset="0"/>
+              <a:buChar char="•"/>
+              <a:defRPr sz="1800" kern="1200">
+                <a:solidFill>
+                  <a:schemeClr val="tx1"/>
+                </a:solidFill>
+                <a:latin typeface="+mn-lt"/>
+                <a:ea typeface="+mn-ea"/>
+                <a:cs typeface="+mn-cs"/>
+              </a:defRPr>
+            </a:lvl7pPr>
+            <a:lvl8pPr marL="3429000" indent="-228600" algn="l" defTabSz="914400" rtl="0" eaLnBrk="1" latinLnBrk="0" hangingPunct="1">
+              <a:lnSpc>
+                <a:spcPct val="90000"/>
+              </a:lnSpc>
+              <a:spcBef>
+                <a:spcPts val="500"/>
+              </a:spcBef>
+              <a:buFont typeface="Arial" panose="020B0604020202020204" pitchFamily="34" charset="0"/>
+              <a:buChar char="•"/>
+              <a:defRPr sz="1800" kern="1200">
+                <a:solidFill>
+                  <a:schemeClr val="tx1"/>
+                </a:solidFill>
+                <a:latin typeface="+mn-lt"/>
+                <a:ea typeface="+mn-ea"/>
+                <a:cs typeface="+mn-cs"/>
+              </a:defRPr>
+            </a:lvl8pPr>
+            <a:lvl9pPr marL="3886200" indent="-228600" algn="l" defTabSz="914400" rtl="0" eaLnBrk="1" latinLnBrk="0" hangingPunct="1">
+              <a:lnSpc>
+                <a:spcPct val="90000"/>
+              </a:lnSpc>
+              <a:spcBef>
+                <a:spcPts val="500"/>
+              </a:spcBef>
+              <a:buFont typeface="Arial" panose="020B0604020202020204" pitchFamily="34" charset="0"/>
+              <a:buChar char="•"/>
+              <a:defRPr sz="1800" kern="1200">
+                <a:solidFill>
+                  <a:schemeClr val="tx1"/>
+                </a:solidFill>
+                <a:latin typeface="+mn-lt"/>
+                <a:ea typeface="+mn-ea"/>
+                <a:cs typeface="+mn-cs"/>
+              </a:defRPr>
+            </a:lvl9pPr>
+          </a:lstStyle>
+          <a:p>
+            <a:pPr marL="0" indent="0">
+              <a:buNone/>
+            </a:pPr>
+            <a:r>
+              <a:rPr lang="en-GB" sz="2400" u="sng" dirty="0"/>
+              <a:t>In reserve</a:t>
+            </a:r>
+          </a:p>
+          <a:p>
+            <a:r>
+              <a:rPr lang="en-GB" sz="2400" dirty="0"/>
+              <a:t>Stack:</a:t>
+            </a:r>
+          </a:p>
+          <a:p>
+            <a:pPr lvl="1"/>
+            <a:r>
+              <a:rPr lang="en-GB" sz="2000" dirty="0"/>
+              <a:t>MS Azure</a:t>
+            </a:r>
+          </a:p>
+          <a:p>
+            <a:pPr lvl="1"/>
+            <a:r>
+              <a:rPr lang="en-GB" sz="2000" dirty="0"/>
+              <a:t>Databricks</a:t>
+            </a:r>
+          </a:p>
+          <a:p>
+            <a:pPr lvl="1"/>
+            <a:endParaRPr lang="en-GB" sz="2000" dirty="0"/>
+          </a:p>
+          <a:p>
+            <a:pPr lvl="1"/>
+            <a:endParaRPr lang="en-GB" sz="2000" dirty="0"/>
+          </a:p>
+          <a:p>
+            <a:pPr lvl="1"/>
+            <a:r>
+              <a:rPr lang="en-GB" sz="2000" dirty="0"/>
+              <a:t>SQL</a:t>
+            </a:r>
+          </a:p>
+          <a:p>
+            <a:pPr lvl="1"/>
+            <a:r>
+              <a:rPr lang="en-GB" sz="2000" dirty="0"/>
+              <a:t>Power BI</a:t>
+            </a:r>
+          </a:p>
+          <a:p>
+            <a:pPr lvl="1"/>
+            <a:r>
+              <a:rPr lang="en-GB" sz="2000" dirty="0"/>
+              <a:t>…</a:t>
+            </a:r>
+          </a:p>
+        </p:txBody>
+      </p:sp>
+    </p:spTree>
+    <p:extLst>
+      <p:ext uri="{BB962C8B-B14F-4D97-AF65-F5344CB8AC3E}">
+        <p14:creationId xmlns:p14="http://schemas.microsoft.com/office/powerpoint/2010/main" val="2929235815"/>
       </p:ext>
     </p:extLst>
   </p:cSld>
@@ -6828,7 +9987,7 @@
           <p:cNvPr id="2" name="Title 1">
             <a:extLst>
               <a:ext uri="{FF2B5EF4-FFF2-40B4-BE49-F238E27FC236}">
-                <a16:creationId xmlns:a16="http://schemas.microsoft.com/office/drawing/2014/main" id="{1CFBD9DB-14C6-32F0-A8F6-789E2A36B5C5}"/>
+                <a16:creationId xmlns:a16="http://schemas.microsoft.com/office/drawing/2014/main" id="{5E3C9868-6BC2-4CEC-4EF3-DBFDAB77A8F5}"/>
               </a:ext>
             </a:extLst>
           </p:cNvPr>
@@ -6846,11 +10005,7 @@
           <a:p>
             <a:r>
               <a:rPr lang="en-GB" dirty="0"/>
-              <a:t>Fix </a:t>
-            </a:r>
-            <a:r>
-              <a:rPr lang="en-GB"/>
-              <a:t>channel names</a:t>
+              <a:t>Exploratory Data Analysis</a:t>
             </a:r>
           </a:p>
         </p:txBody>
@@ -6860,7 +10015,7 @@
           <p:cNvPr id="3" name="Content Placeholder 2">
             <a:extLst>
               <a:ext uri="{FF2B5EF4-FFF2-40B4-BE49-F238E27FC236}">
-                <a16:creationId xmlns:a16="http://schemas.microsoft.com/office/drawing/2014/main" id="{F3B6AF3C-5D56-2FFD-0306-1499AF960257}"/>
+                <a16:creationId xmlns:a16="http://schemas.microsoft.com/office/drawing/2014/main" id="{1FF8DD75-FB12-B0DE-5701-8F1346A8D1BA}"/>
               </a:ext>
             </a:extLst>
           </p:cNvPr>
@@ -6868,7 +10023,71 @@
             <a:spLocks noGrp="1"/>
           </p:cNvSpPr>
           <p:nvPr>
-            <p:ph idx="1"/>
+            <p:ph sz="half" idx="1"/>
+          </p:nvPr>
+        </p:nvSpPr>
+        <p:spPr/>
+        <p:txBody>
+          <a:bodyPr>
+            <a:normAutofit/>
+          </a:bodyPr>
+          <a:lstStyle/>
+          <a:p>
+            <a:r>
+              <a:rPr lang="en-GB" dirty="0"/>
+              <a:t>What are we dealing with?</a:t>
+            </a:r>
+          </a:p>
+          <a:p>
+            <a:pPr lvl="1"/>
+            <a:r>
+              <a:rPr lang="en-GB" dirty="0"/>
+              <a:t>Data quality?</a:t>
+            </a:r>
+          </a:p>
+          <a:p>
+            <a:pPr lvl="1"/>
+            <a:r>
+              <a:rPr lang="en-GB" dirty="0"/>
+              <a:t>Preprocessing?</a:t>
+            </a:r>
+          </a:p>
+          <a:p>
+            <a:pPr lvl="1"/>
+            <a:r>
+              <a:rPr lang="en-GB" dirty="0" err="1"/>
+              <a:t>Patterns?e</a:t>
+            </a:r>
+            <a:endParaRPr lang="en-GB" dirty="0"/>
+          </a:p>
+          <a:p>
+            <a:pPr lvl="1"/>
+            <a:endParaRPr lang="en-GB" dirty="0"/>
+          </a:p>
+          <a:p>
+            <a:pPr lvl="1"/>
+            <a:endParaRPr lang="en-GB" dirty="0"/>
+          </a:p>
+          <a:p>
+            <a:pPr lvl="1"/>
+            <a:endParaRPr lang="en-GB" dirty="0"/>
+          </a:p>
+        </p:txBody>
+      </p:sp>
+      <p:sp>
+        <p:nvSpPr>
+          <p:cNvPr id="5" name="Content Placeholder 4">
+            <a:extLst>
+              <a:ext uri="{FF2B5EF4-FFF2-40B4-BE49-F238E27FC236}">
+                <a16:creationId xmlns:a16="http://schemas.microsoft.com/office/drawing/2014/main" id="{95D0C53B-F812-3E56-6197-E5FC63B002E6}"/>
+              </a:ext>
+            </a:extLst>
+          </p:cNvPr>
+          <p:cNvSpPr>
+            <a:spLocks noGrp="1"/>
+          </p:cNvSpPr>
+          <p:nvPr>
+            <p:ph sz="half" idx="2"/>
           </p:nvPr>
         </p:nvSpPr>
         <p:spPr/>
@@ -6876,14 +10095,267 @@
           <a:bodyPr/>
           <a:lstStyle/>
           <a:p>
-            <a:endParaRPr lang="en-GB"/>
+            <a:pPr marL="0" indent="0">
+              <a:buNone/>
+            </a:pPr>
+            <a:r>
+              <a:rPr lang="en-GB" sz="2400" dirty="0"/>
+              <a:t>Quick Stats:</a:t>
+            </a:r>
+          </a:p>
+          <a:p>
+            <a:r>
+              <a:rPr lang="en-GB" sz="2400" dirty="0"/>
+              <a:t>2 Groups</a:t>
+            </a:r>
+            <a:endParaRPr lang="en-GB" dirty="0"/>
+          </a:p>
+          <a:p>
+            <a:pPr lvl="1"/>
+            <a:r>
+              <a:rPr lang="en-GB" sz="2000" dirty="0"/>
+              <a:t>Unknown conditions</a:t>
+            </a:r>
+          </a:p>
+          <a:p>
+            <a:pPr lvl="1"/>
+            <a:r>
+              <a:rPr lang="en-GB" sz="2000" dirty="0"/>
+              <a:t>Unknown stimuli</a:t>
+            </a:r>
+          </a:p>
+          <a:p>
+            <a:r>
+              <a:rPr lang="en-GB" sz="2400" dirty="0"/>
+              <a:t>5 recordings each </a:t>
+            </a:r>
+          </a:p>
+          <a:p>
+            <a:pPr lvl="1"/>
+            <a:r>
+              <a:rPr lang="en-GB" sz="2000" dirty="0"/>
+              <a:t>Recording time: ~20-25min</a:t>
+            </a:r>
+          </a:p>
+          <a:p>
+            <a:pPr lvl="1"/>
+            <a:r>
+              <a:rPr lang="en-GB" sz="2000" dirty="0"/>
+              <a:t>Fs: 250 Hz</a:t>
+            </a:r>
+          </a:p>
+          <a:p>
+            <a:pPr lvl="1"/>
+            <a:r>
+              <a:rPr lang="en-GB" sz="2000" dirty="0"/>
+              <a:t>Filtering: 125 Hz lowpass</a:t>
+            </a:r>
+          </a:p>
+          <a:p>
+            <a:endParaRPr lang="en-GB" dirty="0"/>
+          </a:p>
+        </p:txBody>
+      </p:sp>
+      <p:sp>
+        <p:nvSpPr>
+          <p:cNvPr id="4" name="Content Placeholder 2">
+            <a:extLst>
+              <a:ext uri="{FF2B5EF4-FFF2-40B4-BE49-F238E27FC236}">
+                <a16:creationId xmlns:a16="http://schemas.microsoft.com/office/drawing/2014/main" id="{15E85D6C-29C2-0243-8BF9-BA6BE6CF64E4}"/>
+              </a:ext>
+            </a:extLst>
+          </p:cNvPr>
+          <p:cNvSpPr txBox="1">
+            <a:spLocks/>
+          </p:cNvSpPr>
+          <p:nvPr/>
+        </p:nvSpPr>
+        <p:spPr>
+          <a:xfrm>
+            <a:off x="990600" y="2990087"/>
+            <a:ext cx="9131808" cy="3339275"/>
+          </a:xfrm>
+          <a:prstGeom prst="rect">
+            <a:avLst/>
+          </a:prstGeom>
+        </p:spPr>
+        <p:txBody>
+          <a:bodyPr vert="horz" lIns="91440" tIns="45720" rIns="91440" bIns="45720" rtlCol="0">
+            <a:normAutofit/>
+          </a:bodyPr>
+          <a:lstStyle>
+            <a:lvl1pPr marL="228600" indent="-228600" algn="l" defTabSz="914400" rtl="0" eaLnBrk="1" latinLnBrk="0" hangingPunct="1">
+              <a:lnSpc>
+                <a:spcPct val="90000"/>
+              </a:lnSpc>
+              <a:spcBef>
+                <a:spcPts val="1000"/>
+              </a:spcBef>
+              <a:buFont typeface="Arial" panose="020B0604020202020204" pitchFamily="34" charset="0"/>
+              <a:buChar char="•"/>
+              <a:defRPr sz="2800" kern="1200">
+                <a:solidFill>
+                  <a:schemeClr val="tx1"/>
+                </a:solidFill>
+                <a:latin typeface="+mn-lt"/>
+                <a:ea typeface="+mn-ea"/>
+                <a:cs typeface="+mn-cs"/>
+              </a:defRPr>
+            </a:lvl1pPr>
+            <a:lvl2pPr marL="685800" indent="-228600" algn="l" defTabSz="914400" rtl="0" eaLnBrk="1" latinLnBrk="0" hangingPunct="1">
+              <a:lnSpc>
+                <a:spcPct val="90000"/>
+              </a:lnSpc>
+              <a:spcBef>
+                <a:spcPts val="500"/>
+              </a:spcBef>
+              <a:buFont typeface="Arial" panose="020B0604020202020204" pitchFamily="34" charset="0"/>
+              <a:buChar char="•"/>
+              <a:defRPr sz="2400" kern="1200">
+                <a:solidFill>
+                  <a:schemeClr val="tx1"/>
+                </a:solidFill>
+                <a:latin typeface="+mn-lt"/>
+                <a:ea typeface="+mn-ea"/>
+                <a:cs typeface="+mn-cs"/>
+              </a:defRPr>
+            </a:lvl2pPr>
+            <a:lvl3pPr marL="1143000" indent="-228600" algn="l" defTabSz="914400" rtl="0" eaLnBrk="1" latinLnBrk="0" hangingPunct="1">
+              <a:lnSpc>
+                <a:spcPct val="90000"/>
+              </a:lnSpc>
+              <a:spcBef>
+                <a:spcPts val="500"/>
+              </a:spcBef>
+              <a:buFont typeface="Arial" panose="020B0604020202020204" pitchFamily="34" charset="0"/>
+              <a:buChar char="•"/>
+              <a:defRPr sz="2000" kern="1200">
+                <a:solidFill>
+                  <a:schemeClr val="tx1"/>
+                </a:solidFill>
+                <a:latin typeface="+mn-lt"/>
+                <a:ea typeface="+mn-ea"/>
+                <a:cs typeface="+mn-cs"/>
+              </a:defRPr>
+            </a:lvl3pPr>
+            <a:lvl4pPr marL="1600200" indent="-228600" algn="l" defTabSz="914400" rtl="0" eaLnBrk="1" latinLnBrk="0" hangingPunct="1">
+              <a:lnSpc>
+                <a:spcPct val="90000"/>
+              </a:lnSpc>
+              <a:spcBef>
+                <a:spcPts val="500"/>
+              </a:spcBef>
+              <a:buFont typeface="Arial" panose="020B0604020202020204" pitchFamily="34" charset="0"/>
+              <a:buChar char="•"/>
+              <a:defRPr sz="1800" kern="1200">
+                <a:solidFill>
+                  <a:schemeClr val="tx1"/>
+                </a:solidFill>
+                <a:latin typeface="+mn-lt"/>
+                <a:ea typeface="+mn-ea"/>
+                <a:cs typeface="+mn-cs"/>
+              </a:defRPr>
+            </a:lvl4pPr>
+            <a:lvl5pPr marL="2057400" indent="-228600" algn="l" defTabSz="914400" rtl="0" eaLnBrk="1" latinLnBrk="0" hangingPunct="1">
+              <a:lnSpc>
+                <a:spcPct val="90000"/>
+              </a:lnSpc>
+              <a:spcBef>
+                <a:spcPts val="500"/>
+              </a:spcBef>
+              <a:buFont typeface="Arial" panose="020B0604020202020204" pitchFamily="34" charset="0"/>
+              <a:buChar char="•"/>
+              <a:defRPr sz="1800" kern="1200">
+                <a:solidFill>
+                  <a:schemeClr val="tx1"/>
+                </a:solidFill>
+                <a:latin typeface="+mn-lt"/>
+                <a:ea typeface="+mn-ea"/>
+                <a:cs typeface="+mn-cs"/>
+              </a:defRPr>
+            </a:lvl5pPr>
+            <a:lvl6pPr marL="2514600" indent="-228600" algn="l" defTabSz="914400" rtl="0" eaLnBrk="1" latinLnBrk="0" hangingPunct="1">
+              <a:lnSpc>
+                <a:spcPct val="90000"/>
+              </a:lnSpc>
+              <a:spcBef>
+                <a:spcPts val="500"/>
+              </a:spcBef>
+              <a:buFont typeface="Arial" panose="020B0604020202020204" pitchFamily="34" charset="0"/>
+              <a:buChar char="•"/>
+              <a:defRPr sz="1800" kern="1200">
+                <a:solidFill>
+                  <a:schemeClr val="tx1"/>
+                </a:solidFill>
+                <a:latin typeface="+mn-lt"/>
+                <a:ea typeface="+mn-ea"/>
+                <a:cs typeface="+mn-cs"/>
+              </a:defRPr>
+            </a:lvl6pPr>
+            <a:lvl7pPr marL="2971800" indent="-228600" algn="l" defTabSz="914400" rtl="0" eaLnBrk="1" latinLnBrk="0" hangingPunct="1">
+              <a:lnSpc>
+                <a:spcPct val="90000"/>
+              </a:lnSpc>
+              <a:spcBef>
+                <a:spcPts val="500"/>
+              </a:spcBef>
+              <a:buFont typeface="Arial" panose="020B0604020202020204" pitchFamily="34" charset="0"/>
+              <a:buChar char="•"/>
+              <a:defRPr sz="1800" kern="1200">
+                <a:solidFill>
+                  <a:schemeClr val="tx1"/>
+                </a:solidFill>
+                <a:latin typeface="+mn-lt"/>
+                <a:ea typeface="+mn-ea"/>
+                <a:cs typeface="+mn-cs"/>
+              </a:defRPr>
+            </a:lvl7pPr>
+            <a:lvl8pPr marL="3429000" indent="-228600" algn="l" defTabSz="914400" rtl="0" eaLnBrk="1" latinLnBrk="0" hangingPunct="1">
+              <a:lnSpc>
+                <a:spcPct val="90000"/>
+              </a:lnSpc>
+              <a:spcBef>
+                <a:spcPts val="500"/>
+              </a:spcBef>
+              <a:buFont typeface="Arial" panose="020B0604020202020204" pitchFamily="34" charset="0"/>
+              <a:buChar char="•"/>
+              <a:defRPr sz="1800" kern="1200">
+                <a:solidFill>
+                  <a:schemeClr val="tx1"/>
+                </a:solidFill>
+                <a:latin typeface="+mn-lt"/>
+                <a:ea typeface="+mn-ea"/>
+                <a:cs typeface="+mn-cs"/>
+              </a:defRPr>
+            </a:lvl8pPr>
+            <a:lvl9pPr marL="3886200" indent="-228600" algn="l" defTabSz="914400" rtl="0" eaLnBrk="1" latinLnBrk="0" hangingPunct="1">
+              <a:lnSpc>
+                <a:spcPct val="90000"/>
+              </a:lnSpc>
+              <a:spcBef>
+                <a:spcPts val="500"/>
+              </a:spcBef>
+              <a:buFont typeface="Arial" panose="020B0604020202020204" pitchFamily="34" charset="0"/>
+              <a:buChar char="•"/>
+              <a:defRPr sz="1800" kern="1200">
+                <a:solidFill>
+                  <a:schemeClr val="tx1"/>
+                </a:solidFill>
+                <a:latin typeface="+mn-lt"/>
+                <a:ea typeface="+mn-ea"/>
+                <a:cs typeface="+mn-cs"/>
+              </a:defRPr>
+            </a:lvl9pPr>
+          </a:lstStyle>
+          <a:p>
+            <a:endParaRPr lang="en-GB" dirty="0"/>
           </a:p>
         </p:txBody>
       </p:sp>
     </p:spTree>
     <p:extLst>
       <p:ext uri="{BB962C8B-B14F-4D97-AF65-F5344CB8AC3E}">
-        <p14:creationId xmlns:p14="http://schemas.microsoft.com/office/powerpoint/2010/main" val="3815293092"/>
+        <p14:creationId xmlns:p14="http://schemas.microsoft.com/office/powerpoint/2010/main" val="3634068683"/>
       </p:ext>
     </p:extLst>
   </p:cSld>
@@ -6915,7 +10387,7 @@
           <p:cNvPr id="2" name="Title 1">
             <a:extLst>
               <a:ext uri="{FF2B5EF4-FFF2-40B4-BE49-F238E27FC236}">
-                <a16:creationId xmlns:a16="http://schemas.microsoft.com/office/drawing/2014/main" id="{FBC2C443-6C50-E1B5-A808-DC7EC685123E}"/>
+                <a16:creationId xmlns:a16="http://schemas.microsoft.com/office/drawing/2014/main" id="{20D80D1A-A594-5669-E416-C9642DF22CB0}"/>
               </a:ext>
             </a:extLst>
           </p:cNvPr>
@@ -6932,12 +10404,8 @@
           <a:lstStyle/>
           <a:p>
             <a:r>
-              <a:rPr lang="en-GB" dirty="0" err="1"/>
-              <a:t>Intermittend</a:t>
-            </a:r>
-            <a:r>
               <a:rPr lang="en-GB" dirty="0"/>
-              <a:t> Photic Stimulation</a:t>
+              <a:t>Data Quality - Consistency</a:t>
             </a:r>
           </a:p>
         </p:txBody>
@@ -6947,7 +10415,7 @@
           <p:cNvPr id="3" name="Content Placeholder 2">
             <a:extLst>
               <a:ext uri="{FF2B5EF4-FFF2-40B4-BE49-F238E27FC236}">
-                <a16:creationId xmlns:a16="http://schemas.microsoft.com/office/drawing/2014/main" id="{236A5669-9DFD-F709-26D6-1E2D63E8D8BA}"/>
+                <a16:creationId xmlns:a16="http://schemas.microsoft.com/office/drawing/2014/main" id="{6773AD86-58E4-7558-084E-5CB2AC5F07BC}"/>
               </a:ext>
             </a:extLst>
           </p:cNvPr>
@@ -6965,26 +10433,38 @@
           <a:p>
             <a:r>
               <a:rPr lang="en-GB" dirty="0"/>
-              <a:t>Pulse train</a:t>
+              <a:t>Different recording methods (30ch vs 36ch)</a:t>
             </a:r>
           </a:p>
           <a:p>
             <a:endParaRPr lang="en-GB" dirty="0"/>
           </a:p>
           <a:p>
+            <a:endParaRPr lang="en-GB" dirty="0"/>
+          </a:p>
+          <a:p>
+            <a:endParaRPr lang="en-GB" dirty="0"/>
+          </a:p>
+          <a:p>
+            <a:endParaRPr lang="en-GB" dirty="0"/>
+          </a:p>
+          <a:p>
+            <a:endParaRPr lang="en-GB" dirty="0"/>
+          </a:p>
+          <a:p>
             <a:r>
               <a:rPr lang="en-GB" dirty="0"/>
-              <a:t>Different response epileptic vs non</a:t>
+              <a:t>Different experimental procedure (photic stim vs ?)</a:t>
             </a:r>
           </a:p>
         </p:txBody>
       </p:sp>
       <p:pic>
         <p:nvPicPr>
-          <p:cNvPr id="5" name="Picture 4">
-            <a:extLst>
-              <a:ext uri="{FF2B5EF4-FFF2-40B4-BE49-F238E27FC236}">
-                <a16:creationId xmlns:a16="http://schemas.microsoft.com/office/drawing/2014/main" id="{1DFD1997-0479-A4BA-A1DD-DB2731F94142}"/>
+          <p:cNvPr id="4" name="Picture 3">
+            <a:extLst>
+              <a:ext uri="{FF2B5EF4-FFF2-40B4-BE49-F238E27FC236}">
+                <a16:creationId xmlns:a16="http://schemas.microsoft.com/office/drawing/2014/main" id="{016F0068-3783-5A99-5992-CB3DAA88E7F7}"/>
               </a:ext>
             </a:extLst>
           </p:cNvPr>
@@ -6995,13 +10475,13 @@
         </p:nvPicPr>
         <p:blipFill rotWithShape="1">
           <a:blip r:embed="rId2"/>
-          <a:srcRect b="6704"/>
+          <a:srcRect t="-1" r="21620" b="30740"/>
           <a:stretch/>
         </p:blipFill>
         <p:spPr>
           <a:xfrm>
-            <a:off x="6675629" y="1690688"/>
-            <a:ext cx="5259957" cy="3241675"/>
+            <a:off x="357315" y="2299828"/>
+            <a:ext cx="4125277" cy="1908989"/>
           </a:xfrm>
           <a:prstGeom prst="rect">
             <a:avLst/>
@@ -7010,10 +10490,131 @@
       </p:pic>
       <p:pic>
         <p:nvPicPr>
-          <p:cNvPr id="7" name="Picture 6" descr="A warning sign with white text&#10;&#10;Description automatically generated">
-            <a:extLst>
-              <a:ext uri="{FF2B5EF4-FFF2-40B4-BE49-F238E27FC236}">
-                <a16:creationId xmlns:a16="http://schemas.microsoft.com/office/drawing/2014/main" id="{44E0F90E-1152-9A34-85A4-EBC6F11C6D0E}"/>
+          <p:cNvPr id="5" name="Picture 4">
+            <a:extLst>
+              <a:ext uri="{FF2B5EF4-FFF2-40B4-BE49-F238E27FC236}">
+                <a16:creationId xmlns:a16="http://schemas.microsoft.com/office/drawing/2014/main" id="{C87720C6-82EF-7554-B437-F2CE3AEC8D81}"/>
+              </a:ext>
+            </a:extLst>
+          </p:cNvPr>
+          <p:cNvPicPr>
+            <a:picLocks noChangeAspect="1"/>
+          </p:cNvPicPr>
+          <p:nvPr/>
+        </p:nvPicPr>
+        <p:blipFill rotWithShape="1">
+          <a:blip r:embed="rId3"/>
+          <a:srcRect r="16117" b="27981"/>
+          <a:stretch/>
+        </p:blipFill>
+        <p:spPr>
+          <a:xfrm>
+            <a:off x="5047215" y="2299828"/>
+            <a:ext cx="4125277" cy="1908989"/>
+          </a:xfrm>
+          <a:prstGeom prst="rect">
+            <a:avLst/>
+          </a:prstGeom>
+        </p:spPr>
+      </p:pic>
+      <p:sp>
+        <p:nvSpPr>
+          <p:cNvPr id="7" name="Rectangle: Rounded Corners 6">
+            <a:extLst>
+              <a:ext uri="{FF2B5EF4-FFF2-40B4-BE49-F238E27FC236}">
+                <a16:creationId xmlns:a16="http://schemas.microsoft.com/office/drawing/2014/main" id="{F449B456-9D34-A0BB-B9DE-C0917DAA7286}"/>
+              </a:ext>
+            </a:extLst>
+          </p:cNvPr>
+          <p:cNvSpPr/>
+          <p:nvPr/>
+        </p:nvSpPr>
+        <p:spPr>
+          <a:xfrm>
+            <a:off x="430467" y="3746278"/>
+            <a:ext cx="1160589" cy="359378"/>
+          </a:xfrm>
+          <a:prstGeom prst="roundRect">
+            <a:avLst/>
+          </a:prstGeom>
+          <a:noFill/>
+          <a:ln w="38100"/>
+        </p:spPr>
+        <p:style>
+          <a:lnRef idx="2">
+            <a:schemeClr val="accent2"/>
+          </a:lnRef>
+          <a:fillRef idx="1">
+            <a:schemeClr val="lt1"/>
+          </a:fillRef>
+          <a:effectRef idx="0">
+            <a:schemeClr val="accent2"/>
+          </a:effectRef>
+          <a:fontRef idx="minor">
+            <a:schemeClr val="dk1"/>
+          </a:fontRef>
+        </p:style>
+        <p:txBody>
+          <a:bodyPr rtlCol="0" anchor="ctr"/>
+          <a:lstStyle/>
+          <a:p>
+            <a:pPr algn="ctr"/>
+            <a:endParaRPr lang="en-GB"/>
+          </a:p>
+        </p:txBody>
+      </p:sp>
+      <p:sp>
+        <p:nvSpPr>
+          <p:cNvPr id="10" name="Rectangle: Rounded Corners 9">
+            <a:extLst>
+              <a:ext uri="{FF2B5EF4-FFF2-40B4-BE49-F238E27FC236}">
+                <a16:creationId xmlns:a16="http://schemas.microsoft.com/office/drawing/2014/main" id="{D13021AC-EE1E-884D-D7D9-6C256A2645AE}"/>
+              </a:ext>
+            </a:extLst>
+          </p:cNvPr>
+          <p:cNvSpPr/>
+          <p:nvPr/>
+        </p:nvSpPr>
+        <p:spPr>
+          <a:xfrm>
+            <a:off x="5047215" y="3623628"/>
+            <a:ext cx="1160589" cy="359378"/>
+          </a:xfrm>
+          <a:prstGeom prst="roundRect">
+            <a:avLst/>
+          </a:prstGeom>
+          <a:noFill/>
+          <a:ln w="38100"/>
+        </p:spPr>
+        <p:style>
+          <a:lnRef idx="2">
+            <a:schemeClr val="accent2"/>
+          </a:lnRef>
+          <a:fillRef idx="1">
+            <a:schemeClr val="lt1"/>
+          </a:fillRef>
+          <a:effectRef idx="0">
+            <a:schemeClr val="accent2"/>
+          </a:effectRef>
+          <a:fontRef idx="minor">
+            <a:schemeClr val="dk1"/>
+          </a:fontRef>
+        </p:style>
+        <p:txBody>
+          <a:bodyPr rtlCol="0" anchor="ctr"/>
+          <a:lstStyle/>
+          <a:p>
+            <a:pPr algn="ctr"/>
+            <a:endParaRPr lang="en-GB"/>
+          </a:p>
+        </p:txBody>
+      </p:sp>
+      <p:pic>
+        <p:nvPicPr>
+          <p:cNvPr id="11" name="Picture 10">
+            <a:extLst>
+              <a:ext uri="{FF2B5EF4-FFF2-40B4-BE49-F238E27FC236}">
+                <a16:creationId xmlns:a16="http://schemas.microsoft.com/office/drawing/2014/main" id="{132EE006-40E4-9878-0146-98BE23FB4C2E}"/>
               </a:ext>
             </a:extLst>
           </p:cNvPr>
@@ -7023,21 +10624,45 @@
           <p:nvPr/>
         </p:nvPicPr>
         <p:blipFill>
-          <a:blip r:embed="rId3">
-            <a:extLst>
-              <a:ext uri="{28A0092B-C50C-407E-A947-70E740481C1C}">
-                <a14:useLocalDpi xmlns:a14="http://schemas.microsoft.com/office/drawing/2010/main" val="0"/>
-              </a:ext>
-            </a:extLst>
-          </a:blip>
+          <a:blip r:embed="rId4"/>
           <a:stretch>
             <a:fillRect/>
           </a:stretch>
         </p:blipFill>
         <p:spPr>
           <a:xfrm>
-            <a:off x="5676229" y="4699318"/>
-            <a:ext cx="3188546" cy="1793557"/>
+            <a:off x="9272359" y="1250609"/>
+            <a:ext cx="1152058" cy="3394234"/>
+          </a:xfrm>
+          <a:prstGeom prst="rect">
+            <a:avLst/>
+          </a:prstGeom>
+        </p:spPr>
+      </p:pic>
+      <p:pic>
+        <p:nvPicPr>
+          <p:cNvPr id="12" name="Picture 11">
+            <a:extLst>
+              <a:ext uri="{FF2B5EF4-FFF2-40B4-BE49-F238E27FC236}">
+                <a16:creationId xmlns:a16="http://schemas.microsoft.com/office/drawing/2014/main" id="{9BA1B477-24F3-E5DF-12C2-6F791C1381B5}"/>
+              </a:ext>
+            </a:extLst>
+          </p:cNvPr>
+          <p:cNvPicPr>
+            <a:picLocks noChangeAspect="1"/>
+          </p:cNvPicPr>
+          <p:nvPr/>
+        </p:nvPicPr>
+        <p:blipFill>
+          <a:blip r:embed="rId5"/>
+          <a:stretch>
+            <a:fillRect/>
+          </a:stretch>
+        </p:blipFill>
+        <p:spPr>
+          <a:xfrm>
+            <a:off x="10561968" y="1250609"/>
+            <a:ext cx="1356455" cy="4007426"/>
           </a:xfrm>
           <a:prstGeom prst="rect">
             <a:avLst/>
@@ -7047,7 +10672,7 @@
     </p:spTree>
     <p:extLst>
       <p:ext uri="{BB962C8B-B14F-4D97-AF65-F5344CB8AC3E}">
-        <p14:creationId xmlns:p14="http://schemas.microsoft.com/office/powerpoint/2010/main" val="2863258680"/>
+        <p14:creationId xmlns:p14="http://schemas.microsoft.com/office/powerpoint/2010/main" val="418955551"/>
       </p:ext>
     </p:extLst>
   </p:cSld>
@@ -7079,7 +10704,7 @@
           <p:cNvPr id="2" name="Title 1">
             <a:extLst>
               <a:ext uri="{FF2B5EF4-FFF2-40B4-BE49-F238E27FC236}">
-                <a16:creationId xmlns:a16="http://schemas.microsoft.com/office/drawing/2014/main" id="{7F0F13F4-55D0-3648-2FB4-7EF646CA91ED}"/>
+                <a16:creationId xmlns:a16="http://schemas.microsoft.com/office/drawing/2014/main" id="{1CFBD9DB-14C6-32F0-A8F6-789E2A36B5C5}"/>
               </a:ext>
             </a:extLst>
           </p:cNvPr>
@@ -7097,7 +10722,7 @@
           <a:p>
             <a:r>
               <a:rPr lang="en-GB" dirty="0"/>
-              <a:t>Data conclusion</a:t>
+              <a:t>Data Quality – Ch names </a:t>
             </a:r>
           </a:p>
         </p:txBody>
@@ -7107,7 +10732,7 @@
           <p:cNvPr id="3" name="Content Placeholder 2">
             <a:extLst>
               <a:ext uri="{FF2B5EF4-FFF2-40B4-BE49-F238E27FC236}">
-                <a16:creationId xmlns:a16="http://schemas.microsoft.com/office/drawing/2014/main" id="{0B41CB12-B324-B8B7-A95B-BD67C46DCE37}"/>
+                <a16:creationId xmlns:a16="http://schemas.microsoft.com/office/drawing/2014/main" id="{F3B6AF3C-5D56-2FFD-0306-1499AF960257}"/>
               </a:ext>
             </a:extLst>
           </p:cNvPr>
@@ -7118,52 +10743,230 @@
             <p:ph idx="1"/>
           </p:nvPr>
         </p:nvSpPr>
-        <p:spPr/>
+        <p:spPr>
+          <a:xfrm>
+            <a:off x="838200" y="1825625"/>
+            <a:ext cx="6487160" cy="4351338"/>
+          </a:xfrm>
+        </p:spPr>
         <p:txBody>
           <a:bodyPr/>
           <a:lstStyle/>
           <a:p>
             <a:r>
               <a:rPr lang="en-GB" dirty="0"/>
-              <a:t>Source information + Meta data crucial for proper data analysis</a:t>
+              <a:t>Channels not in 10-20 montage naming</a:t>
             </a:r>
           </a:p>
           <a:p>
             <a:pPr lvl="1"/>
             <a:r>
               <a:rPr lang="en-GB" dirty="0"/>
-              <a:t>Don’t know what I am looking at</a:t>
+              <a:t>=&gt; Fix + </a:t>
+            </a:r>
+            <a:r>
+              <a:rPr lang="en-GB" dirty="0" err="1"/>
+              <a:t>set_montage</a:t>
+            </a:r>
+            <a:r>
+              <a:rPr lang="en-GB" dirty="0"/>
+              <a:t>()</a:t>
             </a:r>
           </a:p>
           <a:p>
             <a:pPr lvl="1"/>
             <a:r>
               <a:rPr lang="en-GB" dirty="0"/>
-              <a:t>Unnecessary long puzzling</a:t>
-            </a:r>
-          </a:p>
-          <a:p>
-            <a:pPr lvl="1"/>
-            <a:r>
-              <a:rPr lang="en-GB" dirty="0"/>
-              <a:t>Risk of false comparison between groups</a:t>
-            </a:r>
-          </a:p>
-          <a:p>
-            <a:endParaRPr lang="en-GB" dirty="0"/>
-          </a:p>
-          <a:p>
-            <a:r>
-              <a:rPr lang="en-GB" u="sng" dirty="0"/>
-              <a:t>No Source + Metadata == No (usable) Data</a:t>
-            </a:r>
-          </a:p>
-        </p:txBody>
-      </p:sp>
+              <a:t>=&gt; Simplifies working with MNE</a:t>
+            </a:r>
+          </a:p>
+        </p:txBody>
+      </p:sp>
+      <p:pic>
+        <p:nvPicPr>
+          <p:cNvPr id="5" name="Picture 4">
+            <a:extLst>
+              <a:ext uri="{FF2B5EF4-FFF2-40B4-BE49-F238E27FC236}">
+                <a16:creationId xmlns:a16="http://schemas.microsoft.com/office/drawing/2014/main" id="{2F40E2AA-2D4D-DBA9-2F8C-0569FA5F83A2}"/>
+              </a:ext>
+            </a:extLst>
+          </p:cNvPr>
+          <p:cNvPicPr>
+            <a:picLocks noChangeAspect="1"/>
+          </p:cNvPicPr>
+          <p:nvPr/>
+        </p:nvPicPr>
+        <p:blipFill rotWithShape="1">
+          <a:blip r:embed="rId2"/>
+          <a:srcRect l="1685" r="4076"/>
+          <a:stretch/>
+        </p:blipFill>
+        <p:spPr>
+          <a:xfrm>
+            <a:off x="8159657" y="14837"/>
+            <a:ext cx="4022576" cy="4199270"/>
+          </a:xfrm>
+          <a:prstGeom prst="rect">
+            <a:avLst/>
+          </a:prstGeom>
+        </p:spPr>
+      </p:pic>
+      <p:pic>
+        <p:nvPicPr>
+          <p:cNvPr id="13" name="Picture 12">
+            <a:extLst>
+              <a:ext uri="{FF2B5EF4-FFF2-40B4-BE49-F238E27FC236}">
+                <a16:creationId xmlns:a16="http://schemas.microsoft.com/office/drawing/2014/main" id="{FDF5CAD4-58B9-E7F7-1622-602A5B730560}"/>
+              </a:ext>
+            </a:extLst>
+          </p:cNvPr>
+          <p:cNvPicPr>
+            <a:picLocks noChangeAspect="1"/>
+          </p:cNvPicPr>
+          <p:nvPr/>
+        </p:nvPicPr>
+        <p:blipFill>
+          <a:blip r:embed="rId3"/>
+          <a:stretch>
+            <a:fillRect/>
+          </a:stretch>
+        </p:blipFill>
+        <p:spPr>
+          <a:xfrm>
+            <a:off x="4151083" y="4387478"/>
+            <a:ext cx="5072223" cy="1789485"/>
+          </a:xfrm>
+          <a:prstGeom prst="rect">
+            <a:avLst/>
+          </a:prstGeom>
+        </p:spPr>
+      </p:pic>
+      <p:pic>
+        <p:nvPicPr>
+          <p:cNvPr id="11" name="Picture 10">
+            <a:extLst>
+              <a:ext uri="{FF2B5EF4-FFF2-40B4-BE49-F238E27FC236}">
+                <a16:creationId xmlns:a16="http://schemas.microsoft.com/office/drawing/2014/main" id="{C2308212-CCDD-6463-E0ED-61D392B84C24}"/>
+              </a:ext>
+            </a:extLst>
+          </p:cNvPr>
+          <p:cNvPicPr>
+            <a:picLocks noChangeAspect="1"/>
+          </p:cNvPicPr>
+          <p:nvPr/>
+        </p:nvPicPr>
+        <p:blipFill>
+          <a:blip r:embed="rId4"/>
+          <a:stretch>
+            <a:fillRect/>
+          </a:stretch>
+        </p:blipFill>
+        <p:spPr>
+          <a:xfrm>
+            <a:off x="6985873" y="4814016"/>
+            <a:ext cx="4773295" cy="1708816"/>
+          </a:xfrm>
+          <a:prstGeom prst="rect">
+            <a:avLst/>
+          </a:prstGeom>
+        </p:spPr>
+      </p:pic>
+      <p:grpSp>
+        <p:nvGrpSpPr>
+          <p:cNvPr id="17" name="Group 16">
+            <a:extLst>
+              <a:ext uri="{FF2B5EF4-FFF2-40B4-BE49-F238E27FC236}">
+                <a16:creationId xmlns:a16="http://schemas.microsoft.com/office/drawing/2014/main" id="{1BB03DFC-38C8-C8D5-3F52-E9369FA3CD42}"/>
+              </a:ext>
+            </a:extLst>
+          </p:cNvPr>
+          <p:cNvGrpSpPr/>
+          <p:nvPr/>
+        </p:nvGrpSpPr>
+        <p:grpSpPr>
+          <a:xfrm>
+            <a:off x="168257" y="3789680"/>
+            <a:ext cx="4172895" cy="2518088"/>
+            <a:chOff x="168257" y="3789680"/>
+            <a:chExt cx="4172895" cy="2518088"/>
+          </a:xfrm>
+        </p:grpSpPr>
+        <p:pic>
+          <p:nvPicPr>
+            <p:cNvPr id="15" name="Picture 14" descr="A diagram of the brain&#10;&#10;Description automatically generated">
+              <a:extLst>
+                <a:ext uri="{FF2B5EF4-FFF2-40B4-BE49-F238E27FC236}">
+                  <a16:creationId xmlns:a16="http://schemas.microsoft.com/office/drawing/2014/main" id="{B79EAAAF-AE28-60DA-2134-B6B1D3A8C853}"/>
+                </a:ext>
+              </a:extLst>
+            </p:cNvPr>
+            <p:cNvPicPr>
+              <a:picLocks noChangeAspect="1"/>
+            </p:cNvPicPr>
+            <p:nvPr/>
+          </p:nvPicPr>
+          <p:blipFill>
+            <a:blip r:embed="rId5">
+              <a:extLst>
+                <a:ext uri="{28A0092B-C50C-407E-A947-70E740481C1C}">
+                  <a14:useLocalDpi xmlns:a14="http://schemas.microsoft.com/office/drawing/2010/main" val="0"/>
+                </a:ext>
+              </a:extLst>
+            </a:blip>
+            <a:stretch>
+              <a:fillRect/>
+            </a:stretch>
+          </p:blipFill>
+          <p:spPr>
+            <a:xfrm>
+              <a:off x="168257" y="3789680"/>
+              <a:ext cx="4172895" cy="2199034"/>
+            </a:xfrm>
+            <a:prstGeom prst="rect">
+              <a:avLst/>
+            </a:prstGeom>
+          </p:spPr>
+        </p:pic>
+        <p:sp>
+          <p:nvSpPr>
+            <p:cNvPr id="16" name="TextBox 15">
+              <a:extLst>
+                <a:ext uri="{FF2B5EF4-FFF2-40B4-BE49-F238E27FC236}">
+                  <a16:creationId xmlns:a16="http://schemas.microsoft.com/office/drawing/2014/main" id="{05DEAEE7-9316-AD21-E136-46FB80692082}"/>
+                </a:ext>
+              </a:extLst>
+            </p:cNvPr>
+            <p:cNvSpPr txBox="1"/>
+            <p:nvPr/>
+          </p:nvSpPr>
+          <p:spPr>
+            <a:xfrm>
+              <a:off x="713302" y="6046158"/>
+              <a:ext cx="3236784" cy="261610"/>
+            </a:xfrm>
+            <a:prstGeom prst="rect">
+              <a:avLst/>
+            </a:prstGeom>
+            <a:noFill/>
+          </p:spPr>
+          <p:txBody>
+            <a:bodyPr wrap="none" rtlCol="0">
+              <a:spAutoFit/>
+            </a:bodyPr>
+            <a:lstStyle/>
+            <a:p>
+              <a:r>
+                <a:rPr lang="en-GB" sz="1100" dirty="0"/>
+                <a:t>https://info.tmsi.com/blog/the-10-20-system-for-eeg</a:t>
+              </a:r>
+            </a:p>
+          </p:txBody>
+        </p:sp>
+      </p:grpSp>
     </p:spTree>
     <p:extLst>
       <p:ext uri="{BB962C8B-B14F-4D97-AF65-F5344CB8AC3E}">
-        <p14:creationId xmlns:p14="http://schemas.microsoft.com/office/powerpoint/2010/main" val="4221687467"/>
+        <p14:creationId xmlns:p14="http://schemas.microsoft.com/office/powerpoint/2010/main" val="3815293092"/>
       </p:ext>
     </p:extLst>
   </p:cSld>
@@ -7195,7 +10998,7 @@
           <p:cNvPr id="2" name="Title 1">
             <a:extLst>
               <a:ext uri="{FF2B5EF4-FFF2-40B4-BE49-F238E27FC236}">
-                <a16:creationId xmlns:a16="http://schemas.microsoft.com/office/drawing/2014/main" id="{A71391C0-3AE9-7DD8-2529-34DCB9C5C7F5}"/>
+                <a16:creationId xmlns:a16="http://schemas.microsoft.com/office/drawing/2014/main" id="{2C32BD3F-A14B-37DB-561C-E3DF44882F48}"/>
               </a:ext>
             </a:extLst>
           </p:cNvPr>
@@ -7212,128 +11015,48 @@
           <a:lstStyle/>
           <a:p>
             <a:r>
-              <a:rPr lang="en-US" b="1" dirty="0"/>
-              <a:t>Artifacts in EEG Signals and Preprocessing</a:t>
-            </a:r>
-            <a:br>
-              <a:rPr lang="en-US" b="1" dirty="0"/>
-            </a:br>
-            <a:endParaRPr lang="en-GB" dirty="0"/>
-          </a:p>
-        </p:txBody>
-      </p:sp>
-      <p:sp>
-        <p:nvSpPr>
-          <p:cNvPr id="3" name="Content Placeholder 2">
-            <a:extLst>
-              <a:ext uri="{FF2B5EF4-FFF2-40B4-BE49-F238E27FC236}">
-                <a16:creationId xmlns:a16="http://schemas.microsoft.com/office/drawing/2014/main" id="{7350770B-CC70-8725-A6CF-020B3668AEB4}"/>
-              </a:ext>
-            </a:extLst>
-          </p:cNvPr>
-          <p:cNvSpPr>
-            <a:spLocks noGrp="1"/>
-          </p:cNvSpPr>
-          <p:nvPr>
-            <p:ph idx="1"/>
-          </p:nvPr>
-        </p:nvSpPr>
+              <a:rPr lang="en-GB" dirty="0"/>
+              <a:t>Referenced?</a:t>
+            </a:r>
+          </a:p>
+        </p:txBody>
+      </p:sp>
+      <p:pic>
+        <p:nvPicPr>
+          <p:cNvPr id="29" name="Picture 28">
+            <a:extLst>
+              <a:ext uri="{FF2B5EF4-FFF2-40B4-BE49-F238E27FC236}">
+                <a16:creationId xmlns:a16="http://schemas.microsoft.com/office/drawing/2014/main" id="{200314EF-3253-C2B0-2677-993BF1A2F53E}"/>
+              </a:ext>
+            </a:extLst>
+          </p:cNvPr>
+          <p:cNvPicPr>
+            <a:picLocks noChangeAspect="1"/>
+          </p:cNvPicPr>
+          <p:nvPr/>
+        </p:nvPicPr>
+        <p:blipFill>
+          <a:blip r:embed="rId2"/>
+          <a:stretch>
+            <a:fillRect/>
+          </a:stretch>
+        </p:blipFill>
         <p:spPr>
           <a:xfrm>
-            <a:off x="838200" y="1426464"/>
-            <a:ext cx="10515600" cy="4983480"/>
+            <a:off x="525262" y="1440712"/>
+            <a:ext cx="5372100" cy="5198297"/>
           </a:xfrm>
+          <a:prstGeom prst="rect">
+            <a:avLst/>
+          </a:prstGeom>
         </p:spPr>
-        <p:txBody>
-          <a:bodyPr>
-            <a:normAutofit/>
-          </a:bodyPr>
-          <a:lstStyle/>
-          <a:p>
-            <a:r>
-              <a:rPr lang="en-US" dirty="0"/>
-              <a:t>Non-biological Environment </a:t>
-            </a:r>
-          </a:p>
-          <a:p>
-            <a:pPr lvl="1"/>
-            <a:r>
-              <a:rPr lang="en-US" dirty="0"/>
-              <a:t>Powerline noise, traffic</a:t>
-            </a:r>
-          </a:p>
-          <a:p>
-            <a:pPr lvl="2"/>
-            <a:r>
-              <a:rPr lang="en-US" dirty="0"/>
-              <a:t>=&gt; bandpass + </a:t>
-            </a:r>
-            <a:r>
-              <a:rPr lang="en-US" dirty="0" err="1"/>
-              <a:t>bandstop</a:t>
-            </a:r>
-            <a:r>
-              <a:rPr lang="en-US" dirty="0"/>
-              <a:t> filtering</a:t>
-            </a:r>
-          </a:p>
-          <a:p>
-            <a:r>
-              <a:rPr lang="en-US" dirty="0"/>
-              <a:t>Biological</a:t>
-            </a:r>
-          </a:p>
-          <a:p>
-            <a:pPr lvl="1"/>
-            <a:r>
-              <a:rPr lang="en-US" dirty="0"/>
-              <a:t>eye blinking, movement, respiration, and heartbeat</a:t>
-            </a:r>
-          </a:p>
-          <a:p>
-            <a:pPr lvl="2"/>
-            <a:r>
-              <a:rPr lang="en-US" dirty="0"/>
-              <a:t>Often same </a:t>
-            </a:r>
-            <a:r>
-              <a:rPr lang="en-US" dirty="0" err="1"/>
-              <a:t>freq</a:t>
-            </a:r>
-            <a:r>
-              <a:rPr lang="en-US" dirty="0"/>
-              <a:t> range =&gt; grounding, linear regression methods</a:t>
-            </a:r>
-          </a:p>
-          <a:p>
-            <a:endParaRPr lang="en-US" dirty="0"/>
-          </a:p>
-          <a:p>
-            <a:endParaRPr lang="en-US" sz="1800" dirty="0"/>
-          </a:p>
-          <a:p>
-            <a:endParaRPr lang="en-US" sz="1800" dirty="0"/>
-          </a:p>
-          <a:p>
-            <a:pPr marL="0" indent="0">
-              <a:buNone/>
-            </a:pPr>
-            <a:endParaRPr lang="en-US" sz="1800" dirty="0"/>
-          </a:p>
-          <a:p>
-            <a:pPr marL="0" indent="0">
-              <a:buNone/>
-            </a:pPr>
-            <a:endParaRPr lang="en-GB" dirty="0"/>
-          </a:p>
-        </p:txBody>
-      </p:sp>
+      </p:pic>
       <p:grpSp>
         <p:nvGrpSpPr>
-          <p:cNvPr id="7" name="Group 6">
-            <a:extLst>
-              <a:ext uri="{FF2B5EF4-FFF2-40B4-BE49-F238E27FC236}">
-                <a16:creationId xmlns:a16="http://schemas.microsoft.com/office/drawing/2014/main" id="{6472A41B-CBB0-94B6-4D9B-B1AB93ECC5DF}"/>
+          <p:cNvPr id="4" name="Group 3">
+            <a:extLst>
+              <a:ext uri="{FF2B5EF4-FFF2-40B4-BE49-F238E27FC236}">
+                <a16:creationId xmlns:a16="http://schemas.microsoft.com/office/drawing/2014/main" id="{6FBF83D1-92E9-4862-B011-3ED331534BA4}"/>
               </a:ext>
             </a:extLst>
           </p:cNvPr>
@@ -7342,110 +11065,18 @@
         </p:nvGrpSpPr>
         <p:grpSpPr>
           <a:xfrm>
-            <a:off x="7059014" y="1027906"/>
-            <a:ext cx="4407226" cy="3002784"/>
-            <a:chOff x="6778387" y="0"/>
-            <a:chExt cx="4407226" cy="3002784"/>
+            <a:off x="6448528" y="2523744"/>
+            <a:ext cx="5524130" cy="1810512"/>
+            <a:chOff x="3234205" y="2622626"/>
+            <a:chExt cx="5723589" cy="1875884"/>
           </a:xfrm>
         </p:grpSpPr>
         <p:pic>
           <p:nvPicPr>
-            <p:cNvPr id="5" name="Picture 4" descr="A graph with blue lines and green lines&#10;&#10;Description automatically generated">
+            <p:cNvPr id="5" name="Picture 4" descr="A graph of a graph of a graph&#10;&#10;Description automatically generated with medium confidence">
               <a:extLst>
                 <a:ext uri="{FF2B5EF4-FFF2-40B4-BE49-F238E27FC236}">
-                  <a16:creationId xmlns:a16="http://schemas.microsoft.com/office/drawing/2014/main" id="{130C3B8E-B6D8-4766-279F-8411E281E98B}"/>
-                </a:ext>
-              </a:extLst>
-            </p:cNvPr>
-            <p:cNvPicPr>
-              <a:picLocks noChangeAspect="1"/>
-            </p:cNvPicPr>
-            <p:nvPr/>
-          </p:nvPicPr>
-          <p:blipFill>
-            <a:blip r:embed="rId2">
-              <a:extLst>
-                <a:ext uri="{28A0092B-C50C-407E-A947-70E740481C1C}">
-                  <a14:useLocalDpi xmlns:a14="http://schemas.microsoft.com/office/drawing/2010/main" val="0"/>
-                </a:ext>
-              </a:extLst>
-            </a:blip>
-            <a:stretch>
-              <a:fillRect/>
-            </a:stretch>
-          </p:blipFill>
-          <p:spPr>
-            <a:xfrm>
-              <a:off x="6778387" y="0"/>
-              <a:ext cx="4407226" cy="2737042"/>
-            </a:xfrm>
-            <a:prstGeom prst="rect">
-              <a:avLst/>
-            </a:prstGeom>
-          </p:spPr>
-        </p:pic>
-        <p:sp>
-          <p:nvSpPr>
-            <p:cNvPr id="6" name="TextBox 5">
-              <a:extLst>
-                <a:ext uri="{FF2B5EF4-FFF2-40B4-BE49-F238E27FC236}">
-                  <a16:creationId xmlns:a16="http://schemas.microsoft.com/office/drawing/2014/main" id="{31700BA6-CF89-565A-2F0A-B9887456B48C}"/>
-                </a:ext>
-              </a:extLst>
-            </p:cNvPr>
-            <p:cNvSpPr txBox="1"/>
-            <p:nvPr/>
-          </p:nvSpPr>
-          <p:spPr>
-            <a:xfrm>
-              <a:off x="7671816" y="2741174"/>
-              <a:ext cx="3324949" cy="261610"/>
-            </a:xfrm>
-            <a:prstGeom prst="rect">
-              <a:avLst/>
-            </a:prstGeom>
-            <a:noFill/>
-          </p:spPr>
-          <p:txBody>
-            <a:bodyPr wrap="none" rtlCol="0">
-              <a:spAutoFit/>
-            </a:bodyPr>
-            <a:lstStyle/>
-            <a:p>
-              <a:r>
-                <a:rPr lang="en-GB" sz="1100" dirty="0"/>
-                <a:t>https://otc-cta.gc.ca/eng/railway_noise_measurement</a:t>
-              </a:r>
-            </a:p>
-          </p:txBody>
-        </p:sp>
-      </p:grpSp>
-      <p:grpSp>
-        <p:nvGrpSpPr>
-          <p:cNvPr id="14" name="Group 13">
-            <a:extLst>
-              <a:ext uri="{FF2B5EF4-FFF2-40B4-BE49-F238E27FC236}">
-                <a16:creationId xmlns:a16="http://schemas.microsoft.com/office/drawing/2014/main" id="{616F617A-EE6A-043C-FC5A-CAFB0826E3D8}"/>
-              </a:ext>
-            </a:extLst>
-          </p:cNvPr>
-          <p:cNvGrpSpPr/>
-          <p:nvPr/>
-        </p:nvGrpSpPr>
-        <p:grpSpPr>
-          <a:xfrm>
-            <a:off x="1403374" y="4172638"/>
-            <a:ext cx="4413006" cy="2428367"/>
-            <a:chOff x="1385086" y="4064508"/>
-            <a:chExt cx="4413006" cy="2428367"/>
-          </a:xfrm>
-        </p:grpSpPr>
-        <p:pic>
-          <p:nvPicPr>
-            <p:cNvPr id="12" name="Picture 11" descr="A graph of ecg and ecg&#10;&#10;Description automatically generated">
-              <a:extLst>
-                <a:ext uri="{FF2B5EF4-FFF2-40B4-BE49-F238E27FC236}">
-                  <a16:creationId xmlns:a16="http://schemas.microsoft.com/office/drawing/2014/main" id="{21746E25-AB8E-3823-7C60-68C626D957A4}"/>
+                  <a16:creationId xmlns:a16="http://schemas.microsoft.com/office/drawing/2014/main" id="{6ADF9FBD-1701-AD5F-812B-8AB07728C23F}"/>
                 </a:ext>
               </a:extLst>
             </p:cNvPr>
@@ -7468,8 +11099,8 @@
           </p:blipFill>
           <p:spPr>
             <a:xfrm>
-              <a:off x="1385086" y="4064508"/>
-              <a:ext cx="4413006" cy="2149602"/>
+              <a:off x="3234205" y="2622626"/>
+              <a:ext cx="5723589" cy="1612747"/>
             </a:xfrm>
             <a:prstGeom prst="rect">
               <a:avLst/>
@@ -7478,10 +11109,10 @@
         </p:pic>
         <p:sp>
           <p:nvSpPr>
-            <p:cNvPr id="13" name="TextBox 12">
+            <p:cNvPr id="6" name="TextBox 5">
               <a:extLst>
                 <a:ext uri="{FF2B5EF4-FFF2-40B4-BE49-F238E27FC236}">
-                  <a16:creationId xmlns:a16="http://schemas.microsoft.com/office/drawing/2014/main" id="{F60C1B52-A4B6-B018-0CFB-5C2E41F5995C}"/>
+                  <a16:creationId xmlns:a16="http://schemas.microsoft.com/office/drawing/2014/main" id="{C7AD888C-2472-D0BC-059B-C36A484E71D0}"/>
                 </a:ext>
               </a:extLst>
             </p:cNvPr>
@@ -7490,8 +11121,8 @@
           </p:nvSpPr>
           <p:spPr>
             <a:xfrm>
-              <a:off x="1628428" y="6077377"/>
-              <a:ext cx="4169664" cy="415498"/>
+              <a:off x="4416634" y="4236900"/>
+              <a:ext cx="3230372" cy="261610"/>
             </a:xfrm>
             <a:prstGeom prst="rect">
               <a:avLst/>
@@ -7499,147 +11130,15 @@
             <a:noFill/>
           </p:spPr>
           <p:txBody>
-            <a:bodyPr wrap="square" rtlCol="0">
+            <a:bodyPr wrap="none" rtlCol="0">
               <a:spAutoFit/>
             </a:bodyPr>
             <a:lstStyle/>
             <a:p>
               <a:r>
-                <a:rPr lang="en-US" sz="700" dirty="0"/>
-                <a:t>A Survey on Artifacts Detection Techniques for Electro-Encephalography (EEG) Signals - Scientific Figure on ResearchGate. Available from: https://www.researchgate.net/figure/a-EEG-Signals-with-Artifacts-Caused-by-b-ECG-Signals-and-C-EMG-Signals-25_fig3_281887837 [accessed 23 Oct 2024]</a:t>
+                <a:rPr lang="en-GB" sz="1100" dirty="0"/>
+                <a:t>https://pressrelease.brainproducts.com/referencing/</a:t>
               </a:r>
-              <a:endParaRPr lang="en-GB" sz="700" dirty="0"/>
-            </a:p>
-          </p:txBody>
-        </p:sp>
-      </p:grpSp>
-      <p:sp>
-        <p:nvSpPr>
-          <p:cNvPr id="15" name="TextBox 14">
-            <a:extLst>
-              <a:ext uri="{FF2B5EF4-FFF2-40B4-BE49-F238E27FC236}">
-                <a16:creationId xmlns:a16="http://schemas.microsoft.com/office/drawing/2014/main" id="{EE1F7B1D-E7BA-23E7-287A-D891069234AF}"/>
-              </a:ext>
-            </a:extLst>
-          </p:cNvPr>
-          <p:cNvSpPr txBox="1"/>
-          <p:nvPr/>
-        </p:nvSpPr>
-        <p:spPr>
-          <a:xfrm>
-            <a:off x="7055848" y="0"/>
-            <a:ext cx="5118137" cy="646331"/>
-          </a:xfrm>
-          <a:prstGeom prst="rect">
-            <a:avLst/>
-          </a:prstGeom>
-          <a:noFill/>
-        </p:spPr>
-        <p:txBody>
-          <a:bodyPr wrap="square" rtlCol="0">
-            <a:spAutoFit/>
-          </a:bodyPr>
-          <a:lstStyle/>
-          <a:p>
-            <a:r>
-              <a:rPr lang="en-US" sz="1800" dirty="0"/>
-              <a:t>https://pmc.ncbi.nlm.nih.gov/articles/PMC861531/</a:t>
-            </a:r>
-          </a:p>
-          <a:p>
-            <a:endParaRPr lang="en-GB" dirty="0"/>
-          </a:p>
-        </p:txBody>
-      </p:sp>
-      <p:grpSp>
-        <p:nvGrpSpPr>
-          <p:cNvPr id="17" name="Group 16">
-            <a:extLst>
-              <a:ext uri="{FF2B5EF4-FFF2-40B4-BE49-F238E27FC236}">
-                <a16:creationId xmlns:a16="http://schemas.microsoft.com/office/drawing/2014/main" id="{62B30A00-C60D-CCB4-5792-E6B671ABC139}"/>
-              </a:ext>
-            </a:extLst>
-          </p:cNvPr>
-          <p:cNvGrpSpPr/>
-          <p:nvPr/>
-        </p:nvGrpSpPr>
-        <p:grpSpPr>
-          <a:xfrm>
-            <a:off x="6198674" y="4030690"/>
-            <a:ext cx="4242020" cy="2848613"/>
-            <a:chOff x="6198674" y="4030690"/>
-            <a:chExt cx="4242020" cy="2848613"/>
-          </a:xfrm>
-        </p:grpSpPr>
-        <p:pic>
-          <p:nvPicPr>
-            <p:cNvPr id="10" name="Picture 9" descr="A diagram of a brain activity&#10;&#10;Description automatically generated">
-              <a:extLst>
-                <a:ext uri="{FF2B5EF4-FFF2-40B4-BE49-F238E27FC236}">
-                  <a16:creationId xmlns:a16="http://schemas.microsoft.com/office/drawing/2014/main" id="{D8D80D5F-4355-EAC2-0C79-74B1CAF9FFF2}"/>
-                </a:ext>
-              </a:extLst>
-            </p:cNvPr>
-            <p:cNvPicPr>
-              <a:picLocks noChangeAspect="1"/>
-            </p:cNvPicPr>
-            <p:nvPr/>
-          </p:nvPicPr>
-          <p:blipFill>
-            <a:blip r:embed="rId4">
-              <a:extLst>
-                <a:ext uri="{28A0092B-C50C-407E-A947-70E740481C1C}">
-                  <a14:useLocalDpi xmlns:a14="http://schemas.microsoft.com/office/drawing/2010/main" val="0"/>
-                </a:ext>
-              </a:extLst>
-            </a:blip>
-            <a:stretch>
-              <a:fillRect/>
-            </a:stretch>
-          </p:blipFill>
-          <p:spPr>
-            <a:xfrm>
-              <a:off x="6198674" y="4030690"/>
-              <a:ext cx="3934173" cy="2712265"/>
-            </a:xfrm>
-            <a:prstGeom prst="rect">
-              <a:avLst/>
-            </a:prstGeom>
-          </p:spPr>
-        </p:pic>
-        <p:sp>
-          <p:nvSpPr>
-            <p:cNvPr id="16" name="TextBox 15">
-              <a:extLst>
-                <a:ext uri="{FF2B5EF4-FFF2-40B4-BE49-F238E27FC236}">
-                  <a16:creationId xmlns:a16="http://schemas.microsoft.com/office/drawing/2014/main" id="{73D34BE1-767B-21D0-F48F-8C11653663E5}"/>
-                </a:ext>
-              </a:extLst>
-            </p:cNvPr>
-            <p:cNvSpPr txBox="1"/>
-            <p:nvPr/>
-          </p:nvSpPr>
-          <p:spPr>
-            <a:xfrm>
-              <a:off x="6478294" y="6463805"/>
-              <a:ext cx="3962400" cy="415498"/>
-            </a:xfrm>
-            <a:prstGeom prst="rect">
-              <a:avLst/>
-            </a:prstGeom>
-            <a:noFill/>
-          </p:spPr>
-          <p:txBody>
-            <a:bodyPr wrap="square" rtlCol="0">
-              <a:spAutoFit/>
-            </a:bodyPr>
-            <a:lstStyle/>
-            <a:p>
-              <a:r>
-                <a:rPr lang="en-US" sz="700" dirty="0"/>
-                <a:t>Eye Blink Artifact Detection With Novel Optimized Multi-Dimensional Electroencephalogram Features - Scientific Figure on ResearchGate. Available from: https://www.researchgate.net/figure/Frontal-epileptiform-discharges-and-eye-blink-from-CHZU-database_fig1_353475354 [accessed 23 Oct 2024]</a:t>
-              </a:r>
-              <a:endParaRPr lang="en-GB" sz="700" dirty="0"/>
             </a:p>
           </p:txBody>
         </p:sp>
@@ -7647,7 +11146,7 @@
     </p:spTree>
     <p:extLst>
       <p:ext uri="{BB962C8B-B14F-4D97-AF65-F5344CB8AC3E}">
-        <p14:creationId xmlns:p14="http://schemas.microsoft.com/office/powerpoint/2010/main" val="1307683328"/>
+        <p14:creationId xmlns:p14="http://schemas.microsoft.com/office/powerpoint/2010/main" val="1130752201"/>
       </p:ext>
     </p:extLst>
   </p:cSld>
@@ -7679,7 +11178,7 @@
           <p:cNvPr id="2" name="Title 1">
             <a:extLst>
               <a:ext uri="{FF2B5EF4-FFF2-40B4-BE49-F238E27FC236}">
-                <a16:creationId xmlns:a16="http://schemas.microsoft.com/office/drawing/2014/main" id="{0A224CA4-B7D4-54FB-EE06-146BD69495AB}"/>
+                <a16:creationId xmlns:a16="http://schemas.microsoft.com/office/drawing/2014/main" id="{E71E46EB-F59D-1048-7DA2-08030DFB530C}"/>
               </a:ext>
             </a:extLst>
           </p:cNvPr>
@@ -7695,7 +11194,10 @@
           <a:bodyPr/>
           <a:lstStyle/>
           <a:p>
-            <a:endParaRPr lang="en-GB"/>
+            <a:r>
+              <a:rPr lang="en-GB" dirty="0"/>
+              <a:t>Re-referencing?</a:t>
+            </a:r>
           </a:p>
         </p:txBody>
       </p:sp>
@@ -7704,7 +11206,7 @@
           <p:cNvPr id="3" name="Content Placeholder 2">
             <a:extLst>
               <a:ext uri="{FF2B5EF4-FFF2-40B4-BE49-F238E27FC236}">
-                <a16:creationId xmlns:a16="http://schemas.microsoft.com/office/drawing/2014/main" id="{30F884C6-668A-1922-8BE6-FE1D2804ECBB}"/>
+                <a16:creationId xmlns:a16="http://schemas.microsoft.com/office/drawing/2014/main" id="{DFAA6BFF-2ADC-C751-65E9-EA5EC84CC47D}"/>
               </a:ext>
             </a:extLst>
           </p:cNvPr>
@@ -7720,16 +11222,37 @@
           <a:bodyPr/>
           <a:lstStyle/>
           <a:p>
-            <a:endParaRPr lang="en-GB"/>
+            <a:endParaRPr lang="en-GB" dirty="0"/>
+          </a:p>
+          <a:p>
+            <a:endParaRPr lang="en-GB" dirty="0"/>
+          </a:p>
+          <a:p>
+            <a:endParaRPr lang="en-GB" dirty="0"/>
+          </a:p>
+          <a:p>
+            <a:endParaRPr lang="en-GB" dirty="0"/>
+          </a:p>
+          <a:p>
+            <a:endParaRPr lang="en-GB" dirty="0"/>
+          </a:p>
+          <a:p>
+            <a:endParaRPr lang="en-GB" dirty="0"/>
+          </a:p>
+          <a:p>
+            <a:endParaRPr lang="en-GB" dirty="0"/>
+          </a:p>
+          <a:p>
+            <a:endParaRPr lang="en-GB" dirty="0"/>
           </a:p>
         </p:txBody>
       </p:sp>
       <p:pic>
         <p:nvPicPr>
-          <p:cNvPr id="5" name="Picture 4">
-            <a:extLst>
-              <a:ext uri="{FF2B5EF4-FFF2-40B4-BE49-F238E27FC236}">
-                <a16:creationId xmlns:a16="http://schemas.microsoft.com/office/drawing/2014/main" id="{CD841F0A-206A-2A76-F7B4-ABA79C06CC34}"/>
+          <p:cNvPr id="19" name="Picture 18">
+            <a:extLst>
+              <a:ext uri="{FF2B5EF4-FFF2-40B4-BE49-F238E27FC236}">
+                <a16:creationId xmlns:a16="http://schemas.microsoft.com/office/drawing/2014/main" id="{DC42B70B-F9AE-7780-00BA-A4365EC3C7EB}"/>
               </a:ext>
             </a:extLst>
           </p:cNvPr>
@@ -7746,8 +11269,8 @@
         </p:blipFill>
         <p:spPr>
           <a:xfrm>
-            <a:off x="0" y="276225"/>
-            <a:ext cx="6486525" cy="6324600"/>
+            <a:off x="4482182" y="4211636"/>
+            <a:ext cx="5333334" cy="1886101"/>
           </a:xfrm>
           <a:prstGeom prst="rect">
             <a:avLst/>
@@ -7756,10 +11279,10 @@
       </p:pic>
       <p:pic>
         <p:nvPicPr>
-          <p:cNvPr id="7" name="Picture 6">
-            <a:extLst>
-              <a:ext uri="{FF2B5EF4-FFF2-40B4-BE49-F238E27FC236}">
-                <a16:creationId xmlns:a16="http://schemas.microsoft.com/office/drawing/2014/main" id="{200C7946-064B-3193-095E-8768D044D0BA}"/>
+          <p:cNvPr id="33" name="Picture 32">
+            <a:extLst>
+              <a:ext uri="{FF2B5EF4-FFF2-40B4-BE49-F238E27FC236}">
+                <a16:creationId xmlns:a16="http://schemas.microsoft.com/office/drawing/2014/main" id="{C3B7C8EE-0590-D5E8-F60C-AAF4B239CB51}"/>
               </a:ext>
             </a:extLst>
           </p:cNvPr>
@@ -7776,48 +11299,586 @@
         </p:blipFill>
         <p:spPr>
           <a:xfrm>
-            <a:off x="6096000" y="276225"/>
-            <a:ext cx="6496050" cy="6334125"/>
+            <a:off x="-20574" y="1684424"/>
+            <a:ext cx="4598895" cy="4449889"/>
           </a:xfrm>
           <a:prstGeom prst="rect">
             <a:avLst/>
           </a:prstGeom>
         </p:spPr>
       </p:pic>
-      <p:pic>
-        <p:nvPicPr>
-          <p:cNvPr id="9" name="Picture 8">
-            <a:extLst>
-              <a:ext uri="{FF2B5EF4-FFF2-40B4-BE49-F238E27FC236}">
-                <a16:creationId xmlns:a16="http://schemas.microsoft.com/office/drawing/2014/main" id="{6841A17C-7F71-784B-27CB-53461489DE27}"/>
-              </a:ext>
-            </a:extLst>
-          </p:cNvPr>
-          <p:cNvPicPr>
-            <a:picLocks noChangeAspect="1"/>
-          </p:cNvPicPr>
+      <p:grpSp>
+        <p:nvGrpSpPr>
+          <p:cNvPr id="39" name="Group 38">
+            <a:extLst>
+              <a:ext uri="{FF2B5EF4-FFF2-40B4-BE49-F238E27FC236}">
+                <a16:creationId xmlns:a16="http://schemas.microsoft.com/office/drawing/2014/main" id="{45168ED9-6528-EA09-F3C7-EF24700FEA2C}"/>
+              </a:ext>
+            </a:extLst>
+          </p:cNvPr>
+          <p:cNvGrpSpPr/>
           <p:nvPr/>
-        </p:nvPicPr>
-        <p:blipFill>
-          <a:blip r:embed="rId4"/>
-          <a:stretch>
-            <a:fillRect/>
-          </a:stretch>
-        </p:blipFill>
+        </p:nvGrpSpPr>
+        <p:grpSpPr>
+          <a:xfrm>
+            <a:off x="9491472" y="515519"/>
+            <a:ext cx="2374387" cy="5661444"/>
+            <a:chOff x="9491472" y="515519"/>
+            <a:chExt cx="2374387" cy="5661444"/>
+          </a:xfrm>
+        </p:grpSpPr>
+        <p:pic>
+          <p:nvPicPr>
+            <p:cNvPr id="10" name="Picture 9">
+              <a:extLst>
+                <a:ext uri="{FF2B5EF4-FFF2-40B4-BE49-F238E27FC236}">
+                  <a16:creationId xmlns:a16="http://schemas.microsoft.com/office/drawing/2014/main" id="{78E5A823-CF91-898D-E7BF-397D7EA52C0D}"/>
+                </a:ext>
+              </a:extLst>
+            </p:cNvPr>
+            <p:cNvPicPr>
+              <a:picLocks noChangeAspect="1"/>
+            </p:cNvPicPr>
+            <p:nvPr/>
+          </p:nvPicPr>
+          <p:blipFill>
+            <a:blip r:embed="rId4"/>
+            <a:stretch>
+              <a:fillRect/>
+            </a:stretch>
+          </p:blipFill>
+          <p:spPr>
+            <a:xfrm>
+              <a:off x="9944273" y="515519"/>
+              <a:ext cx="1921586" cy="5661444"/>
+            </a:xfrm>
+            <a:prstGeom prst="rect">
+              <a:avLst/>
+            </a:prstGeom>
+          </p:spPr>
+        </p:pic>
+        <p:grpSp>
+          <p:nvGrpSpPr>
+            <p:cNvPr id="38" name="Group 37">
+              <a:extLst>
+                <a:ext uri="{FF2B5EF4-FFF2-40B4-BE49-F238E27FC236}">
+                  <a16:creationId xmlns:a16="http://schemas.microsoft.com/office/drawing/2014/main" id="{322235E3-0F16-56AA-51D3-BB93E0E7D352}"/>
+                </a:ext>
+              </a:extLst>
+            </p:cNvPr>
+            <p:cNvGrpSpPr/>
+            <p:nvPr/>
+          </p:nvGrpSpPr>
+          <p:grpSpPr>
+            <a:xfrm>
+              <a:off x="9491472" y="4211636"/>
+              <a:ext cx="1632992" cy="424372"/>
+              <a:chOff x="9491472" y="4211636"/>
+              <a:chExt cx="1632992" cy="424372"/>
+            </a:xfrm>
+          </p:grpSpPr>
+          <p:sp>
+            <p:nvSpPr>
+              <p:cNvPr id="20" name="Rectangle: Rounded Corners 19">
+                <a:extLst>
+                  <a:ext uri="{FF2B5EF4-FFF2-40B4-BE49-F238E27FC236}">
+                    <a16:creationId xmlns:a16="http://schemas.microsoft.com/office/drawing/2014/main" id="{49B357E7-D380-056A-30E0-1CCFACAA3B78}"/>
+                  </a:ext>
+                </a:extLst>
+              </p:cNvPr>
+              <p:cNvSpPr/>
+              <p:nvPr/>
+            </p:nvSpPr>
+            <p:spPr>
+              <a:xfrm>
+                <a:off x="10090322" y="4211636"/>
+                <a:ext cx="1034142" cy="203043"/>
+              </a:xfrm>
+              <a:prstGeom prst="roundRect">
+                <a:avLst/>
+              </a:prstGeom>
+              <a:noFill/>
+              <a:ln w="38100"/>
+            </p:spPr>
+            <p:style>
+              <a:lnRef idx="2">
+                <a:schemeClr val="accent2"/>
+              </a:lnRef>
+              <a:fillRef idx="1">
+                <a:schemeClr val="lt1"/>
+              </a:fillRef>
+              <a:effectRef idx="0">
+                <a:schemeClr val="accent2"/>
+              </a:effectRef>
+              <a:fontRef idx="minor">
+                <a:schemeClr val="dk1"/>
+              </a:fontRef>
+            </p:style>
+            <p:txBody>
+              <a:bodyPr rtlCol="0" anchor="ctr"/>
+              <a:lstStyle/>
+              <a:p>
+                <a:pPr algn="ctr"/>
+                <a:endParaRPr lang="en-GB"/>
+              </a:p>
+            </p:txBody>
+          </p:sp>
+          <p:cxnSp>
+            <p:nvCxnSpPr>
+              <p:cNvPr id="37" name="Straight Arrow Connector 36">
+                <a:extLst>
+                  <a:ext uri="{FF2B5EF4-FFF2-40B4-BE49-F238E27FC236}">
+                    <a16:creationId xmlns:a16="http://schemas.microsoft.com/office/drawing/2014/main" id="{11537CA5-AC73-8B95-920B-83ABD4FAA490}"/>
+                  </a:ext>
+                </a:extLst>
+              </p:cNvPr>
+              <p:cNvCxnSpPr>
+                <a:cxnSpLocks/>
+                <a:stCxn id="20" idx="1"/>
+              </p:cNvCxnSpPr>
+              <p:nvPr/>
+            </p:nvCxnSpPr>
+            <p:spPr>
+              <a:xfrm flipH="1">
+                <a:off x="9491472" y="4313158"/>
+                <a:ext cx="598850" cy="322850"/>
+              </a:xfrm>
+              <a:prstGeom prst="straightConnector1">
+                <a:avLst/>
+              </a:prstGeom>
+              <a:ln w="28575">
+                <a:tailEnd type="triangle"/>
+              </a:ln>
+            </p:spPr>
+            <p:style>
+              <a:lnRef idx="1">
+                <a:schemeClr val="accent2"/>
+              </a:lnRef>
+              <a:fillRef idx="0">
+                <a:schemeClr val="accent2"/>
+              </a:fillRef>
+              <a:effectRef idx="0">
+                <a:schemeClr val="accent2"/>
+              </a:effectRef>
+              <a:fontRef idx="minor">
+                <a:schemeClr val="tx1"/>
+              </a:fontRef>
+            </p:style>
+          </p:cxnSp>
+        </p:grpSp>
+      </p:grpSp>
+      <p:grpSp>
+        <p:nvGrpSpPr>
+          <p:cNvPr id="45" name="Group 44">
+            <a:extLst>
+              <a:ext uri="{FF2B5EF4-FFF2-40B4-BE49-F238E27FC236}">
+                <a16:creationId xmlns:a16="http://schemas.microsoft.com/office/drawing/2014/main" id="{D579C0A4-9309-9663-6253-81ED8DE8B242}"/>
+              </a:ext>
+            </a:extLst>
+          </p:cNvPr>
+          <p:cNvGrpSpPr/>
+          <p:nvPr/>
+        </p:nvGrpSpPr>
+        <p:grpSpPr>
+          <a:xfrm>
+            <a:off x="5003236" y="1073625"/>
+            <a:ext cx="4434177" cy="2663210"/>
+            <a:chOff x="5003236" y="1073625"/>
+            <a:chExt cx="4434177" cy="2663210"/>
+          </a:xfrm>
+        </p:grpSpPr>
+        <p:grpSp>
+          <p:nvGrpSpPr>
+            <p:cNvPr id="17" name="Group 16">
+              <a:extLst>
+                <a:ext uri="{FF2B5EF4-FFF2-40B4-BE49-F238E27FC236}">
+                  <a16:creationId xmlns:a16="http://schemas.microsoft.com/office/drawing/2014/main" id="{D8CAB7C4-04DB-FE76-7161-8A06B29F1201}"/>
+                </a:ext>
+              </a:extLst>
+            </p:cNvPr>
+            <p:cNvGrpSpPr/>
+            <p:nvPr/>
+          </p:nvGrpSpPr>
+          <p:grpSpPr>
+            <a:xfrm>
+              <a:off x="5003236" y="1073625"/>
+              <a:ext cx="4434177" cy="2663210"/>
+              <a:chOff x="5166065" y="3902607"/>
+              <a:chExt cx="4434177" cy="2663210"/>
+            </a:xfrm>
+          </p:grpSpPr>
+          <p:grpSp>
+            <p:nvGrpSpPr>
+              <p:cNvPr id="15" name="Group 14">
+                <a:extLst>
+                  <a:ext uri="{FF2B5EF4-FFF2-40B4-BE49-F238E27FC236}">
+                    <a16:creationId xmlns:a16="http://schemas.microsoft.com/office/drawing/2014/main" id="{FD234A33-A4D4-954A-DA0E-9B4F0A89A932}"/>
+                  </a:ext>
+                </a:extLst>
+              </p:cNvPr>
+              <p:cNvGrpSpPr/>
+              <p:nvPr/>
+            </p:nvGrpSpPr>
+            <p:grpSpPr>
+              <a:xfrm>
+                <a:off x="5166065" y="3902607"/>
+                <a:ext cx="4434177" cy="2590268"/>
+                <a:chOff x="5148073" y="3721633"/>
+                <a:chExt cx="4434177" cy="2590268"/>
+              </a:xfrm>
+            </p:grpSpPr>
+            <p:pic>
+              <p:nvPicPr>
+                <p:cNvPr id="12" name="Picture 11" descr="A drawing of a lemon&#10;&#10;Description automatically generated">
+                  <a:extLst>
+                    <a:ext uri="{FF2B5EF4-FFF2-40B4-BE49-F238E27FC236}">
+                      <a16:creationId xmlns:a16="http://schemas.microsoft.com/office/drawing/2014/main" id="{5CEA78EA-3941-6B38-1D1D-D77A44E02979}"/>
+                    </a:ext>
+                  </a:extLst>
+                </p:cNvPr>
+                <p:cNvPicPr>
+                  <a:picLocks noChangeAspect="1"/>
+                </p:cNvPicPr>
+                <p:nvPr/>
+              </p:nvPicPr>
+              <p:blipFill>
+                <a:blip r:embed="rId5">
+                  <a:extLst>
+                    <a:ext uri="{28A0092B-C50C-407E-A947-70E740481C1C}">
+                      <a14:useLocalDpi xmlns:a14="http://schemas.microsoft.com/office/drawing/2010/main" val="0"/>
+                    </a:ext>
+                  </a:extLst>
+                </a:blip>
+                <a:stretch>
+                  <a:fillRect/>
+                </a:stretch>
+              </p:blipFill>
+              <p:spPr>
+                <a:xfrm>
+                  <a:off x="5148073" y="3721633"/>
+                  <a:ext cx="2590268" cy="2590268"/>
+                </a:xfrm>
+                <a:prstGeom prst="rect">
+                  <a:avLst/>
+                </a:prstGeom>
+              </p:spPr>
+            </p:pic>
+            <p:pic>
+              <p:nvPicPr>
+                <p:cNvPr id="14" name="Picture 13">
+                  <a:extLst>
+                    <a:ext uri="{FF2B5EF4-FFF2-40B4-BE49-F238E27FC236}">
+                      <a16:creationId xmlns:a16="http://schemas.microsoft.com/office/drawing/2014/main" id="{229949F5-9B07-0506-4A1A-E744EF330E30}"/>
+                    </a:ext>
+                  </a:extLst>
+                </p:cNvPr>
+                <p:cNvPicPr>
+                  <a:picLocks noChangeAspect="1"/>
+                </p:cNvPicPr>
+                <p:nvPr/>
+              </p:nvPicPr>
+              <p:blipFill>
+                <a:blip r:embed="rId6"/>
+                <a:stretch>
+                  <a:fillRect/>
+                </a:stretch>
+              </p:blipFill>
+              <p:spPr>
+                <a:xfrm>
+                  <a:off x="7660664" y="3956366"/>
+                  <a:ext cx="1921586" cy="2220597"/>
+                </a:xfrm>
+                <a:prstGeom prst="rect">
+                  <a:avLst/>
+                </a:prstGeom>
+              </p:spPr>
+            </p:pic>
+          </p:grpSp>
+          <p:sp>
+            <p:nvSpPr>
+              <p:cNvPr id="16" name="TextBox 15">
+                <a:extLst>
+                  <a:ext uri="{FF2B5EF4-FFF2-40B4-BE49-F238E27FC236}">
+                    <a16:creationId xmlns:a16="http://schemas.microsoft.com/office/drawing/2014/main" id="{640931C8-F655-5023-850C-29F1A52E466D}"/>
+                  </a:ext>
+                </a:extLst>
+              </p:cNvPr>
+              <p:cNvSpPr txBox="1"/>
+              <p:nvPr/>
+            </p:nvSpPr>
+            <p:spPr>
+              <a:xfrm>
+                <a:off x="5422392" y="6311901"/>
+                <a:ext cx="4050792" cy="253916"/>
+              </a:xfrm>
+              <a:prstGeom prst="rect">
+                <a:avLst/>
+              </a:prstGeom>
+              <a:noFill/>
+            </p:spPr>
+            <p:txBody>
+              <a:bodyPr wrap="square" rtlCol="0">
+                <a:spAutoFit/>
+              </a:bodyPr>
+              <a:lstStyle/>
+              <a:p>
+                <a:r>
+                  <a:rPr lang="en-GB" sz="1050" dirty="0"/>
+                  <a:t>https://www.learningeeg.com/montages-and-technical-components</a:t>
+                </a:r>
+              </a:p>
+            </p:txBody>
+          </p:sp>
+        </p:grpSp>
+        <p:sp>
+          <p:nvSpPr>
+            <p:cNvPr id="41" name="Rectangle: Rounded Corners 40">
+              <a:extLst>
+                <a:ext uri="{FF2B5EF4-FFF2-40B4-BE49-F238E27FC236}">
+                  <a16:creationId xmlns:a16="http://schemas.microsoft.com/office/drawing/2014/main" id="{C3B8B2EF-E0DB-CCD4-8109-14A45F7B97FD}"/>
+                </a:ext>
+              </a:extLst>
+            </p:cNvPr>
+            <p:cNvSpPr/>
+            <p:nvPr/>
+          </p:nvSpPr>
+          <p:spPr>
+            <a:xfrm>
+              <a:off x="6006202" y="2202354"/>
+              <a:ext cx="476894" cy="449406"/>
+            </a:xfrm>
+            <a:prstGeom prst="roundRect">
+              <a:avLst/>
+            </a:prstGeom>
+            <a:noFill/>
+            <a:ln w="38100"/>
+          </p:spPr>
+          <p:style>
+            <a:lnRef idx="2">
+              <a:schemeClr val="accent2"/>
+            </a:lnRef>
+            <a:fillRef idx="1">
+              <a:schemeClr val="lt1"/>
+            </a:fillRef>
+            <a:effectRef idx="0">
+              <a:schemeClr val="accent2"/>
+            </a:effectRef>
+            <a:fontRef idx="minor">
+              <a:schemeClr val="dk1"/>
+            </a:fontRef>
+          </p:style>
+          <p:txBody>
+            <a:bodyPr rtlCol="0" anchor="ctr"/>
+            <a:lstStyle/>
+            <a:p>
+              <a:pPr algn="ctr"/>
+              <a:endParaRPr lang="en-GB"/>
+            </a:p>
+          </p:txBody>
+        </p:sp>
+      </p:grpSp>
+      <p:cxnSp>
+        <p:nvCxnSpPr>
+          <p:cNvPr id="42" name="Straight Arrow Connector 41">
+            <a:extLst>
+              <a:ext uri="{FF2B5EF4-FFF2-40B4-BE49-F238E27FC236}">
+                <a16:creationId xmlns:a16="http://schemas.microsoft.com/office/drawing/2014/main" id="{FD231946-5464-7C50-5784-0AF5BDCFFA34}"/>
+              </a:ext>
+            </a:extLst>
+          </p:cNvPr>
+          <p:cNvCxnSpPr>
+            <a:cxnSpLocks/>
+            <a:stCxn id="20" idx="1"/>
+            <a:endCxn id="41" idx="3"/>
+          </p:cNvCxnSpPr>
+          <p:nvPr/>
+        </p:nvCxnSpPr>
         <p:spPr>
-          <a:xfrm>
-            <a:off x="5879147" y="371475"/>
-            <a:ext cx="6448425" cy="6210300"/>
+          <a:xfrm flipH="1" flipV="1">
+            <a:off x="6483096" y="2427057"/>
+            <a:ext cx="3607226" cy="1886101"/>
           </a:xfrm>
-          <a:prstGeom prst="rect">
+          <a:prstGeom prst="straightConnector1">
             <a:avLst/>
           </a:prstGeom>
+          <a:ln w="28575">
+            <a:tailEnd type="triangle"/>
+          </a:ln>
         </p:spPr>
-      </p:pic>
+        <p:style>
+          <a:lnRef idx="1">
+            <a:schemeClr val="accent2"/>
+          </a:lnRef>
+          <a:fillRef idx="0">
+            <a:schemeClr val="accent2"/>
+          </a:fillRef>
+          <a:effectRef idx="0">
+            <a:schemeClr val="accent2"/>
+          </a:effectRef>
+          <a:fontRef idx="minor">
+            <a:schemeClr val="tx1"/>
+          </a:fontRef>
+        </p:style>
+      </p:cxnSp>
+      <p:cxnSp>
+        <p:nvCxnSpPr>
+          <p:cNvPr id="46" name="Straight Arrow Connector 45">
+            <a:extLst>
+              <a:ext uri="{FF2B5EF4-FFF2-40B4-BE49-F238E27FC236}">
+                <a16:creationId xmlns:a16="http://schemas.microsoft.com/office/drawing/2014/main" id="{9EE46402-329E-AAEC-7D29-311025721A2C}"/>
+              </a:ext>
+            </a:extLst>
+          </p:cNvPr>
+          <p:cNvCxnSpPr>
+            <a:cxnSpLocks/>
+            <a:stCxn id="41" idx="1"/>
+          </p:cNvCxnSpPr>
+          <p:nvPr/>
+        </p:nvCxnSpPr>
+        <p:spPr>
+          <a:xfrm flipH="1">
+            <a:off x="4172224" y="2427057"/>
+            <a:ext cx="1833978" cy="1779184"/>
+          </a:xfrm>
+          <a:prstGeom prst="straightConnector1">
+            <a:avLst/>
+          </a:prstGeom>
+          <a:ln w="28575">
+            <a:tailEnd type="triangle"/>
+          </a:ln>
+        </p:spPr>
+        <p:style>
+          <a:lnRef idx="1">
+            <a:schemeClr val="accent2"/>
+          </a:lnRef>
+          <a:fillRef idx="0">
+            <a:schemeClr val="accent2"/>
+          </a:fillRef>
+          <a:effectRef idx="0">
+            <a:schemeClr val="accent2"/>
+          </a:effectRef>
+          <a:fontRef idx="minor">
+            <a:schemeClr val="tx1"/>
+          </a:fontRef>
+        </p:style>
+      </p:cxnSp>
+      <p:grpSp>
+        <p:nvGrpSpPr>
+          <p:cNvPr id="53" name="Group 52">
+            <a:extLst>
+              <a:ext uri="{FF2B5EF4-FFF2-40B4-BE49-F238E27FC236}">
+                <a16:creationId xmlns:a16="http://schemas.microsoft.com/office/drawing/2014/main" id="{0CF8C890-7DCE-E09E-A3D8-2B7F0865B74E}"/>
+              </a:ext>
+            </a:extLst>
+          </p:cNvPr>
+          <p:cNvGrpSpPr/>
+          <p:nvPr/>
+        </p:nvGrpSpPr>
+        <p:grpSpPr>
+          <a:xfrm>
+            <a:off x="1371600" y="1528057"/>
+            <a:ext cx="1612504" cy="3645519"/>
+            <a:chOff x="1371600" y="1528057"/>
+            <a:chExt cx="1612504" cy="3645519"/>
+          </a:xfrm>
+        </p:grpSpPr>
+        <p:sp>
+          <p:nvSpPr>
+            <p:cNvPr id="51" name="Rectangle: Rounded Corners 50">
+              <a:extLst>
+                <a:ext uri="{FF2B5EF4-FFF2-40B4-BE49-F238E27FC236}">
+                  <a16:creationId xmlns:a16="http://schemas.microsoft.com/office/drawing/2014/main" id="{49B7FCA9-F1F0-CCA4-7793-C33B500BACE5}"/>
+                </a:ext>
+              </a:extLst>
+            </p:cNvPr>
+            <p:cNvSpPr/>
+            <p:nvPr/>
+          </p:nvSpPr>
+          <p:spPr>
+            <a:xfrm>
+              <a:off x="1371600" y="1572768"/>
+              <a:ext cx="137160" cy="3600808"/>
+            </a:xfrm>
+            <a:prstGeom prst="roundRect">
+              <a:avLst/>
+            </a:prstGeom>
+            <a:noFill/>
+            <a:ln w="28575"/>
+          </p:spPr>
+          <p:style>
+            <a:lnRef idx="2">
+              <a:schemeClr val="accent6"/>
+            </a:lnRef>
+            <a:fillRef idx="1">
+              <a:schemeClr val="lt1"/>
+            </a:fillRef>
+            <a:effectRef idx="0">
+              <a:schemeClr val="accent6"/>
+            </a:effectRef>
+            <a:fontRef idx="minor">
+              <a:schemeClr val="dk1"/>
+            </a:fontRef>
+          </p:style>
+          <p:txBody>
+            <a:bodyPr rtlCol="0" anchor="ctr"/>
+            <a:lstStyle/>
+            <a:p>
+              <a:pPr algn="ctr"/>
+              <a:endParaRPr lang="en-GB"/>
+            </a:p>
+          </p:txBody>
+        </p:sp>
+        <p:sp>
+          <p:nvSpPr>
+            <p:cNvPr id="52" name="Rectangle: Rounded Corners 51">
+              <a:extLst>
+                <a:ext uri="{FF2B5EF4-FFF2-40B4-BE49-F238E27FC236}">
+                  <a16:creationId xmlns:a16="http://schemas.microsoft.com/office/drawing/2014/main" id="{3D86254B-7409-0937-590D-6DA5C98E8ADE}"/>
+                </a:ext>
+              </a:extLst>
+            </p:cNvPr>
+            <p:cNvSpPr/>
+            <p:nvPr/>
+          </p:nvSpPr>
+          <p:spPr>
+            <a:xfrm>
+              <a:off x="2846944" y="1528057"/>
+              <a:ext cx="137160" cy="3600808"/>
+            </a:xfrm>
+            <a:prstGeom prst="roundRect">
+              <a:avLst/>
+            </a:prstGeom>
+            <a:noFill/>
+            <a:ln w="28575"/>
+          </p:spPr>
+          <p:style>
+            <a:lnRef idx="2">
+              <a:schemeClr val="accent6"/>
+            </a:lnRef>
+            <a:fillRef idx="1">
+              <a:schemeClr val="lt1"/>
+            </a:fillRef>
+            <a:effectRef idx="0">
+              <a:schemeClr val="accent6"/>
+            </a:effectRef>
+            <a:fontRef idx="minor">
+              <a:schemeClr val="dk1"/>
+            </a:fontRef>
+          </p:style>
+          <p:txBody>
+            <a:bodyPr rtlCol="0" anchor="ctr"/>
+            <a:lstStyle/>
+            <a:p>
+              <a:pPr algn="ctr"/>
+              <a:endParaRPr lang="en-GB"/>
+            </a:p>
+          </p:txBody>
+        </p:sp>
+      </p:grpSp>
     </p:spTree>
     <p:extLst>
       <p:ext uri="{BB962C8B-B14F-4D97-AF65-F5344CB8AC3E}">
-        <p14:creationId xmlns:p14="http://schemas.microsoft.com/office/powerpoint/2010/main" val="455723385"/>
+        <p14:creationId xmlns:p14="http://schemas.microsoft.com/office/powerpoint/2010/main" val="2415046861"/>
       </p:ext>
     </p:extLst>
   </p:cSld>

--- a/reports/dEEGtal interview presentation - Jeroen Buil.pptx
+++ b/reports/dEEGtal interview presentation - Jeroen Buil.pptx
@@ -28,10 +28,14 @@
     <p:sldId id="281" r:id="rId22"/>
     <p:sldId id="270" r:id="rId23"/>
     <p:sldId id="269" r:id="rId24"/>
-    <p:sldId id="283" r:id="rId25"/>
-    <p:sldId id="284" r:id="rId26"/>
-    <p:sldId id="267" r:id="rId27"/>
-    <p:sldId id="285" r:id="rId28"/>
+    <p:sldId id="291" r:id="rId25"/>
+    <p:sldId id="292" r:id="rId26"/>
+    <p:sldId id="283" r:id="rId27"/>
+    <p:sldId id="284" r:id="rId28"/>
+    <p:sldId id="290" r:id="rId29"/>
+    <p:sldId id="289" r:id="rId30"/>
+    <p:sldId id="267" r:id="rId31"/>
+    <p:sldId id="285" r:id="rId32"/>
   </p:sldIdLst>
   <p:sldSz cx="12192000" cy="6858000"/>
   <p:notesSz cx="6858000" cy="9144000"/>
@@ -287,7 +291,7 @@
           <a:p>
             <a:fld id="{9C02005A-E747-4717-87FA-A0566728574C}" type="datetimeFigureOut">
               <a:rPr lang="en-GB" smtClean="0"/>
-              <a:t>25/10/2024</a:t>
+              <a:t>26/10/2024</a:t>
             </a:fld>
             <a:endParaRPr lang="en-GB"/>
           </a:p>
@@ -487,7 +491,7 @@
           <a:p>
             <a:fld id="{9C02005A-E747-4717-87FA-A0566728574C}" type="datetimeFigureOut">
               <a:rPr lang="en-GB" smtClean="0"/>
-              <a:t>25/10/2024</a:t>
+              <a:t>26/10/2024</a:t>
             </a:fld>
             <a:endParaRPr lang="en-GB"/>
           </a:p>
@@ -697,7 +701,7 @@
           <a:p>
             <a:fld id="{9C02005A-E747-4717-87FA-A0566728574C}" type="datetimeFigureOut">
               <a:rPr lang="en-GB" smtClean="0"/>
-              <a:t>25/10/2024</a:t>
+              <a:t>26/10/2024</a:t>
             </a:fld>
             <a:endParaRPr lang="en-GB"/>
           </a:p>
@@ -897,7 +901,7 @@
           <a:p>
             <a:fld id="{9C02005A-E747-4717-87FA-A0566728574C}" type="datetimeFigureOut">
               <a:rPr lang="en-GB" smtClean="0"/>
-              <a:t>25/10/2024</a:t>
+              <a:t>26/10/2024</a:t>
             </a:fld>
             <a:endParaRPr lang="en-GB"/>
           </a:p>
@@ -1173,7 +1177,7 @@
           <a:p>
             <a:fld id="{9C02005A-E747-4717-87FA-A0566728574C}" type="datetimeFigureOut">
               <a:rPr lang="en-GB" smtClean="0"/>
-              <a:t>25/10/2024</a:t>
+              <a:t>26/10/2024</a:t>
             </a:fld>
             <a:endParaRPr lang="en-GB"/>
           </a:p>
@@ -1441,7 +1445,7 @@
           <a:p>
             <a:fld id="{9C02005A-E747-4717-87FA-A0566728574C}" type="datetimeFigureOut">
               <a:rPr lang="en-GB" smtClean="0"/>
-              <a:t>25/10/2024</a:t>
+              <a:t>26/10/2024</a:t>
             </a:fld>
             <a:endParaRPr lang="en-GB"/>
           </a:p>
@@ -1856,7 +1860,7 @@
           <a:p>
             <a:fld id="{9C02005A-E747-4717-87FA-A0566728574C}" type="datetimeFigureOut">
               <a:rPr lang="en-GB" smtClean="0"/>
-              <a:t>25/10/2024</a:t>
+              <a:t>26/10/2024</a:t>
             </a:fld>
             <a:endParaRPr lang="en-GB"/>
           </a:p>
@@ -1998,7 +2002,7 @@
           <a:p>
             <a:fld id="{9C02005A-E747-4717-87FA-A0566728574C}" type="datetimeFigureOut">
               <a:rPr lang="en-GB" smtClean="0"/>
-              <a:t>25/10/2024</a:t>
+              <a:t>26/10/2024</a:t>
             </a:fld>
             <a:endParaRPr lang="en-GB"/>
           </a:p>
@@ -2111,7 +2115,7 @@
           <a:p>
             <a:fld id="{9C02005A-E747-4717-87FA-A0566728574C}" type="datetimeFigureOut">
               <a:rPr lang="en-GB" smtClean="0"/>
-              <a:t>25/10/2024</a:t>
+              <a:t>26/10/2024</a:t>
             </a:fld>
             <a:endParaRPr lang="en-GB"/>
           </a:p>
@@ -2424,7 +2428,7 @@
           <a:p>
             <a:fld id="{9C02005A-E747-4717-87FA-A0566728574C}" type="datetimeFigureOut">
               <a:rPr lang="en-GB" smtClean="0"/>
-              <a:t>25/10/2024</a:t>
+              <a:t>26/10/2024</a:t>
             </a:fld>
             <a:endParaRPr lang="en-GB"/>
           </a:p>
@@ -2713,7 +2717,7 @@
           <a:p>
             <a:fld id="{9C02005A-E747-4717-87FA-A0566728574C}" type="datetimeFigureOut">
               <a:rPr lang="en-GB" smtClean="0"/>
-              <a:t>25/10/2024</a:t>
+              <a:t>26/10/2024</a:t>
             </a:fld>
             <a:endParaRPr lang="en-GB"/>
           </a:p>
@@ -2956,7 +2960,7 @@
           <a:p>
             <a:fld id="{9C02005A-E747-4717-87FA-A0566728574C}" type="datetimeFigureOut">
               <a:rPr lang="en-GB" smtClean="0"/>
-              <a:t>25/10/2024</a:t>
+              <a:t>26/10/2024</a:t>
             </a:fld>
             <a:endParaRPr lang="en-GB"/>
           </a:p>
@@ -4036,18 +4040,21 @@
             </a:r>
           </a:p>
           <a:p>
+            <a:pPr lvl="1"/>
             <a:r>
               <a:rPr lang="en-GB" dirty="0"/>
               <a:t>Bandpass: 0,5-100 Hz</a:t>
             </a:r>
           </a:p>
           <a:p>
+            <a:pPr lvl="1"/>
             <a:r>
               <a:rPr lang="en-GB" dirty="0"/>
               <a:t>Notch: 60 Hz</a:t>
             </a:r>
           </a:p>
           <a:p>
+            <a:pPr lvl="1"/>
             <a:r>
               <a:rPr lang="en-GB" dirty="0"/>
               <a:t>Crop start + end of recording</a:t>
@@ -4066,15 +4073,17 @@
             </a:r>
           </a:p>
           <a:p>
+            <a:pPr lvl="1"/>
             <a:r>
               <a:rPr lang="en-GB" dirty="0"/>
-              <a:t>Remove EOG artefacts</a:t>
-            </a:r>
-          </a:p>
-          <a:p>
+              <a:t>Remove EOG + ECG artefacts </a:t>
+            </a:r>
+          </a:p>
+          <a:p>
+            <a:pPr lvl="2"/>
             <a:r>
               <a:rPr lang="en-GB" dirty="0"/>
-              <a:t>Remove ECG artefacts</a:t>
+              <a:t>=&gt; regression / ICA + (NN) Model</a:t>
             </a:r>
           </a:p>
         </p:txBody>
@@ -4107,7 +4116,7 @@
         </p:blipFill>
         <p:spPr>
           <a:xfrm>
-            <a:off x="6895584" y="2324898"/>
+            <a:off x="6977880" y="1501938"/>
             <a:ext cx="2431296" cy="2351242"/>
           </a:xfrm>
           <a:prstGeom prst="rect">
@@ -8432,7 +8441,7 @@
           <p:cNvPr id="2" name="Title 1">
             <a:extLst>
               <a:ext uri="{FF2B5EF4-FFF2-40B4-BE49-F238E27FC236}">
-                <a16:creationId xmlns:a16="http://schemas.microsoft.com/office/drawing/2014/main" id="{47A4501E-5F16-FBCD-9B1E-2F5A0CE41D57}"/>
+                <a16:creationId xmlns:a16="http://schemas.microsoft.com/office/drawing/2014/main" id="{C5B1F0B2-C727-BC62-BC58-5F1DFFBC26D8}"/>
               </a:ext>
             </a:extLst>
           </p:cNvPr>
@@ -8449,41 +8458,118 @@
           <a:lstStyle/>
           <a:p>
             <a:r>
+              <a:rPr lang="en-GB" dirty="0" err="1"/>
+              <a:t>Spectograms</a:t>
+            </a:r>
+            <a:r>
               <a:rPr lang="en-GB" dirty="0"/>
-              <a:t>Hyperparameter tuning</a:t>
-            </a:r>
-          </a:p>
-        </p:txBody>
-      </p:sp>
-      <p:sp>
-        <p:nvSpPr>
-          <p:cNvPr id="3" name="Text Placeholder 2">
-            <a:extLst>
-              <a:ext uri="{FF2B5EF4-FFF2-40B4-BE49-F238E27FC236}">
-                <a16:creationId xmlns:a16="http://schemas.microsoft.com/office/drawing/2014/main" id="{B4F6EC1F-54FF-E9D2-3C8A-9A494DC2C8D2}"/>
-              </a:ext>
-            </a:extLst>
-          </p:cNvPr>
-          <p:cNvSpPr>
-            <a:spLocks noGrp="1"/>
-          </p:cNvSpPr>
-          <p:nvPr>
-            <p:ph type="body" idx="1"/>
-          </p:nvPr>
-        </p:nvSpPr>
-        <p:spPr/>
-        <p:txBody>
-          <a:bodyPr/>
+              <a:t> = image =&gt; NN is the solution</a:t>
+            </a:r>
+          </a:p>
+        </p:txBody>
+      </p:sp>
+      <p:pic>
+        <p:nvPicPr>
+          <p:cNvPr id="9" name="Content Placeholder 8">
+            <a:extLst>
+              <a:ext uri="{FF2B5EF4-FFF2-40B4-BE49-F238E27FC236}">
+                <a16:creationId xmlns:a16="http://schemas.microsoft.com/office/drawing/2014/main" id="{5C926287-609A-A817-FF52-9D8534935485}"/>
+              </a:ext>
+            </a:extLst>
+          </p:cNvPr>
+          <p:cNvPicPr>
+            <a:picLocks noGrp="1" noChangeAspect="1"/>
+          </p:cNvPicPr>
+          <p:nvPr>
+            <p:ph idx="1"/>
+          </p:nvPr>
+        </p:nvPicPr>
+        <p:blipFill>
+          <a:blip r:embed="rId2"/>
+          <a:stretch>
+            <a:fillRect/>
+          </a:stretch>
+        </p:blipFill>
+        <p:spPr>
+          <a:xfrm>
+            <a:off x="8351519" y="1815465"/>
+            <a:ext cx="3613213" cy="4137452"/>
+          </a:xfrm>
+        </p:spPr>
+      </p:pic>
+      <p:pic>
+        <p:nvPicPr>
+          <p:cNvPr id="7" name="Picture 6">
+            <a:extLst>
+              <a:ext uri="{FF2B5EF4-FFF2-40B4-BE49-F238E27FC236}">
+                <a16:creationId xmlns:a16="http://schemas.microsoft.com/office/drawing/2014/main" id="{558F7566-AAA5-23A4-A61C-2C80711EED7E}"/>
+              </a:ext>
+            </a:extLst>
+          </p:cNvPr>
+          <p:cNvPicPr>
+            <a:picLocks noChangeAspect="1"/>
+          </p:cNvPicPr>
+          <p:nvPr/>
+        </p:nvPicPr>
+        <p:blipFill>
+          <a:blip r:embed="rId3"/>
+          <a:stretch>
+            <a:fillRect/>
+          </a:stretch>
+        </p:blipFill>
+        <p:spPr>
+          <a:xfrm>
+            <a:off x="3572415" y="2098253"/>
+            <a:ext cx="4572000" cy="3571875"/>
+          </a:xfrm>
+          <a:prstGeom prst="rect">
+            <a:avLst/>
+          </a:prstGeom>
+        </p:spPr>
+      </p:pic>
+      <p:sp>
+        <p:nvSpPr>
+          <p:cNvPr id="10" name="TextBox 9">
+            <a:extLst>
+              <a:ext uri="{FF2B5EF4-FFF2-40B4-BE49-F238E27FC236}">
+                <a16:creationId xmlns:a16="http://schemas.microsoft.com/office/drawing/2014/main" id="{C00F9C12-0392-90F8-A5DF-6EE07A938C12}"/>
+              </a:ext>
+            </a:extLst>
+          </p:cNvPr>
+          <p:cNvSpPr txBox="1"/>
+          <p:nvPr/>
+        </p:nvSpPr>
+        <p:spPr>
+          <a:xfrm>
+            <a:off x="617567" y="1996653"/>
+            <a:ext cx="2954848" cy="369332"/>
+          </a:xfrm>
+          <a:prstGeom prst="rect">
+            <a:avLst/>
+          </a:prstGeom>
+          <a:noFill/>
+        </p:spPr>
+        <p:txBody>
+          <a:bodyPr wrap="none" rtlCol="0">
+            <a:spAutoFit/>
+          </a:bodyPr>
           <a:lstStyle/>
           <a:p>
-            <a:endParaRPr lang="en-GB"/>
+            <a:r>
+              <a:rPr lang="en-GB" dirty="0">
+                <a:highlight>
+                  <a:srgbClr val="FFFF00"/>
+                </a:highlight>
+              </a:rPr>
+              <a:t>Write down CNN architecture</a:t>
+            </a:r>
           </a:p>
         </p:txBody>
       </p:sp>
     </p:spTree>
     <p:extLst>
       <p:ext uri="{BB962C8B-B14F-4D97-AF65-F5344CB8AC3E}">
-        <p14:creationId xmlns:p14="http://schemas.microsoft.com/office/powerpoint/2010/main" val="3976801953"/>
+        <p14:creationId xmlns:p14="http://schemas.microsoft.com/office/powerpoint/2010/main" val="2371516916"/>
       </p:ext>
     </p:extLst>
   </p:cSld>
@@ -8512,10 +8598,10 @@
       </p:grpSpPr>
       <p:sp>
         <p:nvSpPr>
-          <p:cNvPr id="4" name="Title 3">
-            <a:extLst>
-              <a:ext uri="{FF2B5EF4-FFF2-40B4-BE49-F238E27FC236}">
-                <a16:creationId xmlns:a16="http://schemas.microsoft.com/office/drawing/2014/main" id="{F1FDE157-BD5A-CE93-CC57-3803388AC6EC}"/>
+          <p:cNvPr id="2" name="Title 1">
+            <a:extLst>
+              <a:ext uri="{FF2B5EF4-FFF2-40B4-BE49-F238E27FC236}">
+                <a16:creationId xmlns:a16="http://schemas.microsoft.com/office/drawing/2014/main" id="{454A56CB-A70F-C359-0779-27F5B9DABD8A}"/>
               </a:ext>
             </a:extLst>
           </p:cNvPr>
@@ -8533,17 +8619,17 @@
           <a:p>
             <a:r>
               <a:rPr lang="en-GB" dirty="0"/>
-              <a:t>Stuff that affects performance</a:t>
-            </a:r>
-          </a:p>
-        </p:txBody>
-      </p:sp>
-      <p:sp>
-        <p:nvSpPr>
-          <p:cNvPr id="5" name="Content Placeholder 4">
-            <a:extLst>
-              <a:ext uri="{FF2B5EF4-FFF2-40B4-BE49-F238E27FC236}">
-                <a16:creationId xmlns:a16="http://schemas.microsoft.com/office/drawing/2014/main" id="{6728A368-CAD2-7A35-F615-FDF35DCC286A}"/>
+              <a:t>Heat Map</a:t>
+            </a:r>
+          </a:p>
+        </p:txBody>
+      </p:sp>
+      <p:sp>
+        <p:nvSpPr>
+          <p:cNvPr id="3" name="Content Placeholder 2">
+            <a:extLst>
+              <a:ext uri="{FF2B5EF4-FFF2-40B4-BE49-F238E27FC236}">
+                <a16:creationId xmlns:a16="http://schemas.microsoft.com/office/drawing/2014/main" id="{11AB0F93-B639-3EC0-E584-1302B916E559}"/>
               </a:ext>
             </a:extLst>
           </p:cNvPr>
@@ -8556,138 +8642,53 @@
         </p:nvSpPr>
         <p:spPr/>
         <p:txBody>
-          <a:bodyPr>
-            <a:normAutofit fontScale="62500" lnSpcReduction="20000"/>
-          </a:bodyPr>
+          <a:bodyPr/>
           <a:lstStyle/>
           <a:p>
-            <a:r>
-              <a:rPr lang="en-GB" dirty="0"/>
-              <a:t>Filtering</a:t>
-            </a:r>
-          </a:p>
-          <a:p>
-            <a:r>
-              <a:rPr lang="en-GB" dirty="0"/>
-              <a:t>Window length</a:t>
-            </a:r>
-          </a:p>
-          <a:p>
-            <a:r>
-              <a:rPr lang="en-GB" dirty="0"/>
-              <a:t>Nr of windows</a:t>
-            </a:r>
-          </a:p>
-          <a:p>
-            <a:r>
-              <a:rPr lang="en-GB" dirty="0" err="1"/>
-              <a:t>Spectogram</a:t>
-            </a:r>
-            <a:r>
-              <a:rPr lang="en-GB" dirty="0"/>
-              <a:t>:</a:t>
-            </a:r>
-          </a:p>
-          <a:p>
-            <a:pPr lvl="1"/>
-            <a:r>
-              <a:rPr lang="en-GB" dirty="0"/>
-              <a:t>Resolution</a:t>
-            </a:r>
-          </a:p>
-          <a:p>
-            <a:pPr lvl="1"/>
-            <a:r>
-              <a:rPr lang="en-GB" dirty="0"/>
-              <a:t>Freq Range</a:t>
-            </a:r>
-          </a:p>
-          <a:p>
-            <a:r>
-              <a:rPr lang="en-GB" dirty="0" err="1"/>
-              <a:t>XGBoost</a:t>
-            </a:r>
-            <a:r>
-              <a:rPr lang="en-GB" dirty="0"/>
-              <a:t>:</a:t>
-            </a:r>
-          </a:p>
-          <a:p>
-            <a:pPr lvl="1"/>
-            <a:r>
-              <a:rPr lang="en-GB" dirty="0"/>
-              <a:t>Depth</a:t>
-            </a:r>
-          </a:p>
-          <a:p>
-            <a:pPr lvl="1"/>
-            <a:r>
-              <a:rPr lang="en-GB" dirty="0"/>
-              <a:t>N-times</a:t>
-            </a:r>
-          </a:p>
-          <a:p>
-            <a:pPr lvl="1"/>
-            <a:r>
-              <a:rPr lang="en-GB" dirty="0" err="1"/>
-              <a:t>CrossValidation</a:t>
-            </a:r>
             <a:endParaRPr lang="en-GB" dirty="0"/>
           </a:p>
-          <a:p>
-            <a:r>
-              <a:rPr lang="en-GB" dirty="0"/>
-              <a:t>NN:</a:t>
-            </a:r>
-          </a:p>
-          <a:p>
-            <a:pPr lvl="1"/>
-            <a:r>
-              <a:rPr lang="en-GB" dirty="0"/>
-              <a:t>Layers</a:t>
-            </a:r>
-          </a:p>
-          <a:p>
-            <a:pPr lvl="1"/>
-            <a:r>
-              <a:rPr lang="en-GB" dirty="0"/>
-              <a:t>Nodes</a:t>
-            </a:r>
-          </a:p>
-          <a:p>
-            <a:pPr lvl="1"/>
-            <a:r>
-              <a:rPr lang="en-GB" dirty="0"/>
-              <a:t>Training</a:t>
-            </a:r>
-          </a:p>
-          <a:p>
-            <a:pPr lvl="1"/>
-            <a:r>
-              <a:rPr lang="en-GB" dirty="0"/>
-              <a:t>Loss function</a:t>
-            </a:r>
-          </a:p>
-          <a:p>
-            <a:pPr lvl="1"/>
-            <a:r>
-              <a:rPr lang="en-GB" dirty="0"/>
-              <a:t>Training rate</a:t>
-            </a:r>
-          </a:p>
-          <a:p>
-            <a:pPr lvl="1"/>
-            <a:r>
-              <a:rPr lang="en-GB" dirty="0"/>
-              <a:t>…</a:t>
-            </a:r>
-          </a:p>
-        </p:txBody>
-      </p:sp>
+        </p:txBody>
+      </p:sp>
+      <p:pic>
+        <p:nvPicPr>
+          <p:cNvPr id="5" name="Picture 4" descr="A black text on a white background&#10;&#10;Description automatically generated">
+            <a:extLst>
+              <a:ext uri="{FF2B5EF4-FFF2-40B4-BE49-F238E27FC236}">
+                <a16:creationId xmlns:a16="http://schemas.microsoft.com/office/drawing/2014/main" id="{7C9B2215-3E07-C0D2-F4EF-A1F9EE3E1F68}"/>
+              </a:ext>
+            </a:extLst>
+          </p:cNvPr>
+          <p:cNvPicPr>
+            <a:picLocks noChangeAspect="1"/>
+          </p:cNvPicPr>
+          <p:nvPr/>
+        </p:nvPicPr>
+        <p:blipFill>
+          <a:blip r:embed="rId2">
+            <a:extLst>
+              <a:ext uri="{28A0092B-C50C-407E-A947-70E740481C1C}">
+                <a14:useLocalDpi xmlns:a14="http://schemas.microsoft.com/office/drawing/2010/main" val="0"/>
+              </a:ext>
+            </a:extLst>
+          </a:blip>
+          <a:stretch>
+            <a:fillRect/>
+          </a:stretch>
+        </p:blipFill>
+        <p:spPr>
+          <a:xfrm>
+            <a:off x="6806184" y="1027906"/>
+            <a:ext cx="4267200" cy="1066800"/>
+          </a:xfrm>
+          <a:prstGeom prst="rect">
+            <a:avLst/>
+          </a:prstGeom>
+        </p:spPr>
+      </p:pic>
     </p:spTree>
     <p:extLst>
       <p:ext uri="{BB962C8B-B14F-4D97-AF65-F5344CB8AC3E}">
-        <p14:creationId xmlns:p14="http://schemas.microsoft.com/office/powerpoint/2010/main" val="1789169240"/>
+        <p14:creationId xmlns:p14="http://schemas.microsoft.com/office/powerpoint/2010/main" val="1100279065"/>
       </p:ext>
     </p:extLst>
   </p:cSld>
@@ -8716,10 +8717,10 @@
       </p:grpSpPr>
       <p:sp>
         <p:nvSpPr>
-          <p:cNvPr id="4" name="Title 3">
-            <a:extLst>
-              <a:ext uri="{FF2B5EF4-FFF2-40B4-BE49-F238E27FC236}">
-                <a16:creationId xmlns:a16="http://schemas.microsoft.com/office/drawing/2014/main" id="{87B8CEC8-E73C-05CA-E8AA-82D63FEBF7A3}"/>
+          <p:cNvPr id="2" name="Title 1">
+            <a:extLst>
+              <a:ext uri="{FF2B5EF4-FFF2-40B4-BE49-F238E27FC236}">
+                <a16:creationId xmlns:a16="http://schemas.microsoft.com/office/drawing/2014/main" id="{47A4501E-5F16-FBCD-9B1E-2F5A0CE41D57}"/>
               </a:ext>
             </a:extLst>
           </p:cNvPr>
@@ -8737,17 +8738,17 @@
           <a:p>
             <a:r>
               <a:rPr lang="en-GB" dirty="0"/>
-              <a:t>Conclusions</a:t>
-            </a:r>
-          </a:p>
-        </p:txBody>
-      </p:sp>
-      <p:sp>
-        <p:nvSpPr>
-          <p:cNvPr id="3" name="Content Placeholder 2">
-            <a:extLst>
-              <a:ext uri="{FF2B5EF4-FFF2-40B4-BE49-F238E27FC236}">
-                <a16:creationId xmlns:a16="http://schemas.microsoft.com/office/drawing/2014/main" id="{CD934F8F-78AA-563B-9701-F7530A227FA6}"/>
+              <a:t>Hyperparameter tuning</a:t>
+            </a:r>
+          </a:p>
+        </p:txBody>
+      </p:sp>
+      <p:sp>
+        <p:nvSpPr>
+          <p:cNvPr id="3" name="Text Placeholder 2">
+            <a:extLst>
+              <a:ext uri="{FF2B5EF4-FFF2-40B4-BE49-F238E27FC236}">
+                <a16:creationId xmlns:a16="http://schemas.microsoft.com/office/drawing/2014/main" id="{B4F6EC1F-54FF-E9D2-3C8A-9A494DC2C8D2}"/>
               </a:ext>
             </a:extLst>
           </p:cNvPr>
@@ -8760,19 +8761,17 @@
         </p:nvSpPr>
         <p:spPr/>
         <p:txBody>
-          <a:bodyPr>
-            <a:normAutofit/>
-          </a:bodyPr>
+          <a:bodyPr/>
           <a:lstStyle/>
           <a:p>
-            <a:endParaRPr lang="en-GB" dirty="0"/>
+            <a:endParaRPr lang="en-GB"/>
           </a:p>
         </p:txBody>
       </p:sp>
     </p:spTree>
     <p:extLst>
       <p:ext uri="{BB962C8B-B14F-4D97-AF65-F5344CB8AC3E}">
-        <p14:creationId xmlns:p14="http://schemas.microsoft.com/office/powerpoint/2010/main" val="100171256"/>
+        <p14:creationId xmlns:p14="http://schemas.microsoft.com/office/powerpoint/2010/main" val="3976801953"/>
       </p:ext>
     </p:extLst>
   </p:cSld>
@@ -8801,10 +8800,10 @@
       </p:grpSpPr>
       <p:sp>
         <p:nvSpPr>
-          <p:cNvPr id="2" name="Title 1">
-            <a:extLst>
-              <a:ext uri="{FF2B5EF4-FFF2-40B4-BE49-F238E27FC236}">
-                <a16:creationId xmlns:a16="http://schemas.microsoft.com/office/drawing/2014/main" id="{A387ADE2-5DCE-908C-6F6E-53991A4DC9B6}"/>
+          <p:cNvPr id="4" name="Title 3">
+            <a:extLst>
+              <a:ext uri="{FF2B5EF4-FFF2-40B4-BE49-F238E27FC236}">
+                <a16:creationId xmlns:a16="http://schemas.microsoft.com/office/drawing/2014/main" id="{F1FDE157-BD5A-CE93-CC57-3803388AC6EC}"/>
               </a:ext>
             </a:extLst>
           </p:cNvPr>
@@ -8822,17 +8821,17 @@
           <a:p>
             <a:r>
               <a:rPr lang="en-GB" dirty="0"/>
-              <a:t>Conclusions</a:t>
-            </a:r>
-          </a:p>
-        </p:txBody>
-      </p:sp>
-      <p:sp>
-        <p:nvSpPr>
-          <p:cNvPr id="3" name="Content Placeholder 2">
-            <a:extLst>
-              <a:ext uri="{FF2B5EF4-FFF2-40B4-BE49-F238E27FC236}">
-                <a16:creationId xmlns:a16="http://schemas.microsoft.com/office/drawing/2014/main" id="{E429667C-2662-29D9-1386-FB7C5D6A20E8}"/>
+              <a:t>Stuff that affects performance</a:t>
+            </a:r>
+          </a:p>
+        </p:txBody>
+      </p:sp>
+      <p:sp>
+        <p:nvSpPr>
+          <p:cNvPr id="5" name="Content Placeholder 4">
+            <a:extLst>
+              <a:ext uri="{FF2B5EF4-FFF2-40B4-BE49-F238E27FC236}">
+                <a16:creationId xmlns:a16="http://schemas.microsoft.com/office/drawing/2014/main" id="{6728A368-CAD2-7A35-F615-FDF35DCC286A}"/>
               </a:ext>
             </a:extLst>
           </p:cNvPr>
@@ -8845,52 +8844,397 @@
         </p:nvSpPr>
         <p:spPr/>
         <p:txBody>
-          <a:bodyPr/>
+          <a:bodyPr>
+            <a:normAutofit fontScale="55000" lnSpcReduction="20000"/>
+          </a:bodyPr>
           <a:lstStyle/>
           <a:p>
             <a:r>
               <a:rPr lang="en-GB" dirty="0"/>
-              <a:t>Data info crucial for design</a:t>
+              <a:t>Filtering</a:t>
             </a:r>
           </a:p>
           <a:p>
             <a:r>
               <a:rPr lang="en-GB" dirty="0"/>
-              <a:t>Design is crucial for data choice</a:t>
-            </a:r>
-          </a:p>
-          <a:p>
+              <a:t>Window length</a:t>
+            </a:r>
+          </a:p>
+          <a:p>
+            <a:r>
+              <a:rPr lang="en-GB" dirty="0"/>
+              <a:t>Nr of windows</a:t>
+            </a:r>
+          </a:p>
+          <a:p>
+            <a:r>
+              <a:rPr lang="en-GB" dirty="0" err="1"/>
+              <a:t>Spectogram</a:t>
+            </a:r>
+            <a:r>
+              <a:rPr lang="en-GB" dirty="0"/>
+              <a:t>:</a:t>
+            </a:r>
+          </a:p>
+          <a:p>
+            <a:pPr lvl="1"/>
+            <a:r>
+              <a:rPr lang="en-GB" dirty="0"/>
+              <a:t>Resolution</a:t>
+            </a:r>
+          </a:p>
+          <a:p>
+            <a:pPr lvl="1"/>
+            <a:r>
+              <a:rPr lang="en-GB" dirty="0"/>
+              <a:t>Freq Range</a:t>
+            </a:r>
+          </a:p>
+          <a:p>
+            <a:r>
+              <a:rPr lang="en-GB" dirty="0" err="1"/>
+              <a:t>XGBoost</a:t>
+            </a:r>
+            <a:r>
+              <a:rPr lang="en-GB" dirty="0"/>
+              <a:t>:</a:t>
+            </a:r>
+          </a:p>
+          <a:p>
+            <a:pPr lvl="1"/>
+            <a:r>
+              <a:rPr lang="en-GB" dirty="0"/>
+              <a:t>Feature selection</a:t>
+            </a:r>
+          </a:p>
+          <a:p>
+            <a:pPr lvl="1"/>
+            <a:r>
+              <a:rPr lang="en-GB" dirty="0"/>
+              <a:t>Depth</a:t>
+            </a:r>
+          </a:p>
+          <a:p>
+            <a:pPr lvl="1"/>
+            <a:r>
+              <a:rPr lang="en-GB" dirty="0"/>
+              <a:t>N-times</a:t>
+            </a:r>
+          </a:p>
+          <a:p>
+            <a:pPr lvl="1"/>
+            <a:r>
+              <a:rPr lang="en-GB" dirty="0" err="1"/>
+              <a:t>CrossValidation</a:t>
+            </a:r>
             <a:endParaRPr lang="en-GB" dirty="0"/>
           </a:p>
           <a:p>
             <a:r>
               <a:rPr lang="en-GB" dirty="0"/>
-              <a:t>NN lend themselves good for images</a:t>
-            </a:r>
-          </a:p>
-          <a:p>
+              <a:t>NN:</a:t>
+            </a:r>
+          </a:p>
+          <a:p>
+            <a:pPr lvl="1"/>
             <a:r>
               <a:rPr lang="en-GB" dirty="0"/>
-              <a:t>Training more challenging</a:t>
-            </a:r>
-          </a:p>
-          <a:p>
+              <a:t>Layers</a:t>
+            </a:r>
+          </a:p>
+          <a:p>
+            <a:pPr lvl="1"/>
             <a:r>
               <a:rPr lang="en-GB" dirty="0"/>
-              <a:t>Explainability more challenging =&gt; heat map could help </a:t>
-            </a:r>
-            <a:r>
-              <a:rPr lang="en-GB"/>
-              <a:t>identify patterns</a:t>
-            </a:r>
-            <a:endParaRPr lang="en-GB" dirty="0"/>
+              <a:t>Nodes</a:t>
+            </a:r>
+          </a:p>
+          <a:p>
+            <a:pPr lvl="1"/>
+            <a:r>
+              <a:rPr lang="en-GB" dirty="0"/>
+              <a:t>Training</a:t>
+            </a:r>
+          </a:p>
+          <a:p>
+            <a:pPr lvl="2"/>
+            <a:r>
+              <a:rPr lang="en-GB" dirty="0"/>
+              <a:t>Time (epochs)</a:t>
+            </a:r>
+          </a:p>
+          <a:p>
+            <a:pPr lvl="2"/>
+            <a:r>
+              <a:rPr lang="en-GB" dirty="0"/>
+              <a:t> Learning rate</a:t>
+            </a:r>
+          </a:p>
+          <a:p>
+            <a:pPr lvl="1"/>
+            <a:r>
+              <a:rPr lang="en-GB" dirty="0"/>
+              <a:t>Loss function</a:t>
+            </a:r>
+          </a:p>
+          <a:p>
+            <a:pPr lvl="1"/>
+            <a:r>
+              <a:rPr lang="en-GB" dirty="0"/>
+              <a:t>…</a:t>
+            </a:r>
           </a:p>
         </p:txBody>
       </p:sp>
     </p:spTree>
     <p:extLst>
       <p:ext uri="{BB962C8B-B14F-4D97-AF65-F5344CB8AC3E}">
-        <p14:creationId xmlns:p14="http://schemas.microsoft.com/office/powerpoint/2010/main" val="3185058267"/>
+        <p14:creationId xmlns:p14="http://schemas.microsoft.com/office/powerpoint/2010/main" val="1789169240"/>
+      </p:ext>
+    </p:extLst>
+  </p:cSld>
+  <p:clrMapOvr>
+    <a:masterClrMapping/>
+  </p:clrMapOvr>
+</p:sld>
+</file>
+
+<file path=ppt/slides/slide28.xml><?xml version="1.0" encoding="utf-8"?>
+<p:sld xmlns:a="http://schemas.openxmlformats.org/drawingml/2006/main" xmlns:r="http://schemas.openxmlformats.org/officeDocument/2006/relationships" xmlns:p="http://schemas.openxmlformats.org/presentationml/2006/main">
+  <p:cSld>
+    <p:spTree>
+      <p:nvGrpSpPr>
+        <p:cNvPr id="1" name=""/>
+        <p:cNvGrpSpPr/>
+        <p:nvPr/>
+      </p:nvGrpSpPr>
+      <p:grpSpPr>
+        <a:xfrm>
+          <a:off x="0" y="0"/>
+          <a:ext cx="0" cy="0"/>
+          <a:chOff x="0" y="0"/>
+          <a:chExt cx="0" cy="0"/>
+        </a:xfrm>
+      </p:grpSpPr>
+      <p:sp>
+        <p:nvSpPr>
+          <p:cNvPr id="2" name="Title 1">
+            <a:extLst>
+              <a:ext uri="{FF2B5EF4-FFF2-40B4-BE49-F238E27FC236}">
+                <a16:creationId xmlns:a16="http://schemas.microsoft.com/office/drawing/2014/main" id="{5D8A0A50-5B9E-1A9A-04D3-AF170714689E}"/>
+              </a:ext>
+            </a:extLst>
+          </p:cNvPr>
+          <p:cNvSpPr>
+            <a:spLocks noGrp="1"/>
+          </p:cNvSpPr>
+          <p:nvPr>
+            <p:ph type="title"/>
+          </p:nvPr>
+        </p:nvSpPr>
+        <p:spPr/>
+        <p:txBody>
+          <a:bodyPr/>
+          <a:lstStyle/>
+          <a:p>
+            <a:r>
+              <a:rPr lang="en-GB" dirty="0"/>
+              <a:t>Next steps</a:t>
+            </a:r>
+            <a:br>
+              <a:rPr lang="en-GB" dirty="0"/>
+            </a:br>
+            <a:endParaRPr lang="en-GB" dirty="0"/>
+          </a:p>
+        </p:txBody>
+      </p:sp>
+      <p:sp>
+        <p:nvSpPr>
+          <p:cNvPr id="3" name="Content Placeholder 2">
+            <a:extLst>
+              <a:ext uri="{FF2B5EF4-FFF2-40B4-BE49-F238E27FC236}">
+                <a16:creationId xmlns:a16="http://schemas.microsoft.com/office/drawing/2014/main" id="{97AC7DF4-FAB1-C6C5-15E2-053A6934FEEB}"/>
+              </a:ext>
+            </a:extLst>
+          </p:cNvPr>
+          <p:cNvSpPr>
+            <a:spLocks noGrp="1"/>
+          </p:cNvSpPr>
+          <p:nvPr>
+            <p:ph idx="1"/>
+          </p:nvPr>
+        </p:nvSpPr>
+        <p:spPr/>
+        <p:txBody>
+          <a:bodyPr/>
+          <a:lstStyle/>
+          <a:p>
+            <a:pPr marL="0" indent="0">
+              <a:buNone/>
+            </a:pPr>
+            <a:r>
+              <a:rPr lang="en-GB" dirty="0"/>
+              <a:t>More real life solution </a:t>
+            </a:r>
+          </a:p>
+          <a:p>
+            <a:endParaRPr lang="en-GB" dirty="0"/>
+          </a:p>
+          <a:p>
+            <a:r>
+              <a:rPr lang="en-GB" dirty="0"/>
+              <a:t>CNN =&gt; LSTM to enable real time decoding </a:t>
+            </a:r>
+          </a:p>
+          <a:p>
+            <a:pPr lvl="1"/>
+            <a:r>
+              <a:rPr lang="en-GB" dirty="0"/>
+              <a:t>=&gt; just feed in each window and find long and short term patterns</a:t>
+            </a:r>
+          </a:p>
+        </p:txBody>
+      </p:sp>
+    </p:spTree>
+    <p:extLst>
+      <p:ext uri="{BB962C8B-B14F-4D97-AF65-F5344CB8AC3E}">
+        <p14:creationId xmlns:p14="http://schemas.microsoft.com/office/powerpoint/2010/main" val="523623750"/>
+      </p:ext>
+    </p:extLst>
+  </p:cSld>
+  <p:clrMapOvr>
+    <a:masterClrMapping/>
+  </p:clrMapOvr>
+</p:sld>
+</file>
+
+<file path=ppt/slides/slide29.xml><?xml version="1.0" encoding="utf-8"?>
+<p:sld xmlns:a="http://schemas.openxmlformats.org/drawingml/2006/main" xmlns:r="http://schemas.openxmlformats.org/officeDocument/2006/relationships" xmlns:p="http://schemas.openxmlformats.org/presentationml/2006/main">
+  <p:cSld>
+    <p:spTree>
+      <p:nvGrpSpPr>
+        <p:cNvPr id="1" name=""/>
+        <p:cNvGrpSpPr/>
+        <p:nvPr/>
+      </p:nvGrpSpPr>
+      <p:grpSpPr>
+        <a:xfrm>
+          <a:off x="0" y="0"/>
+          <a:ext cx="0" cy="0"/>
+          <a:chOff x="0" y="0"/>
+          <a:chExt cx="0" cy="0"/>
+        </a:xfrm>
+      </p:grpSpPr>
+      <p:sp>
+        <p:nvSpPr>
+          <p:cNvPr id="2" name="Title 1">
+            <a:extLst>
+              <a:ext uri="{FF2B5EF4-FFF2-40B4-BE49-F238E27FC236}">
+                <a16:creationId xmlns:a16="http://schemas.microsoft.com/office/drawing/2014/main" id="{3B966F3B-2096-09EB-832E-A8F2F237B444}"/>
+              </a:ext>
+            </a:extLst>
+          </p:cNvPr>
+          <p:cNvSpPr>
+            <a:spLocks noGrp="1"/>
+          </p:cNvSpPr>
+          <p:nvPr>
+            <p:ph type="title"/>
+          </p:nvPr>
+        </p:nvSpPr>
+        <p:spPr/>
+        <p:txBody>
+          <a:bodyPr/>
+          <a:lstStyle/>
+          <a:p>
+            <a:r>
+              <a:rPr lang="en-GB" dirty="0"/>
+              <a:t>Next steps</a:t>
+            </a:r>
+          </a:p>
+        </p:txBody>
+      </p:sp>
+      <p:sp>
+        <p:nvSpPr>
+          <p:cNvPr id="3" name="Content Placeholder 2">
+            <a:extLst>
+              <a:ext uri="{FF2B5EF4-FFF2-40B4-BE49-F238E27FC236}">
+                <a16:creationId xmlns:a16="http://schemas.microsoft.com/office/drawing/2014/main" id="{046BE2F6-FA3D-F9F3-C2B5-4B5A8CAF6C54}"/>
+              </a:ext>
+            </a:extLst>
+          </p:cNvPr>
+          <p:cNvSpPr>
+            <a:spLocks noGrp="1"/>
+          </p:cNvSpPr>
+          <p:nvPr>
+            <p:ph idx="1"/>
+          </p:nvPr>
+        </p:nvSpPr>
+        <p:spPr/>
+        <p:txBody>
+          <a:bodyPr>
+            <a:normAutofit/>
+          </a:bodyPr>
+          <a:lstStyle/>
+          <a:p>
+            <a:pPr marL="0" indent="0">
+              <a:buNone/>
+            </a:pPr>
+            <a:r>
+              <a:rPr lang="en-US" dirty="0"/>
+              <a:t>The main standard about software in medical devices are:</a:t>
+            </a:r>
+          </a:p>
+          <a:p>
+            <a:r>
+              <a:rPr lang="en-US" sz="1800" u="sng" dirty="0"/>
+              <a:t>IEC 62304</a:t>
+            </a:r>
+            <a:r>
+              <a:rPr lang="en-US" sz="1800" dirty="0"/>
+              <a:t>. It deals with the software lifecycle, i.e. almost everything about what software engineers do.</a:t>
+            </a:r>
+          </a:p>
+          <a:p>
+            <a:r>
+              <a:rPr lang="en-US" sz="1800" strike="sngStrike" dirty="0"/>
+              <a:t>IEC 60601-1 is applicable to embedded software in a hardware medical device,</a:t>
+            </a:r>
+          </a:p>
+          <a:p>
+            <a:r>
+              <a:rPr lang="en-US" sz="1800" dirty="0"/>
+              <a:t>IEC 82304-1 is applicable to standalone software, also known as Software as a Medical Device (</a:t>
+            </a:r>
+            <a:r>
+              <a:rPr lang="en-US" sz="1800" dirty="0" err="1"/>
+              <a:t>SaMD</a:t>
+            </a:r>
+            <a:r>
+              <a:rPr lang="en-US" sz="1800" dirty="0"/>
+              <a:t>),</a:t>
+            </a:r>
+          </a:p>
+          <a:p>
+            <a:r>
+              <a:rPr lang="en-US" sz="1800" dirty="0"/>
+              <a:t>IEC 81001-5-1 adds requirements about cybersecurity,</a:t>
+            </a:r>
+          </a:p>
+          <a:p>
+            <a:r>
+              <a:rPr lang="en-US" sz="1800" strike="sngStrike" dirty="0"/>
+              <a:t>IEC 62366-1 adds requirements about man-machine interface ergonomics.</a:t>
+            </a:r>
+          </a:p>
+          <a:p>
+            <a:endParaRPr lang="en-GB" dirty="0"/>
+          </a:p>
+        </p:txBody>
+      </p:sp>
+    </p:spTree>
+    <p:extLst>
+      <p:ext uri="{BB962C8B-B14F-4D97-AF65-F5344CB8AC3E}">
+        <p14:creationId xmlns:p14="http://schemas.microsoft.com/office/powerpoint/2010/main" val="2195009409"/>
       </p:ext>
     </p:extLst>
   </p:cSld>
@@ -9113,6 +9457,204 @@
     <p:extLst>
       <p:ext uri="{BB962C8B-B14F-4D97-AF65-F5344CB8AC3E}">
         <p14:creationId xmlns:p14="http://schemas.microsoft.com/office/powerpoint/2010/main" val="2476733449"/>
+      </p:ext>
+    </p:extLst>
+  </p:cSld>
+  <p:clrMapOvr>
+    <a:masterClrMapping/>
+  </p:clrMapOvr>
+</p:sld>
+</file>
+
+<file path=ppt/slides/slide30.xml><?xml version="1.0" encoding="utf-8"?>
+<p:sld xmlns:a="http://schemas.openxmlformats.org/drawingml/2006/main" xmlns:r="http://schemas.openxmlformats.org/officeDocument/2006/relationships" xmlns:p="http://schemas.openxmlformats.org/presentationml/2006/main">
+  <p:cSld>
+    <p:spTree>
+      <p:nvGrpSpPr>
+        <p:cNvPr id="1" name=""/>
+        <p:cNvGrpSpPr/>
+        <p:nvPr/>
+      </p:nvGrpSpPr>
+      <p:grpSpPr>
+        <a:xfrm>
+          <a:off x="0" y="0"/>
+          <a:ext cx="0" cy="0"/>
+          <a:chOff x="0" y="0"/>
+          <a:chExt cx="0" cy="0"/>
+        </a:xfrm>
+      </p:grpSpPr>
+      <p:sp>
+        <p:nvSpPr>
+          <p:cNvPr id="4" name="Title 3">
+            <a:extLst>
+              <a:ext uri="{FF2B5EF4-FFF2-40B4-BE49-F238E27FC236}">
+                <a16:creationId xmlns:a16="http://schemas.microsoft.com/office/drawing/2014/main" id="{87B8CEC8-E73C-05CA-E8AA-82D63FEBF7A3}"/>
+              </a:ext>
+            </a:extLst>
+          </p:cNvPr>
+          <p:cNvSpPr>
+            <a:spLocks noGrp="1"/>
+          </p:cNvSpPr>
+          <p:nvPr>
+            <p:ph type="title"/>
+          </p:nvPr>
+        </p:nvSpPr>
+        <p:spPr/>
+        <p:txBody>
+          <a:bodyPr/>
+          <a:lstStyle/>
+          <a:p>
+            <a:r>
+              <a:rPr lang="en-GB" dirty="0"/>
+              <a:t>Conclusions</a:t>
+            </a:r>
+          </a:p>
+        </p:txBody>
+      </p:sp>
+      <p:sp>
+        <p:nvSpPr>
+          <p:cNvPr id="3" name="Content Placeholder 2">
+            <a:extLst>
+              <a:ext uri="{FF2B5EF4-FFF2-40B4-BE49-F238E27FC236}">
+                <a16:creationId xmlns:a16="http://schemas.microsoft.com/office/drawing/2014/main" id="{CD934F8F-78AA-563B-9701-F7530A227FA6}"/>
+              </a:ext>
+            </a:extLst>
+          </p:cNvPr>
+          <p:cNvSpPr>
+            <a:spLocks noGrp="1"/>
+          </p:cNvSpPr>
+          <p:nvPr>
+            <p:ph type="body" idx="1"/>
+          </p:nvPr>
+        </p:nvSpPr>
+        <p:spPr/>
+        <p:txBody>
+          <a:bodyPr>
+            <a:normAutofit/>
+          </a:bodyPr>
+          <a:lstStyle/>
+          <a:p>
+            <a:endParaRPr lang="en-GB" dirty="0"/>
+          </a:p>
+        </p:txBody>
+      </p:sp>
+    </p:spTree>
+    <p:extLst>
+      <p:ext uri="{BB962C8B-B14F-4D97-AF65-F5344CB8AC3E}">
+        <p14:creationId xmlns:p14="http://schemas.microsoft.com/office/powerpoint/2010/main" val="100171256"/>
+      </p:ext>
+    </p:extLst>
+  </p:cSld>
+  <p:clrMapOvr>
+    <a:masterClrMapping/>
+  </p:clrMapOvr>
+</p:sld>
+</file>
+
+<file path=ppt/slides/slide31.xml><?xml version="1.0" encoding="utf-8"?>
+<p:sld xmlns:a="http://schemas.openxmlformats.org/drawingml/2006/main" xmlns:r="http://schemas.openxmlformats.org/officeDocument/2006/relationships" xmlns:p="http://schemas.openxmlformats.org/presentationml/2006/main">
+  <p:cSld>
+    <p:spTree>
+      <p:nvGrpSpPr>
+        <p:cNvPr id="1" name=""/>
+        <p:cNvGrpSpPr/>
+        <p:nvPr/>
+      </p:nvGrpSpPr>
+      <p:grpSpPr>
+        <a:xfrm>
+          <a:off x="0" y="0"/>
+          <a:ext cx="0" cy="0"/>
+          <a:chOff x="0" y="0"/>
+          <a:chExt cx="0" cy="0"/>
+        </a:xfrm>
+      </p:grpSpPr>
+      <p:sp>
+        <p:nvSpPr>
+          <p:cNvPr id="2" name="Title 1">
+            <a:extLst>
+              <a:ext uri="{FF2B5EF4-FFF2-40B4-BE49-F238E27FC236}">
+                <a16:creationId xmlns:a16="http://schemas.microsoft.com/office/drawing/2014/main" id="{A387ADE2-5DCE-908C-6F6E-53991A4DC9B6}"/>
+              </a:ext>
+            </a:extLst>
+          </p:cNvPr>
+          <p:cNvSpPr>
+            <a:spLocks noGrp="1"/>
+          </p:cNvSpPr>
+          <p:nvPr>
+            <p:ph type="title"/>
+          </p:nvPr>
+        </p:nvSpPr>
+        <p:spPr/>
+        <p:txBody>
+          <a:bodyPr/>
+          <a:lstStyle/>
+          <a:p>
+            <a:r>
+              <a:rPr lang="en-GB" dirty="0"/>
+              <a:t>Conclusions</a:t>
+            </a:r>
+          </a:p>
+        </p:txBody>
+      </p:sp>
+      <p:sp>
+        <p:nvSpPr>
+          <p:cNvPr id="3" name="Content Placeholder 2">
+            <a:extLst>
+              <a:ext uri="{FF2B5EF4-FFF2-40B4-BE49-F238E27FC236}">
+                <a16:creationId xmlns:a16="http://schemas.microsoft.com/office/drawing/2014/main" id="{E429667C-2662-29D9-1386-FB7C5D6A20E8}"/>
+              </a:ext>
+            </a:extLst>
+          </p:cNvPr>
+          <p:cNvSpPr>
+            <a:spLocks noGrp="1"/>
+          </p:cNvSpPr>
+          <p:nvPr>
+            <p:ph idx="1"/>
+          </p:nvPr>
+        </p:nvSpPr>
+        <p:spPr/>
+        <p:txBody>
+          <a:bodyPr/>
+          <a:lstStyle/>
+          <a:p>
+            <a:r>
+              <a:rPr lang="en-GB" dirty="0"/>
+              <a:t>Data info crucial for design</a:t>
+            </a:r>
+          </a:p>
+          <a:p>
+            <a:r>
+              <a:rPr lang="en-GB" dirty="0"/>
+              <a:t>Design is crucial for data choice</a:t>
+            </a:r>
+          </a:p>
+          <a:p>
+            <a:endParaRPr lang="en-GB" dirty="0"/>
+          </a:p>
+          <a:p>
+            <a:r>
+              <a:rPr lang="en-GB" dirty="0"/>
+              <a:t>NN lend themselves good for images</a:t>
+            </a:r>
+          </a:p>
+          <a:p>
+            <a:r>
+              <a:rPr lang="en-GB" dirty="0"/>
+              <a:t>Training more challenging</a:t>
+            </a:r>
+          </a:p>
+          <a:p>
+            <a:r>
+              <a:rPr lang="en-GB" dirty="0"/>
+              <a:t>Explainability more challenging =&gt; heat map could help identify patterns</a:t>
+            </a:r>
+          </a:p>
+        </p:txBody>
+      </p:sp>
+    </p:spTree>
+    <p:extLst>
+      <p:ext uri="{BB962C8B-B14F-4D97-AF65-F5344CB8AC3E}">
+        <p14:creationId xmlns:p14="http://schemas.microsoft.com/office/powerpoint/2010/main" val="3185058267"/>
       </p:ext>
     </p:extLst>
   </p:cSld>

--- a/reports/dEEGtal interview presentation - Jeroen Buil.pptx
+++ b/reports/dEEGtal interview presentation - Jeroen Buil.pptx
@@ -28,14 +28,15 @@
     <p:sldId id="281" r:id="rId22"/>
     <p:sldId id="270" r:id="rId23"/>
     <p:sldId id="269" r:id="rId24"/>
-    <p:sldId id="291" r:id="rId25"/>
-    <p:sldId id="292" r:id="rId26"/>
-    <p:sldId id="283" r:id="rId27"/>
-    <p:sldId id="284" r:id="rId28"/>
-    <p:sldId id="290" r:id="rId29"/>
-    <p:sldId id="289" r:id="rId30"/>
-    <p:sldId id="267" r:id="rId31"/>
-    <p:sldId id="285" r:id="rId32"/>
+    <p:sldId id="293" r:id="rId25"/>
+    <p:sldId id="291" r:id="rId26"/>
+    <p:sldId id="292" r:id="rId27"/>
+    <p:sldId id="283" r:id="rId28"/>
+    <p:sldId id="284" r:id="rId29"/>
+    <p:sldId id="290" r:id="rId30"/>
+    <p:sldId id="289" r:id="rId31"/>
+    <p:sldId id="267" r:id="rId32"/>
+    <p:sldId id="285" r:id="rId33"/>
   </p:sldIdLst>
   <p:sldSz cx="12192000" cy="6858000"/>
   <p:notesSz cx="6858000" cy="9144000"/>
@@ -8441,6 +8442,150 @@
           <p:cNvPr id="2" name="Title 1">
             <a:extLst>
               <a:ext uri="{FF2B5EF4-FFF2-40B4-BE49-F238E27FC236}">
+                <a16:creationId xmlns:a16="http://schemas.microsoft.com/office/drawing/2014/main" id="{CE914FC1-246C-F19E-BB9E-38BA3EAC5210}"/>
+              </a:ext>
+            </a:extLst>
+          </p:cNvPr>
+          <p:cNvSpPr>
+            <a:spLocks noGrp="1"/>
+          </p:cNvSpPr>
+          <p:nvPr>
+            <p:ph type="title"/>
+          </p:nvPr>
+        </p:nvSpPr>
+        <p:spPr/>
+        <p:txBody>
+          <a:bodyPr/>
+          <a:lstStyle/>
+          <a:p>
+            <a:r>
+              <a:rPr lang="en-GB" dirty="0"/>
+              <a:t>CNN</a:t>
+            </a:r>
+          </a:p>
+        </p:txBody>
+      </p:sp>
+      <p:sp>
+        <p:nvSpPr>
+          <p:cNvPr id="3" name="Content Placeholder 2">
+            <a:extLst>
+              <a:ext uri="{FF2B5EF4-FFF2-40B4-BE49-F238E27FC236}">
+                <a16:creationId xmlns:a16="http://schemas.microsoft.com/office/drawing/2014/main" id="{82A175D7-940D-3325-F000-4D0F1F5F5EEC}"/>
+              </a:ext>
+            </a:extLst>
+          </p:cNvPr>
+          <p:cNvSpPr>
+            <a:spLocks noGrp="1"/>
+          </p:cNvSpPr>
+          <p:nvPr>
+            <p:ph idx="1"/>
+          </p:nvPr>
+        </p:nvSpPr>
+        <p:spPr/>
+        <p:txBody>
+          <a:bodyPr/>
+          <a:lstStyle/>
+          <a:p>
+            <a:r>
+              <a:rPr lang="en-GB" dirty="0"/>
+              <a:t>Why CNN =&gt; </a:t>
+            </a:r>
+          </a:p>
+          <a:p>
+            <a:pPr lvl="1"/>
+            <a:r>
+              <a:rPr lang="en-GB" dirty="0"/>
+              <a:t>Lend themselves well for images</a:t>
+            </a:r>
+          </a:p>
+          <a:p>
+            <a:pPr lvl="1"/>
+            <a:r>
+              <a:rPr lang="en-GB" dirty="0"/>
+              <a:t>Used in literature for similar problems (REFERENCES)</a:t>
+            </a:r>
+          </a:p>
+          <a:p>
+            <a:pPr lvl="1"/>
+            <a:r>
+              <a:rPr lang="en-GB" dirty="0"/>
+              <a:t>Mentioned in last interview that </a:t>
+            </a:r>
+            <a:r>
+              <a:rPr lang="en-GB" dirty="0" err="1"/>
+              <a:t>dEEGtal</a:t>
+            </a:r>
+            <a:r>
+              <a:rPr lang="en-GB" dirty="0"/>
+              <a:t> using these</a:t>
+            </a:r>
+          </a:p>
+          <a:p>
+            <a:pPr lvl="1"/>
+            <a:r>
+              <a:rPr lang="en-GB" dirty="0"/>
+              <a:t>Easy to train</a:t>
+            </a:r>
+          </a:p>
+          <a:p>
+            <a:pPr lvl="1"/>
+            <a:r>
+              <a:rPr lang="en-GB" dirty="0"/>
+              <a:t>Relatively easy to XAI</a:t>
+            </a:r>
+          </a:p>
+          <a:p>
+            <a:endParaRPr lang="en-GB" dirty="0"/>
+          </a:p>
+          <a:p>
+            <a:r>
+              <a:rPr lang="en-GB" dirty="0"/>
+              <a:t>RNN would lend themselves better for temporal signals</a:t>
+            </a:r>
+          </a:p>
+          <a:p>
+            <a:r>
+              <a:rPr lang="en-GB" dirty="0"/>
+              <a:t>=&gt; use electrode channel input instead of spectrogram!</a:t>
+            </a:r>
+          </a:p>
+        </p:txBody>
+      </p:sp>
+    </p:spTree>
+    <p:extLst>
+      <p:ext uri="{BB962C8B-B14F-4D97-AF65-F5344CB8AC3E}">
+        <p14:creationId xmlns:p14="http://schemas.microsoft.com/office/powerpoint/2010/main" val="2751244392"/>
+      </p:ext>
+    </p:extLst>
+  </p:cSld>
+  <p:clrMapOvr>
+    <a:masterClrMapping/>
+  </p:clrMapOvr>
+</p:sld>
+</file>
+
+<file path=ppt/slides/slide25.xml><?xml version="1.0" encoding="utf-8"?>
+<p:sld xmlns:a="http://schemas.openxmlformats.org/drawingml/2006/main" xmlns:r="http://schemas.openxmlformats.org/officeDocument/2006/relationships" xmlns:p="http://schemas.openxmlformats.org/presentationml/2006/main">
+  <p:cSld>
+    <p:spTree>
+      <p:nvGrpSpPr>
+        <p:cNvPr id="1" name=""/>
+        <p:cNvGrpSpPr/>
+        <p:nvPr/>
+      </p:nvGrpSpPr>
+      <p:grpSpPr>
+        <a:xfrm>
+          <a:off x="0" y="0"/>
+          <a:ext cx="0" cy="0"/>
+          <a:chOff x="0" y="0"/>
+          <a:chExt cx="0" cy="0"/>
+        </a:xfrm>
+      </p:grpSpPr>
+      <p:sp>
+        <p:nvSpPr>
+          <p:cNvPr id="2" name="Title 1">
+            <a:extLst>
+              <a:ext uri="{FF2B5EF4-FFF2-40B4-BE49-F238E27FC236}">
                 <a16:creationId xmlns:a16="http://schemas.microsoft.com/office/drawing/2014/main" id="{C5B1F0B2-C727-BC62-BC58-5F1DFFBC26D8}"/>
               </a:ext>
             </a:extLst>
@@ -8579,7 +8724,7 @@
 </p:sld>
 </file>
 
-<file path=ppt/slides/slide25.xml><?xml version="1.0" encoding="utf-8"?>
+<file path=ppt/slides/slide26.xml><?xml version="1.0" encoding="utf-8"?>
 <p:sld xmlns:a="http://schemas.openxmlformats.org/drawingml/2006/main" xmlns:r="http://schemas.openxmlformats.org/officeDocument/2006/relationships" xmlns:p="http://schemas.openxmlformats.org/presentationml/2006/main">
   <p:cSld>
     <p:spTree>
@@ -8698,89 +8843,6 @@
 </p:sld>
 </file>
 
-<file path=ppt/slides/slide26.xml><?xml version="1.0" encoding="utf-8"?>
-<p:sld xmlns:a="http://schemas.openxmlformats.org/drawingml/2006/main" xmlns:r="http://schemas.openxmlformats.org/officeDocument/2006/relationships" xmlns:p="http://schemas.openxmlformats.org/presentationml/2006/main">
-  <p:cSld>
-    <p:spTree>
-      <p:nvGrpSpPr>
-        <p:cNvPr id="1" name=""/>
-        <p:cNvGrpSpPr/>
-        <p:nvPr/>
-      </p:nvGrpSpPr>
-      <p:grpSpPr>
-        <a:xfrm>
-          <a:off x="0" y="0"/>
-          <a:ext cx="0" cy="0"/>
-          <a:chOff x="0" y="0"/>
-          <a:chExt cx="0" cy="0"/>
-        </a:xfrm>
-      </p:grpSpPr>
-      <p:sp>
-        <p:nvSpPr>
-          <p:cNvPr id="2" name="Title 1">
-            <a:extLst>
-              <a:ext uri="{FF2B5EF4-FFF2-40B4-BE49-F238E27FC236}">
-                <a16:creationId xmlns:a16="http://schemas.microsoft.com/office/drawing/2014/main" id="{47A4501E-5F16-FBCD-9B1E-2F5A0CE41D57}"/>
-              </a:ext>
-            </a:extLst>
-          </p:cNvPr>
-          <p:cNvSpPr>
-            <a:spLocks noGrp="1"/>
-          </p:cNvSpPr>
-          <p:nvPr>
-            <p:ph type="title"/>
-          </p:nvPr>
-        </p:nvSpPr>
-        <p:spPr/>
-        <p:txBody>
-          <a:bodyPr/>
-          <a:lstStyle/>
-          <a:p>
-            <a:r>
-              <a:rPr lang="en-GB" dirty="0"/>
-              <a:t>Hyperparameter tuning</a:t>
-            </a:r>
-          </a:p>
-        </p:txBody>
-      </p:sp>
-      <p:sp>
-        <p:nvSpPr>
-          <p:cNvPr id="3" name="Text Placeholder 2">
-            <a:extLst>
-              <a:ext uri="{FF2B5EF4-FFF2-40B4-BE49-F238E27FC236}">
-                <a16:creationId xmlns:a16="http://schemas.microsoft.com/office/drawing/2014/main" id="{B4F6EC1F-54FF-E9D2-3C8A-9A494DC2C8D2}"/>
-              </a:ext>
-            </a:extLst>
-          </p:cNvPr>
-          <p:cNvSpPr>
-            <a:spLocks noGrp="1"/>
-          </p:cNvSpPr>
-          <p:nvPr>
-            <p:ph type="body" idx="1"/>
-          </p:nvPr>
-        </p:nvSpPr>
-        <p:spPr/>
-        <p:txBody>
-          <a:bodyPr/>
-          <a:lstStyle/>
-          <a:p>
-            <a:endParaRPr lang="en-GB"/>
-          </a:p>
-        </p:txBody>
-      </p:sp>
-    </p:spTree>
-    <p:extLst>
-      <p:ext uri="{BB962C8B-B14F-4D97-AF65-F5344CB8AC3E}">
-        <p14:creationId xmlns:p14="http://schemas.microsoft.com/office/powerpoint/2010/main" val="3976801953"/>
-      </p:ext>
-    </p:extLst>
-  </p:cSld>
-  <p:clrMapOvr>
-    <a:masterClrMapping/>
-  </p:clrMapOvr>
-</p:sld>
-</file>
-
 <file path=ppt/slides/slide27.xml><?xml version="1.0" encoding="utf-8"?>
 <p:sld xmlns:a="http://schemas.openxmlformats.org/drawingml/2006/main" xmlns:r="http://schemas.openxmlformats.org/officeDocument/2006/relationships" xmlns:p="http://schemas.openxmlformats.org/presentationml/2006/main">
   <p:cSld>
@@ -8800,10 +8862,10 @@
       </p:grpSpPr>
       <p:sp>
         <p:nvSpPr>
-          <p:cNvPr id="4" name="Title 3">
-            <a:extLst>
-              <a:ext uri="{FF2B5EF4-FFF2-40B4-BE49-F238E27FC236}">
-                <a16:creationId xmlns:a16="http://schemas.microsoft.com/office/drawing/2014/main" id="{F1FDE157-BD5A-CE93-CC57-3803388AC6EC}"/>
+          <p:cNvPr id="2" name="Title 1">
+            <a:extLst>
+              <a:ext uri="{FF2B5EF4-FFF2-40B4-BE49-F238E27FC236}">
+                <a16:creationId xmlns:a16="http://schemas.microsoft.com/office/drawing/2014/main" id="{47A4501E-5F16-FBCD-9B1E-2F5A0CE41D57}"/>
               </a:ext>
             </a:extLst>
           </p:cNvPr>
@@ -8821,17 +8883,17 @@
           <a:p>
             <a:r>
               <a:rPr lang="en-GB" dirty="0"/>
-              <a:t>Stuff that affects performance</a:t>
-            </a:r>
-          </a:p>
-        </p:txBody>
-      </p:sp>
-      <p:sp>
-        <p:nvSpPr>
-          <p:cNvPr id="5" name="Content Placeholder 4">
-            <a:extLst>
-              <a:ext uri="{FF2B5EF4-FFF2-40B4-BE49-F238E27FC236}">
-                <a16:creationId xmlns:a16="http://schemas.microsoft.com/office/drawing/2014/main" id="{6728A368-CAD2-7A35-F615-FDF35DCC286A}"/>
+              <a:t>Hyperparameter tuning</a:t>
+            </a:r>
+          </a:p>
+        </p:txBody>
+      </p:sp>
+      <p:sp>
+        <p:nvSpPr>
+          <p:cNvPr id="3" name="Text Placeholder 2">
+            <a:extLst>
+              <a:ext uri="{FF2B5EF4-FFF2-40B4-BE49-F238E27FC236}">
+                <a16:creationId xmlns:a16="http://schemas.microsoft.com/office/drawing/2014/main" id="{B4F6EC1F-54FF-E9D2-3C8A-9A494DC2C8D2}"/>
               </a:ext>
             </a:extLst>
           </p:cNvPr>
@@ -8839,157 +8901,22 @@
             <a:spLocks noGrp="1"/>
           </p:cNvSpPr>
           <p:nvPr>
-            <p:ph idx="1"/>
+            <p:ph type="body" idx="1"/>
           </p:nvPr>
         </p:nvSpPr>
         <p:spPr/>
         <p:txBody>
-          <a:bodyPr>
-            <a:normAutofit fontScale="55000" lnSpcReduction="20000"/>
-          </a:bodyPr>
+          <a:bodyPr/>
           <a:lstStyle/>
           <a:p>
-            <a:r>
-              <a:rPr lang="en-GB" dirty="0"/>
-              <a:t>Filtering</a:t>
-            </a:r>
-          </a:p>
-          <a:p>
-            <a:r>
-              <a:rPr lang="en-GB" dirty="0"/>
-              <a:t>Window length</a:t>
-            </a:r>
-          </a:p>
-          <a:p>
-            <a:r>
-              <a:rPr lang="en-GB" dirty="0"/>
-              <a:t>Nr of windows</a:t>
-            </a:r>
-          </a:p>
-          <a:p>
-            <a:r>
-              <a:rPr lang="en-GB" dirty="0" err="1"/>
-              <a:t>Spectogram</a:t>
-            </a:r>
-            <a:r>
-              <a:rPr lang="en-GB" dirty="0"/>
-              <a:t>:</a:t>
-            </a:r>
-          </a:p>
-          <a:p>
-            <a:pPr lvl="1"/>
-            <a:r>
-              <a:rPr lang="en-GB" dirty="0"/>
-              <a:t>Resolution</a:t>
-            </a:r>
-          </a:p>
-          <a:p>
-            <a:pPr lvl="1"/>
-            <a:r>
-              <a:rPr lang="en-GB" dirty="0"/>
-              <a:t>Freq Range</a:t>
-            </a:r>
-          </a:p>
-          <a:p>
-            <a:r>
-              <a:rPr lang="en-GB" dirty="0" err="1"/>
-              <a:t>XGBoost</a:t>
-            </a:r>
-            <a:r>
-              <a:rPr lang="en-GB" dirty="0"/>
-              <a:t>:</a:t>
-            </a:r>
-          </a:p>
-          <a:p>
-            <a:pPr lvl="1"/>
-            <a:r>
-              <a:rPr lang="en-GB" dirty="0"/>
-              <a:t>Feature selection</a:t>
-            </a:r>
-          </a:p>
-          <a:p>
-            <a:pPr lvl="1"/>
-            <a:r>
-              <a:rPr lang="en-GB" dirty="0"/>
-              <a:t>Depth</a:t>
-            </a:r>
-          </a:p>
-          <a:p>
-            <a:pPr lvl="1"/>
-            <a:r>
-              <a:rPr lang="en-GB" dirty="0"/>
-              <a:t>N-times</a:t>
-            </a:r>
-          </a:p>
-          <a:p>
-            <a:pPr lvl="1"/>
-            <a:r>
-              <a:rPr lang="en-GB" dirty="0" err="1"/>
-              <a:t>CrossValidation</a:t>
-            </a:r>
-            <a:endParaRPr lang="en-GB" dirty="0"/>
-          </a:p>
-          <a:p>
-            <a:r>
-              <a:rPr lang="en-GB" dirty="0"/>
-              <a:t>NN:</a:t>
-            </a:r>
-          </a:p>
-          <a:p>
-            <a:pPr lvl="1"/>
-            <a:r>
-              <a:rPr lang="en-GB" dirty="0"/>
-              <a:t>Layers</a:t>
-            </a:r>
-          </a:p>
-          <a:p>
-            <a:pPr lvl="1"/>
-            <a:r>
-              <a:rPr lang="en-GB" dirty="0"/>
-              <a:t>Nodes</a:t>
-            </a:r>
-          </a:p>
-          <a:p>
-            <a:pPr lvl="1"/>
-            <a:r>
-              <a:rPr lang="en-GB" dirty="0"/>
-              <a:t>Training</a:t>
-            </a:r>
-          </a:p>
-          <a:p>
-            <a:pPr lvl="2"/>
-            <a:r>
-              <a:rPr lang="en-GB" dirty="0"/>
-              <a:t>Time (epochs)</a:t>
-            </a:r>
-          </a:p>
-          <a:p>
-            <a:pPr lvl="2"/>
-            <a:r>
-              <a:rPr lang="en-GB" dirty="0"/>
-              <a:t> Learning rate</a:t>
-            </a:r>
-          </a:p>
-          <a:p>
-            <a:pPr lvl="1"/>
-            <a:r>
-              <a:rPr lang="en-GB" dirty="0"/>
-              <a:t>Loss function</a:t>
-            </a:r>
-          </a:p>
-          <a:p>
-            <a:pPr lvl="1"/>
-            <a:r>
-              <a:rPr lang="en-GB" dirty="0"/>
-              <a:t>…</a:t>
-            </a:r>
+            <a:endParaRPr lang="en-GB"/>
           </a:p>
         </p:txBody>
       </p:sp>
     </p:spTree>
     <p:extLst>
       <p:ext uri="{BB962C8B-B14F-4D97-AF65-F5344CB8AC3E}">
-        <p14:creationId xmlns:p14="http://schemas.microsoft.com/office/powerpoint/2010/main" val="1789169240"/>
+        <p14:creationId xmlns:p14="http://schemas.microsoft.com/office/powerpoint/2010/main" val="3976801953"/>
       </p:ext>
     </p:extLst>
   </p:cSld>
@@ -9018,10 +8945,10 @@
       </p:grpSpPr>
       <p:sp>
         <p:nvSpPr>
-          <p:cNvPr id="2" name="Title 1">
-            <a:extLst>
-              <a:ext uri="{FF2B5EF4-FFF2-40B4-BE49-F238E27FC236}">
-                <a16:creationId xmlns:a16="http://schemas.microsoft.com/office/drawing/2014/main" id="{5D8A0A50-5B9E-1A9A-04D3-AF170714689E}"/>
+          <p:cNvPr id="4" name="Title 3">
+            <a:extLst>
+              <a:ext uri="{FF2B5EF4-FFF2-40B4-BE49-F238E27FC236}">
+                <a16:creationId xmlns:a16="http://schemas.microsoft.com/office/drawing/2014/main" id="{F1FDE157-BD5A-CE93-CC57-3803388AC6EC}"/>
               </a:ext>
             </a:extLst>
           </p:cNvPr>
@@ -9039,21 +8966,17 @@
           <a:p>
             <a:r>
               <a:rPr lang="en-GB" dirty="0"/>
-              <a:t>Next steps</a:t>
-            </a:r>
-            <a:br>
-              <a:rPr lang="en-GB" dirty="0"/>
-            </a:br>
-            <a:endParaRPr lang="en-GB" dirty="0"/>
-          </a:p>
-        </p:txBody>
-      </p:sp>
-      <p:sp>
-        <p:nvSpPr>
-          <p:cNvPr id="3" name="Content Placeholder 2">
-            <a:extLst>
-              <a:ext uri="{FF2B5EF4-FFF2-40B4-BE49-F238E27FC236}">
-                <a16:creationId xmlns:a16="http://schemas.microsoft.com/office/drawing/2014/main" id="{97AC7DF4-FAB1-C6C5-15E2-053A6934FEEB}"/>
+              <a:t>Stuff that affects performance</a:t>
+            </a:r>
+          </a:p>
+        </p:txBody>
+      </p:sp>
+      <p:sp>
+        <p:nvSpPr>
+          <p:cNvPr id="5" name="Content Placeholder 4">
+            <a:extLst>
+              <a:ext uri="{FF2B5EF4-FFF2-40B4-BE49-F238E27FC236}">
+                <a16:creationId xmlns:a16="http://schemas.microsoft.com/office/drawing/2014/main" id="{6728A368-CAD2-7A35-F615-FDF35DCC286A}"/>
               </a:ext>
             </a:extLst>
           </p:cNvPr>
@@ -9066,31 +8989,158 @@
         </p:nvSpPr>
         <p:spPr/>
         <p:txBody>
-          <a:bodyPr/>
+          <a:bodyPr>
+            <a:normAutofit fontScale="47500" lnSpcReduction="20000"/>
+          </a:bodyPr>
           <a:lstStyle/>
           <a:p>
-            <a:pPr marL="0" indent="0">
-              <a:buNone/>
-            </a:pPr>
-            <a:r>
-              <a:rPr lang="en-GB" dirty="0"/>
-              <a:t>More real life solution </a:t>
-            </a:r>
-          </a:p>
-          <a:p>
+            <a:r>
+              <a:rPr lang="en-GB" dirty="0"/>
+              <a:t>Filtering</a:t>
+            </a:r>
+          </a:p>
+          <a:p>
+            <a:r>
+              <a:rPr lang="en-GB" dirty="0"/>
+              <a:t>Window length</a:t>
+            </a:r>
+          </a:p>
+          <a:p>
+            <a:r>
+              <a:rPr lang="en-GB" dirty="0"/>
+              <a:t>Nr of windows</a:t>
+            </a:r>
+          </a:p>
+          <a:p>
+            <a:r>
+              <a:rPr lang="en-GB" dirty="0" err="1"/>
+              <a:t>Spectogram</a:t>
+            </a:r>
+            <a:r>
+              <a:rPr lang="en-GB" dirty="0"/>
+              <a:t>:</a:t>
+            </a:r>
+          </a:p>
+          <a:p>
+            <a:pPr lvl="1"/>
+            <a:r>
+              <a:rPr lang="en-GB" dirty="0"/>
+              <a:t>Resolution</a:t>
+            </a:r>
+          </a:p>
+          <a:p>
+            <a:pPr lvl="1"/>
+            <a:r>
+              <a:rPr lang="en-GB" dirty="0"/>
+              <a:t>Freq Range</a:t>
+            </a:r>
+          </a:p>
+          <a:p>
+            <a:r>
+              <a:rPr lang="en-GB" dirty="0" err="1"/>
+              <a:t>XGBoost</a:t>
+            </a:r>
+            <a:r>
+              <a:rPr lang="en-GB" dirty="0"/>
+              <a:t>:</a:t>
+            </a:r>
+          </a:p>
+          <a:p>
+            <a:pPr lvl="1"/>
+            <a:r>
+              <a:rPr lang="en-GB" dirty="0"/>
+              <a:t>Feature selection</a:t>
+            </a:r>
+          </a:p>
+          <a:p>
+            <a:pPr lvl="1"/>
+            <a:r>
+              <a:rPr lang="en-GB" dirty="0"/>
+              <a:t>Depth</a:t>
+            </a:r>
+          </a:p>
+          <a:p>
+            <a:pPr lvl="1"/>
+            <a:r>
+              <a:rPr lang="en-GB" dirty="0"/>
+              <a:t>N-times</a:t>
+            </a:r>
+          </a:p>
+          <a:p>
+            <a:pPr lvl="1"/>
+            <a:r>
+              <a:rPr lang="en-GB" dirty="0" err="1"/>
+              <a:t>CrossValidation</a:t>
+            </a:r>
             <a:endParaRPr lang="en-GB" dirty="0"/>
           </a:p>
           <a:p>
             <a:r>
               <a:rPr lang="en-GB" dirty="0"/>
-              <a:t>CNN =&gt; LSTM to enable real time decoding </a:t>
+              <a:t>CNN:</a:t>
             </a:r>
           </a:p>
           <a:p>
             <a:pPr lvl="1"/>
             <a:r>
               <a:rPr lang="en-GB" dirty="0"/>
-              <a:t>=&gt; just feed in each window and find long and short term patterns</a:t>
+              <a:t>Image transform </a:t>
+            </a:r>
+          </a:p>
+          <a:p>
+            <a:pPr lvl="1"/>
+            <a:r>
+              <a:rPr lang="en-GB" dirty="0"/>
+              <a:t>Architecture</a:t>
+            </a:r>
+          </a:p>
+          <a:p>
+            <a:pPr lvl="2"/>
+            <a:r>
+              <a:rPr lang="en-GB" dirty="0"/>
+              <a:t>Layers</a:t>
+            </a:r>
+          </a:p>
+          <a:p>
+            <a:pPr lvl="2"/>
+            <a:r>
+              <a:rPr lang="en-GB" dirty="0"/>
+              <a:t>Nodes</a:t>
+            </a:r>
+          </a:p>
+          <a:p>
+            <a:pPr lvl="1"/>
+            <a:r>
+              <a:rPr lang="en-GB" dirty="0"/>
+              <a:t>Training</a:t>
+            </a:r>
+          </a:p>
+          <a:p>
+            <a:pPr lvl="2"/>
+            <a:r>
+              <a:rPr lang="en-GB" dirty="0"/>
+              <a:t>Time (epochs)</a:t>
+            </a:r>
+          </a:p>
+          <a:p>
+            <a:pPr lvl="2"/>
+            <a:r>
+              <a:rPr lang="en-GB" dirty="0"/>
+              <a:t> Learning rate</a:t>
+            </a:r>
+          </a:p>
+          <a:p>
+            <a:pPr lvl="1"/>
+            <a:r>
+              <a:rPr lang="en-GB" dirty="0"/>
+              <a:t>Loss function</a:t>
+            </a:r>
+          </a:p>
+          <a:p>
+            <a:pPr lvl="1"/>
+            <a:r>
+              <a:rPr lang="en-GB" dirty="0"/>
+              <a:t>…</a:t>
             </a:r>
           </a:p>
         </p:txBody>
@@ -9098,7 +9148,7 @@
     </p:spTree>
     <p:extLst>
       <p:ext uri="{BB962C8B-B14F-4D97-AF65-F5344CB8AC3E}">
-        <p14:creationId xmlns:p14="http://schemas.microsoft.com/office/powerpoint/2010/main" val="523623750"/>
+        <p14:creationId xmlns:p14="http://schemas.microsoft.com/office/powerpoint/2010/main" val="1789169240"/>
       </p:ext>
     </p:extLst>
   </p:cSld>
@@ -9130,7 +9180,7 @@
           <p:cNvPr id="2" name="Title 1">
             <a:extLst>
               <a:ext uri="{FF2B5EF4-FFF2-40B4-BE49-F238E27FC236}">
-                <a16:creationId xmlns:a16="http://schemas.microsoft.com/office/drawing/2014/main" id="{3B966F3B-2096-09EB-832E-A8F2F237B444}"/>
+                <a16:creationId xmlns:a16="http://schemas.microsoft.com/office/drawing/2014/main" id="{5D8A0A50-5B9E-1A9A-04D3-AF170714689E}"/>
               </a:ext>
             </a:extLst>
           </p:cNvPr>
@@ -9150,6 +9200,10 @@
               <a:rPr lang="en-GB" dirty="0"/>
               <a:t>Next steps</a:t>
             </a:r>
+            <a:br>
+              <a:rPr lang="en-GB" dirty="0"/>
+            </a:br>
+            <a:endParaRPr lang="en-GB" dirty="0"/>
           </a:p>
         </p:txBody>
       </p:sp>
@@ -9158,7 +9212,7 @@
           <p:cNvPr id="3" name="Content Placeholder 2">
             <a:extLst>
               <a:ext uri="{FF2B5EF4-FFF2-40B4-BE49-F238E27FC236}">
-                <a16:creationId xmlns:a16="http://schemas.microsoft.com/office/drawing/2014/main" id="{046BE2F6-FA3D-F9F3-C2B5-4B5A8CAF6C54}"/>
+                <a16:creationId xmlns:a16="http://schemas.microsoft.com/office/drawing/2014/main" id="{97AC7DF4-FAB1-C6C5-15E2-053A6934FEEB}"/>
               </a:ext>
             </a:extLst>
           </p:cNvPr>
@@ -9171,70 +9225,39 @@
         </p:nvSpPr>
         <p:spPr/>
         <p:txBody>
-          <a:bodyPr>
-            <a:normAutofit/>
-          </a:bodyPr>
+          <a:bodyPr/>
           <a:lstStyle/>
           <a:p>
             <a:pPr marL="0" indent="0">
               <a:buNone/>
             </a:pPr>
             <a:r>
-              <a:rPr lang="en-US" dirty="0"/>
-              <a:t>The main standard about software in medical devices are:</a:t>
-            </a:r>
-          </a:p>
-          <a:p>
-            <a:r>
-              <a:rPr lang="en-US" sz="1800" u="sng" dirty="0"/>
-              <a:t>IEC 62304</a:t>
-            </a:r>
-            <a:r>
-              <a:rPr lang="en-US" sz="1800" dirty="0"/>
-              <a:t>. It deals with the software lifecycle, i.e. almost everything about what software engineers do.</a:t>
-            </a:r>
-          </a:p>
-          <a:p>
-            <a:r>
-              <a:rPr lang="en-US" sz="1800" strike="sngStrike" dirty="0"/>
-              <a:t>IEC 60601-1 is applicable to embedded software in a hardware medical device,</a:t>
-            </a:r>
-          </a:p>
-          <a:p>
-            <a:r>
-              <a:rPr lang="en-US" sz="1800" dirty="0"/>
-              <a:t>IEC 82304-1 is applicable to standalone software, also known as Software as a Medical Device (</a:t>
-            </a:r>
-            <a:r>
-              <a:rPr lang="en-US" sz="1800" dirty="0" err="1"/>
-              <a:t>SaMD</a:t>
-            </a:r>
-            <a:r>
-              <a:rPr lang="en-US" sz="1800" dirty="0"/>
-              <a:t>),</a:t>
-            </a:r>
-          </a:p>
-          <a:p>
-            <a:r>
-              <a:rPr lang="en-US" sz="1800" dirty="0"/>
-              <a:t>IEC 81001-5-1 adds requirements about cybersecurity,</a:t>
-            </a:r>
-          </a:p>
-          <a:p>
-            <a:r>
-              <a:rPr lang="en-US" sz="1800" strike="sngStrike" dirty="0"/>
-              <a:t>IEC 62366-1 adds requirements about man-machine interface ergonomics.</a:t>
+              <a:rPr lang="en-GB" dirty="0"/>
+              <a:t>More real life solution </a:t>
             </a:r>
           </a:p>
           <a:p>
             <a:endParaRPr lang="en-GB" dirty="0"/>
+          </a:p>
+          <a:p>
+            <a:r>
+              <a:rPr lang="en-GB" dirty="0"/>
+              <a:t>CNN =&gt; LSTM to enable real time decoding </a:t>
+            </a:r>
+          </a:p>
+          <a:p>
+            <a:pPr lvl="1"/>
+            <a:r>
+              <a:rPr lang="en-GB" dirty="0"/>
+              <a:t>=&gt; just feed in each window and find long and short term patterns</a:t>
+            </a:r>
           </a:p>
         </p:txBody>
       </p:sp>
     </p:spTree>
     <p:extLst>
       <p:ext uri="{BB962C8B-B14F-4D97-AF65-F5344CB8AC3E}">
-        <p14:creationId xmlns:p14="http://schemas.microsoft.com/office/powerpoint/2010/main" val="2195009409"/>
+        <p14:creationId xmlns:p14="http://schemas.microsoft.com/office/powerpoint/2010/main" val="523623750"/>
       </p:ext>
     </p:extLst>
   </p:cSld>
@@ -9485,6 +9508,142 @@
       </p:grpSpPr>
       <p:sp>
         <p:nvSpPr>
+          <p:cNvPr id="2" name="Title 1">
+            <a:extLst>
+              <a:ext uri="{FF2B5EF4-FFF2-40B4-BE49-F238E27FC236}">
+                <a16:creationId xmlns:a16="http://schemas.microsoft.com/office/drawing/2014/main" id="{3B966F3B-2096-09EB-832E-A8F2F237B444}"/>
+              </a:ext>
+            </a:extLst>
+          </p:cNvPr>
+          <p:cNvSpPr>
+            <a:spLocks noGrp="1"/>
+          </p:cNvSpPr>
+          <p:nvPr>
+            <p:ph type="title"/>
+          </p:nvPr>
+        </p:nvSpPr>
+        <p:spPr/>
+        <p:txBody>
+          <a:bodyPr/>
+          <a:lstStyle/>
+          <a:p>
+            <a:r>
+              <a:rPr lang="en-GB" dirty="0"/>
+              <a:t>Next steps</a:t>
+            </a:r>
+          </a:p>
+        </p:txBody>
+      </p:sp>
+      <p:sp>
+        <p:nvSpPr>
+          <p:cNvPr id="3" name="Content Placeholder 2">
+            <a:extLst>
+              <a:ext uri="{FF2B5EF4-FFF2-40B4-BE49-F238E27FC236}">
+                <a16:creationId xmlns:a16="http://schemas.microsoft.com/office/drawing/2014/main" id="{046BE2F6-FA3D-F9F3-C2B5-4B5A8CAF6C54}"/>
+              </a:ext>
+            </a:extLst>
+          </p:cNvPr>
+          <p:cNvSpPr>
+            <a:spLocks noGrp="1"/>
+          </p:cNvSpPr>
+          <p:nvPr>
+            <p:ph idx="1"/>
+          </p:nvPr>
+        </p:nvSpPr>
+        <p:spPr/>
+        <p:txBody>
+          <a:bodyPr>
+            <a:normAutofit/>
+          </a:bodyPr>
+          <a:lstStyle/>
+          <a:p>
+            <a:pPr marL="0" indent="0">
+              <a:buNone/>
+            </a:pPr>
+            <a:r>
+              <a:rPr lang="en-US" dirty="0"/>
+              <a:t>The main standard about software in medical devices are:</a:t>
+            </a:r>
+          </a:p>
+          <a:p>
+            <a:r>
+              <a:rPr lang="en-US" sz="1800" u="sng" dirty="0"/>
+              <a:t>IEC 62304</a:t>
+            </a:r>
+            <a:r>
+              <a:rPr lang="en-US" sz="1800" dirty="0"/>
+              <a:t>. It deals with the software lifecycle, i.e. almost everything about what software engineers do.</a:t>
+            </a:r>
+          </a:p>
+          <a:p>
+            <a:r>
+              <a:rPr lang="en-US" sz="1800" strike="sngStrike" dirty="0"/>
+              <a:t>IEC 60601-1 is applicable to embedded software in a hardware medical device,</a:t>
+            </a:r>
+          </a:p>
+          <a:p>
+            <a:r>
+              <a:rPr lang="en-US" sz="1800" dirty="0"/>
+              <a:t>IEC 82304-1 is applicable to standalone software, also known as Software as a Medical Device (</a:t>
+            </a:r>
+            <a:r>
+              <a:rPr lang="en-US" sz="1800" dirty="0" err="1"/>
+              <a:t>SaMD</a:t>
+            </a:r>
+            <a:r>
+              <a:rPr lang="en-US" sz="1800" dirty="0"/>
+              <a:t>),</a:t>
+            </a:r>
+          </a:p>
+          <a:p>
+            <a:r>
+              <a:rPr lang="en-US" sz="1800" dirty="0"/>
+              <a:t>IEC 81001-5-1 adds requirements about cybersecurity,</a:t>
+            </a:r>
+          </a:p>
+          <a:p>
+            <a:r>
+              <a:rPr lang="en-US" sz="1800" strike="sngStrike" dirty="0"/>
+              <a:t>IEC 62366-1 adds requirements about man-machine interface ergonomics.</a:t>
+            </a:r>
+          </a:p>
+          <a:p>
+            <a:endParaRPr lang="en-GB" dirty="0"/>
+          </a:p>
+        </p:txBody>
+      </p:sp>
+    </p:spTree>
+    <p:extLst>
+      <p:ext uri="{BB962C8B-B14F-4D97-AF65-F5344CB8AC3E}">
+        <p14:creationId xmlns:p14="http://schemas.microsoft.com/office/powerpoint/2010/main" val="2195009409"/>
+      </p:ext>
+    </p:extLst>
+  </p:cSld>
+  <p:clrMapOvr>
+    <a:masterClrMapping/>
+  </p:clrMapOvr>
+</p:sld>
+</file>
+
+<file path=ppt/slides/slide31.xml><?xml version="1.0" encoding="utf-8"?>
+<p:sld xmlns:a="http://schemas.openxmlformats.org/drawingml/2006/main" xmlns:r="http://schemas.openxmlformats.org/officeDocument/2006/relationships" xmlns:p="http://schemas.openxmlformats.org/presentationml/2006/main">
+  <p:cSld>
+    <p:spTree>
+      <p:nvGrpSpPr>
+        <p:cNvPr id="1" name=""/>
+        <p:cNvGrpSpPr/>
+        <p:nvPr/>
+      </p:nvGrpSpPr>
+      <p:grpSpPr>
+        <a:xfrm>
+          <a:off x="0" y="0"/>
+          <a:ext cx="0" cy="0"/>
+          <a:chOff x="0" y="0"/>
+          <a:chExt cx="0" cy="0"/>
+        </a:xfrm>
+      </p:grpSpPr>
+      <p:sp>
+        <p:nvSpPr>
           <p:cNvPr id="4" name="Title 3">
             <a:extLst>
               <a:ext uri="{FF2B5EF4-FFF2-40B4-BE49-F238E27FC236}">
@@ -9551,7 +9710,7 @@
 </p:sld>
 </file>
 
-<file path=ppt/slides/slide31.xml><?xml version="1.0" encoding="utf-8"?>
+<file path=ppt/slides/slide32.xml><?xml version="1.0" encoding="utf-8"?>
 <p:sld xmlns:a="http://schemas.openxmlformats.org/drawingml/2006/main" xmlns:r="http://schemas.openxmlformats.org/officeDocument/2006/relationships" xmlns:p="http://schemas.openxmlformats.org/presentationml/2006/main">
   <p:cSld>
     <p:spTree>

--- a/reports/dEEGtal interview presentation - Jeroen Buil.pptx
+++ b/reports/dEEGtal interview presentation - Jeroen Buil.pptx
@@ -292,7 +292,7 @@
           <a:p>
             <a:fld id="{9C02005A-E747-4717-87FA-A0566728574C}" type="datetimeFigureOut">
               <a:rPr lang="en-GB" smtClean="0"/>
-              <a:t>26/10/2024</a:t>
+              <a:t>27/10/2024</a:t>
             </a:fld>
             <a:endParaRPr lang="en-GB"/>
           </a:p>
@@ -492,7 +492,7 @@
           <a:p>
             <a:fld id="{9C02005A-E747-4717-87FA-A0566728574C}" type="datetimeFigureOut">
               <a:rPr lang="en-GB" smtClean="0"/>
-              <a:t>26/10/2024</a:t>
+              <a:t>27/10/2024</a:t>
             </a:fld>
             <a:endParaRPr lang="en-GB"/>
           </a:p>
@@ -702,7 +702,7 @@
           <a:p>
             <a:fld id="{9C02005A-E747-4717-87FA-A0566728574C}" type="datetimeFigureOut">
               <a:rPr lang="en-GB" smtClean="0"/>
-              <a:t>26/10/2024</a:t>
+              <a:t>27/10/2024</a:t>
             </a:fld>
             <a:endParaRPr lang="en-GB"/>
           </a:p>
@@ -902,7 +902,7 @@
           <a:p>
             <a:fld id="{9C02005A-E747-4717-87FA-A0566728574C}" type="datetimeFigureOut">
               <a:rPr lang="en-GB" smtClean="0"/>
-              <a:t>26/10/2024</a:t>
+              <a:t>27/10/2024</a:t>
             </a:fld>
             <a:endParaRPr lang="en-GB"/>
           </a:p>
@@ -1178,7 +1178,7 @@
           <a:p>
             <a:fld id="{9C02005A-E747-4717-87FA-A0566728574C}" type="datetimeFigureOut">
               <a:rPr lang="en-GB" smtClean="0"/>
-              <a:t>26/10/2024</a:t>
+              <a:t>27/10/2024</a:t>
             </a:fld>
             <a:endParaRPr lang="en-GB"/>
           </a:p>
@@ -1446,7 +1446,7 @@
           <a:p>
             <a:fld id="{9C02005A-E747-4717-87FA-A0566728574C}" type="datetimeFigureOut">
               <a:rPr lang="en-GB" smtClean="0"/>
-              <a:t>26/10/2024</a:t>
+              <a:t>27/10/2024</a:t>
             </a:fld>
             <a:endParaRPr lang="en-GB"/>
           </a:p>
@@ -1861,7 +1861,7 @@
           <a:p>
             <a:fld id="{9C02005A-E747-4717-87FA-A0566728574C}" type="datetimeFigureOut">
               <a:rPr lang="en-GB" smtClean="0"/>
-              <a:t>26/10/2024</a:t>
+              <a:t>27/10/2024</a:t>
             </a:fld>
             <a:endParaRPr lang="en-GB"/>
           </a:p>
@@ -2003,7 +2003,7 @@
           <a:p>
             <a:fld id="{9C02005A-E747-4717-87FA-A0566728574C}" type="datetimeFigureOut">
               <a:rPr lang="en-GB" smtClean="0"/>
-              <a:t>26/10/2024</a:t>
+              <a:t>27/10/2024</a:t>
             </a:fld>
             <a:endParaRPr lang="en-GB"/>
           </a:p>
@@ -2116,7 +2116,7 @@
           <a:p>
             <a:fld id="{9C02005A-E747-4717-87FA-A0566728574C}" type="datetimeFigureOut">
               <a:rPr lang="en-GB" smtClean="0"/>
-              <a:t>26/10/2024</a:t>
+              <a:t>27/10/2024</a:t>
             </a:fld>
             <a:endParaRPr lang="en-GB"/>
           </a:p>
@@ -2429,7 +2429,7 @@
           <a:p>
             <a:fld id="{9C02005A-E747-4717-87FA-A0566728574C}" type="datetimeFigureOut">
               <a:rPr lang="en-GB" smtClean="0"/>
-              <a:t>26/10/2024</a:t>
+              <a:t>27/10/2024</a:t>
             </a:fld>
             <a:endParaRPr lang="en-GB"/>
           </a:p>
@@ -2718,7 +2718,7 @@
           <a:p>
             <a:fld id="{9C02005A-E747-4717-87FA-A0566728574C}" type="datetimeFigureOut">
               <a:rPr lang="en-GB" smtClean="0"/>
-              <a:t>26/10/2024</a:t>
+              <a:t>27/10/2024</a:t>
             </a:fld>
             <a:endParaRPr lang="en-GB"/>
           </a:p>
@@ -2961,7 +2961,7 @@
           <a:p>
             <a:fld id="{9C02005A-E747-4717-87FA-A0566728574C}" type="datetimeFigureOut">
               <a:rPr lang="en-GB" smtClean="0"/>
-              <a:t>26/10/2024</a:t>
+              <a:t>27/10/2024</a:t>
             </a:fld>
             <a:endParaRPr lang="en-GB"/>
           </a:p>
@@ -3421,8 +3421,37 @@
         </p:nvSpPr>
         <p:spPr/>
         <p:txBody>
-          <a:bodyPr/>
+          <a:bodyPr>
+            <a:normAutofit lnSpcReduction="10000"/>
+          </a:bodyPr>
           <a:lstStyle/>
+          <a:p>
+            <a:r>
+              <a:rPr lang="en-GB" dirty="0">
+                <a:hlinkClick r:id="rId2"/>
+              </a:rPr>
+              <a:t>https://pmc.ncbi.nlm.nih.gov/articles/PMC8615531/</a:t>
+            </a:r>
+            <a:endParaRPr lang="en-GB" dirty="0"/>
+          </a:p>
+          <a:p>
+            <a:r>
+              <a:rPr lang="en-GB" dirty="0">
+                <a:hlinkClick r:id="rId3"/>
+              </a:rPr>
+              <a:t>https://www.sciencedirect.com/topics/medicine-and-dentistry/intermittent-photic-stimulation</a:t>
+            </a:r>
+            <a:endParaRPr lang="en-GB" dirty="0"/>
+          </a:p>
+          <a:p>
+            <a:r>
+              <a:rPr lang="en-GB">
+                <a:hlinkClick r:id="rId4"/>
+              </a:rPr>
+              <a:t>https://pmc.ncbi.nlm.nih.gov/articles/PMC9553892/</a:t>
+            </a:r>
+            <a:endParaRPr lang="en-GB"/>
+          </a:p>
           <a:p>
             <a:endParaRPr lang="en-GB"/>
           </a:p>

--- a/reports/dEEGtal interview presentation - Jeroen Buil.pptx
+++ b/reports/dEEGtal interview presentation - Jeroen Buil.pptx
@@ -137,7 +137,7 @@
   </p:defaultTextStyle>
   <p:extLst>
     <p:ext uri="{EFAFB233-063F-42B5-8137-9DF3F51BA10A}">
-      <p15:sldGuideLst xmlns:p15="http://schemas.microsoft.com/office/powerpoint/2012/main"/>
+      <p15:sldGuideLst xmlns:p15="http://schemas.microsoft.com/office/powerpoint/2012/main" xmlns=""/>
     </p:ext>
   </p:extLst>
 </p:presentation>
@@ -165,7 +165,7 @@
           <p:cNvPr id="2" name="Title 1">
             <a:extLst>
               <a:ext uri="{FF2B5EF4-FFF2-40B4-BE49-F238E27FC236}">
-                <a16:creationId xmlns:a16="http://schemas.microsoft.com/office/drawing/2014/main" id="{B7CABF06-F02D-E522-538F-87D0C055B9DC}"/>
+                <a16:creationId xmlns:a16="http://schemas.microsoft.com/office/drawing/2014/main" xmlns="" id="{B7CABF06-F02D-E522-538F-87D0C055B9DC}"/>
               </a:ext>
             </a:extLst>
           </p:cNvPr>
@@ -203,7 +203,7 @@
           <p:cNvPr id="3" name="Subtitle 2">
             <a:extLst>
               <a:ext uri="{FF2B5EF4-FFF2-40B4-BE49-F238E27FC236}">
-                <a16:creationId xmlns:a16="http://schemas.microsoft.com/office/drawing/2014/main" id="{0EFF16F4-25D2-3214-5873-CEEBDEE67646}"/>
+                <a16:creationId xmlns:a16="http://schemas.microsoft.com/office/drawing/2014/main" xmlns="" id="{0EFF16F4-25D2-3214-5873-CEEBDEE67646}"/>
               </a:ext>
             </a:extLst>
           </p:cNvPr>
@@ -274,7 +274,7 @@
           <p:cNvPr id="4" name="Date Placeholder 3">
             <a:extLst>
               <a:ext uri="{FF2B5EF4-FFF2-40B4-BE49-F238E27FC236}">
-                <a16:creationId xmlns:a16="http://schemas.microsoft.com/office/drawing/2014/main" id="{6E389284-054B-9A61-9535-ECDC53043BE8}"/>
+                <a16:creationId xmlns:a16="http://schemas.microsoft.com/office/drawing/2014/main" xmlns="" id="{6E389284-054B-9A61-9535-ECDC53043BE8}"/>
               </a:ext>
             </a:extLst>
           </p:cNvPr>
@@ -303,7 +303,7 @@
           <p:cNvPr id="5" name="Footer Placeholder 4">
             <a:extLst>
               <a:ext uri="{FF2B5EF4-FFF2-40B4-BE49-F238E27FC236}">
-                <a16:creationId xmlns:a16="http://schemas.microsoft.com/office/drawing/2014/main" id="{0DE34571-CB52-1928-AE6D-61AC1DFFE3C7}"/>
+                <a16:creationId xmlns:a16="http://schemas.microsoft.com/office/drawing/2014/main" xmlns="" id="{0DE34571-CB52-1928-AE6D-61AC1DFFE3C7}"/>
               </a:ext>
             </a:extLst>
           </p:cNvPr>
@@ -328,7 +328,7 @@
           <p:cNvPr id="6" name="Slide Number Placeholder 5">
             <a:extLst>
               <a:ext uri="{FF2B5EF4-FFF2-40B4-BE49-F238E27FC236}">
-                <a16:creationId xmlns:a16="http://schemas.microsoft.com/office/drawing/2014/main" id="{9E15504F-9C41-0F99-54C5-22E6AE47548A}"/>
+                <a16:creationId xmlns:a16="http://schemas.microsoft.com/office/drawing/2014/main" xmlns="" id="{9E15504F-9C41-0F99-54C5-22E6AE47548A}"/>
               </a:ext>
             </a:extLst>
           </p:cNvPr>
@@ -387,7 +387,7 @@
           <p:cNvPr id="2" name="Title 1">
             <a:extLst>
               <a:ext uri="{FF2B5EF4-FFF2-40B4-BE49-F238E27FC236}">
-                <a16:creationId xmlns:a16="http://schemas.microsoft.com/office/drawing/2014/main" id="{D9CE6AEA-7919-5D35-FD68-903DD814CE24}"/>
+                <a16:creationId xmlns:a16="http://schemas.microsoft.com/office/drawing/2014/main" xmlns="" id="{D9CE6AEA-7919-5D35-FD68-903DD814CE24}"/>
               </a:ext>
             </a:extLst>
           </p:cNvPr>
@@ -416,7 +416,7 @@
           <p:cNvPr id="3" name="Vertical Text Placeholder 2">
             <a:extLst>
               <a:ext uri="{FF2B5EF4-FFF2-40B4-BE49-F238E27FC236}">
-                <a16:creationId xmlns:a16="http://schemas.microsoft.com/office/drawing/2014/main" id="{CF00DA63-E80D-4505-2F2B-9A06E9A773F7}"/>
+                <a16:creationId xmlns:a16="http://schemas.microsoft.com/office/drawing/2014/main" xmlns="" id="{CF00DA63-E80D-4505-2F2B-9A06E9A773F7}"/>
               </a:ext>
             </a:extLst>
           </p:cNvPr>
@@ -474,7 +474,7 @@
           <p:cNvPr id="4" name="Date Placeholder 3">
             <a:extLst>
               <a:ext uri="{FF2B5EF4-FFF2-40B4-BE49-F238E27FC236}">
-                <a16:creationId xmlns:a16="http://schemas.microsoft.com/office/drawing/2014/main" id="{3B27C4BA-F111-3DEF-9818-BD01EB86AFBE}"/>
+                <a16:creationId xmlns:a16="http://schemas.microsoft.com/office/drawing/2014/main" xmlns="" id="{3B27C4BA-F111-3DEF-9818-BD01EB86AFBE}"/>
               </a:ext>
             </a:extLst>
           </p:cNvPr>
@@ -503,7 +503,7 @@
           <p:cNvPr id="5" name="Footer Placeholder 4">
             <a:extLst>
               <a:ext uri="{FF2B5EF4-FFF2-40B4-BE49-F238E27FC236}">
-                <a16:creationId xmlns:a16="http://schemas.microsoft.com/office/drawing/2014/main" id="{01EFB961-A2D3-CA48-08D9-0AB0A2A80895}"/>
+                <a16:creationId xmlns:a16="http://schemas.microsoft.com/office/drawing/2014/main" xmlns="" id="{01EFB961-A2D3-CA48-08D9-0AB0A2A80895}"/>
               </a:ext>
             </a:extLst>
           </p:cNvPr>
@@ -528,7 +528,7 @@
           <p:cNvPr id="6" name="Slide Number Placeholder 5">
             <a:extLst>
               <a:ext uri="{FF2B5EF4-FFF2-40B4-BE49-F238E27FC236}">
-                <a16:creationId xmlns:a16="http://schemas.microsoft.com/office/drawing/2014/main" id="{DAA4FFA6-AF31-0EF3-B954-CB3152D5C790}"/>
+                <a16:creationId xmlns:a16="http://schemas.microsoft.com/office/drawing/2014/main" xmlns="" id="{DAA4FFA6-AF31-0EF3-B954-CB3152D5C790}"/>
               </a:ext>
             </a:extLst>
           </p:cNvPr>
@@ -587,7 +587,7 @@
           <p:cNvPr id="2" name="Vertical Title 1">
             <a:extLst>
               <a:ext uri="{FF2B5EF4-FFF2-40B4-BE49-F238E27FC236}">
-                <a16:creationId xmlns:a16="http://schemas.microsoft.com/office/drawing/2014/main" id="{36291ED4-329B-D730-5FD9-647C7D11BD0C}"/>
+                <a16:creationId xmlns:a16="http://schemas.microsoft.com/office/drawing/2014/main" xmlns="" id="{36291ED4-329B-D730-5FD9-647C7D11BD0C}"/>
               </a:ext>
             </a:extLst>
           </p:cNvPr>
@@ -621,7 +621,7 @@
           <p:cNvPr id="3" name="Vertical Text Placeholder 2">
             <a:extLst>
               <a:ext uri="{FF2B5EF4-FFF2-40B4-BE49-F238E27FC236}">
-                <a16:creationId xmlns:a16="http://schemas.microsoft.com/office/drawing/2014/main" id="{1C1B696A-A7D6-E98A-3E69-FCA44E5B9EA3}"/>
+                <a16:creationId xmlns:a16="http://schemas.microsoft.com/office/drawing/2014/main" xmlns="" id="{1C1B696A-A7D6-E98A-3E69-FCA44E5B9EA3}"/>
               </a:ext>
             </a:extLst>
           </p:cNvPr>
@@ -684,7 +684,7 @@
           <p:cNvPr id="4" name="Date Placeholder 3">
             <a:extLst>
               <a:ext uri="{FF2B5EF4-FFF2-40B4-BE49-F238E27FC236}">
-                <a16:creationId xmlns:a16="http://schemas.microsoft.com/office/drawing/2014/main" id="{21123366-7F5A-EA10-7F6C-A42FD4798681}"/>
+                <a16:creationId xmlns:a16="http://schemas.microsoft.com/office/drawing/2014/main" xmlns="" id="{21123366-7F5A-EA10-7F6C-A42FD4798681}"/>
               </a:ext>
             </a:extLst>
           </p:cNvPr>
@@ -713,7 +713,7 @@
           <p:cNvPr id="5" name="Footer Placeholder 4">
             <a:extLst>
               <a:ext uri="{FF2B5EF4-FFF2-40B4-BE49-F238E27FC236}">
-                <a16:creationId xmlns:a16="http://schemas.microsoft.com/office/drawing/2014/main" id="{E7CBDEBF-F607-200C-6FB7-89FD71354564}"/>
+                <a16:creationId xmlns:a16="http://schemas.microsoft.com/office/drawing/2014/main" xmlns="" id="{E7CBDEBF-F607-200C-6FB7-89FD71354564}"/>
               </a:ext>
             </a:extLst>
           </p:cNvPr>
@@ -738,7 +738,7 @@
           <p:cNvPr id="6" name="Slide Number Placeholder 5">
             <a:extLst>
               <a:ext uri="{FF2B5EF4-FFF2-40B4-BE49-F238E27FC236}">
-                <a16:creationId xmlns:a16="http://schemas.microsoft.com/office/drawing/2014/main" id="{F1D11D86-C725-AFA5-C232-B72109276712}"/>
+                <a16:creationId xmlns:a16="http://schemas.microsoft.com/office/drawing/2014/main" xmlns="" id="{F1D11D86-C725-AFA5-C232-B72109276712}"/>
               </a:ext>
             </a:extLst>
           </p:cNvPr>
@@ -797,7 +797,7 @@
           <p:cNvPr id="2" name="Title 1">
             <a:extLst>
               <a:ext uri="{FF2B5EF4-FFF2-40B4-BE49-F238E27FC236}">
-                <a16:creationId xmlns:a16="http://schemas.microsoft.com/office/drawing/2014/main" id="{E65AF31C-278F-4D8D-751A-4FE378E8252E}"/>
+                <a16:creationId xmlns:a16="http://schemas.microsoft.com/office/drawing/2014/main" xmlns="" id="{E65AF31C-278F-4D8D-751A-4FE378E8252E}"/>
               </a:ext>
             </a:extLst>
           </p:cNvPr>
@@ -826,7 +826,7 @@
           <p:cNvPr id="3" name="Content Placeholder 2">
             <a:extLst>
               <a:ext uri="{FF2B5EF4-FFF2-40B4-BE49-F238E27FC236}">
-                <a16:creationId xmlns:a16="http://schemas.microsoft.com/office/drawing/2014/main" id="{68164B90-C0C2-B400-8E27-CE3BAC1C16C8}"/>
+                <a16:creationId xmlns:a16="http://schemas.microsoft.com/office/drawing/2014/main" xmlns="" id="{68164B90-C0C2-B400-8E27-CE3BAC1C16C8}"/>
               </a:ext>
             </a:extLst>
           </p:cNvPr>
@@ -884,7 +884,7 @@
           <p:cNvPr id="4" name="Date Placeholder 3">
             <a:extLst>
               <a:ext uri="{FF2B5EF4-FFF2-40B4-BE49-F238E27FC236}">
-                <a16:creationId xmlns:a16="http://schemas.microsoft.com/office/drawing/2014/main" id="{56BDE7C0-A012-CD96-AFF1-3B1B2892E6BC}"/>
+                <a16:creationId xmlns:a16="http://schemas.microsoft.com/office/drawing/2014/main" xmlns="" id="{56BDE7C0-A012-CD96-AFF1-3B1B2892E6BC}"/>
               </a:ext>
             </a:extLst>
           </p:cNvPr>
@@ -913,7 +913,7 @@
           <p:cNvPr id="5" name="Footer Placeholder 4">
             <a:extLst>
               <a:ext uri="{FF2B5EF4-FFF2-40B4-BE49-F238E27FC236}">
-                <a16:creationId xmlns:a16="http://schemas.microsoft.com/office/drawing/2014/main" id="{293A8DF7-A6DD-E61D-6470-742BBA7370BD}"/>
+                <a16:creationId xmlns:a16="http://schemas.microsoft.com/office/drawing/2014/main" xmlns="" id="{293A8DF7-A6DD-E61D-6470-742BBA7370BD}"/>
               </a:ext>
             </a:extLst>
           </p:cNvPr>
@@ -938,7 +938,7 @@
           <p:cNvPr id="6" name="Slide Number Placeholder 5">
             <a:extLst>
               <a:ext uri="{FF2B5EF4-FFF2-40B4-BE49-F238E27FC236}">
-                <a16:creationId xmlns:a16="http://schemas.microsoft.com/office/drawing/2014/main" id="{1C29EC29-8E70-EB54-CEDC-6DBEBC1CCDF1}"/>
+                <a16:creationId xmlns:a16="http://schemas.microsoft.com/office/drawing/2014/main" xmlns="" id="{1C29EC29-8E70-EB54-CEDC-6DBEBC1CCDF1}"/>
               </a:ext>
             </a:extLst>
           </p:cNvPr>
@@ -997,7 +997,7 @@
           <p:cNvPr id="2" name="Title 1">
             <a:extLst>
               <a:ext uri="{FF2B5EF4-FFF2-40B4-BE49-F238E27FC236}">
-                <a16:creationId xmlns:a16="http://schemas.microsoft.com/office/drawing/2014/main" id="{9660ECAC-CEE7-E6F3-FA1B-C3698F117403}"/>
+                <a16:creationId xmlns:a16="http://schemas.microsoft.com/office/drawing/2014/main" xmlns="" id="{9660ECAC-CEE7-E6F3-FA1B-C3698F117403}"/>
               </a:ext>
             </a:extLst>
           </p:cNvPr>
@@ -1035,7 +1035,7 @@
           <p:cNvPr id="3" name="Text Placeholder 2">
             <a:extLst>
               <a:ext uri="{FF2B5EF4-FFF2-40B4-BE49-F238E27FC236}">
-                <a16:creationId xmlns:a16="http://schemas.microsoft.com/office/drawing/2014/main" id="{A8EF7E1F-8965-5B53-DAE6-6E0DFD2AD9AA}"/>
+                <a16:creationId xmlns:a16="http://schemas.microsoft.com/office/drawing/2014/main" xmlns="" id="{A8EF7E1F-8965-5B53-DAE6-6E0DFD2AD9AA}"/>
               </a:ext>
             </a:extLst>
           </p:cNvPr>
@@ -1160,7 +1160,7 @@
           <p:cNvPr id="4" name="Date Placeholder 3">
             <a:extLst>
               <a:ext uri="{FF2B5EF4-FFF2-40B4-BE49-F238E27FC236}">
-                <a16:creationId xmlns:a16="http://schemas.microsoft.com/office/drawing/2014/main" id="{83022A05-40F7-58AE-2015-4DD28A1BEFF6}"/>
+                <a16:creationId xmlns:a16="http://schemas.microsoft.com/office/drawing/2014/main" xmlns="" id="{83022A05-40F7-58AE-2015-4DD28A1BEFF6}"/>
               </a:ext>
             </a:extLst>
           </p:cNvPr>
@@ -1189,7 +1189,7 @@
           <p:cNvPr id="5" name="Footer Placeholder 4">
             <a:extLst>
               <a:ext uri="{FF2B5EF4-FFF2-40B4-BE49-F238E27FC236}">
-                <a16:creationId xmlns:a16="http://schemas.microsoft.com/office/drawing/2014/main" id="{9532D701-34BA-91B5-962B-5F9C8E8F4D10}"/>
+                <a16:creationId xmlns:a16="http://schemas.microsoft.com/office/drawing/2014/main" xmlns="" id="{9532D701-34BA-91B5-962B-5F9C8E8F4D10}"/>
               </a:ext>
             </a:extLst>
           </p:cNvPr>
@@ -1214,7 +1214,7 @@
           <p:cNvPr id="6" name="Slide Number Placeholder 5">
             <a:extLst>
               <a:ext uri="{FF2B5EF4-FFF2-40B4-BE49-F238E27FC236}">
-                <a16:creationId xmlns:a16="http://schemas.microsoft.com/office/drawing/2014/main" id="{4F6877B4-BE2F-FEB1-AD87-BAC3D9655536}"/>
+                <a16:creationId xmlns:a16="http://schemas.microsoft.com/office/drawing/2014/main" xmlns="" id="{4F6877B4-BE2F-FEB1-AD87-BAC3D9655536}"/>
               </a:ext>
             </a:extLst>
           </p:cNvPr>
@@ -1273,7 +1273,7 @@
           <p:cNvPr id="2" name="Title 1">
             <a:extLst>
               <a:ext uri="{FF2B5EF4-FFF2-40B4-BE49-F238E27FC236}">
-                <a16:creationId xmlns:a16="http://schemas.microsoft.com/office/drawing/2014/main" id="{0D734F4B-CAB3-2BB4-DA72-B1B7E82FC630}"/>
+                <a16:creationId xmlns:a16="http://schemas.microsoft.com/office/drawing/2014/main" xmlns="" id="{0D734F4B-CAB3-2BB4-DA72-B1B7E82FC630}"/>
               </a:ext>
             </a:extLst>
           </p:cNvPr>
@@ -1302,7 +1302,7 @@
           <p:cNvPr id="3" name="Content Placeholder 2">
             <a:extLst>
               <a:ext uri="{FF2B5EF4-FFF2-40B4-BE49-F238E27FC236}">
-                <a16:creationId xmlns:a16="http://schemas.microsoft.com/office/drawing/2014/main" id="{B596AE28-D9D7-75DD-33CC-8BFF1F77DCFC}"/>
+                <a16:creationId xmlns:a16="http://schemas.microsoft.com/office/drawing/2014/main" xmlns="" id="{B596AE28-D9D7-75DD-33CC-8BFF1F77DCFC}"/>
               </a:ext>
             </a:extLst>
           </p:cNvPr>
@@ -1365,7 +1365,7 @@
           <p:cNvPr id="4" name="Content Placeholder 3">
             <a:extLst>
               <a:ext uri="{FF2B5EF4-FFF2-40B4-BE49-F238E27FC236}">
-                <a16:creationId xmlns:a16="http://schemas.microsoft.com/office/drawing/2014/main" id="{D4DD38F0-40A8-C688-0B34-C7F664C0E351}"/>
+                <a16:creationId xmlns:a16="http://schemas.microsoft.com/office/drawing/2014/main" xmlns="" id="{D4DD38F0-40A8-C688-0B34-C7F664C0E351}"/>
               </a:ext>
             </a:extLst>
           </p:cNvPr>
@@ -1428,7 +1428,7 @@
           <p:cNvPr id="5" name="Date Placeholder 4">
             <a:extLst>
               <a:ext uri="{FF2B5EF4-FFF2-40B4-BE49-F238E27FC236}">
-                <a16:creationId xmlns:a16="http://schemas.microsoft.com/office/drawing/2014/main" id="{EFEC6003-F067-4CB2-4E78-3CADC7D88B91}"/>
+                <a16:creationId xmlns:a16="http://schemas.microsoft.com/office/drawing/2014/main" xmlns="" id="{EFEC6003-F067-4CB2-4E78-3CADC7D88B91}"/>
               </a:ext>
             </a:extLst>
           </p:cNvPr>
@@ -1457,7 +1457,7 @@
           <p:cNvPr id="6" name="Footer Placeholder 5">
             <a:extLst>
               <a:ext uri="{FF2B5EF4-FFF2-40B4-BE49-F238E27FC236}">
-                <a16:creationId xmlns:a16="http://schemas.microsoft.com/office/drawing/2014/main" id="{4C981AAF-C995-7728-8220-3C83236D196C}"/>
+                <a16:creationId xmlns:a16="http://schemas.microsoft.com/office/drawing/2014/main" xmlns="" id="{4C981AAF-C995-7728-8220-3C83236D196C}"/>
               </a:ext>
             </a:extLst>
           </p:cNvPr>
@@ -1482,7 +1482,7 @@
           <p:cNvPr id="7" name="Slide Number Placeholder 6">
             <a:extLst>
               <a:ext uri="{FF2B5EF4-FFF2-40B4-BE49-F238E27FC236}">
-                <a16:creationId xmlns:a16="http://schemas.microsoft.com/office/drawing/2014/main" id="{6F40EF17-DC03-E824-0F65-EF2C167C7CB0}"/>
+                <a16:creationId xmlns:a16="http://schemas.microsoft.com/office/drawing/2014/main" xmlns="" id="{6F40EF17-DC03-E824-0F65-EF2C167C7CB0}"/>
               </a:ext>
             </a:extLst>
           </p:cNvPr>
@@ -1541,7 +1541,7 @@
           <p:cNvPr id="2" name="Title 1">
             <a:extLst>
               <a:ext uri="{FF2B5EF4-FFF2-40B4-BE49-F238E27FC236}">
-                <a16:creationId xmlns:a16="http://schemas.microsoft.com/office/drawing/2014/main" id="{7662A7C6-225F-BA00-1E9C-11337BA63329}"/>
+                <a16:creationId xmlns:a16="http://schemas.microsoft.com/office/drawing/2014/main" xmlns="" id="{7662A7C6-225F-BA00-1E9C-11337BA63329}"/>
               </a:ext>
             </a:extLst>
           </p:cNvPr>
@@ -1575,7 +1575,7 @@
           <p:cNvPr id="3" name="Text Placeholder 2">
             <a:extLst>
               <a:ext uri="{FF2B5EF4-FFF2-40B4-BE49-F238E27FC236}">
-                <a16:creationId xmlns:a16="http://schemas.microsoft.com/office/drawing/2014/main" id="{E361B76F-9BE5-7C0C-C14D-626E855E02A3}"/>
+                <a16:creationId xmlns:a16="http://schemas.microsoft.com/office/drawing/2014/main" xmlns="" id="{E361B76F-9BE5-7C0C-C14D-626E855E02A3}"/>
               </a:ext>
             </a:extLst>
           </p:cNvPr>
@@ -1646,7 +1646,7 @@
           <p:cNvPr id="4" name="Content Placeholder 3">
             <a:extLst>
               <a:ext uri="{FF2B5EF4-FFF2-40B4-BE49-F238E27FC236}">
-                <a16:creationId xmlns:a16="http://schemas.microsoft.com/office/drawing/2014/main" id="{F59616AE-197F-9419-70B6-8B9C96E55117}"/>
+                <a16:creationId xmlns:a16="http://schemas.microsoft.com/office/drawing/2014/main" xmlns="" id="{F59616AE-197F-9419-70B6-8B9C96E55117}"/>
               </a:ext>
             </a:extLst>
           </p:cNvPr>
@@ -1709,7 +1709,7 @@
           <p:cNvPr id="5" name="Text Placeholder 4">
             <a:extLst>
               <a:ext uri="{FF2B5EF4-FFF2-40B4-BE49-F238E27FC236}">
-                <a16:creationId xmlns:a16="http://schemas.microsoft.com/office/drawing/2014/main" id="{E27C8644-BD24-7499-4B70-285FDBFF301C}"/>
+                <a16:creationId xmlns:a16="http://schemas.microsoft.com/office/drawing/2014/main" xmlns="" id="{E27C8644-BD24-7499-4B70-285FDBFF301C}"/>
               </a:ext>
             </a:extLst>
           </p:cNvPr>
@@ -1780,7 +1780,7 @@
           <p:cNvPr id="6" name="Content Placeholder 5">
             <a:extLst>
               <a:ext uri="{FF2B5EF4-FFF2-40B4-BE49-F238E27FC236}">
-                <a16:creationId xmlns:a16="http://schemas.microsoft.com/office/drawing/2014/main" id="{A2D1B1E6-BBCD-8C90-4A44-422791AB020D}"/>
+                <a16:creationId xmlns:a16="http://schemas.microsoft.com/office/drawing/2014/main" xmlns="" id="{A2D1B1E6-BBCD-8C90-4A44-422791AB020D}"/>
               </a:ext>
             </a:extLst>
           </p:cNvPr>
@@ -1843,7 +1843,7 @@
           <p:cNvPr id="7" name="Date Placeholder 6">
             <a:extLst>
               <a:ext uri="{FF2B5EF4-FFF2-40B4-BE49-F238E27FC236}">
-                <a16:creationId xmlns:a16="http://schemas.microsoft.com/office/drawing/2014/main" id="{411DD8C4-EABA-A263-0C4E-433BE0F1A477}"/>
+                <a16:creationId xmlns:a16="http://schemas.microsoft.com/office/drawing/2014/main" xmlns="" id="{411DD8C4-EABA-A263-0C4E-433BE0F1A477}"/>
               </a:ext>
             </a:extLst>
           </p:cNvPr>
@@ -1872,7 +1872,7 @@
           <p:cNvPr id="8" name="Footer Placeholder 7">
             <a:extLst>
               <a:ext uri="{FF2B5EF4-FFF2-40B4-BE49-F238E27FC236}">
-                <a16:creationId xmlns:a16="http://schemas.microsoft.com/office/drawing/2014/main" id="{3CFF29DA-1ED7-93D1-B5C2-3864A2D9FCC4}"/>
+                <a16:creationId xmlns:a16="http://schemas.microsoft.com/office/drawing/2014/main" xmlns="" id="{3CFF29DA-1ED7-93D1-B5C2-3864A2D9FCC4}"/>
               </a:ext>
             </a:extLst>
           </p:cNvPr>
@@ -1897,7 +1897,7 @@
           <p:cNvPr id="9" name="Slide Number Placeholder 8">
             <a:extLst>
               <a:ext uri="{FF2B5EF4-FFF2-40B4-BE49-F238E27FC236}">
-                <a16:creationId xmlns:a16="http://schemas.microsoft.com/office/drawing/2014/main" id="{BA857150-B9E8-2182-405D-1D71F543F347}"/>
+                <a16:creationId xmlns:a16="http://schemas.microsoft.com/office/drawing/2014/main" xmlns="" id="{BA857150-B9E8-2182-405D-1D71F543F347}"/>
               </a:ext>
             </a:extLst>
           </p:cNvPr>
@@ -1956,7 +1956,7 @@
           <p:cNvPr id="2" name="Title 1">
             <a:extLst>
               <a:ext uri="{FF2B5EF4-FFF2-40B4-BE49-F238E27FC236}">
-                <a16:creationId xmlns:a16="http://schemas.microsoft.com/office/drawing/2014/main" id="{7412A327-79E5-1EA9-6C51-B50200C15556}"/>
+                <a16:creationId xmlns:a16="http://schemas.microsoft.com/office/drawing/2014/main" xmlns="" id="{7412A327-79E5-1EA9-6C51-B50200C15556}"/>
               </a:ext>
             </a:extLst>
           </p:cNvPr>
@@ -1985,7 +1985,7 @@
           <p:cNvPr id="3" name="Date Placeholder 2">
             <a:extLst>
               <a:ext uri="{FF2B5EF4-FFF2-40B4-BE49-F238E27FC236}">
-                <a16:creationId xmlns:a16="http://schemas.microsoft.com/office/drawing/2014/main" id="{70163CC8-A713-3934-44F0-0B52A5503E56}"/>
+                <a16:creationId xmlns:a16="http://schemas.microsoft.com/office/drawing/2014/main" xmlns="" id="{70163CC8-A713-3934-44F0-0B52A5503E56}"/>
               </a:ext>
             </a:extLst>
           </p:cNvPr>
@@ -2014,7 +2014,7 @@
           <p:cNvPr id="4" name="Footer Placeholder 3">
             <a:extLst>
               <a:ext uri="{FF2B5EF4-FFF2-40B4-BE49-F238E27FC236}">
-                <a16:creationId xmlns:a16="http://schemas.microsoft.com/office/drawing/2014/main" id="{FB553E2B-DECB-243F-9CAF-81578DD31DB6}"/>
+                <a16:creationId xmlns:a16="http://schemas.microsoft.com/office/drawing/2014/main" xmlns="" id="{FB553E2B-DECB-243F-9CAF-81578DD31DB6}"/>
               </a:ext>
             </a:extLst>
           </p:cNvPr>
@@ -2039,7 +2039,7 @@
           <p:cNvPr id="5" name="Slide Number Placeholder 4">
             <a:extLst>
               <a:ext uri="{FF2B5EF4-FFF2-40B4-BE49-F238E27FC236}">
-                <a16:creationId xmlns:a16="http://schemas.microsoft.com/office/drawing/2014/main" id="{1F27A29E-1325-7E46-8912-E4389F33472D}"/>
+                <a16:creationId xmlns:a16="http://schemas.microsoft.com/office/drawing/2014/main" xmlns="" id="{1F27A29E-1325-7E46-8912-E4389F33472D}"/>
               </a:ext>
             </a:extLst>
           </p:cNvPr>
@@ -2098,7 +2098,7 @@
           <p:cNvPr id="2" name="Date Placeholder 1">
             <a:extLst>
               <a:ext uri="{FF2B5EF4-FFF2-40B4-BE49-F238E27FC236}">
-                <a16:creationId xmlns:a16="http://schemas.microsoft.com/office/drawing/2014/main" id="{83795579-2CAE-25A7-D3D6-43E7FCCFFC1B}"/>
+                <a16:creationId xmlns:a16="http://schemas.microsoft.com/office/drawing/2014/main" xmlns="" id="{83795579-2CAE-25A7-D3D6-43E7FCCFFC1B}"/>
               </a:ext>
             </a:extLst>
           </p:cNvPr>
@@ -2127,7 +2127,7 @@
           <p:cNvPr id="3" name="Footer Placeholder 2">
             <a:extLst>
               <a:ext uri="{FF2B5EF4-FFF2-40B4-BE49-F238E27FC236}">
-                <a16:creationId xmlns:a16="http://schemas.microsoft.com/office/drawing/2014/main" id="{15C4F7E4-52B0-E698-02D2-A8F92387EC1F}"/>
+                <a16:creationId xmlns:a16="http://schemas.microsoft.com/office/drawing/2014/main" xmlns="" id="{15C4F7E4-52B0-E698-02D2-A8F92387EC1F}"/>
               </a:ext>
             </a:extLst>
           </p:cNvPr>
@@ -2152,7 +2152,7 @@
           <p:cNvPr id="4" name="Slide Number Placeholder 3">
             <a:extLst>
               <a:ext uri="{FF2B5EF4-FFF2-40B4-BE49-F238E27FC236}">
-                <a16:creationId xmlns:a16="http://schemas.microsoft.com/office/drawing/2014/main" id="{3BD1E27C-E165-EC80-50E7-78CA803C7309}"/>
+                <a16:creationId xmlns:a16="http://schemas.microsoft.com/office/drawing/2014/main" xmlns="" id="{3BD1E27C-E165-EC80-50E7-78CA803C7309}"/>
               </a:ext>
             </a:extLst>
           </p:cNvPr>
@@ -2211,7 +2211,7 @@
           <p:cNvPr id="2" name="Title 1">
             <a:extLst>
               <a:ext uri="{FF2B5EF4-FFF2-40B4-BE49-F238E27FC236}">
-                <a16:creationId xmlns:a16="http://schemas.microsoft.com/office/drawing/2014/main" id="{AB3DC267-25D4-F08B-5C3B-DA7646CCE6A0}"/>
+                <a16:creationId xmlns:a16="http://schemas.microsoft.com/office/drawing/2014/main" xmlns="" id="{AB3DC267-25D4-F08B-5C3B-DA7646CCE6A0}"/>
               </a:ext>
             </a:extLst>
           </p:cNvPr>
@@ -2249,7 +2249,7 @@
           <p:cNvPr id="3" name="Content Placeholder 2">
             <a:extLst>
               <a:ext uri="{FF2B5EF4-FFF2-40B4-BE49-F238E27FC236}">
-                <a16:creationId xmlns:a16="http://schemas.microsoft.com/office/drawing/2014/main" id="{1854D0FC-95B8-14E3-069C-5025D67E2262}"/>
+                <a16:creationId xmlns:a16="http://schemas.microsoft.com/office/drawing/2014/main" xmlns="" id="{1854D0FC-95B8-14E3-069C-5025D67E2262}"/>
               </a:ext>
             </a:extLst>
           </p:cNvPr>
@@ -2340,7 +2340,7 @@
           <p:cNvPr id="4" name="Text Placeholder 3">
             <a:extLst>
               <a:ext uri="{FF2B5EF4-FFF2-40B4-BE49-F238E27FC236}">
-                <a16:creationId xmlns:a16="http://schemas.microsoft.com/office/drawing/2014/main" id="{A0BC94D7-029F-2E4A-28B8-AB4179D71DEB}"/>
+                <a16:creationId xmlns:a16="http://schemas.microsoft.com/office/drawing/2014/main" xmlns="" id="{A0BC94D7-029F-2E4A-28B8-AB4179D71DEB}"/>
               </a:ext>
             </a:extLst>
           </p:cNvPr>
@@ -2411,7 +2411,7 @@
           <p:cNvPr id="5" name="Date Placeholder 4">
             <a:extLst>
               <a:ext uri="{FF2B5EF4-FFF2-40B4-BE49-F238E27FC236}">
-                <a16:creationId xmlns:a16="http://schemas.microsoft.com/office/drawing/2014/main" id="{D247C5B1-5F8D-3B40-8383-4443ADF1A6C6}"/>
+                <a16:creationId xmlns:a16="http://schemas.microsoft.com/office/drawing/2014/main" xmlns="" id="{D247C5B1-5F8D-3B40-8383-4443ADF1A6C6}"/>
               </a:ext>
             </a:extLst>
           </p:cNvPr>
@@ -2440,7 +2440,7 @@
           <p:cNvPr id="6" name="Footer Placeholder 5">
             <a:extLst>
               <a:ext uri="{FF2B5EF4-FFF2-40B4-BE49-F238E27FC236}">
-                <a16:creationId xmlns:a16="http://schemas.microsoft.com/office/drawing/2014/main" id="{2202ED55-7ED5-C54C-D980-56B2F61B876E}"/>
+                <a16:creationId xmlns:a16="http://schemas.microsoft.com/office/drawing/2014/main" xmlns="" id="{2202ED55-7ED5-C54C-D980-56B2F61B876E}"/>
               </a:ext>
             </a:extLst>
           </p:cNvPr>
@@ -2465,7 +2465,7 @@
           <p:cNvPr id="7" name="Slide Number Placeholder 6">
             <a:extLst>
               <a:ext uri="{FF2B5EF4-FFF2-40B4-BE49-F238E27FC236}">
-                <a16:creationId xmlns:a16="http://schemas.microsoft.com/office/drawing/2014/main" id="{169E0857-A316-E976-B34F-4BE63219C058}"/>
+                <a16:creationId xmlns:a16="http://schemas.microsoft.com/office/drawing/2014/main" xmlns="" id="{169E0857-A316-E976-B34F-4BE63219C058}"/>
               </a:ext>
             </a:extLst>
           </p:cNvPr>
@@ -2524,7 +2524,7 @@
           <p:cNvPr id="2" name="Title 1">
             <a:extLst>
               <a:ext uri="{FF2B5EF4-FFF2-40B4-BE49-F238E27FC236}">
-                <a16:creationId xmlns:a16="http://schemas.microsoft.com/office/drawing/2014/main" id="{8CC4493B-A5D2-0FB0-53A4-1609E5FA663C}"/>
+                <a16:creationId xmlns:a16="http://schemas.microsoft.com/office/drawing/2014/main" xmlns="" id="{8CC4493B-A5D2-0FB0-53A4-1609E5FA663C}"/>
               </a:ext>
             </a:extLst>
           </p:cNvPr>
@@ -2562,7 +2562,7 @@
           <p:cNvPr id="3" name="Picture Placeholder 2">
             <a:extLst>
               <a:ext uri="{FF2B5EF4-FFF2-40B4-BE49-F238E27FC236}">
-                <a16:creationId xmlns:a16="http://schemas.microsoft.com/office/drawing/2014/main" id="{FF31E883-3767-E138-4F01-4FD155CEAC6E}"/>
+                <a16:creationId xmlns:a16="http://schemas.microsoft.com/office/drawing/2014/main" xmlns="" id="{FF31E883-3767-E138-4F01-4FD155CEAC6E}"/>
               </a:ext>
             </a:extLst>
           </p:cNvPr>
@@ -2629,7 +2629,7 @@
           <p:cNvPr id="4" name="Text Placeholder 3">
             <a:extLst>
               <a:ext uri="{FF2B5EF4-FFF2-40B4-BE49-F238E27FC236}">
-                <a16:creationId xmlns:a16="http://schemas.microsoft.com/office/drawing/2014/main" id="{2D48BC49-E8EA-1A40-F63D-C0195F3D85CC}"/>
+                <a16:creationId xmlns:a16="http://schemas.microsoft.com/office/drawing/2014/main" xmlns="" id="{2D48BC49-E8EA-1A40-F63D-C0195F3D85CC}"/>
               </a:ext>
             </a:extLst>
           </p:cNvPr>
@@ -2700,7 +2700,7 @@
           <p:cNvPr id="5" name="Date Placeholder 4">
             <a:extLst>
               <a:ext uri="{FF2B5EF4-FFF2-40B4-BE49-F238E27FC236}">
-                <a16:creationId xmlns:a16="http://schemas.microsoft.com/office/drawing/2014/main" id="{40885DB9-A42C-569B-B43E-057622428DFC}"/>
+                <a16:creationId xmlns:a16="http://schemas.microsoft.com/office/drawing/2014/main" xmlns="" id="{40885DB9-A42C-569B-B43E-057622428DFC}"/>
               </a:ext>
             </a:extLst>
           </p:cNvPr>
@@ -2729,7 +2729,7 @@
           <p:cNvPr id="6" name="Footer Placeholder 5">
             <a:extLst>
               <a:ext uri="{FF2B5EF4-FFF2-40B4-BE49-F238E27FC236}">
-                <a16:creationId xmlns:a16="http://schemas.microsoft.com/office/drawing/2014/main" id="{707B0940-EDC2-A219-42BE-EC70D8F21BDC}"/>
+                <a16:creationId xmlns:a16="http://schemas.microsoft.com/office/drawing/2014/main" xmlns="" id="{707B0940-EDC2-A219-42BE-EC70D8F21BDC}"/>
               </a:ext>
             </a:extLst>
           </p:cNvPr>
@@ -2754,7 +2754,7 @@
           <p:cNvPr id="7" name="Slide Number Placeholder 6">
             <a:extLst>
               <a:ext uri="{FF2B5EF4-FFF2-40B4-BE49-F238E27FC236}">
-                <a16:creationId xmlns:a16="http://schemas.microsoft.com/office/drawing/2014/main" id="{61EF3FA8-F661-123E-1E24-670CF0BB47AF}"/>
+                <a16:creationId xmlns:a16="http://schemas.microsoft.com/office/drawing/2014/main" xmlns="" id="{61EF3FA8-F661-123E-1E24-670CF0BB47AF}"/>
               </a:ext>
             </a:extLst>
           </p:cNvPr>
@@ -2818,7 +2818,7 @@
           <p:cNvPr id="2" name="Title Placeholder 1">
             <a:extLst>
               <a:ext uri="{FF2B5EF4-FFF2-40B4-BE49-F238E27FC236}">
-                <a16:creationId xmlns:a16="http://schemas.microsoft.com/office/drawing/2014/main" id="{382C42BC-04F2-159E-BAFB-28984F544EA5}"/>
+                <a16:creationId xmlns:a16="http://schemas.microsoft.com/office/drawing/2014/main" xmlns="" id="{382C42BC-04F2-159E-BAFB-28984F544EA5}"/>
               </a:ext>
             </a:extLst>
           </p:cNvPr>
@@ -2857,7 +2857,7 @@
           <p:cNvPr id="3" name="Text Placeholder 2">
             <a:extLst>
               <a:ext uri="{FF2B5EF4-FFF2-40B4-BE49-F238E27FC236}">
-                <a16:creationId xmlns:a16="http://schemas.microsoft.com/office/drawing/2014/main" id="{7ADB8F91-FE28-E3BB-6064-67A79E34BD11}"/>
+                <a16:creationId xmlns:a16="http://schemas.microsoft.com/office/drawing/2014/main" xmlns="" id="{7ADB8F91-FE28-E3BB-6064-67A79E34BD11}"/>
               </a:ext>
             </a:extLst>
           </p:cNvPr>
@@ -2925,7 +2925,7 @@
           <p:cNvPr id="4" name="Date Placeholder 3">
             <a:extLst>
               <a:ext uri="{FF2B5EF4-FFF2-40B4-BE49-F238E27FC236}">
-                <a16:creationId xmlns:a16="http://schemas.microsoft.com/office/drawing/2014/main" id="{CB375B8C-8CC0-9CED-3FE4-1492A7D30BAA}"/>
+                <a16:creationId xmlns:a16="http://schemas.microsoft.com/office/drawing/2014/main" xmlns="" id="{CB375B8C-8CC0-9CED-3FE4-1492A7D30BAA}"/>
               </a:ext>
             </a:extLst>
           </p:cNvPr>
@@ -2972,7 +2972,7 @@
           <p:cNvPr id="5" name="Footer Placeholder 4">
             <a:extLst>
               <a:ext uri="{FF2B5EF4-FFF2-40B4-BE49-F238E27FC236}">
-                <a16:creationId xmlns:a16="http://schemas.microsoft.com/office/drawing/2014/main" id="{CDD8A025-7879-6A62-F853-21EE5ED6EE25}"/>
+                <a16:creationId xmlns:a16="http://schemas.microsoft.com/office/drawing/2014/main" xmlns="" id="{CDD8A025-7879-6A62-F853-21EE5ED6EE25}"/>
               </a:ext>
             </a:extLst>
           </p:cNvPr>
@@ -3015,7 +3015,7 @@
           <p:cNvPr id="6" name="Slide Number Placeholder 5">
             <a:extLst>
               <a:ext uri="{FF2B5EF4-FFF2-40B4-BE49-F238E27FC236}">
-                <a16:creationId xmlns:a16="http://schemas.microsoft.com/office/drawing/2014/main" id="{53EBC9E1-6EBC-CB01-9B9B-00128DC315C6}"/>
+                <a16:creationId xmlns:a16="http://schemas.microsoft.com/office/drawing/2014/main" xmlns="" id="{53EBC9E1-6EBC-CB01-9B9B-00128DC315C6}"/>
               </a:ext>
             </a:extLst>
           </p:cNvPr>
@@ -3380,13 +3380,7 @@
       </p:grpSpPr>
       <p:sp>
         <p:nvSpPr>
-          <p:cNvPr id="2" name="Title 1">
-            <a:extLst>
-              <a:ext uri="{FF2B5EF4-FFF2-40B4-BE49-F238E27FC236}">
-                <a16:creationId xmlns:a16="http://schemas.microsoft.com/office/drawing/2014/main" id="{B55F2F7C-EBA5-A067-D7EB-9EDE30B45358}"/>
-              </a:ext>
-            </a:extLst>
-          </p:cNvPr>
+          <p:cNvPr id="4" name="Title 3"/>
           <p:cNvSpPr>
             <a:spLocks noGrp="1"/>
           </p:cNvSpPr>
@@ -3399,19 +3393,13 @@
           <a:bodyPr/>
           <a:lstStyle/>
           <a:p>
-            <a:endParaRPr lang="en-GB"/>
-          </a:p>
-        </p:txBody>
-      </p:sp>
-      <p:sp>
-        <p:nvSpPr>
-          <p:cNvPr id="3" name="Subtitle 2">
-            <a:extLst>
-              <a:ext uri="{FF2B5EF4-FFF2-40B4-BE49-F238E27FC236}">
-                <a16:creationId xmlns:a16="http://schemas.microsoft.com/office/drawing/2014/main" id="{F34443BC-B6BE-8DA1-10A3-F82CB2A90D69}"/>
-              </a:ext>
-            </a:extLst>
-          </p:cNvPr>
+            <a:endParaRPr lang="en-US" dirty="0"/>
+          </a:p>
+        </p:txBody>
+      </p:sp>
+      <p:sp>
+        <p:nvSpPr>
+          <p:cNvPr id="6" name="Content Placeholder 5"/>
           <p:cNvSpPr>
             <a:spLocks noGrp="1"/>
           </p:cNvSpPr>
@@ -3427,36 +3415,83 @@
           <a:lstStyle/>
           <a:p>
             <a:r>
-              <a:rPr lang="en-GB" dirty="0">
-                <a:hlinkClick r:id="rId2"/>
-              </a:rPr>
-              <a:t>https://pmc.ncbi.nlm.nih.gov/articles/PMC8615531/</a:t>
-            </a:r>
+              <a:rPr lang="en-GB" dirty="0" smtClean="0"/>
+              <a:t>Job interview</a:t>
+            </a:r>
+          </a:p>
+          <a:p>
+            <a:r>
+              <a:rPr lang="en-GB" dirty="0" smtClean="0"/>
+              <a:t>Coding Task presentation</a:t>
+            </a:r>
+          </a:p>
+          <a:p>
             <a:endParaRPr lang="en-GB" dirty="0"/>
           </a:p>
           <a:p>
             <a:r>
-              <a:rPr lang="en-GB" dirty="0">
-                <a:hlinkClick r:id="rId3"/>
-              </a:rPr>
-              <a:t>https://www.sciencedirect.com/topics/medicine-and-dentistry/intermittent-photic-stimulation</a:t>
-            </a:r>
-            <a:endParaRPr lang="en-GB" dirty="0"/>
-          </a:p>
-          <a:p>
-            <a:r>
-              <a:rPr lang="en-GB">
-                <a:hlinkClick r:id="rId4"/>
-              </a:rPr>
-              <a:t>https://pmc.ncbi.nlm.nih.gov/articles/PMC9553892/</a:t>
-            </a:r>
-            <a:endParaRPr lang="en-GB"/>
-          </a:p>
-          <a:p>
-            <a:endParaRPr lang="en-GB"/>
-          </a:p>
-        </p:txBody>
-      </p:sp>
+              <a:rPr lang="en-GB" b="1" dirty="0" err="1" smtClean="0"/>
+              <a:t>Jeroen</a:t>
+            </a:r>
+            <a:r>
+              <a:rPr lang="en-GB" b="1" dirty="0" smtClean="0"/>
+              <a:t> </a:t>
+            </a:r>
+            <a:r>
+              <a:rPr lang="en-GB" b="1" dirty="0" err="1" smtClean="0"/>
+              <a:t>Buil</a:t>
+            </a:r>
+            <a:endParaRPr lang="en-GB" b="1" dirty="0" smtClean="0"/>
+          </a:p>
+          <a:p>
+            <a:pPr marL="0" indent="0">
+              <a:buNone/>
+            </a:pPr>
+            <a:endParaRPr lang="en-US" dirty="0"/>
+          </a:p>
+        </p:txBody>
+      </p:sp>
+      <p:pic>
+        <p:nvPicPr>
+          <p:cNvPr id="5" name="Picture 2" descr="d-EEG-tal - Science Innovation Hub - UNIGE"/>
+          <p:cNvPicPr>
+            <a:picLocks noChangeAspect="1" noChangeArrowheads="1"/>
+          </p:cNvPicPr>
+          <p:nvPr/>
+        </p:nvPicPr>
+        <p:blipFill>
+          <a:blip r:embed="rId2">
+            <a:extLst>
+              <a:ext uri="{28A0092B-C50C-407E-A947-70E740481C1C}">
+                <a14:useLocalDpi xmlns:a14="http://schemas.microsoft.com/office/drawing/2010/main" val="0"/>
+              </a:ext>
+            </a:extLst>
+          </a:blip>
+          <a:srcRect/>
+          <a:stretch>
+            <a:fillRect/>
+          </a:stretch>
+        </p:blipFill>
+        <p:spPr bwMode="auto">
+          <a:xfrm>
+            <a:off x="3685738" y="759125"/>
+            <a:ext cx="4833121" cy="2712259"/>
+          </a:xfrm>
+          <a:prstGeom prst="rect">
+            <a:avLst/>
+          </a:prstGeom>
+          <a:noFill/>
+          <a:extLst>
+            <a:ext uri="{909E8E84-426E-40DD-AFC4-6F175D3DCCD1}">
+              <a14:hiddenFill xmlns:a14="http://schemas.microsoft.com/office/drawing/2010/main">
+                <a:solidFill>
+                  <a:srgbClr val="FFFFFF"/>
+                </a:solidFill>
+              </a14:hiddenFill>
+            </a:ext>
+          </a:extLst>
+        </p:spPr>
+      </p:pic>
     </p:spTree>
     <p:extLst>
       <p:ext uri="{BB962C8B-B14F-4D97-AF65-F5344CB8AC3E}">
@@ -3492,7 +3527,7 @@
           <p:cNvPr id="2" name="Title 1">
             <a:extLst>
               <a:ext uri="{FF2B5EF4-FFF2-40B4-BE49-F238E27FC236}">
-                <a16:creationId xmlns:a16="http://schemas.microsoft.com/office/drawing/2014/main" id="{A71391C0-3AE9-7DD8-2529-34DCB9C5C7F5}"/>
+                <a16:creationId xmlns:a16="http://schemas.microsoft.com/office/drawing/2014/main" xmlns="" id="{A71391C0-3AE9-7DD8-2529-34DCB9C5C7F5}"/>
               </a:ext>
             </a:extLst>
           </p:cNvPr>
@@ -3521,7 +3556,7 @@
           <p:cNvPr id="4" name="Text Placeholder 3">
             <a:extLst>
               <a:ext uri="{FF2B5EF4-FFF2-40B4-BE49-F238E27FC236}">
-                <a16:creationId xmlns:a16="http://schemas.microsoft.com/office/drawing/2014/main" id="{5611C7C8-596E-06F1-2F40-76E9C999A101}"/>
+                <a16:creationId xmlns:a16="http://schemas.microsoft.com/office/drawing/2014/main" xmlns="" id="{5611C7C8-596E-06F1-2F40-76E9C999A101}"/>
               </a:ext>
             </a:extLst>
           </p:cNvPr>
@@ -3549,7 +3584,7 @@
           <p:cNvPr id="11" name="Content Placeholder 10">
             <a:extLst>
               <a:ext uri="{FF2B5EF4-FFF2-40B4-BE49-F238E27FC236}">
-                <a16:creationId xmlns:a16="http://schemas.microsoft.com/office/drawing/2014/main" id="{2D70BE5B-AA9C-130A-88B7-DC7F6DC14CC1}"/>
+                <a16:creationId xmlns:a16="http://schemas.microsoft.com/office/drawing/2014/main" xmlns="" id="{2D70BE5B-AA9C-130A-88B7-DC7F6DC14CC1}"/>
               </a:ext>
             </a:extLst>
           </p:cNvPr>
@@ -3593,7 +3628,7 @@
           <p:cNvPr id="8" name="Text Placeholder 7">
             <a:extLst>
               <a:ext uri="{FF2B5EF4-FFF2-40B4-BE49-F238E27FC236}">
-                <a16:creationId xmlns:a16="http://schemas.microsoft.com/office/drawing/2014/main" id="{0673BDFD-07DE-8B16-B4A7-7AAA0837DB17}"/>
+                <a16:creationId xmlns:a16="http://schemas.microsoft.com/office/drawing/2014/main" xmlns="" id="{0673BDFD-07DE-8B16-B4A7-7AAA0837DB17}"/>
               </a:ext>
             </a:extLst>
           </p:cNvPr>
@@ -3621,7 +3656,7 @@
           <p:cNvPr id="9" name="Content Placeholder 8">
             <a:extLst>
               <a:ext uri="{FF2B5EF4-FFF2-40B4-BE49-F238E27FC236}">
-                <a16:creationId xmlns:a16="http://schemas.microsoft.com/office/drawing/2014/main" id="{16E7BAFF-433E-C05B-427E-67004BD0FA06}"/>
+                <a16:creationId xmlns:a16="http://schemas.microsoft.com/office/drawing/2014/main" xmlns="" id="{16E7BAFF-433E-C05B-427E-67004BD0FA06}"/>
               </a:ext>
             </a:extLst>
           </p:cNvPr>
@@ -3673,7 +3708,7 @@
           <p:cNvPr id="7" name="Group 6">
             <a:extLst>
               <a:ext uri="{FF2B5EF4-FFF2-40B4-BE49-F238E27FC236}">
-                <a16:creationId xmlns:a16="http://schemas.microsoft.com/office/drawing/2014/main" id="{6472A41B-CBB0-94B6-4D9B-B1AB93ECC5DF}"/>
+                <a16:creationId xmlns:a16="http://schemas.microsoft.com/office/drawing/2014/main" xmlns="" id="{6472A41B-CBB0-94B6-4D9B-B1AB93ECC5DF}"/>
               </a:ext>
             </a:extLst>
           </p:cNvPr>
@@ -3693,7 +3728,7 @@
             <p:cNvPr id="5" name="Picture 4" descr="A graph with blue lines and green lines&#10;&#10;Description automatically generated">
               <a:extLst>
                 <a:ext uri="{FF2B5EF4-FFF2-40B4-BE49-F238E27FC236}">
-                  <a16:creationId xmlns:a16="http://schemas.microsoft.com/office/drawing/2014/main" id="{130C3B8E-B6D8-4766-279F-8411E281E98B}"/>
+                  <a16:creationId xmlns:a16="http://schemas.microsoft.com/office/drawing/2014/main" xmlns="" id="{130C3B8E-B6D8-4766-279F-8411E281E98B}"/>
                 </a:ext>
               </a:extLst>
             </p:cNvPr>
@@ -3729,7 +3764,7 @@
             <p:cNvPr id="6" name="TextBox 5">
               <a:extLst>
                 <a:ext uri="{FF2B5EF4-FFF2-40B4-BE49-F238E27FC236}">
-                  <a16:creationId xmlns:a16="http://schemas.microsoft.com/office/drawing/2014/main" id="{31700BA6-CF89-565A-2F0A-B9887456B48C}"/>
+                  <a16:creationId xmlns:a16="http://schemas.microsoft.com/office/drawing/2014/main" xmlns="" id="{31700BA6-CF89-565A-2F0A-B9887456B48C}"/>
                 </a:ext>
               </a:extLst>
             </p:cNvPr>
@@ -3765,7 +3800,7 @@
           <p:cNvPr id="14" name="Group 13">
             <a:extLst>
               <a:ext uri="{FF2B5EF4-FFF2-40B4-BE49-F238E27FC236}">
-                <a16:creationId xmlns:a16="http://schemas.microsoft.com/office/drawing/2014/main" id="{616F617A-EE6A-043C-FC5A-CAFB0826E3D8}"/>
+                <a16:creationId xmlns:a16="http://schemas.microsoft.com/office/drawing/2014/main" xmlns="" id="{616F617A-EE6A-043C-FC5A-CAFB0826E3D8}"/>
               </a:ext>
             </a:extLst>
           </p:cNvPr>
@@ -3785,7 +3820,7 @@
             <p:cNvPr id="12" name="Picture 11" descr="A graph of ecg and ecg&#10;&#10;Description automatically generated">
               <a:extLst>
                 <a:ext uri="{FF2B5EF4-FFF2-40B4-BE49-F238E27FC236}">
-                  <a16:creationId xmlns:a16="http://schemas.microsoft.com/office/drawing/2014/main" id="{21746E25-AB8E-3823-7C60-68C626D957A4}"/>
+                  <a16:creationId xmlns:a16="http://schemas.microsoft.com/office/drawing/2014/main" xmlns="" id="{21746E25-AB8E-3823-7C60-68C626D957A4}"/>
                 </a:ext>
               </a:extLst>
             </p:cNvPr>
@@ -3820,7 +3855,7 @@
             <p:cNvPr id="13" name="TextBox 12">
               <a:extLst>
                 <a:ext uri="{FF2B5EF4-FFF2-40B4-BE49-F238E27FC236}">
-                  <a16:creationId xmlns:a16="http://schemas.microsoft.com/office/drawing/2014/main" id="{F60C1B52-A4B6-B018-0CFB-5C2E41F5995C}"/>
+                  <a16:creationId xmlns:a16="http://schemas.microsoft.com/office/drawing/2014/main" xmlns="" id="{F60C1B52-A4B6-B018-0CFB-5C2E41F5995C}"/>
                 </a:ext>
               </a:extLst>
             </p:cNvPr>
@@ -3857,7 +3892,7 @@
           <p:cNvPr id="15" name="TextBox 14">
             <a:extLst>
               <a:ext uri="{FF2B5EF4-FFF2-40B4-BE49-F238E27FC236}">
-                <a16:creationId xmlns:a16="http://schemas.microsoft.com/office/drawing/2014/main" id="{EE1F7B1D-E7BA-23E7-287A-D891069234AF}"/>
+                <a16:creationId xmlns:a16="http://schemas.microsoft.com/office/drawing/2014/main" xmlns="" id="{EE1F7B1D-E7BA-23E7-287A-D891069234AF}"/>
               </a:ext>
             </a:extLst>
           </p:cNvPr>
@@ -3895,7 +3930,7 @@
           <p:cNvPr id="17" name="Group 16">
             <a:extLst>
               <a:ext uri="{FF2B5EF4-FFF2-40B4-BE49-F238E27FC236}">
-                <a16:creationId xmlns:a16="http://schemas.microsoft.com/office/drawing/2014/main" id="{62B30A00-C60D-CCB4-5792-E6B671ABC139}"/>
+                <a16:creationId xmlns:a16="http://schemas.microsoft.com/office/drawing/2014/main" xmlns="" id="{62B30A00-C60D-CCB4-5792-E6B671ABC139}"/>
               </a:ext>
             </a:extLst>
           </p:cNvPr>
@@ -3915,7 +3950,7 @@
             <p:cNvPr id="10" name="Picture 9" descr="A diagram of a brain activity&#10;&#10;Description automatically generated">
               <a:extLst>
                 <a:ext uri="{FF2B5EF4-FFF2-40B4-BE49-F238E27FC236}">
-                  <a16:creationId xmlns:a16="http://schemas.microsoft.com/office/drawing/2014/main" id="{D8D80D5F-4355-EAC2-0C79-74B1CAF9FFF2}"/>
+                  <a16:creationId xmlns:a16="http://schemas.microsoft.com/office/drawing/2014/main" xmlns="" id="{D8D80D5F-4355-EAC2-0C79-74B1CAF9FFF2}"/>
                 </a:ext>
               </a:extLst>
             </p:cNvPr>
@@ -3950,7 +3985,7 @@
             <p:cNvPr id="16" name="TextBox 15">
               <a:extLst>
                 <a:ext uri="{FF2B5EF4-FFF2-40B4-BE49-F238E27FC236}">
-                  <a16:creationId xmlns:a16="http://schemas.microsoft.com/office/drawing/2014/main" id="{73D34BE1-767B-21D0-F48F-8C11653663E5}"/>
+                  <a16:creationId xmlns:a16="http://schemas.microsoft.com/office/drawing/2014/main" xmlns="" id="{73D34BE1-767B-21D0-F48F-8C11653663E5}"/>
                 </a:ext>
               </a:extLst>
             </p:cNvPr>
@@ -4017,7 +4052,7 @@
           <p:cNvPr id="2" name="Title 1">
             <a:extLst>
               <a:ext uri="{FF2B5EF4-FFF2-40B4-BE49-F238E27FC236}">
-                <a16:creationId xmlns:a16="http://schemas.microsoft.com/office/drawing/2014/main" id="{4C591B32-0E4D-DC76-5437-BF80A3182C12}"/>
+                <a16:creationId xmlns:a16="http://schemas.microsoft.com/office/drawing/2014/main" xmlns="" id="{4C591B32-0E4D-DC76-5437-BF80A3182C12}"/>
               </a:ext>
             </a:extLst>
           </p:cNvPr>
@@ -4045,7 +4080,7 @@
           <p:cNvPr id="3" name="Content Placeholder 2">
             <a:extLst>
               <a:ext uri="{FF2B5EF4-FFF2-40B4-BE49-F238E27FC236}">
-                <a16:creationId xmlns:a16="http://schemas.microsoft.com/office/drawing/2014/main" id="{E792D97A-7426-C0B7-70C9-E91B25BBC093}"/>
+                <a16:creationId xmlns:a16="http://schemas.microsoft.com/office/drawing/2014/main" xmlns="" id="{E792D97A-7426-C0B7-70C9-E91B25BBC093}"/>
               </a:ext>
             </a:extLst>
           </p:cNvPr>
@@ -4123,7 +4158,7 @@
           <p:cNvPr id="11" name="Picture 10" descr="A screenshot of a computer&#10;&#10;Description automatically generated">
             <a:extLst>
               <a:ext uri="{FF2B5EF4-FFF2-40B4-BE49-F238E27FC236}">
-                <a16:creationId xmlns:a16="http://schemas.microsoft.com/office/drawing/2014/main" id="{38A915D1-858D-AAB8-BAA2-158FBDE65C32}"/>
+                <a16:creationId xmlns:a16="http://schemas.microsoft.com/office/drawing/2014/main" xmlns="" id="{38A915D1-858D-AAB8-BAA2-158FBDE65C32}"/>
               </a:ext>
             </a:extLst>
           </p:cNvPr>
@@ -4133,7 +4168,7 @@
           <p:nvPr/>
         </p:nvPicPr>
         <p:blipFill>
-          <a:blip r:embed="rId2">
+          <a:blip r:embed="rId2" cstate="print">
             <a:extLst>
               <a:ext uri="{28A0092B-C50C-407E-A947-70E740481C1C}">
                 <a14:useLocalDpi xmlns:a14="http://schemas.microsoft.com/office/drawing/2010/main" val="0"/>
@@ -4189,7 +4224,7 @@
           <p:cNvPr id="2" name="Title 1">
             <a:extLst>
               <a:ext uri="{FF2B5EF4-FFF2-40B4-BE49-F238E27FC236}">
-                <a16:creationId xmlns:a16="http://schemas.microsoft.com/office/drawing/2014/main" id="{7F0F13F4-55D0-3648-2FB4-7EF646CA91ED}"/>
+                <a16:creationId xmlns:a16="http://schemas.microsoft.com/office/drawing/2014/main" xmlns="" id="{7F0F13F4-55D0-3648-2FB4-7EF646CA91ED}"/>
               </a:ext>
             </a:extLst>
           </p:cNvPr>
@@ -4217,7 +4252,7 @@
           <p:cNvPr id="3" name="Content Placeholder 2">
             <a:extLst>
               <a:ext uri="{FF2B5EF4-FFF2-40B4-BE49-F238E27FC236}">
-                <a16:creationId xmlns:a16="http://schemas.microsoft.com/office/drawing/2014/main" id="{0B41CB12-B324-B8B7-A95B-BD67C46DCE37}"/>
+                <a16:creationId xmlns:a16="http://schemas.microsoft.com/office/drawing/2014/main" xmlns="" id="{0B41CB12-B324-B8B7-A95B-BD67C46DCE37}"/>
               </a:ext>
             </a:extLst>
           </p:cNvPr>
@@ -4327,7 +4362,7 @@
           <p:cNvPr id="2" name="Title 1">
             <a:extLst>
               <a:ext uri="{FF2B5EF4-FFF2-40B4-BE49-F238E27FC236}">
-                <a16:creationId xmlns:a16="http://schemas.microsoft.com/office/drawing/2014/main" id="{70EDACA0-0066-EAB4-109C-6387AC9DDD37}"/>
+                <a16:creationId xmlns:a16="http://schemas.microsoft.com/office/drawing/2014/main" xmlns="" id="{70EDACA0-0066-EAB4-109C-6387AC9DDD37}"/>
               </a:ext>
             </a:extLst>
           </p:cNvPr>
@@ -4355,7 +4390,7 @@
           <p:cNvPr id="3" name="Text Placeholder 2">
             <a:extLst>
               <a:ext uri="{FF2B5EF4-FFF2-40B4-BE49-F238E27FC236}">
-                <a16:creationId xmlns:a16="http://schemas.microsoft.com/office/drawing/2014/main" id="{2F019681-513C-90BA-D479-BEB22008BAD8}"/>
+                <a16:creationId xmlns:a16="http://schemas.microsoft.com/office/drawing/2014/main" xmlns="" id="{2F019681-513C-90BA-D479-BEB22008BAD8}"/>
               </a:ext>
             </a:extLst>
           </p:cNvPr>
@@ -4410,7 +4445,7 @@
           <p:cNvPr id="2" name="Title 1">
             <a:extLst>
               <a:ext uri="{FF2B5EF4-FFF2-40B4-BE49-F238E27FC236}">
-                <a16:creationId xmlns:a16="http://schemas.microsoft.com/office/drawing/2014/main" id="{FBC2C443-6C50-E1B5-A808-DC7EC685123E}"/>
+                <a16:creationId xmlns:a16="http://schemas.microsoft.com/office/drawing/2014/main" xmlns="" id="{FBC2C443-6C50-E1B5-A808-DC7EC685123E}"/>
               </a:ext>
             </a:extLst>
           </p:cNvPr>
@@ -4442,7 +4477,7 @@
           <p:cNvPr id="3" name="Content Placeholder 2">
             <a:extLst>
               <a:ext uri="{FF2B5EF4-FFF2-40B4-BE49-F238E27FC236}">
-                <a16:creationId xmlns:a16="http://schemas.microsoft.com/office/drawing/2014/main" id="{236A5669-9DFD-F709-26D6-1E2D63E8D8BA}"/>
+                <a16:creationId xmlns:a16="http://schemas.microsoft.com/office/drawing/2014/main" xmlns="" id="{236A5669-9DFD-F709-26D6-1E2D63E8D8BA}"/>
               </a:ext>
             </a:extLst>
           </p:cNvPr>
@@ -4477,7 +4512,7 @@
           <p:cNvPr id="5" name="Picture 4">
             <a:extLst>
               <a:ext uri="{FF2B5EF4-FFF2-40B4-BE49-F238E27FC236}">
-                <a16:creationId xmlns:a16="http://schemas.microsoft.com/office/drawing/2014/main" id="{1DFD1997-0479-A4BA-A1DD-DB2731F94142}"/>
+                <a16:creationId xmlns:a16="http://schemas.microsoft.com/office/drawing/2014/main" xmlns="" id="{1DFD1997-0479-A4BA-A1DD-DB2731F94142}"/>
               </a:ext>
             </a:extLst>
           </p:cNvPr>
@@ -4506,7 +4541,7 @@
           <p:cNvPr id="7" name="Picture 6" descr="A warning sign with white text&#10;&#10;Description automatically generated">
             <a:extLst>
               <a:ext uri="{FF2B5EF4-FFF2-40B4-BE49-F238E27FC236}">
-                <a16:creationId xmlns:a16="http://schemas.microsoft.com/office/drawing/2014/main" id="{44E0F90E-1152-9A34-85A4-EBC6F11C6D0E}"/>
+                <a16:creationId xmlns:a16="http://schemas.microsoft.com/office/drawing/2014/main" xmlns="" id="{44E0F90E-1152-9A34-85A4-EBC6F11C6D0E}"/>
               </a:ext>
             </a:extLst>
           </p:cNvPr>
@@ -4516,7 +4551,7 @@
           <p:nvPr/>
         </p:nvPicPr>
         <p:blipFill>
-          <a:blip r:embed="rId3">
+          <a:blip r:embed="rId3" cstate="print">
             <a:extLst>
               <a:ext uri="{28A0092B-C50C-407E-A947-70E740481C1C}">
                 <a14:useLocalDpi xmlns:a14="http://schemas.microsoft.com/office/drawing/2010/main" val="0"/>
@@ -4572,7 +4607,7 @@
           <p:cNvPr id="2" name="Title 1">
             <a:extLst>
               <a:ext uri="{FF2B5EF4-FFF2-40B4-BE49-F238E27FC236}">
-                <a16:creationId xmlns:a16="http://schemas.microsoft.com/office/drawing/2014/main" id="{EAA38D8C-11D9-C1F7-46AC-D8A6E87E34EE}"/>
+                <a16:creationId xmlns:a16="http://schemas.microsoft.com/office/drawing/2014/main" xmlns="" id="{EAA38D8C-11D9-C1F7-46AC-D8A6E87E34EE}"/>
               </a:ext>
             </a:extLst>
           </p:cNvPr>
@@ -4600,7 +4635,7 @@
           <p:cNvPr id="3" name="Content Placeholder 2">
             <a:extLst>
               <a:ext uri="{FF2B5EF4-FFF2-40B4-BE49-F238E27FC236}">
-                <a16:creationId xmlns:a16="http://schemas.microsoft.com/office/drawing/2014/main" id="{016869AF-07FD-7942-B8F8-6E3810FB4BB4}"/>
+                <a16:creationId xmlns:a16="http://schemas.microsoft.com/office/drawing/2014/main" xmlns="" id="{016869AF-07FD-7942-B8F8-6E3810FB4BB4}"/>
               </a:ext>
             </a:extLst>
           </p:cNvPr>
@@ -4634,7 +4669,7 @@
           <p:cNvPr id="4" name="Table 3">
             <a:extLst>
               <a:ext uri="{FF2B5EF4-FFF2-40B4-BE49-F238E27FC236}">
-                <a16:creationId xmlns:a16="http://schemas.microsoft.com/office/drawing/2014/main" id="{AD3FA004-B429-8F5E-0D2D-03F94EAD22DD}"/>
+                <a16:creationId xmlns:a16="http://schemas.microsoft.com/office/drawing/2014/main" xmlns="" id="{AD3FA004-B429-8F5E-0D2D-03F94EAD22DD}"/>
               </a:ext>
             </a:extLst>
           </p:cNvPr>
@@ -4663,28 +4698,28 @@
                 <a:gridCol w="594360">
                   <a:extLst>
                     <a:ext uri="{9D8B030D-6E8A-4147-A177-3AD203B41FA5}">
-                      <a16:colId xmlns:a16="http://schemas.microsoft.com/office/drawing/2014/main" val="111408566"/>
+                      <a16:colId xmlns:a16="http://schemas.microsoft.com/office/drawing/2014/main" xmlns="" val="111408566"/>
                     </a:ext>
                   </a:extLst>
                 </a:gridCol>
                 <a:gridCol w="841248">
                   <a:extLst>
                     <a:ext uri="{9D8B030D-6E8A-4147-A177-3AD203B41FA5}">
-                      <a16:colId xmlns:a16="http://schemas.microsoft.com/office/drawing/2014/main" val="3783979508"/>
+                      <a16:colId xmlns:a16="http://schemas.microsoft.com/office/drawing/2014/main" xmlns="" val="3783979508"/>
                     </a:ext>
                   </a:extLst>
                 </a:gridCol>
                 <a:gridCol w="988563">
                   <a:extLst>
                     <a:ext uri="{9D8B030D-6E8A-4147-A177-3AD203B41FA5}">
-                      <a16:colId xmlns:a16="http://schemas.microsoft.com/office/drawing/2014/main" val="1715166266"/>
+                      <a16:colId xmlns:a16="http://schemas.microsoft.com/office/drawing/2014/main" xmlns="" val="1715166266"/>
                     </a:ext>
                   </a:extLst>
                 </a:gridCol>
                 <a:gridCol w="946581">
                   <a:extLst>
                     <a:ext uri="{9D8B030D-6E8A-4147-A177-3AD203B41FA5}">
-                      <a16:colId xmlns:a16="http://schemas.microsoft.com/office/drawing/2014/main" val="815064266"/>
+                      <a16:colId xmlns:a16="http://schemas.microsoft.com/office/drawing/2014/main" xmlns="" val="815064266"/>
                     </a:ext>
                   </a:extLst>
                 </a:gridCol>
@@ -4756,7 +4791,7 @@
                 </a:tc>
                 <a:extLst>
                   <a:ext uri="{0D108BD9-81ED-4DB2-BD59-A6C34878D82A}">
-                    <a16:rowId xmlns:a16="http://schemas.microsoft.com/office/drawing/2014/main" val="2595477897"/>
+                    <a16:rowId xmlns:a16="http://schemas.microsoft.com/office/drawing/2014/main" xmlns="" val="2595477897"/>
                   </a:ext>
                 </a:extLst>
               </a:tr>
@@ -4839,7 +4874,7 @@
                 </a:tc>
                 <a:extLst>
                   <a:ext uri="{0D108BD9-81ED-4DB2-BD59-A6C34878D82A}">
-                    <a16:rowId xmlns:a16="http://schemas.microsoft.com/office/drawing/2014/main" val="2793756374"/>
+                    <a16:rowId xmlns:a16="http://schemas.microsoft.com/office/drawing/2014/main" xmlns="" val="2793756374"/>
                   </a:ext>
                 </a:extLst>
               </a:tr>
@@ -4922,7 +4957,7 @@
                 </a:tc>
                 <a:extLst>
                   <a:ext uri="{0D108BD9-81ED-4DB2-BD59-A6C34878D82A}">
-                    <a16:rowId xmlns:a16="http://schemas.microsoft.com/office/drawing/2014/main" val="1817001553"/>
+                    <a16:rowId xmlns:a16="http://schemas.microsoft.com/office/drawing/2014/main" xmlns="" val="1817001553"/>
                   </a:ext>
                 </a:extLst>
               </a:tr>
@@ -5005,7 +5040,7 @@
                 </a:tc>
                 <a:extLst>
                   <a:ext uri="{0D108BD9-81ED-4DB2-BD59-A6C34878D82A}">
-                    <a16:rowId xmlns:a16="http://schemas.microsoft.com/office/drawing/2014/main" val="202285892"/>
+                    <a16:rowId xmlns:a16="http://schemas.microsoft.com/office/drawing/2014/main" xmlns="" val="202285892"/>
                   </a:ext>
                 </a:extLst>
               </a:tr>
@@ -5088,7 +5123,7 @@
                 </a:tc>
                 <a:extLst>
                   <a:ext uri="{0D108BD9-81ED-4DB2-BD59-A6C34878D82A}">
-                    <a16:rowId xmlns:a16="http://schemas.microsoft.com/office/drawing/2014/main" val="3019397469"/>
+                    <a16:rowId xmlns:a16="http://schemas.microsoft.com/office/drawing/2014/main" xmlns="" val="3019397469"/>
                   </a:ext>
                 </a:extLst>
               </a:tr>
@@ -5155,7 +5190,7 @@
                 </a:tc>
                 <a:extLst>
                   <a:ext uri="{0D108BD9-81ED-4DB2-BD59-A6C34878D82A}">
-                    <a16:rowId xmlns:a16="http://schemas.microsoft.com/office/drawing/2014/main" val="2453038063"/>
+                    <a16:rowId xmlns:a16="http://schemas.microsoft.com/office/drawing/2014/main" xmlns="" val="2453038063"/>
                   </a:ext>
                 </a:extLst>
               </a:tr>
@@ -5222,7 +5257,7 @@
                 </a:tc>
                 <a:extLst>
                   <a:ext uri="{0D108BD9-81ED-4DB2-BD59-A6C34878D82A}">
-                    <a16:rowId xmlns:a16="http://schemas.microsoft.com/office/drawing/2014/main" val="2395400633"/>
+                    <a16:rowId xmlns:a16="http://schemas.microsoft.com/office/drawing/2014/main" xmlns="" val="2395400633"/>
                   </a:ext>
                 </a:extLst>
               </a:tr>
@@ -5289,7 +5324,7 @@
                 </a:tc>
                 <a:extLst>
                   <a:ext uri="{0D108BD9-81ED-4DB2-BD59-A6C34878D82A}">
-                    <a16:rowId xmlns:a16="http://schemas.microsoft.com/office/drawing/2014/main" val="278446480"/>
+                    <a16:rowId xmlns:a16="http://schemas.microsoft.com/office/drawing/2014/main" xmlns="" val="278446480"/>
                   </a:ext>
                 </a:extLst>
               </a:tr>
@@ -5396,7 +5431,7 @@
                 </a:tc>
                 <a:extLst>
                   <a:ext uri="{0D108BD9-81ED-4DB2-BD59-A6C34878D82A}">
-                    <a16:rowId xmlns:a16="http://schemas.microsoft.com/office/drawing/2014/main" val="2995144103"/>
+                    <a16:rowId xmlns:a16="http://schemas.microsoft.com/office/drawing/2014/main" xmlns="" val="2995144103"/>
                   </a:ext>
                 </a:extLst>
               </a:tr>
@@ -5515,7 +5550,7 @@
                 </a:tc>
                 <a:extLst>
                   <a:ext uri="{0D108BD9-81ED-4DB2-BD59-A6C34878D82A}">
-                    <a16:rowId xmlns:a16="http://schemas.microsoft.com/office/drawing/2014/main" val="33628614"/>
+                    <a16:rowId xmlns:a16="http://schemas.microsoft.com/office/drawing/2014/main" xmlns="" val="33628614"/>
                   </a:ext>
                 </a:extLst>
               </a:tr>
@@ -5598,7 +5633,7 @@
                 </a:tc>
                 <a:extLst>
                   <a:ext uri="{0D108BD9-81ED-4DB2-BD59-A6C34878D82A}">
-                    <a16:rowId xmlns:a16="http://schemas.microsoft.com/office/drawing/2014/main" val="1280402641"/>
+                    <a16:rowId xmlns:a16="http://schemas.microsoft.com/office/drawing/2014/main" xmlns="" val="1280402641"/>
                   </a:ext>
                 </a:extLst>
               </a:tr>
@@ -5681,7 +5716,7 @@
                 </a:tc>
                 <a:extLst>
                   <a:ext uri="{0D108BD9-81ED-4DB2-BD59-A6C34878D82A}">
-                    <a16:rowId xmlns:a16="http://schemas.microsoft.com/office/drawing/2014/main" val="2983268447"/>
+                    <a16:rowId xmlns:a16="http://schemas.microsoft.com/office/drawing/2014/main" xmlns="" val="2983268447"/>
                   </a:ext>
                 </a:extLst>
               </a:tr>
@@ -5764,7 +5799,7 @@
                 </a:tc>
                 <a:extLst>
                   <a:ext uri="{0D108BD9-81ED-4DB2-BD59-A6C34878D82A}">
-                    <a16:rowId xmlns:a16="http://schemas.microsoft.com/office/drawing/2014/main" val="1635432972"/>
+                    <a16:rowId xmlns:a16="http://schemas.microsoft.com/office/drawing/2014/main" xmlns="" val="1635432972"/>
                   </a:ext>
                 </a:extLst>
               </a:tr>
@@ -5831,7 +5866,7 @@
                 </a:tc>
                 <a:extLst>
                   <a:ext uri="{0D108BD9-81ED-4DB2-BD59-A6C34878D82A}">
-                    <a16:rowId xmlns:a16="http://schemas.microsoft.com/office/drawing/2014/main" val="118346155"/>
+                    <a16:rowId xmlns:a16="http://schemas.microsoft.com/office/drawing/2014/main" xmlns="" val="118346155"/>
                   </a:ext>
                 </a:extLst>
               </a:tr>
@@ -5898,7 +5933,7 @@
                 </a:tc>
                 <a:extLst>
                   <a:ext uri="{0D108BD9-81ED-4DB2-BD59-A6C34878D82A}">
-                    <a16:rowId xmlns:a16="http://schemas.microsoft.com/office/drawing/2014/main" val="3432465217"/>
+                    <a16:rowId xmlns:a16="http://schemas.microsoft.com/office/drawing/2014/main" xmlns="" val="3432465217"/>
                   </a:ext>
                 </a:extLst>
               </a:tr>
@@ -5965,7 +6000,7 @@
                 </a:tc>
                 <a:extLst>
                   <a:ext uri="{0D108BD9-81ED-4DB2-BD59-A6C34878D82A}">
-                    <a16:rowId xmlns:a16="http://schemas.microsoft.com/office/drawing/2014/main" val="2446123427"/>
+                    <a16:rowId xmlns:a16="http://schemas.microsoft.com/office/drawing/2014/main" xmlns="" val="2446123427"/>
                   </a:ext>
                 </a:extLst>
               </a:tr>
@@ -6072,7 +6107,7 @@
                 </a:tc>
                 <a:extLst>
                   <a:ext uri="{0D108BD9-81ED-4DB2-BD59-A6C34878D82A}">
-                    <a16:rowId xmlns:a16="http://schemas.microsoft.com/office/drawing/2014/main" val="2331126314"/>
+                    <a16:rowId xmlns:a16="http://schemas.microsoft.com/office/drawing/2014/main" xmlns="" val="2331126314"/>
                   </a:ext>
                 </a:extLst>
               </a:tr>
@@ -6191,7 +6226,7 @@
                 </a:tc>
                 <a:extLst>
                   <a:ext uri="{0D108BD9-81ED-4DB2-BD59-A6C34878D82A}">
-                    <a16:rowId xmlns:a16="http://schemas.microsoft.com/office/drawing/2014/main" val="1167548050"/>
+                    <a16:rowId xmlns:a16="http://schemas.microsoft.com/office/drawing/2014/main" xmlns="" val="1167548050"/>
                   </a:ext>
                 </a:extLst>
               </a:tr>
@@ -6274,7 +6309,7 @@
                 </a:tc>
                 <a:extLst>
                   <a:ext uri="{0D108BD9-81ED-4DB2-BD59-A6C34878D82A}">
-                    <a16:rowId xmlns:a16="http://schemas.microsoft.com/office/drawing/2014/main" val="2257857313"/>
+                    <a16:rowId xmlns:a16="http://schemas.microsoft.com/office/drawing/2014/main" xmlns="" val="2257857313"/>
                   </a:ext>
                 </a:extLst>
               </a:tr>
@@ -6357,7 +6392,7 @@
                 </a:tc>
                 <a:extLst>
                   <a:ext uri="{0D108BD9-81ED-4DB2-BD59-A6C34878D82A}">
-                    <a16:rowId xmlns:a16="http://schemas.microsoft.com/office/drawing/2014/main" val="128136624"/>
+                    <a16:rowId xmlns:a16="http://schemas.microsoft.com/office/drawing/2014/main" xmlns="" val="128136624"/>
                   </a:ext>
                 </a:extLst>
               </a:tr>
@@ -6440,7 +6475,7 @@
                 </a:tc>
                 <a:extLst>
                   <a:ext uri="{0D108BD9-81ED-4DB2-BD59-A6C34878D82A}">
-                    <a16:rowId xmlns:a16="http://schemas.microsoft.com/office/drawing/2014/main" val="57376096"/>
+                    <a16:rowId xmlns:a16="http://schemas.microsoft.com/office/drawing/2014/main" xmlns="" val="57376096"/>
                   </a:ext>
                 </a:extLst>
               </a:tr>
@@ -6507,7 +6542,7 @@
                 </a:tc>
                 <a:extLst>
                   <a:ext uri="{0D108BD9-81ED-4DB2-BD59-A6C34878D82A}">
-                    <a16:rowId xmlns:a16="http://schemas.microsoft.com/office/drawing/2014/main" val="1876731788"/>
+                    <a16:rowId xmlns:a16="http://schemas.microsoft.com/office/drawing/2014/main" xmlns="" val="1876731788"/>
                   </a:ext>
                 </a:extLst>
               </a:tr>
@@ -6574,7 +6609,7 @@
                 </a:tc>
                 <a:extLst>
                   <a:ext uri="{0D108BD9-81ED-4DB2-BD59-A6C34878D82A}">
-                    <a16:rowId xmlns:a16="http://schemas.microsoft.com/office/drawing/2014/main" val="1419056787"/>
+                    <a16:rowId xmlns:a16="http://schemas.microsoft.com/office/drawing/2014/main" xmlns="" val="1419056787"/>
                   </a:ext>
                 </a:extLst>
               </a:tr>
@@ -6641,7 +6676,7 @@
                 </a:tc>
                 <a:extLst>
                   <a:ext uri="{0D108BD9-81ED-4DB2-BD59-A6C34878D82A}">
-                    <a16:rowId xmlns:a16="http://schemas.microsoft.com/office/drawing/2014/main" val="2659290613"/>
+                    <a16:rowId xmlns:a16="http://schemas.microsoft.com/office/drawing/2014/main" xmlns="" val="2659290613"/>
                   </a:ext>
                 </a:extLst>
               </a:tr>
@@ -6708,7 +6743,7 @@
                 </a:tc>
                 <a:extLst>
                   <a:ext uri="{0D108BD9-81ED-4DB2-BD59-A6C34878D82A}">
-                    <a16:rowId xmlns:a16="http://schemas.microsoft.com/office/drawing/2014/main" val="1646393061"/>
+                    <a16:rowId xmlns:a16="http://schemas.microsoft.com/office/drawing/2014/main" xmlns="" val="1646393061"/>
                   </a:ext>
                 </a:extLst>
               </a:tr>
@@ -6751,7 +6786,7 @@
           <p:cNvPr id="2" name="Title 1">
             <a:extLst>
               <a:ext uri="{FF2B5EF4-FFF2-40B4-BE49-F238E27FC236}">
-                <a16:creationId xmlns:a16="http://schemas.microsoft.com/office/drawing/2014/main" id="{30A4763E-B127-FF1E-4188-8A50201C2293}"/>
+                <a16:creationId xmlns:a16="http://schemas.microsoft.com/office/drawing/2014/main" xmlns="" id="{30A4763E-B127-FF1E-4188-8A50201C2293}"/>
               </a:ext>
             </a:extLst>
           </p:cNvPr>
@@ -6791,7 +6826,7 @@
           <p:cNvPr id="3" name="Content Placeholder 2">
             <a:extLst>
               <a:ext uri="{FF2B5EF4-FFF2-40B4-BE49-F238E27FC236}">
-                <a16:creationId xmlns:a16="http://schemas.microsoft.com/office/drawing/2014/main" id="{DDC6794B-2BB3-30DB-E98B-491136572BBE}"/>
+                <a16:creationId xmlns:a16="http://schemas.microsoft.com/office/drawing/2014/main" xmlns="" id="{DDC6794B-2BB3-30DB-E98B-491136572BBE}"/>
               </a:ext>
             </a:extLst>
           </p:cNvPr>
@@ -6830,7 +6865,7 @@
           <p:cNvPr id="5" name="Picture 4">
             <a:extLst>
               <a:ext uri="{FF2B5EF4-FFF2-40B4-BE49-F238E27FC236}">
-                <a16:creationId xmlns:a16="http://schemas.microsoft.com/office/drawing/2014/main" id="{C7448442-D46E-4C4F-6850-039EDC5099F0}"/>
+                <a16:creationId xmlns:a16="http://schemas.microsoft.com/office/drawing/2014/main" xmlns="" id="{C7448442-D46E-4C4F-6850-039EDC5099F0}"/>
               </a:ext>
             </a:extLst>
           </p:cNvPr>
@@ -6890,7 +6925,7 @@
           <p:cNvPr id="2" name="Title 1">
             <a:extLst>
               <a:ext uri="{FF2B5EF4-FFF2-40B4-BE49-F238E27FC236}">
-                <a16:creationId xmlns:a16="http://schemas.microsoft.com/office/drawing/2014/main" id="{C23BABE6-B522-A9C4-6766-98F15B8CBEE9}"/>
+                <a16:creationId xmlns:a16="http://schemas.microsoft.com/office/drawing/2014/main" xmlns="" id="{C23BABE6-B522-A9C4-6766-98F15B8CBEE9}"/>
               </a:ext>
             </a:extLst>
           </p:cNvPr>
@@ -6918,7 +6953,7 @@
           <p:cNvPr id="3" name="Content Placeholder 2">
             <a:extLst>
               <a:ext uri="{FF2B5EF4-FFF2-40B4-BE49-F238E27FC236}">
-                <a16:creationId xmlns:a16="http://schemas.microsoft.com/office/drawing/2014/main" id="{DA7019F4-8C77-B129-10DF-745DD1EC487C}"/>
+                <a16:creationId xmlns:a16="http://schemas.microsoft.com/office/drawing/2014/main" xmlns="" id="{DA7019F4-8C77-B129-10DF-745DD1EC487C}"/>
               </a:ext>
             </a:extLst>
           </p:cNvPr>
@@ -7041,7 +7076,7 @@
           <p:cNvPr id="2" name="Title 1">
             <a:extLst>
               <a:ext uri="{FF2B5EF4-FFF2-40B4-BE49-F238E27FC236}">
-                <a16:creationId xmlns:a16="http://schemas.microsoft.com/office/drawing/2014/main" id="{B29A2698-5AD5-8764-3EC0-6761F889A24F}"/>
+                <a16:creationId xmlns:a16="http://schemas.microsoft.com/office/drawing/2014/main" xmlns="" id="{B29A2698-5AD5-8764-3EC0-6761F889A24F}"/>
               </a:ext>
             </a:extLst>
           </p:cNvPr>
@@ -7069,7 +7104,7 @@
           <p:cNvPr id="3" name="Text Placeholder 2">
             <a:extLst>
               <a:ext uri="{FF2B5EF4-FFF2-40B4-BE49-F238E27FC236}">
-                <a16:creationId xmlns:a16="http://schemas.microsoft.com/office/drawing/2014/main" id="{D9E2AE85-8F51-0FFA-230A-3010F378FC7D}"/>
+                <a16:creationId xmlns:a16="http://schemas.microsoft.com/office/drawing/2014/main" xmlns="" id="{D9E2AE85-8F51-0FFA-230A-3010F378FC7D}"/>
               </a:ext>
             </a:extLst>
           </p:cNvPr>
@@ -7124,7 +7159,7 @@
           <p:cNvPr id="2" name="Title 1">
             <a:extLst>
               <a:ext uri="{FF2B5EF4-FFF2-40B4-BE49-F238E27FC236}">
-                <a16:creationId xmlns:a16="http://schemas.microsoft.com/office/drawing/2014/main" id="{D6AA6658-01EC-238A-F162-35AF88FC64A8}"/>
+                <a16:creationId xmlns:a16="http://schemas.microsoft.com/office/drawing/2014/main" xmlns="" id="{D6AA6658-01EC-238A-F162-35AF88FC64A8}"/>
               </a:ext>
             </a:extLst>
           </p:cNvPr>
@@ -7152,7 +7187,7 @@
           <p:cNvPr id="3" name="Content Placeholder 2">
             <a:extLst>
               <a:ext uri="{FF2B5EF4-FFF2-40B4-BE49-F238E27FC236}">
-                <a16:creationId xmlns:a16="http://schemas.microsoft.com/office/drawing/2014/main" id="{560D0F02-B4AE-B1AA-315F-B3F2223E7B64}"/>
+                <a16:creationId xmlns:a16="http://schemas.microsoft.com/office/drawing/2014/main" xmlns="" id="{560D0F02-B4AE-B1AA-315F-B3F2223E7B64}"/>
               </a:ext>
             </a:extLst>
           </p:cNvPr>
@@ -7228,7 +7263,7 @@
           <p:cNvPr id="4" name="Arrow: Right 3">
             <a:extLst>
               <a:ext uri="{FF2B5EF4-FFF2-40B4-BE49-F238E27FC236}">
-                <a16:creationId xmlns:a16="http://schemas.microsoft.com/office/drawing/2014/main" id="{57188DEF-2F4D-C1E4-0EB4-BB86A02D3CA4}"/>
+                <a16:creationId xmlns:a16="http://schemas.microsoft.com/office/drawing/2014/main" xmlns="" id="{57188DEF-2F4D-C1E4-0EB4-BB86A02D3CA4}"/>
               </a:ext>
             </a:extLst>
           </p:cNvPr>
@@ -7274,7 +7309,7 @@
           <p:cNvPr id="5" name="Arrow: Right 4">
             <a:extLst>
               <a:ext uri="{FF2B5EF4-FFF2-40B4-BE49-F238E27FC236}">
-                <a16:creationId xmlns:a16="http://schemas.microsoft.com/office/drawing/2014/main" id="{9A0DB99A-51D0-A3B7-2EED-F6DA180F8D10}"/>
+                <a16:creationId xmlns:a16="http://schemas.microsoft.com/office/drawing/2014/main" xmlns="" id="{9A0DB99A-51D0-A3B7-2EED-F6DA180F8D10}"/>
               </a:ext>
             </a:extLst>
           </p:cNvPr>
@@ -7320,7 +7355,7 @@
           <p:cNvPr id="6" name="TextBox 5">
             <a:extLst>
               <a:ext uri="{FF2B5EF4-FFF2-40B4-BE49-F238E27FC236}">
-                <a16:creationId xmlns:a16="http://schemas.microsoft.com/office/drawing/2014/main" id="{C74C63E1-5780-3665-A094-18D8A3005D7D}"/>
+                <a16:creationId xmlns:a16="http://schemas.microsoft.com/office/drawing/2014/main" xmlns="" id="{C74C63E1-5780-3665-A094-18D8A3005D7D}"/>
               </a:ext>
             </a:extLst>
           </p:cNvPr>
@@ -7383,7 +7418,7 @@
           <p:cNvPr id="9" name="Arrow: Right 8">
             <a:extLst>
               <a:ext uri="{FF2B5EF4-FFF2-40B4-BE49-F238E27FC236}">
-                <a16:creationId xmlns:a16="http://schemas.microsoft.com/office/drawing/2014/main" id="{330691FF-2C87-3366-F47F-DF633AED3A86}"/>
+                <a16:creationId xmlns:a16="http://schemas.microsoft.com/office/drawing/2014/main" xmlns="" id="{330691FF-2C87-3366-F47F-DF633AED3A86}"/>
               </a:ext>
             </a:extLst>
           </p:cNvPr>
@@ -7429,7 +7464,7 @@
           <p:cNvPr id="11" name="TextBox 10">
             <a:extLst>
               <a:ext uri="{FF2B5EF4-FFF2-40B4-BE49-F238E27FC236}">
-                <a16:creationId xmlns:a16="http://schemas.microsoft.com/office/drawing/2014/main" id="{6C0BB9F8-6324-AE04-2724-A866B9AF8BEF}"/>
+                <a16:creationId xmlns:a16="http://schemas.microsoft.com/office/drawing/2014/main" xmlns="" id="{6C0BB9F8-6324-AE04-2724-A866B9AF8BEF}"/>
               </a:ext>
             </a:extLst>
           </p:cNvPr>
@@ -7492,7 +7527,7 @@
           <p:cNvPr id="15" name="Group 14">
             <a:extLst>
               <a:ext uri="{FF2B5EF4-FFF2-40B4-BE49-F238E27FC236}">
-                <a16:creationId xmlns:a16="http://schemas.microsoft.com/office/drawing/2014/main" id="{42EE1119-5257-2B71-6857-E875D9647C2D}"/>
+                <a16:creationId xmlns:a16="http://schemas.microsoft.com/office/drawing/2014/main" xmlns="" id="{42EE1119-5257-2B71-6857-E875D9647C2D}"/>
               </a:ext>
             </a:extLst>
           </p:cNvPr>
@@ -7512,7 +7547,7 @@
             <p:cNvPr id="7" name="Rectangle: Rounded Corners 6">
               <a:extLst>
                 <a:ext uri="{FF2B5EF4-FFF2-40B4-BE49-F238E27FC236}">
-                  <a16:creationId xmlns:a16="http://schemas.microsoft.com/office/drawing/2014/main" id="{01C6637A-2243-02B1-D39D-792E2C7EDCD9}"/>
+                  <a16:creationId xmlns:a16="http://schemas.microsoft.com/office/drawing/2014/main" xmlns="" id="{01C6637A-2243-02B1-D39D-792E2C7EDCD9}"/>
                 </a:ext>
               </a:extLst>
             </p:cNvPr>
@@ -7558,7 +7593,7 @@
             <p:cNvPr id="8" name="TextBox 7">
               <a:extLst>
                 <a:ext uri="{FF2B5EF4-FFF2-40B4-BE49-F238E27FC236}">
-                  <a16:creationId xmlns:a16="http://schemas.microsoft.com/office/drawing/2014/main" id="{52B0D9B1-6137-2FAB-2807-0E81E65DF743}"/>
+                  <a16:creationId xmlns:a16="http://schemas.microsoft.com/office/drawing/2014/main" xmlns="" id="{52B0D9B1-6137-2FAB-2807-0E81E65DF743}"/>
                 </a:ext>
               </a:extLst>
             </p:cNvPr>
@@ -7600,7 +7635,7 @@
           <p:cNvPr id="14" name="Group 13">
             <a:extLst>
               <a:ext uri="{FF2B5EF4-FFF2-40B4-BE49-F238E27FC236}">
-                <a16:creationId xmlns:a16="http://schemas.microsoft.com/office/drawing/2014/main" id="{B1C33B2E-9113-96FA-6E0F-63A0628BE612}"/>
+                <a16:creationId xmlns:a16="http://schemas.microsoft.com/office/drawing/2014/main" xmlns="" id="{B1C33B2E-9113-96FA-6E0F-63A0628BE612}"/>
               </a:ext>
             </a:extLst>
           </p:cNvPr>
@@ -7620,7 +7655,7 @@
             <p:cNvPr id="12" name="Rectangle: Rounded Corners 11">
               <a:extLst>
                 <a:ext uri="{FF2B5EF4-FFF2-40B4-BE49-F238E27FC236}">
-                  <a16:creationId xmlns:a16="http://schemas.microsoft.com/office/drawing/2014/main" id="{11D1D7C7-D542-DBDC-1364-D62D0EE66BD7}"/>
+                  <a16:creationId xmlns:a16="http://schemas.microsoft.com/office/drawing/2014/main" xmlns="" id="{11D1D7C7-D542-DBDC-1364-D62D0EE66BD7}"/>
                 </a:ext>
               </a:extLst>
             </p:cNvPr>
@@ -7672,7 +7707,7 @@
             <p:cNvPr id="13" name="TextBox 12">
               <a:extLst>
                 <a:ext uri="{FF2B5EF4-FFF2-40B4-BE49-F238E27FC236}">
-                  <a16:creationId xmlns:a16="http://schemas.microsoft.com/office/drawing/2014/main" id="{B2C24613-49C5-5493-3BEC-84DCA9AD376B}"/>
+                  <a16:creationId xmlns:a16="http://schemas.microsoft.com/office/drawing/2014/main" xmlns="" id="{B2C24613-49C5-5493-3BEC-84DCA9AD376B}"/>
                 </a:ext>
               </a:extLst>
             </p:cNvPr>
@@ -7714,7 +7749,7 @@
           <p:cNvPr id="16" name="TextBox 15">
             <a:extLst>
               <a:ext uri="{FF2B5EF4-FFF2-40B4-BE49-F238E27FC236}">
-                <a16:creationId xmlns:a16="http://schemas.microsoft.com/office/drawing/2014/main" id="{004453C8-222D-5DE3-B7C9-478D851B8AC1}"/>
+                <a16:creationId xmlns:a16="http://schemas.microsoft.com/office/drawing/2014/main" xmlns="" id="{004453C8-222D-5DE3-B7C9-478D851B8AC1}"/>
               </a:ext>
             </a:extLst>
           </p:cNvPr>
@@ -7796,7 +7831,7 @@
           <p:cNvPr id="2" name="Title 1">
             <a:extLst>
               <a:ext uri="{FF2B5EF4-FFF2-40B4-BE49-F238E27FC236}">
-                <a16:creationId xmlns:a16="http://schemas.microsoft.com/office/drawing/2014/main" id="{42CAB9CF-68C6-C82C-4144-B60783FE8C1A}"/>
+                <a16:creationId xmlns:a16="http://schemas.microsoft.com/office/drawing/2014/main" xmlns="" id="{42CAB9CF-68C6-C82C-4144-B60783FE8C1A}"/>
               </a:ext>
             </a:extLst>
           </p:cNvPr>
@@ -7824,7 +7859,7 @@
           <p:cNvPr id="3" name="Content Placeholder 2">
             <a:extLst>
               <a:ext uri="{FF2B5EF4-FFF2-40B4-BE49-F238E27FC236}">
-                <a16:creationId xmlns:a16="http://schemas.microsoft.com/office/drawing/2014/main" id="{E186AABB-F026-942D-2158-CED7DD4A6803}"/>
+                <a16:creationId xmlns:a16="http://schemas.microsoft.com/office/drawing/2014/main" xmlns="" id="{E186AABB-F026-942D-2158-CED7DD4A6803}"/>
               </a:ext>
             </a:extLst>
           </p:cNvPr>
@@ -7906,7 +7941,7 @@
           <p:cNvPr id="8" name="Picture 7">
             <a:extLst>
               <a:ext uri="{FF2B5EF4-FFF2-40B4-BE49-F238E27FC236}">
-                <a16:creationId xmlns:a16="http://schemas.microsoft.com/office/drawing/2014/main" id="{1C77FDF4-C966-A92D-3ACD-09F38EFDD90C}"/>
+                <a16:creationId xmlns:a16="http://schemas.microsoft.com/office/drawing/2014/main" xmlns="" id="{1C77FDF4-C966-A92D-3ACD-09F38EFDD90C}"/>
               </a:ext>
             </a:extLst>
           </p:cNvPr>
@@ -7966,7 +8001,7 @@
           <p:cNvPr id="2" name="Title 1">
             <a:extLst>
               <a:ext uri="{FF2B5EF4-FFF2-40B4-BE49-F238E27FC236}">
-                <a16:creationId xmlns:a16="http://schemas.microsoft.com/office/drawing/2014/main" id="{3971CD4B-B0B4-F657-5D82-75973D36921C}"/>
+                <a16:creationId xmlns:a16="http://schemas.microsoft.com/office/drawing/2014/main" xmlns="" id="{3971CD4B-B0B4-F657-5D82-75973D36921C}"/>
               </a:ext>
             </a:extLst>
           </p:cNvPr>
@@ -7994,7 +8029,7 @@
           <p:cNvPr id="3" name="Content Placeholder 2">
             <a:extLst>
               <a:ext uri="{FF2B5EF4-FFF2-40B4-BE49-F238E27FC236}">
-                <a16:creationId xmlns:a16="http://schemas.microsoft.com/office/drawing/2014/main" id="{7DCD5789-5C4B-5228-CF2C-299879FD1947}"/>
+                <a16:creationId xmlns:a16="http://schemas.microsoft.com/office/drawing/2014/main" xmlns="" id="{7DCD5789-5C4B-5228-CF2C-299879FD1947}"/>
               </a:ext>
             </a:extLst>
           </p:cNvPr>
@@ -8061,7 +8096,7 @@
           <p:cNvPr id="2" name="Title 1">
             <a:extLst>
               <a:ext uri="{FF2B5EF4-FFF2-40B4-BE49-F238E27FC236}">
-                <a16:creationId xmlns:a16="http://schemas.microsoft.com/office/drawing/2014/main" id="{70147F0D-A683-C98D-CE4E-CCF9DF4F3925}"/>
+                <a16:creationId xmlns:a16="http://schemas.microsoft.com/office/drawing/2014/main" xmlns="" id="{70147F0D-A683-C98D-CE4E-CCF9DF4F3925}"/>
               </a:ext>
             </a:extLst>
           </p:cNvPr>
@@ -8090,7 +8125,7 @@
           <p:cNvPr id="3" name="Content Placeholder 2">
             <a:extLst>
               <a:ext uri="{FF2B5EF4-FFF2-40B4-BE49-F238E27FC236}">
-                <a16:creationId xmlns:a16="http://schemas.microsoft.com/office/drawing/2014/main" id="{FB383055-E497-C2B5-F61A-2329690F4270}"/>
+                <a16:creationId xmlns:a16="http://schemas.microsoft.com/office/drawing/2014/main" xmlns="" id="{FB383055-E497-C2B5-F61A-2329690F4270}"/>
               </a:ext>
             </a:extLst>
           </p:cNvPr>
@@ -8195,7 +8230,7 @@
           <p:cNvPr id="2" name="Title 1">
             <a:extLst>
               <a:ext uri="{FF2B5EF4-FFF2-40B4-BE49-F238E27FC236}">
-                <a16:creationId xmlns:a16="http://schemas.microsoft.com/office/drawing/2014/main" id="{B939C9AD-5D40-FCD1-BD03-0F9789725849}"/>
+                <a16:creationId xmlns:a16="http://schemas.microsoft.com/office/drawing/2014/main" xmlns="" id="{B939C9AD-5D40-FCD1-BD03-0F9789725849}"/>
               </a:ext>
             </a:extLst>
           </p:cNvPr>
@@ -8223,7 +8258,7 @@
           <p:cNvPr id="9" name="Content Placeholder 8">
             <a:extLst>
               <a:ext uri="{FF2B5EF4-FFF2-40B4-BE49-F238E27FC236}">
-                <a16:creationId xmlns:a16="http://schemas.microsoft.com/office/drawing/2014/main" id="{4A5F046E-B199-CAA5-CCB1-D71B6C0FA04D}"/>
+                <a16:creationId xmlns:a16="http://schemas.microsoft.com/office/drawing/2014/main" xmlns="" id="{4A5F046E-B199-CAA5-CCB1-D71B6C0FA04D}"/>
               </a:ext>
             </a:extLst>
           </p:cNvPr>
@@ -8252,7 +8287,7 @@
           <p:cNvPr id="7" name="Picture 6">
             <a:extLst>
               <a:ext uri="{FF2B5EF4-FFF2-40B4-BE49-F238E27FC236}">
-                <a16:creationId xmlns:a16="http://schemas.microsoft.com/office/drawing/2014/main" id="{E6C8316A-B626-3DC9-EA1E-4EF58DCB2B87}"/>
+                <a16:creationId xmlns:a16="http://schemas.microsoft.com/office/drawing/2014/main" xmlns="" id="{E6C8316A-B626-3DC9-EA1E-4EF58DCB2B87}"/>
               </a:ext>
             </a:extLst>
           </p:cNvPr>
@@ -8282,7 +8317,7 @@
           <p:cNvPr id="10" name="TextBox 9">
             <a:extLst>
               <a:ext uri="{FF2B5EF4-FFF2-40B4-BE49-F238E27FC236}">
-                <a16:creationId xmlns:a16="http://schemas.microsoft.com/office/drawing/2014/main" id="{98627FE2-7541-D079-97C6-555E6034E284}"/>
+                <a16:creationId xmlns:a16="http://schemas.microsoft.com/office/drawing/2014/main" xmlns="" id="{98627FE2-7541-D079-97C6-555E6034E284}"/>
               </a:ext>
             </a:extLst>
           </p:cNvPr>
@@ -8355,7 +8390,7 @@
           <p:cNvPr id="2" name="Title 1">
             <a:extLst>
               <a:ext uri="{FF2B5EF4-FFF2-40B4-BE49-F238E27FC236}">
-                <a16:creationId xmlns:a16="http://schemas.microsoft.com/office/drawing/2014/main" id="{2A7C6E17-8422-45AF-8EF9-901F7968ED8E}"/>
+                <a16:creationId xmlns:a16="http://schemas.microsoft.com/office/drawing/2014/main" xmlns="" id="{2A7C6E17-8422-45AF-8EF9-901F7968ED8E}"/>
               </a:ext>
             </a:extLst>
           </p:cNvPr>
@@ -8380,7 +8415,7 @@
           <p:cNvPr id="3" name="Content Placeholder 2">
             <a:extLst>
               <a:ext uri="{FF2B5EF4-FFF2-40B4-BE49-F238E27FC236}">
-                <a16:creationId xmlns:a16="http://schemas.microsoft.com/office/drawing/2014/main" id="{6E934A46-52E3-4FA7-E3EB-75A3352EC662}"/>
+                <a16:creationId xmlns:a16="http://schemas.microsoft.com/office/drawing/2014/main" xmlns="" id="{6E934A46-52E3-4FA7-E3EB-75A3352EC662}"/>
               </a:ext>
             </a:extLst>
           </p:cNvPr>
@@ -8405,7 +8440,7 @@
           <p:cNvPr id="9" name="Picture 8" descr="A screenshot of a computer&#10;&#10;Description automatically generated">
             <a:extLst>
               <a:ext uri="{FF2B5EF4-FFF2-40B4-BE49-F238E27FC236}">
-                <a16:creationId xmlns:a16="http://schemas.microsoft.com/office/drawing/2014/main" id="{B6BB7602-D30D-529B-55B8-5B9C5C07B0FA}"/>
+                <a16:creationId xmlns:a16="http://schemas.microsoft.com/office/drawing/2014/main" xmlns="" id="{B6BB7602-D30D-529B-55B8-5B9C5C07B0FA}"/>
               </a:ext>
             </a:extLst>
           </p:cNvPr>
@@ -8471,7 +8506,7 @@
           <p:cNvPr id="2" name="Title 1">
             <a:extLst>
               <a:ext uri="{FF2B5EF4-FFF2-40B4-BE49-F238E27FC236}">
-                <a16:creationId xmlns:a16="http://schemas.microsoft.com/office/drawing/2014/main" id="{CE914FC1-246C-F19E-BB9E-38BA3EAC5210}"/>
+                <a16:creationId xmlns:a16="http://schemas.microsoft.com/office/drawing/2014/main" xmlns="" id="{CE914FC1-246C-F19E-BB9E-38BA3EAC5210}"/>
               </a:ext>
             </a:extLst>
           </p:cNvPr>
@@ -8499,7 +8534,7 @@
           <p:cNvPr id="3" name="Content Placeholder 2">
             <a:extLst>
               <a:ext uri="{FF2B5EF4-FFF2-40B4-BE49-F238E27FC236}">
-                <a16:creationId xmlns:a16="http://schemas.microsoft.com/office/drawing/2014/main" id="{82A175D7-940D-3325-F000-4D0F1F5F5EEC}"/>
+                <a16:creationId xmlns:a16="http://schemas.microsoft.com/office/drawing/2014/main" xmlns="" id="{82A175D7-940D-3325-F000-4D0F1F5F5EEC}"/>
               </a:ext>
             </a:extLst>
           </p:cNvPr>
@@ -8615,7 +8650,7 @@
           <p:cNvPr id="2" name="Title 1">
             <a:extLst>
               <a:ext uri="{FF2B5EF4-FFF2-40B4-BE49-F238E27FC236}">
-                <a16:creationId xmlns:a16="http://schemas.microsoft.com/office/drawing/2014/main" id="{C5B1F0B2-C727-BC62-BC58-5F1DFFBC26D8}"/>
+                <a16:creationId xmlns:a16="http://schemas.microsoft.com/office/drawing/2014/main" xmlns="" id="{C5B1F0B2-C727-BC62-BC58-5F1DFFBC26D8}"/>
               </a:ext>
             </a:extLst>
           </p:cNvPr>
@@ -8647,7 +8682,7 @@
           <p:cNvPr id="9" name="Content Placeholder 8">
             <a:extLst>
               <a:ext uri="{FF2B5EF4-FFF2-40B4-BE49-F238E27FC236}">
-                <a16:creationId xmlns:a16="http://schemas.microsoft.com/office/drawing/2014/main" id="{5C926287-609A-A817-FF52-9D8534935485}"/>
+                <a16:creationId xmlns:a16="http://schemas.microsoft.com/office/drawing/2014/main" xmlns="" id="{5C926287-609A-A817-FF52-9D8534935485}"/>
               </a:ext>
             </a:extLst>
           </p:cNvPr>
@@ -8676,7 +8711,7 @@
           <p:cNvPr id="7" name="Picture 6">
             <a:extLst>
               <a:ext uri="{FF2B5EF4-FFF2-40B4-BE49-F238E27FC236}">
-                <a16:creationId xmlns:a16="http://schemas.microsoft.com/office/drawing/2014/main" id="{558F7566-AAA5-23A4-A61C-2C80711EED7E}"/>
+                <a16:creationId xmlns:a16="http://schemas.microsoft.com/office/drawing/2014/main" xmlns="" id="{558F7566-AAA5-23A4-A61C-2C80711EED7E}"/>
               </a:ext>
             </a:extLst>
           </p:cNvPr>
@@ -8706,7 +8741,7 @@
           <p:cNvPr id="10" name="TextBox 9">
             <a:extLst>
               <a:ext uri="{FF2B5EF4-FFF2-40B4-BE49-F238E27FC236}">
-                <a16:creationId xmlns:a16="http://schemas.microsoft.com/office/drawing/2014/main" id="{C00F9C12-0392-90F8-A5DF-6EE07A938C12}"/>
+                <a16:creationId xmlns:a16="http://schemas.microsoft.com/office/drawing/2014/main" xmlns="" id="{C00F9C12-0392-90F8-A5DF-6EE07A938C12}"/>
               </a:ext>
             </a:extLst>
           </p:cNvPr>
@@ -8775,7 +8810,7 @@
           <p:cNvPr id="2" name="Title 1">
             <a:extLst>
               <a:ext uri="{FF2B5EF4-FFF2-40B4-BE49-F238E27FC236}">
-                <a16:creationId xmlns:a16="http://schemas.microsoft.com/office/drawing/2014/main" id="{454A56CB-A70F-C359-0779-27F5B9DABD8A}"/>
+                <a16:creationId xmlns:a16="http://schemas.microsoft.com/office/drawing/2014/main" xmlns="" id="{454A56CB-A70F-C359-0779-27F5B9DABD8A}"/>
               </a:ext>
             </a:extLst>
           </p:cNvPr>
@@ -8803,7 +8838,7 @@
           <p:cNvPr id="3" name="Content Placeholder 2">
             <a:extLst>
               <a:ext uri="{FF2B5EF4-FFF2-40B4-BE49-F238E27FC236}">
-                <a16:creationId xmlns:a16="http://schemas.microsoft.com/office/drawing/2014/main" id="{11AB0F93-B639-3EC0-E584-1302B916E559}"/>
+                <a16:creationId xmlns:a16="http://schemas.microsoft.com/office/drawing/2014/main" xmlns="" id="{11AB0F93-B639-3EC0-E584-1302B916E559}"/>
               </a:ext>
             </a:extLst>
           </p:cNvPr>
@@ -8828,7 +8863,7 @@
           <p:cNvPr id="5" name="Picture 4" descr="A black text on a white background&#10;&#10;Description automatically generated">
             <a:extLst>
               <a:ext uri="{FF2B5EF4-FFF2-40B4-BE49-F238E27FC236}">
-                <a16:creationId xmlns:a16="http://schemas.microsoft.com/office/drawing/2014/main" id="{7C9B2215-3E07-C0D2-F4EF-A1F9EE3E1F68}"/>
+                <a16:creationId xmlns:a16="http://schemas.microsoft.com/office/drawing/2014/main" xmlns="" id="{7C9B2215-3E07-C0D2-F4EF-A1F9EE3E1F68}"/>
               </a:ext>
             </a:extLst>
           </p:cNvPr>
@@ -8894,7 +8929,7 @@
           <p:cNvPr id="2" name="Title 1">
             <a:extLst>
               <a:ext uri="{FF2B5EF4-FFF2-40B4-BE49-F238E27FC236}">
-                <a16:creationId xmlns:a16="http://schemas.microsoft.com/office/drawing/2014/main" id="{47A4501E-5F16-FBCD-9B1E-2F5A0CE41D57}"/>
+                <a16:creationId xmlns:a16="http://schemas.microsoft.com/office/drawing/2014/main" xmlns="" id="{47A4501E-5F16-FBCD-9B1E-2F5A0CE41D57}"/>
               </a:ext>
             </a:extLst>
           </p:cNvPr>
@@ -8922,7 +8957,7 @@
           <p:cNvPr id="3" name="Text Placeholder 2">
             <a:extLst>
               <a:ext uri="{FF2B5EF4-FFF2-40B4-BE49-F238E27FC236}">
-                <a16:creationId xmlns:a16="http://schemas.microsoft.com/office/drawing/2014/main" id="{B4F6EC1F-54FF-E9D2-3C8A-9A494DC2C8D2}"/>
+                <a16:creationId xmlns:a16="http://schemas.microsoft.com/office/drawing/2014/main" xmlns="" id="{B4F6EC1F-54FF-E9D2-3C8A-9A494DC2C8D2}"/>
               </a:ext>
             </a:extLst>
           </p:cNvPr>
@@ -8977,7 +9012,7 @@
           <p:cNvPr id="4" name="Title 3">
             <a:extLst>
               <a:ext uri="{FF2B5EF4-FFF2-40B4-BE49-F238E27FC236}">
-                <a16:creationId xmlns:a16="http://schemas.microsoft.com/office/drawing/2014/main" id="{F1FDE157-BD5A-CE93-CC57-3803388AC6EC}"/>
+                <a16:creationId xmlns:a16="http://schemas.microsoft.com/office/drawing/2014/main" xmlns="" id="{F1FDE157-BD5A-CE93-CC57-3803388AC6EC}"/>
               </a:ext>
             </a:extLst>
           </p:cNvPr>
@@ -9005,7 +9040,7 @@
           <p:cNvPr id="5" name="Content Placeholder 4">
             <a:extLst>
               <a:ext uri="{FF2B5EF4-FFF2-40B4-BE49-F238E27FC236}">
-                <a16:creationId xmlns:a16="http://schemas.microsoft.com/office/drawing/2014/main" id="{6728A368-CAD2-7A35-F615-FDF35DCC286A}"/>
+                <a16:creationId xmlns:a16="http://schemas.microsoft.com/office/drawing/2014/main" xmlns="" id="{6728A368-CAD2-7A35-F615-FDF35DCC286A}"/>
               </a:ext>
             </a:extLst>
           </p:cNvPr>
@@ -9209,7 +9244,7 @@
           <p:cNvPr id="2" name="Title 1">
             <a:extLst>
               <a:ext uri="{FF2B5EF4-FFF2-40B4-BE49-F238E27FC236}">
-                <a16:creationId xmlns:a16="http://schemas.microsoft.com/office/drawing/2014/main" id="{5D8A0A50-5B9E-1A9A-04D3-AF170714689E}"/>
+                <a16:creationId xmlns:a16="http://schemas.microsoft.com/office/drawing/2014/main" xmlns="" id="{5D8A0A50-5B9E-1A9A-04D3-AF170714689E}"/>
               </a:ext>
             </a:extLst>
           </p:cNvPr>
@@ -9241,7 +9276,7 @@
           <p:cNvPr id="3" name="Content Placeholder 2">
             <a:extLst>
               <a:ext uri="{FF2B5EF4-FFF2-40B4-BE49-F238E27FC236}">
-                <a16:creationId xmlns:a16="http://schemas.microsoft.com/office/drawing/2014/main" id="{97AC7DF4-FAB1-C6C5-15E2-053A6934FEEB}"/>
+                <a16:creationId xmlns:a16="http://schemas.microsoft.com/office/drawing/2014/main" xmlns="" id="{97AC7DF4-FAB1-C6C5-15E2-053A6934FEEB}"/>
               </a:ext>
             </a:extLst>
           </p:cNvPr>
@@ -9318,7 +9353,7 @@
           <p:cNvPr id="2" name="Title 1">
             <a:extLst>
               <a:ext uri="{FF2B5EF4-FFF2-40B4-BE49-F238E27FC236}">
-                <a16:creationId xmlns:a16="http://schemas.microsoft.com/office/drawing/2014/main" id="{4501616F-6084-10C4-0290-487EF33AFE28}"/>
+                <a16:creationId xmlns:a16="http://schemas.microsoft.com/office/drawing/2014/main" xmlns="" id="{4501616F-6084-10C4-0290-487EF33AFE28}"/>
               </a:ext>
             </a:extLst>
           </p:cNvPr>
@@ -9346,7 +9381,7 @@
           <p:cNvPr id="3" name="Content Placeholder 2">
             <a:extLst>
               <a:ext uri="{FF2B5EF4-FFF2-40B4-BE49-F238E27FC236}">
-                <a16:creationId xmlns:a16="http://schemas.microsoft.com/office/drawing/2014/main" id="{6FCA331A-D667-84C5-7B4D-4DE18D6E9330}"/>
+                <a16:creationId xmlns:a16="http://schemas.microsoft.com/office/drawing/2014/main" xmlns="" id="{6FCA331A-D667-84C5-7B4D-4DE18D6E9330}"/>
               </a:ext>
             </a:extLst>
           </p:cNvPr>
@@ -9418,7 +9453,7 @@
           <p:cNvPr id="7" name="Group 6">
             <a:extLst>
               <a:ext uri="{FF2B5EF4-FFF2-40B4-BE49-F238E27FC236}">
-                <a16:creationId xmlns:a16="http://schemas.microsoft.com/office/drawing/2014/main" id="{223EFA90-8ECC-E6E8-9459-1099994AD0F7}"/>
+                <a16:creationId xmlns:a16="http://schemas.microsoft.com/office/drawing/2014/main" xmlns="" id="{223EFA90-8ECC-E6E8-9459-1099994AD0F7}"/>
               </a:ext>
             </a:extLst>
           </p:cNvPr>
@@ -9438,7 +9473,7 @@
             <p:cNvPr id="5" name="Picture 4" descr="A pie chart with numbers and text&#10;&#10;Description automatically generated">
               <a:extLst>
                 <a:ext uri="{FF2B5EF4-FFF2-40B4-BE49-F238E27FC236}">
-                  <a16:creationId xmlns:a16="http://schemas.microsoft.com/office/drawing/2014/main" id="{5638B23E-9E08-FC62-62FE-1B12E096AE4E}"/>
+                  <a16:creationId xmlns:a16="http://schemas.microsoft.com/office/drawing/2014/main" xmlns="" id="{5638B23E-9E08-FC62-62FE-1B12E096AE4E}"/>
                 </a:ext>
               </a:extLst>
             </p:cNvPr>
@@ -9473,7 +9508,7 @@
             <p:cNvPr id="6" name="TextBox 5">
               <a:extLst>
                 <a:ext uri="{FF2B5EF4-FFF2-40B4-BE49-F238E27FC236}">
-                  <a16:creationId xmlns:a16="http://schemas.microsoft.com/office/drawing/2014/main" id="{A57457AB-8114-C81C-CDB6-A3917E53D03B}"/>
+                  <a16:creationId xmlns:a16="http://schemas.microsoft.com/office/drawing/2014/main" xmlns="" id="{A57457AB-8114-C81C-CDB6-A3917E53D03B}"/>
                 </a:ext>
               </a:extLst>
             </p:cNvPr>
@@ -9540,7 +9575,7 @@
           <p:cNvPr id="2" name="Title 1">
             <a:extLst>
               <a:ext uri="{FF2B5EF4-FFF2-40B4-BE49-F238E27FC236}">
-                <a16:creationId xmlns:a16="http://schemas.microsoft.com/office/drawing/2014/main" id="{3B966F3B-2096-09EB-832E-A8F2F237B444}"/>
+                <a16:creationId xmlns:a16="http://schemas.microsoft.com/office/drawing/2014/main" xmlns="" id="{3B966F3B-2096-09EB-832E-A8F2F237B444}"/>
               </a:ext>
             </a:extLst>
           </p:cNvPr>
@@ -9568,7 +9603,7 @@
           <p:cNvPr id="3" name="Content Placeholder 2">
             <a:extLst>
               <a:ext uri="{FF2B5EF4-FFF2-40B4-BE49-F238E27FC236}">
-                <a16:creationId xmlns:a16="http://schemas.microsoft.com/office/drawing/2014/main" id="{046BE2F6-FA3D-F9F3-C2B5-4B5A8CAF6C54}"/>
+                <a16:creationId xmlns:a16="http://schemas.microsoft.com/office/drawing/2014/main" xmlns="" id="{046BE2F6-FA3D-F9F3-C2B5-4B5A8CAF6C54}"/>
               </a:ext>
             </a:extLst>
           </p:cNvPr>
@@ -9676,7 +9711,7 @@
           <p:cNvPr id="4" name="Title 3">
             <a:extLst>
               <a:ext uri="{FF2B5EF4-FFF2-40B4-BE49-F238E27FC236}">
-                <a16:creationId xmlns:a16="http://schemas.microsoft.com/office/drawing/2014/main" id="{87B8CEC8-E73C-05CA-E8AA-82D63FEBF7A3}"/>
+                <a16:creationId xmlns:a16="http://schemas.microsoft.com/office/drawing/2014/main" xmlns="" id="{87B8CEC8-E73C-05CA-E8AA-82D63FEBF7A3}"/>
               </a:ext>
             </a:extLst>
           </p:cNvPr>
@@ -9704,7 +9739,7 @@
           <p:cNvPr id="3" name="Content Placeholder 2">
             <a:extLst>
               <a:ext uri="{FF2B5EF4-FFF2-40B4-BE49-F238E27FC236}">
-                <a16:creationId xmlns:a16="http://schemas.microsoft.com/office/drawing/2014/main" id="{CD934F8F-78AA-563B-9701-F7530A227FA6}"/>
+                <a16:creationId xmlns:a16="http://schemas.microsoft.com/office/drawing/2014/main" xmlns="" id="{CD934F8F-78AA-563B-9701-F7530A227FA6}"/>
               </a:ext>
             </a:extLst>
           </p:cNvPr>
@@ -9761,7 +9796,7 @@
           <p:cNvPr id="2" name="Title 1">
             <a:extLst>
               <a:ext uri="{FF2B5EF4-FFF2-40B4-BE49-F238E27FC236}">
-                <a16:creationId xmlns:a16="http://schemas.microsoft.com/office/drawing/2014/main" id="{A387ADE2-5DCE-908C-6F6E-53991A4DC9B6}"/>
+                <a16:creationId xmlns:a16="http://schemas.microsoft.com/office/drawing/2014/main" xmlns="" id="{A387ADE2-5DCE-908C-6F6E-53991A4DC9B6}"/>
               </a:ext>
             </a:extLst>
           </p:cNvPr>
@@ -9789,7 +9824,7 @@
           <p:cNvPr id="3" name="Content Placeholder 2">
             <a:extLst>
               <a:ext uri="{FF2B5EF4-FFF2-40B4-BE49-F238E27FC236}">
-                <a16:creationId xmlns:a16="http://schemas.microsoft.com/office/drawing/2014/main" id="{E429667C-2662-29D9-1386-FB7C5D6A20E8}"/>
+                <a16:creationId xmlns:a16="http://schemas.microsoft.com/office/drawing/2014/main" xmlns="" id="{E429667C-2662-29D9-1386-FB7C5D6A20E8}"/>
               </a:ext>
             </a:extLst>
           </p:cNvPr>
@@ -9874,7 +9909,7 @@
           <p:cNvPr id="2" name="Title 1">
             <a:extLst>
               <a:ext uri="{FF2B5EF4-FFF2-40B4-BE49-F238E27FC236}">
-                <a16:creationId xmlns:a16="http://schemas.microsoft.com/office/drawing/2014/main" id="{4BE18E1D-F639-DFB9-2832-ED67065D803E}"/>
+                <a16:creationId xmlns:a16="http://schemas.microsoft.com/office/drawing/2014/main" xmlns="" id="{4BE18E1D-F639-DFB9-2832-ED67065D803E}"/>
               </a:ext>
             </a:extLst>
           </p:cNvPr>
@@ -9902,7 +9937,7 @@
           <p:cNvPr id="3" name="Content Placeholder 2">
             <a:extLst>
               <a:ext uri="{FF2B5EF4-FFF2-40B4-BE49-F238E27FC236}">
-                <a16:creationId xmlns:a16="http://schemas.microsoft.com/office/drawing/2014/main" id="{2FC2F601-01DC-0B29-0634-D390033D9AC8}"/>
+                <a16:creationId xmlns:a16="http://schemas.microsoft.com/office/drawing/2014/main" xmlns="" id="{2FC2F601-01DC-0B29-0634-D390033D9AC8}"/>
               </a:ext>
             </a:extLst>
           </p:cNvPr>
@@ -9953,7 +9988,7 @@
           <p:cNvPr id="5" name="Picture 4">
             <a:extLst>
               <a:ext uri="{FF2B5EF4-FFF2-40B4-BE49-F238E27FC236}">
-                <a16:creationId xmlns:a16="http://schemas.microsoft.com/office/drawing/2014/main" id="{1257D97C-5159-407C-947F-00F85F186E5A}"/>
+                <a16:creationId xmlns:a16="http://schemas.microsoft.com/office/drawing/2014/main" xmlns="" id="{1257D97C-5159-407C-947F-00F85F186E5A}"/>
               </a:ext>
             </a:extLst>
           </p:cNvPr>
@@ -9983,7 +10018,7 @@
           <p:cNvPr id="4" name="Content Placeholder 2">
             <a:extLst>
               <a:ext uri="{FF2B5EF4-FFF2-40B4-BE49-F238E27FC236}">
-                <a16:creationId xmlns:a16="http://schemas.microsoft.com/office/drawing/2014/main" id="{EFBDD6A1-C74B-1483-B9D9-81A803D16614}"/>
+                <a16:creationId xmlns:a16="http://schemas.microsoft.com/office/drawing/2014/main" xmlns="" id="{EFBDD6A1-C74B-1483-B9D9-81A803D16614}"/>
               </a:ext>
             </a:extLst>
           </p:cNvPr>
@@ -10205,7 +10240,7 @@
           <p:cNvPr id="6" name="Content Placeholder 2">
             <a:extLst>
               <a:ext uri="{FF2B5EF4-FFF2-40B4-BE49-F238E27FC236}">
-                <a16:creationId xmlns:a16="http://schemas.microsoft.com/office/drawing/2014/main" id="{2E8BA57A-0EDC-C162-D85C-D8F8FEE641CC}"/>
+                <a16:creationId xmlns:a16="http://schemas.microsoft.com/office/drawing/2014/main" xmlns="" id="{2E8BA57A-0EDC-C162-D85C-D8F8FEE641CC}"/>
               </a:ext>
             </a:extLst>
           </p:cNvPr>
@@ -10436,7 +10471,7 @@
           <p:cNvPr id="7" name="Content Placeholder 2">
             <a:extLst>
               <a:ext uri="{FF2B5EF4-FFF2-40B4-BE49-F238E27FC236}">
-                <a16:creationId xmlns:a16="http://schemas.microsoft.com/office/drawing/2014/main" id="{956E975E-8D26-D907-6FCC-9778A745826D}"/>
+                <a16:creationId xmlns:a16="http://schemas.microsoft.com/office/drawing/2014/main" xmlns="" id="{956E975E-8D26-D907-6FCC-9778A745826D}"/>
               </a:ext>
             </a:extLst>
           </p:cNvPr>
@@ -10717,7 +10752,7 @@
           <p:cNvPr id="2" name="Title 1">
             <a:extLst>
               <a:ext uri="{FF2B5EF4-FFF2-40B4-BE49-F238E27FC236}">
-                <a16:creationId xmlns:a16="http://schemas.microsoft.com/office/drawing/2014/main" id="{5E3C9868-6BC2-4CEC-4EF3-DBFDAB77A8F5}"/>
+                <a16:creationId xmlns:a16="http://schemas.microsoft.com/office/drawing/2014/main" xmlns="" id="{5E3C9868-6BC2-4CEC-4EF3-DBFDAB77A8F5}"/>
               </a:ext>
             </a:extLst>
           </p:cNvPr>
@@ -10745,7 +10780,7 @@
           <p:cNvPr id="3" name="Content Placeholder 2">
             <a:extLst>
               <a:ext uri="{FF2B5EF4-FFF2-40B4-BE49-F238E27FC236}">
-                <a16:creationId xmlns:a16="http://schemas.microsoft.com/office/drawing/2014/main" id="{1FF8DD75-FB12-B0DE-5701-8F1346A8D1BA}"/>
+                <a16:creationId xmlns:a16="http://schemas.microsoft.com/office/drawing/2014/main" xmlns="" id="{1FF8DD75-FB12-B0DE-5701-8F1346A8D1BA}"/>
               </a:ext>
             </a:extLst>
           </p:cNvPr>
@@ -10809,7 +10844,7 @@
           <p:cNvPr id="5" name="Content Placeholder 4">
             <a:extLst>
               <a:ext uri="{FF2B5EF4-FFF2-40B4-BE49-F238E27FC236}">
-                <a16:creationId xmlns:a16="http://schemas.microsoft.com/office/drawing/2014/main" id="{95D0C53B-F812-3E56-6197-E5FC63B002E6}"/>
+                <a16:creationId xmlns:a16="http://schemas.microsoft.com/office/drawing/2014/main" xmlns="" id="{95D0C53B-F812-3E56-6197-E5FC63B002E6}"/>
               </a:ext>
             </a:extLst>
           </p:cNvPr>
@@ -10891,7 +10926,7 @@
           <p:cNvPr id="4" name="Content Placeholder 2">
             <a:extLst>
               <a:ext uri="{FF2B5EF4-FFF2-40B4-BE49-F238E27FC236}">
-                <a16:creationId xmlns:a16="http://schemas.microsoft.com/office/drawing/2014/main" id="{15E85D6C-29C2-0243-8BF9-BA6BE6CF64E4}"/>
+                <a16:creationId xmlns:a16="http://schemas.microsoft.com/office/drawing/2014/main" xmlns="" id="{15E85D6C-29C2-0243-8BF9-BA6BE6CF64E4}"/>
               </a:ext>
             </a:extLst>
           </p:cNvPr>
@@ -11117,7 +11152,7 @@
           <p:cNvPr id="2" name="Title 1">
             <a:extLst>
               <a:ext uri="{FF2B5EF4-FFF2-40B4-BE49-F238E27FC236}">
-                <a16:creationId xmlns:a16="http://schemas.microsoft.com/office/drawing/2014/main" id="{20D80D1A-A594-5669-E416-C9642DF22CB0}"/>
+                <a16:creationId xmlns:a16="http://schemas.microsoft.com/office/drawing/2014/main" xmlns="" id="{20D80D1A-A594-5669-E416-C9642DF22CB0}"/>
               </a:ext>
             </a:extLst>
           </p:cNvPr>
@@ -11145,7 +11180,7 @@
           <p:cNvPr id="3" name="Content Placeholder 2">
             <a:extLst>
               <a:ext uri="{FF2B5EF4-FFF2-40B4-BE49-F238E27FC236}">
-                <a16:creationId xmlns:a16="http://schemas.microsoft.com/office/drawing/2014/main" id="{6773AD86-58E4-7558-084E-5CB2AC5F07BC}"/>
+                <a16:creationId xmlns:a16="http://schemas.microsoft.com/office/drawing/2014/main" xmlns="" id="{6773AD86-58E4-7558-084E-5CB2AC5F07BC}"/>
               </a:ext>
             </a:extLst>
           </p:cNvPr>
@@ -11194,7 +11229,7 @@
           <p:cNvPr id="4" name="Picture 3">
             <a:extLst>
               <a:ext uri="{FF2B5EF4-FFF2-40B4-BE49-F238E27FC236}">
-                <a16:creationId xmlns:a16="http://schemas.microsoft.com/office/drawing/2014/main" id="{016F0068-3783-5A99-5992-CB3DAA88E7F7}"/>
+                <a16:creationId xmlns:a16="http://schemas.microsoft.com/office/drawing/2014/main" xmlns="" id="{016F0068-3783-5A99-5992-CB3DAA88E7F7}"/>
               </a:ext>
             </a:extLst>
           </p:cNvPr>
@@ -11223,7 +11258,7 @@
           <p:cNvPr id="5" name="Picture 4">
             <a:extLst>
               <a:ext uri="{FF2B5EF4-FFF2-40B4-BE49-F238E27FC236}">
-                <a16:creationId xmlns:a16="http://schemas.microsoft.com/office/drawing/2014/main" id="{C87720C6-82EF-7554-B437-F2CE3AEC8D81}"/>
+                <a16:creationId xmlns:a16="http://schemas.microsoft.com/office/drawing/2014/main" xmlns="" id="{C87720C6-82EF-7554-B437-F2CE3AEC8D81}"/>
               </a:ext>
             </a:extLst>
           </p:cNvPr>
@@ -11252,7 +11287,7 @@
           <p:cNvPr id="7" name="Rectangle: Rounded Corners 6">
             <a:extLst>
               <a:ext uri="{FF2B5EF4-FFF2-40B4-BE49-F238E27FC236}">
-                <a16:creationId xmlns:a16="http://schemas.microsoft.com/office/drawing/2014/main" id="{F449B456-9D34-A0BB-B9DE-C0917DAA7286}"/>
+                <a16:creationId xmlns:a16="http://schemas.microsoft.com/office/drawing/2014/main" xmlns="" id="{F449B456-9D34-A0BB-B9DE-C0917DAA7286}"/>
               </a:ext>
             </a:extLst>
           </p:cNvPr>
@@ -11298,7 +11333,7 @@
           <p:cNvPr id="10" name="Rectangle: Rounded Corners 9">
             <a:extLst>
               <a:ext uri="{FF2B5EF4-FFF2-40B4-BE49-F238E27FC236}">
-                <a16:creationId xmlns:a16="http://schemas.microsoft.com/office/drawing/2014/main" id="{D13021AC-EE1E-884D-D7D9-6C256A2645AE}"/>
+                <a16:creationId xmlns:a16="http://schemas.microsoft.com/office/drawing/2014/main" xmlns="" id="{D13021AC-EE1E-884D-D7D9-6C256A2645AE}"/>
               </a:ext>
             </a:extLst>
           </p:cNvPr>
@@ -11344,7 +11379,7 @@
           <p:cNvPr id="11" name="Picture 10">
             <a:extLst>
               <a:ext uri="{FF2B5EF4-FFF2-40B4-BE49-F238E27FC236}">
-                <a16:creationId xmlns:a16="http://schemas.microsoft.com/office/drawing/2014/main" id="{132EE006-40E4-9878-0146-98BE23FB4C2E}"/>
+                <a16:creationId xmlns:a16="http://schemas.microsoft.com/office/drawing/2014/main" xmlns="" id="{132EE006-40E4-9878-0146-98BE23FB4C2E}"/>
               </a:ext>
             </a:extLst>
           </p:cNvPr>
@@ -11374,7 +11409,7 @@
           <p:cNvPr id="12" name="Picture 11">
             <a:extLst>
               <a:ext uri="{FF2B5EF4-FFF2-40B4-BE49-F238E27FC236}">
-                <a16:creationId xmlns:a16="http://schemas.microsoft.com/office/drawing/2014/main" id="{9BA1B477-24F3-E5DF-12C2-6F791C1381B5}"/>
+                <a16:creationId xmlns:a16="http://schemas.microsoft.com/office/drawing/2014/main" xmlns="" id="{9BA1B477-24F3-E5DF-12C2-6F791C1381B5}"/>
               </a:ext>
             </a:extLst>
           </p:cNvPr>
@@ -11434,7 +11469,7 @@
           <p:cNvPr id="2" name="Title 1">
             <a:extLst>
               <a:ext uri="{FF2B5EF4-FFF2-40B4-BE49-F238E27FC236}">
-                <a16:creationId xmlns:a16="http://schemas.microsoft.com/office/drawing/2014/main" id="{1CFBD9DB-14C6-32F0-A8F6-789E2A36B5C5}"/>
+                <a16:creationId xmlns:a16="http://schemas.microsoft.com/office/drawing/2014/main" xmlns="" id="{1CFBD9DB-14C6-32F0-A8F6-789E2A36B5C5}"/>
               </a:ext>
             </a:extLst>
           </p:cNvPr>
@@ -11462,7 +11497,7 @@
           <p:cNvPr id="3" name="Content Placeholder 2">
             <a:extLst>
               <a:ext uri="{FF2B5EF4-FFF2-40B4-BE49-F238E27FC236}">
-                <a16:creationId xmlns:a16="http://schemas.microsoft.com/office/drawing/2014/main" id="{F3B6AF3C-5D56-2FFD-0306-1499AF960257}"/>
+                <a16:creationId xmlns:a16="http://schemas.microsoft.com/office/drawing/2014/main" xmlns="" id="{F3B6AF3C-5D56-2FFD-0306-1499AF960257}"/>
               </a:ext>
             </a:extLst>
           </p:cNvPr>
@@ -11517,7 +11552,7 @@
           <p:cNvPr id="5" name="Picture 4">
             <a:extLst>
               <a:ext uri="{FF2B5EF4-FFF2-40B4-BE49-F238E27FC236}">
-                <a16:creationId xmlns:a16="http://schemas.microsoft.com/office/drawing/2014/main" id="{2F40E2AA-2D4D-DBA9-2F8C-0569FA5F83A2}"/>
+                <a16:creationId xmlns:a16="http://schemas.microsoft.com/office/drawing/2014/main" xmlns="" id="{2F40E2AA-2D4D-DBA9-2F8C-0569FA5F83A2}"/>
               </a:ext>
             </a:extLst>
           </p:cNvPr>
@@ -11546,7 +11581,7 @@
           <p:cNvPr id="13" name="Picture 12">
             <a:extLst>
               <a:ext uri="{FF2B5EF4-FFF2-40B4-BE49-F238E27FC236}">
-                <a16:creationId xmlns:a16="http://schemas.microsoft.com/office/drawing/2014/main" id="{FDF5CAD4-58B9-E7F7-1622-602A5B730560}"/>
+                <a16:creationId xmlns:a16="http://schemas.microsoft.com/office/drawing/2014/main" xmlns="" id="{FDF5CAD4-58B9-E7F7-1622-602A5B730560}"/>
               </a:ext>
             </a:extLst>
           </p:cNvPr>
@@ -11576,7 +11611,7 @@
           <p:cNvPr id="11" name="Picture 10">
             <a:extLst>
               <a:ext uri="{FF2B5EF4-FFF2-40B4-BE49-F238E27FC236}">
-                <a16:creationId xmlns:a16="http://schemas.microsoft.com/office/drawing/2014/main" id="{C2308212-CCDD-6463-E0ED-61D392B84C24}"/>
+                <a16:creationId xmlns:a16="http://schemas.microsoft.com/office/drawing/2014/main" xmlns="" id="{C2308212-CCDD-6463-E0ED-61D392B84C24}"/>
               </a:ext>
             </a:extLst>
           </p:cNvPr>
@@ -11606,7 +11641,7 @@
           <p:cNvPr id="17" name="Group 16">
             <a:extLst>
               <a:ext uri="{FF2B5EF4-FFF2-40B4-BE49-F238E27FC236}">
-                <a16:creationId xmlns:a16="http://schemas.microsoft.com/office/drawing/2014/main" id="{1BB03DFC-38C8-C8D5-3F52-E9369FA3CD42}"/>
+                <a16:creationId xmlns:a16="http://schemas.microsoft.com/office/drawing/2014/main" xmlns="" id="{1BB03DFC-38C8-C8D5-3F52-E9369FA3CD42}"/>
               </a:ext>
             </a:extLst>
           </p:cNvPr>
@@ -11626,7 +11661,7 @@
             <p:cNvPr id="15" name="Picture 14" descr="A diagram of the brain&#10;&#10;Description automatically generated">
               <a:extLst>
                 <a:ext uri="{FF2B5EF4-FFF2-40B4-BE49-F238E27FC236}">
-                  <a16:creationId xmlns:a16="http://schemas.microsoft.com/office/drawing/2014/main" id="{B79EAAAF-AE28-60DA-2134-B6B1D3A8C853}"/>
+                  <a16:creationId xmlns:a16="http://schemas.microsoft.com/office/drawing/2014/main" xmlns="" id="{B79EAAAF-AE28-60DA-2134-B6B1D3A8C853}"/>
                 </a:ext>
               </a:extLst>
             </p:cNvPr>
@@ -11662,7 +11697,7 @@
             <p:cNvPr id="16" name="TextBox 15">
               <a:extLst>
                 <a:ext uri="{FF2B5EF4-FFF2-40B4-BE49-F238E27FC236}">
-                  <a16:creationId xmlns:a16="http://schemas.microsoft.com/office/drawing/2014/main" id="{05DEAEE7-9316-AD21-E136-46FB80692082}"/>
+                  <a16:creationId xmlns:a16="http://schemas.microsoft.com/office/drawing/2014/main" xmlns="" id="{05DEAEE7-9316-AD21-E136-46FB80692082}"/>
                 </a:ext>
               </a:extLst>
             </p:cNvPr>
@@ -11728,7 +11763,7 @@
           <p:cNvPr id="2" name="Title 1">
             <a:extLst>
               <a:ext uri="{FF2B5EF4-FFF2-40B4-BE49-F238E27FC236}">
-                <a16:creationId xmlns:a16="http://schemas.microsoft.com/office/drawing/2014/main" id="{2C32BD3F-A14B-37DB-561C-E3DF44882F48}"/>
+                <a16:creationId xmlns:a16="http://schemas.microsoft.com/office/drawing/2014/main" xmlns="" id="{2C32BD3F-A14B-37DB-561C-E3DF44882F48}"/>
               </a:ext>
             </a:extLst>
           </p:cNvPr>
@@ -11756,7 +11791,7 @@
           <p:cNvPr id="29" name="Picture 28">
             <a:extLst>
               <a:ext uri="{FF2B5EF4-FFF2-40B4-BE49-F238E27FC236}">
-                <a16:creationId xmlns:a16="http://schemas.microsoft.com/office/drawing/2014/main" id="{200314EF-3253-C2B0-2677-993BF1A2F53E}"/>
+                <a16:creationId xmlns:a16="http://schemas.microsoft.com/office/drawing/2014/main" xmlns="" id="{200314EF-3253-C2B0-2677-993BF1A2F53E}"/>
               </a:ext>
             </a:extLst>
           </p:cNvPr>
@@ -11786,7 +11821,7 @@
           <p:cNvPr id="4" name="Group 3">
             <a:extLst>
               <a:ext uri="{FF2B5EF4-FFF2-40B4-BE49-F238E27FC236}">
-                <a16:creationId xmlns:a16="http://schemas.microsoft.com/office/drawing/2014/main" id="{6FBF83D1-92E9-4862-B011-3ED331534BA4}"/>
+                <a16:creationId xmlns:a16="http://schemas.microsoft.com/office/drawing/2014/main" xmlns="" id="{6FBF83D1-92E9-4862-B011-3ED331534BA4}"/>
               </a:ext>
             </a:extLst>
           </p:cNvPr>
@@ -11806,7 +11841,7 @@
             <p:cNvPr id="5" name="Picture 4" descr="A graph of a graph of a graph&#10;&#10;Description automatically generated with medium confidence">
               <a:extLst>
                 <a:ext uri="{FF2B5EF4-FFF2-40B4-BE49-F238E27FC236}">
-                  <a16:creationId xmlns:a16="http://schemas.microsoft.com/office/drawing/2014/main" id="{6ADF9FBD-1701-AD5F-812B-8AB07728C23F}"/>
+                  <a16:creationId xmlns:a16="http://schemas.microsoft.com/office/drawing/2014/main" xmlns="" id="{6ADF9FBD-1701-AD5F-812B-8AB07728C23F}"/>
                 </a:ext>
               </a:extLst>
             </p:cNvPr>
@@ -11816,7 +11851,7 @@
             <p:nvPr/>
           </p:nvPicPr>
           <p:blipFill>
-            <a:blip r:embed="rId3">
+            <a:blip r:embed="rId3" cstate="print">
               <a:extLst>
                 <a:ext uri="{28A0092B-C50C-407E-A947-70E740481C1C}">
                   <a14:useLocalDpi xmlns:a14="http://schemas.microsoft.com/office/drawing/2010/main" val="0"/>
@@ -11842,7 +11877,7 @@
             <p:cNvPr id="6" name="TextBox 5">
               <a:extLst>
                 <a:ext uri="{FF2B5EF4-FFF2-40B4-BE49-F238E27FC236}">
-                  <a16:creationId xmlns:a16="http://schemas.microsoft.com/office/drawing/2014/main" id="{C7AD888C-2472-D0BC-059B-C36A484E71D0}"/>
+                  <a16:creationId xmlns:a16="http://schemas.microsoft.com/office/drawing/2014/main" xmlns="" id="{C7AD888C-2472-D0BC-059B-C36A484E71D0}"/>
                 </a:ext>
               </a:extLst>
             </p:cNvPr>
@@ -11908,7 +11943,7 @@
           <p:cNvPr id="2" name="Title 1">
             <a:extLst>
               <a:ext uri="{FF2B5EF4-FFF2-40B4-BE49-F238E27FC236}">
-                <a16:creationId xmlns:a16="http://schemas.microsoft.com/office/drawing/2014/main" id="{E71E46EB-F59D-1048-7DA2-08030DFB530C}"/>
+                <a16:creationId xmlns:a16="http://schemas.microsoft.com/office/drawing/2014/main" xmlns="" id="{E71E46EB-F59D-1048-7DA2-08030DFB530C}"/>
               </a:ext>
             </a:extLst>
           </p:cNvPr>
@@ -11936,7 +11971,7 @@
           <p:cNvPr id="3" name="Content Placeholder 2">
             <a:extLst>
               <a:ext uri="{FF2B5EF4-FFF2-40B4-BE49-F238E27FC236}">
-                <a16:creationId xmlns:a16="http://schemas.microsoft.com/office/drawing/2014/main" id="{DFAA6BFF-2ADC-C751-65E9-EA5EC84CC47D}"/>
+                <a16:creationId xmlns:a16="http://schemas.microsoft.com/office/drawing/2014/main" xmlns="" id="{DFAA6BFF-2ADC-C751-65E9-EA5EC84CC47D}"/>
               </a:ext>
             </a:extLst>
           </p:cNvPr>
@@ -11982,7 +12017,7 @@
           <p:cNvPr id="19" name="Picture 18">
             <a:extLst>
               <a:ext uri="{FF2B5EF4-FFF2-40B4-BE49-F238E27FC236}">
-                <a16:creationId xmlns:a16="http://schemas.microsoft.com/office/drawing/2014/main" id="{DC42B70B-F9AE-7780-00BA-A4365EC3C7EB}"/>
+                <a16:creationId xmlns:a16="http://schemas.microsoft.com/office/drawing/2014/main" xmlns="" id="{DC42B70B-F9AE-7780-00BA-A4365EC3C7EB}"/>
               </a:ext>
             </a:extLst>
           </p:cNvPr>
@@ -12012,7 +12047,7 @@
           <p:cNvPr id="33" name="Picture 32">
             <a:extLst>
               <a:ext uri="{FF2B5EF4-FFF2-40B4-BE49-F238E27FC236}">
-                <a16:creationId xmlns:a16="http://schemas.microsoft.com/office/drawing/2014/main" id="{C3B7C8EE-0590-D5E8-F60C-AAF4B239CB51}"/>
+                <a16:creationId xmlns:a16="http://schemas.microsoft.com/office/drawing/2014/main" xmlns="" id="{C3B7C8EE-0590-D5E8-F60C-AAF4B239CB51}"/>
               </a:ext>
             </a:extLst>
           </p:cNvPr>
@@ -12042,7 +12077,7 @@
           <p:cNvPr id="39" name="Group 38">
             <a:extLst>
               <a:ext uri="{FF2B5EF4-FFF2-40B4-BE49-F238E27FC236}">
-                <a16:creationId xmlns:a16="http://schemas.microsoft.com/office/drawing/2014/main" id="{45168ED9-6528-EA09-F3C7-EF24700FEA2C}"/>
+                <a16:creationId xmlns:a16="http://schemas.microsoft.com/office/drawing/2014/main" xmlns="" id="{45168ED9-6528-EA09-F3C7-EF24700FEA2C}"/>
               </a:ext>
             </a:extLst>
           </p:cNvPr>
@@ -12062,7 +12097,7 @@
             <p:cNvPr id="10" name="Picture 9">
               <a:extLst>
                 <a:ext uri="{FF2B5EF4-FFF2-40B4-BE49-F238E27FC236}">
-                  <a16:creationId xmlns:a16="http://schemas.microsoft.com/office/drawing/2014/main" id="{78E5A823-CF91-898D-E7BF-397D7EA52C0D}"/>
+                  <a16:creationId xmlns:a16="http://schemas.microsoft.com/office/drawing/2014/main" xmlns="" id="{78E5A823-CF91-898D-E7BF-397D7EA52C0D}"/>
                 </a:ext>
               </a:extLst>
             </p:cNvPr>
@@ -12092,7 +12127,7 @@
             <p:cNvPr id="38" name="Group 37">
               <a:extLst>
                 <a:ext uri="{FF2B5EF4-FFF2-40B4-BE49-F238E27FC236}">
-                  <a16:creationId xmlns:a16="http://schemas.microsoft.com/office/drawing/2014/main" id="{322235E3-0F16-56AA-51D3-BB93E0E7D352}"/>
+                  <a16:creationId xmlns:a16="http://schemas.microsoft.com/office/drawing/2014/main" xmlns="" id="{322235E3-0F16-56AA-51D3-BB93E0E7D352}"/>
                 </a:ext>
               </a:extLst>
             </p:cNvPr>
@@ -12112,7 +12147,7 @@
               <p:cNvPr id="20" name="Rectangle: Rounded Corners 19">
                 <a:extLst>
                   <a:ext uri="{FF2B5EF4-FFF2-40B4-BE49-F238E27FC236}">
-                    <a16:creationId xmlns:a16="http://schemas.microsoft.com/office/drawing/2014/main" id="{49B357E7-D380-056A-30E0-1CCFACAA3B78}"/>
+                    <a16:creationId xmlns:a16="http://schemas.microsoft.com/office/drawing/2014/main" xmlns="" id="{49B357E7-D380-056A-30E0-1CCFACAA3B78}"/>
                   </a:ext>
                 </a:extLst>
               </p:cNvPr>
@@ -12158,7 +12193,7 @@
               <p:cNvPr id="37" name="Straight Arrow Connector 36">
                 <a:extLst>
                   <a:ext uri="{FF2B5EF4-FFF2-40B4-BE49-F238E27FC236}">
-                    <a16:creationId xmlns:a16="http://schemas.microsoft.com/office/drawing/2014/main" id="{11537CA5-AC73-8B95-920B-83ABD4FAA490}"/>
+                    <a16:creationId xmlns:a16="http://schemas.microsoft.com/office/drawing/2014/main" xmlns="" id="{11537CA5-AC73-8B95-920B-83ABD4FAA490}"/>
                   </a:ext>
                 </a:extLst>
               </p:cNvPr>
@@ -12202,7 +12237,7 @@
           <p:cNvPr id="45" name="Group 44">
             <a:extLst>
               <a:ext uri="{FF2B5EF4-FFF2-40B4-BE49-F238E27FC236}">
-                <a16:creationId xmlns:a16="http://schemas.microsoft.com/office/drawing/2014/main" id="{D579C0A4-9309-9663-6253-81ED8DE8B242}"/>
+                <a16:creationId xmlns:a16="http://schemas.microsoft.com/office/drawing/2014/main" xmlns="" id="{D579C0A4-9309-9663-6253-81ED8DE8B242}"/>
               </a:ext>
             </a:extLst>
           </p:cNvPr>
@@ -12222,7 +12257,7 @@
             <p:cNvPr id="17" name="Group 16">
               <a:extLst>
                 <a:ext uri="{FF2B5EF4-FFF2-40B4-BE49-F238E27FC236}">
-                  <a16:creationId xmlns:a16="http://schemas.microsoft.com/office/drawing/2014/main" id="{D8CAB7C4-04DB-FE76-7161-8A06B29F1201}"/>
+                  <a16:creationId xmlns:a16="http://schemas.microsoft.com/office/drawing/2014/main" xmlns="" id="{D8CAB7C4-04DB-FE76-7161-8A06B29F1201}"/>
                 </a:ext>
               </a:extLst>
             </p:cNvPr>
@@ -12242,7 +12277,7 @@
               <p:cNvPr id="15" name="Group 14">
                 <a:extLst>
                   <a:ext uri="{FF2B5EF4-FFF2-40B4-BE49-F238E27FC236}">
-                    <a16:creationId xmlns:a16="http://schemas.microsoft.com/office/drawing/2014/main" id="{FD234A33-A4D4-954A-DA0E-9B4F0A89A932}"/>
+                    <a16:creationId xmlns:a16="http://schemas.microsoft.com/office/drawing/2014/main" xmlns="" id="{FD234A33-A4D4-954A-DA0E-9B4F0A89A932}"/>
                   </a:ext>
                 </a:extLst>
               </p:cNvPr>
@@ -12262,7 +12297,7 @@
                 <p:cNvPr id="12" name="Picture 11" descr="A drawing of a lemon&#10;&#10;Description automatically generated">
                   <a:extLst>
                     <a:ext uri="{FF2B5EF4-FFF2-40B4-BE49-F238E27FC236}">
-                      <a16:creationId xmlns:a16="http://schemas.microsoft.com/office/drawing/2014/main" id="{5CEA78EA-3941-6B38-1D1D-D77A44E02979}"/>
+                      <a16:creationId xmlns:a16="http://schemas.microsoft.com/office/drawing/2014/main" xmlns="" id="{5CEA78EA-3941-6B38-1D1D-D77A44E02979}"/>
                     </a:ext>
                   </a:extLst>
                 </p:cNvPr>
@@ -12298,7 +12333,7 @@
                 <p:cNvPr id="14" name="Picture 13">
                   <a:extLst>
                     <a:ext uri="{FF2B5EF4-FFF2-40B4-BE49-F238E27FC236}">
-                      <a16:creationId xmlns:a16="http://schemas.microsoft.com/office/drawing/2014/main" id="{229949F5-9B07-0506-4A1A-E744EF330E30}"/>
+                      <a16:creationId xmlns:a16="http://schemas.microsoft.com/office/drawing/2014/main" xmlns="" id="{229949F5-9B07-0506-4A1A-E744EF330E30}"/>
                     </a:ext>
                   </a:extLst>
                 </p:cNvPr>
@@ -12329,7 +12364,7 @@
               <p:cNvPr id="16" name="TextBox 15">
                 <a:extLst>
                   <a:ext uri="{FF2B5EF4-FFF2-40B4-BE49-F238E27FC236}">
-                    <a16:creationId xmlns:a16="http://schemas.microsoft.com/office/drawing/2014/main" id="{640931C8-F655-5023-850C-29F1A52E466D}"/>
+                    <a16:creationId xmlns:a16="http://schemas.microsoft.com/office/drawing/2014/main" xmlns="" id="{640931C8-F655-5023-850C-29F1A52E466D}"/>
                   </a:ext>
                 </a:extLst>
               </p:cNvPr>
@@ -12365,7 +12400,7 @@
             <p:cNvPr id="41" name="Rectangle: Rounded Corners 40">
               <a:extLst>
                 <a:ext uri="{FF2B5EF4-FFF2-40B4-BE49-F238E27FC236}">
-                  <a16:creationId xmlns:a16="http://schemas.microsoft.com/office/drawing/2014/main" id="{C3B8B2EF-E0DB-CCD4-8109-14A45F7B97FD}"/>
+                  <a16:creationId xmlns:a16="http://schemas.microsoft.com/office/drawing/2014/main" xmlns="" id="{C3B8B2EF-E0DB-CCD4-8109-14A45F7B97FD}"/>
                 </a:ext>
               </a:extLst>
             </p:cNvPr>
@@ -12412,7 +12447,7 @@
           <p:cNvPr id="42" name="Straight Arrow Connector 41">
             <a:extLst>
               <a:ext uri="{FF2B5EF4-FFF2-40B4-BE49-F238E27FC236}">
-                <a16:creationId xmlns:a16="http://schemas.microsoft.com/office/drawing/2014/main" id="{FD231946-5464-7C50-5784-0AF5BDCFFA34}"/>
+                <a16:creationId xmlns:a16="http://schemas.microsoft.com/office/drawing/2014/main" xmlns="" id="{FD231946-5464-7C50-5784-0AF5BDCFFA34}"/>
               </a:ext>
             </a:extLst>
           </p:cNvPr>
@@ -12455,7 +12490,7 @@
           <p:cNvPr id="46" name="Straight Arrow Connector 45">
             <a:extLst>
               <a:ext uri="{FF2B5EF4-FFF2-40B4-BE49-F238E27FC236}">
-                <a16:creationId xmlns:a16="http://schemas.microsoft.com/office/drawing/2014/main" id="{9EE46402-329E-AAEC-7D29-311025721A2C}"/>
+                <a16:creationId xmlns:a16="http://schemas.microsoft.com/office/drawing/2014/main" xmlns="" id="{9EE46402-329E-AAEC-7D29-311025721A2C}"/>
               </a:ext>
             </a:extLst>
           </p:cNvPr>
@@ -12497,7 +12532,7 @@
           <p:cNvPr id="53" name="Group 52">
             <a:extLst>
               <a:ext uri="{FF2B5EF4-FFF2-40B4-BE49-F238E27FC236}">
-                <a16:creationId xmlns:a16="http://schemas.microsoft.com/office/drawing/2014/main" id="{0CF8C890-7DCE-E09E-A3D8-2B7F0865B74E}"/>
+                <a16:creationId xmlns:a16="http://schemas.microsoft.com/office/drawing/2014/main" xmlns="" id="{0CF8C890-7DCE-E09E-A3D8-2B7F0865B74E}"/>
               </a:ext>
             </a:extLst>
           </p:cNvPr>
@@ -12517,7 +12552,7 @@
             <p:cNvPr id="51" name="Rectangle: Rounded Corners 50">
               <a:extLst>
                 <a:ext uri="{FF2B5EF4-FFF2-40B4-BE49-F238E27FC236}">
-                  <a16:creationId xmlns:a16="http://schemas.microsoft.com/office/drawing/2014/main" id="{49B7FCA9-F1F0-CCA4-7793-C33B500BACE5}"/>
+                  <a16:creationId xmlns:a16="http://schemas.microsoft.com/office/drawing/2014/main" xmlns="" id="{49B7FCA9-F1F0-CCA4-7793-C33B500BACE5}"/>
                 </a:ext>
               </a:extLst>
             </p:cNvPr>
@@ -12563,7 +12598,7 @@
             <p:cNvPr id="52" name="Rectangle: Rounded Corners 51">
               <a:extLst>
                 <a:ext uri="{FF2B5EF4-FFF2-40B4-BE49-F238E27FC236}">
-                  <a16:creationId xmlns:a16="http://schemas.microsoft.com/office/drawing/2014/main" id="{3D86254B-7409-0937-590D-6DA5C98E8ADE}"/>
+                  <a16:creationId xmlns:a16="http://schemas.microsoft.com/office/drawing/2014/main" xmlns="" id="{3D86254B-7409-0937-590D-6DA5C98E8ADE}"/>
                 </a:ext>
               </a:extLst>
             </p:cNvPr>
@@ -12661,7 +12696,7 @@
     </a:clrScheme>
     <a:fontScheme name="Office">
       <a:majorFont>
-        <a:latin typeface="Calibri Light" panose="020F0302020204030204"/>
+        <a:latin typeface="Calibri Light"/>
         <a:ea typeface=""/>
         <a:cs typeface=""/>
         <a:font script="Jpan" typeface="游ゴシック Light"/>
@@ -12713,7 +12748,7 @@
         <a:font script="Tfng" typeface="Ebrima"/>
       </a:majorFont>
       <a:minorFont>
-        <a:latin typeface="Calibri" panose="020F0502020204030204"/>
+        <a:latin typeface="Calibri"/>
         <a:ea typeface=""/>
         <a:cs typeface=""/>
         <a:font script="Jpan" typeface="游ゴシック"/>
@@ -12907,7 +12942,7 @@
   <a:extraClrSchemeLst/>
   <a:extLst>
     <a:ext uri="{05A4C25C-085E-4340-85A3-A5531E510DB2}">
-      <thm15:themeFamily xmlns:thm15="http://schemas.microsoft.com/office/thememl/2012/main" name="Office Theme" id="{62F939B6-93AF-4DB8-9C6B-D6C7DFDC589F}" vid="{4A3C46E8-61CC-4603-A589-7422A47A8E4A}"/>
+      <thm15:themeFamily xmlns:thm15="http://schemas.microsoft.com/office/thememl/2012/main" xmlns="" name="Office Theme" id="{62F939B6-93AF-4DB8-9C6B-D6C7DFDC589F}" vid="{4A3C46E8-61CC-4603-A589-7422A47A8E4A}"/>
     </a:ext>
   </a:extLst>
 </a:theme>
